--- a/Tacos KFT.pptx
+++ b/Tacos KFT.pptx
@@ -12,12 +12,13 @@
     <p:sldId id="261" r:id="rId6"/>
     <p:sldId id="264" r:id="rId7"/>
     <p:sldId id="262" r:id="rId8"/>
-    <p:sldId id="263" r:id="rId9"/>
-    <p:sldId id="260" r:id="rId10"/>
-    <p:sldId id="265" r:id="rId11"/>
-    <p:sldId id="267" r:id="rId12"/>
-    <p:sldId id="268" r:id="rId13"/>
-    <p:sldId id="266" r:id="rId14"/>
+    <p:sldId id="269" r:id="rId9"/>
+    <p:sldId id="263" r:id="rId10"/>
+    <p:sldId id="260" r:id="rId11"/>
+    <p:sldId id="265" r:id="rId12"/>
+    <p:sldId id="267" r:id="rId13"/>
+    <p:sldId id="268" r:id="rId14"/>
+    <p:sldId id="266" r:id="rId15"/>
   </p:sldIdLst>
   <p:sldSz cx="12192000" cy="6858000"/>
   <p:notesSz cx="6858000" cy="9144000"/>
@@ -116,6 +117,11 @@
       </a:defRPr>
     </a:lvl9pPr>
   </p:defaultTextStyle>
+  <p:extLst>
+    <p:ext uri="{EFAFB233-063F-42B5-8137-9DF3F51BA10A}">
+      <p15:sldGuideLst xmlns:p15="http://schemas.microsoft.com/office/powerpoint/2012/main"/>
+    </p:ext>
+  </p:extLst>
 </p:presentation>
 </file>
 
@@ -6941,6 +6947,1115 @@
   <p:cSld>
     <p:bg>
       <p:bgPr>
+        <a:solidFill>
+          <a:schemeClr val="bg1"/>
+        </a:solidFill>
+        <a:effectLst/>
+      </p:bgPr>
+    </p:bg>
+    <p:spTree>
+      <p:nvGrpSpPr>
+        <p:cNvPr id="1" name=""/>
+        <p:cNvGrpSpPr/>
+        <p:nvPr/>
+      </p:nvGrpSpPr>
+      <p:grpSpPr>
+        <a:xfrm>
+          <a:off x="0" y="0"/>
+          <a:ext cx="0" cy="0"/>
+          <a:chOff x="0" y="0"/>
+          <a:chExt cx="0" cy="0"/>
+        </a:xfrm>
+      </p:grpSpPr>
+      <p:sp>
+        <p:nvSpPr>
+          <p:cNvPr id="28" name="Rectangle 7">
+            <a:extLst>
+              <a:ext uri="{FF2B5EF4-FFF2-40B4-BE49-F238E27FC236}">
+                <a16:creationId xmlns:a16="http://schemas.microsoft.com/office/drawing/2014/main" id="{74CD14DB-BB81-479F-A1FC-1C75640E9F84}"/>
+              </a:ext>
+              <a:ext uri="{C183D7F6-B498-43B3-948B-1728B52AA6E4}">
+                <adec:decorative xmlns:adec="http://schemas.microsoft.com/office/drawing/2017/decorative" val="1"/>
+              </a:ext>
+            </a:extLst>
+          </p:cNvPr>
+          <p:cNvSpPr>
+            <a:spLocks noGrp="1" noRot="1" noChangeAspect="1" noMove="1" noResize="1" noEditPoints="1" noAdjustHandles="1" noChangeArrowheads="1" noChangeShapeType="1" noTextEdit="1"/>
+          </p:cNvSpPr>
+          <p:nvPr>
+            <p:extLst>
+              <p:ext uri="{386F3935-93C4-4BCD-93E2-E3B085C9AB24}">
+                <p16:designElem xmlns:p16="http://schemas.microsoft.com/office/powerpoint/2015/main" val="1"/>
+              </p:ext>
+            </p:extLst>
+          </p:nvPr>
+        </p:nvSpPr>
+        <p:spPr>
+          <a:xfrm>
+            <a:off x="0" y="0"/>
+            <a:ext cx="12192000" cy="6858000"/>
+          </a:xfrm>
+          <a:prstGeom prst="rect">
+            <a:avLst/>
+          </a:prstGeom>
+          <a:ln>
+            <a:noFill/>
+          </a:ln>
+        </p:spPr>
+        <p:style>
+          <a:lnRef idx="2">
+            <a:schemeClr val="accent1">
+              <a:shade val="50000"/>
+            </a:schemeClr>
+          </a:lnRef>
+          <a:fillRef idx="1003">
+            <a:schemeClr val="dk2"/>
+          </a:fillRef>
+          <a:effectRef idx="0">
+            <a:schemeClr val="accent1"/>
+          </a:effectRef>
+          <a:fontRef idx="minor">
+            <a:schemeClr val="lt1"/>
+          </a:fontRef>
+        </p:style>
+        <p:txBody>
+          <a:bodyPr rtlCol="0" anchor="ctr"/>
+          <a:lstStyle/>
+          <a:p>
+            <a:pPr marL="0" marR="0" lvl="0" indent="0" algn="ctr" defTabSz="914400" rtl="0" eaLnBrk="1" fontAlgn="auto" latinLnBrk="0" hangingPunct="1">
+              <a:lnSpc>
+                <a:spcPct val="100000"/>
+              </a:lnSpc>
+              <a:spcBef>
+                <a:spcPts val="0"/>
+              </a:spcBef>
+              <a:spcAft>
+                <a:spcPts val="0"/>
+              </a:spcAft>
+              <a:buClrTx/>
+              <a:buSzTx/>
+              <a:buFontTx/>
+              <a:buNone/>
+              <a:tabLst/>
+              <a:defRPr/>
+            </a:pPr>
+            <a:endParaRPr kumimoji="0" lang="en-US" sz="1800" b="0" i="0" u="none" strike="noStrike" kern="1200" cap="none" spc="0" normalizeH="0" baseline="0" noProof="0">
+              <a:ln>
+                <a:noFill/>
+              </a:ln>
+              <a:solidFill>
+                <a:prstClr val="white"/>
+              </a:solidFill>
+              <a:effectLst/>
+              <a:uLnTx/>
+              <a:uFillTx/>
+              <a:latin typeface="Century Gothic" panose="020B0502020202020204"/>
+              <a:ea typeface="+mn-ea"/>
+              <a:cs typeface="+mn-cs"/>
+            </a:endParaRPr>
+          </a:p>
+        </p:txBody>
+      </p:sp>
+      <p:sp>
+        <p:nvSpPr>
+          <p:cNvPr id="29" name="Rectangle 9">
+            <a:extLst>
+              <a:ext uri="{FF2B5EF4-FFF2-40B4-BE49-F238E27FC236}">
+                <a16:creationId xmlns:a16="http://schemas.microsoft.com/office/drawing/2014/main" id="{C943A91B-7CA7-4592-A975-73B1BF8C4C74}"/>
+              </a:ext>
+              <a:ext uri="{C183D7F6-B498-43B3-948B-1728B52AA6E4}">
+                <adec:decorative xmlns:adec="http://schemas.microsoft.com/office/drawing/2017/decorative" val="1"/>
+              </a:ext>
+            </a:extLst>
+          </p:cNvPr>
+          <p:cNvSpPr>
+            <a:spLocks noGrp="1" noRot="1" noChangeAspect="1" noMove="1" noResize="1" noEditPoints="1" noAdjustHandles="1" noChangeArrowheads="1" noChangeShapeType="1" noTextEdit="1"/>
+          </p:cNvSpPr>
+          <p:nvPr>
+            <p:extLst>
+              <p:ext uri="{386F3935-93C4-4BCD-93E2-E3B085C9AB24}">
+                <p16:designElem xmlns:p16="http://schemas.microsoft.com/office/powerpoint/2015/main" val="1"/>
+              </p:ext>
+            </p:extLst>
+          </p:nvPr>
+        </p:nvSpPr>
+        <p:spPr>
+          <a:xfrm>
+            <a:off x="10437812" y="0"/>
+            <a:ext cx="685800" cy="1143000"/>
+          </a:xfrm>
+          <a:prstGeom prst="rect">
+            <a:avLst/>
+          </a:prstGeom>
+          <a:solidFill>
+            <a:schemeClr val="accent1"/>
+          </a:solidFill>
+          <a:ln>
+            <a:noFill/>
+          </a:ln>
+        </p:spPr>
+        <p:style>
+          <a:lnRef idx="1">
+            <a:schemeClr val="accent1"/>
+          </a:lnRef>
+          <a:fillRef idx="3">
+            <a:schemeClr val="accent1"/>
+          </a:fillRef>
+          <a:effectRef idx="2">
+            <a:schemeClr val="accent1"/>
+          </a:effectRef>
+          <a:fontRef idx="minor">
+            <a:schemeClr val="lt1"/>
+          </a:fontRef>
+        </p:style>
+      </p:sp>
+      <p:sp>
+        <p:nvSpPr>
+          <p:cNvPr id="30" name="Freeform 7">
+            <a:extLst>
+              <a:ext uri="{FF2B5EF4-FFF2-40B4-BE49-F238E27FC236}">
+                <a16:creationId xmlns:a16="http://schemas.microsoft.com/office/drawing/2014/main" id="{EC471314-E46A-414B-8D91-74880E84F187}"/>
+              </a:ext>
+              <a:ext uri="{C183D7F6-B498-43B3-948B-1728B52AA6E4}">
+                <adec:decorative xmlns:adec="http://schemas.microsoft.com/office/drawing/2017/decorative" val="1"/>
+              </a:ext>
+            </a:extLst>
+          </p:cNvPr>
+          <p:cNvSpPr>
+            <a:spLocks noGrp="1" noRot="1" noChangeAspect="1" noMove="1" noResize="1" noEditPoints="1" noAdjustHandles="1" noChangeArrowheads="1" noChangeShapeType="1" noTextEdit="1"/>
+          </p:cNvSpPr>
+          <p:nvPr>
+            <p:extLst>
+              <p:ext uri="{386F3935-93C4-4BCD-93E2-E3B085C9AB24}">
+                <p16:designElem xmlns:p16="http://schemas.microsoft.com/office/powerpoint/2015/main" val="1"/>
+              </p:ext>
+            </p:extLst>
+          </p:nvPr>
+        </p:nvSpPr>
+        <p:spPr>
+          <a:xfrm>
+            <a:off x="8719939" y="1460230"/>
+            <a:ext cx="3472060" cy="825932"/>
+          </a:xfrm>
+          <a:custGeom>
+            <a:avLst/>
+            <a:gdLst>
+              <a:gd name="connsiteX0" fmla="*/ 3470310 w 3472060"/>
+              <a:gd name="connsiteY0" fmla="*/ 0 h 825932"/>
+              <a:gd name="connsiteX1" fmla="*/ 3472060 w 3472060"/>
+              <a:gd name="connsiteY1" fmla="*/ 12850 h 825932"/>
+              <a:gd name="connsiteX2" fmla="*/ 3472060 w 3472060"/>
+              <a:gd name="connsiteY2" fmla="*/ 480529 h 825932"/>
+              <a:gd name="connsiteX3" fmla="*/ 3363699 w 3472060"/>
+              <a:gd name="connsiteY3" fmla="*/ 498471 h 825932"/>
+              <a:gd name="connsiteX4" fmla="*/ 42060 w 3472060"/>
+              <a:gd name="connsiteY4" fmla="*/ 824486 h 825932"/>
+              <a:gd name="connsiteX5" fmla="*/ 0 w 3472060"/>
+              <a:gd name="connsiteY5" fmla="*/ 758452 h 825932"/>
+              <a:gd name="connsiteX6" fmla="*/ 188014 w 3472060"/>
+              <a:gd name="connsiteY6" fmla="*/ 735602 h 825932"/>
+              <a:gd name="connsiteX7" fmla="*/ 284087 w 3472060"/>
+              <a:gd name="connsiteY7" fmla="*/ 722590 h 825932"/>
+              <a:gd name="connsiteX8" fmla="*/ 382288 w 3472060"/>
+              <a:gd name="connsiteY8" fmla="*/ 709392 h 825932"/>
+              <a:gd name="connsiteX9" fmla="*/ 481858 w 3472060"/>
+              <a:gd name="connsiteY9" fmla="*/ 695774 h 825932"/>
+              <a:gd name="connsiteX10" fmla="*/ 581897 w 3472060"/>
+              <a:gd name="connsiteY10" fmla="*/ 680711 h 825932"/>
+              <a:gd name="connsiteX11" fmla="*/ 683670 w 3472060"/>
+              <a:gd name="connsiteY11" fmla="*/ 665256 h 825932"/>
+              <a:gd name="connsiteX12" fmla="*/ 787206 w 3472060"/>
+              <a:gd name="connsiteY12" fmla="*/ 649587 h 825932"/>
+              <a:gd name="connsiteX13" fmla="*/ 892019 w 3472060"/>
+              <a:gd name="connsiteY13" fmla="*/ 632968 h 825932"/>
+              <a:gd name="connsiteX14" fmla="*/ 997620 w 3472060"/>
+              <a:gd name="connsiteY14" fmla="*/ 614667 h 825932"/>
+              <a:gd name="connsiteX15" fmla="*/ 1104727 w 3472060"/>
+              <a:gd name="connsiteY15" fmla="*/ 596741 h 825932"/>
+              <a:gd name="connsiteX16" fmla="*/ 1212669 w 3472060"/>
+              <a:gd name="connsiteY16" fmla="*/ 577397 h 825932"/>
+              <a:gd name="connsiteX17" fmla="*/ 1321506 w 3472060"/>
+              <a:gd name="connsiteY17" fmla="*/ 556988 h 825932"/>
+              <a:gd name="connsiteX18" fmla="*/ 1430709 w 3472060"/>
+              <a:gd name="connsiteY18" fmla="*/ 536607 h 825932"/>
+              <a:gd name="connsiteX19" fmla="*/ 1541050 w 3472060"/>
+              <a:gd name="connsiteY19" fmla="*/ 514481 h 825932"/>
+              <a:gd name="connsiteX20" fmla="*/ 1652805 w 3472060"/>
+              <a:gd name="connsiteY20" fmla="*/ 492202 h 825932"/>
+              <a:gd name="connsiteX21" fmla="*/ 1763708 w 3472060"/>
+              <a:gd name="connsiteY21" fmla="*/ 469161 h 825932"/>
+              <a:gd name="connsiteX22" fmla="*/ 1875795 w 3472060"/>
+              <a:gd name="connsiteY22" fmla="*/ 444641 h 825932"/>
+              <a:gd name="connsiteX23" fmla="*/ 1989128 w 3472060"/>
+              <a:gd name="connsiteY23" fmla="*/ 418995 h 825932"/>
+              <a:gd name="connsiteX24" fmla="*/ 2102476 w 3472060"/>
+              <a:gd name="connsiteY24" fmla="*/ 393438 h 825932"/>
+              <a:gd name="connsiteX25" fmla="*/ 2215549 w 3472060"/>
+              <a:gd name="connsiteY25" fmla="*/ 366291 h 825932"/>
+              <a:gd name="connsiteX26" fmla="*/ 2330490 w 3472060"/>
+              <a:gd name="connsiteY26" fmla="*/ 337455 h 825932"/>
+              <a:gd name="connsiteX27" fmla="*/ 2443333 w 3472060"/>
+              <a:gd name="connsiteY27" fmla="*/ 308983 h 825932"/>
+              <a:gd name="connsiteX28" fmla="*/ 2558014 w 3472060"/>
+              <a:gd name="connsiteY28" fmla="*/ 278646 h 825932"/>
+              <a:gd name="connsiteX29" fmla="*/ 2673621 w 3472060"/>
+              <a:gd name="connsiteY29" fmla="*/ 247421 h 825932"/>
+              <a:gd name="connsiteX30" fmla="*/ 2787008 w 3472060"/>
+              <a:gd name="connsiteY30" fmla="*/ 215853 h 825932"/>
+              <a:gd name="connsiteX31" fmla="*/ 2901442 w 3472060"/>
+              <a:gd name="connsiteY31" fmla="*/ 182011 h 825932"/>
+              <a:gd name="connsiteX32" fmla="*/ 3015722 w 3472060"/>
+              <a:gd name="connsiteY32" fmla="*/ 147286 h 825932"/>
+              <a:gd name="connsiteX33" fmla="*/ 3130018 w 3472060"/>
+              <a:gd name="connsiteY33" fmla="*/ 112649 h 825932"/>
+              <a:gd name="connsiteX34" fmla="*/ 3243551 w 3472060"/>
+              <a:gd name="connsiteY34" fmla="*/ 75688 h 825932"/>
+              <a:gd name="connsiteX35" fmla="*/ 3356992 w 3472060"/>
+              <a:gd name="connsiteY35" fmla="*/ 38197 h 825932"/>
+              <a:gd name="connsiteX36" fmla="*/ 3470310 w 3472060"/>
+              <a:gd name="connsiteY36" fmla="*/ 0 h 825932"/>
+            </a:gdLst>
+            <a:ahLst/>
+            <a:cxnLst>
+              <a:cxn ang="0">
+                <a:pos x="connsiteX0" y="connsiteY0"/>
+              </a:cxn>
+              <a:cxn ang="0">
+                <a:pos x="connsiteX1" y="connsiteY1"/>
+              </a:cxn>
+              <a:cxn ang="0">
+                <a:pos x="connsiteX2" y="connsiteY2"/>
+              </a:cxn>
+              <a:cxn ang="0">
+                <a:pos x="connsiteX3" y="connsiteY3"/>
+              </a:cxn>
+              <a:cxn ang="0">
+                <a:pos x="connsiteX4" y="connsiteY4"/>
+              </a:cxn>
+              <a:cxn ang="0">
+                <a:pos x="connsiteX5" y="connsiteY5"/>
+              </a:cxn>
+              <a:cxn ang="0">
+                <a:pos x="connsiteX6" y="connsiteY6"/>
+              </a:cxn>
+              <a:cxn ang="0">
+                <a:pos x="connsiteX7" y="connsiteY7"/>
+              </a:cxn>
+              <a:cxn ang="0">
+                <a:pos x="connsiteX8" y="connsiteY8"/>
+              </a:cxn>
+              <a:cxn ang="0">
+                <a:pos x="connsiteX9" y="connsiteY9"/>
+              </a:cxn>
+              <a:cxn ang="0">
+                <a:pos x="connsiteX10" y="connsiteY10"/>
+              </a:cxn>
+              <a:cxn ang="0">
+                <a:pos x="connsiteX11" y="connsiteY11"/>
+              </a:cxn>
+              <a:cxn ang="0">
+                <a:pos x="connsiteX12" y="connsiteY12"/>
+              </a:cxn>
+              <a:cxn ang="0">
+                <a:pos x="connsiteX13" y="connsiteY13"/>
+              </a:cxn>
+              <a:cxn ang="0">
+                <a:pos x="connsiteX14" y="connsiteY14"/>
+              </a:cxn>
+              <a:cxn ang="0">
+                <a:pos x="connsiteX15" y="connsiteY15"/>
+              </a:cxn>
+              <a:cxn ang="0">
+                <a:pos x="connsiteX16" y="connsiteY16"/>
+              </a:cxn>
+              <a:cxn ang="0">
+                <a:pos x="connsiteX17" y="connsiteY17"/>
+              </a:cxn>
+              <a:cxn ang="0">
+                <a:pos x="connsiteX18" y="connsiteY18"/>
+              </a:cxn>
+              <a:cxn ang="0">
+                <a:pos x="connsiteX19" y="connsiteY19"/>
+              </a:cxn>
+              <a:cxn ang="0">
+                <a:pos x="connsiteX20" y="connsiteY20"/>
+              </a:cxn>
+              <a:cxn ang="0">
+                <a:pos x="connsiteX21" y="connsiteY21"/>
+              </a:cxn>
+              <a:cxn ang="0">
+                <a:pos x="connsiteX22" y="connsiteY22"/>
+              </a:cxn>
+              <a:cxn ang="0">
+                <a:pos x="connsiteX23" y="connsiteY23"/>
+              </a:cxn>
+              <a:cxn ang="0">
+                <a:pos x="connsiteX24" y="connsiteY24"/>
+              </a:cxn>
+              <a:cxn ang="0">
+                <a:pos x="connsiteX25" y="connsiteY25"/>
+              </a:cxn>
+              <a:cxn ang="0">
+                <a:pos x="connsiteX26" y="connsiteY26"/>
+              </a:cxn>
+              <a:cxn ang="0">
+                <a:pos x="connsiteX27" y="connsiteY27"/>
+              </a:cxn>
+              <a:cxn ang="0">
+                <a:pos x="connsiteX28" y="connsiteY28"/>
+              </a:cxn>
+              <a:cxn ang="0">
+                <a:pos x="connsiteX29" y="connsiteY29"/>
+              </a:cxn>
+              <a:cxn ang="0">
+                <a:pos x="connsiteX30" y="connsiteY30"/>
+              </a:cxn>
+              <a:cxn ang="0">
+                <a:pos x="connsiteX31" y="connsiteY31"/>
+              </a:cxn>
+              <a:cxn ang="0">
+                <a:pos x="connsiteX32" y="connsiteY32"/>
+              </a:cxn>
+              <a:cxn ang="0">
+                <a:pos x="connsiteX33" y="connsiteY33"/>
+              </a:cxn>
+              <a:cxn ang="0">
+                <a:pos x="connsiteX34" y="connsiteY34"/>
+              </a:cxn>
+              <a:cxn ang="0">
+                <a:pos x="connsiteX35" y="connsiteY35"/>
+              </a:cxn>
+              <a:cxn ang="0">
+                <a:pos x="connsiteX36" y="connsiteY36"/>
+              </a:cxn>
+            </a:cxnLst>
+            <a:rect l="l" t="t" r="r" b="b"/>
+            <a:pathLst>
+              <a:path w="3472060" h="825932">
+                <a:moveTo>
+                  <a:pt x="3470310" y="0"/>
+                </a:moveTo>
+                <a:lnTo>
+                  <a:pt x="3472060" y="12850"/>
+                </a:lnTo>
+                <a:lnTo>
+                  <a:pt x="3472060" y="480529"/>
+                </a:lnTo>
+                <a:lnTo>
+                  <a:pt x="3363699" y="498471"/>
+                </a:lnTo>
+                <a:cubicBezTo>
+                  <a:pt x="2435623" y="645518"/>
+                  <a:pt x="603076" y="844866"/>
+                  <a:pt x="42060" y="824486"/>
+                </a:cubicBezTo>
+                <a:cubicBezTo>
+                  <a:pt x="28151" y="802425"/>
+                  <a:pt x="13909" y="780513"/>
+                  <a:pt x="0" y="758452"/>
+                </a:cubicBezTo>
+                <a:lnTo>
+                  <a:pt x="188014" y="735602"/>
+                </a:lnTo>
+                <a:lnTo>
+                  <a:pt x="284087" y="722590"/>
+                </a:lnTo>
+                <a:lnTo>
+                  <a:pt x="382288" y="709392"/>
+                </a:lnTo>
+                <a:lnTo>
+                  <a:pt x="481858" y="695774"/>
+                </a:lnTo>
+                <a:lnTo>
+                  <a:pt x="581897" y="680711"/>
+                </a:lnTo>
+                <a:lnTo>
+                  <a:pt x="683670" y="665256"/>
+                </a:lnTo>
+                <a:lnTo>
+                  <a:pt x="787206" y="649587"/>
+                </a:lnTo>
+                <a:lnTo>
+                  <a:pt x="892019" y="632968"/>
+                </a:lnTo>
+                <a:lnTo>
+                  <a:pt x="997620" y="614667"/>
+                </a:lnTo>
+                <a:lnTo>
+                  <a:pt x="1104727" y="596741"/>
+                </a:lnTo>
+                <a:lnTo>
+                  <a:pt x="1212669" y="577397"/>
+                </a:lnTo>
+                <a:lnTo>
+                  <a:pt x="1321506" y="556988"/>
+                </a:lnTo>
+                <a:lnTo>
+                  <a:pt x="1430709" y="536607"/>
+                </a:lnTo>
+                <a:lnTo>
+                  <a:pt x="1541050" y="514481"/>
+                </a:lnTo>
+                <a:lnTo>
+                  <a:pt x="1652805" y="492202"/>
+                </a:lnTo>
+                <a:lnTo>
+                  <a:pt x="1763708" y="469161"/>
+                </a:lnTo>
+                <a:lnTo>
+                  <a:pt x="1875795" y="444641"/>
+                </a:lnTo>
+                <a:lnTo>
+                  <a:pt x="1989128" y="418995"/>
+                </a:lnTo>
+                <a:lnTo>
+                  <a:pt x="2102476" y="393438"/>
+                </a:lnTo>
+                <a:lnTo>
+                  <a:pt x="2215549" y="366291"/>
+                </a:lnTo>
+                <a:lnTo>
+                  <a:pt x="2330490" y="337455"/>
+                </a:lnTo>
+                <a:lnTo>
+                  <a:pt x="2443333" y="308983"/>
+                </a:lnTo>
+                <a:lnTo>
+                  <a:pt x="2558014" y="278646"/>
+                </a:lnTo>
+                <a:lnTo>
+                  <a:pt x="2673621" y="247421"/>
+                </a:lnTo>
+                <a:lnTo>
+                  <a:pt x="2787008" y="215853"/>
+                </a:lnTo>
+                <a:lnTo>
+                  <a:pt x="2901442" y="182011"/>
+                </a:lnTo>
+                <a:lnTo>
+                  <a:pt x="3015722" y="147286"/>
+                </a:lnTo>
+                <a:lnTo>
+                  <a:pt x="3130018" y="112649"/>
+                </a:lnTo>
+                <a:lnTo>
+                  <a:pt x="3243551" y="75688"/>
+                </a:lnTo>
+                <a:lnTo>
+                  <a:pt x="3356992" y="38197"/>
+                </a:lnTo>
+                <a:lnTo>
+                  <a:pt x="3470310" y="0"/>
+                </a:lnTo>
+                <a:close/>
+              </a:path>
+            </a:pathLst>
+          </a:custGeom>
+          <a:solidFill>
+            <a:schemeClr val="bg1">
+              <a:alpha val="20000"/>
+            </a:schemeClr>
+          </a:solidFill>
+          <a:ln>
+            <a:noFill/>
+          </a:ln>
+        </p:spPr>
+        <p:txBody>
+          <a:bodyPr rtlCol="0" anchor="ctr"/>
+          <a:lstStyle/>
+          <a:p>
+            <a:pPr marL="0" marR="0" lvl="0" indent="0" algn="ctr" defTabSz="914400" rtl="0" eaLnBrk="1" fontAlgn="auto" latinLnBrk="0" hangingPunct="1">
+              <a:lnSpc>
+                <a:spcPct val="100000"/>
+              </a:lnSpc>
+              <a:spcBef>
+                <a:spcPts val="0"/>
+              </a:spcBef>
+              <a:spcAft>
+                <a:spcPts val="0"/>
+              </a:spcAft>
+              <a:buClrTx/>
+              <a:buSzTx/>
+              <a:buFontTx/>
+              <a:buNone/>
+              <a:tabLst/>
+              <a:defRPr/>
+            </a:pPr>
+            <a:endParaRPr kumimoji="0" lang="en-US" sz="1800" b="0" i="0" u="none" strike="noStrike" kern="1200" cap="none" spc="0" normalizeH="0" baseline="0" noProof="0">
+              <a:ln>
+                <a:noFill/>
+              </a:ln>
+              <a:solidFill>
+                <a:prstClr val="black"/>
+              </a:solidFill>
+              <a:effectLst/>
+              <a:uLnTx/>
+              <a:uFillTx/>
+              <a:latin typeface="Century Gothic" panose="020B0502020202020204"/>
+              <a:ea typeface="+mn-ea"/>
+              <a:cs typeface="+mn-cs"/>
+            </a:endParaRPr>
+          </a:p>
+        </p:txBody>
+      </p:sp>
+      <p:sp useBgFill="1">
+        <p:nvSpPr>
+          <p:cNvPr id="31" name="Freeform: Shape 13">
+            <a:extLst>
+              <a:ext uri="{FF2B5EF4-FFF2-40B4-BE49-F238E27FC236}">
+                <a16:creationId xmlns:a16="http://schemas.microsoft.com/office/drawing/2014/main" id="{6A681326-1C9D-44A3-A627-3871BDAE4127}"/>
+              </a:ext>
+              <a:ext uri="{C183D7F6-B498-43B3-948B-1728B52AA6E4}">
+                <adec:decorative xmlns:adec="http://schemas.microsoft.com/office/drawing/2017/decorative" val="1"/>
+              </a:ext>
+            </a:extLst>
+          </p:cNvPr>
+          <p:cNvSpPr>
+            <a:spLocks noGrp="1" noRot="1" noChangeAspect="1" noMove="1" noResize="1" noEditPoints="1" noAdjustHandles="1" noChangeArrowheads="1" noChangeShapeType="1" noTextEdit="1"/>
+          </p:cNvSpPr>
+          <p:nvPr>
+            <p:extLst>
+              <p:ext uri="{386F3935-93C4-4BCD-93E2-E3B085C9AB24}">
+                <p16:designElem xmlns:p16="http://schemas.microsoft.com/office/powerpoint/2015/main" val="1"/>
+              </p:ext>
+            </p:extLst>
+          </p:nvPr>
+        </p:nvSpPr>
+        <p:spPr bwMode="gray">
+          <a:xfrm>
+            <a:off x="1" y="1762067"/>
+            <a:ext cx="12192417" cy="5095933"/>
+          </a:xfrm>
+          <a:custGeom>
+            <a:avLst/>
+            <a:gdLst>
+              <a:gd name="connsiteX0" fmla="*/ 0 w 12192417"/>
+              <a:gd name="connsiteY0" fmla="*/ 0 h 5095933"/>
+              <a:gd name="connsiteX1" fmla="*/ 71931 w 12192417"/>
+              <a:gd name="connsiteY1" fmla="*/ 12261 h 5095933"/>
+              <a:gd name="connsiteX2" fmla="*/ 282848 w 12192417"/>
+              <a:gd name="connsiteY2" fmla="*/ 48343 h 5095933"/>
+              <a:gd name="connsiteX3" fmla="*/ 436463 w 12192417"/>
+              <a:gd name="connsiteY3" fmla="*/ 73565 h 5095933"/>
+              <a:gd name="connsiteX4" fmla="*/ 619338 w 12192417"/>
+              <a:gd name="connsiteY4" fmla="*/ 100188 h 5095933"/>
+              <a:gd name="connsiteX5" fmla="*/ 836350 w 12192417"/>
+              <a:gd name="connsiteY5" fmla="*/ 132066 h 5095933"/>
+              <a:gd name="connsiteX6" fmla="*/ 1076527 w 12192417"/>
+              <a:gd name="connsiteY6" fmla="*/ 165696 h 5095933"/>
+              <a:gd name="connsiteX7" fmla="*/ 1347183 w 12192417"/>
+              <a:gd name="connsiteY7" fmla="*/ 201077 h 5095933"/>
+              <a:gd name="connsiteX8" fmla="*/ 1642222 w 12192417"/>
+              <a:gd name="connsiteY8" fmla="*/ 238560 h 5095933"/>
+              <a:gd name="connsiteX9" fmla="*/ 1962863 w 12192417"/>
+              <a:gd name="connsiteY9" fmla="*/ 276043 h 5095933"/>
+              <a:gd name="connsiteX10" fmla="*/ 2304231 w 12192417"/>
+              <a:gd name="connsiteY10" fmla="*/ 314227 h 5095933"/>
+              <a:gd name="connsiteX11" fmla="*/ 2672420 w 12192417"/>
+              <a:gd name="connsiteY11" fmla="*/ 349608 h 5095933"/>
+              <a:gd name="connsiteX12" fmla="*/ 3057677 w 12192417"/>
+              <a:gd name="connsiteY12" fmla="*/ 383588 h 5095933"/>
+              <a:gd name="connsiteX13" fmla="*/ 3464880 w 12192417"/>
+              <a:gd name="connsiteY13" fmla="*/ 414415 h 5095933"/>
+              <a:gd name="connsiteX14" fmla="*/ 3889151 w 12192417"/>
+              <a:gd name="connsiteY14" fmla="*/ 443841 h 5095933"/>
+              <a:gd name="connsiteX15" fmla="*/ 4331709 w 12192417"/>
+              <a:gd name="connsiteY15" fmla="*/ 471515 h 5095933"/>
+              <a:gd name="connsiteX16" fmla="*/ 4558475 w 12192417"/>
+              <a:gd name="connsiteY16" fmla="*/ 481324 h 5095933"/>
+              <a:gd name="connsiteX17" fmla="*/ 4790117 w 12192417"/>
+              <a:gd name="connsiteY17" fmla="*/ 492183 h 5095933"/>
+              <a:gd name="connsiteX18" fmla="*/ 5025417 w 12192417"/>
+              <a:gd name="connsiteY18" fmla="*/ 502342 h 5095933"/>
+              <a:gd name="connsiteX19" fmla="*/ 5261936 w 12192417"/>
+              <a:gd name="connsiteY19" fmla="*/ 508998 h 5095933"/>
+              <a:gd name="connsiteX20" fmla="*/ 5503331 w 12192417"/>
+              <a:gd name="connsiteY20" fmla="*/ 514953 h 5095933"/>
+              <a:gd name="connsiteX21" fmla="*/ 5747166 w 12192417"/>
+              <a:gd name="connsiteY21" fmla="*/ 521259 h 5095933"/>
+              <a:gd name="connsiteX22" fmla="*/ 5995876 w 12192417"/>
+              <a:gd name="connsiteY22" fmla="*/ 525463 h 5095933"/>
+              <a:gd name="connsiteX23" fmla="*/ 6247025 w 12192417"/>
+              <a:gd name="connsiteY23" fmla="*/ 525463 h 5095933"/>
+              <a:gd name="connsiteX24" fmla="*/ 6500612 w 12192417"/>
+              <a:gd name="connsiteY24" fmla="*/ 527565 h 5095933"/>
+              <a:gd name="connsiteX25" fmla="*/ 6756638 w 12192417"/>
+              <a:gd name="connsiteY25" fmla="*/ 525463 h 5095933"/>
+              <a:gd name="connsiteX26" fmla="*/ 7016321 w 12192417"/>
+              <a:gd name="connsiteY26" fmla="*/ 521259 h 5095933"/>
+              <a:gd name="connsiteX27" fmla="*/ 7276004 w 12192417"/>
+              <a:gd name="connsiteY27" fmla="*/ 517406 h 5095933"/>
+              <a:gd name="connsiteX28" fmla="*/ 7539344 w 12192417"/>
+              <a:gd name="connsiteY28" fmla="*/ 508998 h 5095933"/>
+              <a:gd name="connsiteX29" fmla="*/ 7805123 w 12192417"/>
+              <a:gd name="connsiteY29" fmla="*/ 500241 h 5095933"/>
+              <a:gd name="connsiteX30" fmla="*/ 8070902 w 12192417"/>
+              <a:gd name="connsiteY30" fmla="*/ 490082 h 5095933"/>
+              <a:gd name="connsiteX31" fmla="*/ 8339120 w 12192417"/>
+              <a:gd name="connsiteY31" fmla="*/ 475719 h 5095933"/>
+              <a:gd name="connsiteX32" fmla="*/ 8609775 w 12192417"/>
+              <a:gd name="connsiteY32" fmla="*/ 458554 h 5095933"/>
+              <a:gd name="connsiteX33" fmla="*/ 8881650 w 12192417"/>
+              <a:gd name="connsiteY33" fmla="*/ 442089 h 5095933"/>
+              <a:gd name="connsiteX34" fmla="*/ 9153525 w 12192417"/>
+              <a:gd name="connsiteY34" fmla="*/ 421071 h 5095933"/>
+              <a:gd name="connsiteX35" fmla="*/ 9429057 w 12192417"/>
+              <a:gd name="connsiteY35" fmla="*/ 395849 h 5095933"/>
+              <a:gd name="connsiteX36" fmla="*/ 9700932 w 12192417"/>
+              <a:gd name="connsiteY36" fmla="*/ 370626 h 5095933"/>
+              <a:gd name="connsiteX37" fmla="*/ 9977683 w 12192417"/>
+              <a:gd name="connsiteY37" fmla="*/ 341551 h 5095933"/>
+              <a:gd name="connsiteX38" fmla="*/ 10255654 w 12192417"/>
+              <a:gd name="connsiteY38" fmla="*/ 309673 h 5095933"/>
+              <a:gd name="connsiteX39" fmla="*/ 10529967 w 12192417"/>
+              <a:gd name="connsiteY39" fmla="*/ 276043 h 5095933"/>
+              <a:gd name="connsiteX40" fmla="*/ 10807938 w 12192417"/>
+              <a:gd name="connsiteY40" fmla="*/ 236809 h 5095933"/>
+              <a:gd name="connsiteX41" fmla="*/ 11084689 w 12192417"/>
+              <a:gd name="connsiteY41" fmla="*/ 194772 h 5095933"/>
+              <a:gd name="connsiteX42" fmla="*/ 11362660 w 12192417"/>
+              <a:gd name="connsiteY42" fmla="*/ 153085 h 5095933"/>
+              <a:gd name="connsiteX43" fmla="*/ 11639411 w 12192417"/>
+              <a:gd name="connsiteY43" fmla="*/ 104392 h 5095933"/>
+              <a:gd name="connsiteX44" fmla="*/ 11914944 w 12192417"/>
+              <a:gd name="connsiteY44" fmla="*/ 54648 h 5095933"/>
+              <a:gd name="connsiteX45" fmla="*/ 12191695 w 12192417"/>
+              <a:gd name="connsiteY45" fmla="*/ 2452 h 5095933"/>
+              <a:gd name="connsiteX46" fmla="*/ 12191695 w 12192417"/>
+              <a:gd name="connsiteY46" fmla="*/ 2162231 h 5095933"/>
+              <a:gd name="connsiteX47" fmla="*/ 12192417 w 12192417"/>
+              <a:gd name="connsiteY47" fmla="*/ 2162231 h 5095933"/>
+              <a:gd name="connsiteX48" fmla="*/ 12192417 w 12192417"/>
+              <a:gd name="connsiteY48" fmla="*/ 5095933 h 5095933"/>
+              <a:gd name="connsiteX49" fmla="*/ 0 w 12192417"/>
+              <a:gd name="connsiteY49" fmla="*/ 5095933 h 5095933"/>
+              <a:gd name="connsiteX50" fmla="*/ 0 w 12192417"/>
+              <a:gd name="connsiteY50" fmla="*/ 2791958 h 5095933"/>
+              <a:gd name="connsiteX51" fmla="*/ 0 w 12192417"/>
+              <a:gd name="connsiteY51" fmla="*/ 2162231 h 5095933"/>
+            </a:gdLst>
+            <a:ahLst/>
+            <a:cxnLst>
+              <a:cxn ang="0">
+                <a:pos x="connsiteX0" y="connsiteY0"/>
+              </a:cxn>
+              <a:cxn ang="0">
+                <a:pos x="connsiteX1" y="connsiteY1"/>
+              </a:cxn>
+              <a:cxn ang="0">
+                <a:pos x="connsiteX2" y="connsiteY2"/>
+              </a:cxn>
+              <a:cxn ang="0">
+                <a:pos x="connsiteX3" y="connsiteY3"/>
+              </a:cxn>
+              <a:cxn ang="0">
+                <a:pos x="connsiteX4" y="connsiteY4"/>
+              </a:cxn>
+              <a:cxn ang="0">
+                <a:pos x="connsiteX5" y="connsiteY5"/>
+              </a:cxn>
+              <a:cxn ang="0">
+                <a:pos x="connsiteX6" y="connsiteY6"/>
+              </a:cxn>
+              <a:cxn ang="0">
+                <a:pos x="connsiteX7" y="connsiteY7"/>
+              </a:cxn>
+              <a:cxn ang="0">
+                <a:pos x="connsiteX8" y="connsiteY8"/>
+              </a:cxn>
+              <a:cxn ang="0">
+                <a:pos x="connsiteX9" y="connsiteY9"/>
+              </a:cxn>
+              <a:cxn ang="0">
+                <a:pos x="connsiteX10" y="connsiteY10"/>
+              </a:cxn>
+              <a:cxn ang="0">
+                <a:pos x="connsiteX11" y="connsiteY11"/>
+              </a:cxn>
+              <a:cxn ang="0">
+                <a:pos x="connsiteX12" y="connsiteY12"/>
+              </a:cxn>
+              <a:cxn ang="0">
+                <a:pos x="connsiteX13" y="connsiteY13"/>
+              </a:cxn>
+              <a:cxn ang="0">
+                <a:pos x="connsiteX14" y="connsiteY14"/>
+              </a:cxn>
+              <a:cxn ang="0">
+                <a:pos x="connsiteX15" y="connsiteY15"/>
+              </a:cxn>
+              <a:cxn ang="0">
+                <a:pos x="connsiteX16" y="connsiteY16"/>
+              </a:cxn>
+              <a:cxn ang="0">
+                <a:pos x="connsiteX17" y="connsiteY17"/>
+              </a:cxn>
+              <a:cxn ang="0">
+                <a:pos x="connsiteX18" y="connsiteY18"/>
+              </a:cxn>
+              <a:cxn ang="0">
+                <a:pos x="connsiteX19" y="connsiteY19"/>
+              </a:cxn>
+              <a:cxn ang="0">
+                <a:pos x="connsiteX20" y="connsiteY20"/>
+              </a:cxn>
+              <a:cxn ang="0">
+                <a:pos x="connsiteX21" y="connsiteY21"/>
+              </a:cxn>
+              <a:cxn ang="0">
+                <a:pos x="connsiteX22" y="connsiteY22"/>
+              </a:cxn>
+              <a:cxn ang="0">
+                <a:pos x="connsiteX23" y="connsiteY23"/>
+              </a:cxn>
+              <a:cxn ang="0">
+                <a:pos x="connsiteX24" y="connsiteY24"/>
+              </a:cxn>
+              <a:cxn ang="0">
+                <a:pos x="connsiteX25" y="connsiteY25"/>
+              </a:cxn>
+              <a:cxn ang="0">
+                <a:pos x="connsiteX26" y="connsiteY26"/>
+              </a:cxn>
+              <a:cxn ang="0">
+                <a:pos x="connsiteX27" y="connsiteY27"/>
+              </a:cxn>
+              <a:cxn ang="0">
+                <a:pos x="connsiteX28" y="connsiteY28"/>
+              </a:cxn>
+              <a:cxn ang="0">
+                <a:pos x="connsiteX29" y="connsiteY29"/>
+              </a:cxn>
+              <a:cxn ang="0">
+                <a:pos x="connsiteX30" y="connsiteY30"/>
+              </a:cxn>
+              <a:cxn ang="0">
+                <a:pos x="connsiteX31" y="connsiteY31"/>
+              </a:cxn>
+              <a:cxn ang="0">
+                <a:pos x="connsiteX32" y="connsiteY32"/>
+              </a:cxn>
+              <a:cxn ang="0">
+                <a:pos x="connsiteX33" y="connsiteY33"/>
+              </a:cxn>
+              <a:cxn ang="0">
+                <a:pos x="connsiteX34" y="connsiteY34"/>
+              </a:cxn>
+              <a:cxn ang="0">
+                <a:pos x="connsiteX35" y="connsiteY35"/>
+              </a:cxn>
+              <a:cxn ang="0">
+                <a:pos x="connsiteX36" y="connsiteY36"/>
+              </a:cxn>
+              <a:cxn ang="0">
+                <a:pos x="connsiteX37" y="connsiteY37"/>
+              </a:cxn>
+              <a:cxn ang="0">
+                <a:pos x="connsiteX38" y="connsiteY38"/>
+              </a:cxn>
+              <a:cxn ang="0">
+                <a:pos x="connsiteX39" y="connsiteY39"/>
+              </a:cxn>
+              <a:cxn ang="0">
+                <a:pos x="connsiteX40" y="connsiteY40"/>
+              </a:cxn>
+              <a:cxn ang="0">
+                <a:pos x="connsiteX41" y="connsiteY41"/>
+              </a:cxn>
+              <a:cxn ang="0">
+                <a:pos x="connsiteX42" y="connsiteY42"/>
+              </a:cxn>
+              <a:cxn ang="0">
+                <a:pos x="connsiteX43" y="connsiteY43"/>
+              </a:cxn>
+              <a:cxn ang="0">
+                <a:pos x="connsiteX44" y="connsiteY44"/>
+              </a:cxn>
+              <a:cxn ang="0">
+                <a:pos x="connsiteX45" y="connsiteY45"/>
+              </a:cxn>
+              <a:cxn ang="0">
+                <a:pos x="connsiteX46" y="connsiteY46"/>
+              </a:cxn>
+              <a:cxn ang="0">
+                <a:pos x="connsiteX47" y="connsiteY47"/>
+              </a:cxn>
+              <a:cxn ang="0">
+                <a:pos x="connsiteX48" y="connsiteY48"/>
+              </a:cxn>
+              <a:cxn ang="0">
+                <a:pos x="connsiteX49" y="connsiteY49"/>
+              </a:cxn>
+              <a:cxn ang="0">
+                <a:pos x="connsiteX50" y="connsiteY50"/>
+              </a:cxn>
+              <a:cxn ang="0">
+                <a:pos x="connsiteX51" y="connsiteY51"/>
+              </a:cxn>
+            </a:cxnLst>
+            <a:rect l="l" t="t" r="r" b="b"/>
+            <a:pathLst>
+              <a:path w="12192417" h="5095933">
+                <a:moveTo>
+                  <a:pt x="0" y="0"/>
+                </a:moveTo>
+                <a:lnTo>
+                  <a:pt x="71931" y="12261"/>
+                </a:lnTo>
+                <a:lnTo>
+                  <a:pt x="282848" y="48343"/>
+                </a:lnTo>
+                <a:lnTo>
+                  <a:pt x="436463" y="73565"/>
+                </a:lnTo>
+                <a:lnTo>
+                  <a:pt x="619338" y="100188"/>
+                </a:lnTo>
+                <a:lnTo>
+                  <a:pt x="836350" y="132066"/>
+                </a:lnTo>
+                <a:lnTo>
+                  <a:pt x="1076527" y="165696"/>
+                </a:lnTo>
+                <a:lnTo>
+                  <a:pt x="1347183" y="201077"/>
+                </a:lnTo>
+                <a:lnTo>
+                  <a:pt x="1642222" y="238560"/>
+                </a:lnTo>
+                <a:lnTo>
+                  <a:pt x="1962863" y="276043"/>
+                </a:lnTo>
+                <a:lnTo>
+                  <a:pt x="2304231" y="314227"/>
+                </a:lnTo>
+                <a:lnTo>
+                  <a:pt x="2672420" y="349608"/>
+                </a:lnTo>
+                <a:lnTo>
+                  <a:pt x="3057677" y="383588"/>
+                </a:lnTo>
+                <a:lnTo>
+                  <a:pt x="3464880" y="414415"/>
+                </a:lnTo>
+                <a:lnTo>
+                  <a:pt x="3889151" y="443841"/>
+                </a:lnTo>
+                <a:lnTo>
+                  <a:pt x="4331709" y="471515"/>
+                </a:lnTo>
+                <a:lnTo>
+                  <a:pt x="4558475" y="481324"/>
+                </a:lnTo>
+                <a:lnTo>
+                  <a:pt x="4790117" y="492183"/>
+                </a:lnTo>
+                <a:lnTo>
+                  <a:pt x="5025417" y="502342"/>
+                </a:lnTo>
+                <a:lnTo>
+                  <a:pt x="5261936" y="508998"/>
+                </a:lnTo>
+                <a:lnTo>
+                  <a:pt x="5503331" y="514953"/>
+                </a:lnTo>
+                <a:lnTo>
+                  <a:pt x="5747166" y="521259"/>
+                </a:lnTo>
+                <a:lnTo>
+                  <a:pt x="5995876" y="525463"/>
+                </a:lnTo>
+                <a:lnTo>
+                  <a:pt x="6247025" y="525463"/>
+                </a:lnTo>
+                <a:lnTo>
+                  <a:pt x="6500612" y="527565"/>
+                </a:lnTo>
+                <a:lnTo>
+                  <a:pt x="6756638" y="525463"/>
+                </a:lnTo>
+                <a:lnTo>
+                  <a:pt x="7016321" y="521259"/>
+                </a:lnTo>
+                <a:lnTo>
+                  <a:pt x="7276004" y="517406"/>
+                </a:lnTo>
+                <a:lnTo>
+                  <a:pt x="7539344" y="508998"/>
+                </a:lnTo>
+                <a:lnTo>
+                  <a:pt x="7805123" y="500241"/>
+                </a:lnTo>
+                <a:lnTo>
+                  <a:pt x="8070902" y="490082"/>
+                </a:lnTo>
+                <a:lnTo>
+                  <a:pt x="8339120" y="475719"/>
+                </a:lnTo>
+                <a:lnTo>
+                  <a:pt x="8609775" y="458554"/>
+                </a:lnTo>
+                <a:lnTo>
+                  <a:pt x="8881650" y="442089"/>
+                </a:lnTo>
+                <a:lnTo>
+                  <a:pt x="9153525" y="421071"/>
+                </a:lnTo>
+                <a:lnTo>
+                  <a:pt x="9429057" y="395849"/>
+                </a:lnTo>
+                <a:lnTo>
+                  <a:pt x="9700932" y="370626"/>
+                </a:lnTo>
+                <a:lnTo>
+                  <a:pt x="9977683" y="341551"/>
+                </a:lnTo>
+                <a:lnTo>
+                  <a:pt x="10255654" y="309673"/>
+                </a:lnTo>
+                <a:lnTo>
+                  <a:pt x="10529967" y="276043"/>
+                </a:lnTo>
+                <a:lnTo>
+                  <a:pt x="10807938" y="236809"/>
+                </a:lnTo>
+                <a:lnTo>
+                  <a:pt x="11084689" y="194772"/>
+                </a:lnTo>
+                <a:lnTo>
+                  <a:pt x="11362660" y="153085"/>
+                </a:lnTo>
+                <a:lnTo>
+                  <a:pt x="11639411" y="104392"/>
+                </a:lnTo>
+                <a:lnTo>
+                  <a:pt x="11914944" y="54648"/>
+                </a:lnTo>
+                <a:lnTo>
+                  <a:pt x="12191695" y="2452"/>
+                </a:lnTo>
+                <a:lnTo>
+                  <a:pt x="12191695" y="2162231"/>
+                </a:lnTo>
+                <a:lnTo>
+                  <a:pt x="12192417" y="2162231"/>
+                </a:lnTo>
+                <a:lnTo>
+                  <a:pt x="12192417" y="5095933"/>
+                </a:lnTo>
+                <a:lnTo>
+                  <a:pt x="0" y="5095933"/>
+                </a:lnTo>
+                <a:lnTo>
+                  <a:pt x="0" y="2791958"/>
+                </a:lnTo>
+                <a:lnTo>
+                  <a:pt x="0" y="2162231"/>
+                </a:lnTo>
+                <a:close/>
+              </a:path>
+            </a:pathLst>
+          </a:custGeom>
+          <a:ln>
+            <a:noFill/>
+          </a:ln>
+        </p:spPr>
+      </p:sp>
+      <p:sp>
+        <p:nvSpPr>
+          <p:cNvPr id="2" name="Title 1">
+            <a:extLst>
+              <a:ext uri="{FF2B5EF4-FFF2-40B4-BE49-F238E27FC236}">
+                <a16:creationId xmlns:a16="http://schemas.microsoft.com/office/drawing/2014/main" id="{B81CF1FE-76C1-59B3-DBAD-798DE6AA0ACE}"/>
+              </a:ext>
+            </a:extLst>
+          </p:cNvPr>
+          <p:cNvSpPr>
+            <a:spLocks noGrp="1"/>
+          </p:cNvSpPr>
+          <p:nvPr>
+            <p:ph type="title"/>
+          </p:nvPr>
+        </p:nvSpPr>
+        <p:spPr>
+          <a:xfrm>
+            <a:off x="1103312" y="452718"/>
+            <a:ext cx="8947522" cy="1400530"/>
+          </a:xfrm>
+        </p:spPr>
+        <p:txBody>
+          <a:bodyPr anchor="ctr">
+            <a:normAutofit/>
+          </a:bodyPr>
+          <a:lstStyle/>
+          <a:p>
+            <a:r>
+              <a:rPr lang="hu-HU" dirty="0">
+                <a:solidFill>
+                  <a:srgbClr val="FFFFFF"/>
+                </a:solidFill>
+              </a:rPr>
+              <a:t>ASA</a:t>
+            </a:r>
+          </a:p>
+        </p:txBody>
+      </p:sp>
+      <p:pic>
+        <p:nvPicPr>
+          <p:cNvPr id="4" name="Kép 1">
+            <a:extLst>
+              <a:ext uri="{FF2B5EF4-FFF2-40B4-BE49-F238E27FC236}">
+                <a16:creationId xmlns:a16="http://schemas.microsoft.com/office/drawing/2014/main" id="{4D44B5CC-2712-F98B-7779-3BC04DDA31C4}"/>
+              </a:ext>
+            </a:extLst>
+          </p:cNvPr>
+          <p:cNvPicPr>
+            <a:picLocks noGrp="1" noChangeAspect="1"/>
+          </p:cNvPicPr>
+          <p:nvPr>
+            <p:ph idx="1"/>
+          </p:nvPr>
+        </p:nvPicPr>
+        <p:blipFill>
+          <a:blip r:embed="rId2">
+            <a:extLst>
+              <a:ext uri="{28A0092B-C50C-407E-A947-70E740481C1C}">
+                <a14:useLocalDpi xmlns:a14="http://schemas.microsoft.com/office/drawing/2010/main" val="0"/>
+              </a:ext>
+            </a:extLst>
+          </a:blip>
+          <a:stretch>
+            <a:fillRect/>
+          </a:stretch>
+        </p:blipFill>
+        <p:spPr>
+          <a:xfrm>
+            <a:off x="1270137" y="3162597"/>
+            <a:ext cx="9151433" cy="1400530"/>
+          </a:xfrm>
+          <a:prstGeom prst="rect">
+            <a:avLst/>
+          </a:prstGeom>
+        </p:spPr>
+      </p:pic>
+    </p:spTree>
+    <p:extLst>
+      <p:ext uri="{BB962C8B-B14F-4D97-AF65-F5344CB8AC3E}">
+        <p14:creationId xmlns:p14="http://schemas.microsoft.com/office/powerpoint/2010/main" val="3549832733"/>
+      </p:ext>
+    </p:extLst>
+  </p:cSld>
+  <p:clrMapOvr>
+    <a:overrideClrMapping bg1="lt1" tx1="dk1" bg2="lt2" tx2="dk2" accent1="accent1" accent2="accent2" accent3="accent3" accent4="accent4" accent5="accent5" accent6="accent6" hlink="hlink" folHlink="folHlink"/>
+  </p:clrMapOvr>
+</p:sld>
+</file>
+
+<file path=ppt/slides/slide11.xml><?xml version="1.0" encoding="utf-8"?>
+<p:sld xmlns:a="http://schemas.openxmlformats.org/drawingml/2006/main" xmlns:r="http://schemas.openxmlformats.org/officeDocument/2006/relationships" xmlns:p="http://schemas.openxmlformats.org/presentationml/2006/main">
+  <p:cSld>
+    <p:bg>
+      <p:bgPr>
         <a:blipFill rotWithShape="1">
           <a:blip r:embed="rId2">
             <a:duotone>
@@ -8387,7 +9502,7 @@
 </p:sld>
 </file>
 
-<file path=ppt/slides/slide11.xml><?xml version="1.0" encoding="utf-8"?>
+<file path=ppt/slides/slide12.xml><?xml version="1.0" encoding="utf-8"?>
 <p:sld xmlns:a="http://schemas.openxmlformats.org/drawingml/2006/main" xmlns:r="http://schemas.openxmlformats.org/officeDocument/2006/relationships" xmlns:p="http://schemas.openxmlformats.org/presentationml/2006/main">
   <p:cSld>
     <p:bg>
@@ -9410,42 +10525,6 @@
           </a:fontRef>
         </p:style>
       </p:sp>
-      <p:sp>
-        <p:nvSpPr>
-          <p:cNvPr id="11" name="Content Placeholder 8">
-            <a:extLst>
-              <a:ext uri="{FF2B5EF4-FFF2-40B4-BE49-F238E27FC236}">
-                <a16:creationId xmlns:a16="http://schemas.microsoft.com/office/drawing/2014/main" id="{2987BC07-BEDF-99BC-4CA3-0A7CCDD3694D}"/>
-              </a:ext>
-            </a:extLst>
-          </p:cNvPr>
-          <p:cNvSpPr>
-            <a:spLocks noGrp="1"/>
-          </p:cNvSpPr>
-          <p:nvPr>
-            <p:ph idx="1"/>
-          </p:nvPr>
-        </p:nvSpPr>
-        <p:spPr>
-          <a:xfrm>
-            <a:off x="648931" y="2438400"/>
-            <a:ext cx="4166509" cy="3785419"/>
-          </a:xfrm>
-        </p:spPr>
-        <p:txBody>
-          <a:bodyPr>
-            <a:normAutofit/>
-          </a:bodyPr>
-          <a:lstStyle/>
-          <a:p>
-            <a:endParaRPr lang="en-US">
-              <a:solidFill>
-                <a:srgbClr val="EBEBEB"/>
-              </a:solidFill>
-            </a:endParaRPr>
-          </a:p>
-        </p:txBody>
-      </p:sp>
     </p:spTree>
     <p:extLst>
       <p:ext uri="{BB962C8B-B14F-4D97-AF65-F5344CB8AC3E}">
@@ -9459,7 +10538,7 @@
 </p:sld>
 </file>
 
-<file path=ppt/slides/slide12.xml><?xml version="1.0" encoding="utf-8"?>
+<file path=ppt/slides/slide13.xml><?xml version="1.0" encoding="utf-8"?>
 <p:sld xmlns:a="http://schemas.openxmlformats.org/drawingml/2006/main" xmlns:r="http://schemas.openxmlformats.org/officeDocument/2006/relationships" xmlns:p="http://schemas.openxmlformats.org/presentationml/2006/main">
   <p:cSld>
     <p:bg>
@@ -10438,38 +11517,6 @@
           </a:fontRef>
         </p:style>
       </p:sp>
-      <p:sp>
-        <p:nvSpPr>
-          <p:cNvPr id="11" name="Content Placeholder 10">
-            <a:extLst>
-              <a:ext uri="{FF2B5EF4-FFF2-40B4-BE49-F238E27FC236}">
-                <a16:creationId xmlns:a16="http://schemas.microsoft.com/office/drawing/2014/main" id="{5B096F5D-F0BC-06A9-1A98-997B10934B05}"/>
-              </a:ext>
-            </a:extLst>
-          </p:cNvPr>
-          <p:cNvSpPr>
-            <a:spLocks noGrp="1"/>
-          </p:cNvSpPr>
-          <p:nvPr>
-            <p:ph idx="1"/>
-          </p:nvPr>
-        </p:nvSpPr>
-        <p:spPr>
-          <a:xfrm>
-            <a:off x="646113" y="2052918"/>
-            <a:ext cx="4165146" cy="4195481"/>
-          </a:xfrm>
-        </p:spPr>
-        <p:txBody>
-          <a:bodyPr>
-            <a:normAutofit/>
-          </a:bodyPr>
-          <a:lstStyle/>
-          <a:p>
-            <a:endParaRPr lang="en-US"/>
-          </a:p>
-        </p:txBody>
-      </p:sp>
       <p:pic>
         <p:nvPicPr>
           <p:cNvPr id="5" name="Content Placeholder 4">
@@ -10492,7 +11539,7 @@
         </p:blipFill>
         <p:spPr>
           <a:xfrm>
-            <a:off x="6096416" y="752945"/>
+            <a:off x="6148220" y="663394"/>
             <a:ext cx="5449471" cy="2765606"/>
           </a:xfrm>
           <a:prstGeom prst="rect">
@@ -10514,7 +11561,7 @@
 </p:sld>
 </file>
 
-<file path=ppt/slides/slide13.xml><?xml version="1.0" encoding="utf-8"?>
+<file path=ppt/slides/slide14.xml><?xml version="1.0" encoding="utf-8"?>
 <p:sld xmlns:a="http://schemas.openxmlformats.org/drawingml/2006/main" xmlns:r="http://schemas.openxmlformats.org/officeDocument/2006/relationships" xmlns:p="http://schemas.openxmlformats.org/presentationml/2006/main">
   <p:cSld>
     <p:bg>
@@ -21186,6 +22233,30 @@
 <file path=ppt/slides/slide6.xml><?xml version="1.0" encoding="utf-8"?>
 <p:sld xmlns:a="http://schemas.openxmlformats.org/drawingml/2006/main" xmlns:r="http://schemas.openxmlformats.org/officeDocument/2006/relationships" xmlns:p="http://schemas.openxmlformats.org/presentationml/2006/main">
   <p:cSld>
+    <p:bg>
+      <p:bgPr>
+        <a:blipFill rotWithShape="1">
+          <a:blip r:embed="rId2">
+            <a:duotone>
+              <a:schemeClr val="bg2">
+                <a:shade val="69000"/>
+                <a:hueMod val="108000"/>
+                <a:satMod val="164000"/>
+                <a:lumMod val="74000"/>
+              </a:schemeClr>
+              <a:schemeClr val="bg2">
+                <a:tint val="96000"/>
+                <a:hueMod val="88000"/>
+                <a:satMod val="140000"/>
+                <a:lumMod val="132000"/>
+              </a:schemeClr>
+            </a:duotone>
+          </a:blip>
+          <a:stretch/>
+        </a:blipFill>
+        <a:effectLst/>
+      </p:bgPr>
+    </p:bg>
     <p:spTree>
       <p:nvGrpSpPr>
         <p:cNvPr id="1" name=""/>
@@ -21200,6 +22271,315 @@
           <a:chExt cx="0" cy="0"/>
         </a:xfrm>
       </p:grpSpPr>
+      <p:pic>
+        <p:nvPicPr>
+          <p:cNvPr id="30" name="Picture 9">
+            <a:extLst>
+              <a:ext uri="{FF2B5EF4-FFF2-40B4-BE49-F238E27FC236}">
+                <a16:creationId xmlns:a16="http://schemas.microsoft.com/office/drawing/2014/main" id="{DF19BAF3-7E20-4B9D-B544-BABAEEA1FA75}"/>
+              </a:ext>
+              <a:ext uri="{C183D7F6-B498-43B3-948B-1728B52AA6E4}">
+                <adec:decorative xmlns:adec="http://schemas.microsoft.com/office/drawing/2017/decorative" val="1"/>
+              </a:ext>
+            </a:extLst>
+          </p:cNvPr>
+          <p:cNvPicPr>
+            <a:picLocks noGrp="1" noRot="1" noChangeAspect="1" noMove="1" noResize="1" noEditPoints="1" noAdjustHandles="1" noChangeArrowheads="1" noChangeShapeType="1" noCrop="1"/>
+          </p:cNvPicPr>
+          <p:nvPr>
+            <p:extLst>
+              <p:ext uri="{386F3935-93C4-4BCD-93E2-E3B085C9AB24}">
+                <p16:designElem xmlns:p16="http://schemas.microsoft.com/office/powerpoint/2015/main" val="1"/>
+              </p:ext>
+            </p:extLst>
+          </p:nvPr>
+        </p:nvPicPr>
+        <p:blipFill rotWithShape="1">
+          <a:blip r:embed="rId3">
+            <a:extLst>
+              <a:ext uri="{28A0092B-C50C-407E-A947-70E740481C1C}">
+                <a14:useLocalDpi xmlns:a14="http://schemas.microsoft.com/office/drawing/2010/main" val="0"/>
+              </a:ext>
+            </a:extLst>
+          </a:blip>
+          <a:srcRect l="3613"/>
+          <a:stretch/>
+        </p:blipFill>
+        <p:spPr>
+          <a:xfrm>
+            <a:off x="0" y="2669685"/>
+            <a:ext cx="4037012" cy="4188315"/>
+          </a:xfrm>
+          <a:prstGeom prst="rect">
+            <a:avLst/>
+          </a:prstGeom>
+        </p:spPr>
+      </p:pic>
+      <p:pic>
+        <p:nvPicPr>
+          <p:cNvPr id="31" name="Picture 11">
+            <a:extLst>
+              <a:ext uri="{FF2B5EF4-FFF2-40B4-BE49-F238E27FC236}">
+                <a16:creationId xmlns:a16="http://schemas.microsoft.com/office/drawing/2014/main" id="{950648F4-ABCD-4DF0-8641-76CFB2354721}"/>
+              </a:ext>
+              <a:ext uri="{C183D7F6-B498-43B3-948B-1728B52AA6E4}">
+                <adec:decorative xmlns:adec="http://schemas.microsoft.com/office/drawing/2017/decorative" val="1"/>
+              </a:ext>
+            </a:extLst>
+          </p:cNvPr>
+          <p:cNvPicPr>
+            <a:picLocks noGrp="1" noRot="1" noChangeAspect="1" noMove="1" noResize="1" noEditPoints="1" noAdjustHandles="1" noChangeArrowheads="1" noChangeShapeType="1" noCrop="1"/>
+          </p:cNvPicPr>
+          <p:nvPr>
+            <p:extLst>
+              <p:ext uri="{386F3935-93C4-4BCD-93E2-E3B085C9AB24}">
+                <p16:designElem xmlns:p16="http://schemas.microsoft.com/office/powerpoint/2015/main" val="1"/>
+              </p:ext>
+            </p:extLst>
+          </p:nvPr>
+        </p:nvPicPr>
+        <p:blipFill rotWithShape="1">
+          <a:blip r:embed="rId4">
+            <a:extLst>
+              <a:ext uri="{28A0092B-C50C-407E-A947-70E740481C1C}">
+                <a14:useLocalDpi xmlns:a14="http://schemas.microsoft.com/office/drawing/2010/main" val="0"/>
+              </a:ext>
+            </a:extLst>
+          </a:blip>
+          <a:srcRect l="35640"/>
+          <a:stretch/>
+        </p:blipFill>
+        <p:spPr>
+          <a:xfrm>
+            <a:off x="0" y="2892347"/>
+            <a:ext cx="1522412" cy="2365453"/>
+          </a:xfrm>
+          <a:prstGeom prst="rect">
+            <a:avLst/>
+          </a:prstGeom>
+        </p:spPr>
+      </p:pic>
+      <p:sp>
+        <p:nvSpPr>
+          <p:cNvPr id="32" name="Oval 13">
+            <a:extLst>
+              <a:ext uri="{FF2B5EF4-FFF2-40B4-BE49-F238E27FC236}">
+                <a16:creationId xmlns:a16="http://schemas.microsoft.com/office/drawing/2014/main" id="{989BE678-777B-482A-A616-FEDC47B162E5}"/>
+              </a:ext>
+              <a:ext uri="{C183D7F6-B498-43B3-948B-1728B52AA6E4}">
+                <adec:decorative xmlns:adec="http://schemas.microsoft.com/office/drawing/2017/decorative" val="1"/>
+              </a:ext>
+            </a:extLst>
+          </p:cNvPr>
+          <p:cNvSpPr>
+            <a:spLocks noGrp="1" noRot="1" noChangeAspect="1" noMove="1" noResize="1" noEditPoints="1" noAdjustHandles="1" noChangeArrowheads="1" noChangeShapeType="1" noTextEdit="1"/>
+          </p:cNvSpPr>
+          <p:nvPr>
+            <p:extLst>
+              <p:ext uri="{386F3935-93C4-4BCD-93E2-E3B085C9AB24}">
+                <p16:designElem xmlns:p16="http://schemas.microsoft.com/office/powerpoint/2015/main" val="1"/>
+              </p:ext>
+            </p:extLst>
+          </p:nvPr>
+        </p:nvSpPr>
+        <p:spPr>
+          <a:xfrm>
+            <a:off x="8609012" y="1676400"/>
+            <a:ext cx="2819400" cy="2819400"/>
+          </a:xfrm>
+          <a:prstGeom prst="ellipse">
+            <a:avLst/>
+          </a:prstGeom>
+          <a:gradFill flip="none" rotWithShape="1">
+            <a:gsLst>
+              <a:gs pos="0">
+                <a:schemeClr val="bg2">
+                  <a:lumMod val="60000"/>
+                  <a:lumOff val="40000"/>
+                  <a:alpha val="7000"/>
+                </a:schemeClr>
+              </a:gs>
+              <a:gs pos="69000">
+                <a:schemeClr val="bg2">
+                  <a:lumMod val="60000"/>
+                  <a:lumOff val="40000"/>
+                  <a:alpha val="0"/>
+                </a:schemeClr>
+              </a:gs>
+              <a:gs pos="36000">
+                <a:schemeClr val="bg2">
+                  <a:lumMod val="60000"/>
+                  <a:lumOff val="40000"/>
+                  <a:alpha val="6000"/>
+                </a:schemeClr>
+              </a:gs>
+            </a:gsLst>
+            <a:path path="circle">
+              <a:fillToRect l="50000" t="50000" r="50000" b="50000"/>
+            </a:path>
+            <a:tileRect/>
+          </a:gradFill>
+          <a:ln>
+            <a:noFill/>
+          </a:ln>
+          <a:effectLst/>
+        </p:spPr>
+        <p:style>
+          <a:lnRef idx="1">
+            <a:schemeClr val="accent1"/>
+          </a:lnRef>
+          <a:fillRef idx="3">
+            <a:schemeClr val="accent1"/>
+          </a:fillRef>
+          <a:effectRef idx="2">
+            <a:schemeClr val="accent1"/>
+          </a:effectRef>
+          <a:fontRef idx="minor">
+            <a:schemeClr val="lt1"/>
+          </a:fontRef>
+        </p:style>
+      </p:sp>
+      <p:pic>
+        <p:nvPicPr>
+          <p:cNvPr id="33" name="Picture 15">
+            <a:extLst>
+              <a:ext uri="{FF2B5EF4-FFF2-40B4-BE49-F238E27FC236}">
+                <a16:creationId xmlns:a16="http://schemas.microsoft.com/office/drawing/2014/main" id="{CF1EB4BD-9C7E-4AA3-9681-C7EB0DA6250B}"/>
+              </a:ext>
+              <a:ext uri="{C183D7F6-B498-43B3-948B-1728B52AA6E4}">
+                <adec:decorative xmlns:adec="http://schemas.microsoft.com/office/drawing/2017/decorative" val="1"/>
+              </a:ext>
+            </a:extLst>
+          </p:cNvPr>
+          <p:cNvPicPr>
+            <a:picLocks noGrp="1" noRot="1" noChangeAspect="1" noMove="1" noResize="1" noEditPoints="1" noAdjustHandles="1" noChangeArrowheads="1" noChangeShapeType="1" noCrop="1"/>
+          </p:cNvPicPr>
+          <p:nvPr>
+            <p:extLst>
+              <p:ext uri="{386F3935-93C4-4BCD-93E2-E3B085C9AB24}">
+                <p16:designElem xmlns:p16="http://schemas.microsoft.com/office/powerpoint/2015/main" val="1"/>
+              </p:ext>
+            </p:extLst>
+          </p:nvPr>
+        </p:nvPicPr>
+        <p:blipFill rotWithShape="1">
+          <a:blip r:embed="rId5">
+            <a:extLst>
+              <a:ext uri="{28A0092B-C50C-407E-A947-70E740481C1C}">
+                <a14:useLocalDpi xmlns:a14="http://schemas.microsoft.com/office/drawing/2010/main" val="0"/>
+              </a:ext>
+            </a:extLst>
+          </a:blip>
+          <a:srcRect t="28813"/>
+          <a:stretch/>
+        </p:blipFill>
+        <p:spPr>
+          <a:xfrm>
+            <a:off x="7999412" y="0"/>
+            <a:ext cx="1603387" cy="1141407"/>
+          </a:xfrm>
+          <a:prstGeom prst="rect">
+            <a:avLst/>
+          </a:prstGeom>
+        </p:spPr>
+      </p:pic>
+      <p:pic>
+        <p:nvPicPr>
+          <p:cNvPr id="34" name="Picture 17">
+            <a:extLst>
+              <a:ext uri="{FF2B5EF4-FFF2-40B4-BE49-F238E27FC236}">
+                <a16:creationId xmlns:a16="http://schemas.microsoft.com/office/drawing/2014/main" id="{94AAE3AA-3759-4D28-B0EF-575F25A5146C}"/>
+              </a:ext>
+              <a:ext uri="{C183D7F6-B498-43B3-948B-1728B52AA6E4}">
+                <adec:decorative xmlns:adec="http://schemas.microsoft.com/office/drawing/2017/decorative" val="1"/>
+              </a:ext>
+            </a:extLst>
+          </p:cNvPr>
+          <p:cNvPicPr>
+            <a:picLocks noGrp="1" noRot="1" noChangeAspect="1" noMove="1" noResize="1" noEditPoints="1" noAdjustHandles="1" noChangeArrowheads="1" noChangeShapeType="1" noCrop="1"/>
+          </p:cNvPicPr>
+          <p:nvPr>
+            <p:extLst>
+              <p:ext uri="{386F3935-93C4-4BCD-93E2-E3B085C9AB24}">
+                <p16:designElem xmlns:p16="http://schemas.microsoft.com/office/powerpoint/2015/main" val="1"/>
+              </p:ext>
+            </p:extLst>
+          </p:nvPr>
+        </p:nvPicPr>
+        <p:blipFill rotWithShape="1">
+          <a:blip r:embed="rId6">
+            <a:extLst>
+              <a:ext uri="{28A0092B-C50C-407E-A947-70E740481C1C}">
+                <a14:useLocalDpi xmlns:a14="http://schemas.microsoft.com/office/drawing/2010/main" val="0"/>
+              </a:ext>
+            </a:extLst>
+          </a:blip>
+          <a:srcRect b="23320"/>
+          <a:stretch/>
+        </p:blipFill>
+        <p:spPr>
+          <a:xfrm>
+            <a:off x="8605878" y="6096000"/>
+            <a:ext cx="993734" cy="762000"/>
+          </a:xfrm>
+          <a:prstGeom prst="rect">
+            <a:avLst/>
+          </a:prstGeom>
+        </p:spPr>
+      </p:pic>
+      <p:sp>
+        <p:nvSpPr>
+          <p:cNvPr id="35" name="Rectangle 19">
+            <a:extLst>
+              <a:ext uri="{FF2B5EF4-FFF2-40B4-BE49-F238E27FC236}">
+                <a16:creationId xmlns:a16="http://schemas.microsoft.com/office/drawing/2014/main" id="{D28BE0C3-2102-4820-B88B-A448B1840D14}"/>
+              </a:ext>
+              <a:ext uri="{C183D7F6-B498-43B3-948B-1728B52AA6E4}">
+                <adec:decorative xmlns:adec="http://schemas.microsoft.com/office/drawing/2017/decorative" val="1"/>
+              </a:ext>
+            </a:extLst>
+          </p:cNvPr>
+          <p:cNvSpPr>
+            <a:spLocks noGrp="1" noRot="1" noChangeAspect="1" noMove="1" noResize="1" noEditPoints="1" noAdjustHandles="1" noChangeArrowheads="1" noChangeShapeType="1" noTextEdit="1"/>
+          </p:cNvSpPr>
+          <p:nvPr>
+            <p:extLst>
+              <p:ext uri="{386F3935-93C4-4BCD-93E2-E3B085C9AB24}">
+                <p16:designElem xmlns:p16="http://schemas.microsoft.com/office/powerpoint/2015/main" val="1"/>
+              </p:ext>
+            </p:extLst>
+          </p:nvPr>
+        </p:nvSpPr>
+        <p:spPr>
+          <a:xfrm>
+            <a:off x="10437812" y="0"/>
+            <a:ext cx="685800" cy="1143000"/>
+          </a:xfrm>
+          <a:prstGeom prst="rect">
+            <a:avLst/>
+          </a:prstGeom>
+          <a:solidFill>
+            <a:schemeClr val="accent1"/>
+          </a:solidFill>
+          <a:ln>
+            <a:noFill/>
+          </a:ln>
+        </p:spPr>
+        <p:style>
+          <a:lnRef idx="1">
+            <a:schemeClr val="accent1"/>
+          </a:lnRef>
+          <a:fillRef idx="3">
+            <a:schemeClr val="accent1"/>
+          </a:fillRef>
+          <a:effectRef idx="2">
+            <a:schemeClr val="accent1"/>
+          </a:effectRef>
+          <a:fontRef idx="minor">
+            <a:schemeClr val="lt1"/>
+          </a:fontRef>
+        </p:style>
+      </p:sp>
       <p:sp>
         <p:nvSpPr>
           <p:cNvPr id="2" name="Title 1">
@@ -21216,13 +22596,20 @@
             <p:ph type="title"/>
           </p:nvPr>
         </p:nvSpPr>
-        <p:spPr/>
+        <p:spPr>
+          <a:xfrm>
+            <a:off x="8201837" y="1454963"/>
+            <a:ext cx="3342462" cy="3308380"/>
+          </a:xfrm>
+        </p:spPr>
         <p:txBody>
-          <a:bodyPr/>
+          <a:bodyPr vert="horz" lIns="91440" tIns="45720" rIns="91440" bIns="45720" rtlCol="0" anchor="b">
+            <a:normAutofit/>
+          </a:bodyPr>
           <a:lstStyle/>
           <a:p>
             <a:r>
-              <a:rPr lang="hu-HU" dirty="0"/>
+              <a:rPr lang="en-US" sz="6000"/>
               <a:t>Route Table</a:t>
             </a:r>
           </a:p>
@@ -21245,16 +22632,25 @@
           </p:nvPr>
         </p:nvPicPr>
         <p:blipFill>
-          <a:blip r:embed="rId2"/>
-          <a:stretch>
-            <a:fillRect/>
-          </a:stretch>
+          <a:blip r:embed="rId7"/>
+          <a:srcRect r="5759" b="-2"/>
+          <a:stretch/>
         </p:blipFill>
         <p:spPr>
           <a:xfrm>
-            <a:off x="1948797" y="1152983"/>
-            <a:ext cx="7258753" cy="5553075"/>
+            <a:off x="607848" y="177891"/>
+            <a:ext cx="7478102" cy="6070508"/>
           </a:xfrm>
+          <a:prstGeom prst="rect">
+            <a:avLst/>
+          </a:prstGeom>
+          <a:effectLst>
+            <a:outerShdw blurRad="50800" dist="38100" dir="5400000" algn="t" rotWithShape="0">
+              <a:prstClr val="black">
+                <a:alpha val="43000"/>
+              </a:prstClr>
+            </a:outerShdw>
+          </a:effectLst>
         </p:spPr>
       </p:pic>
     </p:spTree>
@@ -21310,17 +22706,17 @@
           <a:p>
             <a:r>
               <a:rPr lang="hu-HU" dirty="0"/>
-              <a:t>Port-Security</a:t>
+              <a:t>Port-Security,(BPDU Guard)</a:t>
             </a:r>
           </a:p>
         </p:txBody>
       </p:sp>
       <p:pic>
         <p:nvPicPr>
-          <p:cNvPr id="5" name="Content Placeholder 4">
+          <p:cNvPr id="7" name="Content Placeholder 6" descr="A screenshot of a computer program">
             <a:extLst>
               <a:ext uri="{FF2B5EF4-FFF2-40B4-BE49-F238E27FC236}">
-                <a16:creationId xmlns:a16="http://schemas.microsoft.com/office/drawing/2014/main" id="{8268F4EA-5E09-426F-B224-88EC83A084C8}"/>
+                <a16:creationId xmlns:a16="http://schemas.microsoft.com/office/drawing/2014/main" id="{DE11E26C-0119-3B48-2E6B-A299B93DA9EF}"/>
               </a:ext>
             </a:extLst>
           </p:cNvPr>
@@ -21332,16 +22728,200 @@
           </p:nvPr>
         </p:nvPicPr>
         <p:blipFill>
-          <a:blip r:embed="rId2"/>
+          <a:blip r:embed="rId2">
+            <a:extLst>
+              <a:ext uri="{28A0092B-C50C-407E-A947-70E740481C1C}">
+                <a14:useLocalDpi xmlns:a14="http://schemas.microsoft.com/office/drawing/2010/main" val="0"/>
+              </a:ext>
+            </a:extLst>
+          </a:blip>
           <a:stretch>
             <a:fillRect/>
           </a:stretch>
         </p:blipFill>
         <p:spPr>
           <a:xfrm>
-            <a:off x="873234" y="2236083"/>
-            <a:ext cx="9968927" cy="2634194"/>
+            <a:off x="739294" y="4424600"/>
+            <a:ext cx="4828361" cy="1318479"/>
           </a:xfrm>
+        </p:spPr>
+      </p:pic>
+      <p:pic>
+        <p:nvPicPr>
+          <p:cNvPr id="9" name="Picture 8" descr="A computer screen shot of a computer code">
+            <a:extLst>
+              <a:ext uri="{FF2B5EF4-FFF2-40B4-BE49-F238E27FC236}">
+                <a16:creationId xmlns:a16="http://schemas.microsoft.com/office/drawing/2014/main" id="{E3A7490F-C779-B021-FDD3-23A2D62E5A82}"/>
+              </a:ext>
+            </a:extLst>
+          </p:cNvPr>
+          <p:cNvPicPr>
+            <a:picLocks noChangeAspect="1"/>
+          </p:cNvPicPr>
+          <p:nvPr/>
+        </p:nvPicPr>
+        <p:blipFill>
+          <a:blip r:embed="rId3">
+            <a:extLst>
+              <a:ext uri="{28A0092B-C50C-407E-A947-70E740481C1C}">
+                <a14:useLocalDpi xmlns:a14="http://schemas.microsoft.com/office/drawing/2010/main" val="0"/>
+              </a:ext>
+            </a:extLst>
+          </a:blip>
+          <a:stretch>
+            <a:fillRect/>
+          </a:stretch>
+        </p:blipFill>
+        <p:spPr>
+          <a:xfrm>
+            <a:off x="739294" y="2858631"/>
+            <a:ext cx="4843603" cy="1294645"/>
+          </a:xfrm>
+          <a:prstGeom prst="rect">
+            <a:avLst/>
+          </a:prstGeom>
+        </p:spPr>
+      </p:pic>
+      <p:sp>
+        <p:nvSpPr>
+          <p:cNvPr id="10" name="TextBox 9">
+            <a:extLst>
+              <a:ext uri="{FF2B5EF4-FFF2-40B4-BE49-F238E27FC236}">
+                <a16:creationId xmlns:a16="http://schemas.microsoft.com/office/drawing/2014/main" id="{84D44A4B-E27F-C00F-AB4D-DB201E684186}"/>
+              </a:ext>
+            </a:extLst>
+          </p:cNvPr>
+          <p:cNvSpPr txBox="1"/>
+          <p:nvPr/>
+        </p:nvSpPr>
+        <p:spPr>
+          <a:xfrm>
+            <a:off x="2225494" y="2087126"/>
+            <a:ext cx="1855960" cy="369332"/>
+          </a:xfrm>
+          <a:prstGeom prst="rect">
+            <a:avLst/>
+          </a:prstGeom>
+          <a:noFill/>
+        </p:spPr>
+        <p:txBody>
+          <a:bodyPr wrap="square" rtlCol="0">
+            <a:spAutoFit/>
+          </a:bodyPr>
+          <a:lstStyle/>
+          <a:p>
+            <a:r>
+              <a:rPr lang="hu-HU" dirty="0"/>
+              <a:t>Delivery SW1</a:t>
+            </a:r>
+          </a:p>
+        </p:txBody>
+      </p:sp>
+      <p:sp>
+        <p:nvSpPr>
+          <p:cNvPr id="11" name="TextBox 10">
+            <a:extLst>
+              <a:ext uri="{FF2B5EF4-FFF2-40B4-BE49-F238E27FC236}">
+                <a16:creationId xmlns:a16="http://schemas.microsoft.com/office/drawing/2014/main" id="{587D9C0F-A73A-F61E-9216-D8715154DC4D}"/>
+              </a:ext>
+            </a:extLst>
+          </p:cNvPr>
+          <p:cNvSpPr txBox="1"/>
+          <p:nvPr/>
+        </p:nvSpPr>
+        <p:spPr>
+          <a:xfrm>
+            <a:off x="7763774" y="2196875"/>
+            <a:ext cx="2777705" cy="369332"/>
+          </a:xfrm>
+          <a:prstGeom prst="rect">
+            <a:avLst/>
+          </a:prstGeom>
+          <a:noFill/>
+        </p:spPr>
+        <p:txBody>
+          <a:bodyPr wrap="square" rtlCol="0">
+            <a:spAutoFit/>
+          </a:bodyPr>
+          <a:lstStyle/>
+          <a:p>
+            <a:r>
+              <a:rPr lang="hu-HU" dirty="0"/>
+              <a:t>Delivery SW2</a:t>
+            </a:r>
+          </a:p>
+        </p:txBody>
+      </p:sp>
+      <p:pic>
+        <p:nvPicPr>
+          <p:cNvPr id="13" name="Picture 12" descr="A screenshot of a computer program">
+            <a:extLst>
+              <a:ext uri="{FF2B5EF4-FFF2-40B4-BE49-F238E27FC236}">
+                <a16:creationId xmlns:a16="http://schemas.microsoft.com/office/drawing/2014/main" id="{DEFB4633-C0DF-7061-8B72-726163DF44C5}"/>
+              </a:ext>
+            </a:extLst>
+          </p:cNvPr>
+          <p:cNvPicPr>
+            <a:picLocks noChangeAspect="1"/>
+          </p:cNvPicPr>
+          <p:nvPr/>
+        </p:nvPicPr>
+        <p:blipFill>
+          <a:blip r:embed="rId4">
+            <a:extLst>
+              <a:ext uri="{28A0092B-C50C-407E-A947-70E740481C1C}">
+                <a14:useLocalDpi xmlns:a14="http://schemas.microsoft.com/office/drawing/2010/main" val="0"/>
+              </a:ext>
+            </a:extLst>
+          </a:blip>
+          <a:stretch>
+            <a:fillRect/>
+          </a:stretch>
+        </p:blipFill>
+        <p:spPr>
+          <a:xfrm>
+            <a:off x="6423082" y="4422787"/>
+            <a:ext cx="4729930" cy="1318479"/>
+          </a:xfrm>
+          <a:prstGeom prst="rect">
+            <a:avLst/>
+          </a:prstGeom>
+        </p:spPr>
+      </p:pic>
+      <p:pic>
+        <p:nvPicPr>
+          <p:cNvPr id="15" name="Picture 14" descr="A computer code with black text">
+            <a:extLst>
+              <a:ext uri="{FF2B5EF4-FFF2-40B4-BE49-F238E27FC236}">
+                <a16:creationId xmlns:a16="http://schemas.microsoft.com/office/drawing/2014/main" id="{27723B2C-6922-567E-4B15-70A68B728773}"/>
+              </a:ext>
+            </a:extLst>
+          </p:cNvPr>
+          <p:cNvPicPr>
+            <a:picLocks noChangeAspect="1"/>
+          </p:cNvPicPr>
+          <p:nvPr/>
+        </p:nvPicPr>
+        <p:blipFill>
+          <a:blip r:embed="rId5">
+            <a:extLst>
+              <a:ext uri="{28A0092B-C50C-407E-A947-70E740481C1C}">
+                <a14:useLocalDpi xmlns:a14="http://schemas.microsoft.com/office/drawing/2010/main" val="0"/>
+              </a:ext>
+            </a:extLst>
+          </a:blip>
+          <a:stretch>
+            <a:fillRect/>
+          </a:stretch>
+        </p:blipFill>
+        <p:spPr>
+          <a:xfrm>
+            <a:off x="6366246" y="2899529"/>
+            <a:ext cx="4843603" cy="1200407"/>
+          </a:xfrm>
+          <a:prstGeom prst="rect">
+            <a:avLst/>
+          </a:prstGeom>
         </p:spPr>
       </p:pic>
     </p:spTree>
@@ -21358,93 +22938,6 @@
 </file>
 
 <file path=ppt/slides/slide8.xml><?xml version="1.0" encoding="utf-8"?>
-<p:sld xmlns:a="http://schemas.openxmlformats.org/drawingml/2006/main" xmlns:r="http://schemas.openxmlformats.org/officeDocument/2006/relationships" xmlns:p="http://schemas.openxmlformats.org/presentationml/2006/main">
-  <p:cSld>
-    <p:spTree>
-      <p:nvGrpSpPr>
-        <p:cNvPr id="1" name=""/>
-        <p:cNvGrpSpPr/>
-        <p:nvPr/>
-      </p:nvGrpSpPr>
-      <p:grpSpPr>
-        <a:xfrm>
-          <a:off x="0" y="0"/>
-          <a:ext cx="0" cy="0"/>
-          <a:chOff x="0" y="0"/>
-          <a:chExt cx="0" cy="0"/>
-        </a:xfrm>
-      </p:grpSpPr>
-      <p:sp>
-        <p:nvSpPr>
-          <p:cNvPr id="2" name="Title 1">
-            <a:extLst>
-              <a:ext uri="{FF2B5EF4-FFF2-40B4-BE49-F238E27FC236}">
-                <a16:creationId xmlns:a16="http://schemas.microsoft.com/office/drawing/2014/main" id="{C5212948-0142-3E06-0AD6-9CD0827A0754}"/>
-              </a:ext>
-            </a:extLst>
-          </p:cNvPr>
-          <p:cNvSpPr>
-            <a:spLocks noGrp="1"/>
-          </p:cNvSpPr>
-          <p:nvPr>
-            <p:ph type="title"/>
-          </p:nvPr>
-        </p:nvSpPr>
-        <p:spPr/>
-        <p:txBody>
-          <a:bodyPr/>
-          <a:lstStyle/>
-          <a:p>
-            <a:r>
-              <a:rPr lang="hu-HU" dirty="0"/>
-              <a:t>HSRP</a:t>
-            </a:r>
-          </a:p>
-        </p:txBody>
-      </p:sp>
-      <p:pic>
-        <p:nvPicPr>
-          <p:cNvPr id="5" name="Content Placeholder 4">
-            <a:extLst>
-              <a:ext uri="{FF2B5EF4-FFF2-40B4-BE49-F238E27FC236}">
-                <a16:creationId xmlns:a16="http://schemas.microsoft.com/office/drawing/2014/main" id="{5BD9FAB6-3A4B-0C58-48A1-8105C3A1FD8C}"/>
-              </a:ext>
-            </a:extLst>
-          </p:cNvPr>
-          <p:cNvPicPr>
-            <a:picLocks noGrp="1" noChangeAspect="1"/>
-          </p:cNvPicPr>
-          <p:nvPr>
-            <p:ph idx="1"/>
-          </p:nvPr>
-        </p:nvPicPr>
-        <p:blipFill>
-          <a:blip r:embed="rId2"/>
-          <a:stretch>
-            <a:fillRect/>
-          </a:stretch>
-        </p:blipFill>
-        <p:spPr>
-          <a:xfrm>
-            <a:off x="2639187" y="1971675"/>
-            <a:ext cx="6600363" cy="3621033"/>
-          </a:xfrm>
-        </p:spPr>
-      </p:pic>
-    </p:spTree>
-    <p:extLst>
-      <p:ext uri="{BB962C8B-B14F-4D97-AF65-F5344CB8AC3E}">
-        <p14:creationId xmlns:p14="http://schemas.microsoft.com/office/powerpoint/2010/main" val="410447792"/>
-      </p:ext>
-    </p:extLst>
-  </p:cSld>
-  <p:clrMapOvr>
-    <a:masterClrMapping/>
-  </p:clrMapOvr>
-</p:sld>
-</file>
-
-<file path=ppt/slides/slide9.xml><?xml version="1.0" encoding="utf-8"?>
 <p:sld xmlns:a="http://schemas.openxmlformats.org/drawingml/2006/main" xmlns:r="http://schemas.openxmlformats.org/officeDocument/2006/relationships" xmlns:p="http://schemas.openxmlformats.org/presentationml/2006/main">
   <p:cSld>
     <p:bg>
@@ -21469,12 +22962,321 @@
           <a:chExt cx="0" cy="0"/>
         </a:xfrm>
       </p:grpSpPr>
+      <p:pic>
+        <p:nvPicPr>
+          <p:cNvPr id="10" name="Picture 9">
+            <a:extLst>
+              <a:ext uri="{FF2B5EF4-FFF2-40B4-BE49-F238E27FC236}">
+                <a16:creationId xmlns:a16="http://schemas.microsoft.com/office/drawing/2014/main" id="{41B68C77-138E-4BF7-A276-BD0C78A4219F}"/>
+              </a:ext>
+              <a:ext uri="{C183D7F6-B498-43B3-948B-1728B52AA6E4}">
+                <adec:decorative xmlns:adec="http://schemas.microsoft.com/office/drawing/2017/decorative" val="1"/>
+              </a:ext>
+            </a:extLst>
+          </p:cNvPr>
+          <p:cNvPicPr>
+            <a:picLocks noGrp="1" noRot="1" noChangeAspect="1" noMove="1" noResize="1" noEditPoints="1" noAdjustHandles="1" noChangeArrowheads="1" noChangeShapeType="1" noCrop="1"/>
+          </p:cNvPicPr>
+          <p:nvPr>
+            <p:extLst>
+              <p:ext uri="{386F3935-93C4-4BCD-93E2-E3B085C9AB24}">
+                <p16:designElem xmlns:p16="http://schemas.microsoft.com/office/powerpoint/2015/main" val="1"/>
+              </p:ext>
+            </p:extLst>
+          </p:nvPr>
+        </p:nvPicPr>
+        <p:blipFill rotWithShape="1">
+          <a:blip r:embed="rId2">
+            <a:extLst>
+              <a:ext uri="{28A0092B-C50C-407E-A947-70E740481C1C}">
+                <a14:useLocalDpi xmlns:a14="http://schemas.microsoft.com/office/drawing/2010/main" val="0"/>
+              </a:ext>
+            </a:extLst>
+          </a:blip>
+          <a:srcRect l="3613"/>
+          <a:stretch/>
+        </p:blipFill>
+        <p:spPr>
+          <a:xfrm>
+            <a:off x="0" y="2669685"/>
+            <a:ext cx="4037012" cy="4188315"/>
+          </a:xfrm>
+          <a:prstGeom prst="rect">
+            <a:avLst/>
+          </a:prstGeom>
+        </p:spPr>
+      </p:pic>
+      <p:pic>
+        <p:nvPicPr>
+          <p:cNvPr id="12" name="Picture 11">
+            <a:extLst>
+              <a:ext uri="{FF2B5EF4-FFF2-40B4-BE49-F238E27FC236}">
+                <a16:creationId xmlns:a16="http://schemas.microsoft.com/office/drawing/2014/main" id="{7C268552-D473-46ED-B1B8-422042C4DEF1}"/>
+              </a:ext>
+              <a:ext uri="{C183D7F6-B498-43B3-948B-1728B52AA6E4}">
+                <adec:decorative xmlns:adec="http://schemas.microsoft.com/office/drawing/2017/decorative" val="1"/>
+              </a:ext>
+            </a:extLst>
+          </p:cNvPr>
+          <p:cNvPicPr>
+            <a:picLocks noGrp="1" noRot="1" noChangeAspect="1" noMove="1" noResize="1" noEditPoints="1" noAdjustHandles="1" noChangeArrowheads="1" noChangeShapeType="1" noCrop="1"/>
+          </p:cNvPicPr>
+          <p:nvPr>
+            <p:extLst>
+              <p:ext uri="{386F3935-93C4-4BCD-93E2-E3B085C9AB24}">
+                <p16:designElem xmlns:p16="http://schemas.microsoft.com/office/powerpoint/2015/main" val="1"/>
+              </p:ext>
+            </p:extLst>
+          </p:nvPr>
+        </p:nvPicPr>
+        <p:blipFill rotWithShape="1">
+          <a:blip r:embed="rId3">
+            <a:extLst>
+              <a:ext uri="{28A0092B-C50C-407E-A947-70E740481C1C}">
+                <a14:useLocalDpi xmlns:a14="http://schemas.microsoft.com/office/drawing/2010/main" val="0"/>
+              </a:ext>
+            </a:extLst>
+          </a:blip>
+          <a:srcRect l="35640"/>
+          <a:stretch/>
+        </p:blipFill>
+        <p:spPr>
+          <a:xfrm>
+            <a:off x="0" y="2892347"/>
+            <a:ext cx="1522412" cy="2365453"/>
+          </a:xfrm>
+          <a:prstGeom prst="rect">
+            <a:avLst/>
+          </a:prstGeom>
+        </p:spPr>
+      </p:pic>
       <p:sp>
         <p:nvSpPr>
-          <p:cNvPr id="28" name="Rectangle 7">
+          <p:cNvPr id="14" name="Oval 13">
             <a:extLst>
               <a:ext uri="{FF2B5EF4-FFF2-40B4-BE49-F238E27FC236}">
-                <a16:creationId xmlns:a16="http://schemas.microsoft.com/office/drawing/2014/main" id="{74CD14DB-BB81-479F-A1FC-1C75640E9F84}"/>
+                <a16:creationId xmlns:a16="http://schemas.microsoft.com/office/drawing/2014/main" id="{4AC0CD9D-7610-4620-93B4-798CCD9AB581}"/>
+              </a:ext>
+              <a:ext uri="{C183D7F6-B498-43B3-948B-1728B52AA6E4}">
+                <adec:decorative xmlns:adec="http://schemas.microsoft.com/office/drawing/2017/decorative" val="1"/>
+              </a:ext>
+            </a:extLst>
+          </p:cNvPr>
+          <p:cNvSpPr>
+            <a:spLocks noGrp="1" noRot="1" noChangeAspect="1" noMove="1" noResize="1" noEditPoints="1" noAdjustHandles="1" noChangeArrowheads="1" noChangeShapeType="1" noTextEdit="1"/>
+          </p:cNvSpPr>
+          <p:nvPr>
+            <p:extLst>
+              <p:ext uri="{386F3935-93C4-4BCD-93E2-E3B085C9AB24}">
+                <p16:designElem xmlns:p16="http://schemas.microsoft.com/office/powerpoint/2015/main" val="1"/>
+              </p:ext>
+            </p:extLst>
+          </p:nvPr>
+        </p:nvSpPr>
+        <p:spPr>
+          <a:xfrm>
+            <a:off x="8609012" y="1676400"/>
+            <a:ext cx="2819400" cy="2819400"/>
+          </a:xfrm>
+          <a:prstGeom prst="ellipse">
+            <a:avLst/>
+          </a:prstGeom>
+          <a:gradFill flip="none" rotWithShape="1">
+            <a:gsLst>
+              <a:gs pos="0">
+                <a:schemeClr val="bg2">
+                  <a:lumMod val="60000"/>
+                  <a:lumOff val="40000"/>
+                  <a:alpha val="7000"/>
+                </a:schemeClr>
+              </a:gs>
+              <a:gs pos="69000">
+                <a:schemeClr val="bg2">
+                  <a:lumMod val="60000"/>
+                  <a:lumOff val="40000"/>
+                  <a:alpha val="0"/>
+                </a:schemeClr>
+              </a:gs>
+              <a:gs pos="36000">
+                <a:schemeClr val="bg2">
+                  <a:lumMod val="60000"/>
+                  <a:lumOff val="40000"/>
+                  <a:alpha val="6000"/>
+                </a:schemeClr>
+              </a:gs>
+            </a:gsLst>
+            <a:path path="circle">
+              <a:fillToRect l="50000" t="50000" r="50000" b="50000"/>
+            </a:path>
+            <a:tileRect/>
+          </a:gradFill>
+          <a:ln>
+            <a:noFill/>
+          </a:ln>
+          <a:effectLst/>
+        </p:spPr>
+        <p:style>
+          <a:lnRef idx="1">
+            <a:schemeClr val="accent1"/>
+          </a:lnRef>
+          <a:fillRef idx="3">
+            <a:schemeClr val="accent1"/>
+          </a:fillRef>
+          <a:effectRef idx="2">
+            <a:schemeClr val="accent1"/>
+          </a:effectRef>
+          <a:fontRef idx="minor">
+            <a:schemeClr val="lt1"/>
+          </a:fontRef>
+        </p:style>
+      </p:sp>
+      <p:pic>
+        <p:nvPicPr>
+          <p:cNvPr id="16" name="Picture 15">
+            <a:extLst>
+              <a:ext uri="{FF2B5EF4-FFF2-40B4-BE49-F238E27FC236}">
+                <a16:creationId xmlns:a16="http://schemas.microsoft.com/office/drawing/2014/main" id="{B9238B3E-24AA-439A-B527-6C5DF6D72145}"/>
+              </a:ext>
+              <a:ext uri="{C183D7F6-B498-43B3-948B-1728B52AA6E4}">
+                <adec:decorative xmlns:adec="http://schemas.microsoft.com/office/drawing/2017/decorative" val="1"/>
+              </a:ext>
+            </a:extLst>
+          </p:cNvPr>
+          <p:cNvPicPr>
+            <a:picLocks noGrp="1" noRot="1" noChangeAspect="1" noMove="1" noResize="1" noEditPoints="1" noAdjustHandles="1" noChangeArrowheads="1" noChangeShapeType="1" noCrop="1"/>
+          </p:cNvPicPr>
+          <p:nvPr>
+            <p:extLst>
+              <p:ext uri="{386F3935-93C4-4BCD-93E2-E3B085C9AB24}">
+                <p16:designElem xmlns:p16="http://schemas.microsoft.com/office/powerpoint/2015/main" val="1"/>
+              </p:ext>
+            </p:extLst>
+          </p:nvPr>
+        </p:nvPicPr>
+        <p:blipFill rotWithShape="1">
+          <a:blip r:embed="rId4">
+            <a:extLst>
+              <a:ext uri="{28A0092B-C50C-407E-A947-70E740481C1C}">
+                <a14:useLocalDpi xmlns:a14="http://schemas.microsoft.com/office/drawing/2010/main" val="0"/>
+              </a:ext>
+            </a:extLst>
+          </a:blip>
+          <a:srcRect t="28813"/>
+          <a:stretch/>
+        </p:blipFill>
+        <p:spPr>
+          <a:xfrm>
+            <a:off x="7999412" y="0"/>
+            <a:ext cx="1603387" cy="1141407"/>
+          </a:xfrm>
+          <a:prstGeom prst="rect">
+            <a:avLst/>
+          </a:prstGeom>
+        </p:spPr>
+      </p:pic>
+      <p:pic>
+        <p:nvPicPr>
+          <p:cNvPr id="18" name="Picture 17">
+            <a:extLst>
+              <a:ext uri="{FF2B5EF4-FFF2-40B4-BE49-F238E27FC236}">
+                <a16:creationId xmlns:a16="http://schemas.microsoft.com/office/drawing/2014/main" id="{69F01145-BEA3-4CBF-AA21-10077B948CA8}"/>
+              </a:ext>
+              <a:ext uri="{C183D7F6-B498-43B3-948B-1728B52AA6E4}">
+                <adec:decorative xmlns:adec="http://schemas.microsoft.com/office/drawing/2017/decorative" val="1"/>
+              </a:ext>
+            </a:extLst>
+          </p:cNvPr>
+          <p:cNvPicPr>
+            <a:picLocks noGrp="1" noRot="1" noChangeAspect="1" noMove="1" noResize="1" noEditPoints="1" noAdjustHandles="1" noChangeArrowheads="1" noChangeShapeType="1" noCrop="1"/>
+          </p:cNvPicPr>
+          <p:nvPr>
+            <p:extLst>
+              <p:ext uri="{386F3935-93C4-4BCD-93E2-E3B085C9AB24}">
+                <p16:designElem xmlns:p16="http://schemas.microsoft.com/office/powerpoint/2015/main" val="1"/>
+              </p:ext>
+            </p:extLst>
+          </p:nvPr>
+        </p:nvPicPr>
+        <p:blipFill rotWithShape="1">
+          <a:blip r:embed="rId5">
+            <a:extLst>
+              <a:ext uri="{28A0092B-C50C-407E-A947-70E740481C1C}">
+                <a14:useLocalDpi xmlns:a14="http://schemas.microsoft.com/office/drawing/2010/main" val="0"/>
+              </a:ext>
+            </a:extLst>
+          </a:blip>
+          <a:srcRect b="23320"/>
+          <a:stretch/>
+        </p:blipFill>
+        <p:spPr>
+          <a:xfrm>
+            <a:off x="8605878" y="6096000"/>
+            <a:ext cx="993734" cy="762000"/>
+          </a:xfrm>
+          <a:prstGeom prst="rect">
+            <a:avLst/>
+          </a:prstGeom>
+        </p:spPr>
+      </p:pic>
+      <p:sp>
+        <p:nvSpPr>
+          <p:cNvPr id="20" name="Rectangle 19">
+            <a:extLst>
+              <a:ext uri="{FF2B5EF4-FFF2-40B4-BE49-F238E27FC236}">
+                <a16:creationId xmlns:a16="http://schemas.microsoft.com/office/drawing/2014/main" id="{DE4D62F9-188E-4530-84C2-24BDEE4BEB82}"/>
+              </a:ext>
+              <a:ext uri="{C183D7F6-B498-43B3-948B-1728B52AA6E4}">
+                <adec:decorative xmlns:adec="http://schemas.microsoft.com/office/drawing/2017/decorative" val="1"/>
+              </a:ext>
+            </a:extLst>
+          </p:cNvPr>
+          <p:cNvSpPr>
+            <a:spLocks noGrp="1" noRot="1" noChangeAspect="1" noMove="1" noResize="1" noEditPoints="1" noAdjustHandles="1" noChangeArrowheads="1" noChangeShapeType="1" noTextEdit="1"/>
+          </p:cNvSpPr>
+          <p:nvPr>
+            <p:extLst>
+              <p:ext uri="{386F3935-93C4-4BCD-93E2-E3B085C9AB24}">
+                <p16:designElem xmlns:p16="http://schemas.microsoft.com/office/powerpoint/2015/main" val="1"/>
+              </p:ext>
+            </p:extLst>
+          </p:nvPr>
+        </p:nvSpPr>
+        <p:spPr>
+          <a:xfrm>
+            <a:off x="10437812" y="0"/>
+            <a:ext cx="685800" cy="1143000"/>
+          </a:xfrm>
+          <a:prstGeom prst="rect">
+            <a:avLst/>
+          </a:prstGeom>
+          <a:solidFill>
+            <a:schemeClr val="accent1"/>
+          </a:solidFill>
+          <a:ln>
+            <a:noFill/>
+          </a:ln>
+        </p:spPr>
+        <p:style>
+          <a:lnRef idx="1">
+            <a:schemeClr val="accent1"/>
+          </a:lnRef>
+          <a:fillRef idx="3">
+            <a:schemeClr val="accent1"/>
+          </a:fillRef>
+          <a:effectRef idx="2">
+            <a:schemeClr val="accent1"/>
+          </a:effectRef>
+          <a:fontRef idx="minor">
+            <a:schemeClr val="lt1"/>
+          </a:fontRef>
+        </p:style>
+      </p:sp>
+      <p:sp>
+        <p:nvSpPr>
+          <p:cNvPr id="22" name="Rectangle 21">
+            <a:extLst>
+              <a:ext uri="{FF2B5EF4-FFF2-40B4-BE49-F238E27FC236}">
+                <a16:creationId xmlns:a16="http://schemas.microsoft.com/office/drawing/2014/main" id="{757B325C-3E35-45CF-9D07-3BCB281F3B9C}"/>
               </a:ext>
               <a:ext uri="{C183D7F6-B498-43B3-948B-1728B52AA6E4}">
                 <adec:decorative xmlns:adec="http://schemas.microsoft.com/office/drawing/2017/decorative" val="1"/>
@@ -21524,46 +23326,905 @@
           <a:bodyPr rtlCol="0" anchor="ctr"/>
           <a:lstStyle/>
           <a:p>
-            <a:pPr marL="0" marR="0" lvl="0" indent="0" algn="ctr" defTabSz="914400" rtl="0" eaLnBrk="1" fontAlgn="auto" latinLnBrk="0" hangingPunct="1">
-              <a:lnSpc>
-                <a:spcPct val="100000"/>
-              </a:lnSpc>
-              <a:spcBef>
-                <a:spcPts val="0"/>
-              </a:spcBef>
-              <a:spcAft>
-                <a:spcPts val="0"/>
-              </a:spcAft>
-              <a:buClrTx/>
-              <a:buSzTx/>
-              <a:buFontTx/>
-              <a:buNone/>
-              <a:tabLst/>
-              <a:defRPr/>
-            </a:pPr>
-            <a:endParaRPr kumimoji="0" lang="en-US" sz="1800" b="0" i="0" u="none" strike="noStrike" kern="1200" cap="none" spc="0" normalizeH="0" baseline="0" noProof="0">
-              <a:ln>
-                <a:noFill/>
-              </a:ln>
-              <a:solidFill>
-                <a:prstClr val="white"/>
-              </a:solidFill>
-              <a:effectLst/>
-              <a:uLnTx/>
-              <a:uFillTx/>
-              <a:latin typeface="Century Gothic" panose="020B0502020202020204"/>
-              <a:ea typeface="+mn-ea"/>
-              <a:cs typeface="+mn-cs"/>
-            </a:endParaRPr>
+            <a:pPr algn="ctr"/>
+            <a:endParaRPr lang="en-US"/>
           </a:p>
         </p:txBody>
       </p:sp>
       <p:sp>
         <p:nvSpPr>
-          <p:cNvPr id="29" name="Rectangle 9">
+          <p:cNvPr id="2" name="Title 1">
             <a:extLst>
               <a:ext uri="{FF2B5EF4-FFF2-40B4-BE49-F238E27FC236}">
-                <a16:creationId xmlns:a16="http://schemas.microsoft.com/office/drawing/2014/main" id="{C943A91B-7CA7-4592-A975-73B1BF8C4C74}"/>
+                <a16:creationId xmlns:a16="http://schemas.microsoft.com/office/drawing/2014/main" id="{79AE3319-779E-1797-710E-591CD64E2F4E}"/>
+              </a:ext>
+            </a:extLst>
+          </p:cNvPr>
+          <p:cNvSpPr>
+            <a:spLocks noGrp="1"/>
+          </p:cNvSpPr>
+          <p:nvPr>
+            <p:ph type="title"/>
+          </p:nvPr>
+        </p:nvSpPr>
+        <p:spPr>
+          <a:xfrm>
+            <a:off x="8191925" y="1325880"/>
+            <a:ext cx="3352375" cy="3066507"/>
+          </a:xfrm>
+        </p:spPr>
+        <p:txBody>
+          <a:bodyPr vert="horz" lIns="91440" tIns="45720" rIns="91440" bIns="45720" rtlCol="0" anchor="b">
+            <a:normAutofit/>
+          </a:bodyPr>
+          <a:lstStyle/>
+          <a:p>
+            <a:pPr>
+              <a:lnSpc>
+                <a:spcPct val="90000"/>
+              </a:lnSpc>
+            </a:pPr>
+            <a:r>
+              <a:rPr lang="en-US" sz="3400" b="0" i="0" kern="1200" dirty="0">
+                <a:solidFill>
+                  <a:srgbClr val="EBEBEB"/>
+                </a:solidFill>
+                <a:latin typeface="+mj-lt"/>
+                <a:ea typeface="+mj-ea"/>
+                <a:cs typeface="+mj-cs"/>
+              </a:rPr>
+              <a:t>Port-Security,(BPDU Guard)</a:t>
+            </a:r>
+          </a:p>
+        </p:txBody>
+      </p:sp>
+      <p:sp>
+        <p:nvSpPr>
+          <p:cNvPr id="24" name="Freeform 36">
+            <a:extLst>
+              <a:ext uri="{FF2B5EF4-FFF2-40B4-BE49-F238E27FC236}">
+                <a16:creationId xmlns:a16="http://schemas.microsoft.com/office/drawing/2014/main" id="{C24BEC42-AFF3-40D1-93A2-A27A42E1E23C}"/>
+              </a:ext>
+              <a:ext uri="{C183D7F6-B498-43B3-948B-1728B52AA6E4}">
+                <adec:decorative xmlns:adec="http://schemas.microsoft.com/office/drawing/2017/decorative" val="1"/>
+              </a:ext>
+            </a:extLst>
+          </p:cNvPr>
+          <p:cNvSpPr>
+            <a:spLocks noGrp="1" noRot="1" noChangeAspect="1" noMove="1" noResize="1" noEditPoints="1" noAdjustHandles="1" noChangeArrowheads="1" noChangeShapeType="1" noTextEdit="1"/>
+          </p:cNvSpPr>
+          <p:nvPr>
+            <p:extLst>
+              <p:ext uri="{386F3935-93C4-4BCD-93E2-E3B085C9AB24}">
+                <p16:designElem xmlns:p16="http://schemas.microsoft.com/office/powerpoint/2015/main" val="1"/>
+              </p:ext>
+            </p:extLst>
+          </p:nvPr>
+        </p:nvSpPr>
+        <p:spPr>
+          <a:xfrm flipH="1">
+            <a:off x="7463681" y="-1"/>
+            <a:ext cx="559472" cy="3709642"/>
+          </a:xfrm>
+          <a:custGeom>
+            <a:avLst/>
+            <a:gdLst>
+              <a:gd name="connsiteX0" fmla="*/ 0 w 559472"/>
+              <a:gd name="connsiteY0" fmla="*/ 0 h 3709642"/>
+              <a:gd name="connsiteX1" fmla="*/ 473952 w 559472"/>
+              <a:gd name="connsiteY1" fmla="*/ 0 h 3709642"/>
+              <a:gd name="connsiteX2" fmla="*/ 485840 w 559472"/>
+              <a:gd name="connsiteY2" fmla="*/ 161194 h 3709642"/>
+              <a:gd name="connsiteX3" fmla="*/ 523949 w 559472"/>
+              <a:gd name="connsiteY3" fmla="*/ 3672197 h 3709642"/>
+              <a:gd name="connsiteX4" fmla="*/ 454748 w 559472"/>
+              <a:gd name="connsiteY4" fmla="*/ 3709642 h 3709642"/>
+              <a:gd name="connsiteX5" fmla="*/ 448224 w 559472"/>
+              <a:gd name="connsiteY5" fmla="*/ 3510471 h 3709642"/>
+              <a:gd name="connsiteX6" fmla="*/ 443564 w 559472"/>
+              <a:gd name="connsiteY6" fmla="*/ 3408563 h 3709642"/>
+              <a:gd name="connsiteX7" fmla="*/ 438902 w 559472"/>
+              <a:gd name="connsiteY7" fmla="*/ 3304407 h 3709642"/>
+              <a:gd name="connsiteX8" fmla="*/ 433941 w 559472"/>
+              <a:gd name="connsiteY8" fmla="*/ 3198777 h 3709642"/>
+              <a:gd name="connsiteX9" fmla="*/ 427584 w 559472"/>
+              <a:gd name="connsiteY9" fmla="*/ 3092510 h 3709642"/>
+              <a:gd name="connsiteX10" fmla="*/ 420988 w 559472"/>
+              <a:gd name="connsiteY10" fmla="*/ 2984390 h 3709642"/>
+              <a:gd name="connsiteX11" fmla="*/ 414330 w 559472"/>
+              <a:gd name="connsiteY11" fmla="*/ 2874401 h 3709642"/>
+              <a:gd name="connsiteX12" fmla="*/ 406840 w 559472"/>
+              <a:gd name="connsiteY12" fmla="*/ 2762980 h 3709642"/>
+              <a:gd name="connsiteX13" fmla="*/ 397745 w 559472"/>
+              <a:gd name="connsiteY13" fmla="*/ 2650566 h 3709642"/>
+              <a:gd name="connsiteX14" fmla="*/ 389154 w 559472"/>
+              <a:gd name="connsiteY14" fmla="*/ 2536612 h 3709642"/>
+              <a:gd name="connsiteX15" fmla="*/ 379225 w 559472"/>
+              <a:gd name="connsiteY15" fmla="*/ 2421642 h 3709642"/>
+              <a:gd name="connsiteX16" fmla="*/ 368316 w 559472"/>
+              <a:gd name="connsiteY16" fmla="*/ 2305627 h 3709642"/>
+              <a:gd name="connsiteX17" fmla="*/ 357466 w 559472"/>
+              <a:gd name="connsiteY17" fmla="*/ 2189233 h 3709642"/>
+              <a:gd name="connsiteX18" fmla="*/ 344982 w 559472"/>
+              <a:gd name="connsiteY18" fmla="*/ 2071473 h 3709642"/>
+              <a:gd name="connsiteX19" fmla="*/ 332466 w 559472"/>
+              <a:gd name="connsiteY19" fmla="*/ 1952216 h 3709642"/>
+              <a:gd name="connsiteX20" fmla="*/ 319121 w 559472"/>
+              <a:gd name="connsiteY20" fmla="*/ 1833776 h 3709642"/>
+              <a:gd name="connsiteX21" fmla="*/ 304408 w 559472"/>
+              <a:gd name="connsiteY21" fmla="*/ 1713948 h 3709642"/>
+              <a:gd name="connsiteX22" fmla="*/ 288685 w 559472"/>
+              <a:gd name="connsiteY22" fmla="*/ 1592703 h 3709642"/>
+              <a:gd name="connsiteX23" fmla="*/ 273050 w 559472"/>
+              <a:gd name="connsiteY23" fmla="*/ 1471451 h 3709642"/>
+              <a:gd name="connsiteX24" fmla="*/ 255813 w 559472"/>
+              <a:gd name="connsiteY24" fmla="*/ 1350328 h 3709642"/>
+              <a:gd name="connsiteX25" fmla="*/ 237060 w 559472"/>
+              <a:gd name="connsiteY25" fmla="*/ 1227080 h 3709642"/>
+              <a:gd name="connsiteX26" fmla="*/ 218488 w 559472"/>
+              <a:gd name="connsiteY26" fmla="*/ 1106065 h 3709642"/>
+              <a:gd name="connsiteX27" fmla="*/ 198221 w 559472"/>
+              <a:gd name="connsiteY27" fmla="*/ 982940 h 3709642"/>
+              <a:gd name="connsiteX28" fmla="*/ 177152 w 559472"/>
+              <a:gd name="connsiteY28" fmla="*/ 858755 h 3709642"/>
+              <a:gd name="connsiteX29" fmla="*/ 155551 w 559472"/>
+              <a:gd name="connsiteY29" fmla="*/ 736861 h 3709642"/>
+              <a:gd name="connsiteX30" fmla="*/ 131782 w 559472"/>
+              <a:gd name="connsiteY30" fmla="*/ 613645 h 3709642"/>
+              <a:gd name="connsiteX31" fmla="*/ 107123 w 559472"/>
+              <a:gd name="connsiteY31" fmla="*/ 490500 h 3709642"/>
+              <a:gd name="connsiteX32" fmla="*/ 82552 w 559472"/>
+              <a:gd name="connsiteY32" fmla="*/ 367348 h 3709642"/>
+              <a:gd name="connsiteX33" fmla="*/ 55608 w 559472"/>
+              <a:gd name="connsiteY33" fmla="*/ 244762 h 3709642"/>
+              <a:gd name="connsiteX34" fmla="*/ 28130 w 559472"/>
+              <a:gd name="connsiteY34" fmla="*/ 122220 h 3709642"/>
+              <a:gd name="connsiteX35" fmla="*/ 0 w 559472"/>
+              <a:gd name="connsiteY35" fmla="*/ 0 h 3709642"/>
+            </a:gdLst>
+            <a:ahLst/>
+            <a:cxnLst>
+              <a:cxn ang="0">
+                <a:pos x="connsiteX0" y="connsiteY0"/>
+              </a:cxn>
+              <a:cxn ang="0">
+                <a:pos x="connsiteX1" y="connsiteY1"/>
+              </a:cxn>
+              <a:cxn ang="0">
+                <a:pos x="connsiteX2" y="connsiteY2"/>
+              </a:cxn>
+              <a:cxn ang="0">
+                <a:pos x="connsiteX3" y="connsiteY3"/>
+              </a:cxn>
+              <a:cxn ang="0">
+                <a:pos x="connsiteX4" y="connsiteY4"/>
+              </a:cxn>
+              <a:cxn ang="0">
+                <a:pos x="connsiteX5" y="connsiteY5"/>
+              </a:cxn>
+              <a:cxn ang="0">
+                <a:pos x="connsiteX6" y="connsiteY6"/>
+              </a:cxn>
+              <a:cxn ang="0">
+                <a:pos x="connsiteX7" y="connsiteY7"/>
+              </a:cxn>
+              <a:cxn ang="0">
+                <a:pos x="connsiteX8" y="connsiteY8"/>
+              </a:cxn>
+              <a:cxn ang="0">
+                <a:pos x="connsiteX9" y="connsiteY9"/>
+              </a:cxn>
+              <a:cxn ang="0">
+                <a:pos x="connsiteX10" y="connsiteY10"/>
+              </a:cxn>
+              <a:cxn ang="0">
+                <a:pos x="connsiteX11" y="connsiteY11"/>
+              </a:cxn>
+              <a:cxn ang="0">
+                <a:pos x="connsiteX12" y="connsiteY12"/>
+              </a:cxn>
+              <a:cxn ang="0">
+                <a:pos x="connsiteX13" y="connsiteY13"/>
+              </a:cxn>
+              <a:cxn ang="0">
+                <a:pos x="connsiteX14" y="connsiteY14"/>
+              </a:cxn>
+              <a:cxn ang="0">
+                <a:pos x="connsiteX15" y="connsiteY15"/>
+              </a:cxn>
+              <a:cxn ang="0">
+                <a:pos x="connsiteX16" y="connsiteY16"/>
+              </a:cxn>
+              <a:cxn ang="0">
+                <a:pos x="connsiteX17" y="connsiteY17"/>
+              </a:cxn>
+              <a:cxn ang="0">
+                <a:pos x="connsiteX18" y="connsiteY18"/>
+              </a:cxn>
+              <a:cxn ang="0">
+                <a:pos x="connsiteX19" y="connsiteY19"/>
+              </a:cxn>
+              <a:cxn ang="0">
+                <a:pos x="connsiteX20" y="connsiteY20"/>
+              </a:cxn>
+              <a:cxn ang="0">
+                <a:pos x="connsiteX21" y="connsiteY21"/>
+              </a:cxn>
+              <a:cxn ang="0">
+                <a:pos x="connsiteX22" y="connsiteY22"/>
+              </a:cxn>
+              <a:cxn ang="0">
+                <a:pos x="connsiteX23" y="connsiteY23"/>
+              </a:cxn>
+              <a:cxn ang="0">
+                <a:pos x="connsiteX24" y="connsiteY24"/>
+              </a:cxn>
+              <a:cxn ang="0">
+                <a:pos x="connsiteX25" y="connsiteY25"/>
+              </a:cxn>
+              <a:cxn ang="0">
+                <a:pos x="connsiteX26" y="connsiteY26"/>
+              </a:cxn>
+              <a:cxn ang="0">
+                <a:pos x="connsiteX27" y="connsiteY27"/>
+              </a:cxn>
+              <a:cxn ang="0">
+                <a:pos x="connsiteX28" y="connsiteY28"/>
+              </a:cxn>
+              <a:cxn ang="0">
+                <a:pos x="connsiteX29" y="connsiteY29"/>
+              </a:cxn>
+              <a:cxn ang="0">
+                <a:pos x="connsiteX30" y="connsiteY30"/>
+              </a:cxn>
+              <a:cxn ang="0">
+                <a:pos x="connsiteX31" y="connsiteY31"/>
+              </a:cxn>
+              <a:cxn ang="0">
+                <a:pos x="connsiteX32" y="connsiteY32"/>
+              </a:cxn>
+              <a:cxn ang="0">
+                <a:pos x="connsiteX33" y="connsiteY33"/>
+              </a:cxn>
+              <a:cxn ang="0">
+                <a:pos x="connsiteX34" y="connsiteY34"/>
+              </a:cxn>
+              <a:cxn ang="0">
+                <a:pos x="connsiteX35" y="connsiteY35"/>
+              </a:cxn>
+            </a:cxnLst>
+            <a:rect l="l" t="t" r="r" b="b"/>
+            <a:pathLst>
+              <a:path w="559472" h="3709642">
+                <a:moveTo>
+                  <a:pt x="0" y="0"/>
+                </a:moveTo>
+                <a:lnTo>
+                  <a:pt x="473952" y="0"/>
+                </a:lnTo>
+                <a:lnTo>
+                  <a:pt x="485840" y="161194"/>
+                </a:lnTo>
+                <a:cubicBezTo>
+                  <a:pt x="552063" y="1147770"/>
+                  <a:pt x="592441" y="3086737"/>
+                  <a:pt x="523949" y="3672197"/>
+                </a:cubicBezTo>
+                <a:cubicBezTo>
+                  <a:pt x="500842" y="3684557"/>
+                  <a:pt x="477855" y="3697282"/>
+                  <a:pt x="454748" y="3709642"/>
+                </a:cubicBezTo>
+                <a:lnTo>
+                  <a:pt x="448224" y="3510471"/>
+                </a:lnTo>
+                <a:lnTo>
+                  <a:pt x="443564" y="3408563"/>
+                </a:lnTo>
+                <a:lnTo>
+                  <a:pt x="438902" y="3304407"/>
+                </a:lnTo>
+                <a:lnTo>
+                  <a:pt x="433941" y="3198777"/>
+                </a:lnTo>
+                <a:lnTo>
+                  <a:pt x="427584" y="3092510"/>
+                </a:lnTo>
+                <a:lnTo>
+                  <a:pt x="420988" y="2984390"/>
+                </a:lnTo>
+                <a:lnTo>
+                  <a:pt x="414330" y="2874401"/>
+                </a:lnTo>
+                <a:lnTo>
+                  <a:pt x="406840" y="2762980"/>
+                </a:lnTo>
+                <a:lnTo>
+                  <a:pt x="397745" y="2650566"/>
+                </a:lnTo>
+                <a:lnTo>
+                  <a:pt x="389154" y="2536612"/>
+                </a:lnTo>
+                <a:lnTo>
+                  <a:pt x="379225" y="2421642"/>
+                </a:lnTo>
+                <a:lnTo>
+                  <a:pt x="368316" y="2305627"/>
+                </a:lnTo>
+                <a:lnTo>
+                  <a:pt x="357466" y="2189233"/>
+                </a:lnTo>
+                <a:lnTo>
+                  <a:pt x="344982" y="2071473"/>
+                </a:lnTo>
+                <a:lnTo>
+                  <a:pt x="332466" y="1952216"/>
+                </a:lnTo>
+                <a:lnTo>
+                  <a:pt x="319121" y="1833776"/>
+                </a:lnTo>
+                <a:lnTo>
+                  <a:pt x="304408" y="1713948"/>
+                </a:lnTo>
+                <a:lnTo>
+                  <a:pt x="288685" y="1592703"/>
+                </a:lnTo>
+                <a:lnTo>
+                  <a:pt x="273050" y="1471451"/>
+                </a:lnTo>
+                <a:lnTo>
+                  <a:pt x="255813" y="1350328"/>
+                </a:lnTo>
+                <a:lnTo>
+                  <a:pt x="237060" y="1227080"/>
+                </a:lnTo>
+                <a:lnTo>
+                  <a:pt x="218488" y="1106065"/>
+                </a:lnTo>
+                <a:lnTo>
+                  <a:pt x="198221" y="982940"/>
+                </a:lnTo>
+                <a:lnTo>
+                  <a:pt x="177152" y="858755"/>
+                </a:lnTo>
+                <a:lnTo>
+                  <a:pt x="155551" y="736861"/>
+                </a:lnTo>
+                <a:lnTo>
+                  <a:pt x="131782" y="613645"/>
+                </a:lnTo>
+                <a:lnTo>
+                  <a:pt x="107123" y="490500"/>
+                </a:lnTo>
+                <a:lnTo>
+                  <a:pt x="82552" y="367348"/>
+                </a:lnTo>
+                <a:lnTo>
+                  <a:pt x="55608" y="244762"/>
+                </a:lnTo>
+                <a:lnTo>
+                  <a:pt x="28130" y="122220"/>
+                </a:lnTo>
+                <a:lnTo>
+                  <a:pt x="0" y="0"/>
+                </a:lnTo>
+                <a:close/>
+              </a:path>
+            </a:pathLst>
+          </a:custGeom>
+          <a:solidFill>
+            <a:schemeClr val="bg1">
+              <a:alpha val="20000"/>
+            </a:schemeClr>
+          </a:solidFill>
+          <a:ln>
+            <a:noFill/>
+          </a:ln>
+        </p:spPr>
+        <p:txBody>
+          <a:bodyPr rtlCol="0" anchor="ctr"/>
+          <a:lstStyle/>
+          <a:p>
+            <a:pPr algn="ctr"/>
+            <a:endParaRPr lang="en-US"/>
+          </a:p>
+        </p:txBody>
+      </p:sp>
+      <p:sp useBgFill="1">
+        <p:nvSpPr>
+          <p:cNvPr id="26" name="Freeform: Shape 25">
+            <a:extLst>
+              <a:ext uri="{FF2B5EF4-FFF2-40B4-BE49-F238E27FC236}">
+                <a16:creationId xmlns:a16="http://schemas.microsoft.com/office/drawing/2014/main" id="{608F427C-1EC9-4280-9367-F2B3AA063E82}"/>
+              </a:ext>
+              <a:ext uri="{C183D7F6-B498-43B3-948B-1728B52AA6E4}">
+                <adec:decorative xmlns:adec="http://schemas.microsoft.com/office/drawing/2017/decorative" val="1"/>
+              </a:ext>
+            </a:extLst>
+          </p:cNvPr>
+          <p:cNvSpPr>
+            <a:spLocks noGrp="1" noRot="1" noChangeAspect="1" noMove="1" noResize="1" noEditPoints="1" noAdjustHandles="1" noChangeArrowheads="1" noChangeShapeType="1" noTextEdit="1"/>
+          </p:cNvSpPr>
+          <p:nvPr>
+            <p:extLst>
+              <p:ext uri="{386F3935-93C4-4BCD-93E2-E3B085C9AB24}">
+                <p16:designElem xmlns:p16="http://schemas.microsoft.com/office/powerpoint/2015/main" val="1"/>
+              </p:ext>
+            </p:extLst>
+          </p:nvPr>
+        </p:nvSpPr>
+        <p:spPr>
+          <a:xfrm>
+            <a:off x="0" y="0"/>
+            <a:ext cx="7809954" cy="6858000"/>
+          </a:xfrm>
+          <a:custGeom>
+            <a:avLst/>
+            <a:gdLst>
+              <a:gd name="connsiteX0" fmla="*/ 6465239 w 7809954"/>
+              <a:gd name="connsiteY0" fmla="*/ 0 h 6858000"/>
+              <a:gd name="connsiteX1" fmla="*/ 7808777 w 7809954"/>
+              <a:gd name="connsiteY1" fmla="*/ 0 h 6858000"/>
+              <a:gd name="connsiteX2" fmla="*/ 7783732 w 7809954"/>
+              <a:gd name="connsiteY2" fmla="*/ 155676 h 6858000"/>
+              <a:gd name="connsiteX3" fmla="*/ 7759863 w 7809954"/>
+              <a:gd name="connsiteY3" fmla="*/ 310667 h 6858000"/>
+              <a:gd name="connsiteX4" fmla="*/ 7736499 w 7809954"/>
+              <a:gd name="connsiteY4" fmla="*/ 466344 h 6858000"/>
+              <a:gd name="connsiteX5" fmla="*/ 7716496 w 7809954"/>
+              <a:gd name="connsiteY5" fmla="*/ 622706 h 6858000"/>
+              <a:gd name="connsiteX6" fmla="*/ 7696325 w 7809954"/>
+              <a:gd name="connsiteY6" fmla="*/ 778383 h 6858000"/>
+              <a:gd name="connsiteX7" fmla="*/ 7677499 w 7809954"/>
+              <a:gd name="connsiteY7" fmla="*/ 934745 h 6858000"/>
+              <a:gd name="connsiteX8" fmla="*/ 7661363 w 7809954"/>
+              <a:gd name="connsiteY8" fmla="*/ 1089050 h 6858000"/>
+              <a:gd name="connsiteX9" fmla="*/ 7646067 w 7809954"/>
+              <a:gd name="connsiteY9" fmla="*/ 1245413 h 6858000"/>
+              <a:gd name="connsiteX10" fmla="*/ 7632115 w 7809954"/>
+              <a:gd name="connsiteY10" fmla="*/ 1401089 h 6858000"/>
+              <a:gd name="connsiteX11" fmla="*/ 7620013 w 7809954"/>
+              <a:gd name="connsiteY11" fmla="*/ 1554023 h 6858000"/>
+              <a:gd name="connsiteX12" fmla="*/ 7607910 w 7809954"/>
+              <a:gd name="connsiteY12" fmla="*/ 1709013 h 6858000"/>
+              <a:gd name="connsiteX13" fmla="*/ 7597825 w 7809954"/>
+              <a:gd name="connsiteY13" fmla="*/ 1861947 h 6858000"/>
+              <a:gd name="connsiteX14" fmla="*/ 7589925 w 7809954"/>
+              <a:gd name="connsiteY14" fmla="*/ 2014880 h 6858000"/>
+              <a:gd name="connsiteX15" fmla="*/ 7581688 w 7809954"/>
+              <a:gd name="connsiteY15" fmla="*/ 2167128 h 6858000"/>
+              <a:gd name="connsiteX16" fmla="*/ 7574797 w 7809954"/>
+              <a:gd name="connsiteY16" fmla="*/ 2318004 h 6858000"/>
+              <a:gd name="connsiteX17" fmla="*/ 7569922 w 7809954"/>
+              <a:gd name="connsiteY17" fmla="*/ 2467508 h 6858000"/>
+              <a:gd name="connsiteX18" fmla="*/ 7565720 w 7809954"/>
+              <a:gd name="connsiteY18" fmla="*/ 2617013 h 6858000"/>
+              <a:gd name="connsiteX19" fmla="*/ 7561686 w 7809954"/>
+              <a:gd name="connsiteY19" fmla="*/ 2765145 h 6858000"/>
+              <a:gd name="connsiteX20" fmla="*/ 7559837 w 7809954"/>
+              <a:gd name="connsiteY20" fmla="*/ 2911221 h 6858000"/>
+              <a:gd name="connsiteX21" fmla="*/ 7557820 w 7809954"/>
+              <a:gd name="connsiteY21" fmla="*/ 3057296 h 6858000"/>
+              <a:gd name="connsiteX22" fmla="*/ 7556811 w 7809954"/>
+              <a:gd name="connsiteY22" fmla="*/ 3201314 h 6858000"/>
+              <a:gd name="connsiteX23" fmla="*/ 7557820 w 7809954"/>
+              <a:gd name="connsiteY23" fmla="*/ 3343960 h 6858000"/>
+              <a:gd name="connsiteX24" fmla="*/ 7557820 w 7809954"/>
+              <a:gd name="connsiteY24" fmla="*/ 3485235 h 6858000"/>
+              <a:gd name="connsiteX25" fmla="*/ 7559837 w 7809954"/>
+              <a:gd name="connsiteY25" fmla="*/ 3625138 h 6858000"/>
+              <a:gd name="connsiteX26" fmla="*/ 7562862 w 7809954"/>
+              <a:gd name="connsiteY26" fmla="*/ 3762298 h 6858000"/>
+              <a:gd name="connsiteX27" fmla="*/ 7565720 w 7809954"/>
+              <a:gd name="connsiteY27" fmla="*/ 3898087 h 6858000"/>
+              <a:gd name="connsiteX28" fmla="*/ 7568914 w 7809954"/>
+              <a:gd name="connsiteY28" fmla="*/ 4031132 h 6858000"/>
+              <a:gd name="connsiteX29" fmla="*/ 7573788 w 7809954"/>
+              <a:gd name="connsiteY29" fmla="*/ 4163491 h 6858000"/>
+              <a:gd name="connsiteX30" fmla="*/ 7578999 w 7809954"/>
+              <a:gd name="connsiteY30" fmla="*/ 4293793 h 6858000"/>
+              <a:gd name="connsiteX31" fmla="*/ 7583705 w 7809954"/>
+              <a:gd name="connsiteY31" fmla="*/ 4421352 h 6858000"/>
+              <a:gd name="connsiteX32" fmla="*/ 7596985 w 7809954"/>
+              <a:gd name="connsiteY32" fmla="*/ 4670298 h 6858000"/>
+              <a:gd name="connsiteX33" fmla="*/ 7611104 w 7809954"/>
+              <a:gd name="connsiteY33" fmla="*/ 4908956 h 6858000"/>
+              <a:gd name="connsiteX34" fmla="*/ 7625896 w 7809954"/>
+              <a:gd name="connsiteY34" fmla="*/ 5138013 h 6858000"/>
+              <a:gd name="connsiteX35" fmla="*/ 7642201 w 7809954"/>
+              <a:gd name="connsiteY35" fmla="*/ 5354726 h 6858000"/>
+              <a:gd name="connsiteX36" fmla="*/ 7659178 w 7809954"/>
+              <a:gd name="connsiteY36" fmla="*/ 5561838 h 6858000"/>
+              <a:gd name="connsiteX37" fmla="*/ 7677499 w 7809954"/>
+              <a:gd name="connsiteY37" fmla="*/ 5753862 h 6858000"/>
+              <a:gd name="connsiteX38" fmla="*/ 7695485 w 7809954"/>
+              <a:gd name="connsiteY38" fmla="*/ 5934227 h 6858000"/>
+              <a:gd name="connsiteX39" fmla="*/ 7713470 w 7809954"/>
+              <a:gd name="connsiteY39" fmla="*/ 6100191 h 6858000"/>
+              <a:gd name="connsiteX40" fmla="*/ 7730447 w 7809954"/>
+              <a:gd name="connsiteY40" fmla="*/ 6252438 h 6858000"/>
+              <a:gd name="connsiteX41" fmla="*/ 7746584 w 7809954"/>
+              <a:gd name="connsiteY41" fmla="*/ 6387541 h 6858000"/>
+              <a:gd name="connsiteX42" fmla="*/ 7761880 w 7809954"/>
+              <a:gd name="connsiteY42" fmla="*/ 6509613 h 6858000"/>
+              <a:gd name="connsiteX43" fmla="*/ 7774655 w 7809954"/>
+              <a:gd name="connsiteY43" fmla="*/ 6612483 h 6858000"/>
+              <a:gd name="connsiteX44" fmla="*/ 7786757 w 7809954"/>
+              <a:gd name="connsiteY44" fmla="*/ 6698894 h 6858000"/>
+              <a:gd name="connsiteX45" fmla="*/ 7804071 w 7809954"/>
+              <a:gd name="connsiteY45" fmla="*/ 6817538 h 6858000"/>
+              <a:gd name="connsiteX46" fmla="*/ 7809954 w 7809954"/>
+              <a:gd name="connsiteY46" fmla="*/ 6858000 h 6858000"/>
+              <a:gd name="connsiteX47" fmla="*/ 7157124 w 7809954"/>
+              <a:gd name="connsiteY47" fmla="*/ 6858000 h 6858000"/>
+              <a:gd name="connsiteX48" fmla="*/ 7157124 w 7809954"/>
+              <a:gd name="connsiteY48" fmla="*/ 6858000 h 6858000"/>
+              <a:gd name="connsiteX49" fmla="*/ 0 w 7809954"/>
+              <a:gd name="connsiteY49" fmla="*/ 6858000 h 6858000"/>
+              <a:gd name="connsiteX50" fmla="*/ 0 w 7809954"/>
+              <a:gd name="connsiteY50" fmla="*/ 0 h 6858000"/>
+              <a:gd name="connsiteX51" fmla="*/ 6465239 w 7809954"/>
+              <a:gd name="connsiteY51" fmla="*/ 0 h 6858000"/>
+            </a:gdLst>
+            <a:ahLst/>
+            <a:cxnLst>
+              <a:cxn ang="0">
+                <a:pos x="connsiteX0" y="connsiteY0"/>
+              </a:cxn>
+              <a:cxn ang="0">
+                <a:pos x="connsiteX1" y="connsiteY1"/>
+              </a:cxn>
+              <a:cxn ang="0">
+                <a:pos x="connsiteX2" y="connsiteY2"/>
+              </a:cxn>
+              <a:cxn ang="0">
+                <a:pos x="connsiteX3" y="connsiteY3"/>
+              </a:cxn>
+              <a:cxn ang="0">
+                <a:pos x="connsiteX4" y="connsiteY4"/>
+              </a:cxn>
+              <a:cxn ang="0">
+                <a:pos x="connsiteX5" y="connsiteY5"/>
+              </a:cxn>
+              <a:cxn ang="0">
+                <a:pos x="connsiteX6" y="connsiteY6"/>
+              </a:cxn>
+              <a:cxn ang="0">
+                <a:pos x="connsiteX7" y="connsiteY7"/>
+              </a:cxn>
+              <a:cxn ang="0">
+                <a:pos x="connsiteX8" y="connsiteY8"/>
+              </a:cxn>
+              <a:cxn ang="0">
+                <a:pos x="connsiteX9" y="connsiteY9"/>
+              </a:cxn>
+              <a:cxn ang="0">
+                <a:pos x="connsiteX10" y="connsiteY10"/>
+              </a:cxn>
+              <a:cxn ang="0">
+                <a:pos x="connsiteX11" y="connsiteY11"/>
+              </a:cxn>
+              <a:cxn ang="0">
+                <a:pos x="connsiteX12" y="connsiteY12"/>
+              </a:cxn>
+              <a:cxn ang="0">
+                <a:pos x="connsiteX13" y="connsiteY13"/>
+              </a:cxn>
+              <a:cxn ang="0">
+                <a:pos x="connsiteX14" y="connsiteY14"/>
+              </a:cxn>
+              <a:cxn ang="0">
+                <a:pos x="connsiteX15" y="connsiteY15"/>
+              </a:cxn>
+              <a:cxn ang="0">
+                <a:pos x="connsiteX16" y="connsiteY16"/>
+              </a:cxn>
+              <a:cxn ang="0">
+                <a:pos x="connsiteX17" y="connsiteY17"/>
+              </a:cxn>
+              <a:cxn ang="0">
+                <a:pos x="connsiteX18" y="connsiteY18"/>
+              </a:cxn>
+              <a:cxn ang="0">
+                <a:pos x="connsiteX19" y="connsiteY19"/>
+              </a:cxn>
+              <a:cxn ang="0">
+                <a:pos x="connsiteX20" y="connsiteY20"/>
+              </a:cxn>
+              <a:cxn ang="0">
+                <a:pos x="connsiteX21" y="connsiteY21"/>
+              </a:cxn>
+              <a:cxn ang="0">
+                <a:pos x="connsiteX22" y="connsiteY22"/>
+              </a:cxn>
+              <a:cxn ang="0">
+                <a:pos x="connsiteX23" y="connsiteY23"/>
+              </a:cxn>
+              <a:cxn ang="0">
+                <a:pos x="connsiteX24" y="connsiteY24"/>
+              </a:cxn>
+              <a:cxn ang="0">
+                <a:pos x="connsiteX25" y="connsiteY25"/>
+              </a:cxn>
+              <a:cxn ang="0">
+                <a:pos x="connsiteX26" y="connsiteY26"/>
+              </a:cxn>
+              <a:cxn ang="0">
+                <a:pos x="connsiteX27" y="connsiteY27"/>
+              </a:cxn>
+              <a:cxn ang="0">
+                <a:pos x="connsiteX28" y="connsiteY28"/>
+              </a:cxn>
+              <a:cxn ang="0">
+                <a:pos x="connsiteX29" y="connsiteY29"/>
+              </a:cxn>
+              <a:cxn ang="0">
+                <a:pos x="connsiteX30" y="connsiteY30"/>
+              </a:cxn>
+              <a:cxn ang="0">
+                <a:pos x="connsiteX31" y="connsiteY31"/>
+              </a:cxn>
+              <a:cxn ang="0">
+                <a:pos x="connsiteX32" y="connsiteY32"/>
+              </a:cxn>
+              <a:cxn ang="0">
+                <a:pos x="connsiteX33" y="connsiteY33"/>
+              </a:cxn>
+              <a:cxn ang="0">
+                <a:pos x="connsiteX34" y="connsiteY34"/>
+              </a:cxn>
+              <a:cxn ang="0">
+                <a:pos x="connsiteX35" y="connsiteY35"/>
+              </a:cxn>
+              <a:cxn ang="0">
+                <a:pos x="connsiteX36" y="connsiteY36"/>
+              </a:cxn>
+              <a:cxn ang="0">
+                <a:pos x="connsiteX37" y="connsiteY37"/>
+              </a:cxn>
+              <a:cxn ang="0">
+                <a:pos x="connsiteX38" y="connsiteY38"/>
+              </a:cxn>
+              <a:cxn ang="0">
+                <a:pos x="connsiteX39" y="connsiteY39"/>
+              </a:cxn>
+              <a:cxn ang="0">
+                <a:pos x="connsiteX40" y="connsiteY40"/>
+              </a:cxn>
+              <a:cxn ang="0">
+                <a:pos x="connsiteX41" y="connsiteY41"/>
+              </a:cxn>
+              <a:cxn ang="0">
+                <a:pos x="connsiteX42" y="connsiteY42"/>
+              </a:cxn>
+              <a:cxn ang="0">
+                <a:pos x="connsiteX43" y="connsiteY43"/>
+              </a:cxn>
+              <a:cxn ang="0">
+                <a:pos x="connsiteX44" y="connsiteY44"/>
+              </a:cxn>
+              <a:cxn ang="0">
+                <a:pos x="connsiteX45" y="connsiteY45"/>
+              </a:cxn>
+              <a:cxn ang="0">
+                <a:pos x="connsiteX46" y="connsiteY46"/>
+              </a:cxn>
+              <a:cxn ang="0">
+                <a:pos x="connsiteX47" y="connsiteY47"/>
+              </a:cxn>
+              <a:cxn ang="0">
+                <a:pos x="connsiteX48" y="connsiteY48"/>
+              </a:cxn>
+              <a:cxn ang="0">
+                <a:pos x="connsiteX49" y="connsiteY49"/>
+              </a:cxn>
+              <a:cxn ang="0">
+                <a:pos x="connsiteX50" y="connsiteY50"/>
+              </a:cxn>
+              <a:cxn ang="0">
+                <a:pos x="connsiteX51" y="connsiteY51"/>
+              </a:cxn>
+            </a:cxnLst>
+            <a:rect l="l" t="t" r="r" b="b"/>
+            <a:pathLst>
+              <a:path w="7809954" h="6858000">
+                <a:moveTo>
+                  <a:pt x="6465239" y="0"/>
+                </a:moveTo>
+                <a:lnTo>
+                  <a:pt x="7808777" y="0"/>
+                </a:lnTo>
+                <a:lnTo>
+                  <a:pt x="7783732" y="155676"/>
+                </a:lnTo>
+                <a:lnTo>
+                  <a:pt x="7759863" y="310667"/>
+                </a:lnTo>
+                <a:lnTo>
+                  <a:pt x="7736499" y="466344"/>
+                </a:lnTo>
+                <a:lnTo>
+                  <a:pt x="7716496" y="622706"/>
+                </a:lnTo>
+                <a:lnTo>
+                  <a:pt x="7696325" y="778383"/>
+                </a:lnTo>
+                <a:lnTo>
+                  <a:pt x="7677499" y="934745"/>
+                </a:lnTo>
+                <a:lnTo>
+                  <a:pt x="7661363" y="1089050"/>
+                </a:lnTo>
+                <a:lnTo>
+                  <a:pt x="7646067" y="1245413"/>
+                </a:lnTo>
+                <a:lnTo>
+                  <a:pt x="7632115" y="1401089"/>
+                </a:lnTo>
+                <a:lnTo>
+                  <a:pt x="7620013" y="1554023"/>
+                </a:lnTo>
+                <a:lnTo>
+                  <a:pt x="7607910" y="1709013"/>
+                </a:lnTo>
+                <a:lnTo>
+                  <a:pt x="7597825" y="1861947"/>
+                </a:lnTo>
+                <a:lnTo>
+                  <a:pt x="7589925" y="2014880"/>
+                </a:lnTo>
+                <a:lnTo>
+                  <a:pt x="7581688" y="2167128"/>
+                </a:lnTo>
+                <a:lnTo>
+                  <a:pt x="7574797" y="2318004"/>
+                </a:lnTo>
+                <a:lnTo>
+                  <a:pt x="7569922" y="2467508"/>
+                </a:lnTo>
+                <a:lnTo>
+                  <a:pt x="7565720" y="2617013"/>
+                </a:lnTo>
+                <a:lnTo>
+                  <a:pt x="7561686" y="2765145"/>
+                </a:lnTo>
+                <a:lnTo>
+                  <a:pt x="7559837" y="2911221"/>
+                </a:lnTo>
+                <a:lnTo>
+                  <a:pt x="7557820" y="3057296"/>
+                </a:lnTo>
+                <a:lnTo>
+                  <a:pt x="7556811" y="3201314"/>
+                </a:lnTo>
+                <a:lnTo>
+                  <a:pt x="7557820" y="3343960"/>
+                </a:lnTo>
+                <a:lnTo>
+                  <a:pt x="7557820" y="3485235"/>
+                </a:lnTo>
+                <a:lnTo>
+                  <a:pt x="7559837" y="3625138"/>
+                </a:lnTo>
+                <a:lnTo>
+                  <a:pt x="7562862" y="3762298"/>
+                </a:lnTo>
+                <a:lnTo>
+                  <a:pt x="7565720" y="3898087"/>
+                </a:lnTo>
+                <a:lnTo>
+                  <a:pt x="7568914" y="4031132"/>
+                </a:lnTo>
+                <a:lnTo>
+                  <a:pt x="7573788" y="4163491"/>
+                </a:lnTo>
+                <a:lnTo>
+                  <a:pt x="7578999" y="4293793"/>
+                </a:lnTo>
+                <a:lnTo>
+                  <a:pt x="7583705" y="4421352"/>
+                </a:lnTo>
+                <a:lnTo>
+                  <a:pt x="7596985" y="4670298"/>
+                </a:lnTo>
+                <a:lnTo>
+                  <a:pt x="7611104" y="4908956"/>
+                </a:lnTo>
+                <a:lnTo>
+                  <a:pt x="7625896" y="5138013"/>
+                </a:lnTo>
+                <a:lnTo>
+                  <a:pt x="7642201" y="5354726"/>
+                </a:lnTo>
+                <a:lnTo>
+                  <a:pt x="7659178" y="5561838"/>
+                </a:lnTo>
+                <a:lnTo>
+                  <a:pt x="7677499" y="5753862"/>
+                </a:lnTo>
+                <a:lnTo>
+                  <a:pt x="7695485" y="5934227"/>
+                </a:lnTo>
+                <a:lnTo>
+                  <a:pt x="7713470" y="6100191"/>
+                </a:lnTo>
+                <a:lnTo>
+                  <a:pt x="7730447" y="6252438"/>
+                </a:lnTo>
+                <a:lnTo>
+                  <a:pt x="7746584" y="6387541"/>
+                </a:lnTo>
+                <a:lnTo>
+                  <a:pt x="7761880" y="6509613"/>
+                </a:lnTo>
+                <a:lnTo>
+                  <a:pt x="7774655" y="6612483"/>
+                </a:lnTo>
+                <a:lnTo>
+                  <a:pt x="7786757" y="6698894"/>
+                </a:lnTo>
+                <a:lnTo>
+                  <a:pt x="7804071" y="6817538"/>
+                </a:lnTo>
+                <a:lnTo>
+                  <a:pt x="7809954" y="6858000"/>
+                </a:lnTo>
+                <a:lnTo>
+                  <a:pt x="7157124" y="6858000"/>
+                </a:lnTo>
+                <a:lnTo>
+                  <a:pt x="7157124" y="6858000"/>
+                </a:lnTo>
+                <a:lnTo>
+                  <a:pt x="0" y="6858000"/>
+                </a:lnTo>
+                <a:lnTo>
+                  <a:pt x="0" y="0"/>
+                </a:lnTo>
+                <a:lnTo>
+                  <a:pt x="6465239" y="0"/>
+                </a:lnTo>
+                <a:close/>
+              </a:path>
+            </a:pathLst>
+          </a:custGeom>
+          <a:ln>
+            <a:noFill/>
+          </a:ln>
+        </p:spPr>
+        <p:style>
+          <a:lnRef idx="2">
+            <a:schemeClr val="accent1">
+              <a:shade val="50000"/>
+            </a:schemeClr>
+          </a:lnRef>
+          <a:fillRef idx="1">
+            <a:schemeClr val="accent1"/>
+          </a:fillRef>
+          <a:effectRef idx="0">
+            <a:schemeClr val="accent1"/>
+          </a:effectRef>
+          <a:fontRef idx="minor">
+            <a:schemeClr val="lt1"/>
+          </a:fontRef>
+        </p:style>
+        <p:txBody>
+          <a:bodyPr wrap="square" rtlCol="0" anchor="ctr">
+            <a:noAutofit/>
+          </a:bodyPr>
+          <a:lstStyle/>
+          <a:p>
+            <a:pPr algn="ctr"/>
+            <a:endParaRPr lang="en-US"/>
+          </a:p>
+        </p:txBody>
+      </p:sp>
+      <p:sp>
+        <p:nvSpPr>
+          <p:cNvPr id="28" name="Rectangle 27">
+            <a:extLst>
+              <a:ext uri="{FF2B5EF4-FFF2-40B4-BE49-F238E27FC236}">
+                <a16:creationId xmlns:a16="http://schemas.microsoft.com/office/drawing/2014/main" id="{F98810A7-E114-447A-A7D6-69B27CFB5650}"/>
               </a:ext>
               <a:ext uri="{C183D7F6-B498-43B3-948B-1728B52AA6E4}">
                 <adec:decorative xmlns:adec="http://schemas.microsoft.com/office/drawing/2017/decorative" val="1"/>
@@ -21611,864 +24272,81 @@
           </a:fontRef>
         </p:style>
       </p:sp>
-      <p:sp>
-        <p:nvSpPr>
-          <p:cNvPr id="30" name="Freeform 7">
+      <p:pic>
+        <p:nvPicPr>
+          <p:cNvPr id="5" name="Content Placeholder 4" descr="A computer screen shot of a computer">
             <a:extLst>
               <a:ext uri="{FF2B5EF4-FFF2-40B4-BE49-F238E27FC236}">
-                <a16:creationId xmlns:a16="http://schemas.microsoft.com/office/drawing/2014/main" id="{EC471314-E46A-414B-8D91-74880E84F187}"/>
-              </a:ext>
-              <a:ext uri="{C183D7F6-B498-43B3-948B-1728B52AA6E4}">
-                <adec:decorative xmlns:adec="http://schemas.microsoft.com/office/drawing/2017/decorative" val="1"/>
+                <a16:creationId xmlns:a16="http://schemas.microsoft.com/office/drawing/2014/main" id="{E6B022EE-AE66-950D-A34B-CF1D7D1E3527}"/>
               </a:ext>
             </a:extLst>
           </p:cNvPr>
-          <p:cNvSpPr>
-            <a:spLocks noGrp="1" noRot="1" noChangeAspect="1" noMove="1" noResize="1" noEditPoints="1" noAdjustHandles="1" noChangeArrowheads="1" noChangeShapeType="1" noTextEdit="1"/>
-          </p:cNvSpPr>
+          <p:cNvPicPr>
+            <a:picLocks noGrp="1" noChangeAspect="1"/>
+          </p:cNvPicPr>
           <p:nvPr>
-            <p:extLst>
-              <p:ext uri="{386F3935-93C4-4BCD-93E2-E3B085C9AB24}">
-                <p16:designElem xmlns:p16="http://schemas.microsoft.com/office/powerpoint/2015/main" val="1"/>
-              </p:ext>
-            </p:extLst>
+            <p:ph idx="1"/>
           </p:nvPr>
-        </p:nvSpPr>
+        </p:nvPicPr>
+        <p:blipFill>
+          <a:blip r:embed="rId6">
+            <a:extLst>
+              <a:ext uri="{28A0092B-C50C-407E-A947-70E740481C1C}">
+                <a14:useLocalDpi xmlns:a14="http://schemas.microsoft.com/office/drawing/2010/main" val="0"/>
+              </a:ext>
+            </a:extLst>
+          </a:blip>
+          <a:stretch>
+            <a:fillRect/>
+          </a:stretch>
+        </p:blipFill>
         <p:spPr>
           <a:xfrm>
-            <a:off x="8719939" y="1460230"/>
-            <a:ext cx="3472060" cy="825932"/>
+            <a:off x="643854" y="1845320"/>
+            <a:ext cx="6270662" cy="3166894"/>
           </a:xfrm>
-          <a:custGeom>
+          <a:prstGeom prst="rect">
             <a:avLst/>
-            <a:gdLst>
-              <a:gd name="connsiteX0" fmla="*/ 3470310 w 3472060"/>
-              <a:gd name="connsiteY0" fmla="*/ 0 h 825932"/>
-              <a:gd name="connsiteX1" fmla="*/ 3472060 w 3472060"/>
-              <a:gd name="connsiteY1" fmla="*/ 12850 h 825932"/>
-              <a:gd name="connsiteX2" fmla="*/ 3472060 w 3472060"/>
-              <a:gd name="connsiteY2" fmla="*/ 480529 h 825932"/>
-              <a:gd name="connsiteX3" fmla="*/ 3363699 w 3472060"/>
-              <a:gd name="connsiteY3" fmla="*/ 498471 h 825932"/>
-              <a:gd name="connsiteX4" fmla="*/ 42060 w 3472060"/>
-              <a:gd name="connsiteY4" fmla="*/ 824486 h 825932"/>
-              <a:gd name="connsiteX5" fmla="*/ 0 w 3472060"/>
-              <a:gd name="connsiteY5" fmla="*/ 758452 h 825932"/>
-              <a:gd name="connsiteX6" fmla="*/ 188014 w 3472060"/>
-              <a:gd name="connsiteY6" fmla="*/ 735602 h 825932"/>
-              <a:gd name="connsiteX7" fmla="*/ 284087 w 3472060"/>
-              <a:gd name="connsiteY7" fmla="*/ 722590 h 825932"/>
-              <a:gd name="connsiteX8" fmla="*/ 382288 w 3472060"/>
-              <a:gd name="connsiteY8" fmla="*/ 709392 h 825932"/>
-              <a:gd name="connsiteX9" fmla="*/ 481858 w 3472060"/>
-              <a:gd name="connsiteY9" fmla="*/ 695774 h 825932"/>
-              <a:gd name="connsiteX10" fmla="*/ 581897 w 3472060"/>
-              <a:gd name="connsiteY10" fmla="*/ 680711 h 825932"/>
-              <a:gd name="connsiteX11" fmla="*/ 683670 w 3472060"/>
-              <a:gd name="connsiteY11" fmla="*/ 665256 h 825932"/>
-              <a:gd name="connsiteX12" fmla="*/ 787206 w 3472060"/>
-              <a:gd name="connsiteY12" fmla="*/ 649587 h 825932"/>
-              <a:gd name="connsiteX13" fmla="*/ 892019 w 3472060"/>
-              <a:gd name="connsiteY13" fmla="*/ 632968 h 825932"/>
-              <a:gd name="connsiteX14" fmla="*/ 997620 w 3472060"/>
-              <a:gd name="connsiteY14" fmla="*/ 614667 h 825932"/>
-              <a:gd name="connsiteX15" fmla="*/ 1104727 w 3472060"/>
-              <a:gd name="connsiteY15" fmla="*/ 596741 h 825932"/>
-              <a:gd name="connsiteX16" fmla="*/ 1212669 w 3472060"/>
-              <a:gd name="connsiteY16" fmla="*/ 577397 h 825932"/>
-              <a:gd name="connsiteX17" fmla="*/ 1321506 w 3472060"/>
-              <a:gd name="connsiteY17" fmla="*/ 556988 h 825932"/>
-              <a:gd name="connsiteX18" fmla="*/ 1430709 w 3472060"/>
-              <a:gd name="connsiteY18" fmla="*/ 536607 h 825932"/>
-              <a:gd name="connsiteX19" fmla="*/ 1541050 w 3472060"/>
-              <a:gd name="connsiteY19" fmla="*/ 514481 h 825932"/>
-              <a:gd name="connsiteX20" fmla="*/ 1652805 w 3472060"/>
-              <a:gd name="connsiteY20" fmla="*/ 492202 h 825932"/>
-              <a:gd name="connsiteX21" fmla="*/ 1763708 w 3472060"/>
-              <a:gd name="connsiteY21" fmla="*/ 469161 h 825932"/>
-              <a:gd name="connsiteX22" fmla="*/ 1875795 w 3472060"/>
-              <a:gd name="connsiteY22" fmla="*/ 444641 h 825932"/>
-              <a:gd name="connsiteX23" fmla="*/ 1989128 w 3472060"/>
-              <a:gd name="connsiteY23" fmla="*/ 418995 h 825932"/>
-              <a:gd name="connsiteX24" fmla="*/ 2102476 w 3472060"/>
-              <a:gd name="connsiteY24" fmla="*/ 393438 h 825932"/>
-              <a:gd name="connsiteX25" fmla="*/ 2215549 w 3472060"/>
-              <a:gd name="connsiteY25" fmla="*/ 366291 h 825932"/>
-              <a:gd name="connsiteX26" fmla="*/ 2330490 w 3472060"/>
-              <a:gd name="connsiteY26" fmla="*/ 337455 h 825932"/>
-              <a:gd name="connsiteX27" fmla="*/ 2443333 w 3472060"/>
-              <a:gd name="connsiteY27" fmla="*/ 308983 h 825932"/>
-              <a:gd name="connsiteX28" fmla="*/ 2558014 w 3472060"/>
-              <a:gd name="connsiteY28" fmla="*/ 278646 h 825932"/>
-              <a:gd name="connsiteX29" fmla="*/ 2673621 w 3472060"/>
-              <a:gd name="connsiteY29" fmla="*/ 247421 h 825932"/>
-              <a:gd name="connsiteX30" fmla="*/ 2787008 w 3472060"/>
-              <a:gd name="connsiteY30" fmla="*/ 215853 h 825932"/>
-              <a:gd name="connsiteX31" fmla="*/ 2901442 w 3472060"/>
-              <a:gd name="connsiteY31" fmla="*/ 182011 h 825932"/>
-              <a:gd name="connsiteX32" fmla="*/ 3015722 w 3472060"/>
-              <a:gd name="connsiteY32" fmla="*/ 147286 h 825932"/>
-              <a:gd name="connsiteX33" fmla="*/ 3130018 w 3472060"/>
-              <a:gd name="connsiteY33" fmla="*/ 112649 h 825932"/>
-              <a:gd name="connsiteX34" fmla="*/ 3243551 w 3472060"/>
-              <a:gd name="connsiteY34" fmla="*/ 75688 h 825932"/>
-              <a:gd name="connsiteX35" fmla="*/ 3356992 w 3472060"/>
-              <a:gd name="connsiteY35" fmla="*/ 38197 h 825932"/>
-              <a:gd name="connsiteX36" fmla="*/ 3470310 w 3472060"/>
-              <a:gd name="connsiteY36" fmla="*/ 0 h 825932"/>
-            </a:gdLst>
-            <a:ahLst/>
-            <a:cxnLst>
-              <a:cxn ang="0">
-                <a:pos x="connsiteX0" y="connsiteY0"/>
-              </a:cxn>
-              <a:cxn ang="0">
-                <a:pos x="connsiteX1" y="connsiteY1"/>
-              </a:cxn>
-              <a:cxn ang="0">
-                <a:pos x="connsiteX2" y="connsiteY2"/>
-              </a:cxn>
-              <a:cxn ang="0">
-                <a:pos x="connsiteX3" y="connsiteY3"/>
-              </a:cxn>
-              <a:cxn ang="0">
-                <a:pos x="connsiteX4" y="connsiteY4"/>
-              </a:cxn>
-              <a:cxn ang="0">
-                <a:pos x="connsiteX5" y="connsiteY5"/>
-              </a:cxn>
-              <a:cxn ang="0">
-                <a:pos x="connsiteX6" y="connsiteY6"/>
-              </a:cxn>
-              <a:cxn ang="0">
-                <a:pos x="connsiteX7" y="connsiteY7"/>
-              </a:cxn>
-              <a:cxn ang="0">
-                <a:pos x="connsiteX8" y="connsiteY8"/>
-              </a:cxn>
-              <a:cxn ang="0">
-                <a:pos x="connsiteX9" y="connsiteY9"/>
-              </a:cxn>
-              <a:cxn ang="0">
-                <a:pos x="connsiteX10" y="connsiteY10"/>
-              </a:cxn>
-              <a:cxn ang="0">
-                <a:pos x="connsiteX11" y="connsiteY11"/>
-              </a:cxn>
-              <a:cxn ang="0">
-                <a:pos x="connsiteX12" y="connsiteY12"/>
-              </a:cxn>
-              <a:cxn ang="0">
-                <a:pos x="connsiteX13" y="connsiteY13"/>
-              </a:cxn>
-              <a:cxn ang="0">
-                <a:pos x="connsiteX14" y="connsiteY14"/>
-              </a:cxn>
-              <a:cxn ang="0">
-                <a:pos x="connsiteX15" y="connsiteY15"/>
-              </a:cxn>
-              <a:cxn ang="0">
-                <a:pos x="connsiteX16" y="connsiteY16"/>
-              </a:cxn>
-              <a:cxn ang="0">
-                <a:pos x="connsiteX17" y="connsiteY17"/>
-              </a:cxn>
-              <a:cxn ang="0">
-                <a:pos x="connsiteX18" y="connsiteY18"/>
-              </a:cxn>
-              <a:cxn ang="0">
-                <a:pos x="connsiteX19" y="connsiteY19"/>
-              </a:cxn>
-              <a:cxn ang="0">
-                <a:pos x="connsiteX20" y="connsiteY20"/>
-              </a:cxn>
-              <a:cxn ang="0">
-                <a:pos x="connsiteX21" y="connsiteY21"/>
-              </a:cxn>
-              <a:cxn ang="0">
-                <a:pos x="connsiteX22" y="connsiteY22"/>
-              </a:cxn>
-              <a:cxn ang="0">
-                <a:pos x="connsiteX23" y="connsiteY23"/>
-              </a:cxn>
-              <a:cxn ang="0">
-                <a:pos x="connsiteX24" y="connsiteY24"/>
-              </a:cxn>
-              <a:cxn ang="0">
-                <a:pos x="connsiteX25" y="connsiteY25"/>
-              </a:cxn>
-              <a:cxn ang="0">
-                <a:pos x="connsiteX26" y="connsiteY26"/>
-              </a:cxn>
-              <a:cxn ang="0">
-                <a:pos x="connsiteX27" y="connsiteY27"/>
-              </a:cxn>
-              <a:cxn ang="0">
-                <a:pos x="connsiteX28" y="connsiteY28"/>
-              </a:cxn>
-              <a:cxn ang="0">
-                <a:pos x="connsiteX29" y="connsiteY29"/>
-              </a:cxn>
-              <a:cxn ang="0">
-                <a:pos x="connsiteX30" y="connsiteY30"/>
-              </a:cxn>
-              <a:cxn ang="0">
-                <a:pos x="connsiteX31" y="connsiteY31"/>
-              </a:cxn>
-              <a:cxn ang="0">
-                <a:pos x="connsiteX32" y="connsiteY32"/>
-              </a:cxn>
-              <a:cxn ang="0">
-                <a:pos x="connsiteX33" y="connsiteY33"/>
-              </a:cxn>
-              <a:cxn ang="0">
-                <a:pos x="connsiteX34" y="connsiteY34"/>
-              </a:cxn>
-              <a:cxn ang="0">
-                <a:pos x="connsiteX35" y="connsiteY35"/>
-              </a:cxn>
-              <a:cxn ang="0">
-                <a:pos x="connsiteX36" y="connsiteY36"/>
-              </a:cxn>
-            </a:cxnLst>
-            <a:rect l="l" t="t" r="r" b="b"/>
-            <a:pathLst>
-              <a:path w="3472060" h="825932">
-                <a:moveTo>
-                  <a:pt x="3470310" y="0"/>
-                </a:moveTo>
-                <a:lnTo>
-                  <a:pt x="3472060" y="12850"/>
-                </a:lnTo>
-                <a:lnTo>
-                  <a:pt x="3472060" y="480529"/>
-                </a:lnTo>
-                <a:lnTo>
-                  <a:pt x="3363699" y="498471"/>
-                </a:lnTo>
-                <a:cubicBezTo>
-                  <a:pt x="2435623" y="645518"/>
-                  <a:pt x="603076" y="844866"/>
-                  <a:pt x="42060" y="824486"/>
-                </a:cubicBezTo>
-                <a:cubicBezTo>
-                  <a:pt x="28151" y="802425"/>
-                  <a:pt x="13909" y="780513"/>
-                  <a:pt x="0" y="758452"/>
-                </a:cubicBezTo>
-                <a:lnTo>
-                  <a:pt x="188014" y="735602"/>
-                </a:lnTo>
-                <a:lnTo>
-                  <a:pt x="284087" y="722590"/>
-                </a:lnTo>
-                <a:lnTo>
-                  <a:pt x="382288" y="709392"/>
-                </a:lnTo>
-                <a:lnTo>
-                  <a:pt x="481858" y="695774"/>
-                </a:lnTo>
-                <a:lnTo>
-                  <a:pt x="581897" y="680711"/>
-                </a:lnTo>
-                <a:lnTo>
-                  <a:pt x="683670" y="665256"/>
-                </a:lnTo>
-                <a:lnTo>
-                  <a:pt x="787206" y="649587"/>
-                </a:lnTo>
-                <a:lnTo>
-                  <a:pt x="892019" y="632968"/>
-                </a:lnTo>
-                <a:lnTo>
-                  <a:pt x="997620" y="614667"/>
-                </a:lnTo>
-                <a:lnTo>
-                  <a:pt x="1104727" y="596741"/>
-                </a:lnTo>
-                <a:lnTo>
-                  <a:pt x="1212669" y="577397"/>
-                </a:lnTo>
-                <a:lnTo>
-                  <a:pt x="1321506" y="556988"/>
-                </a:lnTo>
-                <a:lnTo>
-                  <a:pt x="1430709" y="536607"/>
-                </a:lnTo>
-                <a:lnTo>
-                  <a:pt x="1541050" y="514481"/>
-                </a:lnTo>
-                <a:lnTo>
-                  <a:pt x="1652805" y="492202"/>
-                </a:lnTo>
-                <a:lnTo>
-                  <a:pt x="1763708" y="469161"/>
-                </a:lnTo>
-                <a:lnTo>
-                  <a:pt x="1875795" y="444641"/>
-                </a:lnTo>
-                <a:lnTo>
-                  <a:pt x="1989128" y="418995"/>
-                </a:lnTo>
-                <a:lnTo>
-                  <a:pt x="2102476" y="393438"/>
-                </a:lnTo>
-                <a:lnTo>
-                  <a:pt x="2215549" y="366291"/>
-                </a:lnTo>
-                <a:lnTo>
-                  <a:pt x="2330490" y="337455"/>
-                </a:lnTo>
-                <a:lnTo>
-                  <a:pt x="2443333" y="308983"/>
-                </a:lnTo>
-                <a:lnTo>
-                  <a:pt x="2558014" y="278646"/>
-                </a:lnTo>
-                <a:lnTo>
-                  <a:pt x="2673621" y="247421"/>
-                </a:lnTo>
-                <a:lnTo>
-                  <a:pt x="2787008" y="215853"/>
-                </a:lnTo>
-                <a:lnTo>
-                  <a:pt x="2901442" y="182011"/>
-                </a:lnTo>
-                <a:lnTo>
-                  <a:pt x="3015722" y="147286"/>
-                </a:lnTo>
-                <a:lnTo>
-                  <a:pt x="3130018" y="112649"/>
-                </a:lnTo>
-                <a:lnTo>
-                  <a:pt x="3243551" y="75688"/>
-                </a:lnTo>
-                <a:lnTo>
-                  <a:pt x="3356992" y="38197"/>
-                </a:lnTo>
-                <a:lnTo>
-                  <a:pt x="3470310" y="0"/>
-                </a:lnTo>
-                <a:close/>
-              </a:path>
-            </a:pathLst>
-          </a:custGeom>
-          <a:solidFill>
-            <a:schemeClr val="bg1">
-              <a:alpha val="20000"/>
-            </a:schemeClr>
-          </a:solidFill>
-          <a:ln>
-            <a:noFill/>
-          </a:ln>
+          </a:prstGeom>
+          <a:effectLst/>
         </p:spPr>
-        <p:txBody>
-          <a:bodyPr rtlCol="0" anchor="ctr"/>
-          <a:lstStyle/>
-          <a:p>
-            <a:pPr marL="0" marR="0" lvl="0" indent="0" algn="ctr" defTabSz="914400" rtl="0" eaLnBrk="1" fontAlgn="auto" latinLnBrk="0" hangingPunct="1">
-              <a:lnSpc>
-                <a:spcPct val="100000"/>
-              </a:lnSpc>
-              <a:spcBef>
-                <a:spcPts val="0"/>
-              </a:spcBef>
-              <a:spcAft>
-                <a:spcPts val="0"/>
-              </a:spcAft>
-              <a:buClrTx/>
-              <a:buSzTx/>
-              <a:buFontTx/>
-              <a:buNone/>
-              <a:tabLst/>
-              <a:defRPr/>
-            </a:pPr>
-            <a:endParaRPr kumimoji="0" lang="en-US" sz="1800" b="0" i="0" u="none" strike="noStrike" kern="1200" cap="none" spc="0" normalizeH="0" baseline="0" noProof="0">
-              <a:ln>
-                <a:noFill/>
-              </a:ln>
-              <a:solidFill>
-                <a:prstClr val="black"/>
-              </a:solidFill>
-              <a:effectLst/>
-              <a:uLnTx/>
-              <a:uFillTx/>
-              <a:latin typeface="Century Gothic" panose="020B0502020202020204"/>
-              <a:ea typeface="+mn-ea"/>
-              <a:cs typeface="+mn-cs"/>
-            </a:endParaRPr>
-          </a:p>
-        </p:txBody>
-      </p:sp>
-      <p:sp useBgFill="1">
-        <p:nvSpPr>
-          <p:cNvPr id="31" name="Freeform: Shape 13">
-            <a:extLst>
-              <a:ext uri="{FF2B5EF4-FFF2-40B4-BE49-F238E27FC236}">
-                <a16:creationId xmlns:a16="http://schemas.microsoft.com/office/drawing/2014/main" id="{6A681326-1C9D-44A3-A627-3871BDAE4127}"/>
-              </a:ext>
-              <a:ext uri="{C183D7F6-B498-43B3-948B-1728B52AA6E4}">
-                <adec:decorative xmlns:adec="http://schemas.microsoft.com/office/drawing/2017/decorative" val="1"/>
-              </a:ext>
-            </a:extLst>
-          </p:cNvPr>
-          <p:cNvSpPr>
-            <a:spLocks noGrp="1" noRot="1" noChangeAspect="1" noMove="1" noResize="1" noEditPoints="1" noAdjustHandles="1" noChangeArrowheads="1" noChangeShapeType="1" noTextEdit="1"/>
-          </p:cNvSpPr>
-          <p:nvPr>
-            <p:extLst>
-              <p:ext uri="{386F3935-93C4-4BCD-93E2-E3B085C9AB24}">
-                <p16:designElem xmlns:p16="http://schemas.microsoft.com/office/powerpoint/2015/main" val="1"/>
-              </p:ext>
-            </p:extLst>
-          </p:nvPr>
-        </p:nvSpPr>
-        <p:spPr bwMode="gray">
-          <a:xfrm>
-            <a:off x="1" y="1762067"/>
-            <a:ext cx="12192417" cy="5095933"/>
-          </a:xfrm>
-          <a:custGeom>
-            <a:avLst/>
-            <a:gdLst>
-              <a:gd name="connsiteX0" fmla="*/ 0 w 12192417"/>
-              <a:gd name="connsiteY0" fmla="*/ 0 h 5095933"/>
-              <a:gd name="connsiteX1" fmla="*/ 71931 w 12192417"/>
-              <a:gd name="connsiteY1" fmla="*/ 12261 h 5095933"/>
-              <a:gd name="connsiteX2" fmla="*/ 282848 w 12192417"/>
-              <a:gd name="connsiteY2" fmla="*/ 48343 h 5095933"/>
-              <a:gd name="connsiteX3" fmla="*/ 436463 w 12192417"/>
-              <a:gd name="connsiteY3" fmla="*/ 73565 h 5095933"/>
-              <a:gd name="connsiteX4" fmla="*/ 619338 w 12192417"/>
-              <a:gd name="connsiteY4" fmla="*/ 100188 h 5095933"/>
-              <a:gd name="connsiteX5" fmla="*/ 836350 w 12192417"/>
-              <a:gd name="connsiteY5" fmla="*/ 132066 h 5095933"/>
-              <a:gd name="connsiteX6" fmla="*/ 1076527 w 12192417"/>
-              <a:gd name="connsiteY6" fmla="*/ 165696 h 5095933"/>
-              <a:gd name="connsiteX7" fmla="*/ 1347183 w 12192417"/>
-              <a:gd name="connsiteY7" fmla="*/ 201077 h 5095933"/>
-              <a:gd name="connsiteX8" fmla="*/ 1642222 w 12192417"/>
-              <a:gd name="connsiteY8" fmla="*/ 238560 h 5095933"/>
-              <a:gd name="connsiteX9" fmla="*/ 1962863 w 12192417"/>
-              <a:gd name="connsiteY9" fmla="*/ 276043 h 5095933"/>
-              <a:gd name="connsiteX10" fmla="*/ 2304231 w 12192417"/>
-              <a:gd name="connsiteY10" fmla="*/ 314227 h 5095933"/>
-              <a:gd name="connsiteX11" fmla="*/ 2672420 w 12192417"/>
-              <a:gd name="connsiteY11" fmla="*/ 349608 h 5095933"/>
-              <a:gd name="connsiteX12" fmla="*/ 3057677 w 12192417"/>
-              <a:gd name="connsiteY12" fmla="*/ 383588 h 5095933"/>
-              <a:gd name="connsiteX13" fmla="*/ 3464880 w 12192417"/>
-              <a:gd name="connsiteY13" fmla="*/ 414415 h 5095933"/>
-              <a:gd name="connsiteX14" fmla="*/ 3889151 w 12192417"/>
-              <a:gd name="connsiteY14" fmla="*/ 443841 h 5095933"/>
-              <a:gd name="connsiteX15" fmla="*/ 4331709 w 12192417"/>
-              <a:gd name="connsiteY15" fmla="*/ 471515 h 5095933"/>
-              <a:gd name="connsiteX16" fmla="*/ 4558475 w 12192417"/>
-              <a:gd name="connsiteY16" fmla="*/ 481324 h 5095933"/>
-              <a:gd name="connsiteX17" fmla="*/ 4790117 w 12192417"/>
-              <a:gd name="connsiteY17" fmla="*/ 492183 h 5095933"/>
-              <a:gd name="connsiteX18" fmla="*/ 5025417 w 12192417"/>
-              <a:gd name="connsiteY18" fmla="*/ 502342 h 5095933"/>
-              <a:gd name="connsiteX19" fmla="*/ 5261936 w 12192417"/>
-              <a:gd name="connsiteY19" fmla="*/ 508998 h 5095933"/>
-              <a:gd name="connsiteX20" fmla="*/ 5503331 w 12192417"/>
-              <a:gd name="connsiteY20" fmla="*/ 514953 h 5095933"/>
-              <a:gd name="connsiteX21" fmla="*/ 5747166 w 12192417"/>
-              <a:gd name="connsiteY21" fmla="*/ 521259 h 5095933"/>
-              <a:gd name="connsiteX22" fmla="*/ 5995876 w 12192417"/>
-              <a:gd name="connsiteY22" fmla="*/ 525463 h 5095933"/>
-              <a:gd name="connsiteX23" fmla="*/ 6247025 w 12192417"/>
-              <a:gd name="connsiteY23" fmla="*/ 525463 h 5095933"/>
-              <a:gd name="connsiteX24" fmla="*/ 6500612 w 12192417"/>
-              <a:gd name="connsiteY24" fmla="*/ 527565 h 5095933"/>
-              <a:gd name="connsiteX25" fmla="*/ 6756638 w 12192417"/>
-              <a:gd name="connsiteY25" fmla="*/ 525463 h 5095933"/>
-              <a:gd name="connsiteX26" fmla="*/ 7016321 w 12192417"/>
-              <a:gd name="connsiteY26" fmla="*/ 521259 h 5095933"/>
-              <a:gd name="connsiteX27" fmla="*/ 7276004 w 12192417"/>
-              <a:gd name="connsiteY27" fmla="*/ 517406 h 5095933"/>
-              <a:gd name="connsiteX28" fmla="*/ 7539344 w 12192417"/>
-              <a:gd name="connsiteY28" fmla="*/ 508998 h 5095933"/>
-              <a:gd name="connsiteX29" fmla="*/ 7805123 w 12192417"/>
-              <a:gd name="connsiteY29" fmla="*/ 500241 h 5095933"/>
-              <a:gd name="connsiteX30" fmla="*/ 8070902 w 12192417"/>
-              <a:gd name="connsiteY30" fmla="*/ 490082 h 5095933"/>
-              <a:gd name="connsiteX31" fmla="*/ 8339120 w 12192417"/>
-              <a:gd name="connsiteY31" fmla="*/ 475719 h 5095933"/>
-              <a:gd name="connsiteX32" fmla="*/ 8609775 w 12192417"/>
-              <a:gd name="connsiteY32" fmla="*/ 458554 h 5095933"/>
-              <a:gd name="connsiteX33" fmla="*/ 8881650 w 12192417"/>
-              <a:gd name="connsiteY33" fmla="*/ 442089 h 5095933"/>
-              <a:gd name="connsiteX34" fmla="*/ 9153525 w 12192417"/>
-              <a:gd name="connsiteY34" fmla="*/ 421071 h 5095933"/>
-              <a:gd name="connsiteX35" fmla="*/ 9429057 w 12192417"/>
-              <a:gd name="connsiteY35" fmla="*/ 395849 h 5095933"/>
-              <a:gd name="connsiteX36" fmla="*/ 9700932 w 12192417"/>
-              <a:gd name="connsiteY36" fmla="*/ 370626 h 5095933"/>
-              <a:gd name="connsiteX37" fmla="*/ 9977683 w 12192417"/>
-              <a:gd name="connsiteY37" fmla="*/ 341551 h 5095933"/>
-              <a:gd name="connsiteX38" fmla="*/ 10255654 w 12192417"/>
-              <a:gd name="connsiteY38" fmla="*/ 309673 h 5095933"/>
-              <a:gd name="connsiteX39" fmla="*/ 10529967 w 12192417"/>
-              <a:gd name="connsiteY39" fmla="*/ 276043 h 5095933"/>
-              <a:gd name="connsiteX40" fmla="*/ 10807938 w 12192417"/>
-              <a:gd name="connsiteY40" fmla="*/ 236809 h 5095933"/>
-              <a:gd name="connsiteX41" fmla="*/ 11084689 w 12192417"/>
-              <a:gd name="connsiteY41" fmla="*/ 194772 h 5095933"/>
-              <a:gd name="connsiteX42" fmla="*/ 11362660 w 12192417"/>
-              <a:gd name="connsiteY42" fmla="*/ 153085 h 5095933"/>
-              <a:gd name="connsiteX43" fmla="*/ 11639411 w 12192417"/>
-              <a:gd name="connsiteY43" fmla="*/ 104392 h 5095933"/>
-              <a:gd name="connsiteX44" fmla="*/ 11914944 w 12192417"/>
-              <a:gd name="connsiteY44" fmla="*/ 54648 h 5095933"/>
-              <a:gd name="connsiteX45" fmla="*/ 12191695 w 12192417"/>
-              <a:gd name="connsiteY45" fmla="*/ 2452 h 5095933"/>
-              <a:gd name="connsiteX46" fmla="*/ 12191695 w 12192417"/>
-              <a:gd name="connsiteY46" fmla="*/ 2162231 h 5095933"/>
-              <a:gd name="connsiteX47" fmla="*/ 12192417 w 12192417"/>
-              <a:gd name="connsiteY47" fmla="*/ 2162231 h 5095933"/>
-              <a:gd name="connsiteX48" fmla="*/ 12192417 w 12192417"/>
-              <a:gd name="connsiteY48" fmla="*/ 5095933 h 5095933"/>
-              <a:gd name="connsiteX49" fmla="*/ 0 w 12192417"/>
-              <a:gd name="connsiteY49" fmla="*/ 5095933 h 5095933"/>
-              <a:gd name="connsiteX50" fmla="*/ 0 w 12192417"/>
-              <a:gd name="connsiteY50" fmla="*/ 2791958 h 5095933"/>
-              <a:gd name="connsiteX51" fmla="*/ 0 w 12192417"/>
-              <a:gd name="connsiteY51" fmla="*/ 2162231 h 5095933"/>
-            </a:gdLst>
-            <a:ahLst/>
-            <a:cxnLst>
-              <a:cxn ang="0">
-                <a:pos x="connsiteX0" y="connsiteY0"/>
-              </a:cxn>
-              <a:cxn ang="0">
-                <a:pos x="connsiteX1" y="connsiteY1"/>
-              </a:cxn>
-              <a:cxn ang="0">
-                <a:pos x="connsiteX2" y="connsiteY2"/>
-              </a:cxn>
-              <a:cxn ang="0">
-                <a:pos x="connsiteX3" y="connsiteY3"/>
-              </a:cxn>
-              <a:cxn ang="0">
-                <a:pos x="connsiteX4" y="connsiteY4"/>
-              </a:cxn>
-              <a:cxn ang="0">
-                <a:pos x="connsiteX5" y="connsiteY5"/>
-              </a:cxn>
-              <a:cxn ang="0">
-                <a:pos x="connsiteX6" y="connsiteY6"/>
-              </a:cxn>
-              <a:cxn ang="0">
-                <a:pos x="connsiteX7" y="connsiteY7"/>
-              </a:cxn>
-              <a:cxn ang="0">
-                <a:pos x="connsiteX8" y="connsiteY8"/>
-              </a:cxn>
-              <a:cxn ang="0">
-                <a:pos x="connsiteX9" y="connsiteY9"/>
-              </a:cxn>
-              <a:cxn ang="0">
-                <a:pos x="connsiteX10" y="connsiteY10"/>
-              </a:cxn>
-              <a:cxn ang="0">
-                <a:pos x="connsiteX11" y="connsiteY11"/>
-              </a:cxn>
-              <a:cxn ang="0">
-                <a:pos x="connsiteX12" y="connsiteY12"/>
-              </a:cxn>
-              <a:cxn ang="0">
-                <a:pos x="connsiteX13" y="connsiteY13"/>
-              </a:cxn>
-              <a:cxn ang="0">
-                <a:pos x="connsiteX14" y="connsiteY14"/>
-              </a:cxn>
-              <a:cxn ang="0">
-                <a:pos x="connsiteX15" y="connsiteY15"/>
-              </a:cxn>
-              <a:cxn ang="0">
-                <a:pos x="connsiteX16" y="connsiteY16"/>
-              </a:cxn>
-              <a:cxn ang="0">
-                <a:pos x="connsiteX17" y="connsiteY17"/>
-              </a:cxn>
-              <a:cxn ang="0">
-                <a:pos x="connsiteX18" y="connsiteY18"/>
-              </a:cxn>
-              <a:cxn ang="0">
-                <a:pos x="connsiteX19" y="connsiteY19"/>
-              </a:cxn>
-              <a:cxn ang="0">
-                <a:pos x="connsiteX20" y="connsiteY20"/>
-              </a:cxn>
-              <a:cxn ang="0">
-                <a:pos x="connsiteX21" y="connsiteY21"/>
-              </a:cxn>
-              <a:cxn ang="0">
-                <a:pos x="connsiteX22" y="connsiteY22"/>
-              </a:cxn>
-              <a:cxn ang="0">
-                <a:pos x="connsiteX23" y="connsiteY23"/>
-              </a:cxn>
-              <a:cxn ang="0">
-                <a:pos x="connsiteX24" y="connsiteY24"/>
-              </a:cxn>
-              <a:cxn ang="0">
-                <a:pos x="connsiteX25" y="connsiteY25"/>
-              </a:cxn>
-              <a:cxn ang="0">
-                <a:pos x="connsiteX26" y="connsiteY26"/>
-              </a:cxn>
-              <a:cxn ang="0">
-                <a:pos x="connsiteX27" y="connsiteY27"/>
-              </a:cxn>
-              <a:cxn ang="0">
-                <a:pos x="connsiteX28" y="connsiteY28"/>
-              </a:cxn>
-              <a:cxn ang="0">
-                <a:pos x="connsiteX29" y="connsiteY29"/>
-              </a:cxn>
-              <a:cxn ang="0">
-                <a:pos x="connsiteX30" y="connsiteY30"/>
-              </a:cxn>
-              <a:cxn ang="0">
-                <a:pos x="connsiteX31" y="connsiteY31"/>
-              </a:cxn>
-              <a:cxn ang="0">
-                <a:pos x="connsiteX32" y="connsiteY32"/>
-              </a:cxn>
-              <a:cxn ang="0">
-                <a:pos x="connsiteX33" y="connsiteY33"/>
-              </a:cxn>
-              <a:cxn ang="0">
-                <a:pos x="connsiteX34" y="connsiteY34"/>
-              </a:cxn>
-              <a:cxn ang="0">
-                <a:pos x="connsiteX35" y="connsiteY35"/>
-              </a:cxn>
-              <a:cxn ang="0">
-                <a:pos x="connsiteX36" y="connsiteY36"/>
-              </a:cxn>
-              <a:cxn ang="0">
-                <a:pos x="connsiteX37" y="connsiteY37"/>
-              </a:cxn>
-              <a:cxn ang="0">
-                <a:pos x="connsiteX38" y="connsiteY38"/>
-              </a:cxn>
-              <a:cxn ang="0">
-                <a:pos x="connsiteX39" y="connsiteY39"/>
-              </a:cxn>
-              <a:cxn ang="0">
-                <a:pos x="connsiteX40" y="connsiteY40"/>
-              </a:cxn>
-              <a:cxn ang="0">
-                <a:pos x="connsiteX41" y="connsiteY41"/>
-              </a:cxn>
-              <a:cxn ang="0">
-                <a:pos x="connsiteX42" y="connsiteY42"/>
-              </a:cxn>
-              <a:cxn ang="0">
-                <a:pos x="connsiteX43" y="connsiteY43"/>
-              </a:cxn>
-              <a:cxn ang="0">
-                <a:pos x="connsiteX44" y="connsiteY44"/>
-              </a:cxn>
-              <a:cxn ang="0">
-                <a:pos x="connsiteX45" y="connsiteY45"/>
-              </a:cxn>
-              <a:cxn ang="0">
-                <a:pos x="connsiteX46" y="connsiteY46"/>
-              </a:cxn>
-              <a:cxn ang="0">
-                <a:pos x="connsiteX47" y="connsiteY47"/>
-              </a:cxn>
-              <a:cxn ang="0">
-                <a:pos x="connsiteX48" y="connsiteY48"/>
-              </a:cxn>
-              <a:cxn ang="0">
-                <a:pos x="connsiteX49" y="connsiteY49"/>
-              </a:cxn>
-              <a:cxn ang="0">
-                <a:pos x="connsiteX50" y="connsiteY50"/>
-              </a:cxn>
-              <a:cxn ang="0">
-                <a:pos x="connsiteX51" y="connsiteY51"/>
-              </a:cxn>
-            </a:cxnLst>
-            <a:rect l="l" t="t" r="r" b="b"/>
-            <a:pathLst>
-              <a:path w="12192417" h="5095933">
-                <a:moveTo>
-                  <a:pt x="0" y="0"/>
-                </a:moveTo>
-                <a:lnTo>
-                  <a:pt x="71931" y="12261"/>
-                </a:lnTo>
-                <a:lnTo>
-                  <a:pt x="282848" y="48343"/>
-                </a:lnTo>
-                <a:lnTo>
-                  <a:pt x="436463" y="73565"/>
-                </a:lnTo>
-                <a:lnTo>
-                  <a:pt x="619338" y="100188"/>
-                </a:lnTo>
-                <a:lnTo>
-                  <a:pt x="836350" y="132066"/>
-                </a:lnTo>
-                <a:lnTo>
-                  <a:pt x="1076527" y="165696"/>
-                </a:lnTo>
-                <a:lnTo>
-                  <a:pt x="1347183" y="201077"/>
-                </a:lnTo>
-                <a:lnTo>
-                  <a:pt x="1642222" y="238560"/>
-                </a:lnTo>
-                <a:lnTo>
-                  <a:pt x="1962863" y="276043"/>
-                </a:lnTo>
-                <a:lnTo>
-                  <a:pt x="2304231" y="314227"/>
-                </a:lnTo>
-                <a:lnTo>
-                  <a:pt x="2672420" y="349608"/>
-                </a:lnTo>
-                <a:lnTo>
-                  <a:pt x="3057677" y="383588"/>
-                </a:lnTo>
-                <a:lnTo>
-                  <a:pt x="3464880" y="414415"/>
-                </a:lnTo>
-                <a:lnTo>
-                  <a:pt x="3889151" y="443841"/>
-                </a:lnTo>
-                <a:lnTo>
-                  <a:pt x="4331709" y="471515"/>
-                </a:lnTo>
-                <a:lnTo>
-                  <a:pt x="4558475" y="481324"/>
-                </a:lnTo>
-                <a:lnTo>
-                  <a:pt x="4790117" y="492183"/>
-                </a:lnTo>
-                <a:lnTo>
-                  <a:pt x="5025417" y="502342"/>
-                </a:lnTo>
-                <a:lnTo>
-                  <a:pt x="5261936" y="508998"/>
-                </a:lnTo>
-                <a:lnTo>
-                  <a:pt x="5503331" y="514953"/>
-                </a:lnTo>
-                <a:lnTo>
-                  <a:pt x="5747166" y="521259"/>
-                </a:lnTo>
-                <a:lnTo>
-                  <a:pt x="5995876" y="525463"/>
-                </a:lnTo>
-                <a:lnTo>
-                  <a:pt x="6247025" y="525463"/>
-                </a:lnTo>
-                <a:lnTo>
-                  <a:pt x="6500612" y="527565"/>
-                </a:lnTo>
-                <a:lnTo>
-                  <a:pt x="6756638" y="525463"/>
-                </a:lnTo>
-                <a:lnTo>
-                  <a:pt x="7016321" y="521259"/>
-                </a:lnTo>
-                <a:lnTo>
-                  <a:pt x="7276004" y="517406"/>
-                </a:lnTo>
-                <a:lnTo>
-                  <a:pt x="7539344" y="508998"/>
-                </a:lnTo>
-                <a:lnTo>
-                  <a:pt x="7805123" y="500241"/>
-                </a:lnTo>
-                <a:lnTo>
-                  <a:pt x="8070902" y="490082"/>
-                </a:lnTo>
-                <a:lnTo>
-                  <a:pt x="8339120" y="475719"/>
-                </a:lnTo>
-                <a:lnTo>
-                  <a:pt x="8609775" y="458554"/>
-                </a:lnTo>
-                <a:lnTo>
-                  <a:pt x="8881650" y="442089"/>
-                </a:lnTo>
-                <a:lnTo>
-                  <a:pt x="9153525" y="421071"/>
-                </a:lnTo>
-                <a:lnTo>
-                  <a:pt x="9429057" y="395849"/>
-                </a:lnTo>
-                <a:lnTo>
-                  <a:pt x="9700932" y="370626"/>
-                </a:lnTo>
-                <a:lnTo>
-                  <a:pt x="9977683" y="341551"/>
-                </a:lnTo>
-                <a:lnTo>
-                  <a:pt x="10255654" y="309673"/>
-                </a:lnTo>
-                <a:lnTo>
-                  <a:pt x="10529967" y="276043"/>
-                </a:lnTo>
-                <a:lnTo>
-                  <a:pt x="10807938" y="236809"/>
-                </a:lnTo>
-                <a:lnTo>
-                  <a:pt x="11084689" y="194772"/>
-                </a:lnTo>
-                <a:lnTo>
-                  <a:pt x="11362660" y="153085"/>
-                </a:lnTo>
-                <a:lnTo>
-                  <a:pt x="11639411" y="104392"/>
-                </a:lnTo>
-                <a:lnTo>
-                  <a:pt x="11914944" y="54648"/>
-                </a:lnTo>
-                <a:lnTo>
-                  <a:pt x="12191695" y="2452"/>
-                </a:lnTo>
-                <a:lnTo>
-                  <a:pt x="12191695" y="2162231"/>
-                </a:lnTo>
-                <a:lnTo>
-                  <a:pt x="12192417" y="2162231"/>
-                </a:lnTo>
-                <a:lnTo>
-                  <a:pt x="12192417" y="5095933"/>
-                </a:lnTo>
-                <a:lnTo>
-                  <a:pt x="0" y="5095933"/>
-                </a:lnTo>
-                <a:lnTo>
-                  <a:pt x="0" y="2791958"/>
-                </a:lnTo>
-                <a:lnTo>
-                  <a:pt x="0" y="2162231"/>
-                </a:lnTo>
-                <a:close/>
-              </a:path>
-            </a:pathLst>
-          </a:custGeom>
-          <a:ln>
-            <a:noFill/>
-          </a:ln>
-        </p:spPr>
-      </p:sp>
+      </p:pic>
+    </p:spTree>
+    <p:extLst>
+      <p:ext uri="{BB962C8B-B14F-4D97-AF65-F5344CB8AC3E}">
+        <p14:creationId xmlns:p14="http://schemas.microsoft.com/office/powerpoint/2010/main" val="841456012"/>
+      </p:ext>
+    </p:extLst>
+  </p:cSld>
+  <p:clrMapOvr>
+    <a:overrideClrMapping bg1="lt1" tx1="dk1" bg2="lt2" tx2="dk2" accent1="accent1" accent2="accent2" accent3="accent3" accent4="accent4" accent5="accent5" accent6="accent6" hlink="hlink" folHlink="folHlink"/>
+  </p:clrMapOvr>
+</p:sld>
+</file>
+
+<file path=ppt/slides/slide9.xml><?xml version="1.0" encoding="utf-8"?>
+<p:sld xmlns:a="http://schemas.openxmlformats.org/drawingml/2006/main" xmlns:r="http://schemas.openxmlformats.org/officeDocument/2006/relationships" xmlns:p="http://schemas.openxmlformats.org/presentationml/2006/main">
+  <p:cSld>
+    <p:spTree>
+      <p:nvGrpSpPr>
+        <p:cNvPr id="1" name=""/>
+        <p:cNvGrpSpPr/>
+        <p:nvPr/>
+      </p:nvGrpSpPr>
+      <p:grpSpPr>
+        <a:xfrm>
+          <a:off x="0" y="0"/>
+          <a:ext cx="0" cy="0"/>
+          <a:chOff x="0" y="0"/>
+          <a:chExt cx="0" cy="0"/>
+        </a:xfrm>
+      </p:grpSpPr>
       <p:sp>
         <p:nvSpPr>
           <p:cNvPr id="2" name="Title 1">
             <a:extLst>
               <a:ext uri="{FF2B5EF4-FFF2-40B4-BE49-F238E27FC236}">
-                <a16:creationId xmlns:a16="http://schemas.microsoft.com/office/drawing/2014/main" id="{B81CF1FE-76C1-59B3-DBAD-798DE6AA0ACE}"/>
+                <a16:creationId xmlns:a16="http://schemas.microsoft.com/office/drawing/2014/main" id="{C5212948-0142-3E06-0AD6-9CD0827A0754}"/>
               </a:ext>
             </a:extLst>
           </p:cNvPr>
@@ -22479,35 +24357,24 @@
             <p:ph type="title"/>
           </p:nvPr>
         </p:nvSpPr>
-        <p:spPr>
-          <a:xfrm>
-            <a:off x="1103312" y="452718"/>
-            <a:ext cx="8947522" cy="1400530"/>
-          </a:xfrm>
-        </p:spPr>
+        <p:spPr/>
         <p:txBody>
-          <a:bodyPr anchor="ctr">
-            <a:normAutofit/>
-          </a:bodyPr>
+          <a:bodyPr/>
           <a:lstStyle/>
           <a:p>
             <a:r>
-              <a:rPr lang="hu-HU" dirty="0">
-                <a:solidFill>
-                  <a:srgbClr val="FFFFFF"/>
-                </a:solidFill>
-              </a:rPr>
-              <a:t>ASA</a:t>
+              <a:rPr lang="hu-HU" dirty="0"/>
+              <a:t>HSRP</a:t>
             </a:r>
           </a:p>
         </p:txBody>
       </p:sp>
       <p:pic>
         <p:nvPicPr>
-          <p:cNvPr id="4" name="Kép 1">
+          <p:cNvPr id="7" name="Content Placeholder 6" descr="A screenshot of a computer program">
             <a:extLst>
               <a:ext uri="{FF2B5EF4-FFF2-40B4-BE49-F238E27FC236}">
-                <a16:creationId xmlns:a16="http://schemas.microsoft.com/office/drawing/2014/main" id="{4D44B5CC-2712-F98B-7779-3BC04DDA31C4}"/>
+                <a16:creationId xmlns:a16="http://schemas.microsoft.com/office/drawing/2014/main" id="{E3E8D5D8-96BA-2322-E5EC-0CF36C95F856}"/>
               </a:ext>
             </a:extLst>
           </p:cNvPr>
@@ -22532,23 +24399,126 @@
         </p:blipFill>
         <p:spPr>
           <a:xfrm>
-            <a:off x="1270137" y="3162597"/>
-            <a:ext cx="9151433" cy="1400530"/>
+            <a:off x="1130583" y="3546821"/>
+            <a:ext cx="4404742" cy="1684166"/>
+          </a:xfrm>
+        </p:spPr>
+      </p:pic>
+      <p:pic>
+        <p:nvPicPr>
+          <p:cNvPr id="9" name="Picture 8" descr="A computer screen shot of a number">
+            <a:extLst>
+              <a:ext uri="{FF2B5EF4-FFF2-40B4-BE49-F238E27FC236}">
+                <a16:creationId xmlns:a16="http://schemas.microsoft.com/office/drawing/2014/main" id="{26932762-2226-04CE-8F1E-733E04BAF7F0}"/>
+              </a:ext>
+            </a:extLst>
+          </p:cNvPr>
+          <p:cNvPicPr>
+            <a:picLocks noChangeAspect="1"/>
+          </p:cNvPicPr>
+          <p:nvPr/>
+        </p:nvPicPr>
+        <p:blipFill>
+          <a:blip r:embed="rId3">
+            <a:extLst>
+              <a:ext uri="{28A0092B-C50C-407E-A947-70E740481C1C}">
+                <a14:useLocalDpi xmlns:a14="http://schemas.microsoft.com/office/drawing/2010/main" val="0"/>
+              </a:ext>
+            </a:extLst>
+          </a:blip>
+          <a:stretch>
+            <a:fillRect/>
+          </a:stretch>
+        </p:blipFill>
+        <p:spPr>
+          <a:xfrm>
+            <a:off x="6351041" y="3546821"/>
+            <a:ext cx="4824688" cy="1684166"/>
           </a:xfrm>
           <a:prstGeom prst="rect">
             <a:avLst/>
           </a:prstGeom>
         </p:spPr>
       </p:pic>
+      <p:sp>
+        <p:nvSpPr>
+          <p:cNvPr id="10" name="TextBox 9">
+            <a:extLst>
+              <a:ext uri="{FF2B5EF4-FFF2-40B4-BE49-F238E27FC236}">
+                <a16:creationId xmlns:a16="http://schemas.microsoft.com/office/drawing/2014/main" id="{F987FC22-7588-E1A3-5358-3DA087A4E833}"/>
+              </a:ext>
+            </a:extLst>
+          </p:cNvPr>
+          <p:cNvSpPr txBox="1"/>
+          <p:nvPr/>
+        </p:nvSpPr>
+        <p:spPr>
+          <a:xfrm>
+            <a:off x="2141166" y="2941847"/>
+            <a:ext cx="3358836" cy="369332"/>
+          </a:xfrm>
+          <a:prstGeom prst="rect">
+            <a:avLst/>
+          </a:prstGeom>
+          <a:noFill/>
+        </p:spPr>
+        <p:txBody>
+          <a:bodyPr wrap="square" rtlCol="0">
+            <a:spAutoFit/>
+          </a:bodyPr>
+          <a:lstStyle/>
+          <a:p>
+            <a:r>
+              <a:rPr lang="hu-HU" dirty="0"/>
+              <a:t>DeliveryR1</a:t>
+            </a:r>
+          </a:p>
+        </p:txBody>
+      </p:sp>
+      <p:sp>
+        <p:nvSpPr>
+          <p:cNvPr id="11" name="TextBox 10">
+            <a:extLst>
+              <a:ext uri="{FF2B5EF4-FFF2-40B4-BE49-F238E27FC236}">
+                <a16:creationId xmlns:a16="http://schemas.microsoft.com/office/drawing/2014/main" id="{08E189C2-0C59-B446-197E-FE15E0A7973F}"/>
+              </a:ext>
+            </a:extLst>
+          </p:cNvPr>
+          <p:cNvSpPr txBox="1"/>
+          <p:nvPr/>
+        </p:nvSpPr>
+        <p:spPr>
+          <a:xfrm>
+            <a:off x="8031911" y="2941847"/>
+            <a:ext cx="2018923" cy="369332"/>
+          </a:xfrm>
+          <a:prstGeom prst="rect">
+            <a:avLst/>
+          </a:prstGeom>
+          <a:noFill/>
+        </p:spPr>
+        <p:txBody>
+          <a:bodyPr wrap="square" rtlCol="0">
+            <a:spAutoFit/>
+          </a:bodyPr>
+          <a:lstStyle/>
+          <a:p>
+            <a:r>
+              <a:rPr lang="hu-HU" dirty="0"/>
+              <a:t>DeliveryR2</a:t>
+            </a:r>
+          </a:p>
+        </p:txBody>
+      </p:sp>
     </p:spTree>
     <p:extLst>
       <p:ext uri="{BB962C8B-B14F-4D97-AF65-F5344CB8AC3E}">
-        <p14:creationId xmlns:p14="http://schemas.microsoft.com/office/powerpoint/2010/main" val="3549832733"/>
+        <p14:creationId xmlns:p14="http://schemas.microsoft.com/office/powerpoint/2010/main" val="410447792"/>
       </p:ext>
     </p:extLst>
   </p:cSld>
   <p:clrMapOvr>
-    <a:overrideClrMapping bg1="lt1" tx1="dk1" bg2="lt2" tx2="dk2" accent1="accent1" accent2="accent2" accent3="accent3" accent4="accent4" accent5="accent5" accent6="accent6" hlink="hlink" folHlink="folHlink"/>
+    <a:masterClrMapping/>
   </p:clrMapOvr>
 </p:sld>
 </file>

--- a/Tacos KFT.pptx
+++ b/Tacos KFT.pptx
@@ -19,6 +19,7 @@
     <p:sldId id="267" r:id="rId13"/>
     <p:sldId id="268" r:id="rId14"/>
     <p:sldId id="266" r:id="rId15"/>
+    <p:sldId id="270" r:id="rId16"/>
   </p:sldIdLst>
   <p:sldSz cx="12192000" cy="6858000"/>
   <p:notesSz cx="6858000" cy="9144000"/>
@@ -1083,7 +1084,7 @@
           <a:p>
             <a:fld id="{8A844EBC-9149-44B5-87C4-3FE491D27CBD}" type="datetimeFigureOut">
               <a:rPr lang="hu-HU" smtClean="0"/>
-              <a:t>2024. 10. 28.</a:t>
+              <a:t>2024. 12. 06.</a:t>
             </a:fld>
             <a:endParaRPr lang="hu-HU"/>
           </a:p>
@@ -1358,7 +1359,7 @@
           <a:p>
             <a:fld id="{8A844EBC-9149-44B5-87C4-3FE491D27CBD}" type="datetimeFigureOut">
               <a:rPr lang="hu-HU" smtClean="0"/>
-              <a:t>2024. 10. 28.</a:t>
+              <a:t>2024. 12. 06.</a:t>
             </a:fld>
             <a:endParaRPr lang="hu-HU"/>
           </a:p>
@@ -1552,7 +1553,7 @@
           <a:p>
             <a:fld id="{8A844EBC-9149-44B5-87C4-3FE491D27CBD}" type="datetimeFigureOut">
               <a:rPr lang="hu-HU" smtClean="0"/>
-              <a:t>2024. 10. 28.</a:t>
+              <a:t>2024. 12. 06.</a:t>
             </a:fld>
             <a:endParaRPr lang="hu-HU"/>
           </a:p>
@@ -1825,7 +1826,7 @@
           <a:p>
             <a:fld id="{8A844EBC-9149-44B5-87C4-3FE491D27CBD}" type="datetimeFigureOut">
               <a:rPr lang="hu-HU" smtClean="0"/>
-              <a:t>2024. 10. 28.</a:t>
+              <a:t>2024. 12. 06.</a:t>
             </a:fld>
             <a:endParaRPr lang="hu-HU"/>
           </a:p>
@@ -2166,7 +2167,7 @@
           <a:p>
             <a:fld id="{8A844EBC-9149-44B5-87C4-3FE491D27CBD}" type="datetimeFigureOut">
               <a:rPr lang="hu-HU" smtClean="0"/>
-              <a:t>2024. 10. 28.</a:t>
+              <a:t>2024. 12. 06.</a:t>
             </a:fld>
             <a:endParaRPr lang="hu-HU"/>
           </a:p>
@@ -2789,7 +2790,7 @@
           <a:p>
             <a:fld id="{8A844EBC-9149-44B5-87C4-3FE491D27CBD}" type="datetimeFigureOut">
               <a:rPr lang="hu-HU" smtClean="0"/>
-              <a:t>2024. 10. 28.</a:t>
+              <a:t>2024. 12. 06.</a:t>
             </a:fld>
             <a:endParaRPr lang="hu-HU"/>
           </a:p>
@@ -3649,7 +3650,7 @@
           <a:p>
             <a:fld id="{8A844EBC-9149-44B5-87C4-3FE491D27CBD}" type="datetimeFigureOut">
               <a:rPr lang="hu-HU" smtClean="0"/>
-              <a:t>2024. 10. 28.</a:t>
+              <a:t>2024. 12. 06.</a:t>
             </a:fld>
             <a:endParaRPr lang="hu-HU"/>
           </a:p>
@@ -3819,7 +3820,7 @@
           <a:p>
             <a:fld id="{8A844EBC-9149-44B5-87C4-3FE491D27CBD}" type="datetimeFigureOut">
               <a:rPr lang="hu-HU" smtClean="0"/>
-              <a:t>2024. 10. 28.</a:t>
+              <a:t>2024. 12. 06.</a:t>
             </a:fld>
             <a:endParaRPr lang="hu-HU"/>
           </a:p>
@@ -3999,7 +4000,7 @@
           <a:p>
             <a:fld id="{8A844EBC-9149-44B5-87C4-3FE491D27CBD}" type="datetimeFigureOut">
               <a:rPr lang="hu-HU" smtClean="0"/>
-              <a:t>2024. 10. 28.</a:t>
+              <a:t>2024. 12. 06.</a:t>
             </a:fld>
             <a:endParaRPr lang="hu-HU"/>
           </a:p>
@@ -4169,7 +4170,7 @@
           <a:p>
             <a:fld id="{8A844EBC-9149-44B5-87C4-3FE491D27CBD}" type="datetimeFigureOut">
               <a:rPr lang="hu-HU" smtClean="0"/>
-              <a:t>2024. 10. 28.</a:t>
+              <a:t>2024. 12. 06.</a:t>
             </a:fld>
             <a:endParaRPr lang="hu-HU"/>
           </a:p>
@@ -4416,7 +4417,7 @@
           <a:p>
             <a:fld id="{8A844EBC-9149-44B5-87C4-3FE491D27CBD}" type="datetimeFigureOut">
               <a:rPr lang="hu-HU" smtClean="0"/>
-              <a:t>2024. 10. 28.</a:t>
+              <a:t>2024. 12. 06.</a:t>
             </a:fld>
             <a:endParaRPr lang="hu-HU"/>
           </a:p>
@@ -4708,7 +4709,7 @@
           <a:p>
             <a:fld id="{8A844EBC-9149-44B5-87C4-3FE491D27CBD}" type="datetimeFigureOut">
               <a:rPr lang="hu-HU" smtClean="0"/>
-              <a:t>2024. 10. 28.</a:t>
+              <a:t>2024. 12. 06.</a:t>
             </a:fld>
             <a:endParaRPr lang="hu-HU"/>
           </a:p>
@@ -5152,7 +5153,7 @@
           <a:p>
             <a:fld id="{8A844EBC-9149-44B5-87C4-3FE491D27CBD}" type="datetimeFigureOut">
               <a:rPr lang="hu-HU" smtClean="0"/>
-              <a:t>2024. 10. 28.</a:t>
+              <a:t>2024. 12. 06.</a:t>
             </a:fld>
             <a:endParaRPr lang="hu-HU"/>
           </a:p>
@@ -5270,7 +5271,7 @@
           <a:p>
             <a:fld id="{8A844EBC-9149-44B5-87C4-3FE491D27CBD}" type="datetimeFigureOut">
               <a:rPr lang="hu-HU" smtClean="0"/>
-              <a:t>2024. 10. 28.</a:t>
+              <a:t>2024. 12. 06.</a:t>
             </a:fld>
             <a:endParaRPr lang="hu-HU"/>
           </a:p>
@@ -5365,7 +5366,7 @@
           <a:p>
             <a:fld id="{8A844EBC-9149-44B5-87C4-3FE491D27CBD}" type="datetimeFigureOut">
               <a:rPr lang="hu-HU" smtClean="0"/>
-              <a:t>2024. 10. 28.</a:t>
+              <a:t>2024. 12. 06.</a:t>
             </a:fld>
             <a:endParaRPr lang="hu-HU"/>
           </a:p>
@@ -5644,7 +5645,7 @@
           <a:p>
             <a:fld id="{8A844EBC-9149-44B5-87C4-3FE491D27CBD}" type="datetimeFigureOut">
               <a:rPr lang="hu-HU" smtClean="0"/>
-              <a:t>2024. 10. 28.</a:t>
+              <a:t>2024. 12. 06.</a:t>
             </a:fld>
             <a:endParaRPr lang="hu-HU"/>
           </a:p>
@@ -5919,7 +5920,7 @@
           <a:p>
             <a:fld id="{8A844EBC-9149-44B5-87C4-3FE491D27CBD}" type="datetimeFigureOut">
               <a:rPr lang="hu-HU" smtClean="0"/>
-              <a:t>2024. 10. 28.</a:t>
+              <a:t>2024. 12. 06.</a:t>
             </a:fld>
             <a:endParaRPr lang="hu-HU"/>
           </a:p>
@@ -6348,7 +6349,7 @@
           <a:p>
             <a:fld id="{8A844EBC-9149-44B5-87C4-3FE491D27CBD}" type="datetimeFigureOut">
               <a:rPr lang="hu-HU" smtClean="0"/>
-              <a:t>2024. 10. 28.</a:t>
+              <a:t>2024. 12. 06.</a:t>
             </a:fld>
             <a:endParaRPr lang="hu-HU"/>
           </a:p>
@@ -6975,7 +6976,7 @@
                 <a16:creationId xmlns:a16="http://schemas.microsoft.com/office/drawing/2014/main" id="{74CD14DB-BB81-479F-A1FC-1C75640E9F84}"/>
               </a:ext>
               <a:ext uri="{C183D7F6-B498-43B3-948B-1728B52AA6E4}">
-                <adec:decorative xmlns:adec="http://schemas.microsoft.com/office/drawing/2017/decorative" val="1"/>
+                <adec:decorative xmlns:adec="http://schemas.microsoft.com/office/drawing/2017/decorative" xmlns="" val="1"/>
               </a:ext>
             </a:extLst>
           </p:cNvPr>
@@ -7064,7 +7065,7 @@
                 <a16:creationId xmlns:a16="http://schemas.microsoft.com/office/drawing/2014/main" id="{C943A91B-7CA7-4592-A975-73B1BF8C4C74}"/>
               </a:ext>
               <a:ext uri="{C183D7F6-B498-43B3-948B-1728B52AA6E4}">
-                <adec:decorative xmlns:adec="http://schemas.microsoft.com/office/drawing/2017/decorative" val="1"/>
+                <adec:decorative xmlns:adec="http://schemas.microsoft.com/office/drawing/2017/decorative" xmlns="" val="1"/>
               </a:ext>
             </a:extLst>
           </p:cNvPr>
@@ -7117,7 +7118,7 @@
                 <a16:creationId xmlns:a16="http://schemas.microsoft.com/office/drawing/2014/main" id="{EC471314-E46A-414B-8D91-74880E84F187}"/>
               </a:ext>
               <a:ext uri="{C183D7F6-B498-43B3-948B-1728B52AA6E4}">
-                <adec:decorative xmlns:adec="http://schemas.microsoft.com/office/drawing/2017/decorative" val="1"/>
+                <adec:decorative xmlns:adec="http://schemas.microsoft.com/office/drawing/2017/decorative" xmlns="" val="1"/>
               </a:ext>
             </a:extLst>
           </p:cNvPr>
@@ -7506,7 +7507,7 @@
                 <a16:creationId xmlns:a16="http://schemas.microsoft.com/office/drawing/2014/main" id="{6A681326-1C9D-44A3-A627-3871BDAE4127}"/>
               </a:ext>
               <a:ext uri="{C183D7F6-B498-43B3-948B-1728B52AA6E4}">
-                <adec:decorative xmlns:adec="http://schemas.microsoft.com/office/drawing/2017/decorative" val="1"/>
+                <adec:decorative xmlns:adec="http://schemas.microsoft.com/office/drawing/2017/decorative" xmlns="" val="1"/>
               </a:ext>
             </a:extLst>
           </p:cNvPr>
@@ -8100,7 +8101,7 @@
                 <a16:creationId xmlns:a16="http://schemas.microsoft.com/office/drawing/2014/main" id="{DF19BAF3-7E20-4B9D-B544-BABAEEA1FA75}"/>
               </a:ext>
               <a:ext uri="{C183D7F6-B498-43B3-948B-1728B52AA6E4}">
-                <adec:decorative xmlns:adec="http://schemas.microsoft.com/office/drawing/2017/decorative" val="1"/>
+                <adec:decorative xmlns:adec="http://schemas.microsoft.com/office/drawing/2017/decorative" xmlns="" val="1"/>
               </a:ext>
             </a:extLst>
           </p:cNvPr>
@@ -8144,7 +8145,7 @@
                 <a16:creationId xmlns:a16="http://schemas.microsoft.com/office/drawing/2014/main" id="{950648F4-ABCD-4DF0-8641-76CFB2354721}"/>
               </a:ext>
               <a:ext uri="{C183D7F6-B498-43B3-948B-1728B52AA6E4}">
-                <adec:decorative xmlns:adec="http://schemas.microsoft.com/office/drawing/2017/decorative" val="1"/>
+                <adec:decorative xmlns:adec="http://schemas.microsoft.com/office/drawing/2017/decorative" xmlns="" val="1"/>
               </a:ext>
             </a:extLst>
           </p:cNvPr>
@@ -8188,7 +8189,7 @@
                 <a16:creationId xmlns:a16="http://schemas.microsoft.com/office/drawing/2014/main" id="{989BE678-777B-482A-A616-FEDC47B162E5}"/>
               </a:ext>
               <a:ext uri="{C183D7F6-B498-43B3-948B-1728B52AA6E4}">
-                <adec:decorative xmlns:adec="http://schemas.microsoft.com/office/drawing/2017/decorative" val="1"/>
+                <adec:decorative xmlns:adec="http://schemas.microsoft.com/office/drawing/2017/decorative" xmlns="" val="1"/>
               </a:ext>
             </a:extLst>
           </p:cNvPr>
@@ -8268,7 +8269,7 @@
                 <a16:creationId xmlns:a16="http://schemas.microsoft.com/office/drawing/2014/main" id="{CF1EB4BD-9C7E-4AA3-9681-C7EB0DA6250B}"/>
               </a:ext>
               <a:ext uri="{C183D7F6-B498-43B3-948B-1728B52AA6E4}">
-                <adec:decorative xmlns:adec="http://schemas.microsoft.com/office/drawing/2017/decorative" val="1"/>
+                <adec:decorative xmlns:adec="http://schemas.microsoft.com/office/drawing/2017/decorative" xmlns="" val="1"/>
               </a:ext>
             </a:extLst>
           </p:cNvPr>
@@ -8312,7 +8313,7 @@
                 <a16:creationId xmlns:a16="http://schemas.microsoft.com/office/drawing/2014/main" id="{94AAE3AA-3759-4D28-B0EF-575F25A5146C}"/>
               </a:ext>
               <a:ext uri="{C183D7F6-B498-43B3-948B-1728B52AA6E4}">
-                <adec:decorative xmlns:adec="http://schemas.microsoft.com/office/drawing/2017/decorative" val="1"/>
+                <adec:decorative xmlns:adec="http://schemas.microsoft.com/office/drawing/2017/decorative" xmlns="" val="1"/>
               </a:ext>
             </a:extLst>
           </p:cNvPr>
@@ -8356,7 +8357,7 @@
                 <a16:creationId xmlns:a16="http://schemas.microsoft.com/office/drawing/2014/main" id="{D28BE0C3-2102-4820-B88B-A448B1840D14}"/>
               </a:ext>
               <a:ext uri="{C183D7F6-B498-43B3-948B-1728B52AA6E4}">
-                <adec:decorative xmlns:adec="http://schemas.microsoft.com/office/drawing/2017/decorative" val="1"/>
+                <adec:decorative xmlns:adec="http://schemas.microsoft.com/office/drawing/2017/decorative" xmlns="" val="1"/>
               </a:ext>
             </a:extLst>
           </p:cNvPr>
@@ -8599,7 +8600,7 @@
                 <a16:creationId xmlns:a16="http://schemas.microsoft.com/office/drawing/2014/main" id="{E4F17063-EDA4-417B-946F-BA357F3B390D}"/>
               </a:ext>
               <a:ext uri="{C183D7F6-B498-43B3-948B-1728B52AA6E4}">
-                <adec:decorative xmlns:adec="http://schemas.microsoft.com/office/drawing/2017/decorative" val="1"/>
+                <adec:decorative xmlns:adec="http://schemas.microsoft.com/office/drawing/2017/decorative" xmlns="" val="1"/>
               </a:ext>
             </a:extLst>
           </p:cNvPr>
@@ -8963,7 +8964,7 @@
                 <a16:creationId xmlns:a16="http://schemas.microsoft.com/office/drawing/2014/main" id="{D36F3EEA-55D4-4677-80E7-92D00B8F343B}"/>
               </a:ext>
               <a:ext uri="{C183D7F6-B498-43B3-948B-1728B52AA6E4}">
-                <adec:decorative xmlns:adec="http://schemas.microsoft.com/office/drawing/2017/decorative" val="1"/>
+                <adec:decorative xmlns:adec="http://schemas.microsoft.com/office/drawing/2017/decorative" xmlns="" val="1"/>
               </a:ext>
             </a:extLst>
           </p:cNvPr>
@@ -9535,7 +9536,7 @@
                 <a16:creationId xmlns:a16="http://schemas.microsoft.com/office/drawing/2014/main" id="{B4AAD3FD-83A5-4B89-9F8F-01B8870865BE}"/>
               </a:ext>
               <a:ext uri="{C183D7F6-B498-43B3-948B-1728B52AA6E4}">
-                <adec:decorative xmlns:adec="http://schemas.microsoft.com/office/drawing/2017/decorative" val="1"/>
+                <adec:decorative xmlns:adec="http://schemas.microsoft.com/office/drawing/2017/decorative" xmlns="" val="1"/>
               </a:ext>
             </a:extLst>
           </p:cNvPr>
@@ -9634,7 +9635,7 @@
                 <a16:creationId xmlns:a16="http://schemas.microsoft.com/office/drawing/2014/main" id="{61752F1D-FC0F-4103-9584-630E643CCDA6}"/>
               </a:ext>
               <a:ext uri="{C183D7F6-B498-43B3-948B-1728B52AA6E4}">
-                <adec:decorative xmlns:adec="http://schemas.microsoft.com/office/drawing/2017/decorative" val="1"/>
+                <adec:decorative xmlns:adec="http://schemas.microsoft.com/office/drawing/2017/decorative" xmlns="" val="1"/>
               </a:ext>
             </a:extLst>
           </p:cNvPr>
@@ -9986,7 +9987,7 @@
                 <a16:creationId xmlns:a16="http://schemas.microsoft.com/office/drawing/2014/main" id="{70151CB7-E7DE-4917-B831-01DF9CE01306}"/>
               </a:ext>
               <a:ext uri="{C183D7F6-B498-43B3-948B-1728B52AA6E4}">
-                <adec:decorative xmlns:adec="http://schemas.microsoft.com/office/drawing/2017/decorative" val="1"/>
+                <adec:decorative xmlns:adec="http://schemas.microsoft.com/office/drawing/2017/decorative" xmlns="" val="1"/>
               </a:ext>
             </a:extLst>
           </p:cNvPr>
@@ -10480,7 +10481,7 @@
                 <a16:creationId xmlns:a16="http://schemas.microsoft.com/office/drawing/2014/main" id="{A92A1116-1C84-41DF-B803-1F7B0883EC82}"/>
               </a:ext>
               <a:ext uri="{C183D7F6-B498-43B3-948B-1728B52AA6E4}">
-                <adec:decorative xmlns:adec="http://schemas.microsoft.com/office/drawing/2017/decorative" val="1"/>
+                <adec:decorative xmlns:adec="http://schemas.microsoft.com/office/drawing/2017/decorative" xmlns="" val="1"/>
               </a:ext>
             </a:extLst>
           </p:cNvPr>
@@ -10623,7 +10624,7 @@
                 <a16:creationId xmlns:a16="http://schemas.microsoft.com/office/drawing/2014/main" id="{7D9681AB-65CF-47E9-9FA3-7B05D6349977}"/>
               </a:ext>
               <a:ext uri="{C183D7F6-B498-43B3-948B-1728B52AA6E4}">
-                <adec:decorative xmlns:adec="http://schemas.microsoft.com/office/drawing/2017/decorative" val="1"/>
+                <adec:decorative xmlns:adec="http://schemas.microsoft.com/office/drawing/2017/decorative" xmlns="" val="1"/>
               </a:ext>
             </a:extLst>
           </p:cNvPr>
@@ -11089,7 +11090,7 @@
                 <a16:creationId xmlns:a16="http://schemas.microsoft.com/office/drawing/2014/main" id="{8FCA736E-BDE3-4D4D-8D87-E9AE79250CFF}"/>
               </a:ext>
               <a:ext uri="{C183D7F6-B498-43B3-948B-1728B52AA6E4}">
-                <adec:decorative xmlns:adec="http://schemas.microsoft.com/office/drawing/2017/decorative" val="1"/>
+                <adec:decorative xmlns:adec="http://schemas.microsoft.com/office/drawing/2017/decorative" xmlns="" val="1"/>
               </a:ext>
             </a:extLst>
           </p:cNvPr>
@@ -11472,7 +11473,7 @@
                 <a16:creationId xmlns:a16="http://schemas.microsoft.com/office/drawing/2014/main" id="{129AA25D-1E7A-4074-BF68-D55A83B81BB0}"/>
               </a:ext>
               <a:ext uri="{C183D7F6-B498-43B3-948B-1728B52AA6E4}">
-                <adec:decorative xmlns:adec="http://schemas.microsoft.com/office/drawing/2017/decorative" val="1"/>
+                <adec:decorative xmlns:adec="http://schemas.microsoft.com/office/drawing/2017/decorative" xmlns="" val="1"/>
               </a:ext>
             </a:extLst>
           </p:cNvPr>
@@ -11695,7 +11696,7 @@
                 <a16:creationId xmlns:a16="http://schemas.microsoft.com/office/drawing/2014/main" id="{A93A089E-0A16-452C-B341-0F769780D262}"/>
               </a:ext>
               <a:ext uri="{C183D7F6-B498-43B3-948B-1728B52AA6E4}">
-                <adec:decorative xmlns:adec="http://schemas.microsoft.com/office/drawing/2017/decorative" val="1"/>
+                <adec:decorative xmlns:adec="http://schemas.microsoft.com/office/drawing/2017/decorative" xmlns="" val="1"/>
               </a:ext>
             </a:extLst>
           </p:cNvPr>
@@ -11785,6 +11786,74 @@
 </p:sld>
 </file>
 
+<file path=ppt/slides/slide15.xml><?xml version="1.0" encoding="utf-8"?>
+<p:sld xmlns:a="http://schemas.openxmlformats.org/drawingml/2006/main" xmlns:r="http://schemas.openxmlformats.org/officeDocument/2006/relationships" xmlns:p="http://schemas.openxmlformats.org/presentationml/2006/main">
+  <p:cSld>
+    <p:spTree>
+      <p:nvGrpSpPr>
+        <p:cNvPr id="1" name=""/>
+        <p:cNvGrpSpPr/>
+        <p:nvPr/>
+      </p:nvGrpSpPr>
+      <p:grpSpPr>
+        <a:xfrm>
+          <a:off x="0" y="0"/>
+          <a:ext cx="0" cy="0"/>
+          <a:chOff x="0" y="0"/>
+          <a:chExt cx="0" cy="0"/>
+        </a:xfrm>
+      </p:grpSpPr>
+      <p:sp>
+        <p:nvSpPr>
+          <p:cNvPr id="2" name="Cím 1"/>
+          <p:cNvSpPr>
+            <a:spLocks noGrp="1"/>
+          </p:cNvSpPr>
+          <p:nvPr>
+            <p:ph type="title"/>
+          </p:nvPr>
+        </p:nvSpPr>
+        <p:spPr/>
+        <p:txBody>
+          <a:bodyPr/>
+          <a:lstStyle/>
+          <a:p>
+            <a:endParaRPr lang="hu-HU"/>
+          </a:p>
+        </p:txBody>
+      </p:sp>
+      <p:sp>
+        <p:nvSpPr>
+          <p:cNvPr id="3" name="Tartalom helye 2"/>
+          <p:cNvSpPr>
+            <a:spLocks noGrp="1"/>
+          </p:cNvSpPr>
+          <p:nvPr>
+            <p:ph idx="1"/>
+          </p:nvPr>
+        </p:nvSpPr>
+        <p:spPr/>
+        <p:txBody>
+          <a:bodyPr/>
+          <a:lstStyle/>
+          <a:p>
+            <a:endParaRPr lang="hu-HU"/>
+          </a:p>
+        </p:txBody>
+      </p:sp>
+    </p:spTree>
+    <p:extLst>
+      <p:ext uri="{BB962C8B-B14F-4D97-AF65-F5344CB8AC3E}">
+        <p14:creationId xmlns:p14="http://schemas.microsoft.com/office/powerpoint/2010/main" val="125694273"/>
+      </p:ext>
+    </p:extLst>
+  </p:cSld>
+  <p:clrMapOvr>
+    <a:masterClrMapping/>
+  </p:clrMapOvr>
+</p:sld>
+</file>
+
 <file path=ppt/slides/slide2.xml><?xml version="1.0" encoding="utf-8"?>
 <p:sld xmlns:a="http://schemas.openxmlformats.org/drawingml/2006/main" xmlns:r="http://schemas.openxmlformats.org/officeDocument/2006/relationships" xmlns:p="http://schemas.openxmlformats.org/presentationml/2006/main">
   <p:cSld>
@@ -11818,7 +11887,7 @@
                 <a16:creationId xmlns:a16="http://schemas.microsoft.com/office/drawing/2014/main" id="{41B68C77-138E-4BF7-A276-BD0C78A4219F}"/>
               </a:ext>
               <a:ext uri="{C183D7F6-B498-43B3-948B-1728B52AA6E4}">
-                <adec:decorative xmlns:adec="http://schemas.microsoft.com/office/drawing/2017/decorative" val="1"/>
+                <adec:decorative xmlns:adec="http://schemas.microsoft.com/office/drawing/2017/decorative" xmlns="" val="1"/>
               </a:ext>
             </a:extLst>
           </p:cNvPr>
@@ -11862,7 +11931,7 @@
                 <a16:creationId xmlns:a16="http://schemas.microsoft.com/office/drawing/2014/main" id="{7C268552-D473-46ED-B1B8-422042C4DEF1}"/>
               </a:ext>
               <a:ext uri="{C183D7F6-B498-43B3-948B-1728B52AA6E4}">
-                <adec:decorative xmlns:adec="http://schemas.microsoft.com/office/drawing/2017/decorative" val="1"/>
+                <adec:decorative xmlns:adec="http://schemas.microsoft.com/office/drawing/2017/decorative" xmlns="" val="1"/>
               </a:ext>
             </a:extLst>
           </p:cNvPr>
@@ -11906,7 +11975,7 @@
                 <a16:creationId xmlns:a16="http://schemas.microsoft.com/office/drawing/2014/main" id="{4AC0CD9D-7610-4620-93B4-798CCD9AB581}"/>
               </a:ext>
               <a:ext uri="{C183D7F6-B498-43B3-948B-1728B52AA6E4}">
-                <adec:decorative xmlns:adec="http://schemas.microsoft.com/office/drawing/2017/decorative" val="1"/>
+                <adec:decorative xmlns:adec="http://schemas.microsoft.com/office/drawing/2017/decorative" xmlns="" val="1"/>
               </a:ext>
             </a:extLst>
           </p:cNvPr>
@@ -11986,7 +12055,7 @@
                 <a16:creationId xmlns:a16="http://schemas.microsoft.com/office/drawing/2014/main" id="{B9238B3E-24AA-439A-B527-6C5DF6D72145}"/>
               </a:ext>
               <a:ext uri="{C183D7F6-B498-43B3-948B-1728B52AA6E4}">
-                <adec:decorative xmlns:adec="http://schemas.microsoft.com/office/drawing/2017/decorative" val="1"/>
+                <adec:decorative xmlns:adec="http://schemas.microsoft.com/office/drawing/2017/decorative" xmlns="" val="1"/>
               </a:ext>
             </a:extLst>
           </p:cNvPr>
@@ -12030,7 +12099,7 @@
                 <a16:creationId xmlns:a16="http://schemas.microsoft.com/office/drawing/2014/main" id="{69F01145-BEA3-4CBF-AA21-10077B948CA8}"/>
               </a:ext>
               <a:ext uri="{C183D7F6-B498-43B3-948B-1728B52AA6E4}">
-                <adec:decorative xmlns:adec="http://schemas.microsoft.com/office/drawing/2017/decorative" val="1"/>
+                <adec:decorative xmlns:adec="http://schemas.microsoft.com/office/drawing/2017/decorative" xmlns="" val="1"/>
               </a:ext>
             </a:extLst>
           </p:cNvPr>
@@ -12074,7 +12143,7 @@
                 <a16:creationId xmlns:a16="http://schemas.microsoft.com/office/drawing/2014/main" id="{DE4D62F9-188E-4530-84C2-24BDEE4BEB82}"/>
               </a:ext>
               <a:ext uri="{C183D7F6-B498-43B3-948B-1728B52AA6E4}">
-                <adec:decorative xmlns:adec="http://schemas.microsoft.com/office/drawing/2017/decorative" val="1"/>
+                <adec:decorative xmlns:adec="http://schemas.microsoft.com/office/drawing/2017/decorative" xmlns="" val="1"/>
               </a:ext>
             </a:extLst>
           </p:cNvPr>
@@ -12127,7 +12196,7 @@
                 <a16:creationId xmlns:a16="http://schemas.microsoft.com/office/drawing/2014/main" id="{D27CF008-4B18-436D-B2D5-C1346C12438E}"/>
               </a:ext>
               <a:ext uri="{C183D7F6-B498-43B3-948B-1728B52AA6E4}">
-                <adec:decorative xmlns:adec="http://schemas.microsoft.com/office/drawing/2017/decorative" val="1"/>
+                <adec:decorative xmlns:adec="http://schemas.microsoft.com/office/drawing/2017/decorative" xmlns="" val="1"/>
               </a:ext>
             </a:extLst>
           </p:cNvPr>
@@ -12187,7 +12256,7 @@
                 <a16:creationId xmlns:a16="http://schemas.microsoft.com/office/drawing/2014/main" id="{CE22DAD8-5F67-4B73-ADA9-06EF381F7AD6}"/>
               </a:ext>
               <a:ext uri="{C183D7F6-B498-43B3-948B-1728B52AA6E4}">
-                <adec:decorative xmlns:adec="http://schemas.microsoft.com/office/drawing/2017/decorative" val="1"/>
+                <adec:decorative xmlns:adec="http://schemas.microsoft.com/office/drawing/2017/decorative" xmlns="" val="1"/>
               </a:ext>
             </a:extLst>
           </p:cNvPr>
@@ -12240,7 +12309,7 @@
                 <a16:creationId xmlns:a16="http://schemas.microsoft.com/office/drawing/2014/main" id="{E4F17063-EDA4-417B-946F-BA357F3B390D}"/>
               </a:ext>
               <a:ext uri="{C183D7F6-B498-43B3-948B-1728B52AA6E4}">
-                <adec:decorative xmlns:adec="http://schemas.microsoft.com/office/drawing/2017/decorative" val="1"/>
+                <adec:decorative xmlns:adec="http://schemas.microsoft.com/office/drawing/2017/decorative" xmlns="" val="1"/>
               </a:ext>
             </a:extLst>
           </p:cNvPr>
@@ -12637,7 +12706,7 @@
                 <a16:creationId xmlns:a16="http://schemas.microsoft.com/office/drawing/2014/main" id="{D36F3EEA-55D4-4677-80E7-92D00B8F343B}"/>
               </a:ext>
               <a:ext uri="{C183D7F6-B498-43B3-948B-1728B52AA6E4}">
-                <adec:decorative xmlns:adec="http://schemas.microsoft.com/office/drawing/2017/decorative" val="1"/>
+                <adec:decorative xmlns:adec="http://schemas.microsoft.com/office/drawing/2017/decorative" xmlns="" val="1"/>
               </a:ext>
             </a:extLst>
           </p:cNvPr>
@@ -13212,7 +13281,7 @@
                 <a16:creationId xmlns:a16="http://schemas.microsoft.com/office/drawing/2014/main" id="{41B68C77-138E-4BF7-A276-BD0C78A4219F}"/>
               </a:ext>
               <a:ext uri="{C183D7F6-B498-43B3-948B-1728B52AA6E4}">
-                <adec:decorative xmlns:adec="http://schemas.microsoft.com/office/drawing/2017/decorative" val="1"/>
+                <adec:decorative xmlns:adec="http://schemas.microsoft.com/office/drawing/2017/decorative" xmlns="" val="1"/>
               </a:ext>
             </a:extLst>
           </p:cNvPr>
@@ -13256,7 +13325,7 @@
                 <a16:creationId xmlns:a16="http://schemas.microsoft.com/office/drawing/2014/main" id="{7C268552-D473-46ED-B1B8-422042C4DEF1}"/>
               </a:ext>
               <a:ext uri="{C183D7F6-B498-43B3-948B-1728B52AA6E4}">
-                <adec:decorative xmlns:adec="http://schemas.microsoft.com/office/drawing/2017/decorative" val="1"/>
+                <adec:decorative xmlns:adec="http://schemas.microsoft.com/office/drawing/2017/decorative" xmlns="" val="1"/>
               </a:ext>
             </a:extLst>
           </p:cNvPr>
@@ -13300,7 +13369,7 @@
                 <a16:creationId xmlns:a16="http://schemas.microsoft.com/office/drawing/2014/main" id="{4AC0CD9D-7610-4620-93B4-798CCD9AB581}"/>
               </a:ext>
               <a:ext uri="{C183D7F6-B498-43B3-948B-1728B52AA6E4}">
-                <adec:decorative xmlns:adec="http://schemas.microsoft.com/office/drawing/2017/decorative" val="1"/>
+                <adec:decorative xmlns:adec="http://schemas.microsoft.com/office/drawing/2017/decorative" xmlns="" val="1"/>
               </a:ext>
             </a:extLst>
           </p:cNvPr>
@@ -13380,7 +13449,7 @@
                 <a16:creationId xmlns:a16="http://schemas.microsoft.com/office/drawing/2014/main" id="{B9238B3E-24AA-439A-B527-6C5DF6D72145}"/>
               </a:ext>
               <a:ext uri="{C183D7F6-B498-43B3-948B-1728B52AA6E4}">
-                <adec:decorative xmlns:adec="http://schemas.microsoft.com/office/drawing/2017/decorative" val="1"/>
+                <adec:decorative xmlns:adec="http://schemas.microsoft.com/office/drawing/2017/decorative" xmlns="" val="1"/>
               </a:ext>
             </a:extLst>
           </p:cNvPr>
@@ -13424,7 +13493,7 @@
                 <a16:creationId xmlns:a16="http://schemas.microsoft.com/office/drawing/2014/main" id="{69F01145-BEA3-4CBF-AA21-10077B948CA8}"/>
               </a:ext>
               <a:ext uri="{C183D7F6-B498-43B3-948B-1728B52AA6E4}">
-                <adec:decorative xmlns:adec="http://schemas.microsoft.com/office/drawing/2017/decorative" val="1"/>
+                <adec:decorative xmlns:adec="http://schemas.microsoft.com/office/drawing/2017/decorative" xmlns="" val="1"/>
               </a:ext>
             </a:extLst>
           </p:cNvPr>
@@ -13468,7 +13537,7 @@
                 <a16:creationId xmlns:a16="http://schemas.microsoft.com/office/drawing/2014/main" id="{DE4D62F9-188E-4530-84C2-24BDEE4BEB82}"/>
               </a:ext>
               <a:ext uri="{C183D7F6-B498-43B3-948B-1728B52AA6E4}">
-                <adec:decorative xmlns:adec="http://schemas.microsoft.com/office/drawing/2017/decorative" val="1"/>
+                <adec:decorative xmlns:adec="http://schemas.microsoft.com/office/drawing/2017/decorative" xmlns="" val="1"/>
               </a:ext>
             </a:extLst>
           </p:cNvPr>
@@ -13521,7 +13590,7 @@
                 <a16:creationId xmlns:a16="http://schemas.microsoft.com/office/drawing/2014/main" id="{757B325C-3E35-45CF-9D07-3BCB281F3B9C}"/>
               </a:ext>
               <a:ext uri="{C183D7F6-B498-43B3-948B-1728B52AA6E4}">
-                <adec:decorative xmlns:adec="http://schemas.microsoft.com/office/drawing/2017/decorative" val="1"/>
+                <adec:decorative xmlns:adec="http://schemas.microsoft.com/office/drawing/2017/decorative" xmlns="" val="1"/>
               </a:ext>
             </a:extLst>
           </p:cNvPr>
@@ -13623,7 +13692,7 @@
                 <a16:creationId xmlns:a16="http://schemas.microsoft.com/office/drawing/2014/main" id="{C24BEC42-AFF3-40D1-93A2-A27A42E1E23C}"/>
               </a:ext>
               <a:ext uri="{C183D7F6-B498-43B3-948B-1728B52AA6E4}">
-                <adec:decorative xmlns:adec="http://schemas.microsoft.com/office/drawing/2017/decorative" val="1"/>
+                <adec:decorative xmlns:adec="http://schemas.microsoft.com/office/drawing/2017/decorative" xmlns="" val="1"/>
               </a:ext>
             </a:extLst>
           </p:cNvPr>
@@ -13975,7 +14044,7 @@
                 <a16:creationId xmlns:a16="http://schemas.microsoft.com/office/drawing/2014/main" id="{608F427C-1EC9-4280-9367-F2B3AA063E82}"/>
               </a:ext>
               <a:ext uri="{C183D7F6-B498-43B3-948B-1728B52AA6E4}">
-                <adec:decorative xmlns:adec="http://schemas.microsoft.com/office/drawing/2017/decorative" val="1"/>
+                <adec:decorative xmlns:adec="http://schemas.microsoft.com/office/drawing/2017/decorative" xmlns="" val="1"/>
               </a:ext>
             </a:extLst>
           </p:cNvPr>
@@ -14464,7 +14533,7 @@
                 <a16:creationId xmlns:a16="http://schemas.microsoft.com/office/drawing/2014/main" id="{F98810A7-E114-447A-A7D6-69B27CFB5650}"/>
               </a:ext>
               <a:ext uri="{C183D7F6-B498-43B3-948B-1728B52AA6E4}">
-                <adec:decorative xmlns:adec="http://schemas.microsoft.com/office/drawing/2017/decorative" val="1"/>
+                <adec:decorative xmlns:adec="http://schemas.microsoft.com/office/drawing/2017/decorative" xmlns="" val="1"/>
               </a:ext>
             </a:extLst>
           </p:cNvPr>
@@ -21066,14 +21135,14 @@
             <p:ph idx="1"/>
             <p:extLst>
               <p:ext uri="{D42A27DB-BD31-4B8C-83A1-F6EECF244321}">
-                <p14:modId xmlns:p14="http://schemas.microsoft.com/office/powerpoint/2010/main" val="12074889"/>
+                <p14:modId xmlns:p14="http://schemas.microsoft.com/office/powerpoint/2010/main" val="790522815"/>
               </p:ext>
             </p:extLst>
           </p:nvPr>
         </p:nvGraphicFramePr>
         <p:xfrm>
           <a:off x="2011939" y="2158308"/>
-          <a:ext cx="7409815" cy="3472880"/>
+          <a:ext cx="7409815" cy="3533267"/>
         </p:xfrm>
         <a:graphic>
           <a:graphicData uri="http://schemas.openxmlformats.org/drawingml/2006/table">
@@ -21410,12 +21479,12 @@
                         </a:spcAft>
                       </a:pPr>
                       <a:r>
-                        <a:rPr lang="hu-HU" sz="1800">
+                        <a:rPr lang="hu-HU" sz="1800" dirty="0" smtClean="0">
                           <a:effectLst/>
                         </a:rPr>
-                        <a:t>Fa0/5,Fa0/10,Fa0/3</a:t>
+                        <a:t>Fa0/5,Fa0/10</a:t>
                       </a:r>
-                      <a:endParaRPr lang="hu-HU" sz="1100">
+                      <a:endParaRPr lang="hu-HU" sz="1100" dirty="0">
                         <a:effectLst/>
                         <a:latin typeface="Calibri" panose="020F0502020204030204" pitchFamily="34" charset="0"/>
                         <a:ea typeface="Calibri" panose="020F0502020204030204" pitchFamily="34" charset="0"/>
@@ -22279,7 +22348,7 @@
                 <a16:creationId xmlns:a16="http://schemas.microsoft.com/office/drawing/2014/main" id="{DF19BAF3-7E20-4B9D-B544-BABAEEA1FA75}"/>
               </a:ext>
               <a:ext uri="{C183D7F6-B498-43B3-948B-1728B52AA6E4}">
-                <adec:decorative xmlns:adec="http://schemas.microsoft.com/office/drawing/2017/decorative" val="1"/>
+                <adec:decorative xmlns:adec="http://schemas.microsoft.com/office/drawing/2017/decorative" xmlns="" val="1"/>
               </a:ext>
             </a:extLst>
           </p:cNvPr>
@@ -22323,7 +22392,7 @@
                 <a16:creationId xmlns:a16="http://schemas.microsoft.com/office/drawing/2014/main" id="{950648F4-ABCD-4DF0-8641-76CFB2354721}"/>
               </a:ext>
               <a:ext uri="{C183D7F6-B498-43B3-948B-1728B52AA6E4}">
-                <adec:decorative xmlns:adec="http://schemas.microsoft.com/office/drawing/2017/decorative" val="1"/>
+                <adec:decorative xmlns:adec="http://schemas.microsoft.com/office/drawing/2017/decorative" xmlns="" val="1"/>
               </a:ext>
             </a:extLst>
           </p:cNvPr>
@@ -22367,7 +22436,7 @@
                 <a16:creationId xmlns:a16="http://schemas.microsoft.com/office/drawing/2014/main" id="{989BE678-777B-482A-A616-FEDC47B162E5}"/>
               </a:ext>
               <a:ext uri="{C183D7F6-B498-43B3-948B-1728B52AA6E4}">
-                <adec:decorative xmlns:adec="http://schemas.microsoft.com/office/drawing/2017/decorative" val="1"/>
+                <adec:decorative xmlns:adec="http://schemas.microsoft.com/office/drawing/2017/decorative" xmlns="" val="1"/>
               </a:ext>
             </a:extLst>
           </p:cNvPr>
@@ -22447,7 +22516,7 @@
                 <a16:creationId xmlns:a16="http://schemas.microsoft.com/office/drawing/2014/main" id="{CF1EB4BD-9C7E-4AA3-9681-C7EB0DA6250B}"/>
               </a:ext>
               <a:ext uri="{C183D7F6-B498-43B3-948B-1728B52AA6E4}">
-                <adec:decorative xmlns:adec="http://schemas.microsoft.com/office/drawing/2017/decorative" val="1"/>
+                <adec:decorative xmlns:adec="http://schemas.microsoft.com/office/drawing/2017/decorative" xmlns="" val="1"/>
               </a:ext>
             </a:extLst>
           </p:cNvPr>
@@ -22491,7 +22560,7 @@
                 <a16:creationId xmlns:a16="http://schemas.microsoft.com/office/drawing/2014/main" id="{94AAE3AA-3759-4D28-B0EF-575F25A5146C}"/>
               </a:ext>
               <a:ext uri="{C183D7F6-B498-43B3-948B-1728B52AA6E4}">
-                <adec:decorative xmlns:adec="http://schemas.microsoft.com/office/drawing/2017/decorative" val="1"/>
+                <adec:decorative xmlns:adec="http://schemas.microsoft.com/office/drawing/2017/decorative" xmlns="" val="1"/>
               </a:ext>
             </a:extLst>
           </p:cNvPr>
@@ -22535,7 +22604,7 @@
                 <a16:creationId xmlns:a16="http://schemas.microsoft.com/office/drawing/2014/main" id="{D28BE0C3-2102-4820-B88B-A448B1840D14}"/>
               </a:ext>
               <a:ext uri="{C183D7F6-B498-43B3-948B-1728B52AA6E4}">
-                <adec:decorative xmlns:adec="http://schemas.microsoft.com/office/drawing/2017/decorative" val="1"/>
+                <adec:decorative xmlns:adec="http://schemas.microsoft.com/office/drawing/2017/decorative" xmlns="" val="1"/>
               </a:ext>
             </a:extLst>
           </p:cNvPr>
@@ -22617,13 +22686,7 @@
       </p:sp>
       <p:pic>
         <p:nvPicPr>
-          <p:cNvPr id="5" name="Content Placeholder 4">
-            <a:extLst>
-              <a:ext uri="{FF2B5EF4-FFF2-40B4-BE49-F238E27FC236}">
-                <a16:creationId xmlns:a16="http://schemas.microsoft.com/office/drawing/2014/main" id="{637B6366-D600-A5CB-78E2-A9FBF69A7D6C}"/>
-              </a:ext>
-            </a:extLst>
-          </p:cNvPr>
+          <p:cNvPr id="4" name="Tartalom helye 3"/>
           <p:cNvPicPr>
             <a:picLocks noGrp="1" noChangeAspect="1"/>
           </p:cNvPicPr>
@@ -22632,25 +22695,22 @@
           </p:nvPr>
         </p:nvPicPr>
         <p:blipFill>
-          <a:blip r:embed="rId7"/>
-          <a:srcRect r="5759" b="-2"/>
-          <a:stretch/>
+          <a:blip r:embed="rId7">
+            <a:extLst>
+              <a:ext uri="{28A0092B-C50C-407E-A947-70E740481C1C}">
+                <a14:useLocalDpi xmlns:a14="http://schemas.microsoft.com/office/drawing/2010/main" val="0"/>
+              </a:ext>
+            </a:extLst>
+          </a:blip>
+          <a:stretch>
+            <a:fillRect/>
+          </a:stretch>
         </p:blipFill>
         <p:spPr>
           <a:xfrm>
-            <a:off x="607848" y="177891"/>
-            <a:ext cx="7478102" cy="6070508"/>
+            <a:off x="937547" y="2047361"/>
+            <a:ext cx="5917173" cy="3474795"/>
           </a:xfrm>
-          <a:prstGeom prst="rect">
-            <a:avLst/>
-          </a:prstGeom>
-          <a:effectLst>
-            <a:outerShdw blurRad="50800" dist="38100" dir="5400000" algn="t" rotWithShape="0">
-              <a:prstClr val="black">
-                <a:alpha val="43000"/>
-              </a:prstClr>
-            </a:outerShdw>
-          </a:effectLst>
         </p:spPr>
       </p:pic>
     </p:spTree>
@@ -22970,7 +23030,7 @@
                 <a16:creationId xmlns:a16="http://schemas.microsoft.com/office/drawing/2014/main" id="{41B68C77-138E-4BF7-A276-BD0C78A4219F}"/>
               </a:ext>
               <a:ext uri="{C183D7F6-B498-43B3-948B-1728B52AA6E4}">
-                <adec:decorative xmlns:adec="http://schemas.microsoft.com/office/drawing/2017/decorative" val="1"/>
+                <adec:decorative xmlns:adec="http://schemas.microsoft.com/office/drawing/2017/decorative" xmlns="" val="1"/>
               </a:ext>
             </a:extLst>
           </p:cNvPr>
@@ -23014,7 +23074,7 @@
                 <a16:creationId xmlns:a16="http://schemas.microsoft.com/office/drawing/2014/main" id="{7C268552-D473-46ED-B1B8-422042C4DEF1}"/>
               </a:ext>
               <a:ext uri="{C183D7F6-B498-43B3-948B-1728B52AA6E4}">
-                <adec:decorative xmlns:adec="http://schemas.microsoft.com/office/drawing/2017/decorative" val="1"/>
+                <adec:decorative xmlns:adec="http://schemas.microsoft.com/office/drawing/2017/decorative" xmlns="" val="1"/>
               </a:ext>
             </a:extLst>
           </p:cNvPr>
@@ -23058,7 +23118,7 @@
                 <a16:creationId xmlns:a16="http://schemas.microsoft.com/office/drawing/2014/main" id="{4AC0CD9D-7610-4620-93B4-798CCD9AB581}"/>
               </a:ext>
               <a:ext uri="{C183D7F6-B498-43B3-948B-1728B52AA6E4}">
-                <adec:decorative xmlns:adec="http://schemas.microsoft.com/office/drawing/2017/decorative" val="1"/>
+                <adec:decorative xmlns:adec="http://schemas.microsoft.com/office/drawing/2017/decorative" xmlns="" val="1"/>
               </a:ext>
             </a:extLst>
           </p:cNvPr>
@@ -23138,7 +23198,7 @@
                 <a16:creationId xmlns:a16="http://schemas.microsoft.com/office/drawing/2014/main" id="{B9238B3E-24AA-439A-B527-6C5DF6D72145}"/>
               </a:ext>
               <a:ext uri="{C183D7F6-B498-43B3-948B-1728B52AA6E4}">
-                <adec:decorative xmlns:adec="http://schemas.microsoft.com/office/drawing/2017/decorative" val="1"/>
+                <adec:decorative xmlns:adec="http://schemas.microsoft.com/office/drawing/2017/decorative" xmlns="" val="1"/>
               </a:ext>
             </a:extLst>
           </p:cNvPr>
@@ -23182,7 +23242,7 @@
                 <a16:creationId xmlns:a16="http://schemas.microsoft.com/office/drawing/2014/main" id="{69F01145-BEA3-4CBF-AA21-10077B948CA8}"/>
               </a:ext>
               <a:ext uri="{C183D7F6-B498-43B3-948B-1728B52AA6E4}">
-                <adec:decorative xmlns:adec="http://schemas.microsoft.com/office/drawing/2017/decorative" val="1"/>
+                <adec:decorative xmlns:adec="http://schemas.microsoft.com/office/drawing/2017/decorative" xmlns="" val="1"/>
               </a:ext>
             </a:extLst>
           </p:cNvPr>
@@ -23226,7 +23286,7 @@
                 <a16:creationId xmlns:a16="http://schemas.microsoft.com/office/drawing/2014/main" id="{DE4D62F9-188E-4530-84C2-24BDEE4BEB82}"/>
               </a:ext>
               <a:ext uri="{C183D7F6-B498-43B3-948B-1728B52AA6E4}">
-                <adec:decorative xmlns:adec="http://schemas.microsoft.com/office/drawing/2017/decorative" val="1"/>
+                <adec:decorative xmlns:adec="http://schemas.microsoft.com/office/drawing/2017/decorative" xmlns="" val="1"/>
               </a:ext>
             </a:extLst>
           </p:cNvPr>
@@ -23279,7 +23339,7 @@
                 <a16:creationId xmlns:a16="http://schemas.microsoft.com/office/drawing/2014/main" id="{757B325C-3E35-45CF-9D07-3BCB281F3B9C}"/>
               </a:ext>
               <a:ext uri="{C183D7F6-B498-43B3-948B-1728B52AA6E4}">
-                <adec:decorative xmlns:adec="http://schemas.microsoft.com/office/drawing/2017/decorative" val="1"/>
+                <adec:decorative xmlns:adec="http://schemas.microsoft.com/office/drawing/2017/decorative" xmlns="" val="1"/>
               </a:ext>
             </a:extLst>
           </p:cNvPr>
@@ -23386,7 +23446,7 @@
                 <a16:creationId xmlns:a16="http://schemas.microsoft.com/office/drawing/2014/main" id="{C24BEC42-AFF3-40D1-93A2-A27A42E1E23C}"/>
               </a:ext>
               <a:ext uri="{C183D7F6-B498-43B3-948B-1728B52AA6E4}">
-                <adec:decorative xmlns:adec="http://schemas.microsoft.com/office/drawing/2017/decorative" val="1"/>
+                <adec:decorative xmlns:adec="http://schemas.microsoft.com/office/drawing/2017/decorative" xmlns="" val="1"/>
               </a:ext>
             </a:extLst>
           </p:cNvPr>
@@ -23738,7 +23798,7 @@
                 <a16:creationId xmlns:a16="http://schemas.microsoft.com/office/drawing/2014/main" id="{608F427C-1EC9-4280-9367-F2B3AA063E82}"/>
               </a:ext>
               <a:ext uri="{C183D7F6-B498-43B3-948B-1728B52AA6E4}">
-                <adec:decorative xmlns:adec="http://schemas.microsoft.com/office/drawing/2017/decorative" val="1"/>
+                <adec:decorative xmlns:adec="http://schemas.microsoft.com/office/drawing/2017/decorative" xmlns="" val="1"/>
               </a:ext>
             </a:extLst>
           </p:cNvPr>
@@ -24227,7 +24287,7 @@
                 <a16:creationId xmlns:a16="http://schemas.microsoft.com/office/drawing/2014/main" id="{F98810A7-E114-447A-A7D6-69B27CFB5650}"/>
               </a:ext>
               <a:ext uri="{C183D7F6-B498-43B3-948B-1728B52AA6E4}">
-                <adec:decorative xmlns:adec="http://schemas.microsoft.com/office/drawing/2017/decorative" val="1"/>
+                <adec:decorative xmlns:adec="http://schemas.microsoft.com/office/drawing/2017/decorative" xmlns="" val="1"/>
               </a:ext>
             </a:extLst>
           </p:cNvPr>

--- a/Tacos KFT.pptx
+++ b/Tacos KFT.pptx
@@ -19,7 +19,6 @@
     <p:sldId id="267" r:id="rId13"/>
     <p:sldId id="268" r:id="rId14"/>
     <p:sldId id="266" r:id="rId15"/>
-    <p:sldId id="270" r:id="rId16"/>
   </p:sldIdLst>
   <p:sldSz cx="12192000" cy="6858000"/>
   <p:notesSz cx="6858000" cy="9144000"/>
@@ -11786,74 +11785,6 @@
 </p:sld>
 </file>
 
-<file path=ppt/slides/slide15.xml><?xml version="1.0" encoding="utf-8"?>
-<p:sld xmlns:a="http://schemas.openxmlformats.org/drawingml/2006/main" xmlns:r="http://schemas.openxmlformats.org/officeDocument/2006/relationships" xmlns:p="http://schemas.openxmlformats.org/presentationml/2006/main">
-  <p:cSld>
-    <p:spTree>
-      <p:nvGrpSpPr>
-        <p:cNvPr id="1" name=""/>
-        <p:cNvGrpSpPr/>
-        <p:nvPr/>
-      </p:nvGrpSpPr>
-      <p:grpSpPr>
-        <a:xfrm>
-          <a:off x="0" y="0"/>
-          <a:ext cx="0" cy="0"/>
-          <a:chOff x="0" y="0"/>
-          <a:chExt cx="0" cy="0"/>
-        </a:xfrm>
-      </p:grpSpPr>
-      <p:sp>
-        <p:nvSpPr>
-          <p:cNvPr id="2" name="Cím 1"/>
-          <p:cNvSpPr>
-            <a:spLocks noGrp="1"/>
-          </p:cNvSpPr>
-          <p:nvPr>
-            <p:ph type="title"/>
-          </p:nvPr>
-        </p:nvSpPr>
-        <p:spPr/>
-        <p:txBody>
-          <a:bodyPr/>
-          <a:lstStyle/>
-          <a:p>
-            <a:endParaRPr lang="hu-HU"/>
-          </a:p>
-        </p:txBody>
-      </p:sp>
-      <p:sp>
-        <p:nvSpPr>
-          <p:cNvPr id="3" name="Tartalom helye 2"/>
-          <p:cNvSpPr>
-            <a:spLocks noGrp="1"/>
-          </p:cNvSpPr>
-          <p:nvPr>
-            <p:ph idx="1"/>
-          </p:nvPr>
-        </p:nvSpPr>
-        <p:spPr/>
-        <p:txBody>
-          <a:bodyPr/>
-          <a:lstStyle/>
-          <a:p>
-            <a:endParaRPr lang="hu-HU"/>
-          </a:p>
-        </p:txBody>
-      </p:sp>
-    </p:spTree>
-    <p:extLst>
-      <p:ext uri="{BB962C8B-B14F-4D97-AF65-F5344CB8AC3E}">
-        <p14:creationId xmlns:p14="http://schemas.microsoft.com/office/powerpoint/2010/main" val="125694273"/>
-      </p:ext>
-    </p:extLst>
-  </p:cSld>
-  <p:clrMapOvr>
-    <a:masterClrMapping/>
-  </p:clrMapOvr>
-</p:sld>
-</file>
-
 <file path=ppt/slides/slide2.xml><?xml version="1.0" encoding="utf-8"?>
 <p:sld xmlns:a="http://schemas.openxmlformats.org/drawingml/2006/main" xmlns:r="http://schemas.openxmlformats.org/officeDocument/2006/relationships" xmlns:p="http://schemas.openxmlformats.org/presentationml/2006/main">
   <p:cSld>
@@ -12665,39 +12596,6 @@
           </a:p>
         </p:txBody>
       </p:sp>
-      <p:pic>
-        <p:nvPicPr>
-          <p:cNvPr id="5" name="Content Placeholder 4">
-            <a:extLst>
-              <a:ext uri="{FF2B5EF4-FFF2-40B4-BE49-F238E27FC236}">
-                <a16:creationId xmlns:a16="http://schemas.microsoft.com/office/drawing/2014/main" id="{EDEC7AA6-57D5-7A92-595D-AD282845DB95}"/>
-              </a:ext>
-            </a:extLst>
-          </p:cNvPr>
-          <p:cNvPicPr>
-            <a:picLocks noGrp="1" noChangeAspect="1"/>
-          </p:cNvPicPr>
-          <p:nvPr>
-            <p:ph idx="1"/>
-          </p:nvPr>
-        </p:nvPicPr>
-        <p:blipFill>
-          <a:blip r:embed="rId6"/>
-          <a:stretch>
-            <a:fillRect/>
-          </a:stretch>
-        </p:blipFill>
-        <p:spPr>
-          <a:xfrm>
-            <a:off x="635458" y="6359"/>
-            <a:ext cx="10001440" cy="3925566"/>
-          </a:xfrm>
-          <a:prstGeom prst="rect">
-            <a:avLst/>
-          </a:prstGeom>
-          <a:effectLst/>
-        </p:spPr>
-      </p:pic>
       <p:sp>
         <p:nvSpPr>
           <p:cNvPr id="28" name="Freeform: Shape 27">
@@ -13235,6 +13133,35 @@
           </a:p>
         </p:txBody>
       </p:sp>
+      <p:pic>
+        <p:nvPicPr>
+          <p:cNvPr id="4" name="Tartalom helye 3"/>
+          <p:cNvPicPr>
+            <a:picLocks noGrp="1" noChangeAspect="1"/>
+          </p:cNvPicPr>
+          <p:nvPr>
+            <p:ph idx="1"/>
+          </p:nvPr>
+        </p:nvPicPr>
+        <p:blipFill>
+          <a:blip r:embed="rId6">
+            <a:extLst>
+              <a:ext uri="{28A0092B-C50C-407E-A947-70E740481C1C}">
+                <a14:useLocalDpi xmlns:a14="http://schemas.microsoft.com/office/drawing/2010/main" val="0"/>
+              </a:ext>
+            </a:extLst>
+          </a:blip>
+          <a:stretch>
+            <a:fillRect/>
+          </a:stretch>
+        </p:blipFill>
+        <p:spPr>
+          <a:xfrm>
+            <a:off x="1071562" y="521214"/>
+            <a:ext cx="8947150" cy="3321612"/>
+          </a:xfrm>
+        </p:spPr>
+      </p:pic>
     </p:spTree>
     <p:extLst>
       <p:ext uri="{BB962C8B-B14F-4D97-AF65-F5344CB8AC3E}">
@@ -21135,7 +21062,7 @@
             <p:ph idx="1"/>
             <p:extLst>
               <p:ext uri="{D42A27DB-BD31-4B8C-83A1-F6EECF244321}">
-                <p14:modId xmlns:p14="http://schemas.microsoft.com/office/powerpoint/2010/main" val="790522815"/>
+                <p14:modId xmlns:p14="http://schemas.microsoft.com/office/powerpoint/2010/main" val="12074889"/>
               </p:ext>
             </p:extLst>
           </p:nvPr>
@@ -21479,12 +21406,12 @@
                         </a:spcAft>
                       </a:pPr>
                       <a:r>
-                        <a:rPr lang="hu-HU" sz="1800" dirty="0" smtClean="0">
+                        <a:rPr lang="hu-HU" sz="1800">
                           <a:effectLst/>
                         </a:rPr>
-                        <a:t>Fa0/5,Fa0/10</a:t>
+                        <a:t>Fa0/5,Fa0/10,Fa0/3</a:t>
                       </a:r>
-                      <a:endParaRPr lang="hu-HU" sz="1100" dirty="0">
+                      <a:endParaRPr lang="hu-HU" sz="1100">
                         <a:effectLst/>
                         <a:latin typeface="Calibri" panose="020F0502020204030204" pitchFamily="34" charset="0"/>
                         <a:ea typeface="Calibri" panose="020F0502020204030204" pitchFamily="34" charset="0"/>
@@ -22686,7 +22613,13 @@
       </p:sp>
       <p:pic>
         <p:nvPicPr>
-          <p:cNvPr id="4" name="Tartalom helye 3"/>
+          <p:cNvPr id="5" name="Content Placeholder 4">
+            <a:extLst>
+              <a:ext uri="{FF2B5EF4-FFF2-40B4-BE49-F238E27FC236}">
+                <a16:creationId xmlns:a16="http://schemas.microsoft.com/office/drawing/2014/main" id="{637B6366-D600-A5CB-78E2-A9FBF69A7D6C}"/>
+              </a:ext>
+            </a:extLst>
+          </p:cNvPr>
           <p:cNvPicPr>
             <a:picLocks noGrp="1" noChangeAspect="1"/>
           </p:cNvPicPr>
@@ -22695,22 +22628,25 @@
           </p:nvPr>
         </p:nvPicPr>
         <p:blipFill>
-          <a:blip r:embed="rId7">
-            <a:extLst>
-              <a:ext uri="{28A0092B-C50C-407E-A947-70E740481C1C}">
-                <a14:useLocalDpi xmlns:a14="http://schemas.microsoft.com/office/drawing/2010/main" val="0"/>
-              </a:ext>
-            </a:extLst>
-          </a:blip>
-          <a:stretch>
-            <a:fillRect/>
-          </a:stretch>
+          <a:blip r:embed="rId7"/>
+          <a:srcRect r="5759" b="-2"/>
+          <a:stretch/>
         </p:blipFill>
         <p:spPr>
           <a:xfrm>
-            <a:off x="937547" y="2047361"/>
-            <a:ext cx="5917173" cy="3474795"/>
+            <a:off x="607848" y="177891"/>
+            <a:ext cx="7478102" cy="6070508"/>
           </a:xfrm>
+          <a:prstGeom prst="rect">
+            <a:avLst/>
+          </a:prstGeom>
+          <a:effectLst>
+            <a:outerShdw blurRad="50800" dist="38100" dir="5400000" algn="t" rotWithShape="0">
+              <a:prstClr val="black">
+                <a:alpha val="43000"/>
+              </a:prstClr>
+            </a:outerShdw>
+          </a:effectLst>
         </p:spPr>
       </p:pic>
     </p:spTree>

--- a/Tacos KFT.pptx
+++ b/Tacos KFT.pptx
@@ -18,7 +18,11 @@
     <p:sldId id="265" r:id="rId12"/>
     <p:sldId id="267" r:id="rId13"/>
     <p:sldId id="268" r:id="rId14"/>
-    <p:sldId id="266" r:id="rId15"/>
+    <p:sldId id="274" r:id="rId15"/>
+    <p:sldId id="270" r:id="rId16"/>
+    <p:sldId id="271" r:id="rId17"/>
+    <p:sldId id="272" r:id="rId18"/>
+    <p:sldId id="273" r:id="rId19"/>
   </p:sldIdLst>
   <p:sldSz cx="12192000" cy="6858000"/>
   <p:notesSz cx="6858000" cy="9144000"/>
@@ -128,13 +132,603 @@
 <file path=ppt/revisionInfo.xml><?xml version="1.0" encoding="utf-8"?>
 <p1510:revInfo xmlns:a="http://schemas.openxmlformats.org/drawingml/2006/main" xmlns:r="http://schemas.openxmlformats.org/officeDocument/2006/relationships" xmlns:p1510="http://schemas.microsoft.com/office/powerpoint/2015/10/main">
   <p1510:revLst>
-    <p1510:client id="{4B492C43-68EB-434E-B722-B261FC6B55E6}" v="1" dt="2024-10-28T14:12:07.258"/>
+    <p1510:client id="{4E50BE8F-85D8-4310-B6A2-2AE5379EC6C4}" v="278" dt="2024-12-08T16:51:04.769"/>
   </p1510:revLst>
 </p1510:revInfo>
 </file>
 
 <file path=ppt/changesInfos/changesInfo1.xml><?xml version="1.0" encoding="utf-8"?>
 <pc:chgInfo xmlns:a="http://schemas.openxmlformats.org/drawingml/2006/main" xmlns:r="http://schemas.openxmlformats.org/officeDocument/2006/relationships" xmlns:ac="http://schemas.microsoft.com/office/drawing/2013/main/command" xmlns:pc="http://schemas.microsoft.com/office/powerpoint/2013/main/command">
+  <pc:docChgLst>
+    <pc:chgData name="Lajka Kristóf" userId="5e6963896e59b084" providerId="Windows Live" clId="Web-{4E50BE8F-85D8-4310-B6A2-2AE5379EC6C4}"/>
+    <pc:docChg chg="addSld delSld modSld">
+      <pc:chgData name="Lajka Kristóf" userId="5e6963896e59b084" providerId="Windows Live" clId="Web-{4E50BE8F-85D8-4310-B6A2-2AE5379EC6C4}" dt="2024-12-08T16:51:01.737" v="215" actId="20577"/>
+      <pc:docMkLst>
+        <pc:docMk/>
+      </pc:docMkLst>
+      <pc:sldChg chg="modSp modTransition">
+        <pc:chgData name="Lajka Kristóf" userId="5e6963896e59b084" providerId="Windows Live" clId="Web-{4E50BE8F-85D8-4310-B6A2-2AE5379EC6C4}" dt="2024-12-08T16:51:01.737" v="215" actId="20577"/>
+        <pc:sldMkLst>
+          <pc:docMk/>
+          <pc:sldMk cId="2767495509" sldId="256"/>
+        </pc:sldMkLst>
+        <pc:spChg chg="mod">
+          <ac:chgData name="Lajka Kristóf" userId="5e6963896e59b084" providerId="Windows Live" clId="Web-{4E50BE8F-85D8-4310-B6A2-2AE5379EC6C4}" dt="2024-12-08T16:51:01.737" v="215" actId="20577"/>
+          <ac:spMkLst>
+            <pc:docMk/>
+            <pc:sldMk cId="2767495509" sldId="256"/>
+            <ac:spMk id="3" creationId="{54D4C20F-123D-D2B9-9177-1765761C4662}"/>
+          </ac:spMkLst>
+        </pc:spChg>
+      </pc:sldChg>
+      <pc:sldChg chg="addSp delSp modSp modTransition">
+        <pc:chgData name="Lajka Kristóf" userId="5e6963896e59b084" providerId="Windows Live" clId="Web-{4E50BE8F-85D8-4310-B6A2-2AE5379EC6C4}" dt="2024-12-08T16:49:39.204" v="137"/>
+        <pc:sldMkLst>
+          <pc:docMk/>
+          <pc:sldMk cId="3563977590" sldId="257"/>
+        </pc:sldMkLst>
+        <pc:spChg chg="add del mod">
+          <ac:chgData name="Lajka Kristóf" userId="5e6963896e59b084" providerId="Windows Live" clId="Web-{4E50BE8F-85D8-4310-B6A2-2AE5379EC6C4}" dt="2024-12-08T16:48:42.343" v="132"/>
+          <ac:spMkLst>
+            <pc:docMk/>
+            <pc:sldMk cId="3563977590" sldId="257"/>
+            <ac:spMk id="5" creationId="{4189A19E-FB70-A161-CBCA-501633CA0172}"/>
+          </ac:spMkLst>
+        </pc:spChg>
+        <pc:picChg chg="del">
+          <ac:chgData name="Lajka Kristóf" userId="5e6963896e59b084" providerId="Windows Live" clId="Web-{4E50BE8F-85D8-4310-B6A2-2AE5379EC6C4}" dt="2024-12-08T16:48:36.687" v="131"/>
+          <ac:picMkLst>
+            <pc:docMk/>
+            <pc:sldMk cId="3563977590" sldId="257"/>
+            <ac:picMk id="4" creationId="{00000000-0000-0000-0000-000000000000}"/>
+          </ac:picMkLst>
+        </pc:picChg>
+        <pc:picChg chg="add mod ord">
+          <ac:chgData name="Lajka Kristóf" userId="5e6963896e59b084" providerId="Windows Live" clId="Web-{4E50BE8F-85D8-4310-B6A2-2AE5379EC6C4}" dt="2024-12-08T16:48:46.203" v="135" actId="1076"/>
+          <ac:picMkLst>
+            <pc:docMk/>
+            <pc:sldMk cId="3563977590" sldId="257"/>
+            <ac:picMk id="6" creationId="{A2AD99EF-3E5A-B136-974C-CDD6DBB0B262}"/>
+          </ac:picMkLst>
+        </pc:picChg>
+      </pc:sldChg>
+      <pc:sldChg chg="modSp modTransition">
+        <pc:chgData name="Lajka Kristóf" userId="5e6963896e59b084" providerId="Windows Live" clId="Web-{4E50BE8F-85D8-4310-B6A2-2AE5379EC6C4}" dt="2024-12-08T16:49:39.204" v="138"/>
+        <pc:sldMkLst>
+          <pc:docMk/>
+          <pc:sldMk cId="937931457" sldId="258"/>
+        </pc:sldMkLst>
+        <pc:spChg chg="mod">
+          <ac:chgData name="Lajka Kristóf" userId="5e6963896e59b084" providerId="Windows Live" clId="Web-{4E50BE8F-85D8-4310-B6A2-2AE5379EC6C4}" dt="2024-12-08T16:42:51.945" v="0" actId="20577"/>
+          <ac:spMkLst>
+            <pc:docMk/>
+            <pc:sldMk cId="937931457" sldId="258"/>
+            <ac:spMk id="2" creationId="{246AD40C-266C-4A97-150C-152951D17D07}"/>
+          </ac:spMkLst>
+        </pc:spChg>
+        <pc:graphicFrameChg chg="mod">
+          <ac:chgData name="Lajka Kristóf" userId="5e6963896e59b084" providerId="Windows Live" clId="Web-{4E50BE8F-85D8-4310-B6A2-2AE5379EC6C4}" dt="2024-12-08T16:43:04.726" v="1" actId="1076"/>
+          <ac:graphicFrameMkLst>
+            <pc:docMk/>
+            <pc:sldMk cId="937931457" sldId="258"/>
+            <ac:graphicFrameMk id="4" creationId="{79F6BA40-39FD-AD63-6F9A-3365B3EC0624}"/>
+          </ac:graphicFrameMkLst>
+        </pc:graphicFrameChg>
+      </pc:sldChg>
+      <pc:sldChg chg="modTransition">
+        <pc:chgData name="Lajka Kristóf" userId="5e6963896e59b084" providerId="Windows Live" clId="Web-{4E50BE8F-85D8-4310-B6A2-2AE5379EC6C4}" dt="2024-12-08T16:49:39.204" v="139"/>
+        <pc:sldMkLst>
+          <pc:docMk/>
+          <pc:sldMk cId="280766078" sldId="259"/>
+        </pc:sldMkLst>
+      </pc:sldChg>
+      <pc:sldChg chg="modSp modTransition">
+        <pc:chgData name="Lajka Kristóf" userId="5e6963896e59b084" providerId="Windows Live" clId="Web-{4E50BE8F-85D8-4310-B6A2-2AE5379EC6C4}" dt="2024-12-08T16:49:39.220" v="146"/>
+        <pc:sldMkLst>
+          <pc:docMk/>
+          <pc:sldMk cId="3549832733" sldId="260"/>
+        </pc:sldMkLst>
+        <pc:spChg chg="mod">
+          <ac:chgData name="Lajka Kristóf" userId="5e6963896e59b084" providerId="Windows Live" clId="Web-{4E50BE8F-85D8-4310-B6A2-2AE5379EC6C4}" dt="2024-12-08T16:43:45.993" v="29" actId="20577"/>
+          <ac:spMkLst>
+            <pc:docMk/>
+            <pc:sldMk cId="3549832733" sldId="260"/>
+            <ac:spMk id="2" creationId="{B81CF1FE-76C1-59B3-DBAD-798DE6AA0ACE}"/>
+          </ac:spMkLst>
+        </pc:spChg>
+      </pc:sldChg>
+      <pc:sldChg chg="modSp modTransition">
+        <pc:chgData name="Lajka Kristóf" userId="5e6963896e59b084" providerId="Windows Live" clId="Web-{4E50BE8F-85D8-4310-B6A2-2AE5379EC6C4}" dt="2024-12-08T16:49:39.204" v="140"/>
+        <pc:sldMkLst>
+          <pc:docMk/>
+          <pc:sldMk cId="2443191679" sldId="261"/>
+        </pc:sldMkLst>
+        <pc:graphicFrameChg chg="mod modGraphic">
+          <ac:chgData name="Lajka Kristóf" userId="5e6963896e59b084" providerId="Windows Live" clId="Web-{4E50BE8F-85D8-4310-B6A2-2AE5379EC6C4}" dt="2024-12-08T16:43:19.570" v="27"/>
+          <ac:graphicFrameMkLst>
+            <pc:docMk/>
+            <pc:sldMk cId="2443191679" sldId="261"/>
+            <ac:graphicFrameMk id="4" creationId="{9BD286FC-C965-9CB9-D4A6-DA0B276CE2E1}"/>
+          </ac:graphicFrameMkLst>
+        </pc:graphicFrameChg>
+      </pc:sldChg>
+      <pc:sldChg chg="modTransition">
+        <pc:chgData name="Lajka Kristóf" userId="5e6963896e59b084" providerId="Windows Live" clId="Web-{4E50BE8F-85D8-4310-B6A2-2AE5379EC6C4}" dt="2024-12-08T16:49:39.220" v="142"/>
+        <pc:sldMkLst>
+          <pc:docMk/>
+          <pc:sldMk cId="590870679" sldId="262"/>
+        </pc:sldMkLst>
+      </pc:sldChg>
+      <pc:sldChg chg="modTransition">
+        <pc:chgData name="Lajka Kristóf" userId="5e6963896e59b084" providerId="Windows Live" clId="Web-{4E50BE8F-85D8-4310-B6A2-2AE5379EC6C4}" dt="2024-12-08T16:49:39.220" v="144"/>
+        <pc:sldMkLst>
+          <pc:docMk/>
+          <pc:sldMk cId="410447792" sldId="263"/>
+        </pc:sldMkLst>
+      </pc:sldChg>
+      <pc:sldChg chg="modTransition">
+        <pc:chgData name="Lajka Kristóf" userId="5e6963896e59b084" providerId="Windows Live" clId="Web-{4E50BE8F-85D8-4310-B6A2-2AE5379EC6C4}" dt="2024-12-08T16:49:39.204" v="141"/>
+        <pc:sldMkLst>
+          <pc:docMk/>
+          <pc:sldMk cId="1164550516" sldId="264"/>
+        </pc:sldMkLst>
+      </pc:sldChg>
+      <pc:sldChg chg="modTransition">
+        <pc:chgData name="Lajka Kristóf" userId="5e6963896e59b084" providerId="Windows Live" clId="Web-{4E50BE8F-85D8-4310-B6A2-2AE5379EC6C4}" dt="2024-12-08T16:49:39.220" v="145"/>
+        <pc:sldMkLst>
+          <pc:docMk/>
+          <pc:sldMk cId="2015113315" sldId="265"/>
+        </pc:sldMkLst>
+      </pc:sldChg>
+      <pc:sldChg chg="del">
+        <pc:chgData name="Lajka Kristóf" userId="5e6963896e59b084" providerId="Windows Live" clId="Web-{4E50BE8F-85D8-4310-B6A2-2AE5379EC6C4}" dt="2024-12-08T16:48:04.843" v="130"/>
+        <pc:sldMkLst>
+          <pc:docMk/>
+          <pc:sldMk cId="3738045926" sldId="266"/>
+        </pc:sldMkLst>
+      </pc:sldChg>
+      <pc:sldChg chg="modTransition">
+        <pc:chgData name="Lajka Kristóf" userId="5e6963896e59b084" providerId="Windows Live" clId="Web-{4E50BE8F-85D8-4310-B6A2-2AE5379EC6C4}" dt="2024-12-08T16:49:39.220" v="147"/>
+        <pc:sldMkLst>
+          <pc:docMk/>
+          <pc:sldMk cId="3658396111" sldId="267"/>
+        </pc:sldMkLst>
+      </pc:sldChg>
+      <pc:sldChg chg="modTransition">
+        <pc:chgData name="Lajka Kristóf" userId="5e6963896e59b084" providerId="Windows Live" clId="Web-{4E50BE8F-85D8-4310-B6A2-2AE5379EC6C4}" dt="2024-12-08T16:49:39.220" v="148"/>
+        <pc:sldMkLst>
+          <pc:docMk/>
+          <pc:sldMk cId="3887096853" sldId="268"/>
+        </pc:sldMkLst>
+      </pc:sldChg>
+      <pc:sldChg chg="modTransition">
+        <pc:chgData name="Lajka Kristóf" userId="5e6963896e59b084" providerId="Windows Live" clId="Web-{4E50BE8F-85D8-4310-B6A2-2AE5379EC6C4}" dt="2024-12-08T16:49:39.220" v="143"/>
+        <pc:sldMkLst>
+          <pc:docMk/>
+          <pc:sldMk cId="841456012" sldId="269"/>
+        </pc:sldMkLst>
+      </pc:sldChg>
+      <pc:sldChg chg="modSp new mod modTransition modClrScheme chgLayout">
+        <pc:chgData name="Lajka Kristóf" userId="5e6963896e59b084" providerId="Windows Live" clId="Web-{4E50BE8F-85D8-4310-B6A2-2AE5379EC6C4}" dt="2024-12-08T16:49:39.220" v="150"/>
+        <pc:sldMkLst>
+          <pc:docMk/>
+          <pc:sldMk cId="1237153563" sldId="270"/>
+        </pc:sldMkLst>
+        <pc:spChg chg="mod ord">
+          <ac:chgData name="Lajka Kristóf" userId="5e6963896e59b084" providerId="Windows Live" clId="Web-{4E50BE8F-85D8-4310-B6A2-2AE5379EC6C4}" dt="2024-12-08T16:44:20.822" v="39" actId="20577"/>
+          <ac:spMkLst>
+            <pc:docMk/>
+            <pc:sldMk cId="1237153563" sldId="270"/>
+            <ac:spMk id="2" creationId="{9804002F-AA49-383E-62E5-209DA41913F3}"/>
+          </ac:spMkLst>
+        </pc:spChg>
+        <pc:spChg chg="mod ord">
+          <ac:chgData name="Lajka Kristóf" userId="5e6963896e59b084" providerId="Windows Live" clId="Web-{4E50BE8F-85D8-4310-B6A2-2AE5379EC6C4}" dt="2024-12-08T16:44:16.275" v="31"/>
+          <ac:spMkLst>
+            <pc:docMk/>
+            <pc:sldMk cId="1237153563" sldId="270"/>
+            <ac:spMk id="3" creationId="{CB47C6EC-371E-FBEB-5ABF-0010B3C7FFC7}"/>
+          </ac:spMkLst>
+        </pc:spChg>
+      </pc:sldChg>
+      <pc:sldChg chg="addSp delSp modSp new mod modTransition setBg setClrOvrMap">
+        <pc:chgData name="Lajka Kristóf" userId="5e6963896e59b084" providerId="Windows Live" clId="Web-{4E50BE8F-85D8-4310-B6A2-2AE5379EC6C4}" dt="2024-12-08T16:49:39.220" v="151"/>
+        <pc:sldMkLst>
+          <pc:docMk/>
+          <pc:sldMk cId="1348046584" sldId="271"/>
+        </pc:sldMkLst>
+        <pc:spChg chg="mod ord">
+          <ac:chgData name="Lajka Kristóf" userId="5e6963896e59b084" providerId="Windows Live" clId="Web-{4E50BE8F-85D8-4310-B6A2-2AE5379EC6C4}" dt="2024-12-08T16:44:54.526" v="51"/>
+          <ac:spMkLst>
+            <pc:docMk/>
+            <pc:sldMk cId="1348046584" sldId="271"/>
+            <ac:spMk id="2" creationId="{8ED38882-1869-61D0-EE85-ED4502E0B577}"/>
+          </ac:spMkLst>
+        </pc:spChg>
+        <pc:spChg chg="del">
+          <ac:chgData name="Lajka Kristóf" userId="5e6963896e59b084" providerId="Windows Live" clId="Web-{4E50BE8F-85D8-4310-B6A2-2AE5379EC6C4}" dt="2024-12-08T16:44:30.353" v="41"/>
+          <ac:spMkLst>
+            <pc:docMk/>
+            <pc:sldMk cId="1348046584" sldId="271"/>
+            <ac:spMk id="3" creationId="{601553F4-BADB-0BD8-C0E6-35017310CE5D}"/>
+          </ac:spMkLst>
+        </pc:spChg>
+        <pc:spChg chg="add del">
+          <ac:chgData name="Lajka Kristóf" userId="5e6963896e59b084" providerId="Windows Live" clId="Web-{4E50BE8F-85D8-4310-B6A2-2AE5379EC6C4}" dt="2024-12-08T16:44:49.354" v="48"/>
+          <ac:spMkLst>
+            <pc:docMk/>
+            <pc:sldMk cId="1348046584" sldId="271"/>
+            <ac:spMk id="13" creationId="{989BE678-777B-482A-A616-FEDC47B162E5}"/>
+          </ac:spMkLst>
+        </pc:spChg>
+        <pc:spChg chg="add del">
+          <ac:chgData name="Lajka Kristóf" userId="5e6963896e59b084" providerId="Windows Live" clId="Web-{4E50BE8F-85D8-4310-B6A2-2AE5379EC6C4}" dt="2024-12-08T16:44:49.354" v="48"/>
+          <ac:spMkLst>
+            <pc:docMk/>
+            <pc:sldMk cId="1348046584" sldId="271"/>
+            <ac:spMk id="19" creationId="{D28BE0C3-2102-4820-B88B-A448B1840D14}"/>
+          </ac:spMkLst>
+        </pc:spChg>
+        <pc:spChg chg="add del">
+          <ac:chgData name="Lajka Kristóf" userId="5e6963896e59b084" providerId="Windows Live" clId="Web-{4E50BE8F-85D8-4310-B6A2-2AE5379EC6C4}" dt="2024-12-08T16:44:49.354" v="48"/>
+          <ac:spMkLst>
+            <pc:docMk/>
+            <pc:sldMk cId="1348046584" sldId="271"/>
+            <ac:spMk id="21" creationId="{E4F17063-EDA4-417B-946F-BA357F3B390D}"/>
+          </ac:spMkLst>
+        </pc:spChg>
+        <pc:spChg chg="add del">
+          <ac:chgData name="Lajka Kristóf" userId="5e6963896e59b084" providerId="Windows Live" clId="Web-{4E50BE8F-85D8-4310-B6A2-2AE5379EC6C4}" dt="2024-12-08T16:44:49.354" v="48"/>
+          <ac:spMkLst>
+            <pc:docMk/>
+            <pc:sldMk cId="1348046584" sldId="271"/>
+            <ac:spMk id="23" creationId="{D36F3EEA-55D4-4677-80E7-92D00B8F343B}"/>
+          </ac:spMkLst>
+        </pc:spChg>
+        <pc:spChg chg="add del">
+          <ac:chgData name="Lajka Kristóf" userId="5e6963896e59b084" providerId="Windows Live" clId="Web-{4E50BE8F-85D8-4310-B6A2-2AE5379EC6C4}" dt="2024-12-08T16:44:54.448" v="50"/>
+          <ac:spMkLst>
+            <pc:docMk/>
+            <pc:sldMk cId="1348046584" sldId="271"/>
+            <ac:spMk id="25" creationId="{608F427C-1EC9-4280-9367-F2B3AA063E82}"/>
+          </ac:spMkLst>
+        </pc:spChg>
+        <pc:spChg chg="add del">
+          <ac:chgData name="Lajka Kristóf" userId="5e6963896e59b084" providerId="Windows Live" clId="Web-{4E50BE8F-85D8-4310-B6A2-2AE5379EC6C4}" dt="2024-12-08T16:44:54.448" v="50"/>
+          <ac:spMkLst>
+            <pc:docMk/>
+            <pc:sldMk cId="1348046584" sldId="271"/>
+            <ac:spMk id="27" creationId="{F98810A7-E114-447A-A7D6-69B27CFB5650}"/>
+          </ac:spMkLst>
+        </pc:spChg>
+        <pc:spChg chg="add del">
+          <ac:chgData name="Lajka Kristóf" userId="5e6963896e59b084" providerId="Windows Live" clId="Web-{4E50BE8F-85D8-4310-B6A2-2AE5379EC6C4}" dt="2024-12-08T16:44:54.448" v="50"/>
+          <ac:spMkLst>
+            <pc:docMk/>
+            <pc:sldMk cId="1348046584" sldId="271"/>
+            <ac:spMk id="29" creationId="{4AC0CD9D-7610-4620-93B4-798CCD9AB581}"/>
+          </ac:spMkLst>
+        </pc:spChg>
+        <pc:spChg chg="add del">
+          <ac:chgData name="Lajka Kristóf" userId="5e6963896e59b084" providerId="Windows Live" clId="Web-{4E50BE8F-85D8-4310-B6A2-2AE5379EC6C4}" dt="2024-12-08T16:44:54.448" v="50"/>
+          <ac:spMkLst>
+            <pc:docMk/>
+            <pc:sldMk cId="1348046584" sldId="271"/>
+            <ac:spMk id="32" creationId="{DE4D62F9-188E-4530-84C2-24BDEE4BEB82}"/>
+          </ac:spMkLst>
+        </pc:spChg>
+        <pc:spChg chg="add del">
+          <ac:chgData name="Lajka Kristóf" userId="5e6963896e59b084" providerId="Windows Live" clId="Web-{4E50BE8F-85D8-4310-B6A2-2AE5379EC6C4}" dt="2024-12-08T16:44:54.448" v="50"/>
+          <ac:spMkLst>
+            <pc:docMk/>
+            <pc:sldMk cId="1348046584" sldId="271"/>
+            <ac:spMk id="33" creationId="{757B325C-3E35-45CF-9D07-3BCB281F3B9C}"/>
+          </ac:spMkLst>
+        </pc:spChg>
+        <pc:spChg chg="add del">
+          <ac:chgData name="Lajka Kristóf" userId="5e6963896e59b084" providerId="Windows Live" clId="Web-{4E50BE8F-85D8-4310-B6A2-2AE5379EC6C4}" dt="2024-12-08T16:44:54.448" v="50"/>
+          <ac:spMkLst>
+            <pc:docMk/>
+            <pc:sldMk cId="1348046584" sldId="271"/>
+            <ac:spMk id="34" creationId="{C24BEC42-AFF3-40D1-93A2-A27A42E1E23C}"/>
+          </ac:spMkLst>
+        </pc:spChg>
+        <pc:spChg chg="add">
+          <ac:chgData name="Lajka Kristóf" userId="5e6963896e59b084" providerId="Windows Live" clId="Web-{4E50BE8F-85D8-4310-B6A2-2AE5379EC6C4}" dt="2024-12-08T16:44:54.526" v="51"/>
+          <ac:spMkLst>
+            <pc:docMk/>
+            <pc:sldMk cId="1348046584" sldId="271"/>
+            <ac:spMk id="38" creationId="{989BE678-777B-482A-A616-FEDC47B162E5}"/>
+          </ac:spMkLst>
+        </pc:spChg>
+        <pc:spChg chg="add">
+          <ac:chgData name="Lajka Kristóf" userId="5e6963896e59b084" providerId="Windows Live" clId="Web-{4E50BE8F-85D8-4310-B6A2-2AE5379EC6C4}" dt="2024-12-08T16:44:54.526" v="51"/>
+          <ac:spMkLst>
+            <pc:docMk/>
+            <pc:sldMk cId="1348046584" sldId="271"/>
+            <ac:spMk id="41" creationId="{D28BE0C3-2102-4820-B88B-A448B1840D14}"/>
+          </ac:spMkLst>
+        </pc:spChg>
+        <pc:spChg chg="add">
+          <ac:chgData name="Lajka Kristóf" userId="5e6963896e59b084" providerId="Windows Live" clId="Web-{4E50BE8F-85D8-4310-B6A2-2AE5379EC6C4}" dt="2024-12-08T16:44:54.526" v="51"/>
+          <ac:spMkLst>
+            <pc:docMk/>
+            <pc:sldMk cId="1348046584" sldId="271"/>
+            <ac:spMk id="42" creationId="{E4F17063-EDA4-417B-946F-BA357F3B390D}"/>
+          </ac:spMkLst>
+        </pc:spChg>
+        <pc:spChg chg="add">
+          <ac:chgData name="Lajka Kristóf" userId="5e6963896e59b084" providerId="Windows Live" clId="Web-{4E50BE8F-85D8-4310-B6A2-2AE5379EC6C4}" dt="2024-12-08T16:44:54.526" v="51"/>
+          <ac:spMkLst>
+            <pc:docMk/>
+            <pc:sldMk cId="1348046584" sldId="271"/>
+            <ac:spMk id="43" creationId="{D36F3EEA-55D4-4677-80E7-92D00B8F343B}"/>
+          </ac:spMkLst>
+        </pc:spChg>
+        <pc:picChg chg="add mod ord">
+          <ac:chgData name="Lajka Kristóf" userId="5e6963896e59b084" providerId="Windows Live" clId="Web-{4E50BE8F-85D8-4310-B6A2-2AE5379EC6C4}" dt="2024-12-08T16:44:54.526" v="51"/>
+          <ac:picMkLst>
+            <pc:docMk/>
+            <pc:sldMk cId="1348046584" sldId="271"/>
+            <ac:picMk id="4" creationId="{971D3274-5A59-4619-88F2-F7F9F4D6F05A}"/>
+          </ac:picMkLst>
+        </pc:picChg>
+        <pc:picChg chg="add del">
+          <ac:chgData name="Lajka Kristóf" userId="5e6963896e59b084" providerId="Windows Live" clId="Web-{4E50BE8F-85D8-4310-B6A2-2AE5379EC6C4}" dt="2024-12-08T16:44:49.354" v="48"/>
+          <ac:picMkLst>
+            <pc:docMk/>
+            <pc:sldMk cId="1348046584" sldId="271"/>
+            <ac:picMk id="9" creationId="{DF19BAF3-7E20-4B9D-B544-BABAEEA1FA75}"/>
+          </ac:picMkLst>
+        </pc:picChg>
+        <pc:picChg chg="add del">
+          <ac:chgData name="Lajka Kristóf" userId="5e6963896e59b084" providerId="Windows Live" clId="Web-{4E50BE8F-85D8-4310-B6A2-2AE5379EC6C4}" dt="2024-12-08T16:44:49.354" v="48"/>
+          <ac:picMkLst>
+            <pc:docMk/>
+            <pc:sldMk cId="1348046584" sldId="271"/>
+            <ac:picMk id="11" creationId="{950648F4-ABCD-4DF0-8641-76CFB2354721}"/>
+          </ac:picMkLst>
+        </pc:picChg>
+        <pc:picChg chg="add del">
+          <ac:chgData name="Lajka Kristóf" userId="5e6963896e59b084" providerId="Windows Live" clId="Web-{4E50BE8F-85D8-4310-B6A2-2AE5379EC6C4}" dt="2024-12-08T16:44:49.354" v="48"/>
+          <ac:picMkLst>
+            <pc:docMk/>
+            <pc:sldMk cId="1348046584" sldId="271"/>
+            <ac:picMk id="15" creationId="{CF1EB4BD-9C7E-4AA3-9681-C7EB0DA6250B}"/>
+          </ac:picMkLst>
+        </pc:picChg>
+        <pc:picChg chg="add del">
+          <ac:chgData name="Lajka Kristóf" userId="5e6963896e59b084" providerId="Windows Live" clId="Web-{4E50BE8F-85D8-4310-B6A2-2AE5379EC6C4}" dt="2024-12-08T16:44:49.354" v="48"/>
+          <ac:picMkLst>
+            <pc:docMk/>
+            <pc:sldMk cId="1348046584" sldId="271"/>
+            <ac:picMk id="17" creationId="{94AAE3AA-3759-4D28-B0EF-575F25A5146C}"/>
+          </ac:picMkLst>
+        </pc:picChg>
+        <pc:picChg chg="add del">
+          <ac:chgData name="Lajka Kristóf" userId="5e6963896e59b084" providerId="Windows Live" clId="Web-{4E50BE8F-85D8-4310-B6A2-2AE5379EC6C4}" dt="2024-12-08T16:44:54.448" v="50"/>
+          <ac:picMkLst>
+            <pc:docMk/>
+            <pc:sldMk cId="1348046584" sldId="271"/>
+            <ac:picMk id="26" creationId="{41B68C77-138E-4BF7-A276-BD0C78A4219F}"/>
+          </ac:picMkLst>
+        </pc:picChg>
+        <pc:picChg chg="add">
+          <ac:chgData name="Lajka Kristóf" userId="5e6963896e59b084" providerId="Windows Live" clId="Web-{4E50BE8F-85D8-4310-B6A2-2AE5379EC6C4}" dt="2024-12-08T16:44:49.385" v="49"/>
+          <ac:picMkLst>
+            <pc:docMk/>
+            <pc:sldMk cId="1348046584" sldId="271"/>
+            <ac:picMk id="28" creationId="{7C268552-D473-46ED-B1B8-422042C4DEF1}"/>
+          </ac:picMkLst>
+        </pc:picChg>
+        <pc:picChg chg="del">
+          <ac:chgData name="Lajka Kristóf" userId="5e6963896e59b084" providerId="Windows Live" clId="Web-{4E50BE8F-85D8-4310-B6A2-2AE5379EC6C4}" dt="2024-12-08T16:44:54.448" v="50"/>
+          <ac:picMkLst>
+            <pc:docMk/>
+            <pc:sldMk cId="1348046584" sldId="271"/>
+            <ac:picMk id="30" creationId="{B9238B3E-24AA-439A-B527-6C5DF6D72145}"/>
+          </ac:picMkLst>
+        </pc:picChg>
+        <pc:picChg chg="add">
+          <ac:chgData name="Lajka Kristóf" userId="5e6963896e59b084" providerId="Windows Live" clId="Web-{4E50BE8F-85D8-4310-B6A2-2AE5379EC6C4}" dt="2024-12-08T16:44:54.526" v="51"/>
+          <ac:picMkLst>
+            <pc:docMk/>
+            <pc:sldMk cId="1348046584" sldId="271"/>
+            <ac:picMk id="36" creationId="{DF19BAF3-7E20-4B9D-B544-BABAEEA1FA75}"/>
+          </ac:picMkLst>
+        </pc:picChg>
+        <pc:picChg chg="add">
+          <ac:chgData name="Lajka Kristóf" userId="5e6963896e59b084" providerId="Windows Live" clId="Web-{4E50BE8F-85D8-4310-B6A2-2AE5379EC6C4}" dt="2024-12-08T16:44:54.526" v="51"/>
+          <ac:picMkLst>
+            <pc:docMk/>
+            <pc:sldMk cId="1348046584" sldId="271"/>
+            <ac:picMk id="37" creationId="{950648F4-ABCD-4DF0-8641-76CFB2354721}"/>
+          </ac:picMkLst>
+        </pc:picChg>
+        <pc:picChg chg="add">
+          <ac:chgData name="Lajka Kristóf" userId="5e6963896e59b084" providerId="Windows Live" clId="Web-{4E50BE8F-85D8-4310-B6A2-2AE5379EC6C4}" dt="2024-12-08T16:44:54.526" v="51"/>
+          <ac:picMkLst>
+            <pc:docMk/>
+            <pc:sldMk cId="1348046584" sldId="271"/>
+            <ac:picMk id="39" creationId="{CF1EB4BD-9C7E-4AA3-9681-C7EB0DA6250B}"/>
+          </ac:picMkLst>
+        </pc:picChg>
+        <pc:picChg chg="add">
+          <ac:chgData name="Lajka Kristóf" userId="5e6963896e59b084" providerId="Windows Live" clId="Web-{4E50BE8F-85D8-4310-B6A2-2AE5379EC6C4}" dt="2024-12-08T16:44:54.526" v="51"/>
+          <ac:picMkLst>
+            <pc:docMk/>
+            <pc:sldMk cId="1348046584" sldId="271"/>
+            <ac:picMk id="40" creationId="{94AAE3AA-3759-4D28-B0EF-575F25A5146C}"/>
+          </ac:picMkLst>
+        </pc:picChg>
+      </pc:sldChg>
+      <pc:sldChg chg="addSp delSp modSp new modTransition">
+        <pc:chgData name="Lajka Kristóf" userId="5e6963896e59b084" providerId="Windows Live" clId="Web-{4E50BE8F-85D8-4310-B6A2-2AE5379EC6C4}" dt="2024-12-08T16:49:39.220" v="152"/>
+        <pc:sldMkLst>
+          <pc:docMk/>
+          <pc:sldMk cId="3092647374" sldId="272"/>
+        </pc:sldMkLst>
+        <pc:spChg chg="mod">
+          <ac:chgData name="Lajka Kristóf" userId="5e6963896e59b084" providerId="Windows Live" clId="Web-{4E50BE8F-85D8-4310-B6A2-2AE5379EC6C4}" dt="2024-12-08T16:45:12.573" v="59" actId="20577"/>
+          <ac:spMkLst>
+            <pc:docMk/>
+            <pc:sldMk cId="3092647374" sldId="272"/>
+            <ac:spMk id="2" creationId="{3DDA17D0-AE6D-499C-599E-38D6F6383644}"/>
+          </ac:spMkLst>
+        </pc:spChg>
+        <pc:spChg chg="del">
+          <ac:chgData name="Lajka Kristóf" userId="5e6963896e59b084" providerId="Windows Live" clId="Web-{4E50BE8F-85D8-4310-B6A2-2AE5379EC6C4}" dt="2024-12-08T16:45:09.573" v="53"/>
+          <ac:spMkLst>
+            <pc:docMk/>
+            <pc:sldMk cId="3092647374" sldId="272"/>
+            <ac:spMk id="3" creationId="{7C8DC54F-5568-0AFF-0AA0-1F01D69503D8}"/>
+          </ac:spMkLst>
+        </pc:spChg>
+        <pc:spChg chg="add mod">
+          <ac:chgData name="Lajka Kristóf" userId="5e6963896e59b084" providerId="Windows Live" clId="Web-{4E50BE8F-85D8-4310-B6A2-2AE5379EC6C4}" dt="2024-12-08T16:46:18.996" v="78" actId="1076"/>
+          <ac:spMkLst>
+            <pc:docMk/>
+            <pc:sldMk cId="3092647374" sldId="272"/>
+            <ac:spMk id="5" creationId="{A5552F42-51B1-EB6C-EFB5-C91C770312BE}"/>
+          </ac:spMkLst>
+        </pc:spChg>
+        <pc:spChg chg="add mod">
+          <ac:chgData name="Lajka Kristóf" userId="5e6963896e59b084" providerId="Windows Live" clId="Web-{4E50BE8F-85D8-4310-B6A2-2AE5379EC6C4}" dt="2024-12-08T16:46:23.965" v="80" actId="1076"/>
+          <ac:spMkLst>
+            <pc:docMk/>
+            <pc:sldMk cId="3092647374" sldId="272"/>
+            <ac:spMk id="7" creationId="{D9C922F4-7BCB-B0E1-B623-7AD1C3EC51F1}"/>
+          </ac:spMkLst>
+        </pc:spChg>
+        <pc:spChg chg="add mod">
+          <ac:chgData name="Lajka Kristóf" userId="5e6963896e59b084" providerId="Windows Live" clId="Web-{4E50BE8F-85D8-4310-B6A2-2AE5379EC6C4}" dt="2024-12-08T16:46:38.762" v="94" actId="1076"/>
+          <ac:spMkLst>
+            <pc:docMk/>
+            <pc:sldMk cId="3092647374" sldId="272"/>
+            <ac:spMk id="9" creationId="{F85E2508-6E72-60A8-E687-155C9A0D1C24}"/>
+          </ac:spMkLst>
+        </pc:spChg>
+        <pc:spChg chg="add mod">
+          <ac:chgData name="Lajka Kristóf" userId="5e6963896e59b084" providerId="Windows Live" clId="Web-{4E50BE8F-85D8-4310-B6A2-2AE5379EC6C4}" dt="2024-12-08T16:46:58.357" v="99" actId="1076"/>
+          <ac:spMkLst>
+            <pc:docMk/>
+            <pc:sldMk cId="3092647374" sldId="272"/>
+            <ac:spMk id="11" creationId="{150026F0-8469-FAE7-A25D-4F08B9BA53F8}"/>
+          </ac:spMkLst>
+        </pc:spChg>
+        <pc:picChg chg="add mod ord">
+          <ac:chgData name="Lajka Kristóf" userId="5e6963896e59b084" providerId="Windows Live" clId="Web-{4E50BE8F-85D8-4310-B6A2-2AE5379EC6C4}" dt="2024-12-08T16:46:16.356" v="77" actId="1076"/>
+          <ac:picMkLst>
+            <pc:docMk/>
+            <pc:sldMk cId="3092647374" sldId="272"/>
+            <ac:picMk id="4" creationId="{C7024BAB-7B2A-F7F6-79DF-F1EFEB3683B5}"/>
+          </ac:picMkLst>
+        </pc:picChg>
+        <pc:picChg chg="add mod">
+          <ac:chgData name="Lajka Kristóf" userId="5e6963896e59b084" providerId="Windows Live" clId="Web-{4E50BE8F-85D8-4310-B6A2-2AE5379EC6C4}" dt="2024-12-08T16:46:21.403" v="79" actId="1076"/>
+          <ac:picMkLst>
+            <pc:docMk/>
+            <pc:sldMk cId="3092647374" sldId="272"/>
+            <ac:picMk id="6" creationId="{67E1474F-EFF8-0806-A0C0-2B0A9F074332}"/>
+          </ac:picMkLst>
+        </pc:picChg>
+        <pc:picChg chg="add mod">
+          <ac:chgData name="Lajka Kristóf" userId="5e6963896e59b084" providerId="Windows Live" clId="Web-{4E50BE8F-85D8-4310-B6A2-2AE5379EC6C4}" dt="2024-12-08T16:46:13.090" v="76" actId="1076"/>
+          <ac:picMkLst>
+            <pc:docMk/>
+            <pc:sldMk cId="3092647374" sldId="272"/>
+            <ac:picMk id="8" creationId="{047AAA7C-B3CF-3A1C-3D4C-98D2E83A772F}"/>
+          </ac:picMkLst>
+        </pc:picChg>
+        <pc:picChg chg="add mod">
+          <ac:chgData name="Lajka Kristóf" userId="5e6963896e59b084" providerId="Windows Live" clId="Web-{4E50BE8F-85D8-4310-B6A2-2AE5379EC6C4}" dt="2024-12-08T16:46:49.419" v="96" actId="1076"/>
+          <ac:picMkLst>
+            <pc:docMk/>
+            <pc:sldMk cId="3092647374" sldId="272"/>
+            <ac:picMk id="10" creationId="{23415379-F582-8014-CBB1-DF0223451D9D}"/>
+          </ac:picMkLst>
+        </pc:picChg>
+      </pc:sldChg>
+      <pc:sldChg chg="delSp modSp new mod modClrScheme chgLayout">
+        <pc:chgData name="Lajka Kristóf" userId="5e6963896e59b084" providerId="Windows Live" clId="Web-{4E50BE8F-85D8-4310-B6A2-2AE5379EC6C4}" dt="2024-12-08T16:50:20.189" v="173" actId="1076"/>
+        <pc:sldMkLst>
+          <pc:docMk/>
+          <pc:sldMk cId="1046954273" sldId="273"/>
+        </pc:sldMkLst>
+        <pc:spChg chg="mod ord">
+          <ac:chgData name="Lajka Kristóf" userId="5e6963896e59b084" providerId="Windows Live" clId="Web-{4E50BE8F-85D8-4310-B6A2-2AE5379EC6C4}" dt="2024-12-08T16:50:20.189" v="173" actId="1076"/>
+          <ac:spMkLst>
+            <pc:docMk/>
+            <pc:sldMk cId="1046954273" sldId="273"/>
+            <ac:spMk id="2" creationId="{7C83DE72-A24C-6766-2A0D-3AE12DD58D47}"/>
+          </ac:spMkLst>
+        </pc:spChg>
+        <pc:spChg chg="del mod ord">
+          <ac:chgData name="Lajka Kristóf" userId="5e6963896e59b084" providerId="Windows Live" clId="Web-{4E50BE8F-85D8-4310-B6A2-2AE5379EC6C4}" dt="2024-12-08T16:50:12.502" v="170"/>
+          <ac:spMkLst>
+            <pc:docMk/>
+            <pc:sldMk cId="1046954273" sldId="273"/>
+            <ac:spMk id="3" creationId="{B75831C6-0A84-5D55-3175-E4C807265172}"/>
+          </ac:spMkLst>
+        </pc:spChg>
+      </pc:sldChg>
+      <pc:sldChg chg="addSp delSp modSp new modTransition">
+        <pc:chgData name="Lajka Kristóf" userId="5e6963896e59b084" providerId="Windows Live" clId="Web-{4E50BE8F-85D8-4310-B6A2-2AE5379EC6C4}" dt="2024-12-08T16:49:39.220" v="149"/>
+        <pc:sldMkLst>
+          <pc:docMk/>
+          <pc:sldMk cId="263871110" sldId="274"/>
+        </pc:sldMkLst>
+        <pc:spChg chg="mod">
+          <ac:chgData name="Lajka Kristóf" userId="5e6963896e59b084" providerId="Windows Live" clId="Web-{4E50BE8F-85D8-4310-B6A2-2AE5379EC6C4}" dt="2024-12-08T16:47:19.279" v="110" actId="20577"/>
+          <ac:spMkLst>
+            <pc:docMk/>
+            <pc:sldMk cId="263871110" sldId="274"/>
+            <ac:spMk id="2" creationId="{A516CBBC-1215-839B-C529-40AFF1DBA5FA}"/>
+          </ac:spMkLst>
+        </pc:spChg>
+        <pc:spChg chg="del">
+          <ac:chgData name="Lajka Kristóf" userId="5e6963896e59b084" providerId="Windows Live" clId="Web-{4E50BE8F-85D8-4310-B6A2-2AE5379EC6C4}" dt="2024-12-08T16:47:24.014" v="111"/>
+          <ac:spMkLst>
+            <pc:docMk/>
+            <pc:sldMk cId="263871110" sldId="274"/>
+            <ac:spMk id="3" creationId="{4FED0EAA-BF5E-8425-4962-70F27F4200A2}"/>
+          </ac:spMkLst>
+        </pc:spChg>
+        <pc:spChg chg="add mod">
+          <ac:chgData name="Lajka Kristóf" userId="5e6963896e59b084" providerId="Windows Live" clId="Web-{4E50BE8F-85D8-4310-B6A2-2AE5379EC6C4}" dt="2024-12-08T16:47:36.295" v="120" actId="1076"/>
+          <ac:spMkLst>
+            <pc:docMk/>
+            <pc:sldMk cId="263871110" sldId="274"/>
+            <ac:spMk id="5" creationId="{061CDD4A-897E-440E-CB45-70C89985EE10}"/>
+          </ac:spMkLst>
+        </pc:spChg>
+        <pc:spChg chg="add mod">
+          <ac:chgData name="Lajka Kristóf" userId="5e6963896e59b084" providerId="Windows Live" clId="Web-{4E50BE8F-85D8-4310-B6A2-2AE5379EC6C4}" dt="2024-12-08T16:47:55.249" v="129" actId="1076"/>
+          <ac:spMkLst>
+            <pc:docMk/>
+            <pc:sldMk cId="263871110" sldId="274"/>
+            <ac:spMk id="7" creationId="{76F60A54-300A-ACA9-6AC4-80133601EA2C}"/>
+          </ac:spMkLst>
+        </pc:spChg>
+        <pc:picChg chg="add mod ord">
+          <ac:chgData name="Lajka Kristóf" userId="5e6963896e59b084" providerId="Windows Live" clId="Web-{4E50BE8F-85D8-4310-B6A2-2AE5379EC6C4}" dt="2024-12-08T16:47:25.904" v="112" actId="1076"/>
+          <ac:picMkLst>
+            <pc:docMk/>
+            <pc:sldMk cId="263871110" sldId="274"/>
+            <ac:picMk id="4" creationId="{8F51012D-93CF-6638-A16C-EC585B8CA647}"/>
+          </ac:picMkLst>
+        </pc:picChg>
+        <pc:picChg chg="add mod">
+          <ac:chgData name="Lajka Kristóf" userId="5e6963896e59b084" providerId="Windows Live" clId="Web-{4E50BE8F-85D8-4310-B6A2-2AE5379EC6C4}" dt="2024-12-08T16:47:44.295" v="122" actId="1076"/>
+          <ac:picMkLst>
+            <pc:docMk/>
+            <pc:sldMk cId="263871110" sldId="274"/>
+            <ac:picMk id="6" creationId="{F554DD30-6FD6-D479-FB9F-AA02FDB2159A}"/>
+          </ac:picMkLst>
+        </pc:picChg>
+      </pc:sldChg>
+    </pc:docChg>
+  </pc:docChgLst>
   <pc:docChgLst>
     <pc:chgData name="Adam Varadi" userId="dbc01b4e7024b25f" providerId="LiveId" clId="{4B492C43-68EB-434E-B722-B261FC6B55E6}"/>
     <pc:docChg chg="undo custSel addSld delSld modSld sldOrd">
@@ -1083,7 +1677,7 @@
           <a:p>
             <a:fld id="{8A844EBC-9149-44B5-87C4-3FE491D27CBD}" type="datetimeFigureOut">
               <a:rPr lang="hu-HU" smtClean="0"/>
-              <a:t>2024. 12. 06.</a:t>
+              <a:t>2024. 12. 08.</a:t>
             </a:fld>
             <a:endParaRPr lang="hu-HU"/>
           </a:p>
@@ -1358,7 +1952,7 @@
           <a:p>
             <a:fld id="{8A844EBC-9149-44B5-87C4-3FE491D27CBD}" type="datetimeFigureOut">
               <a:rPr lang="hu-HU" smtClean="0"/>
-              <a:t>2024. 12. 06.</a:t>
+              <a:t>2024. 12. 08.</a:t>
             </a:fld>
             <a:endParaRPr lang="hu-HU"/>
           </a:p>
@@ -1552,7 +2146,7 @@
           <a:p>
             <a:fld id="{8A844EBC-9149-44B5-87C4-3FE491D27CBD}" type="datetimeFigureOut">
               <a:rPr lang="hu-HU" smtClean="0"/>
-              <a:t>2024. 12. 06.</a:t>
+              <a:t>2024. 12. 08.</a:t>
             </a:fld>
             <a:endParaRPr lang="hu-HU"/>
           </a:p>
@@ -1825,7 +2419,7 @@
           <a:p>
             <a:fld id="{8A844EBC-9149-44B5-87C4-3FE491D27CBD}" type="datetimeFigureOut">
               <a:rPr lang="hu-HU" smtClean="0"/>
-              <a:t>2024. 12. 06.</a:t>
+              <a:t>2024. 12. 08.</a:t>
             </a:fld>
             <a:endParaRPr lang="hu-HU"/>
           </a:p>
@@ -2166,7 +2760,7 @@
           <a:p>
             <a:fld id="{8A844EBC-9149-44B5-87C4-3FE491D27CBD}" type="datetimeFigureOut">
               <a:rPr lang="hu-HU" smtClean="0"/>
-              <a:t>2024. 12. 06.</a:t>
+              <a:t>2024. 12. 08.</a:t>
             </a:fld>
             <a:endParaRPr lang="hu-HU"/>
           </a:p>
@@ -2789,7 +3383,7 @@
           <a:p>
             <a:fld id="{8A844EBC-9149-44B5-87C4-3FE491D27CBD}" type="datetimeFigureOut">
               <a:rPr lang="hu-HU" smtClean="0"/>
-              <a:t>2024. 12. 06.</a:t>
+              <a:t>2024. 12. 08.</a:t>
             </a:fld>
             <a:endParaRPr lang="hu-HU"/>
           </a:p>
@@ -3649,7 +4243,7 @@
           <a:p>
             <a:fld id="{8A844EBC-9149-44B5-87C4-3FE491D27CBD}" type="datetimeFigureOut">
               <a:rPr lang="hu-HU" smtClean="0"/>
-              <a:t>2024. 12. 06.</a:t>
+              <a:t>2024. 12. 08.</a:t>
             </a:fld>
             <a:endParaRPr lang="hu-HU"/>
           </a:p>
@@ -3819,7 +4413,7 @@
           <a:p>
             <a:fld id="{8A844EBC-9149-44B5-87C4-3FE491D27CBD}" type="datetimeFigureOut">
               <a:rPr lang="hu-HU" smtClean="0"/>
-              <a:t>2024. 12. 06.</a:t>
+              <a:t>2024. 12. 08.</a:t>
             </a:fld>
             <a:endParaRPr lang="hu-HU"/>
           </a:p>
@@ -3999,7 +4593,7 @@
           <a:p>
             <a:fld id="{8A844EBC-9149-44B5-87C4-3FE491D27CBD}" type="datetimeFigureOut">
               <a:rPr lang="hu-HU" smtClean="0"/>
-              <a:t>2024. 12. 06.</a:t>
+              <a:t>2024. 12. 08.</a:t>
             </a:fld>
             <a:endParaRPr lang="hu-HU"/>
           </a:p>
@@ -4169,7 +4763,7 @@
           <a:p>
             <a:fld id="{8A844EBC-9149-44B5-87C4-3FE491D27CBD}" type="datetimeFigureOut">
               <a:rPr lang="hu-HU" smtClean="0"/>
-              <a:t>2024. 12. 06.</a:t>
+              <a:t>2024. 12. 08.</a:t>
             </a:fld>
             <a:endParaRPr lang="hu-HU"/>
           </a:p>
@@ -4416,7 +5010,7 @@
           <a:p>
             <a:fld id="{8A844EBC-9149-44B5-87C4-3FE491D27CBD}" type="datetimeFigureOut">
               <a:rPr lang="hu-HU" smtClean="0"/>
-              <a:t>2024. 12. 06.</a:t>
+              <a:t>2024. 12. 08.</a:t>
             </a:fld>
             <a:endParaRPr lang="hu-HU"/>
           </a:p>
@@ -4708,7 +5302,7 @@
           <a:p>
             <a:fld id="{8A844EBC-9149-44B5-87C4-3FE491D27CBD}" type="datetimeFigureOut">
               <a:rPr lang="hu-HU" smtClean="0"/>
-              <a:t>2024. 12. 06.</a:t>
+              <a:t>2024. 12. 08.</a:t>
             </a:fld>
             <a:endParaRPr lang="hu-HU"/>
           </a:p>
@@ -5152,7 +5746,7 @@
           <a:p>
             <a:fld id="{8A844EBC-9149-44B5-87C4-3FE491D27CBD}" type="datetimeFigureOut">
               <a:rPr lang="hu-HU" smtClean="0"/>
-              <a:t>2024. 12. 06.</a:t>
+              <a:t>2024. 12. 08.</a:t>
             </a:fld>
             <a:endParaRPr lang="hu-HU"/>
           </a:p>
@@ -5270,7 +5864,7 @@
           <a:p>
             <a:fld id="{8A844EBC-9149-44B5-87C4-3FE491D27CBD}" type="datetimeFigureOut">
               <a:rPr lang="hu-HU" smtClean="0"/>
-              <a:t>2024. 12. 06.</a:t>
+              <a:t>2024. 12. 08.</a:t>
             </a:fld>
             <a:endParaRPr lang="hu-HU"/>
           </a:p>
@@ -5365,7 +5959,7 @@
           <a:p>
             <a:fld id="{8A844EBC-9149-44B5-87C4-3FE491D27CBD}" type="datetimeFigureOut">
               <a:rPr lang="hu-HU" smtClean="0"/>
-              <a:t>2024. 12. 06.</a:t>
+              <a:t>2024. 12. 08.</a:t>
             </a:fld>
             <a:endParaRPr lang="hu-HU"/>
           </a:p>
@@ -5644,7 +6238,7 @@
           <a:p>
             <a:fld id="{8A844EBC-9149-44B5-87C4-3FE491D27CBD}" type="datetimeFigureOut">
               <a:rPr lang="hu-HU" smtClean="0"/>
-              <a:t>2024. 12. 06.</a:t>
+              <a:t>2024. 12. 08.</a:t>
             </a:fld>
             <a:endParaRPr lang="hu-HU"/>
           </a:p>
@@ -5919,7 +6513,7 @@
           <a:p>
             <a:fld id="{8A844EBC-9149-44B5-87C4-3FE491D27CBD}" type="datetimeFigureOut">
               <a:rPr lang="hu-HU" smtClean="0"/>
-              <a:t>2024. 12. 06.</a:t>
+              <a:t>2024. 12. 08.</a:t>
             </a:fld>
             <a:endParaRPr lang="hu-HU"/>
           </a:p>
@@ -6348,7 +6942,7 @@
           <a:p>
             <a:fld id="{8A844EBC-9149-44B5-87C4-3FE491D27CBD}" type="datetimeFigureOut">
               <a:rPr lang="hu-HU" smtClean="0"/>
-              <a:t>2024. 12. 06.</a:t>
+              <a:t>2024. 12. 08.</a:t>
             </a:fld>
             <a:endParaRPr lang="hu-HU"/>
           </a:p>
@@ -6925,7 +7519,14 @@
           <a:bodyPr/>
           <a:lstStyle/>
           <a:p>
-            <a:endParaRPr lang="hu-HU"/>
+            <a:r>
+              <a:rPr lang="hu-HU" dirty="0" err="1"/>
+              <a:t>Lajka</a:t>
+            </a:r>
+            <a:r>
+              <a:rPr lang="hu-HU" dirty="0"/>
+              <a:t> Kristóf, Váradi Ádám és Enyedi Sándor Projektmunkája</a:t>
+            </a:r>
           </a:p>
         </p:txBody>
       </p:sp>
@@ -6939,6 +7540,18 @@
   <p:clrMapOvr>
     <a:masterClrMapping/>
   </p:clrMapOvr>
+  <mc:AlternateContent xmlns:mc="http://schemas.openxmlformats.org/markup-compatibility/2006">
+    <mc:Choice xmlns:p14="http://schemas.microsoft.com/office/powerpoint/2010/main" Requires="p14">
+      <p:transition p14:dur="100">
+        <p:cut/>
+      </p:transition>
+    </mc:Choice>
+    <mc:Fallback>
+      <p:transition>
+        <p:cut/>
+      </p:transition>
+    </mc:Fallback>
+  </mc:AlternateContent>
 </p:sld>
 </file>
 
@@ -6975,7 +7588,7 @@
                 <a16:creationId xmlns:a16="http://schemas.microsoft.com/office/drawing/2014/main" id="{74CD14DB-BB81-479F-A1FC-1C75640E9F84}"/>
               </a:ext>
               <a:ext uri="{C183D7F6-B498-43B3-948B-1728B52AA6E4}">
-                <adec:decorative xmlns:adec="http://schemas.microsoft.com/office/drawing/2017/decorative" xmlns="" val="1"/>
+                <adec:decorative xmlns:adec="http://schemas.microsoft.com/office/drawing/2017/decorative" val="1"/>
               </a:ext>
             </a:extLst>
           </p:cNvPr>
@@ -7064,7 +7677,7 @@
                 <a16:creationId xmlns:a16="http://schemas.microsoft.com/office/drawing/2014/main" id="{C943A91B-7CA7-4592-A975-73B1BF8C4C74}"/>
               </a:ext>
               <a:ext uri="{C183D7F6-B498-43B3-948B-1728B52AA6E4}">
-                <adec:decorative xmlns:adec="http://schemas.microsoft.com/office/drawing/2017/decorative" xmlns="" val="1"/>
+                <adec:decorative xmlns:adec="http://schemas.microsoft.com/office/drawing/2017/decorative" val="1"/>
               </a:ext>
             </a:extLst>
           </p:cNvPr>
@@ -7117,7 +7730,7 @@
                 <a16:creationId xmlns:a16="http://schemas.microsoft.com/office/drawing/2014/main" id="{EC471314-E46A-414B-8D91-74880E84F187}"/>
               </a:ext>
               <a:ext uri="{C183D7F6-B498-43B3-948B-1728B52AA6E4}">
-                <adec:decorative xmlns:adec="http://schemas.microsoft.com/office/drawing/2017/decorative" xmlns="" val="1"/>
+                <adec:decorative xmlns:adec="http://schemas.microsoft.com/office/drawing/2017/decorative" val="1"/>
               </a:ext>
             </a:extLst>
           </p:cNvPr>
@@ -7506,7 +8119,7 @@
                 <a16:creationId xmlns:a16="http://schemas.microsoft.com/office/drawing/2014/main" id="{6A681326-1C9D-44A3-A627-3871BDAE4127}"/>
               </a:ext>
               <a:ext uri="{C183D7F6-B498-43B3-948B-1728B52AA6E4}">
-                <adec:decorative xmlns:adec="http://schemas.microsoft.com/office/drawing/2017/decorative" xmlns="" val="1"/>
+                <adec:decorative xmlns:adec="http://schemas.microsoft.com/office/drawing/2017/decorative" val="1"/>
               </a:ext>
             </a:extLst>
           </p:cNvPr>
@@ -7995,7 +8608,7 @@
                   <a:srgbClr val="FFFFFF"/>
                 </a:solidFill>
               </a:rPr>
-              <a:t>ASA</a:t>
+              <a:t>NAT</a:t>
             </a:r>
           </a:p>
         </p:txBody>
@@ -8048,6 +8661,18 @@
   <p:clrMapOvr>
     <a:overrideClrMapping bg1="lt1" tx1="dk1" bg2="lt2" tx2="dk2" accent1="accent1" accent2="accent2" accent3="accent3" accent4="accent4" accent5="accent5" accent6="accent6" hlink="hlink" folHlink="folHlink"/>
   </p:clrMapOvr>
+  <mc:AlternateContent xmlns:mc="http://schemas.openxmlformats.org/markup-compatibility/2006">
+    <mc:Choice xmlns:p14="http://schemas.microsoft.com/office/powerpoint/2010/main" Requires="p14">
+      <p:transition p14:dur="100">
+        <p:cut/>
+      </p:transition>
+    </mc:Choice>
+    <mc:Fallback>
+      <p:transition>
+        <p:cut/>
+      </p:transition>
+    </mc:Fallback>
+  </mc:AlternateContent>
 </p:sld>
 </file>
 
@@ -8100,7 +8725,7 @@
                 <a16:creationId xmlns:a16="http://schemas.microsoft.com/office/drawing/2014/main" id="{DF19BAF3-7E20-4B9D-B544-BABAEEA1FA75}"/>
               </a:ext>
               <a:ext uri="{C183D7F6-B498-43B3-948B-1728B52AA6E4}">
-                <adec:decorative xmlns:adec="http://schemas.microsoft.com/office/drawing/2017/decorative" xmlns="" val="1"/>
+                <adec:decorative xmlns:adec="http://schemas.microsoft.com/office/drawing/2017/decorative" val="1"/>
               </a:ext>
             </a:extLst>
           </p:cNvPr>
@@ -8144,7 +8769,7 @@
                 <a16:creationId xmlns:a16="http://schemas.microsoft.com/office/drawing/2014/main" id="{950648F4-ABCD-4DF0-8641-76CFB2354721}"/>
               </a:ext>
               <a:ext uri="{C183D7F6-B498-43B3-948B-1728B52AA6E4}">
-                <adec:decorative xmlns:adec="http://schemas.microsoft.com/office/drawing/2017/decorative" xmlns="" val="1"/>
+                <adec:decorative xmlns:adec="http://schemas.microsoft.com/office/drawing/2017/decorative" val="1"/>
               </a:ext>
             </a:extLst>
           </p:cNvPr>
@@ -8188,7 +8813,7 @@
                 <a16:creationId xmlns:a16="http://schemas.microsoft.com/office/drawing/2014/main" id="{989BE678-777B-482A-A616-FEDC47B162E5}"/>
               </a:ext>
               <a:ext uri="{C183D7F6-B498-43B3-948B-1728B52AA6E4}">
-                <adec:decorative xmlns:adec="http://schemas.microsoft.com/office/drawing/2017/decorative" xmlns="" val="1"/>
+                <adec:decorative xmlns:adec="http://schemas.microsoft.com/office/drawing/2017/decorative" val="1"/>
               </a:ext>
             </a:extLst>
           </p:cNvPr>
@@ -8268,7 +8893,7 @@
                 <a16:creationId xmlns:a16="http://schemas.microsoft.com/office/drawing/2014/main" id="{CF1EB4BD-9C7E-4AA3-9681-C7EB0DA6250B}"/>
               </a:ext>
               <a:ext uri="{C183D7F6-B498-43B3-948B-1728B52AA6E4}">
-                <adec:decorative xmlns:adec="http://schemas.microsoft.com/office/drawing/2017/decorative" xmlns="" val="1"/>
+                <adec:decorative xmlns:adec="http://schemas.microsoft.com/office/drawing/2017/decorative" val="1"/>
               </a:ext>
             </a:extLst>
           </p:cNvPr>
@@ -8312,7 +8937,7 @@
                 <a16:creationId xmlns:a16="http://schemas.microsoft.com/office/drawing/2014/main" id="{94AAE3AA-3759-4D28-B0EF-575F25A5146C}"/>
               </a:ext>
               <a:ext uri="{C183D7F6-B498-43B3-948B-1728B52AA6E4}">
-                <adec:decorative xmlns:adec="http://schemas.microsoft.com/office/drawing/2017/decorative" xmlns="" val="1"/>
+                <adec:decorative xmlns:adec="http://schemas.microsoft.com/office/drawing/2017/decorative" val="1"/>
               </a:ext>
             </a:extLst>
           </p:cNvPr>
@@ -8356,7 +8981,7 @@
                 <a16:creationId xmlns:a16="http://schemas.microsoft.com/office/drawing/2014/main" id="{D28BE0C3-2102-4820-B88B-A448B1840D14}"/>
               </a:ext>
               <a:ext uri="{C183D7F6-B498-43B3-948B-1728B52AA6E4}">
-                <adec:decorative xmlns:adec="http://schemas.microsoft.com/office/drawing/2017/decorative" xmlns="" val="1"/>
+                <adec:decorative xmlns:adec="http://schemas.microsoft.com/office/drawing/2017/decorative" val="1"/>
               </a:ext>
             </a:extLst>
           </p:cNvPr>
@@ -8599,7 +9224,7 @@
                 <a16:creationId xmlns:a16="http://schemas.microsoft.com/office/drawing/2014/main" id="{E4F17063-EDA4-417B-946F-BA357F3B390D}"/>
               </a:ext>
               <a:ext uri="{C183D7F6-B498-43B3-948B-1728B52AA6E4}">
-                <adec:decorative xmlns:adec="http://schemas.microsoft.com/office/drawing/2017/decorative" xmlns="" val="1"/>
+                <adec:decorative xmlns:adec="http://schemas.microsoft.com/office/drawing/2017/decorative" val="1"/>
               </a:ext>
             </a:extLst>
           </p:cNvPr>
@@ -8963,7 +9588,7 @@
                 <a16:creationId xmlns:a16="http://schemas.microsoft.com/office/drawing/2014/main" id="{D36F3EEA-55D4-4677-80E7-92D00B8F343B}"/>
               </a:ext>
               <a:ext uri="{C183D7F6-B498-43B3-948B-1728B52AA6E4}">
-                <adec:decorative xmlns:adec="http://schemas.microsoft.com/office/drawing/2017/decorative" xmlns="" val="1"/>
+                <adec:decorative xmlns:adec="http://schemas.microsoft.com/office/drawing/2017/decorative" val="1"/>
               </a:ext>
             </a:extLst>
           </p:cNvPr>
@@ -9499,6 +10124,18 @@
   <p:clrMapOvr>
     <a:masterClrMapping/>
   </p:clrMapOvr>
+  <mc:AlternateContent xmlns:mc="http://schemas.openxmlformats.org/markup-compatibility/2006">
+    <mc:Choice xmlns:p14="http://schemas.microsoft.com/office/powerpoint/2010/main" Requires="p14">
+      <p:transition p14:dur="100">
+        <p:cut/>
+      </p:transition>
+    </mc:Choice>
+    <mc:Fallback>
+      <p:transition>
+        <p:cut/>
+      </p:transition>
+    </mc:Fallback>
+  </mc:AlternateContent>
 </p:sld>
 </file>
 
@@ -9535,7 +10172,7 @@
                 <a16:creationId xmlns:a16="http://schemas.microsoft.com/office/drawing/2014/main" id="{B4AAD3FD-83A5-4B89-9F8F-01B8870865BE}"/>
               </a:ext>
               <a:ext uri="{C183D7F6-B498-43B3-948B-1728B52AA6E4}">
-                <adec:decorative xmlns:adec="http://schemas.microsoft.com/office/drawing/2017/decorative" xmlns="" val="1"/>
+                <adec:decorative xmlns:adec="http://schemas.microsoft.com/office/drawing/2017/decorative" val="1"/>
               </a:ext>
             </a:extLst>
           </p:cNvPr>
@@ -9634,7 +10271,7 @@
                 <a16:creationId xmlns:a16="http://schemas.microsoft.com/office/drawing/2014/main" id="{61752F1D-FC0F-4103-9584-630E643CCDA6}"/>
               </a:ext>
               <a:ext uri="{C183D7F6-B498-43B3-948B-1728B52AA6E4}">
-                <adec:decorative xmlns:adec="http://schemas.microsoft.com/office/drawing/2017/decorative" xmlns="" val="1"/>
+                <adec:decorative xmlns:adec="http://schemas.microsoft.com/office/drawing/2017/decorative" val="1"/>
               </a:ext>
             </a:extLst>
           </p:cNvPr>
@@ -9986,7 +10623,7 @@
                 <a16:creationId xmlns:a16="http://schemas.microsoft.com/office/drawing/2014/main" id="{70151CB7-E7DE-4917-B831-01DF9CE01306}"/>
               </a:ext>
               <a:ext uri="{C183D7F6-B498-43B3-948B-1728B52AA6E4}">
-                <adec:decorative xmlns:adec="http://schemas.microsoft.com/office/drawing/2017/decorative" xmlns="" val="1"/>
+                <adec:decorative xmlns:adec="http://schemas.microsoft.com/office/drawing/2017/decorative" val="1"/>
               </a:ext>
             </a:extLst>
           </p:cNvPr>
@@ -10480,7 +11117,7 @@
                 <a16:creationId xmlns:a16="http://schemas.microsoft.com/office/drawing/2014/main" id="{A92A1116-1C84-41DF-B803-1F7B0883EC82}"/>
               </a:ext>
               <a:ext uri="{C183D7F6-B498-43B3-948B-1728B52AA6E4}">
-                <adec:decorative xmlns:adec="http://schemas.microsoft.com/office/drawing/2017/decorative" xmlns="" val="1"/>
+                <adec:decorative xmlns:adec="http://schemas.microsoft.com/office/drawing/2017/decorative" val="1"/>
               </a:ext>
             </a:extLst>
           </p:cNvPr>
@@ -10535,6 +11172,18 @@
   <p:clrMapOvr>
     <a:overrideClrMapping bg1="lt1" tx1="dk1" bg2="lt2" tx2="dk2" accent1="accent1" accent2="accent2" accent3="accent3" accent4="accent4" accent5="accent5" accent6="accent6" hlink="hlink" folHlink="folHlink"/>
   </p:clrMapOvr>
+  <mc:AlternateContent xmlns:mc="http://schemas.openxmlformats.org/markup-compatibility/2006">
+    <mc:Choice xmlns:p14="http://schemas.microsoft.com/office/powerpoint/2010/main" Requires="p14">
+      <p:transition p14:dur="100">
+        <p:cut/>
+      </p:transition>
+    </mc:Choice>
+    <mc:Fallback>
+      <p:transition>
+        <p:cut/>
+      </p:transition>
+    </mc:Fallback>
+  </mc:AlternateContent>
 </p:sld>
 </file>
 
@@ -10623,7 +11272,7 @@
                 <a16:creationId xmlns:a16="http://schemas.microsoft.com/office/drawing/2014/main" id="{7D9681AB-65CF-47E9-9FA3-7B05D6349977}"/>
               </a:ext>
               <a:ext uri="{C183D7F6-B498-43B3-948B-1728B52AA6E4}">
-                <adec:decorative xmlns:adec="http://schemas.microsoft.com/office/drawing/2017/decorative" xmlns="" val="1"/>
+                <adec:decorative xmlns:adec="http://schemas.microsoft.com/office/drawing/2017/decorative" val="1"/>
               </a:ext>
             </a:extLst>
           </p:cNvPr>
@@ -11089,7 +11738,7 @@
                 <a16:creationId xmlns:a16="http://schemas.microsoft.com/office/drawing/2014/main" id="{8FCA736E-BDE3-4D4D-8D87-E9AE79250CFF}"/>
               </a:ext>
               <a:ext uri="{C183D7F6-B498-43B3-948B-1728B52AA6E4}">
-                <adec:decorative xmlns:adec="http://schemas.microsoft.com/office/drawing/2017/decorative" xmlns="" val="1"/>
+                <adec:decorative xmlns:adec="http://schemas.microsoft.com/office/drawing/2017/decorative" val="1"/>
               </a:ext>
             </a:extLst>
           </p:cNvPr>
@@ -11472,7 +12121,7 @@
                 <a16:creationId xmlns:a16="http://schemas.microsoft.com/office/drawing/2014/main" id="{129AA25D-1E7A-4074-BF68-D55A83B81BB0}"/>
               </a:ext>
               <a:ext uri="{C183D7F6-B498-43B3-948B-1728B52AA6E4}">
-                <adec:decorative xmlns:adec="http://schemas.microsoft.com/office/drawing/2017/decorative" xmlns="" val="1"/>
+                <adec:decorative xmlns:adec="http://schemas.microsoft.com/office/drawing/2017/decorative" val="1"/>
               </a:ext>
             </a:extLst>
           </p:cNvPr>
@@ -11558,10 +12207,327 @@
   <p:clrMapOvr>
     <a:masterClrMapping/>
   </p:clrMapOvr>
+  <mc:AlternateContent xmlns:mc="http://schemas.openxmlformats.org/markup-compatibility/2006">
+    <mc:Choice xmlns:p14="http://schemas.microsoft.com/office/powerpoint/2010/main" Requires="p14">
+      <p:transition p14:dur="100">
+        <p:cut/>
+      </p:transition>
+    </mc:Choice>
+    <mc:Fallback>
+      <p:transition>
+        <p:cut/>
+      </p:transition>
+    </mc:Fallback>
+  </mc:AlternateContent>
 </p:sld>
 </file>
 
 <file path=ppt/slides/slide14.xml><?xml version="1.0" encoding="utf-8"?>
+<p:sld xmlns:a="http://schemas.openxmlformats.org/drawingml/2006/main" xmlns:r="http://schemas.openxmlformats.org/officeDocument/2006/relationships" xmlns:p="http://schemas.openxmlformats.org/presentationml/2006/main">
+  <p:cSld>
+    <p:spTree>
+      <p:nvGrpSpPr>
+        <p:cNvPr id="1" name=""/>
+        <p:cNvGrpSpPr/>
+        <p:nvPr/>
+      </p:nvGrpSpPr>
+      <p:grpSpPr>
+        <a:xfrm>
+          <a:off x="0" y="0"/>
+          <a:ext cx="0" cy="0"/>
+          <a:chOff x="0" y="0"/>
+          <a:chExt cx="0" cy="0"/>
+        </a:xfrm>
+      </p:grpSpPr>
+      <p:sp>
+        <p:nvSpPr>
+          <p:cNvPr id="2" name="Cím 1">
+            <a:extLst>
+              <a:ext uri="{FF2B5EF4-FFF2-40B4-BE49-F238E27FC236}">
+                <a16:creationId xmlns:a16="http://schemas.microsoft.com/office/drawing/2014/main" id="{A516CBBC-1215-839B-C529-40AFF1DBA5FA}"/>
+              </a:ext>
+            </a:extLst>
+          </p:cNvPr>
+          <p:cNvSpPr>
+            <a:spLocks noGrp="1"/>
+          </p:cNvSpPr>
+          <p:nvPr>
+            <p:ph type="title"/>
+          </p:nvPr>
+        </p:nvSpPr>
+        <p:spPr/>
+        <p:txBody>
+          <a:bodyPr/>
+          <a:lstStyle/>
+          <a:p>
+            <a:r>
+              <a:rPr lang="hu-HU" dirty="0" err="1"/>
+              <a:t>Etherchannel</a:t>
+            </a:r>
+          </a:p>
+        </p:txBody>
+      </p:sp>
+      <p:pic>
+        <p:nvPicPr>
+          <p:cNvPr id="4" name="Tartalom helye 3" descr="A képen szöveg, képernyőkép, Betűtípus, szám látható&#10;&#10;Automatikusan generált leírás">
+            <a:extLst>
+              <a:ext uri="{FF2B5EF4-FFF2-40B4-BE49-F238E27FC236}">
+                <a16:creationId xmlns:a16="http://schemas.microsoft.com/office/drawing/2014/main" id="{8F51012D-93CF-6638-A16C-EC585B8CA647}"/>
+              </a:ext>
+            </a:extLst>
+          </p:cNvPr>
+          <p:cNvPicPr>
+            <a:picLocks noGrp="1" noChangeAspect="1"/>
+          </p:cNvPicPr>
+          <p:nvPr>
+            <p:ph idx="1"/>
+          </p:nvPr>
+        </p:nvPicPr>
+        <p:blipFill>
+          <a:blip r:embed="rId2"/>
+          <a:stretch>
+            <a:fillRect/>
+          </a:stretch>
+        </p:blipFill>
+        <p:spPr>
+          <a:xfrm>
+            <a:off x="291795" y="1849419"/>
+            <a:ext cx="4676775" cy="2590800"/>
+          </a:xfrm>
+        </p:spPr>
+      </p:pic>
+      <p:sp>
+        <p:nvSpPr>
+          <p:cNvPr id="5" name="Szövegdoboz 4">
+            <a:extLst>
+              <a:ext uri="{FF2B5EF4-FFF2-40B4-BE49-F238E27FC236}">
+                <a16:creationId xmlns:a16="http://schemas.microsoft.com/office/drawing/2014/main" id="{061CDD4A-897E-440E-CB45-70C89985EE10}"/>
+              </a:ext>
+            </a:extLst>
+          </p:cNvPr>
+          <p:cNvSpPr txBox="1"/>
+          <p:nvPr/>
+        </p:nvSpPr>
+        <p:spPr>
+          <a:xfrm>
+            <a:off x="1254578" y="4686300"/>
+            <a:ext cx="2743200" cy="365760"/>
+          </a:xfrm>
+          <a:prstGeom prst="rect">
+            <a:avLst/>
+          </a:prstGeom>
+          <a:noFill/>
+        </p:spPr>
+        <p:txBody>
+          <a:bodyPr rot="0" spcFirstLastPara="0" vertOverflow="overflow" horzOverflow="overflow" vert="horz" wrap="square" lIns="91440" tIns="45720" rIns="91440" bIns="45720" numCol="1" spcCol="0" rtlCol="0" fromWordArt="0" anchor="t" anchorCtr="0" forceAA="0" compatLnSpc="1">
+            <a:prstTxWarp prst="textNoShape">
+              <a:avLst/>
+            </a:prstTxWarp>
+            <a:spAutoFit/>
+          </a:bodyPr>
+          <a:lstStyle/>
+          <a:p>
+            <a:r>
+              <a:rPr lang="hu-HU" dirty="0" err="1"/>
+              <a:t>Delivery</a:t>
+            </a:r>
+            <a:r>
+              <a:rPr lang="hu-HU" dirty="0"/>
+              <a:t> SW1</a:t>
+            </a:r>
+          </a:p>
+        </p:txBody>
+      </p:sp>
+      <p:pic>
+        <p:nvPicPr>
+          <p:cNvPr id="6" name="Kép 5" descr="A képen szöveg, képernyőkép, Betűtípus, szám látható&#10;&#10;Automatikusan generált leírás">
+            <a:extLst>
+              <a:ext uri="{FF2B5EF4-FFF2-40B4-BE49-F238E27FC236}">
+                <a16:creationId xmlns:a16="http://schemas.microsoft.com/office/drawing/2014/main" id="{F554DD30-6FD6-D479-FB9F-AA02FDB2159A}"/>
+              </a:ext>
+            </a:extLst>
+          </p:cNvPr>
+          <p:cNvPicPr>
+            <a:picLocks noChangeAspect="1"/>
+          </p:cNvPicPr>
+          <p:nvPr/>
+        </p:nvPicPr>
+        <p:blipFill>
+          <a:blip r:embed="rId3"/>
+          <a:stretch>
+            <a:fillRect/>
+          </a:stretch>
+        </p:blipFill>
+        <p:spPr>
+          <a:xfrm>
+            <a:off x="6585177" y="1891393"/>
+            <a:ext cx="4791075" cy="2552700"/>
+          </a:xfrm>
+          <a:prstGeom prst="rect">
+            <a:avLst/>
+          </a:prstGeom>
+        </p:spPr>
+      </p:pic>
+      <p:sp>
+        <p:nvSpPr>
+          <p:cNvPr id="7" name="Szövegdoboz 6">
+            <a:extLst>
+              <a:ext uri="{FF2B5EF4-FFF2-40B4-BE49-F238E27FC236}">
+                <a16:creationId xmlns:a16="http://schemas.microsoft.com/office/drawing/2014/main" id="{76F60A54-300A-ACA9-6AC4-80133601EA2C}"/>
+              </a:ext>
+            </a:extLst>
+          </p:cNvPr>
+          <p:cNvSpPr txBox="1"/>
+          <p:nvPr/>
+        </p:nvSpPr>
+        <p:spPr>
+          <a:xfrm>
+            <a:off x="7611835" y="4683578"/>
+            <a:ext cx="2743200" cy="365760"/>
+          </a:xfrm>
+          <a:prstGeom prst="rect">
+            <a:avLst/>
+          </a:prstGeom>
+          <a:noFill/>
+        </p:spPr>
+        <p:txBody>
+          <a:bodyPr rot="0" spcFirstLastPara="0" vertOverflow="overflow" horzOverflow="overflow" vert="horz" wrap="square" lIns="91440" tIns="45720" rIns="91440" bIns="45720" numCol="1" spcCol="0" rtlCol="0" fromWordArt="0" anchor="t" anchorCtr="0" forceAA="0" compatLnSpc="1">
+            <a:prstTxWarp prst="textNoShape">
+              <a:avLst/>
+            </a:prstTxWarp>
+            <a:spAutoFit/>
+          </a:bodyPr>
+          <a:lstStyle/>
+          <a:p>
+            <a:pPr algn="l"/>
+            <a:r>
+              <a:rPr lang="hu-HU" dirty="0"/>
+              <a:t>DeliverySW2</a:t>
+            </a:r>
+          </a:p>
+        </p:txBody>
+      </p:sp>
+    </p:spTree>
+    <p:extLst>
+      <p:ext uri="{BB962C8B-B14F-4D97-AF65-F5344CB8AC3E}">
+        <p14:creationId xmlns:p14="http://schemas.microsoft.com/office/powerpoint/2010/main" val="263871110"/>
+      </p:ext>
+    </p:extLst>
+  </p:cSld>
+  <p:clrMapOvr>
+    <a:masterClrMapping/>
+  </p:clrMapOvr>
+  <mc:AlternateContent xmlns:mc="http://schemas.openxmlformats.org/markup-compatibility/2006">
+    <mc:Choice xmlns:p14="http://schemas.microsoft.com/office/powerpoint/2010/main" Requires="p14">
+      <p:transition p14:dur="100">
+        <p:cut/>
+      </p:transition>
+    </mc:Choice>
+    <mc:Fallback>
+      <p:transition>
+        <p:cut/>
+      </p:transition>
+    </mc:Fallback>
+  </mc:AlternateContent>
+</p:sld>
+</file>
+
+<file path=ppt/slides/slide15.xml><?xml version="1.0" encoding="utf-8"?>
+<p:sld xmlns:a="http://schemas.openxmlformats.org/drawingml/2006/main" xmlns:r="http://schemas.openxmlformats.org/officeDocument/2006/relationships" xmlns:p="http://schemas.openxmlformats.org/presentationml/2006/main">
+  <p:cSld>
+    <p:spTree>
+      <p:nvGrpSpPr>
+        <p:cNvPr id="1" name=""/>
+        <p:cNvGrpSpPr/>
+        <p:nvPr/>
+      </p:nvGrpSpPr>
+      <p:grpSpPr>
+        <a:xfrm>
+          <a:off x="0" y="0"/>
+          <a:ext cx="0" cy="0"/>
+          <a:chOff x="0" y="0"/>
+          <a:chExt cx="0" cy="0"/>
+        </a:xfrm>
+      </p:grpSpPr>
+      <p:sp>
+        <p:nvSpPr>
+          <p:cNvPr id="2" name="Cím 1">
+            <a:extLst>
+              <a:ext uri="{FF2B5EF4-FFF2-40B4-BE49-F238E27FC236}">
+                <a16:creationId xmlns:a16="http://schemas.microsoft.com/office/drawing/2014/main" id="{9804002F-AA49-383E-62E5-209DA41913F3}"/>
+              </a:ext>
+            </a:extLst>
+          </p:cNvPr>
+          <p:cNvSpPr>
+            <a:spLocks noGrp="1"/>
+          </p:cNvSpPr>
+          <p:nvPr>
+            <p:ph type="ctrTitle"/>
+          </p:nvPr>
+        </p:nvSpPr>
+        <p:spPr/>
+        <p:txBody>
+          <a:bodyPr/>
+          <a:lstStyle/>
+          <a:p>
+            <a:r>
+              <a:rPr lang="hu-HU" dirty="0"/>
+              <a:t>Tesztelések</a:t>
+            </a:r>
+          </a:p>
+        </p:txBody>
+      </p:sp>
+      <p:sp>
+        <p:nvSpPr>
+          <p:cNvPr id="3" name="Tartalom helye 2">
+            <a:extLst>
+              <a:ext uri="{FF2B5EF4-FFF2-40B4-BE49-F238E27FC236}">
+                <a16:creationId xmlns:a16="http://schemas.microsoft.com/office/drawing/2014/main" id="{CB47C6EC-371E-FBEB-5ABF-0010B3C7FFC7}"/>
+              </a:ext>
+            </a:extLst>
+          </p:cNvPr>
+          <p:cNvSpPr>
+            <a:spLocks noGrp="1"/>
+          </p:cNvSpPr>
+          <p:nvPr>
+            <p:ph type="subTitle" idx="1"/>
+          </p:nvPr>
+        </p:nvSpPr>
+        <p:spPr/>
+        <p:txBody>
+          <a:bodyPr/>
+          <a:lstStyle/>
+          <a:p>
+            <a:endParaRPr lang="hu-HU"/>
+          </a:p>
+        </p:txBody>
+      </p:sp>
+    </p:spTree>
+    <p:extLst>
+      <p:ext uri="{BB962C8B-B14F-4D97-AF65-F5344CB8AC3E}">
+        <p14:creationId xmlns:p14="http://schemas.microsoft.com/office/powerpoint/2010/main" val="1237153563"/>
+      </p:ext>
+    </p:extLst>
+  </p:cSld>
+  <p:clrMapOvr>
+    <a:masterClrMapping/>
+  </p:clrMapOvr>
+  <mc:AlternateContent xmlns:mc="http://schemas.openxmlformats.org/markup-compatibility/2006">
+    <mc:Choice xmlns:p14="http://schemas.microsoft.com/office/powerpoint/2010/main" Requires="p14">
+      <p:transition p14:dur="100">
+        <p:cut/>
+      </p:transition>
+    </mc:Choice>
+    <mc:Fallback>
+      <p:transition>
+        <p:cut/>
+      </p:transition>
+    </mc:Fallback>
+  </mc:AlternateContent>
+</p:sld>
+</file>
+
+<file path=ppt/slides/slide16.xml><?xml version="1.0" encoding="utf-8"?>
 <p:sld xmlns:a="http://schemas.openxmlformats.org/drawingml/2006/main" xmlns:r="http://schemas.openxmlformats.org/officeDocument/2006/relationships" xmlns:p="http://schemas.openxmlformats.org/presentationml/2006/main">
   <p:cSld>
     <p:bg>
@@ -11602,267 +12568,15 @@
           <a:chExt cx="0" cy="0"/>
         </a:xfrm>
       </p:grpSpPr>
-      <p:sp>
-        <p:nvSpPr>
-          <p:cNvPr id="2" name="Title 1">
+      <p:pic>
+        <p:nvPicPr>
+          <p:cNvPr id="36" name="Picture 8">
             <a:extLst>
               <a:ext uri="{FF2B5EF4-FFF2-40B4-BE49-F238E27FC236}">
-                <a16:creationId xmlns:a16="http://schemas.microsoft.com/office/drawing/2014/main" id="{7B3BF063-5B6B-15C0-3651-17D0BD1B7986}"/>
-              </a:ext>
-            </a:extLst>
-          </p:cNvPr>
-          <p:cNvSpPr>
-            <a:spLocks noGrp="1"/>
-          </p:cNvSpPr>
-          <p:nvPr>
-            <p:ph type="title"/>
-          </p:nvPr>
-        </p:nvSpPr>
-        <p:spPr>
-          <a:xfrm>
-            <a:off x="648930" y="629266"/>
-            <a:ext cx="3322912" cy="1641987"/>
-          </a:xfrm>
-        </p:spPr>
-        <p:txBody>
-          <a:bodyPr>
-            <a:normAutofit fontScale="90000"/>
-          </a:bodyPr>
-          <a:lstStyle/>
-          <a:p>
-            <a:r>
-              <a:rPr lang="hu-HU" sz="3900" dirty="0"/>
-              <a:t>Ping</a:t>
-            </a:r>
-            <a:br>
-              <a:rPr lang="hu-HU" sz="3900" dirty="0"/>
-            </a:br>
-            <a:r>
-              <a:rPr lang="hu-HU" sz="3900" dirty="0"/>
-              <a:t>(Vlan 60 </a:t>
-            </a:r>
-            <a:br>
-              <a:rPr lang="hu-HU" sz="3900" dirty="0"/>
-            </a:br>
-            <a:r>
-              <a:rPr lang="hu-HU" sz="3900" dirty="0"/>
-              <a:t>Vlan 40)</a:t>
-            </a:r>
-          </a:p>
-        </p:txBody>
-      </p:sp>
-      <p:pic>
-        <p:nvPicPr>
-          <p:cNvPr id="5" name="Content Placeholder 4">
-            <a:extLst>
-              <a:ext uri="{FF2B5EF4-FFF2-40B4-BE49-F238E27FC236}">
-                <a16:creationId xmlns:a16="http://schemas.microsoft.com/office/drawing/2014/main" id="{91C4855D-B0FD-6585-C530-E7FECD10B8C1}"/>
-              </a:ext>
-            </a:extLst>
-          </p:cNvPr>
-          <p:cNvPicPr>
-            <a:picLocks noChangeAspect="1"/>
-          </p:cNvPicPr>
-          <p:nvPr/>
-        </p:nvPicPr>
-        <p:blipFill>
-          <a:blip r:embed="rId3"/>
-          <a:srcRect r="22263"/>
-          <a:stretch/>
-        </p:blipFill>
-        <p:spPr>
-          <a:xfrm>
-            <a:off x="4619544" y="609601"/>
-            <a:ext cx="6924756" cy="5638797"/>
-          </a:xfrm>
-          <a:prstGeom prst="rect">
-            <a:avLst/>
-          </a:prstGeom>
-          <a:effectLst>
-            <a:outerShdw blurRad="50800" dist="38100" dir="5400000" algn="t" rotWithShape="0">
-              <a:prstClr val="black">
-                <a:alpha val="43000"/>
-              </a:prstClr>
-            </a:outerShdw>
-          </a:effectLst>
-        </p:spPr>
-      </p:pic>
-      <p:sp>
-        <p:nvSpPr>
-          <p:cNvPr id="41" name="Rectangle 11">
-            <a:extLst>
-              <a:ext uri="{FF2B5EF4-FFF2-40B4-BE49-F238E27FC236}">
-                <a16:creationId xmlns:a16="http://schemas.microsoft.com/office/drawing/2014/main" id="{A93A089E-0A16-452C-B341-0F769780D262}"/>
+                <a16:creationId xmlns:a16="http://schemas.microsoft.com/office/drawing/2014/main" id="{DF19BAF3-7E20-4B9D-B544-BABAEEA1FA75}"/>
               </a:ext>
               <a:ext uri="{C183D7F6-B498-43B3-948B-1728B52AA6E4}">
-                <adec:decorative xmlns:adec="http://schemas.microsoft.com/office/drawing/2017/decorative" xmlns="" val="1"/>
-              </a:ext>
-            </a:extLst>
-          </p:cNvPr>
-          <p:cNvSpPr>
-            <a:spLocks noGrp="1" noRot="1" noChangeAspect="1" noMove="1" noResize="1" noEditPoints="1" noAdjustHandles="1" noChangeArrowheads="1" noChangeShapeType="1" noTextEdit="1"/>
-          </p:cNvSpPr>
-          <p:nvPr>
-            <p:extLst>
-              <p:ext uri="{386F3935-93C4-4BCD-93E2-E3B085C9AB24}">
-                <p16:designElem xmlns:p16="http://schemas.microsoft.com/office/powerpoint/2015/main" val="1"/>
-              </p:ext>
-            </p:extLst>
-          </p:nvPr>
-        </p:nvSpPr>
-        <p:spPr>
-          <a:xfrm>
-            <a:off x="10442448" y="0"/>
-            <a:ext cx="685800" cy="1143000"/>
-          </a:xfrm>
-          <a:prstGeom prst="rect">
-            <a:avLst/>
-          </a:prstGeom>
-          <a:solidFill>
-            <a:schemeClr val="accent1"/>
-          </a:solidFill>
-          <a:ln>
-            <a:noFill/>
-          </a:ln>
-        </p:spPr>
-        <p:style>
-          <a:lnRef idx="1">
-            <a:schemeClr val="accent1"/>
-          </a:lnRef>
-          <a:fillRef idx="3">
-            <a:schemeClr val="accent1"/>
-          </a:fillRef>
-          <a:effectRef idx="2">
-            <a:schemeClr val="accent1"/>
-          </a:effectRef>
-          <a:fontRef idx="minor">
-            <a:schemeClr val="lt1"/>
-          </a:fontRef>
-        </p:style>
-      </p:sp>
-      <p:sp>
-        <p:nvSpPr>
-          <p:cNvPr id="42" name="Content Placeholder 8">
-            <a:extLst>
-              <a:ext uri="{FF2B5EF4-FFF2-40B4-BE49-F238E27FC236}">
-                <a16:creationId xmlns:a16="http://schemas.microsoft.com/office/drawing/2014/main" id="{8687DA98-E0F0-7017-C932-6EF9C5277995}"/>
-              </a:ext>
-            </a:extLst>
-          </p:cNvPr>
-          <p:cNvSpPr>
-            <a:spLocks noGrp="1"/>
-          </p:cNvSpPr>
-          <p:nvPr>
-            <p:ph idx="1"/>
-          </p:nvPr>
-        </p:nvSpPr>
-        <p:spPr>
-          <a:xfrm>
-            <a:off x="647701" y="2438401"/>
-            <a:ext cx="3324141" cy="3809998"/>
-          </a:xfrm>
-        </p:spPr>
-        <p:txBody>
-          <a:bodyPr>
-            <a:normAutofit/>
-          </a:bodyPr>
-          <a:lstStyle/>
-          <a:p>
-            <a:endParaRPr lang="en-US"/>
-          </a:p>
-        </p:txBody>
-      </p:sp>
-    </p:spTree>
-    <p:extLst>
-      <p:ext uri="{BB962C8B-B14F-4D97-AF65-F5344CB8AC3E}">
-        <p14:creationId xmlns:p14="http://schemas.microsoft.com/office/powerpoint/2010/main" val="3738045926"/>
-      </p:ext>
-    </p:extLst>
-  </p:cSld>
-  <p:clrMapOvr>
-    <a:masterClrMapping/>
-  </p:clrMapOvr>
-</p:sld>
-</file>
-
-<file path=ppt/slides/slide2.xml><?xml version="1.0" encoding="utf-8"?>
-<p:sld xmlns:a="http://schemas.openxmlformats.org/drawingml/2006/main" xmlns:r="http://schemas.openxmlformats.org/officeDocument/2006/relationships" xmlns:p="http://schemas.openxmlformats.org/presentationml/2006/main">
-  <p:cSld>
-    <p:bg>
-      <p:bgPr>
-        <a:solidFill>
-          <a:schemeClr val="bg1"/>
-        </a:solidFill>
-        <a:effectLst/>
-      </p:bgPr>
-    </p:bg>
-    <p:spTree>
-      <p:nvGrpSpPr>
-        <p:cNvPr id="1" name=""/>
-        <p:cNvGrpSpPr/>
-        <p:nvPr/>
-      </p:nvGrpSpPr>
-      <p:grpSpPr>
-        <a:xfrm>
-          <a:off x="0" y="0"/>
-          <a:ext cx="0" cy="0"/>
-          <a:chOff x="0" y="0"/>
-          <a:chExt cx="0" cy="0"/>
-        </a:xfrm>
-      </p:grpSpPr>
-      <p:pic>
-        <p:nvPicPr>
-          <p:cNvPr id="10" name="Picture 9">
-            <a:extLst>
-              <a:ext uri="{FF2B5EF4-FFF2-40B4-BE49-F238E27FC236}">
-                <a16:creationId xmlns:a16="http://schemas.microsoft.com/office/drawing/2014/main" id="{41B68C77-138E-4BF7-A276-BD0C78A4219F}"/>
-              </a:ext>
-              <a:ext uri="{C183D7F6-B498-43B3-948B-1728B52AA6E4}">
-                <adec:decorative xmlns:adec="http://schemas.microsoft.com/office/drawing/2017/decorative" xmlns="" val="1"/>
-              </a:ext>
-            </a:extLst>
-          </p:cNvPr>
-          <p:cNvPicPr>
-            <a:picLocks noGrp="1" noRot="1" noChangeAspect="1" noMove="1" noResize="1" noEditPoints="1" noAdjustHandles="1" noChangeArrowheads="1" noChangeShapeType="1" noCrop="1"/>
-          </p:cNvPicPr>
-          <p:nvPr>
-            <p:extLst>
-              <p:ext uri="{386F3935-93C4-4BCD-93E2-E3B085C9AB24}">
-                <p16:designElem xmlns:p16="http://schemas.microsoft.com/office/powerpoint/2015/main" val="1"/>
-              </p:ext>
-            </p:extLst>
-          </p:nvPr>
-        </p:nvPicPr>
-        <p:blipFill rotWithShape="1">
-          <a:blip r:embed="rId2">
-            <a:extLst>
-              <a:ext uri="{28A0092B-C50C-407E-A947-70E740481C1C}">
-                <a14:useLocalDpi xmlns:a14="http://schemas.microsoft.com/office/drawing/2010/main" val="0"/>
-              </a:ext>
-            </a:extLst>
-          </a:blip>
-          <a:srcRect l="3613"/>
-          <a:stretch/>
-        </p:blipFill>
-        <p:spPr>
-          <a:xfrm>
-            <a:off x="0" y="2669685"/>
-            <a:ext cx="4037012" cy="4188315"/>
-          </a:xfrm>
-          <a:prstGeom prst="rect">
-            <a:avLst/>
-          </a:prstGeom>
-        </p:spPr>
-      </p:pic>
-      <p:pic>
-        <p:nvPicPr>
-          <p:cNvPr id="12" name="Picture 11">
-            <a:extLst>
-              <a:ext uri="{FF2B5EF4-FFF2-40B4-BE49-F238E27FC236}">
-                <a16:creationId xmlns:a16="http://schemas.microsoft.com/office/drawing/2014/main" id="{7C268552-D473-46ED-B1B8-422042C4DEF1}"/>
-              </a:ext>
-              <a:ext uri="{C183D7F6-B498-43B3-948B-1728B52AA6E4}">
-                <adec:decorative xmlns:adec="http://schemas.microsoft.com/office/drawing/2017/decorative" xmlns="" val="1"/>
+                <adec:decorative xmlns:adec="http://schemas.microsoft.com/office/drawing/2017/decorative" val="1"/>
               </a:ext>
             </a:extLst>
           </p:cNvPr>
@@ -11885,6 +12599,50 @@
               </a:ext>
             </a:extLst>
           </a:blip>
+          <a:srcRect l="3613"/>
+          <a:stretch/>
+        </p:blipFill>
+        <p:spPr>
+          <a:xfrm>
+            <a:off x="0" y="2669685"/>
+            <a:ext cx="4037012" cy="4188315"/>
+          </a:xfrm>
+          <a:prstGeom prst="rect">
+            <a:avLst/>
+          </a:prstGeom>
+        </p:spPr>
+      </p:pic>
+      <p:pic>
+        <p:nvPicPr>
+          <p:cNvPr id="37" name="Picture 10">
+            <a:extLst>
+              <a:ext uri="{FF2B5EF4-FFF2-40B4-BE49-F238E27FC236}">
+                <a16:creationId xmlns:a16="http://schemas.microsoft.com/office/drawing/2014/main" id="{950648F4-ABCD-4DF0-8641-76CFB2354721}"/>
+              </a:ext>
+              <a:ext uri="{C183D7F6-B498-43B3-948B-1728B52AA6E4}">
+                <adec:decorative xmlns:adec="http://schemas.microsoft.com/office/drawing/2017/decorative" val="1"/>
+              </a:ext>
+            </a:extLst>
+          </p:cNvPr>
+          <p:cNvPicPr>
+            <a:picLocks noGrp="1" noRot="1" noChangeAspect="1" noMove="1" noResize="1" noEditPoints="1" noAdjustHandles="1" noChangeArrowheads="1" noChangeShapeType="1" noCrop="1"/>
+          </p:cNvPicPr>
+          <p:nvPr>
+            <p:extLst>
+              <p:ext uri="{386F3935-93C4-4BCD-93E2-E3B085C9AB24}">
+                <p16:designElem xmlns:p16="http://schemas.microsoft.com/office/powerpoint/2015/main" val="1"/>
+              </p:ext>
+            </p:extLst>
+          </p:nvPr>
+        </p:nvPicPr>
+        <p:blipFill rotWithShape="1">
+          <a:blip r:embed="rId4">
+            <a:extLst>
+              <a:ext uri="{28A0092B-C50C-407E-A947-70E740481C1C}">
+                <a14:useLocalDpi xmlns:a14="http://schemas.microsoft.com/office/drawing/2010/main" val="0"/>
+              </a:ext>
+            </a:extLst>
+          </a:blip>
           <a:srcRect l="35640"/>
           <a:stretch/>
         </p:blipFill>
@@ -11900,13 +12658,13 @@
       </p:pic>
       <p:sp>
         <p:nvSpPr>
-          <p:cNvPr id="14" name="Oval 13">
+          <p:cNvPr id="38" name="Oval 12">
             <a:extLst>
               <a:ext uri="{FF2B5EF4-FFF2-40B4-BE49-F238E27FC236}">
-                <a16:creationId xmlns:a16="http://schemas.microsoft.com/office/drawing/2014/main" id="{4AC0CD9D-7610-4620-93B4-798CCD9AB581}"/>
+                <a16:creationId xmlns:a16="http://schemas.microsoft.com/office/drawing/2014/main" id="{989BE678-777B-482A-A616-FEDC47B162E5}"/>
               </a:ext>
               <a:ext uri="{C183D7F6-B498-43B3-948B-1728B52AA6E4}">
-                <adec:decorative xmlns:adec="http://schemas.microsoft.com/office/drawing/2017/decorative" xmlns="" val="1"/>
+                <adec:decorative xmlns:adec="http://schemas.microsoft.com/office/drawing/2017/decorative" val="1"/>
               </a:ext>
             </a:extLst>
           </p:cNvPr>
@@ -11980,57 +12738,13 @@
       </p:sp>
       <p:pic>
         <p:nvPicPr>
-          <p:cNvPr id="16" name="Picture 15">
+          <p:cNvPr id="39" name="Picture 14">
             <a:extLst>
               <a:ext uri="{FF2B5EF4-FFF2-40B4-BE49-F238E27FC236}">
-                <a16:creationId xmlns:a16="http://schemas.microsoft.com/office/drawing/2014/main" id="{B9238B3E-24AA-439A-B527-6C5DF6D72145}"/>
+                <a16:creationId xmlns:a16="http://schemas.microsoft.com/office/drawing/2014/main" id="{CF1EB4BD-9C7E-4AA3-9681-C7EB0DA6250B}"/>
               </a:ext>
               <a:ext uri="{C183D7F6-B498-43B3-948B-1728B52AA6E4}">
-                <adec:decorative xmlns:adec="http://schemas.microsoft.com/office/drawing/2017/decorative" xmlns="" val="1"/>
-              </a:ext>
-            </a:extLst>
-          </p:cNvPr>
-          <p:cNvPicPr>
-            <a:picLocks noGrp="1" noRot="1" noChangeAspect="1" noMove="1" noResize="1" noEditPoints="1" noAdjustHandles="1" noChangeArrowheads="1" noChangeShapeType="1" noCrop="1"/>
-          </p:cNvPicPr>
-          <p:nvPr>
-            <p:extLst>
-              <p:ext uri="{386F3935-93C4-4BCD-93E2-E3B085C9AB24}">
-                <p16:designElem xmlns:p16="http://schemas.microsoft.com/office/powerpoint/2015/main" val="1"/>
-              </p:ext>
-            </p:extLst>
-          </p:nvPr>
-        </p:nvPicPr>
-        <p:blipFill rotWithShape="1">
-          <a:blip r:embed="rId4">
-            <a:extLst>
-              <a:ext uri="{28A0092B-C50C-407E-A947-70E740481C1C}">
-                <a14:useLocalDpi xmlns:a14="http://schemas.microsoft.com/office/drawing/2010/main" val="0"/>
-              </a:ext>
-            </a:extLst>
-          </a:blip>
-          <a:srcRect t="28813"/>
-          <a:stretch/>
-        </p:blipFill>
-        <p:spPr>
-          <a:xfrm>
-            <a:off x="7999412" y="0"/>
-            <a:ext cx="1603387" cy="1141407"/>
-          </a:xfrm>
-          <a:prstGeom prst="rect">
-            <a:avLst/>
-          </a:prstGeom>
-        </p:spPr>
-      </p:pic>
-      <p:pic>
-        <p:nvPicPr>
-          <p:cNvPr id="18" name="Picture 17">
-            <a:extLst>
-              <a:ext uri="{FF2B5EF4-FFF2-40B4-BE49-F238E27FC236}">
-                <a16:creationId xmlns:a16="http://schemas.microsoft.com/office/drawing/2014/main" id="{69F01145-BEA3-4CBF-AA21-10077B948CA8}"/>
-              </a:ext>
-              <a:ext uri="{C183D7F6-B498-43B3-948B-1728B52AA6E4}">
-                <adec:decorative xmlns:adec="http://schemas.microsoft.com/office/drawing/2017/decorative" xmlns="" val="1"/>
+                <adec:decorative xmlns:adec="http://schemas.microsoft.com/office/drawing/2017/decorative" val="1"/>
               </a:ext>
             </a:extLst>
           </p:cNvPr>
@@ -12053,6 +12767,50 @@
               </a:ext>
             </a:extLst>
           </a:blip>
+          <a:srcRect t="28813"/>
+          <a:stretch/>
+        </p:blipFill>
+        <p:spPr>
+          <a:xfrm>
+            <a:off x="7999412" y="0"/>
+            <a:ext cx="1603387" cy="1141407"/>
+          </a:xfrm>
+          <a:prstGeom prst="rect">
+            <a:avLst/>
+          </a:prstGeom>
+        </p:spPr>
+      </p:pic>
+      <p:pic>
+        <p:nvPicPr>
+          <p:cNvPr id="40" name="Picture 16">
+            <a:extLst>
+              <a:ext uri="{FF2B5EF4-FFF2-40B4-BE49-F238E27FC236}">
+                <a16:creationId xmlns:a16="http://schemas.microsoft.com/office/drawing/2014/main" id="{94AAE3AA-3759-4D28-B0EF-575F25A5146C}"/>
+              </a:ext>
+              <a:ext uri="{C183D7F6-B498-43B3-948B-1728B52AA6E4}">
+                <adec:decorative xmlns:adec="http://schemas.microsoft.com/office/drawing/2017/decorative" val="1"/>
+              </a:ext>
+            </a:extLst>
+          </p:cNvPr>
+          <p:cNvPicPr>
+            <a:picLocks noGrp="1" noRot="1" noChangeAspect="1" noMove="1" noResize="1" noEditPoints="1" noAdjustHandles="1" noChangeArrowheads="1" noChangeShapeType="1" noCrop="1"/>
+          </p:cNvPicPr>
+          <p:nvPr>
+            <p:extLst>
+              <p:ext uri="{386F3935-93C4-4BCD-93E2-E3B085C9AB24}">
+                <p16:designElem xmlns:p16="http://schemas.microsoft.com/office/powerpoint/2015/main" val="1"/>
+              </p:ext>
+            </p:extLst>
+          </p:nvPr>
+        </p:nvPicPr>
+        <p:blipFill rotWithShape="1">
+          <a:blip r:embed="rId6">
+            <a:extLst>
+              <a:ext uri="{28A0092B-C50C-407E-A947-70E740481C1C}">
+                <a14:useLocalDpi xmlns:a14="http://schemas.microsoft.com/office/drawing/2010/main" val="0"/>
+              </a:ext>
+            </a:extLst>
+          </a:blip>
           <a:srcRect b="23320"/>
           <a:stretch/>
         </p:blipFill>
@@ -12068,13 +12826,13 @@
       </p:pic>
       <p:sp>
         <p:nvSpPr>
-          <p:cNvPr id="20" name="Rectangle 19">
+          <p:cNvPr id="41" name="Rectangle 18">
             <a:extLst>
               <a:ext uri="{FF2B5EF4-FFF2-40B4-BE49-F238E27FC236}">
-                <a16:creationId xmlns:a16="http://schemas.microsoft.com/office/drawing/2014/main" id="{DE4D62F9-188E-4530-84C2-24BDEE4BEB82}"/>
+                <a16:creationId xmlns:a16="http://schemas.microsoft.com/office/drawing/2014/main" id="{D28BE0C3-2102-4820-B88B-A448B1840D14}"/>
               </a:ext>
               <a:ext uri="{C183D7F6-B498-43B3-948B-1728B52AA6E4}">
-                <adec:decorative xmlns:adec="http://schemas.microsoft.com/office/drawing/2017/decorative" xmlns="" val="1"/>
+                <adec:decorative xmlns:adec="http://schemas.microsoft.com/office/drawing/2017/decorative" val="1"/>
               </a:ext>
             </a:extLst>
           </p:cNvPr>
@@ -12119,128 +12877,205 @@
           </a:fontRef>
         </p:style>
       </p:sp>
-      <p:sp useBgFill="1">
-        <p:nvSpPr>
-          <p:cNvPr id="22" name="Rectangle 21">
+      <p:pic>
+        <p:nvPicPr>
+          <p:cNvPr id="4" name="Tartalom helye 3" descr="A képen szöveg, képernyőkép, Weblap, szoftver látható&#10;&#10;Automatikusan generált leírás">
             <a:extLst>
               <a:ext uri="{FF2B5EF4-FFF2-40B4-BE49-F238E27FC236}">
-                <a16:creationId xmlns:a16="http://schemas.microsoft.com/office/drawing/2014/main" id="{D27CF008-4B18-436D-B2D5-C1346C12438E}"/>
-              </a:ext>
-              <a:ext uri="{C183D7F6-B498-43B3-948B-1728B52AA6E4}">
-                <adec:decorative xmlns:adec="http://schemas.microsoft.com/office/drawing/2017/decorative" xmlns="" val="1"/>
+                <a16:creationId xmlns:a16="http://schemas.microsoft.com/office/drawing/2014/main" id="{971D3274-5A59-4619-88F2-F7F9F4D6F05A}"/>
               </a:ext>
             </a:extLst>
           </p:cNvPr>
-          <p:cNvSpPr>
-            <a:spLocks noGrp="1" noRot="1" noChangeAspect="1" noMove="1" noResize="1" noEditPoints="1" noAdjustHandles="1" noChangeArrowheads="1" noChangeShapeType="1" noTextEdit="1"/>
-          </p:cNvSpPr>
+          <p:cNvPicPr>
+            <a:picLocks noGrp="1" noChangeAspect="1"/>
+          </p:cNvPicPr>
           <p:nvPr>
-            <p:extLst>
-              <p:ext uri="{386F3935-93C4-4BCD-93E2-E3B085C9AB24}">
-                <p16:designElem xmlns:p16="http://schemas.microsoft.com/office/powerpoint/2015/main" val="1"/>
-              </p:ext>
-            </p:extLst>
+            <p:ph idx="1"/>
           </p:nvPr>
-        </p:nvSpPr>
+        </p:nvPicPr>
+        <p:blipFill>
+          <a:blip r:embed="rId7"/>
+          <a:srcRect r="-1" b="22306"/>
+          <a:stretch/>
+        </p:blipFill>
         <p:spPr>
           <a:xfrm>
-            <a:off x="0" y="-5"/>
-            <a:ext cx="12191695" cy="4730744"/>
+            <a:off x="1" y="-5"/>
+            <a:ext cx="12191695" cy="5020241"/>
           </a:xfrm>
-          <a:prstGeom prst="rect">
+          <a:custGeom>
             <a:avLst/>
-          </a:prstGeom>
-          <a:ln>
-            <a:noFill/>
-          </a:ln>
+            <a:gdLst/>
+            <a:ahLst/>
+            <a:cxnLst/>
+            <a:rect l="l" t="t" r="r" b="b"/>
+            <a:pathLst>
+              <a:path w="12191695" h="5020241">
+                <a:moveTo>
+                  <a:pt x="0" y="0"/>
+                </a:moveTo>
+                <a:lnTo>
+                  <a:pt x="12191695" y="0"/>
+                </a:lnTo>
+                <a:lnTo>
+                  <a:pt x="12191695" y="4057991"/>
+                </a:lnTo>
+                <a:lnTo>
+                  <a:pt x="11914945" y="4110187"/>
+                </a:lnTo>
+                <a:lnTo>
+                  <a:pt x="11639412" y="4159931"/>
+                </a:lnTo>
+                <a:lnTo>
+                  <a:pt x="11362661" y="4208624"/>
+                </a:lnTo>
+                <a:lnTo>
+                  <a:pt x="11084690" y="4250310"/>
+                </a:lnTo>
+                <a:lnTo>
+                  <a:pt x="10807939" y="4292347"/>
+                </a:lnTo>
+                <a:lnTo>
+                  <a:pt x="10529968" y="4331582"/>
+                </a:lnTo>
+                <a:lnTo>
+                  <a:pt x="10255655" y="4365211"/>
+                </a:lnTo>
+                <a:lnTo>
+                  <a:pt x="9977684" y="4397089"/>
+                </a:lnTo>
+                <a:lnTo>
+                  <a:pt x="9700933" y="4426165"/>
+                </a:lnTo>
+                <a:lnTo>
+                  <a:pt x="9429058" y="4451387"/>
+                </a:lnTo>
+                <a:lnTo>
+                  <a:pt x="9153526" y="4476609"/>
+                </a:lnTo>
+                <a:lnTo>
+                  <a:pt x="8881651" y="4497628"/>
+                </a:lnTo>
+                <a:lnTo>
+                  <a:pt x="8609776" y="4514092"/>
+                </a:lnTo>
+                <a:lnTo>
+                  <a:pt x="8339121" y="4531258"/>
+                </a:lnTo>
+                <a:lnTo>
+                  <a:pt x="8070903" y="4545620"/>
+                </a:lnTo>
+                <a:lnTo>
+                  <a:pt x="7805124" y="4555779"/>
+                </a:lnTo>
+                <a:lnTo>
+                  <a:pt x="7539345" y="4564537"/>
+                </a:lnTo>
+                <a:lnTo>
+                  <a:pt x="7276005" y="4572944"/>
+                </a:lnTo>
+                <a:lnTo>
+                  <a:pt x="7016322" y="4576798"/>
+                </a:lnTo>
+                <a:lnTo>
+                  <a:pt x="6756639" y="4581001"/>
+                </a:lnTo>
+                <a:lnTo>
+                  <a:pt x="6500613" y="4583103"/>
+                </a:lnTo>
+                <a:lnTo>
+                  <a:pt x="6247026" y="4581001"/>
+                </a:lnTo>
+                <a:lnTo>
+                  <a:pt x="5995877" y="4581001"/>
+                </a:lnTo>
+                <a:lnTo>
+                  <a:pt x="5747167" y="4576798"/>
+                </a:lnTo>
+                <a:lnTo>
+                  <a:pt x="5503333" y="4570492"/>
+                </a:lnTo>
+                <a:lnTo>
+                  <a:pt x="5261938" y="4564537"/>
+                </a:lnTo>
+                <a:lnTo>
+                  <a:pt x="5025418" y="4557881"/>
+                </a:lnTo>
+                <a:lnTo>
+                  <a:pt x="4790118" y="4547722"/>
+                </a:lnTo>
+                <a:lnTo>
+                  <a:pt x="4558477" y="4536862"/>
+                </a:lnTo>
+                <a:lnTo>
+                  <a:pt x="4331710" y="4527054"/>
+                </a:lnTo>
+                <a:lnTo>
+                  <a:pt x="3889152" y="4499379"/>
+                </a:lnTo>
+                <a:lnTo>
+                  <a:pt x="3464881" y="4469954"/>
+                </a:lnTo>
+                <a:lnTo>
+                  <a:pt x="3057678" y="4439126"/>
+                </a:lnTo>
+                <a:lnTo>
+                  <a:pt x="2672421" y="4405147"/>
+                </a:lnTo>
+                <a:lnTo>
+                  <a:pt x="2304232" y="4369765"/>
+                </a:lnTo>
+                <a:lnTo>
+                  <a:pt x="1962864" y="4331582"/>
+                </a:lnTo>
+                <a:lnTo>
+                  <a:pt x="1642223" y="4294099"/>
+                </a:lnTo>
+                <a:lnTo>
+                  <a:pt x="1347183" y="4256616"/>
+                </a:lnTo>
+                <a:lnTo>
+                  <a:pt x="1076528" y="4221235"/>
+                </a:lnTo>
+                <a:lnTo>
+                  <a:pt x="836351" y="4187605"/>
+                </a:lnTo>
+                <a:lnTo>
+                  <a:pt x="619339" y="4155727"/>
+                </a:lnTo>
+                <a:lnTo>
+                  <a:pt x="436464" y="4129104"/>
+                </a:lnTo>
+                <a:lnTo>
+                  <a:pt x="282848" y="4103881"/>
+                </a:lnTo>
+                <a:lnTo>
+                  <a:pt x="71932" y="4067800"/>
+                </a:lnTo>
+                <a:lnTo>
+                  <a:pt x="1" y="4055539"/>
+                </a:lnTo>
+                <a:lnTo>
+                  <a:pt x="1" y="5020241"/>
+                </a:lnTo>
+                <a:lnTo>
+                  <a:pt x="0" y="5020241"/>
+                </a:lnTo>
+                <a:close/>
+              </a:path>
+            </a:pathLst>
+          </a:custGeom>
         </p:spPr>
-        <p:style>
-          <a:lnRef idx="2">
-            <a:schemeClr val="accent1">
-              <a:shade val="50000"/>
-            </a:schemeClr>
-          </a:lnRef>
-          <a:fillRef idx="1">
-            <a:schemeClr val="accent1"/>
-          </a:fillRef>
-          <a:effectRef idx="0">
-            <a:schemeClr val="accent1"/>
-          </a:effectRef>
-          <a:fontRef idx="minor">
-            <a:schemeClr val="lt1"/>
-          </a:fontRef>
-        </p:style>
-        <p:txBody>
-          <a:bodyPr rtlCol="0" anchor="ctr"/>
-          <a:lstStyle/>
-          <a:p>
-            <a:pPr algn="ctr"/>
-            <a:endParaRPr lang="en-US"/>
-          </a:p>
-        </p:txBody>
-      </p:sp>
+      </p:pic>
       <p:sp>
         <p:nvSpPr>
-          <p:cNvPr id="24" name="Rectangle 23">
-            <a:extLst>
-              <a:ext uri="{FF2B5EF4-FFF2-40B4-BE49-F238E27FC236}">
-                <a16:creationId xmlns:a16="http://schemas.microsoft.com/office/drawing/2014/main" id="{CE22DAD8-5F67-4B73-ADA9-06EF381F7AD6}"/>
-              </a:ext>
-              <a:ext uri="{C183D7F6-B498-43B3-948B-1728B52AA6E4}">
-                <adec:decorative xmlns:adec="http://schemas.microsoft.com/office/drawing/2017/decorative" xmlns="" val="1"/>
-              </a:ext>
-            </a:extLst>
-          </p:cNvPr>
-          <p:cNvSpPr>
-            <a:spLocks noGrp="1" noRot="1" noChangeAspect="1" noMove="1" noResize="1" noEditPoints="1" noAdjustHandles="1" noChangeArrowheads="1" noChangeShapeType="1" noTextEdit="1"/>
-          </p:cNvSpPr>
-          <p:nvPr>
-            <p:extLst>
-              <p:ext uri="{386F3935-93C4-4BCD-93E2-E3B085C9AB24}">
-                <p16:designElem xmlns:p16="http://schemas.microsoft.com/office/powerpoint/2015/main" val="1"/>
-              </p:ext>
-            </p:extLst>
-          </p:nvPr>
-        </p:nvSpPr>
-        <p:spPr>
-          <a:xfrm>
-            <a:off x="10437812" y="0"/>
-            <a:ext cx="685800" cy="1143000"/>
-          </a:xfrm>
-          <a:prstGeom prst="rect">
-            <a:avLst/>
-          </a:prstGeom>
-          <a:solidFill>
-            <a:schemeClr val="accent1"/>
-          </a:solidFill>
-          <a:ln>
-            <a:noFill/>
-          </a:ln>
-        </p:spPr>
-        <p:style>
-          <a:lnRef idx="1">
-            <a:schemeClr val="accent1"/>
-          </a:lnRef>
-          <a:fillRef idx="3">
-            <a:schemeClr val="accent1"/>
-          </a:fillRef>
-          <a:effectRef idx="2">
-            <a:schemeClr val="accent1"/>
-          </a:effectRef>
-          <a:fontRef idx="minor">
-            <a:schemeClr val="lt1"/>
-          </a:fontRef>
-        </p:style>
-      </p:sp>
-      <p:sp>
-        <p:nvSpPr>
-          <p:cNvPr id="26" name="Freeform 16">
+          <p:cNvPr id="42" name="Freeform 16">
             <a:extLst>
               <a:ext uri="{FF2B5EF4-FFF2-40B4-BE49-F238E27FC236}">
                 <a16:creationId xmlns:a16="http://schemas.microsoft.com/office/drawing/2014/main" id="{E4F17063-EDA4-417B-946F-BA357F3B390D}"/>
               </a:ext>
               <a:ext uri="{C183D7F6-B498-43B3-948B-1728B52AA6E4}">
-                <adec:decorative xmlns:adec="http://schemas.microsoft.com/office/drawing/2017/decorative" xmlns="" val="1"/>
+                <adec:decorative xmlns:adec="http://schemas.microsoft.com/office/drawing/2017/decorative" val="1"/>
               </a:ext>
             </a:extLst>
           </p:cNvPr>
@@ -12576,7 +13411,7 @@
           </a:custGeom>
           <a:solidFill>
             <a:schemeClr val="tx2">
-              <a:alpha val="20000"/>
+              <a:alpha val="40000"/>
             </a:schemeClr>
           </a:solidFill>
           <a:ln>
@@ -12598,13 +13433,13 @@
       </p:sp>
       <p:sp>
         <p:nvSpPr>
-          <p:cNvPr id="28" name="Freeform: Shape 27">
+          <p:cNvPr id="43" name="Freeform: Shape 22">
             <a:extLst>
               <a:ext uri="{FF2B5EF4-FFF2-40B4-BE49-F238E27FC236}">
                 <a16:creationId xmlns:a16="http://schemas.microsoft.com/office/drawing/2014/main" id="{D36F3EEA-55D4-4677-80E7-92D00B8F343B}"/>
               </a:ext>
               <a:ext uri="{C183D7F6-B498-43B3-948B-1728B52AA6E4}">
-                <adec:decorative xmlns:adec="http://schemas.microsoft.com/office/drawing/2017/decorative" xmlns="" val="1"/>
+                <adec:decorative xmlns:adec="http://schemas.microsoft.com/office/drawing/2017/decorative" val="1"/>
               </a:ext>
             </a:extLst>
           </p:cNvPr>
@@ -13093,6 +13928,1797 @@
       </p:sp>
       <p:sp>
         <p:nvSpPr>
+          <p:cNvPr id="2" name="Cím 1">
+            <a:extLst>
+              <a:ext uri="{FF2B5EF4-FFF2-40B4-BE49-F238E27FC236}">
+                <a16:creationId xmlns:a16="http://schemas.microsoft.com/office/drawing/2014/main" id="{8ED38882-1869-61D0-EE85-ED4502E0B577}"/>
+              </a:ext>
+            </a:extLst>
+          </p:cNvPr>
+          <p:cNvSpPr>
+            <a:spLocks noGrp="1"/>
+          </p:cNvSpPr>
+          <p:nvPr>
+            <p:ph type="title"/>
+          </p:nvPr>
+        </p:nvSpPr>
+        <p:spPr>
+          <a:xfrm>
+            <a:off x="636916" y="4854346"/>
+            <a:ext cx="10407602" cy="868026"/>
+          </a:xfrm>
+        </p:spPr>
+        <p:txBody>
+          <a:bodyPr vert="horz" lIns="91440" tIns="45720" rIns="91440" bIns="45720" rtlCol="0" anchor="b">
+            <a:normAutofit/>
+          </a:bodyPr>
+          <a:lstStyle/>
+          <a:p>
+            <a:r>
+              <a:rPr lang="en-US" sz="4800">
+                <a:solidFill>
+                  <a:srgbClr val="EBEBEB"/>
+                </a:solidFill>
+              </a:rPr>
+              <a:t>ACL</a:t>
+            </a:r>
+          </a:p>
+        </p:txBody>
+      </p:sp>
+    </p:spTree>
+    <p:extLst>
+      <p:ext uri="{BB962C8B-B14F-4D97-AF65-F5344CB8AC3E}">
+        <p14:creationId xmlns:p14="http://schemas.microsoft.com/office/powerpoint/2010/main" val="1348046584"/>
+      </p:ext>
+    </p:extLst>
+  </p:cSld>
+  <p:clrMapOvr>
+    <a:masterClrMapping/>
+  </p:clrMapOvr>
+  <mc:AlternateContent xmlns:mc="http://schemas.openxmlformats.org/markup-compatibility/2006">
+    <mc:Choice xmlns:p14="http://schemas.microsoft.com/office/powerpoint/2010/main" Requires="p14">
+      <p:transition p14:dur="100">
+        <p:cut/>
+      </p:transition>
+    </mc:Choice>
+    <mc:Fallback>
+      <p:transition>
+        <p:cut/>
+      </p:transition>
+    </mc:Fallback>
+  </mc:AlternateContent>
+</p:sld>
+</file>
+
+<file path=ppt/slides/slide17.xml><?xml version="1.0" encoding="utf-8"?>
+<p:sld xmlns:a="http://schemas.openxmlformats.org/drawingml/2006/main" xmlns:r="http://schemas.openxmlformats.org/officeDocument/2006/relationships" xmlns:p="http://schemas.openxmlformats.org/presentationml/2006/main">
+  <p:cSld>
+    <p:spTree>
+      <p:nvGrpSpPr>
+        <p:cNvPr id="1" name=""/>
+        <p:cNvGrpSpPr/>
+        <p:nvPr/>
+      </p:nvGrpSpPr>
+      <p:grpSpPr>
+        <a:xfrm>
+          <a:off x="0" y="0"/>
+          <a:ext cx="0" cy="0"/>
+          <a:chOff x="0" y="0"/>
+          <a:chExt cx="0" cy="0"/>
+        </a:xfrm>
+      </p:grpSpPr>
+      <p:sp>
+        <p:nvSpPr>
+          <p:cNvPr id="2" name="Cím 1">
+            <a:extLst>
+              <a:ext uri="{FF2B5EF4-FFF2-40B4-BE49-F238E27FC236}">
+                <a16:creationId xmlns:a16="http://schemas.microsoft.com/office/drawing/2014/main" id="{3DDA17D0-AE6D-499C-599E-38D6F6383644}"/>
+              </a:ext>
+            </a:extLst>
+          </p:cNvPr>
+          <p:cNvSpPr>
+            <a:spLocks noGrp="1"/>
+          </p:cNvSpPr>
+          <p:nvPr>
+            <p:ph type="title"/>
+          </p:nvPr>
+        </p:nvSpPr>
+        <p:spPr/>
+        <p:txBody>
+          <a:bodyPr/>
+          <a:lstStyle/>
+          <a:p>
+            <a:r>
+              <a:rPr lang="hu-HU" dirty="0" err="1"/>
+              <a:t>Pingelések</a:t>
+            </a:r>
+          </a:p>
+        </p:txBody>
+      </p:sp>
+      <p:pic>
+        <p:nvPicPr>
+          <p:cNvPr id="4" name="Tartalom helye 3" descr="A képen szöveg, képernyőkép, Betűtípus, tervezés látható&#10;&#10;Automatikusan generált leírás">
+            <a:extLst>
+              <a:ext uri="{FF2B5EF4-FFF2-40B4-BE49-F238E27FC236}">
+                <a16:creationId xmlns:a16="http://schemas.microsoft.com/office/drawing/2014/main" id="{C7024BAB-7B2A-F7F6-79DF-F1EFEB3683B5}"/>
+              </a:ext>
+            </a:extLst>
+          </p:cNvPr>
+          <p:cNvPicPr>
+            <a:picLocks noGrp="1" noChangeAspect="1"/>
+          </p:cNvPicPr>
+          <p:nvPr>
+            <p:ph idx="1"/>
+          </p:nvPr>
+        </p:nvPicPr>
+        <p:blipFill>
+          <a:blip r:embed="rId2"/>
+          <a:stretch>
+            <a:fillRect/>
+          </a:stretch>
+        </p:blipFill>
+        <p:spPr>
+          <a:xfrm>
+            <a:off x="7338707" y="-2922"/>
+            <a:ext cx="4857750" cy="2124075"/>
+          </a:xfrm>
+        </p:spPr>
+      </p:pic>
+      <p:sp>
+        <p:nvSpPr>
+          <p:cNvPr id="5" name="Szövegdoboz 4">
+            <a:extLst>
+              <a:ext uri="{FF2B5EF4-FFF2-40B4-BE49-F238E27FC236}">
+                <a16:creationId xmlns:a16="http://schemas.microsoft.com/office/drawing/2014/main" id="{A5552F42-51B1-EB6C-EFB5-C91C770312BE}"/>
+              </a:ext>
+            </a:extLst>
+          </p:cNvPr>
+          <p:cNvSpPr txBox="1"/>
+          <p:nvPr/>
+        </p:nvSpPr>
+        <p:spPr>
+          <a:xfrm>
+            <a:off x="8392885" y="2247900"/>
+            <a:ext cx="2743200" cy="365760"/>
+          </a:xfrm>
+          <a:prstGeom prst="rect">
+            <a:avLst/>
+          </a:prstGeom>
+          <a:noFill/>
+        </p:spPr>
+        <p:txBody>
+          <a:bodyPr rot="0" spcFirstLastPara="0" vertOverflow="overflow" horzOverflow="overflow" vert="horz" wrap="square" lIns="91440" tIns="45720" rIns="91440" bIns="45720" numCol="1" spcCol="0" rtlCol="0" fromWordArt="0" anchor="t" anchorCtr="0" forceAA="0" compatLnSpc="1">
+            <a:prstTxWarp prst="textNoShape">
+              <a:avLst/>
+            </a:prstTxWarp>
+            <a:spAutoFit/>
+          </a:bodyPr>
+          <a:lstStyle/>
+          <a:p>
+            <a:r>
+              <a:rPr lang="hu-HU" dirty="0" err="1"/>
+              <a:t>Beslő</a:t>
+            </a:r>
+            <a:r>
+              <a:rPr lang="hu-HU" dirty="0"/>
+              <a:t> </a:t>
+            </a:r>
+            <a:r>
+              <a:rPr lang="hu-HU" dirty="0" err="1"/>
+              <a:t>ping</a:t>
+            </a:r>
+          </a:p>
+        </p:txBody>
+      </p:sp>
+      <p:pic>
+        <p:nvPicPr>
+          <p:cNvPr id="6" name="Kép 5" descr="A képen szöveg, képernyőkép, Betűtípus látható&#10;&#10;Automatikusan generált leírás">
+            <a:extLst>
+              <a:ext uri="{FF2B5EF4-FFF2-40B4-BE49-F238E27FC236}">
+                <a16:creationId xmlns:a16="http://schemas.microsoft.com/office/drawing/2014/main" id="{67E1474F-EFF8-0806-A0C0-2B0A9F074332}"/>
+              </a:ext>
+            </a:extLst>
+          </p:cNvPr>
+          <p:cNvPicPr>
+            <a:picLocks noChangeAspect="1"/>
+          </p:cNvPicPr>
+          <p:nvPr/>
+        </p:nvPicPr>
+        <p:blipFill>
+          <a:blip r:embed="rId3"/>
+          <a:stretch>
+            <a:fillRect/>
+          </a:stretch>
+        </p:blipFill>
+        <p:spPr>
+          <a:xfrm>
+            <a:off x="2041" y="1849211"/>
+            <a:ext cx="5591175" cy="2114550"/>
+          </a:xfrm>
+          <a:prstGeom prst="rect">
+            <a:avLst/>
+          </a:prstGeom>
+        </p:spPr>
+      </p:pic>
+      <p:sp>
+        <p:nvSpPr>
+          <p:cNvPr id="7" name="Szövegdoboz 6">
+            <a:extLst>
+              <a:ext uri="{FF2B5EF4-FFF2-40B4-BE49-F238E27FC236}">
+                <a16:creationId xmlns:a16="http://schemas.microsoft.com/office/drawing/2014/main" id="{D9C922F4-7BCB-B0E1-B623-7AD1C3EC51F1}"/>
+              </a:ext>
+            </a:extLst>
+          </p:cNvPr>
+          <p:cNvSpPr txBox="1"/>
+          <p:nvPr/>
+        </p:nvSpPr>
+        <p:spPr>
+          <a:xfrm>
+            <a:off x="310242" y="4185557"/>
+            <a:ext cx="2743200" cy="365760"/>
+          </a:xfrm>
+          <a:prstGeom prst="rect">
+            <a:avLst/>
+          </a:prstGeom>
+          <a:noFill/>
+        </p:spPr>
+        <p:txBody>
+          <a:bodyPr rot="0" spcFirstLastPara="0" vertOverflow="overflow" horzOverflow="overflow" vert="horz" wrap="square" lIns="91440" tIns="45720" rIns="91440" bIns="45720" numCol="1" spcCol="0" rtlCol="0" fromWordArt="0" anchor="t" anchorCtr="0" forceAA="0" compatLnSpc="1">
+            <a:prstTxWarp prst="textNoShape">
+              <a:avLst/>
+            </a:prstTxWarp>
+            <a:spAutoFit/>
+          </a:bodyPr>
+          <a:lstStyle/>
+          <a:p>
+            <a:r>
+              <a:rPr lang="hu-HU" dirty="0"/>
+              <a:t>Külső </a:t>
+            </a:r>
+            <a:r>
+              <a:rPr lang="hu-HU" dirty="0" err="1"/>
+              <a:t>ping</a:t>
+            </a:r>
+          </a:p>
+        </p:txBody>
+      </p:sp>
+      <p:pic>
+        <p:nvPicPr>
+          <p:cNvPr id="8" name="Kép 7" descr="A képen szöveg, képernyőkép, Betűtípus látható&#10;&#10;Automatikusan generált leírás">
+            <a:extLst>
+              <a:ext uri="{FF2B5EF4-FFF2-40B4-BE49-F238E27FC236}">
+                <a16:creationId xmlns:a16="http://schemas.microsoft.com/office/drawing/2014/main" id="{047AAA7C-B3CF-3A1C-3D4C-98D2E83A772F}"/>
+              </a:ext>
+            </a:extLst>
+          </p:cNvPr>
+          <p:cNvPicPr>
+            <a:picLocks noChangeAspect="1"/>
+          </p:cNvPicPr>
+          <p:nvPr/>
+        </p:nvPicPr>
+        <p:blipFill>
+          <a:blip r:embed="rId4"/>
+          <a:stretch>
+            <a:fillRect/>
+          </a:stretch>
+        </p:blipFill>
+        <p:spPr>
+          <a:xfrm>
+            <a:off x="7106331" y="4189639"/>
+            <a:ext cx="4924425" cy="2114550"/>
+          </a:xfrm>
+          <a:prstGeom prst="rect">
+            <a:avLst/>
+          </a:prstGeom>
+        </p:spPr>
+      </p:pic>
+      <p:sp>
+        <p:nvSpPr>
+          <p:cNvPr id="9" name="Szövegdoboz 8">
+            <a:extLst>
+              <a:ext uri="{FF2B5EF4-FFF2-40B4-BE49-F238E27FC236}">
+                <a16:creationId xmlns:a16="http://schemas.microsoft.com/office/drawing/2014/main" id="{F85E2508-6E72-60A8-E687-155C9A0D1C24}"/>
+              </a:ext>
+            </a:extLst>
+          </p:cNvPr>
+          <p:cNvSpPr txBox="1"/>
+          <p:nvPr/>
+        </p:nvSpPr>
+        <p:spPr>
+          <a:xfrm>
+            <a:off x="8191500" y="6300107"/>
+            <a:ext cx="2743200" cy="365760"/>
+          </a:xfrm>
+          <a:prstGeom prst="rect">
+            <a:avLst/>
+          </a:prstGeom>
+          <a:noFill/>
+        </p:spPr>
+        <p:txBody>
+          <a:bodyPr rot="0" spcFirstLastPara="0" vertOverflow="overflow" horzOverflow="overflow" vert="horz" wrap="square" lIns="91440" tIns="45720" rIns="91440" bIns="45720" numCol="1" spcCol="0" rtlCol="0" fromWordArt="0" anchor="t" anchorCtr="0" forceAA="0" compatLnSpc="1">
+            <a:prstTxWarp prst="textNoShape">
+              <a:avLst/>
+            </a:prstTxWarp>
+            <a:spAutoFit/>
+          </a:bodyPr>
+          <a:lstStyle/>
+          <a:p>
+            <a:r>
+              <a:rPr lang="hu-HU" dirty="0"/>
+              <a:t>Szerver </a:t>
+            </a:r>
+            <a:r>
+              <a:rPr lang="hu-HU" dirty="0" err="1"/>
+              <a:t>ping</a:t>
+            </a:r>
+          </a:p>
+        </p:txBody>
+      </p:sp>
+      <p:pic>
+        <p:nvPicPr>
+          <p:cNvPr id="10" name="Kép 9" descr="A képen szöveg, képernyőkép, Betűtípus látható&#10;&#10;Automatikusan generált leírás">
+            <a:extLst>
+              <a:ext uri="{FF2B5EF4-FFF2-40B4-BE49-F238E27FC236}">
+                <a16:creationId xmlns:a16="http://schemas.microsoft.com/office/drawing/2014/main" id="{23415379-F582-8014-CBB1-DF0223451D9D}"/>
+              </a:ext>
+            </a:extLst>
+          </p:cNvPr>
+          <p:cNvPicPr>
+            <a:picLocks noChangeAspect="1"/>
+          </p:cNvPicPr>
+          <p:nvPr/>
+        </p:nvPicPr>
+        <p:blipFill>
+          <a:blip r:embed="rId5"/>
+          <a:stretch>
+            <a:fillRect/>
+          </a:stretch>
+        </p:blipFill>
+        <p:spPr>
+          <a:xfrm>
+            <a:off x="-2721" y="4699907"/>
+            <a:ext cx="4686300" cy="1485900"/>
+          </a:xfrm>
+          <a:prstGeom prst="rect">
+            <a:avLst/>
+          </a:prstGeom>
+        </p:spPr>
+      </p:pic>
+      <p:sp>
+        <p:nvSpPr>
+          <p:cNvPr id="11" name="Szövegdoboz 10">
+            <a:extLst>
+              <a:ext uri="{FF2B5EF4-FFF2-40B4-BE49-F238E27FC236}">
+                <a16:creationId xmlns:a16="http://schemas.microsoft.com/office/drawing/2014/main" id="{150026F0-8469-FAE7-A25D-4F08B9BA53F8}"/>
+              </a:ext>
+            </a:extLst>
+          </p:cNvPr>
+          <p:cNvSpPr txBox="1"/>
+          <p:nvPr/>
+        </p:nvSpPr>
+        <p:spPr>
+          <a:xfrm>
+            <a:off x="155121" y="6297385"/>
+            <a:ext cx="2743200" cy="365760"/>
+          </a:xfrm>
+          <a:prstGeom prst="rect">
+            <a:avLst/>
+          </a:prstGeom>
+          <a:noFill/>
+        </p:spPr>
+        <p:txBody>
+          <a:bodyPr rot="0" spcFirstLastPara="0" vertOverflow="overflow" horzOverflow="overflow" vert="horz" wrap="square" lIns="91440" tIns="45720" rIns="91440" bIns="45720" numCol="1" spcCol="0" rtlCol="0" fromWordArt="0" anchor="t" anchorCtr="0" forceAA="0" compatLnSpc="1">
+            <a:prstTxWarp prst="textNoShape">
+              <a:avLst/>
+            </a:prstTxWarp>
+            <a:spAutoFit/>
+          </a:bodyPr>
+          <a:lstStyle/>
+          <a:p>
+            <a:pPr algn="l"/>
+            <a:r>
+              <a:rPr lang="hu-HU" dirty="0" err="1"/>
+              <a:t>Tracert</a:t>
+            </a:r>
+          </a:p>
+        </p:txBody>
+      </p:sp>
+    </p:spTree>
+    <p:extLst>
+      <p:ext uri="{BB962C8B-B14F-4D97-AF65-F5344CB8AC3E}">
+        <p14:creationId xmlns:p14="http://schemas.microsoft.com/office/powerpoint/2010/main" val="3092647374"/>
+      </p:ext>
+    </p:extLst>
+  </p:cSld>
+  <p:clrMapOvr>
+    <a:masterClrMapping/>
+  </p:clrMapOvr>
+  <mc:AlternateContent xmlns:mc="http://schemas.openxmlformats.org/markup-compatibility/2006">
+    <mc:Choice xmlns:p14="http://schemas.microsoft.com/office/powerpoint/2010/main" Requires="p14">
+      <p:transition p14:dur="100">
+        <p:cut/>
+      </p:transition>
+    </mc:Choice>
+    <mc:Fallback>
+      <p:transition>
+        <p:cut/>
+      </p:transition>
+    </mc:Fallback>
+  </mc:AlternateContent>
+</p:sld>
+</file>
+
+<file path=ppt/slides/slide18.xml><?xml version="1.0" encoding="utf-8"?>
+<p:sld xmlns:a="http://schemas.openxmlformats.org/drawingml/2006/main" xmlns:r="http://schemas.openxmlformats.org/officeDocument/2006/relationships" xmlns:p="http://schemas.openxmlformats.org/presentationml/2006/main">
+  <p:cSld>
+    <p:spTree>
+      <p:nvGrpSpPr>
+        <p:cNvPr id="1" name=""/>
+        <p:cNvGrpSpPr/>
+        <p:nvPr/>
+      </p:nvGrpSpPr>
+      <p:grpSpPr>
+        <a:xfrm>
+          <a:off x="0" y="0"/>
+          <a:ext cx="0" cy="0"/>
+          <a:chOff x="0" y="0"/>
+          <a:chExt cx="0" cy="0"/>
+        </a:xfrm>
+      </p:grpSpPr>
+      <p:sp>
+        <p:nvSpPr>
+          <p:cNvPr id="2" name="Cím 1">
+            <a:extLst>
+              <a:ext uri="{FF2B5EF4-FFF2-40B4-BE49-F238E27FC236}">
+                <a16:creationId xmlns:a16="http://schemas.microsoft.com/office/drawing/2014/main" id="{7C83DE72-A24C-6766-2A0D-3AE12DD58D47}"/>
+              </a:ext>
+            </a:extLst>
+          </p:cNvPr>
+          <p:cNvSpPr>
+            <a:spLocks noGrp="1"/>
+          </p:cNvSpPr>
+          <p:nvPr>
+            <p:ph type="ctrTitle"/>
+          </p:nvPr>
+        </p:nvSpPr>
+        <p:spPr>
+          <a:xfrm>
+            <a:off x="580694" y="3093277"/>
+            <a:ext cx="11034353" cy="933147"/>
+          </a:xfrm>
+        </p:spPr>
+        <p:txBody>
+          <a:bodyPr/>
+          <a:lstStyle/>
+          <a:p>
+            <a:r>
+              <a:rPr lang="hu-HU" dirty="0"/>
+              <a:t>Köszönjük a figyelmet!</a:t>
+            </a:r>
+          </a:p>
+        </p:txBody>
+      </p:sp>
+    </p:spTree>
+    <p:extLst>
+      <p:ext uri="{BB962C8B-B14F-4D97-AF65-F5344CB8AC3E}">
+        <p14:creationId xmlns:p14="http://schemas.microsoft.com/office/powerpoint/2010/main" val="1046954273"/>
+      </p:ext>
+    </p:extLst>
+  </p:cSld>
+  <p:clrMapOvr>
+    <a:masterClrMapping/>
+  </p:clrMapOvr>
+</p:sld>
+</file>
+
+<file path=ppt/slides/slide2.xml><?xml version="1.0" encoding="utf-8"?>
+<p:sld xmlns:a="http://schemas.openxmlformats.org/drawingml/2006/main" xmlns:r="http://schemas.openxmlformats.org/officeDocument/2006/relationships" xmlns:p="http://schemas.openxmlformats.org/presentationml/2006/main">
+  <p:cSld>
+    <p:bg>
+      <p:bgPr>
+        <a:solidFill>
+          <a:schemeClr val="bg1"/>
+        </a:solidFill>
+        <a:effectLst/>
+      </p:bgPr>
+    </p:bg>
+    <p:spTree>
+      <p:nvGrpSpPr>
+        <p:cNvPr id="1" name=""/>
+        <p:cNvGrpSpPr/>
+        <p:nvPr/>
+      </p:nvGrpSpPr>
+      <p:grpSpPr>
+        <a:xfrm>
+          <a:off x="0" y="0"/>
+          <a:ext cx="0" cy="0"/>
+          <a:chOff x="0" y="0"/>
+          <a:chExt cx="0" cy="0"/>
+        </a:xfrm>
+      </p:grpSpPr>
+      <p:pic>
+        <p:nvPicPr>
+          <p:cNvPr id="10" name="Picture 9">
+            <a:extLst>
+              <a:ext uri="{FF2B5EF4-FFF2-40B4-BE49-F238E27FC236}">
+                <a16:creationId xmlns:a16="http://schemas.microsoft.com/office/drawing/2014/main" id="{41B68C77-138E-4BF7-A276-BD0C78A4219F}"/>
+              </a:ext>
+              <a:ext uri="{C183D7F6-B498-43B3-948B-1728B52AA6E4}">
+                <adec:decorative xmlns:adec="http://schemas.microsoft.com/office/drawing/2017/decorative" val="1"/>
+              </a:ext>
+            </a:extLst>
+          </p:cNvPr>
+          <p:cNvPicPr>
+            <a:picLocks noGrp="1" noRot="1" noChangeAspect="1" noMove="1" noResize="1" noEditPoints="1" noAdjustHandles="1" noChangeArrowheads="1" noChangeShapeType="1" noCrop="1"/>
+          </p:cNvPicPr>
+          <p:nvPr>
+            <p:extLst>
+              <p:ext uri="{386F3935-93C4-4BCD-93E2-E3B085C9AB24}">
+                <p16:designElem xmlns:p16="http://schemas.microsoft.com/office/powerpoint/2015/main" val="1"/>
+              </p:ext>
+            </p:extLst>
+          </p:nvPr>
+        </p:nvPicPr>
+        <p:blipFill rotWithShape="1">
+          <a:blip r:embed="rId2">
+            <a:extLst>
+              <a:ext uri="{28A0092B-C50C-407E-A947-70E740481C1C}">
+                <a14:useLocalDpi xmlns:a14="http://schemas.microsoft.com/office/drawing/2010/main" val="0"/>
+              </a:ext>
+            </a:extLst>
+          </a:blip>
+          <a:srcRect l="3613"/>
+          <a:stretch/>
+        </p:blipFill>
+        <p:spPr>
+          <a:xfrm>
+            <a:off x="0" y="2669685"/>
+            <a:ext cx="4037012" cy="4188315"/>
+          </a:xfrm>
+          <a:prstGeom prst="rect">
+            <a:avLst/>
+          </a:prstGeom>
+        </p:spPr>
+      </p:pic>
+      <p:pic>
+        <p:nvPicPr>
+          <p:cNvPr id="12" name="Picture 11">
+            <a:extLst>
+              <a:ext uri="{FF2B5EF4-FFF2-40B4-BE49-F238E27FC236}">
+                <a16:creationId xmlns:a16="http://schemas.microsoft.com/office/drawing/2014/main" id="{7C268552-D473-46ED-B1B8-422042C4DEF1}"/>
+              </a:ext>
+              <a:ext uri="{C183D7F6-B498-43B3-948B-1728B52AA6E4}">
+                <adec:decorative xmlns:adec="http://schemas.microsoft.com/office/drawing/2017/decorative" val="1"/>
+              </a:ext>
+            </a:extLst>
+          </p:cNvPr>
+          <p:cNvPicPr>
+            <a:picLocks noGrp="1" noRot="1" noChangeAspect="1" noMove="1" noResize="1" noEditPoints="1" noAdjustHandles="1" noChangeArrowheads="1" noChangeShapeType="1" noCrop="1"/>
+          </p:cNvPicPr>
+          <p:nvPr>
+            <p:extLst>
+              <p:ext uri="{386F3935-93C4-4BCD-93E2-E3B085C9AB24}">
+                <p16:designElem xmlns:p16="http://schemas.microsoft.com/office/powerpoint/2015/main" val="1"/>
+              </p:ext>
+            </p:extLst>
+          </p:nvPr>
+        </p:nvPicPr>
+        <p:blipFill rotWithShape="1">
+          <a:blip r:embed="rId3">
+            <a:extLst>
+              <a:ext uri="{28A0092B-C50C-407E-A947-70E740481C1C}">
+                <a14:useLocalDpi xmlns:a14="http://schemas.microsoft.com/office/drawing/2010/main" val="0"/>
+              </a:ext>
+            </a:extLst>
+          </a:blip>
+          <a:srcRect l="35640"/>
+          <a:stretch/>
+        </p:blipFill>
+        <p:spPr>
+          <a:xfrm>
+            <a:off x="0" y="2892347"/>
+            <a:ext cx="1522412" cy="2365453"/>
+          </a:xfrm>
+          <a:prstGeom prst="rect">
+            <a:avLst/>
+          </a:prstGeom>
+        </p:spPr>
+      </p:pic>
+      <p:sp>
+        <p:nvSpPr>
+          <p:cNvPr id="14" name="Oval 13">
+            <a:extLst>
+              <a:ext uri="{FF2B5EF4-FFF2-40B4-BE49-F238E27FC236}">
+                <a16:creationId xmlns:a16="http://schemas.microsoft.com/office/drawing/2014/main" id="{4AC0CD9D-7610-4620-93B4-798CCD9AB581}"/>
+              </a:ext>
+              <a:ext uri="{C183D7F6-B498-43B3-948B-1728B52AA6E4}">
+                <adec:decorative xmlns:adec="http://schemas.microsoft.com/office/drawing/2017/decorative" val="1"/>
+              </a:ext>
+            </a:extLst>
+          </p:cNvPr>
+          <p:cNvSpPr>
+            <a:spLocks noGrp="1" noRot="1" noChangeAspect="1" noMove="1" noResize="1" noEditPoints="1" noAdjustHandles="1" noChangeArrowheads="1" noChangeShapeType="1" noTextEdit="1"/>
+          </p:cNvSpPr>
+          <p:nvPr>
+            <p:extLst>
+              <p:ext uri="{386F3935-93C4-4BCD-93E2-E3B085C9AB24}">
+                <p16:designElem xmlns:p16="http://schemas.microsoft.com/office/powerpoint/2015/main" val="1"/>
+              </p:ext>
+            </p:extLst>
+          </p:nvPr>
+        </p:nvSpPr>
+        <p:spPr>
+          <a:xfrm>
+            <a:off x="8609012" y="1676400"/>
+            <a:ext cx="2819400" cy="2819400"/>
+          </a:xfrm>
+          <a:prstGeom prst="ellipse">
+            <a:avLst/>
+          </a:prstGeom>
+          <a:gradFill flip="none" rotWithShape="1">
+            <a:gsLst>
+              <a:gs pos="0">
+                <a:schemeClr val="bg2">
+                  <a:lumMod val="60000"/>
+                  <a:lumOff val="40000"/>
+                  <a:alpha val="7000"/>
+                </a:schemeClr>
+              </a:gs>
+              <a:gs pos="69000">
+                <a:schemeClr val="bg2">
+                  <a:lumMod val="60000"/>
+                  <a:lumOff val="40000"/>
+                  <a:alpha val="0"/>
+                </a:schemeClr>
+              </a:gs>
+              <a:gs pos="36000">
+                <a:schemeClr val="bg2">
+                  <a:lumMod val="60000"/>
+                  <a:lumOff val="40000"/>
+                  <a:alpha val="6000"/>
+                </a:schemeClr>
+              </a:gs>
+            </a:gsLst>
+            <a:path path="circle">
+              <a:fillToRect l="50000" t="50000" r="50000" b="50000"/>
+            </a:path>
+            <a:tileRect/>
+          </a:gradFill>
+          <a:ln>
+            <a:noFill/>
+          </a:ln>
+          <a:effectLst/>
+        </p:spPr>
+        <p:style>
+          <a:lnRef idx="1">
+            <a:schemeClr val="accent1"/>
+          </a:lnRef>
+          <a:fillRef idx="3">
+            <a:schemeClr val="accent1"/>
+          </a:fillRef>
+          <a:effectRef idx="2">
+            <a:schemeClr val="accent1"/>
+          </a:effectRef>
+          <a:fontRef idx="minor">
+            <a:schemeClr val="lt1"/>
+          </a:fontRef>
+        </p:style>
+      </p:sp>
+      <p:pic>
+        <p:nvPicPr>
+          <p:cNvPr id="16" name="Picture 15">
+            <a:extLst>
+              <a:ext uri="{FF2B5EF4-FFF2-40B4-BE49-F238E27FC236}">
+                <a16:creationId xmlns:a16="http://schemas.microsoft.com/office/drawing/2014/main" id="{B9238B3E-24AA-439A-B527-6C5DF6D72145}"/>
+              </a:ext>
+              <a:ext uri="{C183D7F6-B498-43B3-948B-1728B52AA6E4}">
+                <adec:decorative xmlns:adec="http://schemas.microsoft.com/office/drawing/2017/decorative" val="1"/>
+              </a:ext>
+            </a:extLst>
+          </p:cNvPr>
+          <p:cNvPicPr>
+            <a:picLocks noGrp="1" noRot="1" noChangeAspect="1" noMove="1" noResize="1" noEditPoints="1" noAdjustHandles="1" noChangeArrowheads="1" noChangeShapeType="1" noCrop="1"/>
+          </p:cNvPicPr>
+          <p:nvPr>
+            <p:extLst>
+              <p:ext uri="{386F3935-93C4-4BCD-93E2-E3B085C9AB24}">
+                <p16:designElem xmlns:p16="http://schemas.microsoft.com/office/powerpoint/2015/main" val="1"/>
+              </p:ext>
+            </p:extLst>
+          </p:nvPr>
+        </p:nvPicPr>
+        <p:blipFill rotWithShape="1">
+          <a:blip r:embed="rId4">
+            <a:extLst>
+              <a:ext uri="{28A0092B-C50C-407E-A947-70E740481C1C}">
+                <a14:useLocalDpi xmlns:a14="http://schemas.microsoft.com/office/drawing/2010/main" val="0"/>
+              </a:ext>
+            </a:extLst>
+          </a:blip>
+          <a:srcRect t="28813"/>
+          <a:stretch/>
+        </p:blipFill>
+        <p:spPr>
+          <a:xfrm>
+            <a:off x="7999412" y="0"/>
+            <a:ext cx="1603387" cy="1141407"/>
+          </a:xfrm>
+          <a:prstGeom prst="rect">
+            <a:avLst/>
+          </a:prstGeom>
+        </p:spPr>
+      </p:pic>
+      <p:pic>
+        <p:nvPicPr>
+          <p:cNvPr id="18" name="Picture 17">
+            <a:extLst>
+              <a:ext uri="{FF2B5EF4-FFF2-40B4-BE49-F238E27FC236}">
+                <a16:creationId xmlns:a16="http://schemas.microsoft.com/office/drawing/2014/main" id="{69F01145-BEA3-4CBF-AA21-10077B948CA8}"/>
+              </a:ext>
+              <a:ext uri="{C183D7F6-B498-43B3-948B-1728B52AA6E4}">
+                <adec:decorative xmlns:adec="http://schemas.microsoft.com/office/drawing/2017/decorative" val="1"/>
+              </a:ext>
+            </a:extLst>
+          </p:cNvPr>
+          <p:cNvPicPr>
+            <a:picLocks noGrp="1" noRot="1" noChangeAspect="1" noMove="1" noResize="1" noEditPoints="1" noAdjustHandles="1" noChangeArrowheads="1" noChangeShapeType="1" noCrop="1"/>
+          </p:cNvPicPr>
+          <p:nvPr>
+            <p:extLst>
+              <p:ext uri="{386F3935-93C4-4BCD-93E2-E3B085C9AB24}">
+                <p16:designElem xmlns:p16="http://schemas.microsoft.com/office/powerpoint/2015/main" val="1"/>
+              </p:ext>
+            </p:extLst>
+          </p:nvPr>
+        </p:nvPicPr>
+        <p:blipFill rotWithShape="1">
+          <a:blip r:embed="rId5">
+            <a:extLst>
+              <a:ext uri="{28A0092B-C50C-407E-A947-70E740481C1C}">
+                <a14:useLocalDpi xmlns:a14="http://schemas.microsoft.com/office/drawing/2010/main" val="0"/>
+              </a:ext>
+            </a:extLst>
+          </a:blip>
+          <a:srcRect b="23320"/>
+          <a:stretch/>
+        </p:blipFill>
+        <p:spPr>
+          <a:xfrm>
+            <a:off x="8605878" y="6096000"/>
+            <a:ext cx="993734" cy="762000"/>
+          </a:xfrm>
+          <a:prstGeom prst="rect">
+            <a:avLst/>
+          </a:prstGeom>
+        </p:spPr>
+      </p:pic>
+      <p:sp>
+        <p:nvSpPr>
+          <p:cNvPr id="20" name="Rectangle 19">
+            <a:extLst>
+              <a:ext uri="{FF2B5EF4-FFF2-40B4-BE49-F238E27FC236}">
+                <a16:creationId xmlns:a16="http://schemas.microsoft.com/office/drawing/2014/main" id="{DE4D62F9-188E-4530-84C2-24BDEE4BEB82}"/>
+              </a:ext>
+              <a:ext uri="{C183D7F6-B498-43B3-948B-1728B52AA6E4}">
+                <adec:decorative xmlns:adec="http://schemas.microsoft.com/office/drawing/2017/decorative" val="1"/>
+              </a:ext>
+            </a:extLst>
+          </p:cNvPr>
+          <p:cNvSpPr>
+            <a:spLocks noGrp="1" noRot="1" noChangeAspect="1" noMove="1" noResize="1" noEditPoints="1" noAdjustHandles="1" noChangeArrowheads="1" noChangeShapeType="1" noTextEdit="1"/>
+          </p:cNvSpPr>
+          <p:nvPr>
+            <p:extLst>
+              <p:ext uri="{386F3935-93C4-4BCD-93E2-E3B085C9AB24}">
+                <p16:designElem xmlns:p16="http://schemas.microsoft.com/office/powerpoint/2015/main" val="1"/>
+              </p:ext>
+            </p:extLst>
+          </p:nvPr>
+        </p:nvSpPr>
+        <p:spPr>
+          <a:xfrm>
+            <a:off x="10437812" y="0"/>
+            <a:ext cx="685800" cy="1143000"/>
+          </a:xfrm>
+          <a:prstGeom prst="rect">
+            <a:avLst/>
+          </a:prstGeom>
+          <a:solidFill>
+            <a:schemeClr val="accent1"/>
+          </a:solidFill>
+          <a:ln>
+            <a:noFill/>
+          </a:ln>
+        </p:spPr>
+        <p:style>
+          <a:lnRef idx="1">
+            <a:schemeClr val="accent1"/>
+          </a:lnRef>
+          <a:fillRef idx="3">
+            <a:schemeClr val="accent1"/>
+          </a:fillRef>
+          <a:effectRef idx="2">
+            <a:schemeClr val="accent1"/>
+          </a:effectRef>
+          <a:fontRef idx="minor">
+            <a:schemeClr val="lt1"/>
+          </a:fontRef>
+        </p:style>
+      </p:sp>
+      <p:sp useBgFill="1">
+        <p:nvSpPr>
+          <p:cNvPr id="22" name="Rectangle 21">
+            <a:extLst>
+              <a:ext uri="{FF2B5EF4-FFF2-40B4-BE49-F238E27FC236}">
+                <a16:creationId xmlns:a16="http://schemas.microsoft.com/office/drawing/2014/main" id="{D27CF008-4B18-436D-B2D5-C1346C12438E}"/>
+              </a:ext>
+              <a:ext uri="{C183D7F6-B498-43B3-948B-1728B52AA6E4}">
+                <adec:decorative xmlns:adec="http://schemas.microsoft.com/office/drawing/2017/decorative" val="1"/>
+              </a:ext>
+            </a:extLst>
+          </p:cNvPr>
+          <p:cNvSpPr>
+            <a:spLocks noGrp="1" noRot="1" noChangeAspect="1" noMove="1" noResize="1" noEditPoints="1" noAdjustHandles="1" noChangeArrowheads="1" noChangeShapeType="1" noTextEdit="1"/>
+          </p:cNvSpPr>
+          <p:nvPr>
+            <p:extLst>
+              <p:ext uri="{386F3935-93C4-4BCD-93E2-E3B085C9AB24}">
+                <p16:designElem xmlns:p16="http://schemas.microsoft.com/office/powerpoint/2015/main" val="1"/>
+              </p:ext>
+            </p:extLst>
+          </p:nvPr>
+        </p:nvSpPr>
+        <p:spPr>
+          <a:xfrm>
+            <a:off x="0" y="-5"/>
+            <a:ext cx="12191695" cy="4730744"/>
+          </a:xfrm>
+          <a:prstGeom prst="rect">
+            <a:avLst/>
+          </a:prstGeom>
+          <a:ln>
+            <a:noFill/>
+          </a:ln>
+        </p:spPr>
+        <p:style>
+          <a:lnRef idx="2">
+            <a:schemeClr val="accent1">
+              <a:shade val="50000"/>
+            </a:schemeClr>
+          </a:lnRef>
+          <a:fillRef idx="1">
+            <a:schemeClr val="accent1"/>
+          </a:fillRef>
+          <a:effectRef idx="0">
+            <a:schemeClr val="accent1"/>
+          </a:effectRef>
+          <a:fontRef idx="minor">
+            <a:schemeClr val="lt1"/>
+          </a:fontRef>
+        </p:style>
+        <p:txBody>
+          <a:bodyPr rtlCol="0" anchor="ctr"/>
+          <a:lstStyle/>
+          <a:p>
+            <a:pPr algn="ctr"/>
+            <a:endParaRPr lang="en-US"/>
+          </a:p>
+        </p:txBody>
+      </p:sp>
+      <p:sp>
+        <p:nvSpPr>
+          <p:cNvPr id="24" name="Rectangle 23">
+            <a:extLst>
+              <a:ext uri="{FF2B5EF4-FFF2-40B4-BE49-F238E27FC236}">
+                <a16:creationId xmlns:a16="http://schemas.microsoft.com/office/drawing/2014/main" id="{CE22DAD8-5F67-4B73-ADA9-06EF381F7AD6}"/>
+              </a:ext>
+              <a:ext uri="{C183D7F6-B498-43B3-948B-1728B52AA6E4}">
+                <adec:decorative xmlns:adec="http://schemas.microsoft.com/office/drawing/2017/decorative" val="1"/>
+              </a:ext>
+            </a:extLst>
+          </p:cNvPr>
+          <p:cNvSpPr>
+            <a:spLocks noGrp="1" noRot="1" noChangeAspect="1" noMove="1" noResize="1" noEditPoints="1" noAdjustHandles="1" noChangeArrowheads="1" noChangeShapeType="1" noTextEdit="1"/>
+          </p:cNvSpPr>
+          <p:nvPr>
+            <p:extLst>
+              <p:ext uri="{386F3935-93C4-4BCD-93E2-E3B085C9AB24}">
+                <p16:designElem xmlns:p16="http://schemas.microsoft.com/office/powerpoint/2015/main" val="1"/>
+              </p:ext>
+            </p:extLst>
+          </p:nvPr>
+        </p:nvSpPr>
+        <p:spPr>
+          <a:xfrm>
+            <a:off x="10437812" y="0"/>
+            <a:ext cx="685800" cy="1143000"/>
+          </a:xfrm>
+          <a:prstGeom prst="rect">
+            <a:avLst/>
+          </a:prstGeom>
+          <a:solidFill>
+            <a:schemeClr val="accent1"/>
+          </a:solidFill>
+          <a:ln>
+            <a:noFill/>
+          </a:ln>
+        </p:spPr>
+        <p:style>
+          <a:lnRef idx="1">
+            <a:schemeClr val="accent1"/>
+          </a:lnRef>
+          <a:fillRef idx="3">
+            <a:schemeClr val="accent1"/>
+          </a:fillRef>
+          <a:effectRef idx="2">
+            <a:schemeClr val="accent1"/>
+          </a:effectRef>
+          <a:fontRef idx="minor">
+            <a:schemeClr val="lt1"/>
+          </a:fontRef>
+        </p:style>
+      </p:sp>
+      <p:sp>
+        <p:nvSpPr>
+          <p:cNvPr id="26" name="Freeform 16">
+            <a:extLst>
+              <a:ext uri="{FF2B5EF4-FFF2-40B4-BE49-F238E27FC236}">
+                <a16:creationId xmlns:a16="http://schemas.microsoft.com/office/drawing/2014/main" id="{E4F17063-EDA4-417B-946F-BA357F3B390D}"/>
+              </a:ext>
+              <a:ext uri="{C183D7F6-B498-43B3-948B-1728B52AA6E4}">
+                <adec:decorative xmlns:adec="http://schemas.microsoft.com/office/drawing/2017/decorative" val="1"/>
+              </a:ext>
+            </a:extLst>
+          </p:cNvPr>
+          <p:cNvSpPr>
+            <a:spLocks noGrp="1" noRot="1" noChangeAspect="1" noMove="1" noResize="1" noEditPoints="1" noAdjustHandles="1" noChangeArrowheads="1" noChangeShapeType="1" noTextEdit="1"/>
+          </p:cNvSpPr>
+          <p:nvPr>
+            <p:extLst>
+              <p:ext uri="{386F3935-93C4-4BCD-93E2-E3B085C9AB24}">
+                <p16:designElem xmlns:p16="http://schemas.microsoft.com/office/powerpoint/2015/main" val="1"/>
+              </p:ext>
+            </p:extLst>
+          </p:nvPr>
+        </p:nvSpPr>
+        <p:spPr>
+          <a:xfrm>
+            <a:off x="8719939" y="3753695"/>
+            <a:ext cx="3472060" cy="825932"/>
+          </a:xfrm>
+          <a:custGeom>
+            <a:avLst/>
+            <a:gdLst>
+              <a:gd name="connsiteX0" fmla="*/ 3470310 w 3472060"/>
+              <a:gd name="connsiteY0" fmla="*/ 0 h 825932"/>
+              <a:gd name="connsiteX1" fmla="*/ 3472060 w 3472060"/>
+              <a:gd name="connsiteY1" fmla="*/ 12850 h 825932"/>
+              <a:gd name="connsiteX2" fmla="*/ 3472060 w 3472060"/>
+              <a:gd name="connsiteY2" fmla="*/ 480529 h 825932"/>
+              <a:gd name="connsiteX3" fmla="*/ 3363699 w 3472060"/>
+              <a:gd name="connsiteY3" fmla="*/ 498471 h 825932"/>
+              <a:gd name="connsiteX4" fmla="*/ 42060 w 3472060"/>
+              <a:gd name="connsiteY4" fmla="*/ 824486 h 825932"/>
+              <a:gd name="connsiteX5" fmla="*/ 0 w 3472060"/>
+              <a:gd name="connsiteY5" fmla="*/ 758452 h 825932"/>
+              <a:gd name="connsiteX6" fmla="*/ 188014 w 3472060"/>
+              <a:gd name="connsiteY6" fmla="*/ 735602 h 825932"/>
+              <a:gd name="connsiteX7" fmla="*/ 284087 w 3472060"/>
+              <a:gd name="connsiteY7" fmla="*/ 722590 h 825932"/>
+              <a:gd name="connsiteX8" fmla="*/ 382288 w 3472060"/>
+              <a:gd name="connsiteY8" fmla="*/ 709392 h 825932"/>
+              <a:gd name="connsiteX9" fmla="*/ 481858 w 3472060"/>
+              <a:gd name="connsiteY9" fmla="*/ 695774 h 825932"/>
+              <a:gd name="connsiteX10" fmla="*/ 581897 w 3472060"/>
+              <a:gd name="connsiteY10" fmla="*/ 680711 h 825932"/>
+              <a:gd name="connsiteX11" fmla="*/ 683670 w 3472060"/>
+              <a:gd name="connsiteY11" fmla="*/ 665256 h 825932"/>
+              <a:gd name="connsiteX12" fmla="*/ 787206 w 3472060"/>
+              <a:gd name="connsiteY12" fmla="*/ 649587 h 825932"/>
+              <a:gd name="connsiteX13" fmla="*/ 892019 w 3472060"/>
+              <a:gd name="connsiteY13" fmla="*/ 632968 h 825932"/>
+              <a:gd name="connsiteX14" fmla="*/ 997620 w 3472060"/>
+              <a:gd name="connsiteY14" fmla="*/ 614667 h 825932"/>
+              <a:gd name="connsiteX15" fmla="*/ 1104727 w 3472060"/>
+              <a:gd name="connsiteY15" fmla="*/ 596741 h 825932"/>
+              <a:gd name="connsiteX16" fmla="*/ 1212669 w 3472060"/>
+              <a:gd name="connsiteY16" fmla="*/ 577397 h 825932"/>
+              <a:gd name="connsiteX17" fmla="*/ 1321506 w 3472060"/>
+              <a:gd name="connsiteY17" fmla="*/ 556988 h 825932"/>
+              <a:gd name="connsiteX18" fmla="*/ 1430709 w 3472060"/>
+              <a:gd name="connsiteY18" fmla="*/ 536607 h 825932"/>
+              <a:gd name="connsiteX19" fmla="*/ 1541050 w 3472060"/>
+              <a:gd name="connsiteY19" fmla="*/ 514481 h 825932"/>
+              <a:gd name="connsiteX20" fmla="*/ 1652805 w 3472060"/>
+              <a:gd name="connsiteY20" fmla="*/ 492202 h 825932"/>
+              <a:gd name="connsiteX21" fmla="*/ 1763708 w 3472060"/>
+              <a:gd name="connsiteY21" fmla="*/ 469161 h 825932"/>
+              <a:gd name="connsiteX22" fmla="*/ 1875795 w 3472060"/>
+              <a:gd name="connsiteY22" fmla="*/ 444641 h 825932"/>
+              <a:gd name="connsiteX23" fmla="*/ 1989128 w 3472060"/>
+              <a:gd name="connsiteY23" fmla="*/ 418995 h 825932"/>
+              <a:gd name="connsiteX24" fmla="*/ 2102476 w 3472060"/>
+              <a:gd name="connsiteY24" fmla="*/ 393438 h 825932"/>
+              <a:gd name="connsiteX25" fmla="*/ 2215549 w 3472060"/>
+              <a:gd name="connsiteY25" fmla="*/ 366291 h 825932"/>
+              <a:gd name="connsiteX26" fmla="*/ 2330490 w 3472060"/>
+              <a:gd name="connsiteY26" fmla="*/ 337455 h 825932"/>
+              <a:gd name="connsiteX27" fmla="*/ 2443333 w 3472060"/>
+              <a:gd name="connsiteY27" fmla="*/ 308983 h 825932"/>
+              <a:gd name="connsiteX28" fmla="*/ 2558014 w 3472060"/>
+              <a:gd name="connsiteY28" fmla="*/ 278646 h 825932"/>
+              <a:gd name="connsiteX29" fmla="*/ 2673621 w 3472060"/>
+              <a:gd name="connsiteY29" fmla="*/ 247421 h 825932"/>
+              <a:gd name="connsiteX30" fmla="*/ 2787008 w 3472060"/>
+              <a:gd name="connsiteY30" fmla="*/ 215853 h 825932"/>
+              <a:gd name="connsiteX31" fmla="*/ 2901442 w 3472060"/>
+              <a:gd name="connsiteY31" fmla="*/ 182011 h 825932"/>
+              <a:gd name="connsiteX32" fmla="*/ 3015722 w 3472060"/>
+              <a:gd name="connsiteY32" fmla="*/ 147286 h 825932"/>
+              <a:gd name="connsiteX33" fmla="*/ 3130018 w 3472060"/>
+              <a:gd name="connsiteY33" fmla="*/ 112649 h 825932"/>
+              <a:gd name="connsiteX34" fmla="*/ 3243551 w 3472060"/>
+              <a:gd name="connsiteY34" fmla="*/ 75688 h 825932"/>
+              <a:gd name="connsiteX35" fmla="*/ 3356992 w 3472060"/>
+              <a:gd name="connsiteY35" fmla="*/ 38197 h 825932"/>
+              <a:gd name="connsiteX36" fmla="*/ 3470310 w 3472060"/>
+              <a:gd name="connsiteY36" fmla="*/ 0 h 825932"/>
+            </a:gdLst>
+            <a:ahLst/>
+            <a:cxnLst>
+              <a:cxn ang="0">
+                <a:pos x="connsiteX0" y="connsiteY0"/>
+              </a:cxn>
+              <a:cxn ang="0">
+                <a:pos x="connsiteX1" y="connsiteY1"/>
+              </a:cxn>
+              <a:cxn ang="0">
+                <a:pos x="connsiteX2" y="connsiteY2"/>
+              </a:cxn>
+              <a:cxn ang="0">
+                <a:pos x="connsiteX3" y="connsiteY3"/>
+              </a:cxn>
+              <a:cxn ang="0">
+                <a:pos x="connsiteX4" y="connsiteY4"/>
+              </a:cxn>
+              <a:cxn ang="0">
+                <a:pos x="connsiteX5" y="connsiteY5"/>
+              </a:cxn>
+              <a:cxn ang="0">
+                <a:pos x="connsiteX6" y="connsiteY6"/>
+              </a:cxn>
+              <a:cxn ang="0">
+                <a:pos x="connsiteX7" y="connsiteY7"/>
+              </a:cxn>
+              <a:cxn ang="0">
+                <a:pos x="connsiteX8" y="connsiteY8"/>
+              </a:cxn>
+              <a:cxn ang="0">
+                <a:pos x="connsiteX9" y="connsiteY9"/>
+              </a:cxn>
+              <a:cxn ang="0">
+                <a:pos x="connsiteX10" y="connsiteY10"/>
+              </a:cxn>
+              <a:cxn ang="0">
+                <a:pos x="connsiteX11" y="connsiteY11"/>
+              </a:cxn>
+              <a:cxn ang="0">
+                <a:pos x="connsiteX12" y="connsiteY12"/>
+              </a:cxn>
+              <a:cxn ang="0">
+                <a:pos x="connsiteX13" y="connsiteY13"/>
+              </a:cxn>
+              <a:cxn ang="0">
+                <a:pos x="connsiteX14" y="connsiteY14"/>
+              </a:cxn>
+              <a:cxn ang="0">
+                <a:pos x="connsiteX15" y="connsiteY15"/>
+              </a:cxn>
+              <a:cxn ang="0">
+                <a:pos x="connsiteX16" y="connsiteY16"/>
+              </a:cxn>
+              <a:cxn ang="0">
+                <a:pos x="connsiteX17" y="connsiteY17"/>
+              </a:cxn>
+              <a:cxn ang="0">
+                <a:pos x="connsiteX18" y="connsiteY18"/>
+              </a:cxn>
+              <a:cxn ang="0">
+                <a:pos x="connsiteX19" y="connsiteY19"/>
+              </a:cxn>
+              <a:cxn ang="0">
+                <a:pos x="connsiteX20" y="connsiteY20"/>
+              </a:cxn>
+              <a:cxn ang="0">
+                <a:pos x="connsiteX21" y="connsiteY21"/>
+              </a:cxn>
+              <a:cxn ang="0">
+                <a:pos x="connsiteX22" y="connsiteY22"/>
+              </a:cxn>
+              <a:cxn ang="0">
+                <a:pos x="connsiteX23" y="connsiteY23"/>
+              </a:cxn>
+              <a:cxn ang="0">
+                <a:pos x="connsiteX24" y="connsiteY24"/>
+              </a:cxn>
+              <a:cxn ang="0">
+                <a:pos x="connsiteX25" y="connsiteY25"/>
+              </a:cxn>
+              <a:cxn ang="0">
+                <a:pos x="connsiteX26" y="connsiteY26"/>
+              </a:cxn>
+              <a:cxn ang="0">
+                <a:pos x="connsiteX27" y="connsiteY27"/>
+              </a:cxn>
+              <a:cxn ang="0">
+                <a:pos x="connsiteX28" y="connsiteY28"/>
+              </a:cxn>
+              <a:cxn ang="0">
+                <a:pos x="connsiteX29" y="connsiteY29"/>
+              </a:cxn>
+              <a:cxn ang="0">
+                <a:pos x="connsiteX30" y="connsiteY30"/>
+              </a:cxn>
+              <a:cxn ang="0">
+                <a:pos x="connsiteX31" y="connsiteY31"/>
+              </a:cxn>
+              <a:cxn ang="0">
+                <a:pos x="connsiteX32" y="connsiteY32"/>
+              </a:cxn>
+              <a:cxn ang="0">
+                <a:pos x="connsiteX33" y="connsiteY33"/>
+              </a:cxn>
+              <a:cxn ang="0">
+                <a:pos x="connsiteX34" y="connsiteY34"/>
+              </a:cxn>
+              <a:cxn ang="0">
+                <a:pos x="connsiteX35" y="connsiteY35"/>
+              </a:cxn>
+              <a:cxn ang="0">
+                <a:pos x="connsiteX36" y="connsiteY36"/>
+              </a:cxn>
+            </a:cxnLst>
+            <a:rect l="l" t="t" r="r" b="b"/>
+            <a:pathLst>
+              <a:path w="3472060" h="825932">
+                <a:moveTo>
+                  <a:pt x="3470310" y="0"/>
+                </a:moveTo>
+                <a:lnTo>
+                  <a:pt x="3472060" y="12850"/>
+                </a:lnTo>
+                <a:lnTo>
+                  <a:pt x="3472060" y="480529"/>
+                </a:lnTo>
+                <a:lnTo>
+                  <a:pt x="3363699" y="498471"/>
+                </a:lnTo>
+                <a:cubicBezTo>
+                  <a:pt x="2435623" y="645518"/>
+                  <a:pt x="603076" y="844866"/>
+                  <a:pt x="42060" y="824486"/>
+                </a:cubicBezTo>
+                <a:cubicBezTo>
+                  <a:pt x="28151" y="802425"/>
+                  <a:pt x="13909" y="780513"/>
+                  <a:pt x="0" y="758452"/>
+                </a:cubicBezTo>
+                <a:lnTo>
+                  <a:pt x="188014" y="735602"/>
+                </a:lnTo>
+                <a:lnTo>
+                  <a:pt x="284087" y="722590"/>
+                </a:lnTo>
+                <a:lnTo>
+                  <a:pt x="382288" y="709392"/>
+                </a:lnTo>
+                <a:lnTo>
+                  <a:pt x="481858" y="695774"/>
+                </a:lnTo>
+                <a:lnTo>
+                  <a:pt x="581897" y="680711"/>
+                </a:lnTo>
+                <a:lnTo>
+                  <a:pt x="683670" y="665256"/>
+                </a:lnTo>
+                <a:lnTo>
+                  <a:pt x="787206" y="649587"/>
+                </a:lnTo>
+                <a:lnTo>
+                  <a:pt x="892019" y="632968"/>
+                </a:lnTo>
+                <a:lnTo>
+                  <a:pt x="997620" y="614667"/>
+                </a:lnTo>
+                <a:lnTo>
+                  <a:pt x="1104727" y="596741"/>
+                </a:lnTo>
+                <a:lnTo>
+                  <a:pt x="1212669" y="577397"/>
+                </a:lnTo>
+                <a:lnTo>
+                  <a:pt x="1321506" y="556988"/>
+                </a:lnTo>
+                <a:lnTo>
+                  <a:pt x="1430709" y="536607"/>
+                </a:lnTo>
+                <a:lnTo>
+                  <a:pt x="1541050" y="514481"/>
+                </a:lnTo>
+                <a:lnTo>
+                  <a:pt x="1652805" y="492202"/>
+                </a:lnTo>
+                <a:lnTo>
+                  <a:pt x="1763708" y="469161"/>
+                </a:lnTo>
+                <a:lnTo>
+                  <a:pt x="1875795" y="444641"/>
+                </a:lnTo>
+                <a:lnTo>
+                  <a:pt x="1989128" y="418995"/>
+                </a:lnTo>
+                <a:lnTo>
+                  <a:pt x="2102476" y="393438"/>
+                </a:lnTo>
+                <a:lnTo>
+                  <a:pt x="2215549" y="366291"/>
+                </a:lnTo>
+                <a:lnTo>
+                  <a:pt x="2330490" y="337455"/>
+                </a:lnTo>
+                <a:lnTo>
+                  <a:pt x="2443333" y="308983"/>
+                </a:lnTo>
+                <a:lnTo>
+                  <a:pt x="2558014" y="278646"/>
+                </a:lnTo>
+                <a:lnTo>
+                  <a:pt x="2673621" y="247421"/>
+                </a:lnTo>
+                <a:lnTo>
+                  <a:pt x="2787008" y="215853"/>
+                </a:lnTo>
+                <a:lnTo>
+                  <a:pt x="2901442" y="182011"/>
+                </a:lnTo>
+                <a:lnTo>
+                  <a:pt x="3015722" y="147286"/>
+                </a:lnTo>
+                <a:lnTo>
+                  <a:pt x="3130018" y="112649"/>
+                </a:lnTo>
+                <a:lnTo>
+                  <a:pt x="3243551" y="75688"/>
+                </a:lnTo>
+                <a:lnTo>
+                  <a:pt x="3356992" y="38197"/>
+                </a:lnTo>
+                <a:lnTo>
+                  <a:pt x="3470310" y="0"/>
+                </a:lnTo>
+                <a:close/>
+              </a:path>
+            </a:pathLst>
+          </a:custGeom>
+          <a:solidFill>
+            <a:schemeClr val="tx2">
+              <a:alpha val="20000"/>
+            </a:schemeClr>
+          </a:solidFill>
+          <a:ln>
+            <a:noFill/>
+          </a:ln>
+        </p:spPr>
+        <p:txBody>
+          <a:bodyPr rtlCol="0" anchor="ctr"/>
+          <a:lstStyle/>
+          <a:p>
+            <a:pPr algn="ctr"/>
+            <a:endParaRPr lang="en-US">
+              <a:solidFill>
+                <a:schemeClr val="tx1"/>
+              </a:solidFill>
+            </a:endParaRPr>
+          </a:p>
+        </p:txBody>
+      </p:sp>
+      <p:sp>
+        <p:nvSpPr>
+          <p:cNvPr id="28" name="Freeform: Shape 27">
+            <a:extLst>
+              <a:ext uri="{FF2B5EF4-FFF2-40B4-BE49-F238E27FC236}">
+                <a16:creationId xmlns:a16="http://schemas.microsoft.com/office/drawing/2014/main" id="{D36F3EEA-55D4-4677-80E7-92D00B8F343B}"/>
+              </a:ext>
+              <a:ext uri="{C183D7F6-B498-43B3-948B-1728B52AA6E4}">
+                <adec:decorative xmlns:adec="http://schemas.microsoft.com/office/drawing/2017/decorative" val="1"/>
+              </a:ext>
+            </a:extLst>
+          </p:cNvPr>
+          <p:cNvSpPr>
+            <a:spLocks noGrp="1" noRot="1" noChangeAspect="1" noMove="1" noResize="1" noEditPoints="1" noAdjustHandles="1" noChangeArrowheads="1" noChangeShapeType="1" noTextEdit="1"/>
+          </p:cNvSpPr>
+          <p:nvPr>
+            <p:extLst>
+              <p:ext uri="{386F3935-93C4-4BCD-93E2-E3B085C9AB24}">
+                <p16:designElem xmlns:p16="http://schemas.microsoft.com/office/powerpoint/2015/main" val="1"/>
+              </p:ext>
+            </p:extLst>
+          </p:nvPr>
+        </p:nvSpPr>
+        <p:spPr>
+          <a:xfrm>
+            <a:off x="0" y="4055533"/>
+            <a:ext cx="12192000" cy="2802467"/>
+          </a:xfrm>
+          <a:custGeom>
+            <a:avLst/>
+            <a:gdLst>
+              <a:gd name="connsiteX0" fmla="*/ 1 w 12192000"/>
+              <a:gd name="connsiteY0" fmla="*/ 0 h 2802467"/>
+              <a:gd name="connsiteX1" fmla="*/ 71932 w 12192000"/>
+              <a:gd name="connsiteY1" fmla="*/ 12261 h 2802467"/>
+              <a:gd name="connsiteX2" fmla="*/ 282848 w 12192000"/>
+              <a:gd name="connsiteY2" fmla="*/ 48342 h 2802467"/>
+              <a:gd name="connsiteX3" fmla="*/ 436464 w 12192000"/>
+              <a:gd name="connsiteY3" fmla="*/ 73565 h 2802467"/>
+              <a:gd name="connsiteX4" fmla="*/ 619339 w 12192000"/>
+              <a:gd name="connsiteY4" fmla="*/ 100188 h 2802467"/>
+              <a:gd name="connsiteX5" fmla="*/ 836351 w 12192000"/>
+              <a:gd name="connsiteY5" fmla="*/ 132066 h 2802467"/>
+              <a:gd name="connsiteX6" fmla="*/ 1076528 w 12192000"/>
+              <a:gd name="connsiteY6" fmla="*/ 165696 h 2802467"/>
+              <a:gd name="connsiteX7" fmla="*/ 1347183 w 12192000"/>
+              <a:gd name="connsiteY7" fmla="*/ 201077 h 2802467"/>
+              <a:gd name="connsiteX8" fmla="*/ 1642223 w 12192000"/>
+              <a:gd name="connsiteY8" fmla="*/ 238560 h 2802467"/>
+              <a:gd name="connsiteX9" fmla="*/ 1962864 w 12192000"/>
+              <a:gd name="connsiteY9" fmla="*/ 276043 h 2802467"/>
+              <a:gd name="connsiteX10" fmla="*/ 2304232 w 12192000"/>
+              <a:gd name="connsiteY10" fmla="*/ 314226 h 2802467"/>
+              <a:gd name="connsiteX11" fmla="*/ 2672421 w 12192000"/>
+              <a:gd name="connsiteY11" fmla="*/ 349608 h 2802467"/>
+              <a:gd name="connsiteX12" fmla="*/ 3057678 w 12192000"/>
+              <a:gd name="connsiteY12" fmla="*/ 383587 h 2802467"/>
+              <a:gd name="connsiteX13" fmla="*/ 3464881 w 12192000"/>
+              <a:gd name="connsiteY13" fmla="*/ 414415 h 2802467"/>
+              <a:gd name="connsiteX14" fmla="*/ 3889152 w 12192000"/>
+              <a:gd name="connsiteY14" fmla="*/ 443840 h 2802467"/>
+              <a:gd name="connsiteX15" fmla="*/ 4331710 w 12192000"/>
+              <a:gd name="connsiteY15" fmla="*/ 471515 h 2802467"/>
+              <a:gd name="connsiteX16" fmla="*/ 4558476 w 12192000"/>
+              <a:gd name="connsiteY16" fmla="*/ 481323 h 2802467"/>
+              <a:gd name="connsiteX17" fmla="*/ 4790118 w 12192000"/>
+              <a:gd name="connsiteY17" fmla="*/ 492183 h 2802467"/>
+              <a:gd name="connsiteX18" fmla="*/ 5025418 w 12192000"/>
+              <a:gd name="connsiteY18" fmla="*/ 502342 h 2802467"/>
+              <a:gd name="connsiteX19" fmla="*/ 5261937 w 12192000"/>
+              <a:gd name="connsiteY19" fmla="*/ 508998 h 2802467"/>
+              <a:gd name="connsiteX20" fmla="*/ 5503332 w 12192000"/>
+              <a:gd name="connsiteY20" fmla="*/ 514953 h 2802467"/>
+              <a:gd name="connsiteX21" fmla="*/ 5747166 w 12192000"/>
+              <a:gd name="connsiteY21" fmla="*/ 521259 h 2802467"/>
+              <a:gd name="connsiteX22" fmla="*/ 5995877 w 12192000"/>
+              <a:gd name="connsiteY22" fmla="*/ 525462 h 2802467"/>
+              <a:gd name="connsiteX23" fmla="*/ 6247026 w 12192000"/>
+              <a:gd name="connsiteY23" fmla="*/ 525462 h 2802467"/>
+              <a:gd name="connsiteX24" fmla="*/ 6500613 w 12192000"/>
+              <a:gd name="connsiteY24" fmla="*/ 527564 h 2802467"/>
+              <a:gd name="connsiteX25" fmla="*/ 6756639 w 12192000"/>
+              <a:gd name="connsiteY25" fmla="*/ 525462 h 2802467"/>
+              <a:gd name="connsiteX26" fmla="*/ 7016322 w 12192000"/>
+              <a:gd name="connsiteY26" fmla="*/ 521259 h 2802467"/>
+              <a:gd name="connsiteX27" fmla="*/ 7276005 w 12192000"/>
+              <a:gd name="connsiteY27" fmla="*/ 517405 h 2802467"/>
+              <a:gd name="connsiteX28" fmla="*/ 7539345 w 12192000"/>
+              <a:gd name="connsiteY28" fmla="*/ 508998 h 2802467"/>
+              <a:gd name="connsiteX29" fmla="*/ 7805124 w 12192000"/>
+              <a:gd name="connsiteY29" fmla="*/ 500240 h 2802467"/>
+              <a:gd name="connsiteX30" fmla="*/ 8070903 w 12192000"/>
+              <a:gd name="connsiteY30" fmla="*/ 490081 h 2802467"/>
+              <a:gd name="connsiteX31" fmla="*/ 8339121 w 12192000"/>
+              <a:gd name="connsiteY31" fmla="*/ 475719 h 2802467"/>
+              <a:gd name="connsiteX32" fmla="*/ 8609776 w 12192000"/>
+              <a:gd name="connsiteY32" fmla="*/ 458553 h 2802467"/>
+              <a:gd name="connsiteX33" fmla="*/ 8881651 w 12192000"/>
+              <a:gd name="connsiteY33" fmla="*/ 442089 h 2802467"/>
+              <a:gd name="connsiteX34" fmla="*/ 9153526 w 12192000"/>
+              <a:gd name="connsiteY34" fmla="*/ 421070 h 2802467"/>
+              <a:gd name="connsiteX35" fmla="*/ 9429058 w 12192000"/>
+              <a:gd name="connsiteY35" fmla="*/ 395848 h 2802467"/>
+              <a:gd name="connsiteX36" fmla="*/ 9700933 w 12192000"/>
+              <a:gd name="connsiteY36" fmla="*/ 370626 h 2802467"/>
+              <a:gd name="connsiteX37" fmla="*/ 9977684 w 12192000"/>
+              <a:gd name="connsiteY37" fmla="*/ 341550 h 2802467"/>
+              <a:gd name="connsiteX38" fmla="*/ 10255655 w 12192000"/>
+              <a:gd name="connsiteY38" fmla="*/ 309672 h 2802467"/>
+              <a:gd name="connsiteX39" fmla="*/ 10529968 w 12192000"/>
+              <a:gd name="connsiteY39" fmla="*/ 276043 h 2802467"/>
+              <a:gd name="connsiteX40" fmla="*/ 10807939 w 12192000"/>
+              <a:gd name="connsiteY40" fmla="*/ 236808 h 2802467"/>
+              <a:gd name="connsiteX41" fmla="*/ 11084690 w 12192000"/>
+              <a:gd name="connsiteY41" fmla="*/ 194771 h 2802467"/>
+              <a:gd name="connsiteX42" fmla="*/ 11362661 w 12192000"/>
+              <a:gd name="connsiteY42" fmla="*/ 153085 h 2802467"/>
+              <a:gd name="connsiteX43" fmla="*/ 11639412 w 12192000"/>
+              <a:gd name="connsiteY43" fmla="*/ 104392 h 2802467"/>
+              <a:gd name="connsiteX44" fmla="*/ 11914945 w 12192000"/>
+              <a:gd name="connsiteY44" fmla="*/ 54648 h 2802467"/>
+              <a:gd name="connsiteX45" fmla="*/ 12191696 w 12192000"/>
+              <a:gd name="connsiteY45" fmla="*/ 2452 h 2802467"/>
+              <a:gd name="connsiteX46" fmla="*/ 12191696 w 12192000"/>
+              <a:gd name="connsiteY46" fmla="*/ 2236410 h 2802467"/>
+              <a:gd name="connsiteX47" fmla="*/ 12192000 w 12192000"/>
+              <a:gd name="connsiteY47" fmla="*/ 2236410 h 2802467"/>
+              <a:gd name="connsiteX48" fmla="*/ 12192000 w 12192000"/>
+              <a:gd name="connsiteY48" fmla="*/ 2802467 h 2802467"/>
+              <a:gd name="connsiteX49" fmla="*/ 12191696 w 12192000"/>
+              <a:gd name="connsiteY49" fmla="*/ 2802467 h 2802467"/>
+              <a:gd name="connsiteX50" fmla="*/ 0 w 12192000"/>
+              <a:gd name="connsiteY50" fmla="*/ 2802467 h 2802467"/>
+              <a:gd name="connsiteX51" fmla="*/ 0 w 12192000"/>
+              <a:gd name="connsiteY51" fmla="*/ 2236410 h 2802467"/>
+              <a:gd name="connsiteX52" fmla="*/ 1 w 12192000"/>
+              <a:gd name="connsiteY52" fmla="*/ 2236410 h 2802467"/>
+            </a:gdLst>
+            <a:ahLst/>
+            <a:cxnLst>
+              <a:cxn ang="0">
+                <a:pos x="connsiteX0" y="connsiteY0"/>
+              </a:cxn>
+              <a:cxn ang="0">
+                <a:pos x="connsiteX1" y="connsiteY1"/>
+              </a:cxn>
+              <a:cxn ang="0">
+                <a:pos x="connsiteX2" y="connsiteY2"/>
+              </a:cxn>
+              <a:cxn ang="0">
+                <a:pos x="connsiteX3" y="connsiteY3"/>
+              </a:cxn>
+              <a:cxn ang="0">
+                <a:pos x="connsiteX4" y="connsiteY4"/>
+              </a:cxn>
+              <a:cxn ang="0">
+                <a:pos x="connsiteX5" y="connsiteY5"/>
+              </a:cxn>
+              <a:cxn ang="0">
+                <a:pos x="connsiteX6" y="connsiteY6"/>
+              </a:cxn>
+              <a:cxn ang="0">
+                <a:pos x="connsiteX7" y="connsiteY7"/>
+              </a:cxn>
+              <a:cxn ang="0">
+                <a:pos x="connsiteX8" y="connsiteY8"/>
+              </a:cxn>
+              <a:cxn ang="0">
+                <a:pos x="connsiteX9" y="connsiteY9"/>
+              </a:cxn>
+              <a:cxn ang="0">
+                <a:pos x="connsiteX10" y="connsiteY10"/>
+              </a:cxn>
+              <a:cxn ang="0">
+                <a:pos x="connsiteX11" y="connsiteY11"/>
+              </a:cxn>
+              <a:cxn ang="0">
+                <a:pos x="connsiteX12" y="connsiteY12"/>
+              </a:cxn>
+              <a:cxn ang="0">
+                <a:pos x="connsiteX13" y="connsiteY13"/>
+              </a:cxn>
+              <a:cxn ang="0">
+                <a:pos x="connsiteX14" y="connsiteY14"/>
+              </a:cxn>
+              <a:cxn ang="0">
+                <a:pos x="connsiteX15" y="connsiteY15"/>
+              </a:cxn>
+              <a:cxn ang="0">
+                <a:pos x="connsiteX16" y="connsiteY16"/>
+              </a:cxn>
+              <a:cxn ang="0">
+                <a:pos x="connsiteX17" y="connsiteY17"/>
+              </a:cxn>
+              <a:cxn ang="0">
+                <a:pos x="connsiteX18" y="connsiteY18"/>
+              </a:cxn>
+              <a:cxn ang="0">
+                <a:pos x="connsiteX19" y="connsiteY19"/>
+              </a:cxn>
+              <a:cxn ang="0">
+                <a:pos x="connsiteX20" y="connsiteY20"/>
+              </a:cxn>
+              <a:cxn ang="0">
+                <a:pos x="connsiteX21" y="connsiteY21"/>
+              </a:cxn>
+              <a:cxn ang="0">
+                <a:pos x="connsiteX22" y="connsiteY22"/>
+              </a:cxn>
+              <a:cxn ang="0">
+                <a:pos x="connsiteX23" y="connsiteY23"/>
+              </a:cxn>
+              <a:cxn ang="0">
+                <a:pos x="connsiteX24" y="connsiteY24"/>
+              </a:cxn>
+              <a:cxn ang="0">
+                <a:pos x="connsiteX25" y="connsiteY25"/>
+              </a:cxn>
+              <a:cxn ang="0">
+                <a:pos x="connsiteX26" y="connsiteY26"/>
+              </a:cxn>
+              <a:cxn ang="0">
+                <a:pos x="connsiteX27" y="connsiteY27"/>
+              </a:cxn>
+              <a:cxn ang="0">
+                <a:pos x="connsiteX28" y="connsiteY28"/>
+              </a:cxn>
+              <a:cxn ang="0">
+                <a:pos x="connsiteX29" y="connsiteY29"/>
+              </a:cxn>
+              <a:cxn ang="0">
+                <a:pos x="connsiteX30" y="connsiteY30"/>
+              </a:cxn>
+              <a:cxn ang="0">
+                <a:pos x="connsiteX31" y="connsiteY31"/>
+              </a:cxn>
+              <a:cxn ang="0">
+                <a:pos x="connsiteX32" y="connsiteY32"/>
+              </a:cxn>
+              <a:cxn ang="0">
+                <a:pos x="connsiteX33" y="connsiteY33"/>
+              </a:cxn>
+              <a:cxn ang="0">
+                <a:pos x="connsiteX34" y="connsiteY34"/>
+              </a:cxn>
+              <a:cxn ang="0">
+                <a:pos x="connsiteX35" y="connsiteY35"/>
+              </a:cxn>
+              <a:cxn ang="0">
+                <a:pos x="connsiteX36" y="connsiteY36"/>
+              </a:cxn>
+              <a:cxn ang="0">
+                <a:pos x="connsiteX37" y="connsiteY37"/>
+              </a:cxn>
+              <a:cxn ang="0">
+                <a:pos x="connsiteX38" y="connsiteY38"/>
+              </a:cxn>
+              <a:cxn ang="0">
+                <a:pos x="connsiteX39" y="connsiteY39"/>
+              </a:cxn>
+              <a:cxn ang="0">
+                <a:pos x="connsiteX40" y="connsiteY40"/>
+              </a:cxn>
+              <a:cxn ang="0">
+                <a:pos x="connsiteX41" y="connsiteY41"/>
+              </a:cxn>
+              <a:cxn ang="0">
+                <a:pos x="connsiteX42" y="connsiteY42"/>
+              </a:cxn>
+              <a:cxn ang="0">
+                <a:pos x="connsiteX43" y="connsiteY43"/>
+              </a:cxn>
+              <a:cxn ang="0">
+                <a:pos x="connsiteX44" y="connsiteY44"/>
+              </a:cxn>
+              <a:cxn ang="0">
+                <a:pos x="connsiteX45" y="connsiteY45"/>
+              </a:cxn>
+              <a:cxn ang="0">
+                <a:pos x="connsiteX46" y="connsiteY46"/>
+              </a:cxn>
+              <a:cxn ang="0">
+                <a:pos x="connsiteX47" y="connsiteY47"/>
+              </a:cxn>
+              <a:cxn ang="0">
+                <a:pos x="connsiteX48" y="connsiteY48"/>
+              </a:cxn>
+              <a:cxn ang="0">
+                <a:pos x="connsiteX49" y="connsiteY49"/>
+              </a:cxn>
+              <a:cxn ang="0">
+                <a:pos x="connsiteX50" y="connsiteY50"/>
+              </a:cxn>
+              <a:cxn ang="0">
+                <a:pos x="connsiteX51" y="connsiteY51"/>
+              </a:cxn>
+              <a:cxn ang="0">
+                <a:pos x="connsiteX52" y="connsiteY52"/>
+              </a:cxn>
+            </a:cxnLst>
+            <a:rect l="l" t="t" r="r" b="b"/>
+            <a:pathLst>
+              <a:path w="12192000" h="2802467">
+                <a:moveTo>
+                  <a:pt x="1" y="0"/>
+                </a:moveTo>
+                <a:lnTo>
+                  <a:pt x="71932" y="12261"/>
+                </a:lnTo>
+                <a:lnTo>
+                  <a:pt x="282848" y="48342"/>
+                </a:lnTo>
+                <a:lnTo>
+                  <a:pt x="436464" y="73565"/>
+                </a:lnTo>
+                <a:lnTo>
+                  <a:pt x="619339" y="100188"/>
+                </a:lnTo>
+                <a:lnTo>
+                  <a:pt x="836351" y="132066"/>
+                </a:lnTo>
+                <a:lnTo>
+                  <a:pt x="1076528" y="165696"/>
+                </a:lnTo>
+                <a:lnTo>
+                  <a:pt x="1347183" y="201077"/>
+                </a:lnTo>
+                <a:lnTo>
+                  <a:pt x="1642223" y="238560"/>
+                </a:lnTo>
+                <a:lnTo>
+                  <a:pt x="1962864" y="276043"/>
+                </a:lnTo>
+                <a:lnTo>
+                  <a:pt x="2304232" y="314226"/>
+                </a:lnTo>
+                <a:lnTo>
+                  <a:pt x="2672421" y="349608"/>
+                </a:lnTo>
+                <a:lnTo>
+                  <a:pt x="3057678" y="383587"/>
+                </a:lnTo>
+                <a:lnTo>
+                  <a:pt x="3464881" y="414415"/>
+                </a:lnTo>
+                <a:lnTo>
+                  <a:pt x="3889152" y="443840"/>
+                </a:lnTo>
+                <a:lnTo>
+                  <a:pt x="4331710" y="471515"/>
+                </a:lnTo>
+                <a:lnTo>
+                  <a:pt x="4558476" y="481323"/>
+                </a:lnTo>
+                <a:lnTo>
+                  <a:pt x="4790118" y="492183"/>
+                </a:lnTo>
+                <a:lnTo>
+                  <a:pt x="5025418" y="502342"/>
+                </a:lnTo>
+                <a:lnTo>
+                  <a:pt x="5261937" y="508998"/>
+                </a:lnTo>
+                <a:lnTo>
+                  <a:pt x="5503332" y="514953"/>
+                </a:lnTo>
+                <a:lnTo>
+                  <a:pt x="5747166" y="521259"/>
+                </a:lnTo>
+                <a:lnTo>
+                  <a:pt x="5995877" y="525462"/>
+                </a:lnTo>
+                <a:lnTo>
+                  <a:pt x="6247026" y="525462"/>
+                </a:lnTo>
+                <a:lnTo>
+                  <a:pt x="6500613" y="527564"/>
+                </a:lnTo>
+                <a:lnTo>
+                  <a:pt x="6756639" y="525462"/>
+                </a:lnTo>
+                <a:lnTo>
+                  <a:pt x="7016322" y="521259"/>
+                </a:lnTo>
+                <a:lnTo>
+                  <a:pt x="7276005" y="517405"/>
+                </a:lnTo>
+                <a:lnTo>
+                  <a:pt x="7539345" y="508998"/>
+                </a:lnTo>
+                <a:lnTo>
+                  <a:pt x="7805124" y="500240"/>
+                </a:lnTo>
+                <a:lnTo>
+                  <a:pt x="8070903" y="490081"/>
+                </a:lnTo>
+                <a:lnTo>
+                  <a:pt x="8339121" y="475719"/>
+                </a:lnTo>
+                <a:lnTo>
+                  <a:pt x="8609776" y="458553"/>
+                </a:lnTo>
+                <a:lnTo>
+                  <a:pt x="8881651" y="442089"/>
+                </a:lnTo>
+                <a:lnTo>
+                  <a:pt x="9153526" y="421070"/>
+                </a:lnTo>
+                <a:lnTo>
+                  <a:pt x="9429058" y="395848"/>
+                </a:lnTo>
+                <a:lnTo>
+                  <a:pt x="9700933" y="370626"/>
+                </a:lnTo>
+                <a:lnTo>
+                  <a:pt x="9977684" y="341550"/>
+                </a:lnTo>
+                <a:lnTo>
+                  <a:pt x="10255655" y="309672"/>
+                </a:lnTo>
+                <a:lnTo>
+                  <a:pt x="10529968" y="276043"/>
+                </a:lnTo>
+                <a:lnTo>
+                  <a:pt x="10807939" y="236808"/>
+                </a:lnTo>
+                <a:lnTo>
+                  <a:pt x="11084690" y="194771"/>
+                </a:lnTo>
+                <a:lnTo>
+                  <a:pt x="11362661" y="153085"/>
+                </a:lnTo>
+                <a:lnTo>
+                  <a:pt x="11639412" y="104392"/>
+                </a:lnTo>
+                <a:lnTo>
+                  <a:pt x="11914945" y="54648"/>
+                </a:lnTo>
+                <a:lnTo>
+                  <a:pt x="12191696" y="2452"/>
+                </a:lnTo>
+                <a:lnTo>
+                  <a:pt x="12191696" y="2236410"/>
+                </a:lnTo>
+                <a:lnTo>
+                  <a:pt x="12192000" y="2236410"/>
+                </a:lnTo>
+                <a:lnTo>
+                  <a:pt x="12192000" y="2802467"/>
+                </a:lnTo>
+                <a:lnTo>
+                  <a:pt x="12191696" y="2802467"/>
+                </a:lnTo>
+                <a:lnTo>
+                  <a:pt x="0" y="2802467"/>
+                </a:lnTo>
+                <a:lnTo>
+                  <a:pt x="0" y="2236410"/>
+                </a:lnTo>
+                <a:lnTo>
+                  <a:pt x="1" y="2236410"/>
+                </a:lnTo>
+                <a:close/>
+              </a:path>
+            </a:pathLst>
+          </a:custGeom>
+          <a:ln>
+            <a:noFill/>
+          </a:ln>
+        </p:spPr>
+        <p:style>
+          <a:lnRef idx="2">
+            <a:schemeClr val="accent1">
+              <a:shade val="50000"/>
+            </a:schemeClr>
+          </a:lnRef>
+          <a:fillRef idx="1003">
+            <a:schemeClr val="dk2"/>
+          </a:fillRef>
+          <a:effectRef idx="0">
+            <a:schemeClr val="accent1"/>
+          </a:effectRef>
+          <a:fontRef idx="minor">
+            <a:schemeClr val="lt1"/>
+          </a:fontRef>
+        </p:style>
+        <p:txBody>
+          <a:bodyPr rtlCol="0" anchor="ctr"/>
+          <a:lstStyle/>
+          <a:p>
+            <a:pPr algn="ctr"/>
+            <a:endParaRPr lang="en-US"/>
+          </a:p>
+        </p:txBody>
+      </p:sp>
+      <p:sp>
+        <p:nvSpPr>
           <p:cNvPr id="2" name="Title 1">
             <a:extLst>
               <a:ext uri="{FF2B5EF4-FFF2-40B4-BE49-F238E27FC236}">
@@ -13135,7 +15761,13 @@
       </p:sp>
       <p:pic>
         <p:nvPicPr>
-          <p:cNvPr id="4" name="Tartalom helye 3"/>
+          <p:cNvPr id="6" name="Tartalom helye 5" descr="A képen diagram, kör, térkép látható&#10;&#10;Automatikusan generált leírás">
+            <a:extLst>
+              <a:ext uri="{FF2B5EF4-FFF2-40B4-BE49-F238E27FC236}">
+                <a16:creationId xmlns:a16="http://schemas.microsoft.com/office/drawing/2014/main" id="{A2AD99EF-3E5A-B136-974C-CDD6DBB0B262}"/>
+              </a:ext>
+            </a:extLst>
+          </p:cNvPr>
           <p:cNvPicPr>
             <a:picLocks noGrp="1" noChangeAspect="1"/>
           </p:cNvPicPr>
@@ -13144,21 +15776,15 @@
           </p:nvPr>
         </p:nvPicPr>
         <p:blipFill>
-          <a:blip r:embed="rId6">
-            <a:extLst>
-              <a:ext uri="{28A0092B-C50C-407E-A947-70E740481C1C}">
-                <a14:useLocalDpi xmlns:a14="http://schemas.microsoft.com/office/drawing/2010/main" val="0"/>
-              </a:ext>
-            </a:extLst>
-          </a:blip>
+          <a:blip r:embed="rId6"/>
           <a:stretch>
             <a:fillRect/>
           </a:stretch>
         </p:blipFill>
         <p:spPr>
           <a:xfrm>
-            <a:off x="1071562" y="521214"/>
-            <a:ext cx="8947150" cy="3321612"/>
+            <a:off x="1583702" y="519477"/>
+            <a:ext cx="8432800" cy="3228844"/>
           </a:xfrm>
         </p:spPr>
       </p:pic>
@@ -13172,6 +15798,18 @@
   <p:clrMapOvr>
     <a:overrideClrMapping bg1="lt1" tx1="dk1" bg2="lt2" tx2="dk2" accent1="accent1" accent2="accent2" accent3="accent3" accent4="accent4" accent5="accent5" accent6="accent6" hlink="hlink" folHlink="folHlink"/>
   </p:clrMapOvr>
+  <mc:AlternateContent xmlns:mc="http://schemas.openxmlformats.org/markup-compatibility/2006">
+    <mc:Choice xmlns:p14="http://schemas.microsoft.com/office/powerpoint/2010/main" Requires="p14">
+      <p:transition p14:dur="100">
+        <p:cut/>
+      </p:transition>
+    </mc:Choice>
+    <mc:Fallback>
+      <p:transition>
+        <p:cut/>
+      </p:transition>
+    </mc:Fallback>
+  </mc:AlternateContent>
 </p:sld>
 </file>
 
@@ -13208,7 +15846,7 @@
                 <a16:creationId xmlns:a16="http://schemas.microsoft.com/office/drawing/2014/main" id="{41B68C77-138E-4BF7-A276-BD0C78A4219F}"/>
               </a:ext>
               <a:ext uri="{C183D7F6-B498-43B3-948B-1728B52AA6E4}">
-                <adec:decorative xmlns:adec="http://schemas.microsoft.com/office/drawing/2017/decorative" xmlns="" val="1"/>
+                <adec:decorative xmlns:adec="http://schemas.microsoft.com/office/drawing/2017/decorative" val="1"/>
               </a:ext>
             </a:extLst>
           </p:cNvPr>
@@ -13252,7 +15890,7 @@
                 <a16:creationId xmlns:a16="http://schemas.microsoft.com/office/drawing/2014/main" id="{7C268552-D473-46ED-B1B8-422042C4DEF1}"/>
               </a:ext>
               <a:ext uri="{C183D7F6-B498-43B3-948B-1728B52AA6E4}">
-                <adec:decorative xmlns:adec="http://schemas.microsoft.com/office/drawing/2017/decorative" xmlns="" val="1"/>
+                <adec:decorative xmlns:adec="http://schemas.microsoft.com/office/drawing/2017/decorative" val="1"/>
               </a:ext>
             </a:extLst>
           </p:cNvPr>
@@ -13296,7 +15934,7 @@
                 <a16:creationId xmlns:a16="http://schemas.microsoft.com/office/drawing/2014/main" id="{4AC0CD9D-7610-4620-93B4-798CCD9AB581}"/>
               </a:ext>
               <a:ext uri="{C183D7F6-B498-43B3-948B-1728B52AA6E4}">
-                <adec:decorative xmlns:adec="http://schemas.microsoft.com/office/drawing/2017/decorative" xmlns="" val="1"/>
+                <adec:decorative xmlns:adec="http://schemas.microsoft.com/office/drawing/2017/decorative" val="1"/>
               </a:ext>
             </a:extLst>
           </p:cNvPr>
@@ -13376,7 +16014,7 @@
                 <a16:creationId xmlns:a16="http://schemas.microsoft.com/office/drawing/2014/main" id="{B9238B3E-24AA-439A-B527-6C5DF6D72145}"/>
               </a:ext>
               <a:ext uri="{C183D7F6-B498-43B3-948B-1728B52AA6E4}">
-                <adec:decorative xmlns:adec="http://schemas.microsoft.com/office/drawing/2017/decorative" xmlns="" val="1"/>
+                <adec:decorative xmlns:adec="http://schemas.microsoft.com/office/drawing/2017/decorative" val="1"/>
               </a:ext>
             </a:extLst>
           </p:cNvPr>
@@ -13420,7 +16058,7 @@
                 <a16:creationId xmlns:a16="http://schemas.microsoft.com/office/drawing/2014/main" id="{69F01145-BEA3-4CBF-AA21-10077B948CA8}"/>
               </a:ext>
               <a:ext uri="{C183D7F6-B498-43B3-948B-1728B52AA6E4}">
-                <adec:decorative xmlns:adec="http://schemas.microsoft.com/office/drawing/2017/decorative" xmlns="" val="1"/>
+                <adec:decorative xmlns:adec="http://schemas.microsoft.com/office/drawing/2017/decorative" val="1"/>
               </a:ext>
             </a:extLst>
           </p:cNvPr>
@@ -13464,7 +16102,7 @@
                 <a16:creationId xmlns:a16="http://schemas.microsoft.com/office/drawing/2014/main" id="{DE4D62F9-188E-4530-84C2-24BDEE4BEB82}"/>
               </a:ext>
               <a:ext uri="{C183D7F6-B498-43B3-948B-1728B52AA6E4}">
-                <adec:decorative xmlns:adec="http://schemas.microsoft.com/office/drawing/2017/decorative" xmlns="" val="1"/>
+                <adec:decorative xmlns:adec="http://schemas.microsoft.com/office/drawing/2017/decorative" val="1"/>
               </a:ext>
             </a:extLst>
           </p:cNvPr>
@@ -13517,7 +16155,7 @@
                 <a16:creationId xmlns:a16="http://schemas.microsoft.com/office/drawing/2014/main" id="{757B325C-3E35-45CF-9D07-3BCB281F3B9C}"/>
               </a:ext>
               <a:ext uri="{C183D7F6-B498-43B3-948B-1728B52AA6E4}">
-                <adec:decorative xmlns:adec="http://schemas.microsoft.com/office/drawing/2017/decorative" xmlns="" val="1"/>
+                <adec:decorative xmlns:adec="http://schemas.microsoft.com/office/drawing/2017/decorative" val="1"/>
               </a:ext>
             </a:extLst>
           </p:cNvPr>
@@ -13598,7 +16236,15 @@
           <a:lstStyle/>
           <a:p>
             <a:r>
-              <a:rPr lang="en-US" sz="5400" b="0" i="0" kern="1200">
+              <a:rPr lang="en-US" sz="5400" dirty="0">
+                <a:solidFill>
+                  <a:srgbClr val="EBEBEB"/>
+                </a:solidFill>
+              </a:rPr>
+              <a:t>IPv4</a:t>
+            </a:r>
+            <a:r>
+              <a:rPr lang="en-US" sz="5400" b="0" i="0" kern="1200" dirty="0">
                 <a:solidFill>
                   <a:srgbClr val="EBEBEB"/>
                 </a:solidFill>
@@ -13606,8 +16252,25 @@
                 <a:ea typeface="+mj-ea"/>
                 <a:cs typeface="+mj-cs"/>
               </a:rPr>
-              <a:t>IP/IPV6 tábla</a:t>
+              <a:t>/IPV6 </a:t>
             </a:r>
+            <a:r>
+              <a:rPr lang="en-US" sz="5400" b="0" i="0" kern="1200" dirty="0" err="1">
+                <a:solidFill>
+                  <a:srgbClr val="EBEBEB"/>
+                </a:solidFill>
+                <a:latin typeface="+mj-lt"/>
+                <a:ea typeface="+mj-ea"/>
+                <a:cs typeface="+mj-cs"/>
+              </a:rPr>
+              <a:t>tábla</a:t>
+            </a:r>
+            <a:endParaRPr lang="en-US" sz="5400" b="0" i="0" kern="1200" dirty="0" err="1">
+              <a:solidFill>
+                <a:srgbClr val="EBEBEB"/>
+              </a:solidFill>
+              <a:latin typeface="+mj-lt"/>
+            </a:endParaRPr>
           </a:p>
         </p:txBody>
       </p:sp>
@@ -13619,7 +16282,7 @@
                 <a16:creationId xmlns:a16="http://schemas.microsoft.com/office/drawing/2014/main" id="{C24BEC42-AFF3-40D1-93A2-A27A42E1E23C}"/>
               </a:ext>
               <a:ext uri="{C183D7F6-B498-43B3-948B-1728B52AA6E4}">
-                <adec:decorative xmlns:adec="http://schemas.microsoft.com/office/drawing/2017/decorative" xmlns="" val="1"/>
+                <adec:decorative xmlns:adec="http://schemas.microsoft.com/office/drawing/2017/decorative" val="1"/>
               </a:ext>
             </a:extLst>
           </p:cNvPr>
@@ -13971,7 +16634,7 @@
                 <a16:creationId xmlns:a16="http://schemas.microsoft.com/office/drawing/2014/main" id="{608F427C-1EC9-4280-9367-F2B3AA063E82}"/>
               </a:ext>
               <a:ext uri="{C183D7F6-B498-43B3-948B-1728B52AA6E4}">
-                <adec:decorative xmlns:adec="http://schemas.microsoft.com/office/drawing/2017/decorative" xmlns="" val="1"/>
+                <adec:decorative xmlns:adec="http://schemas.microsoft.com/office/drawing/2017/decorative" val="1"/>
               </a:ext>
             </a:extLst>
           </p:cNvPr>
@@ -14460,7 +17123,7 @@
                 <a16:creationId xmlns:a16="http://schemas.microsoft.com/office/drawing/2014/main" id="{F98810A7-E114-447A-A7D6-69B27CFB5650}"/>
               </a:ext>
               <a:ext uri="{C183D7F6-B498-43B3-948B-1728B52AA6E4}">
-                <adec:decorative xmlns:adec="http://schemas.microsoft.com/office/drawing/2017/decorative" xmlns="" val="1"/>
+                <adec:decorative xmlns:adec="http://schemas.microsoft.com/office/drawing/2017/decorative" val="1"/>
               </a:ext>
             </a:extLst>
           </p:cNvPr>
@@ -14521,13 +17184,13 @@
             <p:ph idx="1"/>
             <p:extLst>
               <p:ext uri="{D42A27DB-BD31-4B8C-83A1-F6EECF244321}">
-                <p14:modId xmlns:p14="http://schemas.microsoft.com/office/powerpoint/2010/main" val="3353505981"/>
+                <p14:modId xmlns:p14="http://schemas.microsoft.com/office/powerpoint/2010/main" val="3408569365"/>
               </p:ext>
             </p:extLst>
           </p:nvPr>
         </p:nvGraphicFramePr>
         <p:xfrm>
-          <a:off x="35032" y="310016"/>
+          <a:off x="189641" y="298972"/>
           <a:ext cx="8003959" cy="6257922"/>
         </p:xfrm>
         <a:graphic>
@@ -20924,6 +23587,18 @@
   <p:clrMapOvr>
     <a:overrideClrMapping bg1="lt1" tx1="dk1" bg2="lt2" tx2="dk2" accent1="accent1" accent2="accent2" accent3="accent3" accent4="accent4" accent5="accent5" accent6="accent6" hlink="hlink" folHlink="folHlink"/>
   </p:clrMapOvr>
+  <mc:AlternateContent xmlns:mc="http://schemas.openxmlformats.org/markup-compatibility/2006">
+    <mc:Choice xmlns:p14="http://schemas.microsoft.com/office/powerpoint/2010/main" Requires="p14">
+      <p:transition p14:dur="100">
+        <p:cut/>
+      </p:transition>
+    </mc:Choice>
+    <mc:Fallback>
+      <p:transition>
+        <p:cut/>
+      </p:transition>
+    </mc:Fallback>
+  </mc:AlternateContent>
 </p:sld>
 </file>
 
@@ -21069,7 +23744,7 @@
         </p:nvGraphicFramePr>
         <p:xfrm>
           <a:off x="2011939" y="2158308"/>
-          <a:ext cx="7409815" cy="3533267"/>
+          <a:ext cx="7409815" cy="3472880"/>
         </p:xfrm>
         <a:graphic>
           <a:graphicData uri="http://schemas.openxmlformats.org/drawingml/2006/table">
@@ -21850,6 +24525,18 @@
   <p:clrMapOvr>
     <a:masterClrMapping/>
   </p:clrMapOvr>
+  <mc:AlternateContent xmlns:mc="http://schemas.openxmlformats.org/markup-compatibility/2006">
+    <mc:Choice xmlns:p14="http://schemas.microsoft.com/office/powerpoint/2010/main" Requires="p14">
+      <p:transition p14:dur="100">
+        <p:cut/>
+      </p:transition>
+    </mc:Choice>
+    <mc:Fallback>
+      <p:transition>
+        <p:cut/>
+      </p:transition>
+    </mc:Fallback>
+  </mc:AlternateContent>
 </p:sld>
 </file>
 
@@ -21914,7 +24601,7 @@
             <p:ph idx="1"/>
             <p:extLst>
               <p:ext uri="{D42A27DB-BD31-4B8C-83A1-F6EECF244321}">
-                <p14:modId xmlns:p14="http://schemas.microsoft.com/office/powerpoint/2010/main" val="2981431408"/>
+                <p14:modId xmlns:p14="http://schemas.microsoft.com/office/powerpoint/2010/main" val="2686346610"/>
               </p:ext>
             </p:extLst>
           </p:nvPr>
@@ -21960,12 +24647,12 @@
                         </a:spcAft>
                       </a:pPr>
                       <a:r>
-                        <a:rPr lang="hu-HU" sz="3800">
+                        <a:rPr lang="hu-HU" sz="3800" dirty="0">
                           <a:effectLst/>
                         </a:rPr>
                         <a:t>Protokoll</a:t>
                       </a:r>
-                      <a:endParaRPr lang="hu-HU" sz="2300">
+                      <a:endParaRPr lang="hu-HU" sz="2300" dirty="0">
                         <a:effectLst/>
                         <a:latin typeface="Calibri" panose="020F0502020204030204" pitchFamily="34" charset="0"/>
                         <a:ea typeface="Calibri" panose="020F0502020204030204" pitchFamily="34" charset="0"/>
@@ -21989,12 +24676,12 @@
                         </a:spcAft>
                       </a:pPr>
                       <a:r>
-                        <a:rPr lang="hu-HU" sz="3800">
+                        <a:rPr lang="hu-HU" sz="3800" dirty="0">
                           <a:effectLst/>
                         </a:rPr>
                         <a:t>Port</a:t>
                       </a:r>
-                      <a:endParaRPr lang="hu-HU" sz="2300">
+                      <a:endParaRPr lang="hu-HU" sz="2300" dirty="0">
                         <a:effectLst/>
                         <a:latin typeface="Calibri" panose="020F0502020204030204" pitchFamily="34" charset="0"/>
                         <a:ea typeface="Calibri" panose="020F0502020204030204" pitchFamily="34" charset="0"/>
@@ -22025,17 +24712,11 @@
                         </a:spcAft>
                       </a:pPr>
                       <a:r>
-                        <a:rPr lang="hu-HU" sz="3800">
+                        <a:rPr lang="hu-HU" sz="3800" dirty="0">
                           <a:effectLst/>
                         </a:rPr>
-                        <a:t>PAgP</a:t>
+                        <a:t>LACP</a:t>
                       </a:r>
-                      <a:endParaRPr lang="hu-HU" sz="2300">
-                        <a:effectLst/>
-                        <a:latin typeface="Calibri" panose="020F0502020204030204" pitchFamily="34" charset="0"/>
-                        <a:ea typeface="Calibri" panose="020F0502020204030204" pitchFamily="34" charset="0"/>
-                        <a:cs typeface="Times New Roman" panose="02020603050405020304" pitchFamily="18" charset="0"/>
-                      </a:endParaRPr>
                     </a:p>
                   </a:txBody>
                   <a:tcPr marL="143836" marR="143836" marT="0" marB="0"/>
@@ -22054,12 +24735,12 @@
                         </a:spcAft>
                       </a:pPr>
                       <a:r>
-                        <a:rPr lang="hu-HU" sz="3800">
+                        <a:rPr lang="hu-HU" sz="3800" dirty="0">
                           <a:effectLst/>
                         </a:rPr>
                         <a:t>Fa0/1, Fa0/2</a:t>
                       </a:r>
-                      <a:endParaRPr lang="hu-HU" sz="2300">
+                      <a:endParaRPr lang="hu-HU" sz="2300" dirty="0">
                         <a:effectLst/>
                         <a:latin typeface="Calibri" panose="020F0502020204030204" pitchFamily="34" charset="0"/>
                         <a:ea typeface="Calibri" panose="020F0502020204030204" pitchFamily="34" charset="0"/>
@@ -22090,17 +24771,11 @@
                         </a:spcAft>
                       </a:pPr>
                       <a:r>
-                        <a:rPr lang="hu-HU" sz="3800">
+                        <a:rPr lang="hu-HU" sz="3800" dirty="0">
                           <a:effectLst/>
                         </a:rPr>
-                        <a:t>PAgP</a:t>
+                        <a:t>LACP</a:t>
                       </a:r>
-                      <a:endParaRPr lang="hu-HU" sz="2300">
-                        <a:effectLst/>
-                        <a:latin typeface="Calibri" panose="020F0502020204030204" pitchFamily="34" charset="0"/>
-                        <a:ea typeface="Calibri" panose="020F0502020204030204" pitchFamily="34" charset="0"/>
-                        <a:cs typeface="Times New Roman" panose="02020603050405020304" pitchFamily="18" charset="0"/>
-                      </a:endParaRPr>
                     </a:p>
                   </a:txBody>
                   <a:tcPr marL="143836" marR="143836" marT="0" marB="0"/>
@@ -22223,6 +24898,18 @@
   <p:clrMapOvr>
     <a:masterClrMapping/>
   </p:clrMapOvr>
+  <mc:AlternateContent xmlns:mc="http://schemas.openxmlformats.org/markup-compatibility/2006">
+    <mc:Choice xmlns:p14="http://schemas.microsoft.com/office/powerpoint/2010/main" Requires="p14">
+      <p:transition p14:dur="100">
+        <p:cut/>
+      </p:transition>
+    </mc:Choice>
+    <mc:Fallback>
+      <p:transition>
+        <p:cut/>
+      </p:transition>
+    </mc:Fallback>
+  </mc:AlternateContent>
 </p:sld>
 </file>
 
@@ -22275,7 +24962,7 @@
                 <a16:creationId xmlns:a16="http://schemas.microsoft.com/office/drawing/2014/main" id="{DF19BAF3-7E20-4B9D-B544-BABAEEA1FA75}"/>
               </a:ext>
               <a:ext uri="{C183D7F6-B498-43B3-948B-1728B52AA6E4}">
-                <adec:decorative xmlns:adec="http://schemas.microsoft.com/office/drawing/2017/decorative" xmlns="" val="1"/>
+                <adec:decorative xmlns:adec="http://schemas.microsoft.com/office/drawing/2017/decorative" val="1"/>
               </a:ext>
             </a:extLst>
           </p:cNvPr>
@@ -22319,7 +25006,7 @@
                 <a16:creationId xmlns:a16="http://schemas.microsoft.com/office/drawing/2014/main" id="{950648F4-ABCD-4DF0-8641-76CFB2354721}"/>
               </a:ext>
               <a:ext uri="{C183D7F6-B498-43B3-948B-1728B52AA6E4}">
-                <adec:decorative xmlns:adec="http://schemas.microsoft.com/office/drawing/2017/decorative" xmlns="" val="1"/>
+                <adec:decorative xmlns:adec="http://schemas.microsoft.com/office/drawing/2017/decorative" val="1"/>
               </a:ext>
             </a:extLst>
           </p:cNvPr>
@@ -22363,7 +25050,7 @@
                 <a16:creationId xmlns:a16="http://schemas.microsoft.com/office/drawing/2014/main" id="{989BE678-777B-482A-A616-FEDC47B162E5}"/>
               </a:ext>
               <a:ext uri="{C183D7F6-B498-43B3-948B-1728B52AA6E4}">
-                <adec:decorative xmlns:adec="http://schemas.microsoft.com/office/drawing/2017/decorative" xmlns="" val="1"/>
+                <adec:decorative xmlns:adec="http://schemas.microsoft.com/office/drawing/2017/decorative" val="1"/>
               </a:ext>
             </a:extLst>
           </p:cNvPr>
@@ -22443,7 +25130,7 @@
                 <a16:creationId xmlns:a16="http://schemas.microsoft.com/office/drawing/2014/main" id="{CF1EB4BD-9C7E-4AA3-9681-C7EB0DA6250B}"/>
               </a:ext>
               <a:ext uri="{C183D7F6-B498-43B3-948B-1728B52AA6E4}">
-                <adec:decorative xmlns:adec="http://schemas.microsoft.com/office/drawing/2017/decorative" xmlns="" val="1"/>
+                <adec:decorative xmlns:adec="http://schemas.microsoft.com/office/drawing/2017/decorative" val="1"/>
               </a:ext>
             </a:extLst>
           </p:cNvPr>
@@ -22487,7 +25174,7 @@
                 <a16:creationId xmlns:a16="http://schemas.microsoft.com/office/drawing/2014/main" id="{94AAE3AA-3759-4D28-B0EF-575F25A5146C}"/>
               </a:ext>
               <a:ext uri="{C183D7F6-B498-43B3-948B-1728B52AA6E4}">
-                <adec:decorative xmlns:adec="http://schemas.microsoft.com/office/drawing/2017/decorative" xmlns="" val="1"/>
+                <adec:decorative xmlns:adec="http://schemas.microsoft.com/office/drawing/2017/decorative" val="1"/>
               </a:ext>
             </a:extLst>
           </p:cNvPr>
@@ -22531,7 +25218,7 @@
                 <a16:creationId xmlns:a16="http://schemas.microsoft.com/office/drawing/2014/main" id="{D28BE0C3-2102-4820-B88B-A448B1840D14}"/>
               </a:ext>
               <a:ext uri="{C183D7F6-B498-43B3-948B-1728B52AA6E4}">
-                <adec:decorative xmlns:adec="http://schemas.microsoft.com/office/drawing/2017/decorative" xmlns="" val="1"/>
+                <adec:decorative xmlns:adec="http://schemas.microsoft.com/office/drawing/2017/decorative" val="1"/>
               </a:ext>
             </a:extLst>
           </p:cNvPr>
@@ -22659,6 +25346,18 @@
   <p:clrMapOvr>
     <a:masterClrMapping/>
   </p:clrMapOvr>
+  <mc:AlternateContent xmlns:mc="http://schemas.openxmlformats.org/markup-compatibility/2006">
+    <mc:Choice xmlns:p14="http://schemas.microsoft.com/office/powerpoint/2010/main" Requires="p14">
+      <p:transition p14:dur="100">
+        <p:cut/>
+      </p:transition>
+    </mc:Choice>
+    <mc:Fallback>
+      <p:transition>
+        <p:cut/>
+      </p:transition>
+    </mc:Fallback>
+  </mc:AlternateContent>
 </p:sld>
 </file>
 
@@ -22930,6 +25629,18 @@
   <p:clrMapOvr>
     <a:masterClrMapping/>
   </p:clrMapOvr>
+  <mc:AlternateContent xmlns:mc="http://schemas.openxmlformats.org/markup-compatibility/2006">
+    <mc:Choice xmlns:p14="http://schemas.microsoft.com/office/powerpoint/2010/main" Requires="p14">
+      <p:transition p14:dur="100">
+        <p:cut/>
+      </p:transition>
+    </mc:Choice>
+    <mc:Fallback>
+      <p:transition>
+        <p:cut/>
+      </p:transition>
+    </mc:Fallback>
+  </mc:AlternateContent>
 </p:sld>
 </file>
 
@@ -22966,7 +25677,7 @@
                 <a16:creationId xmlns:a16="http://schemas.microsoft.com/office/drawing/2014/main" id="{41B68C77-138E-4BF7-A276-BD0C78A4219F}"/>
               </a:ext>
               <a:ext uri="{C183D7F6-B498-43B3-948B-1728B52AA6E4}">
-                <adec:decorative xmlns:adec="http://schemas.microsoft.com/office/drawing/2017/decorative" xmlns="" val="1"/>
+                <adec:decorative xmlns:adec="http://schemas.microsoft.com/office/drawing/2017/decorative" val="1"/>
               </a:ext>
             </a:extLst>
           </p:cNvPr>
@@ -23010,7 +25721,7 @@
                 <a16:creationId xmlns:a16="http://schemas.microsoft.com/office/drawing/2014/main" id="{7C268552-D473-46ED-B1B8-422042C4DEF1}"/>
               </a:ext>
               <a:ext uri="{C183D7F6-B498-43B3-948B-1728B52AA6E4}">
-                <adec:decorative xmlns:adec="http://schemas.microsoft.com/office/drawing/2017/decorative" xmlns="" val="1"/>
+                <adec:decorative xmlns:adec="http://schemas.microsoft.com/office/drawing/2017/decorative" val="1"/>
               </a:ext>
             </a:extLst>
           </p:cNvPr>
@@ -23054,7 +25765,7 @@
                 <a16:creationId xmlns:a16="http://schemas.microsoft.com/office/drawing/2014/main" id="{4AC0CD9D-7610-4620-93B4-798CCD9AB581}"/>
               </a:ext>
               <a:ext uri="{C183D7F6-B498-43B3-948B-1728B52AA6E4}">
-                <adec:decorative xmlns:adec="http://schemas.microsoft.com/office/drawing/2017/decorative" xmlns="" val="1"/>
+                <adec:decorative xmlns:adec="http://schemas.microsoft.com/office/drawing/2017/decorative" val="1"/>
               </a:ext>
             </a:extLst>
           </p:cNvPr>
@@ -23134,7 +25845,7 @@
                 <a16:creationId xmlns:a16="http://schemas.microsoft.com/office/drawing/2014/main" id="{B9238B3E-24AA-439A-B527-6C5DF6D72145}"/>
               </a:ext>
               <a:ext uri="{C183D7F6-B498-43B3-948B-1728B52AA6E4}">
-                <adec:decorative xmlns:adec="http://schemas.microsoft.com/office/drawing/2017/decorative" xmlns="" val="1"/>
+                <adec:decorative xmlns:adec="http://schemas.microsoft.com/office/drawing/2017/decorative" val="1"/>
               </a:ext>
             </a:extLst>
           </p:cNvPr>
@@ -23178,7 +25889,7 @@
                 <a16:creationId xmlns:a16="http://schemas.microsoft.com/office/drawing/2014/main" id="{69F01145-BEA3-4CBF-AA21-10077B948CA8}"/>
               </a:ext>
               <a:ext uri="{C183D7F6-B498-43B3-948B-1728B52AA6E4}">
-                <adec:decorative xmlns:adec="http://schemas.microsoft.com/office/drawing/2017/decorative" xmlns="" val="1"/>
+                <adec:decorative xmlns:adec="http://schemas.microsoft.com/office/drawing/2017/decorative" val="1"/>
               </a:ext>
             </a:extLst>
           </p:cNvPr>
@@ -23222,7 +25933,7 @@
                 <a16:creationId xmlns:a16="http://schemas.microsoft.com/office/drawing/2014/main" id="{DE4D62F9-188E-4530-84C2-24BDEE4BEB82}"/>
               </a:ext>
               <a:ext uri="{C183D7F6-B498-43B3-948B-1728B52AA6E4}">
-                <adec:decorative xmlns:adec="http://schemas.microsoft.com/office/drawing/2017/decorative" xmlns="" val="1"/>
+                <adec:decorative xmlns:adec="http://schemas.microsoft.com/office/drawing/2017/decorative" val="1"/>
               </a:ext>
             </a:extLst>
           </p:cNvPr>
@@ -23275,7 +25986,7 @@
                 <a16:creationId xmlns:a16="http://schemas.microsoft.com/office/drawing/2014/main" id="{757B325C-3E35-45CF-9D07-3BCB281F3B9C}"/>
               </a:ext>
               <a:ext uri="{C183D7F6-B498-43B3-948B-1728B52AA6E4}">
-                <adec:decorative xmlns:adec="http://schemas.microsoft.com/office/drawing/2017/decorative" xmlns="" val="1"/>
+                <adec:decorative xmlns:adec="http://schemas.microsoft.com/office/drawing/2017/decorative" val="1"/>
               </a:ext>
             </a:extLst>
           </p:cNvPr>
@@ -23382,7 +26093,7 @@
                 <a16:creationId xmlns:a16="http://schemas.microsoft.com/office/drawing/2014/main" id="{C24BEC42-AFF3-40D1-93A2-A27A42E1E23C}"/>
               </a:ext>
               <a:ext uri="{C183D7F6-B498-43B3-948B-1728B52AA6E4}">
-                <adec:decorative xmlns:adec="http://schemas.microsoft.com/office/drawing/2017/decorative" xmlns="" val="1"/>
+                <adec:decorative xmlns:adec="http://schemas.microsoft.com/office/drawing/2017/decorative" val="1"/>
               </a:ext>
             </a:extLst>
           </p:cNvPr>
@@ -23734,7 +26445,7 @@
                 <a16:creationId xmlns:a16="http://schemas.microsoft.com/office/drawing/2014/main" id="{608F427C-1EC9-4280-9367-F2B3AA063E82}"/>
               </a:ext>
               <a:ext uri="{C183D7F6-B498-43B3-948B-1728B52AA6E4}">
-                <adec:decorative xmlns:adec="http://schemas.microsoft.com/office/drawing/2017/decorative" xmlns="" val="1"/>
+                <adec:decorative xmlns:adec="http://schemas.microsoft.com/office/drawing/2017/decorative" val="1"/>
               </a:ext>
             </a:extLst>
           </p:cNvPr>
@@ -24223,7 +26934,7 @@
                 <a16:creationId xmlns:a16="http://schemas.microsoft.com/office/drawing/2014/main" id="{F98810A7-E114-447A-A7D6-69B27CFB5650}"/>
               </a:ext>
               <a:ext uri="{C183D7F6-B498-43B3-948B-1728B52AA6E4}">
-                <adec:decorative xmlns:adec="http://schemas.microsoft.com/office/drawing/2017/decorative" xmlns="" val="1"/>
+                <adec:decorative xmlns:adec="http://schemas.microsoft.com/office/drawing/2017/decorative" val="1"/>
               </a:ext>
             </a:extLst>
           </p:cNvPr>
@@ -24317,6 +27028,18 @@
   <p:clrMapOvr>
     <a:overrideClrMapping bg1="lt1" tx1="dk1" bg2="lt2" tx2="dk2" accent1="accent1" accent2="accent2" accent3="accent3" accent4="accent4" accent5="accent5" accent6="accent6" hlink="hlink" folHlink="folHlink"/>
   </p:clrMapOvr>
+  <mc:AlternateContent xmlns:mc="http://schemas.openxmlformats.org/markup-compatibility/2006">
+    <mc:Choice xmlns:p14="http://schemas.microsoft.com/office/powerpoint/2010/main" Requires="p14">
+      <p:transition p14:dur="100">
+        <p:cut/>
+      </p:transition>
+    </mc:Choice>
+    <mc:Fallback>
+      <p:transition>
+        <p:cut/>
+      </p:transition>
+    </mc:Fallback>
+  </mc:AlternateContent>
 </p:sld>
 </file>
 
@@ -24516,6 +27239,18 @@
   <p:clrMapOvr>
     <a:masterClrMapping/>
   </p:clrMapOvr>
+  <mc:AlternateContent xmlns:mc="http://schemas.openxmlformats.org/markup-compatibility/2006">
+    <mc:Choice xmlns:p14="http://schemas.microsoft.com/office/powerpoint/2010/main" Requires="p14">
+      <p:transition p14:dur="100">
+        <p:cut/>
+      </p:transition>
+    </mc:Choice>
+    <mc:Fallback>
+      <p:transition>
+        <p:cut/>
+      </p:transition>
+    </mc:Fallback>
+  </mc:AlternateContent>
 </p:sld>
 </file>
 

--- a/Tacos KFT.pptx
+++ b/Tacos KFT.pptx
@@ -19,12 +19,14 @@
     <p:sldId id="267" r:id="rId13"/>
     <p:sldId id="268" r:id="rId14"/>
     <p:sldId id="274" r:id="rId15"/>
-    <p:sldId id="270" r:id="rId16"/>
-    <p:sldId id="271" r:id="rId17"/>
-    <p:sldId id="272" r:id="rId18"/>
-    <p:sldId id="276" r:id="rId19"/>
-    <p:sldId id="277" r:id="rId20"/>
-    <p:sldId id="273" r:id="rId21"/>
+    <p:sldId id="278" r:id="rId16"/>
+    <p:sldId id="279" r:id="rId17"/>
+    <p:sldId id="270" r:id="rId18"/>
+    <p:sldId id="271" r:id="rId19"/>
+    <p:sldId id="272" r:id="rId20"/>
+    <p:sldId id="276" r:id="rId21"/>
+    <p:sldId id="277" r:id="rId22"/>
+    <p:sldId id="273" r:id="rId23"/>
   </p:sldIdLst>
   <p:sldSz cx="12192000" cy="6858000"/>
   <p:notesSz cx="6858000" cy="9144000"/>
@@ -3616,7 +3618,7 @@
           <a:p>
             <a:fld id="{4AAD347D-5ACD-4C99-B74B-A9C85AD731AF}" type="datetimeFigureOut">
               <a:rPr lang="en-US" dirty="0"/>
-              <a:t>12/9/2024</a:t>
+              <a:t>12/13/2024</a:t>
             </a:fld>
             <a:endParaRPr lang="en-US" dirty="0"/>
           </a:p>
@@ -3886,7 +3888,7 @@
           <a:p>
             <a:fld id="{4509A250-FF31-4206-8172-F9D3106AACB1}" type="datetimeFigureOut">
               <a:rPr lang="en-US" dirty="0"/>
-              <a:t>12/9/2024</a:t>
+              <a:t>12/13/2024</a:t>
             </a:fld>
             <a:endParaRPr lang="en-US" dirty="0"/>
           </a:p>
@@ -4079,7 +4081,7 @@
           <a:p>
             <a:fld id="{4509A250-FF31-4206-8172-F9D3106AACB1}" type="datetimeFigureOut">
               <a:rPr lang="en-US" dirty="0"/>
-              <a:t>12/9/2024</a:t>
+              <a:t>12/13/2024</a:t>
             </a:fld>
             <a:endParaRPr lang="en-US" dirty="0"/>
           </a:p>
@@ -4349,7 +4351,7 @@
           <a:p>
             <a:fld id="{4509A250-FF31-4206-8172-F9D3106AACB1}" type="datetimeFigureOut">
               <a:rPr lang="en-US" dirty="0"/>
-              <a:t>12/9/2024</a:t>
+              <a:t>12/13/2024</a:t>
             </a:fld>
             <a:endParaRPr lang="en-US" dirty="0"/>
           </a:p>
@@ -4675,7 +4677,7 @@
           <a:p>
             <a:fld id="{4509A250-FF31-4206-8172-F9D3106AACB1}" type="datetimeFigureOut">
               <a:rPr lang="en-US" dirty="0"/>
-              <a:t>12/9/2024</a:t>
+              <a:t>12/13/2024</a:t>
             </a:fld>
             <a:endParaRPr lang="en-US" dirty="0"/>
           </a:p>
@@ -5293,7 +5295,7 @@
           <a:p>
             <a:fld id="{4509A250-FF31-4206-8172-F9D3106AACB1}" type="datetimeFigureOut">
               <a:rPr lang="en-US" dirty="0"/>
-              <a:t>12/9/2024</a:t>
+              <a:t>12/13/2024</a:t>
             </a:fld>
             <a:endParaRPr lang="en-US" dirty="0"/>
           </a:p>
@@ -6127,7 +6129,7 @@
           <a:p>
             <a:fld id="{4509A250-FF31-4206-8172-F9D3106AACB1}" type="datetimeFigureOut">
               <a:rPr lang="en-US" dirty="0"/>
-              <a:t>12/9/2024</a:t>
+              <a:t>12/13/2024</a:t>
             </a:fld>
             <a:endParaRPr lang="en-US" dirty="0"/>
           </a:p>
@@ -6295,7 +6297,7 @@
           <a:p>
             <a:fld id="{4509A250-FF31-4206-8172-F9D3106AACB1}" type="datetimeFigureOut">
               <a:rPr lang="en-US" dirty="0"/>
-              <a:t>12/9/2024</a:t>
+              <a:t>12/13/2024</a:t>
             </a:fld>
             <a:endParaRPr lang="en-US" dirty="0"/>
           </a:p>
@@ -6473,7 +6475,7 @@
           <a:p>
             <a:fld id="{4509A250-FF31-4206-8172-F9D3106AACB1}" type="datetimeFigureOut">
               <a:rPr lang="en-US" dirty="0"/>
-              <a:t>12/9/2024</a:t>
+              <a:t>12/13/2024</a:t>
             </a:fld>
             <a:endParaRPr lang="en-US" dirty="0"/>
           </a:p>
@@ -6641,7 +6643,7 @@
           <a:p>
             <a:fld id="{9796027F-7875-4030-9381-8BD8C4F21935}" type="datetimeFigureOut">
               <a:rPr lang="en-US" dirty="0"/>
-              <a:t>12/9/2024</a:t>
+              <a:t>12/13/2024</a:t>
             </a:fld>
             <a:endParaRPr lang="en-US" dirty="0"/>
           </a:p>
@@ -6887,7 +6889,7 @@
           <a:p>
             <a:fld id="{9796027F-7875-4030-9381-8BD8C4F21935}" type="datetimeFigureOut">
               <a:rPr lang="en-US" dirty="0"/>
-              <a:t>12/9/2024</a:t>
+              <a:t>12/13/2024</a:t>
             </a:fld>
             <a:endParaRPr lang="en-US" dirty="0"/>
           </a:p>
@@ -7176,7 +7178,7 @@
           <a:p>
             <a:fld id="{9796027F-7875-4030-9381-8BD8C4F21935}" type="datetimeFigureOut">
               <a:rPr lang="en-US" dirty="0"/>
-              <a:t>12/9/2024</a:t>
+              <a:t>12/13/2024</a:t>
             </a:fld>
             <a:endParaRPr lang="en-US" dirty="0"/>
           </a:p>
@@ -7617,7 +7619,7 @@
           <a:p>
             <a:fld id="{9796027F-7875-4030-9381-8BD8C4F21935}" type="datetimeFigureOut">
               <a:rPr lang="en-US" dirty="0"/>
-              <a:t>12/9/2024</a:t>
+              <a:t>12/13/2024</a:t>
             </a:fld>
             <a:endParaRPr lang="en-US" dirty="0"/>
           </a:p>
@@ -7734,7 +7736,7 @@
           <a:p>
             <a:fld id="{4509A250-FF31-4206-8172-F9D3106AACB1}" type="datetimeFigureOut">
               <a:rPr lang="en-US" dirty="0"/>
-              <a:t>12/9/2024</a:t>
+              <a:t>12/13/2024</a:t>
             </a:fld>
             <a:endParaRPr lang="en-US" dirty="0"/>
           </a:p>
@@ -7829,7 +7831,7 @@
           <a:p>
             <a:fld id="{4509A250-FF31-4206-8172-F9D3106AACB1}" type="datetimeFigureOut">
               <a:rPr lang="en-US" dirty="0"/>
-              <a:t>12/9/2024</a:t>
+              <a:t>12/13/2024</a:t>
             </a:fld>
             <a:endParaRPr lang="en-US" dirty="0"/>
           </a:p>
@@ -8106,7 +8108,7 @@
           <a:p>
             <a:fld id="{4509A250-FF31-4206-8172-F9D3106AACB1}" type="datetimeFigureOut">
               <a:rPr lang="en-US" dirty="0"/>
-              <a:t>12/9/2024</a:t>
+              <a:t>12/13/2024</a:t>
             </a:fld>
             <a:endParaRPr lang="en-US" dirty="0"/>
           </a:p>
@@ -8376,7 +8378,7 @@
           <a:p>
             <a:fld id="{4509A250-FF31-4206-8172-F9D3106AACB1}" type="datetimeFigureOut">
               <a:rPr lang="en-US" dirty="0"/>
-              <a:t>12/9/2024</a:t>
+              <a:t>12/13/2024</a:t>
             </a:fld>
             <a:endParaRPr lang="en-US" dirty="0"/>
           </a:p>
@@ -8797,7 +8799,7 @@
           <a:p>
             <a:fld id="{4AAD347D-5ACD-4C99-B74B-A9C85AD731AF}" type="datetimeFigureOut">
               <a:rPr lang="en-US" dirty="0"/>
-              <a:t>12/9/2024</a:t>
+              <a:t>12/13/2024</a:t>
             </a:fld>
             <a:endParaRPr lang="en-US" dirty="0"/>
           </a:p>
@@ -10042,7 +10044,7 @@
                 <a16:creationId xmlns:a16="http://schemas.microsoft.com/office/drawing/2014/main" id="{43D1E811-F82C-4FC0-8611-6CFC73FD9613}"/>
               </a:ext>
               <a:ext uri="{C183D7F6-B498-43B3-948B-1728B52AA6E4}">
-                <adec:decorative xmlns:adec="http://schemas.microsoft.com/office/drawing/2017/decorative" val="1"/>
+                <adec:decorative xmlns:adec="http://schemas.microsoft.com/office/drawing/2017/decorative" xmlns="" val="1"/>
               </a:ext>
             </a:extLst>
           </p:cNvPr>
@@ -10086,7 +10088,7 @@
                 <a16:creationId xmlns:a16="http://schemas.microsoft.com/office/drawing/2014/main" id="{AAC6183A-13DD-465B-9338-4D7F5D52394F}"/>
               </a:ext>
               <a:ext uri="{C183D7F6-B498-43B3-948B-1728B52AA6E4}">
-                <adec:decorative xmlns:adec="http://schemas.microsoft.com/office/drawing/2017/decorative" val="1"/>
+                <adec:decorative xmlns:adec="http://schemas.microsoft.com/office/drawing/2017/decorative" xmlns="" val="1"/>
               </a:ext>
             </a:extLst>
           </p:cNvPr>
@@ -10130,7 +10132,7 @@
                 <a16:creationId xmlns:a16="http://schemas.microsoft.com/office/drawing/2014/main" id="{15BF20A1-7C3A-4BEC-BE35-8AA3E9F011CA}"/>
               </a:ext>
               <a:ext uri="{C183D7F6-B498-43B3-948B-1728B52AA6E4}">
-                <adec:decorative xmlns:adec="http://schemas.microsoft.com/office/drawing/2017/decorative" val="1"/>
+                <adec:decorative xmlns:adec="http://schemas.microsoft.com/office/drawing/2017/decorative" xmlns="" val="1"/>
               </a:ext>
             </a:extLst>
           </p:cNvPr>
@@ -10204,7 +10206,7 @@
                 <a16:creationId xmlns:a16="http://schemas.microsoft.com/office/drawing/2014/main" id="{46D3BD4A-EBCB-4B8A-BA9C-A6927EB621A0}"/>
               </a:ext>
               <a:ext uri="{C183D7F6-B498-43B3-948B-1728B52AA6E4}">
-                <adec:decorative xmlns:adec="http://schemas.microsoft.com/office/drawing/2017/decorative" val="1"/>
+                <adec:decorative xmlns:adec="http://schemas.microsoft.com/office/drawing/2017/decorative" xmlns="" val="1"/>
               </a:ext>
             </a:extLst>
           </p:cNvPr>
@@ -10248,7 +10250,7 @@
                 <a16:creationId xmlns:a16="http://schemas.microsoft.com/office/drawing/2014/main" id="{F483E078-4237-4FFA-8437-F7E6C799F7BE}"/>
               </a:ext>
               <a:ext uri="{C183D7F6-B498-43B3-948B-1728B52AA6E4}">
-                <adec:decorative xmlns:adec="http://schemas.microsoft.com/office/drawing/2017/decorative" val="1"/>
+                <adec:decorative xmlns:adec="http://schemas.microsoft.com/office/drawing/2017/decorative" xmlns="" val="1"/>
               </a:ext>
             </a:extLst>
           </p:cNvPr>
@@ -10292,7 +10294,7 @@
                 <a16:creationId xmlns:a16="http://schemas.microsoft.com/office/drawing/2014/main" id="{7FDEDC12-69DE-40B2-9801-E7FFEC7C1727}"/>
               </a:ext>
               <a:ext uri="{C183D7F6-B498-43B3-948B-1728B52AA6E4}">
-                <adec:decorative xmlns:adec="http://schemas.microsoft.com/office/drawing/2017/decorative" val="1"/>
+                <adec:decorative xmlns:adec="http://schemas.microsoft.com/office/drawing/2017/decorative" xmlns="" val="1"/>
               </a:ext>
             </a:extLst>
           </p:cNvPr>
@@ -10916,6 +10918,178 @@
       </p:grpSpPr>
       <p:sp>
         <p:nvSpPr>
+          <p:cNvPr id="2" name="Cím 1"/>
+          <p:cNvSpPr>
+            <a:spLocks noGrp="1"/>
+          </p:cNvSpPr>
+          <p:nvPr>
+            <p:ph type="title"/>
+          </p:nvPr>
+        </p:nvSpPr>
+        <p:spPr/>
+        <p:txBody>
+          <a:bodyPr/>
+          <a:lstStyle/>
+          <a:p>
+            <a:r>
+              <a:rPr lang="hu-HU" dirty="0" err="1" smtClean="0"/>
+              <a:t>Trello</a:t>
+            </a:r>
+            <a:r>
+              <a:rPr lang="hu-HU" dirty="0" smtClean="0"/>
+              <a:t> használata</a:t>
+            </a:r>
+            <a:endParaRPr lang="hu-HU" dirty="0"/>
+          </a:p>
+        </p:txBody>
+      </p:sp>
+      <p:pic>
+        <p:nvPicPr>
+          <p:cNvPr id="4" name="Tartalom helye 3"/>
+          <p:cNvPicPr>
+            <a:picLocks noGrp="1" noChangeAspect="1"/>
+          </p:cNvPicPr>
+          <p:nvPr>
+            <p:ph idx="1"/>
+          </p:nvPr>
+        </p:nvPicPr>
+        <p:blipFill>
+          <a:blip r:embed="rId2">
+            <a:extLst>
+              <a:ext uri="{28A0092B-C50C-407E-A947-70E740481C1C}">
+                <a14:useLocalDpi xmlns:a14="http://schemas.microsoft.com/office/drawing/2010/main" val="0"/>
+              </a:ext>
+            </a:extLst>
+          </a:blip>
+          <a:stretch>
+            <a:fillRect/>
+          </a:stretch>
+        </p:blipFill>
+        <p:spPr>
+          <a:xfrm>
+            <a:off x="646110" y="1260157"/>
+            <a:ext cx="10631489" cy="5171777"/>
+          </a:xfrm>
+        </p:spPr>
+      </p:pic>
+    </p:spTree>
+    <p:extLst>
+      <p:ext uri="{BB962C8B-B14F-4D97-AF65-F5344CB8AC3E}">
+        <p14:creationId xmlns:p14="http://schemas.microsoft.com/office/powerpoint/2010/main" val="2613492260"/>
+      </p:ext>
+    </p:extLst>
+  </p:cSld>
+  <p:clrMapOvr>
+    <a:masterClrMapping/>
+  </p:clrMapOvr>
+</p:sld>
+</file>
+
+<file path=ppt/slides/slide16.xml><?xml version="1.0" encoding="utf-8"?>
+<p:sld xmlns:a="http://schemas.openxmlformats.org/drawingml/2006/main" xmlns:r="http://schemas.openxmlformats.org/officeDocument/2006/relationships" xmlns:p="http://schemas.openxmlformats.org/presentationml/2006/main">
+  <p:cSld>
+    <p:spTree>
+      <p:nvGrpSpPr>
+        <p:cNvPr id="1" name=""/>
+        <p:cNvGrpSpPr/>
+        <p:nvPr/>
+      </p:nvGrpSpPr>
+      <p:grpSpPr>
+        <a:xfrm>
+          <a:off x="0" y="0"/>
+          <a:ext cx="0" cy="0"/>
+          <a:chOff x="0" y="0"/>
+          <a:chExt cx="0" cy="0"/>
+        </a:xfrm>
+      </p:grpSpPr>
+      <p:sp>
+        <p:nvSpPr>
+          <p:cNvPr id="2" name="Cím 1"/>
+          <p:cNvSpPr>
+            <a:spLocks noGrp="1"/>
+          </p:cNvSpPr>
+          <p:nvPr>
+            <p:ph type="title"/>
+          </p:nvPr>
+        </p:nvSpPr>
+        <p:spPr/>
+        <p:txBody>
+          <a:bodyPr/>
+          <a:lstStyle/>
+          <a:p>
+            <a:r>
+              <a:rPr lang="hu-HU" dirty="0" err="1" smtClean="0"/>
+              <a:t>Github</a:t>
+            </a:r>
+            <a:r>
+              <a:rPr lang="hu-HU" dirty="0" smtClean="0"/>
+              <a:t> használata</a:t>
+            </a:r>
+            <a:endParaRPr lang="hu-HU" dirty="0"/>
+          </a:p>
+        </p:txBody>
+      </p:sp>
+      <p:pic>
+        <p:nvPicPr>
+          <p:cNvPr id="4" name="Tartalom helye 3"/>
+          <p:cNvPicPr>
+            <a:picLocks noGrp="1" noChangeAspect="1"/>
+          </p:cNvPicPr>
+          <p:nvPr>
+            <p:ph idx="1"/>
+          </p:nvPr>
+        </p:nvPicPr>
+        <p:blipFill>
+          <a:blip r:embed="rId2">
+            <a:extLst>
+              <a:ext uri="{28A0092B-C50C-407E-A947-70E740481C1C}">
+                <a14:useLocalDpi xmlns:a14="http://schemas.microsoft.com/office/drawing/2010/main" val="0"/>
+              </a:ext>
+            </a:extLst>
+          </a:blip>
+          <a:stretch>
+            <a:fillRect/>
+          </a:stretch>
+        </p:blipFill>
+        <p:spPr>
+          <a:xfrm>
+            <a:off x="535721" y="1390787"/>
+            <a:ext cx="10437079" cy="5050024"/>
+          </a:xfrm>
+        </p:spPr>
+      </p:pic>
+    </p:spTree>
+    <p:extLst>
+      <p:ext uri="{BB962C8B-B14F-4D97-AF65-F5344CB8AC3E}">
+        <p14:creationId xmlns:p14="http://schemas.microsoft.com/office/powerpoint/2010/main" val="1854645978"/>
+      </p:ext>
+    </p:extLst>
+  </p:cSld>
+  <p:clrMapOvr>
+    <a:masterClrMapping/>
+  </p:clrMapOvr>
+</p:sld>
+</file>
+
+<file path=ppt/slides/slide17.xml><?xml version="1.0" encoding="utf-8"?>
+<p:sld xmlns:a="http://schemas.openxmlformats.org/drawingml/2006/main" xmlns:r="http://schemas.openxmlformats.org/officeDocument/2006/relationships" xmlns:p="http://schemas.openxmlformats.org/presentationml/2006/main">
+  <p:cSld>
+    <p:spTree>
+      <p:nvGrpSpPr>
+        <p:cNvPr id="1" name=""/>
+        <p:cNvGrpSpPr/>
+        <p:nvPr/>
+      </p:nvGrpSpPr>
+      <p:grpSpPr>
+        <a:xfrm>
+          <a:off x="0" y="0"/>
+          <a:ext cx="0" cy="0"/>
+          <a:chOff x="0" y="0"/>
+          <a:chExt cx="0" cy="0"/>
+        </a:xfrm>
+      </p:grpSpPr>
+      <p:sp>
+        <p:nvSpPr>
           <p:cNvPr id="2" name="Cím 1">
             <a:extLst>
               <a:ext uri="{FF2B5EF4-FFF2-40B4-BE49-F238E27FC236}">
@@ -10992,7 +11166,7 @@
 </p:sld>
 </file>
 
-<file path=ppt/slides/slide16.xml><?xml version="1.0" encoding="utf-8"?>
+<file path=ppt/slides/slide18.xml><?xml version="1.0" encoding="utf-8"?>
 <p:sld xmlns:a="http://schemas.openxmlformats.org/drawingml/2006/main" xmlns:r="http://schemas.openxmlformats.org/officeDocument/2006/relationships" xmlns:p="http://schemas.openxmlformats.org/presentationml/2006/main">
   <p:cSld>
     <p:bg>
@@ -11368,7 +11542,7 @@
 </p:sld>
 </file>
 
-<file path=ppt/slides/slide17.xml><?xml version="1.0" encoding="utf-8"?>
+<file path=ppt/slides/slide19.xml><?xml version="1.0" encoding="utf-8"?>
 <p:sld xmlns:a="http://schemas.openxmlformats.org/drawingml/2006/main" xmlns:r="http://schemas.openxmlformats.org/officeDocument/2006/relationships" xmlns:p="http://schemas.openxmlformats.org/presentationml/2006/main">
   <p:cSld>
     <p:spTree>
@@ -11657,1172 +11831,6 @@
 </p:sld>
 </file>
 
-<file path=ppt/slides/slide18.xml><?xml version="1.0" encoding="utf-8"?>
-<p:sld xmlns:a="http://schemas.openxmlformats.org/drawingml/2006/main" xmlns:r="http://schemas.openxmlformats.org/officeDocument/2006/relationships" xmlns:p="http://schemas.openxmlformats.org/presentationml/2006/main">
-  <p:cSld>
-    <p:spTree>
-      <p:nvGrpSpPr>
-        <p:cNvPr id="1" name=""/>
-        <p:cNvGrpSpPr/>
-        <p:nvPr/>
-      </p:nvGrpSpPr>
-      <p:grpSpPr>
-        <a:xfrm>
-          <a:off x="0" y="0"/>
-          <a:ext cx="0" cy="0"/>
-          <a:chOff x="0" y="0"/>
-          <a:chExt cx="0" cy="0"/>
-        </a:xfrm>
-      </p:grpSpPr>
-      <p:sp>
-        <p:nvSpPr>
-          <p:cNvPr id="2" name="Cím 1">
-            <a:extLst>
-              <a:ext uri="{FF2B5EF4-FFF2-40B4-BE49-F238E27FC236}">
-                <a16:creationId xmlns:a16="http://schemas.microsoft.com/office/drawing/2014/main" id="{7A46FD74-C76F-1565-48AF-914D398BAD34}"/>
-              </a:ext>
-            </a:extLst>
-          </p:cNvPr>
-          <p:cNvSpPr>
-            <a:spLocks noGrp="1"/>
-          </p:cNvSpPr>
-          <p:nvPr>
-            <p:ph type="title"/>
-          </p:nvPr>
-        </p:nvSpPr>
-        <p:spPr/>
-        <p:txBody>
-          <a:bodyPr/>
-          <a:lstStyle/>
-          <a:p>
-            <a:r>
-              <a:rPr lang="hu-HU" dirty="0" err="1"/>
-              <a:t>Trace</a:t>
-            </a:r>
-            <a:r>
-              <a:rPr lang="hu-HU" dirty="0"/>
-              <a:t> </a:t>
-            </a:r>
-            <a:r>
-              <a:rPr lang="hu-HU" dirty="0" err="1"/>
-              <a:t>route</a:t>
-            </a:r>
-          </a:p>
-        </p:txBody>
-      </p:sp>
-      <p:pic>
-        <p:nvPicPr>
-          <p:cNvPr id="5" name="Kép 4" descr="A képen szöveg, képernyőkép, Betűtípus látható&#10;&#10;Automatikusan generált leírás">
-            <a:extLst>
-              <a:ext uri="{FF2B5EF4-FFF2-40B4-BE49-F238E27FC236}">
-                <a16:creationId xmlns:a16="http://schemas.microsoft.com/office/drawing/2014/main" id="{809FD592-5568-4799-4DB9-16E85A7FD5A3}"/>
-              </a:ext>
-            </a:extLst>
-          </p:cNvPr>
-          <p:cNvPicPr>
-            <a:picLocks noChangeAspect="1"/>
-          </p:cNvPicPr>
-          <p:nvPr/>
-        </p:nvPicPr>
-        <p:blipFill>
-          <a:blip r:embed="rId2"/>
-          <a:stretch>
-            <a:fillRect/>
-          </a:stretch>
-        </p:blipFill>
-        <p:spPr>
-          <a:xfrm>
-            <a:off x="3045279" y="2363107"/>
-            <a:ext cx="6728460" cy="2136140"/>
-          </a:xfrm>
-          <a:prstGeom prst="rect">
-            <a:avLst/>
-          </a:prstGeom>
-        </p:spPr>
-      </p:pic>
-    </p:spTree>
-    <p:extLst>
-      <p:ext uri="{BB962C8B-B14F-4D97-AF65-F5344CB8AC3E}">
-        <p14:creationId xmlns:p14="http://schemas.microsoft.com/office/powerpoint/2010/main" val="1736369087"/>
-      </p:ext>
-    </p:extLst>
-  </p:cSld>
-  <p:clrMapOvr>
-    <a:masterClrMapping/>
-  </p:clrMapOvr>
-</p:sld>
-</file>
-
-<file path=ppt/slides/slide19.xml><?xml version="1.0" encoding="utf-8"?>
-<p:sld xmlns:a="http://schemas.openxmlformats.org/drawingml/2006/main" xmlns:r="http://schemas.openxmlformats.org/officeDocument/2006/relationships" xmlns:p="http://schemas.openxmlformats.org/presentationml/2006/main">
-  <p:cSld>
-    <p:bg>
-      <p:bgPr>
-        <a:blipFill rotWithShape="1">
-          <a:blip r:embed="rId2">
-            <a:duotone>
-              <a:schemeClr val="bg2">
-                <a:shade val="69000"/>
-                <a:hueMod val="91000"/>
-                <a:satMod val="164000"/>
-                <a:lumMod val="74000"/>
-              </a:schemeClr>
-              <a:schemeClr val="bg2">
-                <a:hueMod val="124000"/>
-                <a:satMod val="140000"/>
-                <a:lumMod val="142000"/>
-              </a:schemeClr>
-            </a:duotone>
-          </a:blip>
-          <a:stretch/>
-        </a:blipFill>
-        <a:effectLst/>
-      </p:bgPr>
-    </p:bg>
-    <p:spTree>
-      <p:nvGrpSpPr>
-        <p:cNvPr id="1" name=""/>
-        <p:cNvGrpSpPr/>
-        <p:nvPr/>
-      </p:nvGrpSpPr>
-      <p:grpSpPr>
-        <a:xfrm>
-          <a:off x="0" y="0"/>
-          <a:ext cx="0" cy="0"/>
-          <a:chOff x="0" y="0"/>
-          <a:chExt cx="0" cy="0"/>
-        </a:xfrm>
-      </p:grpSpPr>
-      <p:pic>
-        <p:nvPicPr>
-          <p:cNvPr id="24" name="Picture 23">
-            <a:extLst>
-              <a:ext uri="{FF2B5EF4-FFF2-40B4-BE49-F238E27FC236}">
-                <a16:creationId xmlns:a16="http://schemas.microsoft.com/office/drawing/2014/main" id="{603C1FDD-3EB9-4E32-AAFF-F0872E904A7D}"/>
-              </a:ext>
-              <a:ext uri="{C183D7F6-B498-43B3-948B-1728B52AA6E4}">
-                <adec:decorative xmlns:adec="http://schemas.microsoft.com/office/drawing/2017/decorative" val="1"/>
-              </a:ext>
-            </a:extLst>
-          </p:cNvPr>
-          <p:cNvPicPr>
-            <a:picLocks noGrp="1" noRot="1" noChangeAspect="1" noMove="1" noResize="1" noEditPoints="1" noAdjustHandles="1" noChangeArrowheads="1" noChangeShapeType="1" noCrop="1"/>
-          </p:cNvPicPr>
-          <p:nvPr>
-            <p:extLst>
-              <p:ext uri="{386F3935-93C4-4BCD-93E2-E3B085C9AB24}">
-                <p16:designElem xmlns:p16="http://schemas.microsoft.com/office/powerpoint/2015/main" val="1"/>
-              </p:ext>
-            </p:extLst>
-          </p:nvPr>
-        </p:nvPicPr>
-        <p:blipFill rotWithShape="1">
-          <a:blip r:embed="rId3">
-            <a:extLst>
-              <a:ext uri="{28A0092B-C50C-407E-A947-70E740481C1C}">
-                <a14:useLocalDpi xmlns:a14="http://schemas.microsoft.com/office/drawing/2010/main" val="0"/>
-              </a:ext>
-            </a:extLst>
-          </a:blip>
-          <a:srcRect l="3644"/>
-          <a:stretch/>
-        </p:blipFill>
-        <p:spPr>
-          <a:xfrm>
-            <a:off x="0" y="2669685"/>
-            <a:ext cx="4035669" cy="4188315"/>
-          </a:xfrm>
-          <a:prstGeom prst="rect">
-            <a:avLst/>
-          </a:prstGeom>
-        </p:spPr>
-      </p:pic>
-      <p:pic>
-        <p:nvPicPr>
-          <p:cNvPr id="26" name="Picture 25">
-            <a:extLst>
-              <a:ext uri="{FF2B5EF4-FFF2-40B4-BE49-F238E27FC236}">
-                <a16:creationId xmlns:a16="http://schemas.microsoft.com/office/drawing/2014/main" id="{B0C4B3D9-75AB-4AAB-B53A-4232B752D2F5}"/>
-              </a:ext>
-              <a:ext uri="{C183D7F6-B498-43B3-948B-1728B52AA6E4}">
-                <adec:decorative xmlns:adec="http://schemas.microsoft.com/office/drawing/2017/decorative" val="1"/>
-              </a:ext>
-            </a:extLst>
-          </p:cNvPr>
-          <p:cNvPicPr>
-            <a:picLocks noGrp="1" noRot="1" noChangeAspect="1" noMove="1" noResize="1" noEditPoints="1" noAdjustHandles="1" noChangeArrowheads="1" noChangeShapeType="1" noCrop="1"/>
-          </p:cNvPicPr>
-          <p:nvPr>
-            <p:extLst>
-              <p:ext uri="{386F3935-93C4-4BCD-93E2-E3B085C9AB24}">
-                <p16:designElem xmlns:p16="http://schemas.microsoft.com/office/powerpoint/2015/main" val="1"/>
-              </p:ext>
-            </p:extLst>
-          </p:nvPr>
-        </p:nvPicPr>
-        <p:blipFill rotWithShape="1">
-          <a:blip r:embed="rId4">
-            <a:extLst>
-              <a:ext uri="{28A0092B-C50C-407E-A947-70E740481C1C}">
-                <a14:useLocalDpi xmlns:a14="http://schemas.microsoft.com/office/drawing/2010/main" val="0"/>
-              </a:ext>
-            </a:extLst>
-          </a:blip>
-          <a:srcRect l="35640"/>
-          <a:stretch/>
-        </p:blipFill>
-        <p:spPr>
-          <a:xfrm>
-            <a:off x="0" y="2892347"/>
-            <a:ext cx="1522412" cy="2365453"/>
-          </a:xfrm>
-          <a:prstGeom prst="rect">
-            <a:avLst/>
-          </a:prstGeom>
-        </p:spPr>
-      </p:pic>
-      <p:sp>
-        <p:nvSpPr>
-          <p:cNvPr id="28" name="Oval 27">
-            <a:extLst>
-              <a:ext uri="{FF2B5EF4-FFF2-40B4-BE49-F238E27FC236}">
-                <a16:creationId xmlns:a16="http://schemas.microsoft.com/office/drawing/2014/main" id="{1D73A963-D417-4FD9-851E-5E323F67D1BF}"/>
-              </a:ext>
-              <a:ext uri="{C183D7F6-B498-43B3-948B-1728B52AA6E4}">
-                <adec:decorative xmlns:adec="http://schemas.microsoft.com/office/drawing/2017/decorative" val="1"/>
-              </a:ext>
-            </a:extLst>
-          </p:cNvPr>
-          <p:cNvSpPr>
-            <a:spLocks noGrp="1" noRot="1" noChangeAspect="1" noMove="1" noResize="1" noEditPoints="1" noAdjustHandles="1" noChangeArrowheads="1" noChangeShapeType="1" noTextEdit="1"/>
-          </p:cNvSpPr>
-          <p:nvPr>
-            <p:extLst>
-              <p:ext uri="{386F3935-93C4-4BCD-93E2-E3B085C9AB24}">
-                <p16:designElem xmlns:p16="http://schemas.microsoft.com/office/powerpoint/2015/main" val="1"/>
-              </p:ext>
-            </p:extLst>
-          </p:nvPr>
-        </p:nvSpPr>
-        <p:spPr>
-          <a:xfrm>
-            <a:off x="8609012" y="1676400"/>
-            <a:ext cx="2819400" cy="2819400"/>
-          </a:xfrm>
-          <a:prstGeom prst="ellipse">
-            <a:avLst/>
-          </a:prstGeom>
-          <a:gradFill flip="none" rotWithShape="1">
-            <a:gsLst>
-              <a:gs pos="0">
-                <a:schemeClr val="accent5">
-                  <a:alpha val="7000"/>
-                </a:schemeClr>
-              </a:gs>
-              <a:gs pos="69000">
-                <a:schemeClr val="accent5">
-                  <a:alpha val="0"/>
-                </a:schemeClr>
-              </a:gs>
-              <a:gs pos="36000">
-                <a:schemeClr val="accent5">
-                  <a:alpha val="6000"/>
-                </a:schemeClr>
-              </a:gs>
-            </a:gsLst>
-            <a:path path="circle">
-              <a:fillToRect l="50000" t="50000" r="50000" b="50000"/>
-            </a:path>
-            <a:tileRect/>
-          </a:gradFill>
-          <a:ln>
-            <a:noFill/>
-          </a:ln>
-          <a:effectLst/>
-        </p:spPr>
-        <p:style>
-          <a:lnRef idx="1">
-            <a:schemeClr val="accent1"/>
-          </a:lnRef>
-          <a:fillRef idx="3">
-            <a:schemeClr val="accent1"/>
-          </a:fillRef>
-          <a:effectRef idx="2">
-            <a:schemeClr val="accent1"/>
-          </a:effectRef>
-          <a:fontRef idx="minor">
-            <a:schemeClr val="lt1"/>
-          </a:fontRef>
-        </p:style>
-      </p:sp>
-      <p:pic>
-        <p:nvPicPr>
-          <p:cNvPr id="30" name="Picture 29">
-            <a:extLst>
-              <a:ext uri="{FF2B5EF4-FFF2-40B4-BE49-F238E27FC236}">
-                <a16:creationId xmlns:a16="http://schemas.microsoft.com/office/drawing/2014/main" id="{72E40AAF-9C56-4002-B55E-6A255814861C}"/>
-              </a:ext>
-              <a:ext uri="{C183D7F6-B498-43B3-948B-1728B52AA6E4}">
-                <adec:decorative xmlns:adec="http://schemas.microsoft.com/office/drawing/2017/decorative" val="1"/>
-              </a:ext>
-            </a:extLst>
-          </p:cNvPr>
-          <p:cNvPicPr>
-            <a:picLocks noGrp="1" noRot="1" noChangeAspect="1" noMove="1" noResize="1" noEditPoints="1" noAdjustHandles="1" noChangeArrowheads="1" noChangeShapeType="1" noCrop="1"/>
-          </p:cNvPicPr>
-          <p:nvPr>
-            <p:extLst>
-              <p:ext uri="{386F3935-93C4-4BCD-93E2-E3B085C9AB24}">
-                <p16:designElem xmlns:p16="http://schemas.microsoft.com/office/powerpoint/2015/main" val="1"/>
-              </p:ext>
-            </p:extLst>
-          </p:nvPr>
-        </p:nvPicPr>
-        <p:blipFill rotWithShape="1">
-          <a:blip r:embed="rId5">
-            <a:extLst>
-              <a:ext uri="{28A0092B-C50C-407E-A947-70E740481C1C}">
-                <a14:useLocalDpi xmlns:a14="http://schemas.microsoft.com/office/drawing/2010/main" val="0"/>
-              </a:ext>
-            </a:extLst>
-          </a:blip>
-          <a:srcRect t="28813"/>
-          <a:stretch/>
-        </p:blipFill>
-        <p:spPr>
-          <a:xfrm>
-            <a:off x="7999412" y="0"/>
-            <a:ext cx="1603387" cy="1141407"/>
-          </a:xfrm>
-          <a:prstGeom prst="rect">
-            <a:avLst/>
-          </a:prstGeom>
-        </p:spPr>
-      </p:pic>
-      <p:pic>
-        <p:nvPicPr>
-          <p:cNvPr id="32" name="Picture 31">
-            <a:extLst>
-              <a:ext uri="{FF2B5EF4-FFF2-40B4-BE49-F238E27FC236}">
-                <a16:creationId xmlns:a16="http://schemas.microsoft.com/office/drawing/2014/main" id="{CF4F217F-0736-44C0-9047-DD52FCA2F2A4}"/>
-              </a:ext>
-              <a:ext uri="{C183D7F6-B498-43B3-948B-1728B52AA6E4}">
-                <adec:decorative xmlns:adec="http://schemas.microsoft.com/office/drawing/2017/decorative" val="1"/>
-              </a:ext>
-            </a:extLst>
-          </p:cNvPr>
-          <p:cNvPicPr>
-            <a:picLocks noGrp="1" noRot="1" noChangeAspect="1" noMove="1" noResize="1" noEditPoints="1" noAdjustHandles="1" noChangeArrowheads="1" noChangeShapeType="1" noCrop="1"/>
-          </p:cNvPicPr>
-          <p:nvPr>
-            <p:extLst>
-              <p:ext uri="{386F3935-93C4-4BCD-93E2-E3B085C9AB24}">
-                <p16:designElem xmlns:p16="http://schemas.microsoft.com/office/powerpoint/2015/main" val="1"/>
-              </p:ext>
-            </p:extLst>
-          </p:nvPr>
-        </p:nvPicPr>
-        <p:blipFill rotWithShape="1">
-          <a:blip r:embed="rId6">
-            <a:extLst>
-              <a:ext uri="{28A0092B-C50C-407E-A947-70E740481C1C}">
-                <a14:useLocalDpi xmlns:a14="http://schemas.microsoft.com/office/drawing/2010/main" val="0"/>
-              </a:ext>
-            </a:extLst>
-          </a:blip>
-          <a:srcRect b="23320"/>
-          <a:stretch/>
-        </p:blipFill>
-        <p:spPr>
-          <a:xfrm>
-            <a:off x="8609012" y="6096000"/>
-            <a:ext cx="993734" cy="762000"/>
-          </a:xfrm>
-          <a:prstGeom prst="rect">
-            <a:avLst/>
-          </a:prstGeom>
-        </p:spPr>
-      </p:pic>
-      <p:sp>
-        <p:nvSpPr>
-          <p:cNvPr id="34" name="Rectangle 33">
-            <a:extLst>
-              <a:ext uri="{FF2B5EF4-FFF2-40B4-BE49-F238E27FC236}">
-                <a16:creationId xmlns:a16="http://schemas.microsoft.com/office/drawing/2014/main" id="{2DCB6E42-3037-40F7-A351-6B952A870339}"/>
-              </a:ext>
-              <a:ext uri="{C183D7F6-B498-43B3-948B-1728B52AA6E4}">
-                <adec:decorative xmlns:adec="http://schemas.microsoft.com/office/drawing/2017/decorative" val="1"/>
-              </a:ext>
-            </a:extLst>
-          </p:cNvPr>
-          <p:cNvSpPr>
-            <a:spLocks noGrp="1" noRot="1" noChangeAspect="1" noMove="1" noResize="1" noEditPoints="1" noAdjustHandles="1" noChangeArrowheads="1" noChangeShapeType="1" noTextEdit="1"/>
-          </p:cNvSpPr>
-          <p:nvPr>
-            <p:extLst>
-              <p:ext uri="{386F3935-93C4-4BCD-93E2-E3B085C9AB24}">
-                <p16:designElem xmlns:p16="http://schemas.microsoft.com/office/powerpoint/2015/main" val="1"/>
-              </p:ext>
-            </p:extLst>
-          </p:nvPr>
-        </p:nvSpPr>
-        <p:spPr>
-          <a:xfrm>
-            <a:off x="10437812" y="0"/>
-            <a:ext cx="685800" cy="1143000"/>
-          </a:xfrm>
-          <a:prstGeom prst="rect">
-            <a:avLst/>
-          </a:prstGeom>
-          <a:solidFill>
-            <a:schemeClr val="accent1"/>
-          </a:solidFill>
-          <a:ln>
-            <a:noFill/>
-          </a:ln>
-        </p:spPr>
-        <p:style>
-          <a:lnRef idx="1">
-            <a:schemeClr val="accent1"/>
-          </a:lnRef>
-          <a:fillRef idx="3">
-            <a:schemeClr val="accent1"/>
-          </a:fillRef>
-          <a:effectRef idx="2">
-            <a:schemeClr val="accent1"/>
-          </a:effectRef>
-          <a:fontRef idx="minor">
-            <a:schemeClr val="lt1"/>
-          </a:fontRef>
-        </p:style>
-      </p:sp>
-      <p:sp>
-        <p:nvSpPr>
-          <p:cNvPr id="2" name="Cím 1">
-            <a:extLst>
-              <a:ext uri="{FF2B5EF4-FFF2-40B4-BE49-F238E27FC236}">
-                <a16:creationId xmlns:a16="http://schemas.microsoft.com/office/drawing/2014/main" id="{8F70B007-F15D-4D66-48A6-F81BF60D20C2}"/>
-              </a:ext>
-            </a:extLst>
-          </p:cNvPr>
-          <p:cNvSpPr>
-            <a:spLocks noGrp="1"/>
-          </p:cNvSpPr>
-          <p:nvPr>
-            <p:ph type="title"/>
-          </p:nvPr>
-        </p:nvSpPr>
-        <p:spPr>
-          <a:xfrm>
-            <a:off x="8210623" y="1447800"/>
-            <a:ext cx="3333676" cy="3096987"/>
-          </a:xfrm>
-        </p:spPr>
-        <p:txBody>
-          <a:bodyPr vert="horz" lIns="91440" tIns="45720" rIns="91440" bIns="45720" rtlCol="0" anchor="b">
-            <a:normAutofit/>
-          </a:bodyPr>
-          <a:lstStyle/>
-          <a:p>
-            <a:r>
-              <a:rPr lang="en-US" sz="5400"/>
-              <a:t>NAT </a:t>
-            </a:r>
-          </a:p>
-        </p:txBody>
-      </p:sp>
-      <p:sp>
-        <p:nvSpPr>
-          <p:cNvPr id="36" name="Rectangle 35">
-            <a:extLst>
-              <a:ext uri="{FF2B5EF4-FFF2-40B4-BE49-F238E27FC236}">
-                <a16:creationId xmlns:a16="http://schemas.microsoft.com/office/drawing/2014/main" id="{5D4C4D9B-8464-4F80-A369-88E6980D4BA0}"/>
-              </a:ext>
-              <a:ext uri="{C183D7F6-B498-43B3-948B-1728B52AA6E4}">
-                <adec:decorative xmlns:adec="http://schemas.microsoft.com/office/drawing/2017/decorative" val="1"/>
-              </a:ext>
-            </a:extLst>
-          </p:cNvPr>
-          <p:cNvSpPr>
-            <a:spLocks noGrp="1" noRot="1" noChangeAspect="1" noMove="1" noResize="1" noEditPoints="1" noAdjustHandles="1" noChangeArrowheads="1" noChangeShapeType="1" noTextEdit="1"/>
-          </p:cNvSpPr>
-          <p:nvPr>
-            <p:extLst>
-              <p:ext uri="{386F3935-93C4-4BCD-93E2-E3B085C9AB24}">
-                <p16:designElem xmlns:p16="http://schemas.microsoft.com/office/powerpoint/2015/main" val="1"/>
-              </p:ext>
-            </p:extLst>
-          </p:nvPr>
-        </p:nvSpPr>
-        <p:spPr>
-          <a:xfrm>
-            <a:off x="0" y="0"/>
-            <a:ext cx="7157124" cy="6858000"/>
-          </a:xfrm>
-          <a:prstGeom prst="rect">
-            <a:avLst/>
-          </a:prstGeom>
-          <a:solidFill>
-            <a:srgbClr val="FFFFFF"/>
-          </a:solidFill>
-          <a:ln>
-            <a:noFill/>
-          </a:ln>
-        </p:spPr>
-        <p:style>
-          <a:lnRef idx="2">
-            <a:schemeClr val="accent1">
-              <a:shade val="50000"/>
-            </a:schemeClr>
-          </a:lnRef>
-          <a:fillRef idx="1">
-            <a:schemeClr val="accent1"/>
-          </a:fillRef>
-          <a:effectRef idx="0">
-            <a:schemeClr val="accent1"/>
-          </a:effectRef>
-          <a:fontRef idx="minor">
-            <a:schemeClr val="lt1"/>
-          </a:fontRef>
-        </p:style>
-        <p:txBody>
-          <a:bodyPr rtlCol="0" anchor="ctr"/>
-          <a:lstStyle/>
-          <a:p>
-            <a:pPr algn="ctr"/>
-            <a:endParaRPr lang="en-US"/>
-          </a:p>
-        </p:txBody>
-      </p:sp>
-      <p:sp>
-        <p:nvSpPr>
-          <p:cNvPr id="38" name="Freeform 31">
-            <a:extLst>
-              <a:ext uri="{FF2B5EF4-FFF2-40B4-BE49-F238E27FC236}">
-                <a16:creationId xmlns:a16="http://schemas.microsoft.com/office/drawing/2014/main" id="{D5BA1A12-370B-43EB-B7BC-87A24667ABA2}"/>
-              </a:ext>
-              <a:ext uri="{C183D7F6-B498-43B3-948B-1728B52AA6E4}">
-                <adec:decorative xmlns:adec="http://schemas.microsoft.com/office/drawing/2017/decorative" val="1"/>
-              </a:ext>
-            </a:extLst>
-          </p:cNvPr>
-          <p:cNvSpPr>
-            <a:spLocks noGrp="1" noRot="1" noChangeAspect="1" noMove="1" noResize="1" noEditPoints="1" noAdjustHandles="1" noChangeArrowheads="1" noChangeShapeType="1" noTextEdit="1"/>
-          </p:cNvSpPr>
-          <p:nvPr>
-            <p:extLst>
-              <p:ext uri="{386F3935-93C4-4BCD-93E2-E3B085C9AB24}">
-                <p16:designElem xmlns:p16="http://schemas.microsoft.com/office/powerpoint/2015/main" val="1"/>
-              </p:ext>
-            </p:extLst>
-          </p:nvPr>
-        </p:nvSpPr>
-        <p:spPr>
-          <a:xfrm flipH="1">
-            <a:off x="7463681" y="-1"/>
-            <a:ext cx="559472" cy="3709642"/>
-          </a:xfrm>
-          <a:custGeom>
-            <a:avLst/>
-            <a:gdLst>
-              <a:gd name="connsiteX0" fmla="*/ 0 w 559472"/>
-              <a:gd name="connsiteY0" fmla="*/ 0 h 3709642"/>
-              <a:gd name="connsiteX1" fmla="*/ 473952 w 559472"/>
-              <a:gd name="connsiteY1" fmla="*/ 0 h 3709642"/>
-              <a:gd name="connsiteX2" fmla="*/ 485840 w 559472"/>
-              <a:gd name="connsiteY2" fmla="*/ 161194 h 3709642"/>
-              <a:gd name="connsiteX3" fmla="*/ 523949 w 559472"/>
-              <a:gd name="connsiteY3" fmla="*/ 3672197 h 3709642"/>
-              <a:gd name="connsiteX4" fmla="*/ 454748 w 559472"/>
-              <a:gd name="connsiteY4" fmla="*/ 3709642 h 3709642"/>
-              <a:gd name="connsiteX5" fmla="*/ 448224 w 559472"/>
-              <a:gd name="connsiteY5" fmla="*/ 3510471 h 3709642"/>
-              <a:gd name="connsiteX6" fmla="*/ 443564 w 559472"/>
-              <a:gd name="connsiteY6" fmla="*/ 3408563 h 3709642"/>
-              <a:gd name="connsiteX7" fmla="*/ 438902 w 559472"/>
-              <a:gd name="connsiteY7" fmla="*/ 3304407 h 3709642"/>
-              <a:gd name="connsiteX8" fmla="*/ 433941 w 559472"/>
-              <a:gd name="connsiteY8" fmla="*/ 3198777 h 3709642"/>
-              <a:gd name="connsiteX9" fmla="*/ 427584 w 559472"/>
-              <a:gd name="connsiteY9" fmla="*/ 3092510 h 3709642"/>
-              <a:gd name="connsiteX10" fmla="*/ 420988 w 559472"/>
-              <a:gd name="connsiteY10" fmla="*/ 2984390 h 3709642"/>
-              <a:gd name="connsiteX11" fmla="*/ 414330 w 559472"/>
-              <a:gd name="connsiteY11" fmla="*/ 2874401 h 3709642"/>
-              <a:gd name="connsiteX12" fmla="*/ 406840 w 559472"/>
-              <a:gd name="connsiteY12" fmla="*/ 2762980 h 3709642"/>
-              <a:gd name="connsiteX13" fmla="*/ 397745 w 559472"/>
-              <a:gd name="connsiteY13" fmla="*/ 2650566 h 3709642"/>
-              <a:gd name="connsiteX14" fmla="*/ 389154 w 559472"/>
-              <a:gd name="connsiteY14" fmla="*/ 2536612 h 3709642"/>
-              <a:gd name="connsiteX15" fmla="*/ 379225 w 559472"/>
-              <a:gd name="connsiteY15" fmla="*/ 2421642 h 3709642"/>
-              <a:gd name="connsiteX16" fmla="*/ 368316 w 559472"/>
-              <a:gd name="connsiteY16" fmla="*/ 2305627 h 3709642"/>
-              <a:gd name="connsiteX17" fmla="*/ 357466 w 559472"/>
-              <a:gd name="connsiteY17" fmla="*/ 2189233 h 3709642"/>
-              <a:gd name="connsiteX18" fmla="*/ 344982 w 559472"/>
-              <a:gd name="connsiteY18" fmla="*/ 2071473 h 3709642"/>
-              <a:gd name="connsiteX19" fmla="*/ 332466 w 559472"/>
-              <a:gd name="connsiteY19" fmla="*/ 1952216 h 3709642"/>
-              <a:gd name="connsiteX20" fmla="*/ 319121 w 559472"/>
-              <a:gd name="connsiteY20" fmla="*/ 1833776 h 3709642"/>
-              <a:gd name="connsiteX21" fmla="*/ 304408 w 559472"/>
-              <a:gd name="connsiteY21" fmla="*/ 1713948 h 3709642"/>
-              <a:gd name="connsiteX22" fmla="*/ 288685 w 559472"/>
-              <a:gd name="connsiteY22" fmla="*/ 1592703 h 3709642"/>
-              <a:gd name="connsiteX23" fmla="*/ 273050 w 559472"/>
-              <a:gd name="connsiteY23" fmla="*/ 1471451 h 3709642"/>
-              <a:gd name="connsiteX24" fmla="*/ 255813 w 559472"/>
-              <a:gd name="connsiteY24" fmla="*/ 1350328 h 3709642"/>
-              <a:gd name="connsiteX25" fmla="*/ 237060 w 559472"/>
-              <a:gd name="connsiteY25" fmla="*/ 1227080 h 3709642"/>
-              <a:gd name="connsiteX26" fmla="*/ 218488 w 559472"/>
-              <a:gd name="connsiteY26" fmla="*/ 1106065 h 3709642"/>
-              <a:gd name="connsiteX27" fmla="*/ 198221 w 559472"/>
-              <a:gd name="connsiteY27" fmla="*/ 982940 h 3709642"/>
-              <a:gd name="connsiteX28" fmla="*/ 177152 w 559472"/>
-              <a:gd name="connsiteY28" fmla="*/ 858755 h 3709642"/>
-              <a:gd name="connsiteX29" fmla="*/ 155551 w 559472"/>
-              <a:gd name="connsiteY29" fmla="*/ 736861 h 3709642"/>
-              <a:gd name="connsiteX30" fmla="*/ 131782 w 559472"/>
-              <a:gd name="connsiteY30" fmla="*/ 613645 h 3709642"/>
-              <a:gd name="connsiteX31" fmla="*/ 107123 w 559472"/>
-              <a:gd name="connsiteY31" fmla="*/ 490500 h 3709642"/>
-              <a:gd name="connsiteX32" fmla="*/ 82552 w 559472"/>
-              <a:gd name="connsiteY32" fmla="*/ 367348 h 3709642"/>
-              <a:gd name="connsiteX33" fmla="*/ 55608 w 559472"/>
-              <a:gd name="connsiteY33" fmla="*/ 244762 h 3709642"/>
-              <a:gd name="connsiteX34" fmla="*/ 28130 w 559472"/>
-              <a:gd name="connsiteY34" fmla="*/ 122220 h 3709642"/>
-              <a:gd name="connsiteX35" fmla="*/ 0 w 559472"/>
-              <a:gd name="connsiteY35" fmla="*/ 0 h 3709642"/>
-            </a:gdLst>
-            <a:ahLst/>
-            <a:cxnLst>
-              <a:cxn ang="0">
-                <a:pos x="connsiteX0" y="connsiteY0"/>
-              </a:cxn>
-              <a:cxn ang="0">
-                <a:pos x="connsiteX1" y="connsiteY1"/>
-              </a:cxn>
-              <a:cxn ang="0">
-                <a:pos x="connsiteX2" y="connsiteY2"/>
-              </a:cxn>
-              <a:cxn ang="0">
-                <a:pos x="connsiteX3" y="connsiteY3"/>
-              </a:cxn>
-              <a:cxn ang="0">
-                <a:pos x="connsiteX4" y="connsiteY4"/>
-              </a:cxn>
-              <a:cxn ang="0">
-                <a:pos x="connsiteX5" y="connsiteY5"/>
-              </a:cxn>
-              <a:cxn ang="0">
-                <a:pos x="connsiteX6" y="connsiteY6"/>
-              </a:cxn>
-              <a:cxn ang="0">
-                <a:pos x="connsiteX7" y="connsiteY7"/>
-              </a:cxn>
-              <a:cxn ang="0">
-                <a:pos x="connsiteX8" y="connsiteY8"/>
-              </a:cxn>
-              <a:cxn ang="0">
-                <a:pos x="connsiteX9" y="connsiteY9"/>
-              </a:cxn>
-              <a:cxn ang="0">
-                <a:pos x="connsiteX10" y="connsiteY10"/>
-              </a:cxn>
-              <a:cxn ang="0">
-                <a:pos x="connsiteX11" y="connsiteY11"/>
-              </a:cxn>
-              <a:cxn ang="0">
-                <a:pos x="connsiteX12" y="connsiteY12"/>
-              </a:cxn>
-              <a:cxn ang="0">
-                <a:pos x="connsiteX13" y="connsiteY13"/>
-              </a:cxn>
-              <a:cxn ang="0">
-                <a:pos x="connsiteX14" y="connsiteY14"/>
-              </a:cxn>
-              <a:cxn ang="0">
-                <a:pos x="connsiteX15" y="connsiteY15"/>
-              </a:cxn>
-              <a:cxn ang="0">
-                <a:pos x="connsiteX16" y="connsiteY16"/>
-              </a:cxn>
-              <a:cxn ang="0">
-                <a:pos x="connsiteX17" y="connsiteY17"/>
-              </a:cxn>
-              <a:cxn ang="0">
-                <a:pos x="connsiteX18" y="connsiteY18"/>
-              </a:cxn>
-              <a:cxn ang="0">
-                <a:pos x="connsiteX19" y="connsiteY19"/>
-              </a:cxn>
-              <a:cxn ang="0">
-                <a:pos x="connsiteX20" y="connsiteY20"/>
-              </a:cxn>
-              <a:cxn ang="0">
-                <a:pos x="connsiteX21" y="connsiteY21"/>
-              </a:cxn>
-              <a:cxn ang="0">
-                <a:pos x="connsiteX22" y="connsiteY22"/>
-              </a:cxn>
-              <a:cxn ang="0">
-                <a:pos x="connsiteX23" y="connsiteY23"/>
-              </a:cxn>
-              <a:cxn ang="0">
-                <a:pos x="connsiteX24" y="connsiteY24"/>
-              </a:cxn>
-              <a:cxn ang="0">
-                <a:pos x="connsiteX25" y="connsiteY25"/>
-              </a:cxn>
-              <a:cxn ang="0">
-                <a:pos x="connsiteX26" y="connsiteY26"/>
-              </a:cxn>
-              <a:cxn ang="0">
-                <a:pos x="connsiteX27" y="connsiteY27"/>
-              </a:cxn>
-              <a:cxn ang="0">
-                <a:pos x="connsiteX28" y="connsiteY28"/>
-              </a:cxn>
-              <a:cxn ang="0">
-                <a:pos x="connsiteX29" y="connsiteY29"/>
-              </a:cxn>
-              <a:cxn ang="0">
-                <a:pos x="connsiteX30" y="connsiteY30"/>
-              </a:cxn>
-              <a:cxn ang="0">
-                <a:pos x="connsiteX31" y="connsiteY31"/>
-              </a:cxn>
-              <a:cxn ang="0">
-                <a:pos x="connsiteX32" y="connsiteY32"/>
-              </a:cxn>
-              <a:cxn ang="0">
-                <a:pos x="connsiteX33" y="connsiteY33"/>
-              </a:cxn>
-              <a:cxn ang="0">
-                <a:pos x="connsiteX34" y="connsiteY34"/>
-              </a:cxn>
-              <a:cxn ang="0">
-                <a:pos x="connsiteX35" y="connsiteY35"/>
-              </a:cxn>
-            </a:cxnLst>
-            <a:rect l="l" t="t" r="r" b="b"/>
-            <a:pathLst>
-              <a:path w="559472" h="3709642">
-                <a:moveTo>
-                  <a:pt x="0" y="0"/>
-                </a:moveTo>
-                <a:lnTo>
-                  <a:pt x="473952" y="0"/>
-                </a:lnTo>
-                <a:lnTo>
-                  <a:pt x="485840" y="161194"/>
-                </a:lnTo>
-                <a:cubicBezTo>
-                  <a:pt x="552063" y="1147770"/>
-                  <a:pt x="592441" y="3086737"/>
-                  <a:pt x="523949" y="3672197"/>
-                </a:cubicBezTo>
-                <a:cubicBezTo>
-                  <a:pt x="500842" y="3684557"/>
-                  <a:pt x="477855" y="3697282"/>
-                  <a:pt x="454748" y="3709642"/>
-                </a:cubicBezTo>
-                <a:lnTo>
-                  <a:pt x="448224" y="3510471"/>
-                </a:lnTo>
-                <a:lnTo>
-                  <a:pt x="443564" y="3408563"/>
-                </a:lnTo>
-                <a:lnTo>
-                  <a:pt x="438902" y="3304407"/>
-                </a:lnTo>
-                <a:lnTo>
-                  <a:pt x="433941" y="3198777"/>
-                </a:lnTo>
-                <a:lnTo>
-                  <a:pt x="427584" y="3092510"/>
-                </a:lnTo>
-                <a:lnTo>
-                  <a:pt x="420988" y="2984390"/>
-                </a:lnTo>
-                <a:lnTo>
-                  <a:pt x="414330" y="2874401"/>
-                </a:lnTo>
-                <a:lnTo>
-                  <a:pt x="406840" y="2762980"/>
-                </a:lnTo>
-                <a:lnTo>
-                  <a:pt x="397745" y="2650566"/>
-                </a:lnTo>
-                <a:lnTo>
-                  <a:pt x="389154" y="2536612"/>
-                </a:lnTo>
-                <a:lnTo>
-                  <a:pt x="379225" y="2421642"/>
-                </a:lnTo>
-                <a:lnTo>
-                  <a:pt x="368316" y="2305627"/>
-                </a:lnTo>
-                <a:lnTo>
-                  <a:pt x="357466" y="2189233"/>
-                </a:lnTo>
-                <a:lnTo>
-                  <a:pt x="344982" y="2071473"/>
-                </a:lnTo>
-                <a:lnTo>
-                  <a:pt x="332466" y="1952216"/>
-                </a:lnTo>
-                <a:lnTo>
-                  <a:pt x="319121" y="1833776"/>
-                </a:lnTo>
-                <a:lnTo>
-                  <a:pt x="304408" y="1713948"/>
-                </a:lnTo>
-                <a:lnTo>
-                  <a:pt x="288685" y="1592703"/>
-                </a:lnTo>
-                <a:lnTo>
-                  <a:pt x="273050" y="1471451"/>
-                </a:lnTo>
-                <a:lnTo>
-                  <a:pt x="255813" y="1350328"/>
-                </a:lnTo>
-                <a:lnTo>
-                  <a:pt x="237060" y="1227080"/>
-                </a:lnTo>
-                <a:lnTo>
-                  <a:pt x="218488" y="1106065"/>
-                </a:lnTo>
-                <a:lnTo>
-                  <a:pt x="198221" y="982940"/>
-                </a:lnTo>
-                <a:lnTo>
-                  <a:pt x="177152" y="858755"/>
-                </a:lnTo>
-                <a:lnTo>
-                  <a:pt x="155551" y="736861"/>
-                </a:lnTo>
-                <a:lnTo>
-                  <a:pt x="131782" y="613645"/>
-                </a:lnTo>
-                <a:lnTo>
-                  <a:pt x="107123" y="490500"/>
-                </a:lnTo>
-                <a:lnTo>
-                  <a:pt x="82552" y="367348"/>
-                </a:lnTo>
-                <a:lnTo>
-                  <a:pt x="55608" y="244762"/>
-                </a:lnTo>
-                <a:lnTo>
-                  <a:pt x="28130" y="122220"/>
-                </a:lnTo>
-                <a:lnTo>
-                  <a:pt x="0" y="0"/>
-                </a:lnTo>
-                <a:close/>
-              </a:path>
-            </a:pathLst>
-          </a:custGeom>
-          <a:solidFill>
-            <a:schemeClr val="tx1">
-              <a:alpha val="20000"/>
-            </a:schemeClr>
-          </a:solidFill>
-          <a:ln>
-            <a:noFill/>
-          </a:ln>
-        </p:spPr>
-        <p:txBody>
-          <a:bodyPr rtlCol="0" anchor="ctr"/>
-          <a:lstStyle/>
-          <a:p>
-            <a:pPr algn="ctr"/>
-            <a:endParaRPr lang="en-US"/>
-          </a:p>
-        </p:txBody>
-      </p:sp>
-      <p:sp>
-        <p:nvSpPr>
-          <p:cNvPr id="40" name="Freeform 5">
-            <a:extLst>
-              <a:ext uri="{FF2B5EF4-FFF2-40B4-BE49-F238E27FC236}">
-                <a16:creationId xmlns:a16="http://schemas.microsoft.com/office/drawing/2014/main" id="{95DBBBEB-F8DF-4794-86A8-BD884F7E6794}"/>
-              </a:ext>
-              <a:ext uri="{C183D7F6-B498-43B3-948B-1728B52AA6E4}">
-                <adec:decorative xmlns:adec="http://schemas.microsoft.com/office/drawing/2017/decorative" val="1"/>
-              </a:ext>
-            </a:extLst>
-          </p:cNvPr>
-          <p:cNvSpPr>
-            <a:spLocks noGrp="1" noRot="1" noChangeAspect="1" noMove="1" noResize="1" noEditPoints="1" noAdjustHandles="1" noChangeArrowheads="1" noChangeShapeType="1" noTextEdit="1"/>
-          </p:cNvSpPr>
-          <p:nvPr>
-            <p:extLst>
-              <p:ext uri="{386F3935-93C4-4BCD-93E2-E3B085C9AB24}">
-                <p16:designElem xmlns:p16="http://schemas.microsoft.com/office/powerpoint/2015/main" val="1"/>
-              </p:ext>
-            </p:extLst>
-          </p:nvPr>
-        </p:nvSpPr>
-        <p:spPr bwMode="gray">
-          <a:xfrm rot="5400000" flipH="1">
-            <a:off x="3708596" y="2756642"/>
-            <a:ext cx="6858000" cy="1344715"/>
-          </a:xfrm>
-          <a:custGeom>
-            <a:avLst/>
-            <a:gdLst/>
-            <a:ahLst/>
-            <a:cxnLst/>
-            <a:rect l="l" t="t" r="r" b="b"/>
-            <a:pathLst>
-              <a:path w="10000" h="8000">
-                <a:moveTo>
-                  <a:pt x="0" y="0"/>
-                </a:moveTo>
-                <a:lnTo>
-                  <a:pt x="0" y="7970"/>
-                </a:lnTo>
-                <a:lnTo>
-                  <a:pt x="10000" y="8000"/>
-                </a:lnTo>
-                <a:lnTo>
-                  <a:pt x="10000" y="7"/>
-                </a:lnTo>
-                <a:lnTo>
-                  <a:pt x="10000" y="7"/>
-                </a:lnTo>
-                <a:lnTo>
-                  <a:pt x="9773" y="156"/>
-                </a:lnTo>
-                <a:lnTo>
-                  <a:pt x="9547" y="298"/>
-                </a:lnTo>
-                <a:lnTo>
-                  <a:pt x="9320" y="437"/>
-                </a:lnTo>
-                <a:lnTo>
-                  <a:pt x="9092" y="556"/>
-                </a:lnTo>
-                <a:lnTo>
-                  <a:pt x="8865" y="676"/>
-                </a:lnTo>
-                <a:lnTo>
-                  <a:pt x="8637" y="788"/>
-                </a:lnTo>
-                <a:lnTo>
-                  <a:pt x="8412" y="884"/>
-                </a:lnTo>
-                <a:lnTo>
-                  <a:pt x="8184" y="975"/>
-                </a:lnTo>
-                <a:lnTo>
-                  <a:pt x="7957" y="1058"/>
-                </a:lnTo>
-                <a:lnTo>
-                  <a:pt x="7734" y="1130"/>
-                </a:lnTo>
-                <a:lnTo>
-                  <a:pt x="7508" y="1202"/>
-                </a:lnTo>
-                <a:lnTo>
-                  <a:pt x="7285" y="1262"/>
-                </a:lnTo>
-                <a:lnTo>
-                  <a:pt x="7062" y="1309"/>
-                </a:lnTo>
-                <a:lnTo>
-                  <a:pt x="6840" y="1358"/>
-                </a:lnTo>
-                <a:lnTo>
-                  <a:pt x="6620" y="1399"/>
-                </a:lnTo>
-                <a:lnTo>
-                  <a:pt x="6402" y="1428"/>
-                </a:lnTo>
-                <a:lnTo>
-                  <a:pt x="6184" y="1453"/>
-                </a:lnTo>
-                <a:lnTo>
-                  <a:pt x="5968" y="1477"/>
-                </a:lnTo>
-                <a:lnTo>
-                  <a:pt x="5755" y="1488"/>
-                </a:lnTo>
-                <a:lnTo>
-                  <a:pt x="5542" y="1500"/>
-                </a:lnTo>
-                <a:lnTo>
-                  <a:pt x="5332" y="1506"/>
-                </a:lnTo>
-                <a:lnTo>
-                  <a:pt x="5124" y="1500"/>
-                </a:lnTo>
-                <a:lnTo>
-                  <a:pt x="4918" y="1500"/>
-                </a:lnTo>
-                <a:lnTo>
-                  <a:pt x="4714" y="1488"/>
-                </a:lnTo>
-                <a:lnTo>
-                  <a:pt x="4514" y="1470"/>
-                </a:lnTo>
-                <a:lnTo>
-                  <a:pt x="4316" y="1453"/>
-                </a:lnTo>
-                <a:lnTo>
-                  <a:pt x="4122" y="1434"/>
-                </a:lnTo>
-                <a:lnTo>
-                  <a:pt x="3929" y="1405"/>
-                </a:lnTo>
-                <a:lnTo>
-                  <a:pt x="3739" y="1374"/>
-                </a:lnTo>
-                <a:lnTo>
-                  <a:pt x="3553" y="1346"/>
-                </a:lnTo>
-                <a:lnTo>
-                  <a:pt x="3190" y="1267"/>
-                </a:lnTo>
-                <a:lnTo>
-                  <a:pt x="2842" y="1183"/>
-                </a:lnTo>
-                <a:lnTo>
-                  <a:pt x="2508" y="1095"/>
-                </a:lnTo>
-                <a:lnTo>
-                  <a:pt x="2192" y="998"/>
-                </a:lnTo>
-                <a:lnTo>
-                  <a:pt x="1890" y="897"/>
-                </a:lnTo>
-                <a:lnTo>
-                  <a:pt x="1610" y="788"/>
-                </a:lnTo>
-                <a:lnTo>
-                  <a:pt x="1347" y="681"/>
-                </a:lnTo>
-                <a:lnTo>
-                  <a:pt x="1105" y="574"/>
-                </a:lnTo>
-                <a:lnTo>
-                  <a:pt x="883" y="473"/>
-                </a:lnTo>
-                <a:lnTo>
-                  <a:pt x="686" y="377"/>
-                </a:lnTo>
-                <a:lnTo>
-                  <a:pt x="508" y="286"/>
-                </a:lnTo>
-                <a:lnTo>
-                  <a:pt x="358" y="210"/>
-                </a:lnTo>
-                <a:lnTo>
-                  <a:pt x="232" y="138"/>
-                </a:lnTo>
-                <a:lnTo>
-                  <a:pt x="59" y="35"/>
-                </a:lnTo>
-                <a:lnTo>
-                  <a:pt x="0" y="0"/>
-                </a:lnTo>
-                <a:lnTo>
-                  <a:pt x="0" y="0"/>
-                </a:lnTo>
-                <a:close/>
-              </a:path>
-            </a:pathLst>
-          </a:custGeom>
-          <a:solidFill>
-            <a:srgbClr val="FFFFFF"/>
-          </a:solidFill>
-          <a:ln>
-            <a:noFill/>
-          </a:ln>
-        </p:spPr>
-      </p:sp>
-      <p:pic>
-        <p:nvPicPr>
-          <p:cNvPr id="4" name="Tartalom helye 3" descr="A képen szöveg, képernyőkép, Betűtípus látható&#10;&#10;Automatikusan generált leírás">
-            <a:extLst>
-              <a:ext uri="{FF2B5EF4-FFF2-40B4-BE49-F238E27FC236}">
-                <a16:creationId xmlns:a16="http://schemas.microsoft.com/office/drawing/2014/main" id="{45EDB47D-DE5C-F772-6B54-9211FA049BCE}"/>
-              </a:ext>
-            </a:extLst>
-          </p:cNvPr>
-          <p:cNvPicPr>
-            <a:picLocks noGrp="1" noChangeAspect="1"/>
-          </p:cNvPicPr>
-          <p:nvPr>
-            <p:ph idx="1"/>
-          </p:nvPr>
-        </p:nvPicPr>
-        <p:blipFill>
-          <a:blip r:embed="rId7"/>
-          <a:srcRect r="1836" b="-2"/>
-          <a:stretch/>
-        </p:blipFill>
-        <p:spPr>
-          <a:xfrm>
-            <a:off x="299112" y="364670"/>
-            <a:ext cx="6960144" cy="3475094"/>
-          </a:xfrm>
-          <a:prstGeom prst="rect">
-            <a:avLst/>
-          </a:prstGeom>
-          <a:effectLst/>
-        </p:spPr>
-      </p:pic>
-      <p:pic>
-        <p:nvPicPr>
-          <p:cNvPr id="6" name="Kép 5" descr="A képen szöveg, Betűtípus, sor, képernyőkép látható&#10;&#10;Automatikusan generált leírás">
-            <a:extLst>
-              <a:ext uri="{FF2B5EF4-FFF2-40B4-BE49-F238E27FC236}">
-                <a16:creationId xmlns:a16="http://schemas.microsoft.com/office/drawing/2014/main" id="{35546E5A-CE69-F7E2-FE7D-1250F6318AC0}"/>
-              </a:ext>
-            </a:extLst>
-          </p:cNvPr>
-          <p:cNvPicPr>
-            <a:picLocks noChangeAspect="1"/>
-          </p:cNvPicPr>
-          <p:nvPr/>
-        </p:nvPicPr>
-        <p:blipFill>
-          <a:blip r:embed="rId8"/>
-          <a:stretch>
-            <a:fillRect/>
-          </a:stretch>
-        </p:blipFill>
-        <p:spPr>
-          <a:xfrm>
-            <a:off x="295511" y="5250994"/>
-            <a:ext cx="9253347" cy="1097055"/>
-          </a:xfrm>
-          <a:prstGeom prst="rect">
-            <a:avLst/>
-          </a:prstGeom>
-          <a:effectLst/>
-        </p:spPr>
-      </p:pic>
-    </p:spTree>
-    <p:extLst>
-      <p:ext uri="{BB962C8B-B14F-4D97-AF65-F5344CB8AC3E}">
-        <p14:creationId xmlns:p14="http://schemas.microsoft.com/office/powerpoint/2010/main" val="3340070489"/>
-      </p:ext>
-    </p:extLst>
-  </p:cSld>
-  <p:clrMapOvr>
-    <a:masterClrMapping/>
-  </p:clrMapOvr>
-</p:sld>
-</file>
-
 <file path=ppt/slides/slide2.xml><?xml version="1.0" encoding="utf-8"?>
 <p:sld xmlns:a="http://schemas.openxmlformats.org/drawingml/2006/main" xmlns:r="http://schemas.openxmlformats.org/officeDocument/2006/relationships" xmlns:p="http://schemas.openxmlformats.org/presentationml/2006/main">
   <p:cSld>
@@ -12871,7 +11879,7 @@
                 <a16:creationId xmlns:a16="http://schemas.microsoft.com/office/drawing/2014/main" id="{C9134821-5D8B-4373-BA74-CFE9AB35A55A}"/>
               </a:ext>
               <a:ext uri="{C183D7F6-B498-43B3-948B-1728B52AA6E4}">
-                <adec:decorative xmlns:adec="http://schemas.microsoft.com/office/drawing/2017/decorative" val="1"/>
+                <adec:decorative xmlns:adec="http://schemas.microsoft.com/office/drawing/2017/decorative" xmlns="" val="1"/>
               </a:ext>
             </a:extLst>
           </p:cNvPr>
@@ -12915,7 +11923,7 @@
                 <a16:creationId xmlns:a16="http://schemas.microsoft.com/office/drawing/2014/main" id="{5965195F-79F5-4911-907D-13CB3F534351}"/>
               </a:ext>
               <a:ext uri="{C183D7F6-B498-43B3-948B-1728B52AA6E4}">
-                <adec:decorative xmlns:adec="http://schemas.microsoft.com/office/drawing/2017/decorative" val="1"/>
+                <adec:decorative xmlns:adec="http://schemas.microsoft.com/office/drawing/2017/decorative" xmlns="" val="1"/>
               </a:ext>
             </a:extLst>
           </p:cNvPr>
@@ -12959,7 +11967,7 @@
                 <a16:creationId xmlns:a16="http://schemas.microsoft.com/office/drawing/2014/main" id="{8A610DC7-FE1B-47B9-8452-CFC389786C2D}"/>
               </a:ext>
               <a:ext uri="{C183D7F6-B498-43B3-948B-1728B52AA6E4}">
-                <adec:decorative xmlns:adec="http://schemas.microsoft.com/office/drawing/2017/decorative" val="1"/>
+                <adec:decorative xmlns:adec="http://schemas.microsoft.com/office/drawing/2017/decorative" xmlns="" val="1"/>
               </a:ext>
             </a:extLst>
           </p:cNvPr>
@@ -13033,7 +12041,7 @@
                 <a16:creationId xmlns:a16="http://schemas.microsoft.com/office/drawing/2014/main" id="{2742ADC1-2286-40B7-A3C6-D6C3362FA04B}"/>
               </a:ext>
               <a:ext uri="{C183D7F6-B498-43B3-948B-1728B52AA6E4}">
-                <adec:decorative xmlns:adec="http://schemas.microsoft.com/office/drawing/2017/decorative" val="1"/>
+                <adec:decorative xmlns:adec="http://schemas.microsoft.com/office/drawing/2017/decorative" xmlns="" val="1"/>
               </a:ext>
             </a:extLst>
           </p:cNvPr>
@@ -13077,7 +12085,7 @@
                 <a16:creationId xmlns:a16="http://schemas.microsoft.com/office/drawing/2014/main" id="{C878FBDC-78F2-4D49-8DB3-1A48CA9F7FC0}"/>
               </a:ext>
               <a:ext uri="{C183D7F6-B498-43B3-948B-1728B52AA6E4}">
-                <adec:decorative xmlns:adec="http://schemas.microsoft.com/office/drawing/2017/decorative" val="1"/>
+                <adec:decorative xmlns:adec="http://schemas.microsoft.com/office/drawing/2017/decorative" xmlns="" val="1"/>
               </a:ext>
             </a:extLst>
           </p:cNvPr>
@@ -13121,7 +12129,7 @@
                 <a16:creationId xmlns:a16="http://schemas.microsoft.com/office/drawing/2014/main" id="{DC9A0934-0C2C-4565-9290-A345B19BD94C}"/>
               </a:ext>
               <a:ext uri="{C183D7F6-B498-43B3-948B-1728B52AA6E4}">
-                <adec:decorative xmlns:adec="http://schemas.microsoft.com/office/drawing/2017/decorative" val="1"/>
+                <adec:decorative xmlns:adec="http://schemas.microsoft.com/office/drawing/2017/decorative" xmlns="" val="1"/>
               </a:ext>
             </a:extLst>
           </p:cNvPr>
@@ -13174,7 +12182,7 @@
                 <a16:creationId xmlns:a16="http://schemas.microsoft.com/office/drawing/2014/main" id="{6B42653A-00F8-40F8-9BAA-AFDE65366F65}"/>
               </a:ext>
               <a:ext uri="{C183D7F6-B498-43B3-948B-1728B52AA6E4}">
-                <adec:decorative xmlns:adec="http://schemas.microsoft.com/office/drawing/2017/decorative" val="1"/>
+                <adec:decorative xmlns:adec="http://schemas.microsoft.com/office/drawing/2017/decorative" xmlns="" val="1"/>
               </a:ext>
             </a:extLst>
           </p:cNvPr>
@@ -13237,7 +12245,7 @@
                 <a16:creationId xmlns:a16="http://schemas.microsoft.com/office/drawing/2014/main" id="{5D85582E-5C24-4E50-94D0-EBDFCAF82A75}"/>
               </a:ext>
               <a:ext uri="{C183D7F6-B498-43B3-948B-1728B52AA6E4}">
-                <adec:decorative xmlns:adec="http://schemas.microsoft.com/office/drawing/2017/decorative" val="1"/>
+                <adec:decorative xmlns:adec="http://schemas.microsoft.com/office/drawing/2017/decorative" xmlns="" val="1"/>
               </a:ext>
             </a:extLst>
           </p:cNvPr>
@@ -13290,7 +12298,7 @@
                 <a16:creationId xmlns:a16="http://schemas.microsoft.com/office/drawing/2014/main" id="{D2CF7175-D926-4ED8-BF71-C9046B886DB7}"/>
               </a:ext>
               <a:ext uri="{C183D7F6-B498-43B3-948B-1728B52AA6E4}">
-                <adec:decorative xmlns:adec="http://schemas.microsoft.com/office/drawing/2017/decorative" val="1"/>
+                <adec:decorative xmlns:adec="http://schemas.microsoft.com/office/drawing/2017/decorative" xmlns="" val="1"/>
               </a:ext>
             </a:extLst>
           </p:cNvPr>
@@ -13654,7 +12662,7 @@
                 <a16:creationId xmlns:a16="http://schemas.microsoft.com/office/drawing/2014/main" id="{CE21D3E3-E417-4B15-9ACE-327E9B12B423}"/>
               </a:ext>
               <a:ext uri="{C183D7F6-B498-43B3-948B-1728B52AA6E4}">
-                <adec:decorative xmlns:adec="http://schemas.microsoft.com/office/drawing/2017/decorative" val="1"/>
+                <adec:decorative xmlns:adec="http://schemas.microsoft.com/office/drawing/2017/decorative" xmlns="" val="1"/>
               </a:ext>
             </a:extLst>
           </p:cNvPr>
@@ -13959,6 +12967,1172 @@
           <p:cNvPr id="2" name="Cím 1">
             <a:extLst>
               <a:ext uri="{FF2B5EF4-FFF2-40B4-BE49-F238E27FC236}">
+                <a16:creationId xmlns:a16="http://schemas.microsoft.com/office/drawing/2014/main" id="{7A46FD74-C76F-1565-48AF-914D398BAD34}"/>
+              </a:ext>
+            </a:extLst>
+          </p:cNvPr>
+          <p:cNvSpPr>
+            <a:spLocks noGrp="1"/>
+          </p:cNvSpPr>
+          <p:nvPr>
+            <p:ph type="title"/>
+          </p:nvPr>
+        </p:nvSpPr>
+        <p:spPr/>
+        <p:txBody>
+          <a:bodyPr/>
+          <a:lstStyle/>
+          <a:p>
+            <a:r>
+              <a:rPr lang="hu-HU" dirty="0" err="1"/>
+              <a:t>Trace</a:t>
+            </a:r>
+            <a:r>
+              <a:rPr lang="hu-HU" dirty="0"/>
+              <a:t> </a:t>
+            </a:r>
+            <a:r>
+              <a:rPr lang="hu-HU" dirty="0" err="1"/>
+              <a:t>route</a:t>
+            </a:r>
+          </a:p>
+        </p:txBody>
+      </p:sp>
+      <p:pic>
+        <p:nvPicPr>
+          <p:cNvPr id="5" name="Kép 4" descr="A képen szöveg, képernyőkép, Betűtípus látható&#10;&#10;Automatikusan generált leírás">
+            <a:extLst>
+              <a:ext uri="{FF2B5EF4-FFF2-40B4-BE49-F238E27FC236}">
+                <a16:creationId xmlns:a16="http://schemas.microsoft.com/office/drawing/2014/main" id="{809FD592-5568-4799-4DB9-16E85A7FD5A3}"/>
+              </a:ext>
+            </a:extLst>
+          </p:cNvPr>
+          <p:cNvPicPr>
+            <a:picLocks noChangeAspect="1"/>
+          </p:cNvPicPr>
+          <p:nvPr/>
+        </p:nvPicPr>
+        <p:blipFill>
+          <a:blip r:embed="rId2"/>
+          <a:stretch>
+            <a:fillRect/>
+          </a:stretch>
+        </p:blipFill>
+        <p:spPr>
+          <a:xfrm>
+            <a:off x="3045279" y="2363107"/>
+            <a:ext cx="6728460" cy="2136140"/>
+          </a:xfrm>
+          <a:prstGeom prst="rect">
+            <a:avLst/>
+          </a:prstGeom>
+        </p:spPr>
+      </p:pic>
+    </p:spTree>
+    <p:extLst>
+      <p:ext uri="{BB962C8B-B14F-4D97-AF65-F5344CB8AC3E}">
+        <p14:creationId xmlns:p14="http://schemas.microsoft.com/office/powerpoint/2010/main" val="1736369087"/>
+      </p:ext>
+    </p:extLst>
+  </p:cSld>
+  <p:clrMapOvr>
+    <a:masterClrMapping/>
+  </p:clrMapOvr>
+</p:sld>
+</file>
+
+<file path=ppt/slides/slide21.xml><?xml version="1.0" encoding="utf-8"?>
+<p:sld xmlns:a="http://schemas.openxmlformats.org/drawingml/2006/main" xmlns:r="http://schemas.openxmlformats.org/officeDocument/2006/relationships" xmlns:p="http://schemas.openxmlformats.org/presentationml/2006/main">
+  <p:cSld>
+    <p:bg>
+      <p:bgPr>
+        <a:blipFill rotWithShape="1">
+          <a:blip r:embed="rId2">
+            <a:duotone>
+              <a:schemeClr val="bg2">
+                <a:shade val="69000"/>
+                <a:hueMod val="91000"/>
+                <a:satMod val="164000"/>
+                <a:lumMod val="74000"/>
+              </a:schemeClr>
+              <a:schemeClr val="bg2">
+                <a:hueMod val="124000"/>
+                <a:satMod val="140000"/>
+                <a:lumMod val="142000"/>
+              </a:schemeClr>
+            </a:duotone>
+          </a:blip>
+          <a:stretch/>
+        </a:blipFill>
+        <a:effectLst/>
+      </p:bgPr>
+    </p:bg>
+    <p:spTree>
+      <p:nvGrpSpPr>
+        <p:cNvPr id="1" name=""/>
+        <p:cNvGrpSpPr/>
+        <p:nvPr/>
+      </p:nvGrpSpPr>
+      <p:grpSpPr>
+        <a:xfrm>
+          <a:off x="0" y="0"/>
+          <a:ext cx="0" cy="0"/>
+          <a:chOff x="0" y="0"/>
+          <a:chExt cx="0" cy="0"/>
+        </a:xfrm>
+      </p:grpSpPr>
+      <p:pic>
+        <p:nvPicPr>
+          <p:cNvPr id="24" name="Picture 23">
+            <a:extLst>
+              <a:ext uri="{FF2B5EF4-FFF2-40B4-BE49-F238E27FC236}">
+                <a16:creationId xmlns:a16="http://schemas.microsoft.com/office/drawing/2014/main" id="{603C1FDD-3EB9-4E32-AAFF-F0872E904A7D}"/>
+              </a:ext>
+              <a:ext uri="{C183D7F6-B498-43B3-948B-1728B52AA6E4}">
+                <adec:decorative xmlns:adec="http://schemas.microsoft.com/office/drawing/2017/decorative" xmlns="" val="1"/>
+              </a:ext>
+            </a:extLst>
+          </p:cNvPr>
+          <p:cNvPicPr>
+            <a:picLocks noGrp="1" noRot="1" noChangeAspect="1" noMove="1" noResize="1" noEditPoints="1" noAdjustHandles="1" noChangeArrowheads="1" noChangeShapeType="1" noCrop="1"/>
+          </p:cNvPicPr>
+          <p:nvPr>
+            <p:extLst>
+              <p:ext uri="{386F3935-93C4-4BCD-93E2-E3B085C9AB24}">
+                <p16:designElem xmlns:p16="http://schemas.microsoft.com/office/powerpoint/2015/main" val="1"/>
+              </p:ext>
+            </p:extLst>
+          </p:nvPr>
+        </p:nvPicPr>
+        <p:blipFill rotWithShape="1">
+          <a:blip r:embed="rId3">
+            <a:extLst>
+              <a:ext uri="{28A0092B-C50C-407E-A947-70E740481C1C}">
+                <a14:useLocalDpi xmlns:a14="http://schemas.microsoft.com/office/drawing/2010/main" val="0"/>
+              </a:ext>
+            </a:extLst>
+          </a:blip>
+          <a:srcRect l="3644"/>
+          <a:stretch/>
+        </p:blipFill>
+        <p:spPr>
+          <a:xfrm>
+            <a:off x="0" y="2669685"/>
+            <a:ext cx="4035669" cy="4188315"/>
+          </a:xfrm>
+          <a:prstGeom prst="rect">
+            <a:avLst/>
+          </a:prstGeom>
+        </p:spPr>
+      </p:pic>
+      <p:pic>
+        <p:nvPicPr>
+          <p:cNvPr id="26" name="Picture 25">
+            <a:extLst>
+              <a:ext uri="{FF2B5EF4-FFF2-40B4-BE49-F238E27FC236}">
+                <a16:creationId xmlns:a16="http://schemas.microsoft.com/office/drawing/2014/main" id="{B0C4B3D9-75AB-4AAB-B53A-4232B752D2F5}"/>
+              </a:ext>
+              <a:ext uri="{C183D7F6-B498-43B3-948B-1728B52AA6E4}">
+                <adec:decorative xmlns:adec="http://schemas.microsoft.com/office/drawing/2017/decorative" xmlns="" val="1"/>
+              </a:ext>
+            </a:extLst>
+          </p:cNvPr>
+          <p:cNvPicPr>
+            <a:picLocks noGrp="1" noRot="1" noChangeAspect="1" noMove="1" noResize="1" noEditPoints="1" noAdjustHandles="1" noChangeArrowheads="1" noChangeShapeType="1" noCrop="1"/>
+          </p:cNvPicPr>
+          <p:nvPr>
+            <p:extLst>
+              <p:ext uri="{386F3935-93C4-4BCD-93E2-E3B085C9AB24}">
+                <p16:designElem xmlns:p16="http://schemas.microsoft.com/office/powerpoint/2015/main" val="1"/>
+              </p:ext>
+            </p:extLst>
+          </p:nvPr>
+        </p:nvPicPr>
+        <p:blipFill rotWithShape="1">
+          <a:blip r:embed="rId4">
+            <a:extLst>
+              <a:ext uri="{28A0092B-C50C-407E-A947-70E740481C1C}">
+                <a14:useLocalDpi xmlns:a14="http://schemas.microsoft.com/office/drawing/2010/main" val="0"/>
+              </a:ext>
+            </a:extLst>
+          </a:blip>
+          <a:srcRect l="35640"/>
+          <a:stretch/>
+        </p:blipFill>
+        <p:spPr>
+          <a:xfrm>
+            <a:off x="0" y="2892347"/>
+            <a:ext cx="1522412" cy="2365453"/>
+          </a:xfrm>
+          <a:prstGeom prst="rect">
+            <a:avLst/>
+          </a:prstGeom>
+        </p:spPr>
+      </p:pic>
+      <p:sp>
+        <p:nvSpPr>
+          <p:cNvPr id="28" name="Oval 27">
+            <a:extLst>
+              <a:ext uri="{FF2B5EF4-FFF2-40B4-BE49-F238E27FC236}">
+                <a16:creationId xmlns:a16="http://schemas.microsoft.com/office/drawing/2014/main" id="{1D73A963-D417-4FD9-851E-5E323F67D1BF}"/>
+              </a:ext>
+              <a:ext uri="{C183D7F6-B498-43B3-948B-1728B52AA6E4}">
+                <adec:decorative xmlns:adec="http://schemas.microsoft.com/office/drawing/2017/decorative" xmlns="" val="1"/>
+              </a:ext>
+            </a:extLst>
+          </p:cNvPr>
+          <p:cNvSpPr>
+            <a:spLocks noGrp="1" noRot="1" noChangeAspect="1" noMove="1" noResize="1" noEditPoints="1" noAdjustHandles="1" noChangeArrowheads="1" noChangeShapeType="1" noTextEdit="1"/>
+          </p:cNvSpPr>
+          <p:nvPr>
+            <p:extLst>
+              <p:ext uri="{386F3935-93C4-4BCD-93E2-E3B085C9AB24}">
+                <p16:designElem xmlns:p16="http://schemas.microsoft.com/office/powerpoint/2015/main" val="1"/>
+              </p:ext>
+            </p:extLst>
+          </p:nvPr>
+        </p:nvSpPr>
+        <p:spPr>
+          <a:xfrm>
+            <a:off x="8609012" y="1676400"/>
+            <a:ext cx="2819400" cy="2819400"/>
+          </a:xfrm>
+          <a:prstGeom prst="ellipse">
+            <a:avLst/>
+          </a:prstGeom>
+          <a:gradFill flip="none" rotWithShape="1">
+            <a:gsLst>
+              <a:gs pos="0">
+                <a:schemeClr val="accent5">
+                  <a:alpha val="7000"/>
+                </a:schemeClr>
+              </a:gs>
+              <a:gs pos="69000">
+                <a:schemeClr val="accent5">
+                  <a:alpha val="0"/>
+                </a:schemeClr>
+              </a:gs>
+              <a:gs pos="36000">
+                <a:schemeClr val="accent5">
+                  <a:alpha val="6000"/>
+                </a:schemeClr>
+              </a:gs>
+            </a:gsLst>
+            <a:path path="circle">
+              <a:fillToRect l="50000" t="50000" r="50000" b="50000"/>
+            </a:path>
+            <a:tileRect/>
+          </a:gradFill>
+          <a:ln>
+            <a:noFill/>
+          </a:ln>
+          <a:effectLst/>
+        </p:spPr>
+        <p:style>
+          <a:lnRef idx="1">
+            <a:schemeClr val="accent1"/>
+          </a:lnRef>
+          <a:fillRef idx="3">
+            <a:schemeClr val="accent1"/>
+          </a:fillRef>
+          <a:effectRef idx="2">
+            <a:schemeClr val="accent1"/>
+          </a:effectRef>
+          <a:fontRef idx="minor">
+            <a:schemeClr val="lt1"/>
+          </a:fontRef>
+        </p:style>
+      </p:sp>
+      <p:pic>
+        <p:nvPicPr>
+          <p:cNvPr id="30" name="Picture 29">
+            <a:extLst>
+              <a:ext uri="{FF2B5EF4-FFF2-40B4-BE49-F238E27FC236}">
+                <a16:creationId xmlns:a16="http://schemas.microsoft.com/office/drawing/2014/main" id="{72E40AAF-9C56-4002-B55E-6A255814861C}"/>
+              </a:ext>
+              <a:ext uri="{C183D7F6-B498-43B3-948B-1728B52AA6E4}">
+                <adec:decorative xmlns:adec="http://schemas.microsoft.com/office/drawing/2017/decorative" xmlns="" val="1"/>
+              </a:ext>
+            </a:extLst>
+          </p:cNvPr>
+          <p:cNvPicPr>
+            <a:picLocks noGrp="1" noRot="1" noChangeAspect="1" noMove="1" noResize="1" noEditPoints="1" noAdjustHandles="1" noChangeArrowheads="1" noChangeShapeType="1" noCrop="1"/>
+          </p:cNvPicPr>
+          <p:nvPr>
+            <p:extLst>
+              <p:ext uri="{386F3935-93C4-4BCD-93E2-E3B085C9AB24}">
+                <p16:designElem xmlns:p16="http://schemas.microsoft.com/office/powerpoint/2015/main" val="1"/>
+              </p:ext>
+            </p:extLst>
+          </p:nvPr>
+        </p:nvPicPr>
+        <p:blipFill rotWithShape="1">
+          <a:blip r:embed="rId5">
+            <a:extLst>
+              <a:ext uri="{28A0092B-C50C-407E-A947-70E740481C1C}">
+                <a14:useLocalDpi xmlns:a14="http://schemas.microsoft.com/office/drawing/2010/main" val="0"/>
+              </a:ext>
+            </a:extLst>
+          </a:blip>
+          <a:srcRect t="28813"/>
+          <a:stretch/>
+        </p:blipFill>
+        <p:spPr>
+          <a:xfrm>
+            <a:off x="7999412" y="0"/>
+            <a:ext cx="1603387" cy="1141407"/>
+          </a:xfrm>
+          <a:prstGeom prst="rect">
+            <a:avLst/>
+          </a:prstGeom>
+        </p:spPr>
+      </p:pic>
+      <p:pic>
+        <p:nvPicPr>
+          <p:cNvPr id="32" name="Picture 31">
+            <a:extLst>
+              <a:ext uri="{FF2B5EF4-FFF2-40B4-BE49-F238E27FC236}">
+                <a16:creationId xmlns:a16="http://schemas.microsoft.com/office/drawing/2014/main" id="{CF4F217F-0736-44C0-9047-DD52FCA2F2A4}"/>
+              </a:ext>
+              <a:ext uri="{C183D7F6-B498-43B3-948B-1728B52AA6E4}">
+                <adec:decorative xmlns:adec="http://schemas.microsoft.com/office/drawing/2017/decorative" xmlns="" val="1"/>
+              </a:ext>
+            </a:extLst>
+          </p:cNvPr>
+          <p:cNvPicPr>
+            <a:picLocks noGrp="1" noRot="1" noChangeAspect="1" noMove="1" noResize="1" noEditPoints="1" noAdjustHandles="1" noChangeArrowheads="1" noChangeShapeType="1" noCrop="1"/>
+          </p:cNvPicPr>
+          <p:nvPr>
+            <p:extLst>
+              <p:ext uri="{386F3935-93C4-4BCD-93E2-E3B085C9AB24}">
+                <p16:designElem xmlns:p16="http://schemas.microsoft.com/office/powerpoint/2015/main" val="1"/>
+              </p:ext>
+            </p:extLst>
+          </p:nvPr>
+        </p:nvPicPr>
+        <p:blipFill rotWithShape="1">
+          <a:blip r:embed="rId6">
+            <a:extLst>
+              <a:ext uri="{28A0092B-C50C-407E-A947-70E740481C1C}">
+                <a14:useLocalDpi xmlns:a14="http://schemas.microsoft.com/office/drawing/2010/main" val="0"/>
+              </a:ext>
+            </a:extLst>
+          </a:blip>
+          <a:srcRect b="23320"/>
+          <a:stretch/>
+        </p:blipFill>
+        <p:spPr>
+          <a:xfrm>
+            <a:off x="8609012" y="6096000"/>
+            <a:ext cx="993734" cy="762000"/>
+          </a:xfrm>
+          <a:prstGeom prst="rect">
+            <a:avLst/>
+          </a:prstGeom>
+        </p:spPr>
+      </p:pic>
+      <p:sp>
+        <p:nvSpPr>
+          <p:cNvPr id="34" name="Rectangle 33">
+            <a:extLst>
+              <a:ext uri="{FF2B5EF4-FFF2-40B4-BE49-F238E27FC236}">
+                <a16:creationId xmlns:a16="http://schemas.microsoft.com/office/drawing/2014/main" id="{2DCB6E42-3037-40F7-A351-6B952A870339}"/>
+              </a:ext>
+              <a:ext uri="{C183D7F6-B498-43B3-948B-1728B52AA6E4}">
+                <adec:decorative xmlns:adec="http://schemas.microsoft.com/office/drawing/2017/decorative" xmlns="" val="1"/>
+              </a:ext>
+            </a:extLst>
+          </p:cNvPr>
+          <p:cNvSpPr>
+            <a:spLocks noGrp="1" noRot="1" noChangeAspect="1" noMove="1" noResize="1" noEditPoints="1" noAdjustHandles="1" noChangeArrowheads="1" noChangeShapeType="1" noTextEdit="1"/>
+          </p:cNvSpPr>
+          <p:nvPr>
+            <p:extLst>
+              <p:ext uri="{386F3935-93C4-4BCD-93E2-E3B085C9AB24}">
+                <p16:designElem xmlns:p16="http://schemas.microsoft.com/office/powerpoint/2015/main" val="1"/>
+              </p:ext>
+            </p:extLst>
+          </p:nvPr>
+        </p:nvSpPr>
+        <p:spPr>
+          <a:xfrm>
+            <a:off x="10437812" y="0"/>
+            <a:ext cx="685800" cy="1143000"/>
+          </a:xfrm>
+          <a:prstGeom prst="rect">
+            <a:avLst/>
+          </a:prstGeom>
+          <a:solidFill>
+            <a:schemeClr val="accent1"/>
+          </a:solidFill>
+          <a:ln>
+            <a:noFill/>
+          </a:ln>
+        </p:spPr>
+        <p:style>
+          <a:lnRef idx="1">
+            <a:schemeClr val="accent1"/>
+          </a:lnRef>
+          <a:fillRef idx="3">
+            <a:schemeClr val="accent1"/>
+          </a:fillRef>
+          <a:effectRef idx="2">
+            <a:schemeClr val="accent1"/>
+          </a:effectRef>
+          <a:fontRef idx="minor">
+            <a:schemeClr val="lt1"/>
+          </a:fontRef>
+        </p:style>
+      </p:sp>
+      <p:sp>
+        <p:nvSpPr>
+          <p:cNvPr id="2" name="Cím 1">
+            <a:extLst>
+              <a:ext uri="{FF2B5EF4-FFF2-40B4-BE49-F238E27FC236}">
+                <a16:creationId xmlns:a16="http://schemas.microsoft.com/office/drawing/2014/main" id="{8F70B007-F15D-4D66-48A6-F81BF60D20C2}"/>
+              </a:ext>
+            </a:extLst>
+          </p:cNvPr>
+          <p:cNvSpPr>
+            <a:spLocks noGrp="1"/>
+          </p:cNvSpPr>
+          <p:nvPr>
+            <p:ph type="title"/>
+          </p:nvPr>
+        </p:nvSpPr>
+        <p:spPr>
+          <a:xfrm>
+            <a:off x="8210623" y="1447800"/>
+            <a:ext cx="3333676" cy="3096987"/>
+          </a:xfrm>
+        </p:spPr>
+        <p:txBody>
+          <a:bodyPr vert="horz" lIns="91440" tIns="45720" rIns="91440" bIns="45720" rtlCol="0" anchor="b">
+            <a:normAutofit/>
+          </a:bodyPr>
+          <a:lstStyle/>
+          <a:p>
+            <a:r>
+              <a:rPr lang="en-US" sz="5400"/>
+              <a:t>NAT </a:t>
+            </a:r>
+          </a:p>
+        </p:txBody>
+      </p:sp>
+      <p:sp>
+        <p:nvSpPr>
+          <p:cNvPr id="36" name="Rectangle 35">
+            <a:extLst>
+              <a:ext uri="{FF2B5EF4-FFF2-40B4-BE49-F238E27FC236}">
+                <a16:creationId xmlns:a16="http://schemas.microsoft.com/office/drawing/2014/main" id="{5D4C4D9B-8464-4F80-A369-88E6980D4BA0}"/>
+              </a:ext>
+              <a:ext uri="{C183D7F6-B498-43B3-948B-1728B52AA6E4}">
+                <adec:decorative xmlns:adec="http://schemas.microsoft.com/office/drawing/2017/decorative" xmlns="" val="1"/>
+              </a:ext>
+            </a:extLst>
+          </p:cNvPr>
+          <p:cNvSpPr>
+            <a:spLocks noGrp="1" noRot="1" noChangeAspect="1" noMove="1" noResize="1" noEditPoints="1" noAdjustHandles="1" noChangeArrowheads="1" noChangeShapeType="1" noTextEdit="1"/>
+          </p:cNvSpPr>
+          <p:nvPr>
+            <p:extLst>
+              <p:ext uri="{386F3935-93C4-4BCD-93E2-E3B085C9AB24}">
+                <p16:designElem xmlns:p16="http://schemas.microsoft.com/office/powerpoint/2015/main" val="1"/>
+              </p:ext>
+            </p:extLst>
+          </p:nvPr>
+        </p:nvSpPr>
+        <p:spPr>
+          <a:xfrm>
+            <a:off x="0" y="0"/>
+            <a:ext cx="7157124" cy="6858000"/>
+          </a:xfrm>
+          <a:prstGeom prst="rect">
+            <a:avLst/>
+          </a:prstGeom>
+          <a:solidFill>
+            <a:srgbClr val="FFFFFF"/>
+          </a:solidFill>
+          <a:ln>
+            <a:noFill/>
+          </a:ln>
+        </p:spPr>
+        <p:style>
+          <a:lnRef idx="2">
+            <a:schemeClr val="accent1">
+              <a:shade val="50000"/>
+            </a:schemeClr>
+          </a:lnRef>
+          <a:fillRef idx="1">
+            <a:schemeClr val="accent1"/>
+          </a:fillRef>
+          <a:effectRef idx="0">
+            <a:schemeClr val="accent1"/>
+          </a:effectRef>
+          <a:fontRef idx="minor">
+            <a:schemeClr val="lt1"/>
+          </a:fontRef>
+        </p:style>
+        <p:txBody>
+          <a:bodyPr rtlCol="0" anchor="ctr"/>
+          <a:lstStyle/>
+          <a:p>
+            <a:pPr algn="ctr"/>
+            <a:endParaRPr lang="en-US"/>
+          </a:p>
+        </p:txBody>
+      </p:sp>
+      <p:sp>
+        <p:nvSpPr>
+          <p:cNvPr id="38" name="Freeform 31">
+            <a:extLst>
+              <a:ext uri="{FF2B5EF4-FFF2-40B4-BE49-F238E27FC236}">
+                <a16:creationId xmlns:a16="http://schemas.microsoft.com/office/drawing/2014/main" id="{D5BA1A12-370B-43EB-B7BC-87A24667ABA2}"/>
+              </a:ext>
+              <a:ext uri="{C183D7F6-B498-43B3-948B-1728B52AA6E4}">
+                <adec:decorative xmlns:adec="http://schemas.microsoft.com/office/drawing/2017/decorative" xmlns="" val="1"/>
+              </a:ext>
+            </a:extLst>
+          </p:cNvPr>
+          <p:cNvSpPr>
+            <a:spLocks noGrp="1" noRot="1" noChangeAspect="1" noMove="1" noResize="1" noEditPoints="1" noAdjustHandles="1" noChangeArrowheads="1" noChangeShapeType="1" noTextEdit="1"/>
+          </p:cNvSpPr>
+          <p:nvPr>
+            <p:extLst>
+              <p:ext uri="{386F3935-93C4-4BCD-93E2-E3B085C9AB24}">
+                <p16:designElem xmlns:p16="http://schemas.microsoft.com/office/powerpoint/2015/main" val="1"/>
+              </p:ext>
+            </p:extLst>
+          </p:nvPr>
+        </p:nvSpPr>
+        <p:spPr>
+          <a:xfrm flipH="1">
+            <a:off x="7463681" y="-1"/>
+            <a:ext cx="559472" cy="3709642"/>
+          </a:xfrm>
+          <a:custGeom>
+            <a:avLst/>
+            <a:gdLst>
+              <a:gd name="connsiteX0" fmla="*/ 0 w 559472"/>
+              <a:gd name="connsiteY0" fmla="*/ 0 h 3709642"/>
+              <a:gd name="connsiteX1" fmla="*/ 473952 w 559472"/>
+              <a:gd name="connsiteY1" fmla="*/ 0 h 3709642"/>
+              <a:gd name="connsiteX2" fmla="*/ 485840 w 559472"/>
+              <a:gd name="connsiteY2" fmla="*/ 161194 h 3709642"/>
+              <a:gd name="connsiteX3" fmla="*/ 523949 w 559472"/>
+              <a:gd name="connsiteY3" fmla="*/ 3672197 h 3709642"/>
+              <a:gd name="connsiteX4" fmla="*/ 454748 w 559472"/>
+              <a:gd name="connsiteY4" fmla="*/ 3709642 h 3709642"/>
+              <a:gd name="connsiteX5" fmla="*/ 448224 w 559472"/>
+              <a:gd name="connsiteY5" fmla="*/ 3510471 h 3709642"/>
+              <a:gd name="connsiteX6" fmla="*/ 443564 w 559472"/>
+              <a:gd name="connsiteY6" fmla="*/ 3408563 h 3709642"/>
+              <a:gd name="connsiteX7" fmla="*/ 438902 w 559472"/>
+              <a:gd name="connsiteY7" fmla="*/ 3304407 h 3709642"/>
+              <a:gd name="connsiteX8" fmla="*/ 433941 w 559472"/>
+              <a:gd name="connsiteY8" fmla="*/ 3198777 h 3709642"/>
+              <a:gd name="connsiteX9" fmla="*/ 427584 w 559472"/>
+              <a:gd name="connsiteY9" fmla="*/ 3092510 h 3709642"/>
+              <a:gd name="connsiteX10" fmla="*/ 420988 w 559472"/>
+              <a:gd name="connsiteY10" fmla="*/ 2984390 h 3709642"/>
+              <a:gd name="connsiteX11" fmla="*/ 414330 w 559472"/>
+              <a:gd name="connsiteY11" fmla="*/ 2874401 h 3709642"/>
+              <a:gd name="connsiteX12" fmla="*/ 406840 w 559472"/>
+              <a:gd name="connsiteY12" fmla="*/ 2762980 h 3709642"/>
+              <a:gd name="connsiteX13" fmla="*/ 397745 w 559472"/>
+              <a:gd name="connsiteY13" fmla="*/ 2650566 h 3709642"/>
+              <a:gd name="connsiteX14" fmla="*/ 389154 w 559472"/>
+              <a:gd name="connsiteY14" fmla="*/ 2536612 h 3709642"/>
+              <a:gd name="connsiteX15" fmla="*/ 379225 w 559472"/>
+              <a:gd name="connsiteY15" fmla="*/ 2421642 h 3709642"/>
+              <a:gd name="connsiteX16" fmla="*/ 368316 w 559472"/>
+              <a:gd name="connsiteY16" fmla="*/ 2305627 h 3709642"/>
+              <a:gd name="connsiteX17" fmla="*/ 357466 w 559472"/>
+              <a:gd name="connsiteY17" fmla="*/ 2189233 h 3709642"/>
+              <a:gd name="connsiteX18" fmla="*/ 344982 w 559472"/>
+              <a:gd name="connsiteY18" fmla="*/ 2071473 h 3709642"/>
+              <a:gd name="connsiteX19" fmla="*/ 332466 w 559472"/>
+              <a:gd name="connsiteY19" fmla="*/ 1952216 h 3709642"/>
+              <a:gd name="connsiteX20" fmla="*/ 319121 w 559472"/>
+              <a:gd name="connsiteY20" fmla="*/ 1833776 h 3709642"/>
+              <a:gd name="connsiteX21" fmla="*/ 304408 w 559472"/>
+              <a:gd name="connsiteY21" fmla="*/ 1713948 h 3709642"/>
+              <a:gd name="connsiteX22" fmla="*/ 288685 w 559472"/>
+              <a:gd name="connsiteY22" fmla="*/ 1592703 h 3709642"/>
+              <a:gd name="connsiteX23" fmla="*/ 273050 w 559472"/>
+              <a:gd name="connsiteY23" fmla="*/ 1471451 h 3709642"/>
+              <a:gd name="connsiteX24" fmla="*/ 255813 w 559472"/>
+              <a:gd name="connsiteY24" fmla="*/ 1350328 h 3709642"/>
+              <a:gd name="connsiteX25" fmla="*/ 237060 w 559472"/>
+              <a:gd name="connsiteY25" fmla="*/ 1227080 h 3709642"/>
+              <a:gd name="connsiteX26" fmla="*/ 218488 w 559472"/>
+              <a:gd name="connsiteY26" fmla="*/ 1106065 h 3709642"/>
+              <a:gd name="connsiteX27" fmla="*/ 198221 w 559472"/>
+              <a:gd name="connsiteY27" fmla="*/ 982940 h 3709642"/>
+              <a:gd name="connsiteX28" fmla="*/ 177152 w 559472"/>
+              <a:gd name="connsiteY28" fmla="*/ 858755 h 3709642"/>
+              <a:gd name="connsiteX29" fmla="*/ 155551 w 559472"/>
+              <a:gd name="connsiteY29" fmla="*/ 736861 h 3709642"/>
+              <a:gd name="connsiteX30" fmla="*/ 131782 w 559472"/>
+              <a:gd name="connsiteY30" fmla="*/ 613645 h 3709642"/>
+              <a:gd name="connsiteX31" fmla="*/ 107123 w 559472"/>
+              <a:gd name="connsiteY31" fmla="*/ 490500 h 3709642"/>
+              <a:gd name="connsiteX32" fmla="*/ 82552 w 559472"/>
+              <a:gd name="connsiteY32" fmla="*/ 367348 h 3709642"/>
+              <a:gd name="connsiteX33" fmla="*/ 55608 w 559472"/>
+              <a:gd name="connsiteY33" fmla="*/ 244762 h 3709642"/>
+              <a:gd name="connsiteX34" fmla="*/ 28130 w 559472"/>
+              <a:gd name="connsiteY34" fmla="*/ 122220 h 3709642"/>
+              <a:gd name="connsiteX35" fmla="*/ 0 w 559472"/>
+              <a:gd name="connsiteY35" fmla="*/ 0 h 3709642"/>
+            </a:gdLst>
+            <a:ahLst/>
+            <a:cxnLst>
+              <a:cxn ang="0">
+                <a:pos x="connsiteX0" y="connsiteY0"/>
+              </a:cxn>
+              <a:cxn ang="0">
+                <a:pos x="connsiteX1" y="connsiteY1"/>
+              </a:cxn>
+              <a:cxn ang="0">
+                <a:pos x="connsiteX2" y="connsiteY2"/>
+              </a:cxn>
+              <a:cxn ang="0">
+                <a:pos x="connsiteX3" y="connsiteY3"/>
+              </a:cxn>
+              <a:cxn ang="0">
+                <a:pos x="connsiteX4" y="connsiteY4"/>
+              </a:cxn>
+              <a:cxn ang="0">
+                <a:pos x="connsiteX5" y="connsiteY5"/>
+              </a:cxn>
+              <a:cxn ang="0">
+                <a:pos x="connsiteX6" y="connsiteY6"/>
+              </a:cxn>
+              <a:cxn ang="0">
+                <a:pos x="connsiteX7" y="connsiteY7"/>
+              </a:cxn>
+              <a:cxn ang="0">
+                <a:pos x="connsiteX8" y="connsiteY8"/>
+              </a:cxn>
+              <a:cxn ang="0">
+                <a:pos x="connsiteX9" y="connsiteY9"/>
+              </a:cxn>
+              <a:cxn ang="0">
+                <a:pos x="connsiteX10" y="connsiteY10"/>
+              </a:cxn>
+              <a:cxn ang="0">
+                <a:pos x="connsiteX11" y="connsiteY11"/>
+              </a:cxn>
+              <a:cxn ang="0">
+                <a:pos x="connsiteX12" y="connsiteY12"/>
+              </a:cxn>
+              <a:cxn ang="0">
+                <a:pos x="connsiteX13" y="connsiteY13"/>
+              </a:cxn>
+              <a:cxn ang="0">
+                <a:pos x="connsiteX14" y="connsiteY14"/>
+              </a:cxn>
+              <a:cxn ang="0">
+                <a:pos x="connsiteX15" y="connsiteY15"/>
+              </a:cxn>
+              <a:cxn ang="0">
+                <a:pos x="connsiteX16" y="connsiteY16"/>
+              </a:cxn>
+              <a:cxn ang="0">
+                <a:pos x="connsiteX17" y="connsiteY17"/>
+              </a:cxn>
+              <a:cxn ang="0">
+                <a:pos x="connsiteX18" y="connsiteY18"/>
+              </a:cxn>
+              <a:cxn ang="0">
+                <a:pos x="connsiteX19" y="connsiteY19"/>
+              </a:cxn>
+              <a:cxn ang="0">
+                <a:pos x="connsiteX20" y="connsiteY20"/>
+              </a:cxn>
+              <a:cxn ang="0">
+                <a:pos x="connsiteX21" y="connsiteY21"/>
+              </a:cxn>
+              <a:cxn ang="0">
+                <a:pos x="connsiteX22" y="connsiteY22"/>
+              </a:cxn>
+              <a:cxn ang="0">
+                <a:pos x="connsiteX23" y="connsiteY23"/>
+              </a:cxn>
+              <a:cxn ang="0">
+                <a:pos x="connsiteX24" y="connsiteY24"/>
+              </a:cxn>
+              <a:cxn ang="0">
+                <a:pos x="connsiteX25" y="connsiteY25"/>
+              </a:cxn>
+              <a:cxn ang="0">
+                <a:pos x="connsiteX26" y="connsiteY26"/>
+              </a:cxn>
+              <a:cxn ang="0">
+                <a:pos x="connsiteX27" y="connsiteY27"/>
+              </a:cxn>
+              <a:cxn ang="0">
+                <a:pos x="connsiteX28" y="connsiteY28"/>
+              </a:cxn>
+              <a:cxn ang="0">
+                <a:pos x="connsiteX29" y="connsiteY29"/>
+              </a:cxn>
+              <a:cxn ang="0">
+                <a:pos x="connsiteX30" y="connsiteY30"/>
+              </a:cxn>
+              <a:cxn ang="0">
+                <a:pos x="connsiteX31" y="connsiteY31"/>
+              </a:cxn>
+              <a:cxn ang="0">
+                <a:pos x="connsiteX32" y="connsiteY32"/>
+              </a:cxn>
+              <a:cxn ang="0">
+                <a:pos x="connsiteX33" y="connsiteY33"/>
+              </a:cxn>
+              <a:cxn ang="0">
+                <a:pos x="connsiteX34" y="connsiteY34"/>
+              </a:cxn>
+              <a:cxn ang="0">
+                <a:pos x="connsiteX35" y="connsiteY35"/>
+              </a:cxn>
+            </a:cxnLst>
+            <a:rect l="l" t="t" r="r" b="b"/>
+            <a:pathLst>
+              <a:path w="559472" h="3709642">
+                <a:moveTo>
+                  <a:pt x="0" y="0"/>
+                </a:moveTo>
+                <a:lnTo>
+                  <a:pt x="473952" y="0"/>
+                </a:lnTo>
+                <a:lnTo>
+                  <a:pt x="485840" y="161194"/>
+                </a:lnTo>
+                <a:cubicBezTo>
+                  <a:pt x="552063" y="1147770"/>
+                  <a:pt x="592441" y="3086737"/>
+                  <a:pt x="523949" y="3672197"/>
+                </a:cubicBezTo>
+                <a:cubicBezTo>
+                  <a:pt x="500842" y="3684557"/>
+                  <a:pt x="477855" y="3697282"/>
+                  <a:pt x="454748" y="3709642"/>
+                </a:cubicBezTo>
+                <a:lnTo>
+                  <a:pt x="448224" y="3510471"/>
+                </a:lnTo>
+                <a:lnTo>
+                  <a:pt x="443564" y="3408563"/>
+                </a:lnTo>
+                <a:lnTo>
+                  <a:pt x="438902" y="3304407"/>
+                </a:lnTo>
+                <a:lnTo>
+                  <a:pt x="433941" y="3198777"/>
+                </a:lnTo>
+                <a:lnTo>
+                  <a:pt x="427584" y="3092510"/>
+                </a:lnTo>
+                <a:lnTo>
+                  <a:pt x="420988" y="2984390"/>
+                </a:lnTo>
+                <a:lnTo>
+                  <a:pt x="414330" y="2874401"/>
+                </a:lnTo>
+                <a:lnTo>
+                  <a:pt x="406840" y="2762980"/>
+                </a:lnTo>
+                <a:lnTo>
+                  <a:pt x="397745" y="2650566"/>
+                </a:lnTo>
+                <a:lnTo>
+                  <a:pt x="389154" y="2536612"/>
+                </a:lnTo>
+                <a:lnTo>
+                  <a:pt x="379225" y="2421642"/>
+                </a:lnTo>
+                <a:lnTo>
+                  <a:pt x="368316" y="2305627"/>
+                </a:lnTo>
+                <a:lnTo>
+                  <a:pt x="357466" y="2189233"/>
+                </a:lnTo>
+                <a:lnTo>
+                  <a:pt x="344982" y="2071473"/>
+                </a:lnTo>
+                <a:lnTo>
+                  <a:pt x="332466" y="1952216"/>
+                </a:lnTo>
+                <a:lnTo>
+                  <a:pt x="319121" y="1833776"/>
+                </a:lnTo>
+                <a:lnTo>
+                  <a:pt x="304408" y="1713948"/>
+                </a:lnTo>
+                <a:lnTo>
+                  <a:pt x="288685" y="1592703"/>
+                </a:lnTo>
+                <a:lnTo>
+                  <a:pt x="273050" y="1471451"/>
+                </a:lnTo>
+                <a:lnTo>
+                  <a:pt x="255813" y="1350328"/>
+                </a:lnTo>
+                <a:lnTo>
+                  <a:pt x="237060" y="1227080"/>
+                </a:lnTo>
+                <a:lnTo>
+                  <a:pt x="218488" y="1106065"/>
+                </a:lnTo>
+                <a:lnTo>
+                  <a:pt x="198221" y="982940"/>
+                </a:lnTo>
+                <a:lnTo>
+                  <a:pt x="177152" y="858755"/>
+                </a:lnTo>
+                <a:lnTo>
+                  <a:pt x="155551" y="736861"/>
+                </a:lnTo>
+                <a:lnTo>
+                  <a:pt x="131782" y="613645"/>
+                </a:lnTo>
+                <a:lnTo>
+                  <a:pt x="107123" y="490500"/>
+                </a:lnTo>
+                <a:lnTo>
+                  <a:pt x="82552" y="367348"/>
+                </a:lnTo>
+                <a:lnTo>
+                  <a:pt x="55608" y="244762"/>
+                </a:lnTo>
+                <a:lnTo>
+                  <a:pt x="28130" y="122220"/>
+                </a:lnTo>
+                <a:lnTo>
+                  <a:pt x="0" y="0"/>
+                </a:lnTo>
+                <a:close/>
+              </a:path>
+            </a:pathLst>
+          </a:custGeom>
+          <a:solidFill>
+            <a:schemeClr val="tx1">
+              <a:alpha val="20000"/>
+            </a:schemeClr>
+          </a:solidFill>
+          <a:ln>
+            <a:noFill/>
+          </a:ln>
+        </p:spPr>
+        <p:txBody>
+          <a:bodyPr rtlCol="0" anchor="ctr"/>
+          <a:lstStyle/>
+          <a:p>
+            <a:pPr algn="ctr"/>
+            <a:endParaRPr lang="en-US"/>
+          </a:p>
+        </p:txBody>
+      </p:sp>
+      <p:sp>
+        <p:nvSpPr>
+          <p:cNvPr id="40" name="Freeform 5">
+            <a:extLst>
+              <a:ext uri="{FF2B5EF4-FFF2-40B4-BE49-F238E27FC236}">
+                <a16:creationId xmlns:a16="http://schemas.microsoft.com/office/drawing/2014/main" id="{95DBBBEB-F8DF-4794-86A8-BD884F7E6794}"/>
+              </a:ext>
+              <a:ext uri="{C183D7F6-B498-43B3-948B-1728B52AA6E4}">
+                <adec:decorative xmlns:adec="http://schemas.microsoft.com/office/drawing/2017/decorative" xmlns="" val="1"/>
+              </a:ext>
+            </a:extLst>
+          </p:cNvPr>
+          <p:cNvSpPr>
+            <a:spLocks noGrp="1" noRot="1" noChangeAspect="1" noMove="1" noResize="1" noEditPoints="1" noAdjustHandles="1" noChangeArrowheads="1" noChangeShapeType="1" noTextEdit="1"/>
+          </p:cNvSpPr>
+          <p:nvPr>
+            <p:extLst>
+              <p:ext uri="{386F3935-93C4-4BCD-93E2-E3B085C9AB24}">
+                <p16:designElem xmlns:p16="http://schemas.microsoft.com/office/powerpoint/2015/main" val="1"/>
+              </p:ext>
+            </p:extLst>
+          </p:nvPr>
+        </p:nvSpPr>
+        <p:spPr bwMode="gray">
+          <a:xfrm rot="5400000" flipH="1">
+            <a:off x="3708596" y="2756642"/>
+            <a:ext cx="6858000" cy="1344715"/>
+          </a:xfrm>
+          <a:custGeom>
+            <a:avLst/>
+            <a:gdLst/>
+            <a:ahLst/>
+            <a:cxnLst/>
+            <a:rect l="l" t="t" r="r" b="b"/>
+            <a:pathLst>
+              <a:path w="10000" h="8000">
+                <a:moveTo>
+                  <a:pt x="0" y="0"/>
+                </a:moveTo>
+                <a:lnTo>
+                  <a:pt x="0" y="7970"/>
+                </a:lnTo>
+                <a:lnTo>
+                  <a:pt x="10000" y="8000"/>
+                </a:lnTo>
+                <a:lnTo>
+                  <a:pt x="10000" y="7"/>
+                </a:lnTo>
+                <a:lnTo>
+                  <a:pt x="10000" y="7"/>
+                </a:lnTo>
+                <a:lnTo>
+                  <a:pt x="9773" y="156"/>
+                </a:lnTo>
+                <a:lnTo>
+                  <a:pt x="9547" y="298"/>
+                </a:lnTo>
+                <a:lnTo>
+                  <a:pt x="9320" y="437"/>
+                </a:lnTo>
+                <a:lnTo>
+                  <a:pt x="9092" y="556"/>
+                </a:lnTo>
+                <a:lnTo>
+                  <a:pt x="8865" y="676"/>
+                </a:lnTo>
+                <a:lnTo>
+                  <a:pt x="8637" y="788"/>
+                </a:lnTo>
+                <a:lnTo>
+                  <a:pt x="8412" y="884"/>
+                </a:lnTo>
+                <a:lnTo>
+                  <a:pt x="8184" y="975"/>
+                </a:lnTo>
+                <a:lnTo>
+                  <a:pt x="7957" y="1058"/>
+                </a:lnTo>
+                <a:lnTo>
+                  <a:pt x="7734" y="1130"/>
+                </a:lnTo>
+                <a:lnTo>
+                  <a:pt x="7508" y="1202"/>
+                </a:lnTo>
+                <a:lnTo>
+                  <a:pt x="7285" y="1262"/>
+                </a:lnTo>
+                <a:lnTo>
+                  <a:pt x="7062" y="1309"/>
+                </a:lnTo>
+                <a:lnTo>
+                  <a:pt x="6840" y="1358"/>
+                </a:lnTo>
+                <a:lnTo>
+                  <a:pt x="6620" y="1399"/>
+                </a:lnTo>
+                <a:lnTo>
+                  <a:pt x="6402" y="1428"/>
+                </a:lnTo>
+                <a:lnTo>
+                  <a:pt x="6184" y="1453"/>
+                </a:lnTo>
+                <a:lnTo>
+                  <a:pt x="5968" y="1477"/>
+                </a:lnTo>
+                <a:lnTo>
+                  <a:pt x="5755" y="1488"/>
+                </a:lnTo>
+                <a:lnTo>
+                  <a:pt x="5542" y="1500"/>
+                </a:lnTo>
+                <a:lnTo>
+                  <a:pt x="5332" y="1506"/>
+                </a:lnTo>
+                <a:lnTo>
+                  <a:pt x="5124" y="1500"/>
+                </a:lnTo>
+                <a:lnTo>
+                  <a:pt x="4918" y="1500"/>
+                </a:lnTo>
+                <a:lnTo>
+                  <a:pt x="4714" y="1488"/>
+                </a:lnTo>
+                <a:lnTo>
+                  <a:pt x="4514" y="1470"/>
+                </a:lnTo>
+                <a:lnTo>
+                  <a:pt x="4316" y="1453"/>
+                </a:lnTo>
+                <a:lnTo>
+                  <a:pt x="4122" y="1434"/>
+                </a:lnTo>
+                <a:lnTo>
+                  <a:pt x="3929" y="1405"/>
+                </a:lnTo>
+                <a:lnTo>
+                  <a:pt x="3739" y="1374"/>
+                </a:lnTo>
+                <a:lnTo>
+                  <a:pt x="3553" y="1346"/>
+                </a:lnTo>
+                <a:lnTo>
+                  <a:pt x="3190" y="1267"/>
+                </a:lnTo>
+                <a:lnTo>
+                  <a:pt x="2842" y="1183"/>
+                </a:lnTo>
+                <a:lnTo>
+                  <a:pt x="2508" y="1095"/>
+                </a:lnTo>
+                <a:lnTo>
+                  <a:pt x="2192" y="998"/>
+                </a:lnTo>
+                <a:lnTo>
+                  <a:pt x="1890" y="897"/>
+                </a:lnTo>
+                <a:lnTo>
+                  <a:pt x="1610" y="788"/>
+                </a:lnTo>
+                <a:lnTo>
+                  <a:pt x="1347" y="681"/>
+                </a:lnTo>
+                <a:lnTo>
+                  <a:pt x="1105" y="574"/>
+                </a:lnTo>
+                <a:lnTo>
+                  <a:pt x="883" y="473"/>
+                </a:lnTo>
+                <a:lnTo>
+                  <a:pt x="686" y="377"/>
+                </a:lnTo>
+                <a:lnTo>
+                  <a:pt x="508" y="286"/>
+                </a:lnTo>
+                <a:lnTo>
+                  <a:pt x="358" y="210"/>
+                </a:lnTo>
+                <a:lnTo>
+                  <a:pt x="232" y="138"/>
+                </a:lnTo>
+                <a:lnTo>
+                  <a:pt x="59" y="35"/>
+                </a:lnTo>
+                <a:lnTo>
+                  <a:pt x="0" y="0"/>
+                </a:lnTo>
+                <a:lnTo>
+                  <a:pt x="0" y="0"/>
+                </a:lnTo>
+                <a:close/>
+              </a:path>
+            </a:pathLst>
+          </a:custGeom>
+          <a:solidFill>
+            <a:srgbClr val="FFFFFF"/>
+          </a:solidFill>
+          <a:ln>
+            <a:noFill/>
+          </a:ln>
+        </p:spPr>
+      </p:sp>
+      <p:pic>
+        <p:nvPicPr>
+          <p:cNvPr id="4" name="Tartalom helye 3" descr="A képen szöveg, képernyőkép, Betűtípus látható&#10;&#10;Automatikusan generált leírás">
+            <a:extLst>
+              <a:ext uri="{FF2B5EF4-FFF2-40B4-BE49-F238E27FC236}">
+                <a16:creationId xmlns:a16="http://schemas.microsoft.com/office/drawing/2014/main" id="{45EDB47D-DE5C-F772-6B54-9211FA049BCE}"/>
+              </a:ext>
+            </a:extLst>
+          </p:cNvPr>
+          <p:cNvPicPr>
+            <a:picLocks noGrp="1" noChangeAspect="1"/>
+          </p:cNvPicPr>
+          <p:nvPr>
+            <p:ph idx="1"/>
+          </p:nvPr>
+        </p:nvPicPr>
+        <p:blipFill>
+          <a:blip r:embed="rId7"/>
+          <a:srcRect r="1836" b="-2"/>
+          <a:stretch/>
+        </p:blipFill>
+        <p:spPr>
+          <a:xfrm>
+            <a:off x="299112" y="364670"/>
+            <a:ext cx="6960144" cy="3475094"/>
+          </a:xfrm>
+          <a:prstGeom prst="rect">
+            <a:avLst/>
+          </a:prstGeom>
+          <a:effectLst/>
+        </p:spPr>
+      </p:pic>
+      <p:pic>
+        <p:nvPicPr>
+          <p:cNvPr id="6" name="Kép 5" descr="A képen szöveg, Betűtípus, sor, képernyőkép látható&#10;&#10;Automatikusan generált leírás">
+            <a:extLst>
+              <a:ext uri="{FF2B5EF4-FFF2-40B4-BE49-F238E27FC236}">
+                <a16:creationId xmlns:a16="http://schemas.microsoft.com/office/drawing/2014/main" id="{35546E5A-CE69-F7E2-FE7D-1250F6318AC0}"/>
+              </a:ext>
+            </a:extLst>
+          </p:cNvPr>
+          <p:cNvPicPr>
+            <a:picLocks noChangeAspect="1"/>
+          </p:cNvPicPr>
+          <p:nvPr/>
+        </p:nvPicPr>
+        <p:blipFill>
+          <a:blip r:embed="rId8"/>
+          <a:stretch>
+            <a:fillRect/>
+          </a:stretch>
+        </p:blipFill>
+        <p:spPr>
+          <a:xfrm>
+            <a:off x="295511" y="5250994"/>
+            <a:ext cx="9253347" cy="1097055"/>
+          </a:xfrm>
+          <a:prstGeom prst="rect">
+            <a:avLst/>
+          </a:prstGeom>
+          <a:effectLst/>
+        </p:spPr>
+      </p:pic>
+    </p:spTree>
+    <p:extLst>
+      <p:ext uri="{BB962C8B-B14F-4D97-AF65-F5344CB8AC3E}">
+        <p14:creationId xmlns:p14="http://schemas.microsoft.com/office/powerpoint/2010/main" val="3340070489"/>
+      </p:ext>
+    </p:extLst>
+  </p:cSld>
+  <p:clrMapOvr>
+    <a:masterClrMapping/>
+  </p:clrMapOvr>
+</p:sld>
+</file>
+
+<file path=ppt/slides/slide22.xml><?xml version="1.0" encoding="utf-8"?>
+<p:sld xmlns:a="http://schemas.openxmlformats.org/drawingml/2006/main" xmlns:r="http://schemas.openxmlformats.org/officeDocument/2006/relationships" xmlns:p="http://schemas.openxmlformats.org/presentationml/2006/main">
+  <p:cSld>
+    <p:spTree>
+      <p:nvGrpSpPr>
+        <p:cNvPr id="1" name=""/>
+        <p:cNvGrpSpPr/>
+        <p:nvPr/>
+      </p:nvGrpSpPr>
+      <p:grpSpPr>
+        <a:xfrm>
+          <a:off x="0" y="0"/>
+          <a:ext cx="0" cy="0"/>
+          <a:chOff x="0" y="0"/>
+          <a:chExt cx="0" cy="0"/>
+        </a:xfrm>
+      </p:grpSpPr>
+      <p:sp>
+        <p:nvSpPr>
+          <p:cNvPr id="2" name="Cím 1">
+            <a:extLst>
+              <a:ext uri="{FF2B5EF4-FFF2-40B4-BE49-F238E27FC236}">
                 <a16:creationId xmlns:a16="http://schemas.microsoft.com/office/drawing/2014/main" id="{7C83DE72-A24C-6766-2A0D-3AE12DD58D47}"/>
               </a:ext>
             </a:extLst>
@@ -14033,7 +14207,7 @@
                 <a16:creationId xmlns:a16="http://schemas.microsoft.com/office/drawing/2014/main" id="{81E3F4E1-B084-4FFF-9627-13782BE0BE4A}"/>
               </a:ext>
               <a:ext uri="{C183D7F6-B498-43B3-948B-1728B52AA6E4}">
-                <adec:decorative xmlns:adec="http://schemas.microsoft.com/office/drawing/2017/decorative" val="1"/>
+                <adec:decorative xmlns:adec="http://schemas.microsoft.com/office/drawing/2017/decorative" xmlns="" val="1"/>
               </a:ext>
             </a:extLst>
           </p:cNvPr>
@@ -14149,7 +14323,7 @@
                 <a16:creationId xmlns:a16="http://schemas.microsoft.com/office/drawing/2014/main" id="{1F8051AB-C2F8-461F-812A-3E58862141B3}"/>
               </a:ext>
               <a:ext uri="{C183D7F6-B498-43B3-948B-1728B52AA6E4}">
-                <adec:decorative xmlns:adec="http://schemas.microsoft.com/office/drawing/2017/decorative" val="1"/>
+                <adec:decorative xmlns:adec="http://schemas.microsoft.com/office/drawing/2017/decorative" xmlns="" val="1"/>
               </a:ext>
             </a:extLst>
           </p:cNvPr>
@@ -14641,7 +14815,7 @@
                 <a16:creationId xmlns:a16="http://schemas.microsoft.com/office/drawing/2014/main" id="{481E0C28-CB2F-425F-98C5-AF23B9B704DF}"/>
               </a:ext>
               <a:ext uri="{C183D7F6-B498-43B3-948B-1728B52AA6E4}">
-                <adec:decorative xmlns:adec="http://schemas.microsoft.com/office/drawing/2017/decorative" val="1"/>
+                <adec:decorative xmlns:adec="http://schemas.microsoft.com/office/drawing/2017/decorative" xmlns="" val="1"/>
               </a:ext>
             </a:extLst>
           </p:cNvPr>
@@ -14993,7 +15167,7 @@
                 <a16:creationId xmlns:a16="http://schemas.microsoft.com/office/drawing/2014/main" id="{2DB2879C-F0B1-4195-A323-E97B6065A78E}"/>
               </a:ext>
               <a:ext uri="{C183D7F6-B498-43B3-948B-1728B52AA6E4}">
-                <adec:decorative xmlns:adec="http://schemas.microsoft.com/office/drawing/2017/decorative" val="1"/>
+                <adec:decorative xmlns:adec="http://schemas.microsoft.com/office/drawing/2017/decorative" xmlns="" val="1"/>
               </a:ext>
             </a:extLst>
           </p:cNvPr>
@@ -23334,7 +23508,7 @@
                 <a16:creationId xmlns:a16="http://schemas.microsoft.com/office/drawing/2014/main" id="{C9134821-5D8B-4373-BA74-CFE9AB35A55A}"/>
               </a:ext>
               <a:ext uri="{C183D7F6-B498-43B3-948B-1728B52AA6E4}">
-                <adec:decorative xmlns:adec="http://schemas.microsoft.com/office/drawing/2017/decorative" val="1"/>
+                <adec:decorative xmlns:adec="http://schemas.microsoft.com/office/drawing/2017/decorative" xmlns="" val="1"/>
               </a:ext>
             </a:extLst>
           </p:cNvPr>
@@ -23378,7 +23552,7 @@
                 <a16:creationId xmlns:a16="http://schemas.microsoft.com/office/drawing/2014/main" id="{5965195F-79F5-4911-907D-13CB3F534351}"/>
               </a:ext>
               <a:ext uri="{C183D7F6-B498-43B3-948B-1728B52AA6E4}">
-                <adec:decorative xmlns:adec="http://schemas.microsoft.com/office/drawing/2017/decorative" val="1"/>
+                <adec:decorative xmlns:adec="http://schemas.microsoft.com/office/drawing/2017/decorative" xmlns="" val="1"/>
               </a:ext>
             </a:extLst>
           </p:cNvPr>
@@ -23422,7 +23596,7 @@
                 <a16:creationId xmlns:a16="http://schemas.microsoft.com/office/drawing/2014/main" id="{8A610DC7-FE1B-47B9-8452-CFC389786C2D}"/>
               </a:ext>
               <a:ext uri="{C183D7F6-B498-43B3-948B-1728B52AA6E4}">
-                <adec:decorative xmlns:adec="http://schemas.microsoft.com/office/drawing/2017/decorative" val="1"/>
+                <adec:decorative xmlns:adec="http://schemas.microsoft.com/office/drawing/2017/decorative" xmlns="" val="1"/>
               </a:ext>
             </a:extLst>
           </p:cNvPr>
@@ -23496,7 +23670,7 @@
                 <a16:creationId xmlns:a16="http://schemas.microsoft.com/office/drawing/2014/main" id="{2742ADC1-2286-40B7-A3C6-D6C3362FA04B}"/>
               </a:ext>
               <a:ext uri="{C183D7F6-B498-43B3-948B-1728B52AA6E4}">
-                <adec:decorative xmlns:adec="http://schemas.microsoft.com/office/drawing/2017/decorative" val="1"/>
+                <adec:decorative xmlns:adec="http://schemas.microsoft.com/office/drawing/2017/decorative" xmlns="" val="1"/>
               </a:ext>
             </a:extLst>
           </p:cNvPr>
@@ -23540,7 +23714,7 @@
                 <a16:creationId xmlns:a16="http://schemas.microsoft.com/office/drawing/2014/main" id="{C878FBDC-78F2-4D49-8DB3-1A48CA9F7FC0}"/>
               </a:ext>
               <a:ext uri="{C183D7F6-B498-43B3-948B-1728B52AA6E4}">
-                <adec:decorative xmlns:adec="http://schemas.microsoft.com/office/drawing/2017/decorative" val="1"/>
+                <adec:decorative xmlns:adec="http://schemas.microsoft.com/office/drawing/2017/decorative" xmlns="" val="1"/>
               </a:ext>
             </a:extLst>
           </p:cNvPr>
@@ -23584,7 +23758,7 @@
                 <a16:creationId xmlns:a16="http://schemas.microsoft.com/office/drawing/2014/main" id="{DC9A0934-0C2C-4565-9290-A345B19BD94C}"/>
               </a:ext>
               <a:ext uri="{C183D7F6-B498-43B3-948B-1728B52AA6E4}">
-                <adec:decorative xmlns:adec="http://schemas.microsoft.com/office/drawing/2017/decorative" val="1"/>
+                <adec:decorative xmlns:adec="http://schemas.microsoft.com/office/drawing/2017/decorative" xmlns="" val="1"/>
               </a:ext>
             </a:extLst>
           </p:cNvPr>
@@ -23637,7 +23811,7 @@
                 <a16:creationId xmlns:a16="http://schemas.microsoft.com/office/drawing/2014/main" id="{0D4359AF-7256-4C60-9759-E796CFF40077}"/>
               </a:ext>
               <a:ext uri="{C183D7F6-B498-43B3-948B-1728B52AA6E4}">
-                <adec:decorative xmlns:adec="http://schemas.microsoft.com/office/drawing/2017/decorative" val="1"/>
+                <adec:decorative xmlns:adec="http://schemas.microsoft.com/office/drawing/2017/decorative" xmlns="" val="1"/>
               </a:ext>
             </a:extLst>
           </p:cNvPr>
@@ -23700,7 +23874,7 @@
                 <a16:creationId xmlns:a16="http://schemas.microsoft.com/office/drawing/2014/main" id="{340782AB-F63E-4996-ACC3-9F141BEAD44A}"/>
               </a:ext>
               <a:ext uri="{C183D7F6-B498-43B3-948B-1728B52AA6E4}">
-                <adec:decorative xmlns:adec="http://schemas.microsoft.com/office/drawing/2017/decorative" val="1"/>
+                <adec:decorative xmlns:adec="http://schemas.microsoft.com/office/drawing/2017/decorative" xmlns="" val="1"/>
               </a:ext>
             </a:extLst>
           </p:cNvPr>
@@ -23753,7 +23927,7 @@
                 <a16:creationId xmlns:a16="http://schemas.microsoft.com/office/drawing/2014/main" id="{EFF73443-A1E0-4E5D-8332-FD14F242237B}"/>
               </a:ext>
               <a:ext uri="{C183D7F6-B498-43B3-948B-1728B52AA6E4}">
-                <adec:decorative xmlns:adec="http://schemas.microsoft.com/office/drawing/2017/decorative" val="1"/>
+                <adec:decorative xmlns:adec="http://schemas.microsoft.com/office/drawing/2017/decorative" xmlns="" val="1"/>
               </a:ext>
             </a:extLst>
           </p:cNvPr>
@@ -24117,7 +24291,7 @@
                 <a16:creationId xmlns:a16="http://schemas.microsoft.com/office/drawing/2014/main" id="{8F9D937A-C73E-4D45-976D-91588160770F}"/>
               </a:ext>
               <a:ext uri="{C183D7F6-B498-43B3-948B-1728B52AA6E4}">
-                <adec:decorative xmlns:adec="http://schemas.microsoft.com/office/drawing/2017/decorative" val="1"/>
+                <adec:decorative xmlns:adec="http://schemas.microsoft.com/office/drawing/2017/decorative" xmlns="" val="1"/>
               </a:ext>
             </a:extLst>
           </p:cNvPr>
@@ -24177,7 +24351,7 @@
                 <a16:creationId xmlns:a16="http://schemas.microsoft.com/office/drawing/2014/main" id="{90681C35-61CA-4FDB-8327-1EFEC0462DC2}"/>
               </a:ext>
               <a:ext uri="{C183D7F6-B498-43B3-948B-1728B52AA6E4}">
-                <adec:decorative xmlns:adec="http://schemas.microsoft.com/office/drawing/2017/decorative" val="1"/>
+                <adec:decorative xmlns:adec="http://schemas.microsoft.com/office/drawing/2017/decorative" xmlns="" val="1"/>
               </a:ext>
             </a:extLst>
           </p:cNvPr>

--- a/Tacos KFT.pptx
+++ b/Tacos KFT.pptx
@@ -6,27 +6,28 @@
   </p:sldMasterIdLst>
   <p:sldIdLst>
     <p:sldId id="256" r:id="rId2"/>
-    <p:sldId id="257" r:id="rId3"/>
-    <p:sldId id="258" r:id="rId4"/>
-    <p:sldId id="259" r:id="rId5"/>
-    <p:sldId id="261" r:id="rId6"/>
-    <p:sldId id="264" r:id="rId7"/>
-    <p:sldId id="262" r:id="rId8"/>
-    <p:sldId id="269" r:id="rId9"/>
-    <p:sldId id="275" r:id="rId10"/>
-    <p:sldId id="263" r:id="rId11"/>
-    <p:sldId id="265" r:id="rId12"/>
-    <p:sldId id="267" r:id="rId13"/>
-    <p:sldId id="268" r:id="rId14"/>
-    <p:sldId id="274" r:id="rId15"/>
-    <p:sldId id="278" r:id="rId16"/>
-    <p:sldId id="279" r:id="rId17"/>
-    <p:sldId id="270" r:id="rId18"/>
-    <p:sldId id="271" r:id="rId19"/>
-    <p:sldId id="272" r:id="rId20"/>
-    <p:sldId id="276" r:id="rId21"/>
-    <p:sldId id="277" r:id="rId22"/>
-    <p:sldId id="273" r:id="rId23"/>
+    <p:sldId id="280" r:id="rId3"/>
+    <p:sldId id="257" r:id="rId4"/>
+    <p:sldId id="258" r:id="rId5"/>
+    <p:sldId id="259" r:id="rId6"/>
+    <p:sldId id="261" r:id="rId7"/>
+    <p:sldId id="264" r:id="rId8"/>
+    <p:sldId id="262" r:id="rId9"/>
+    <p:sldId id="269" r:id="rId10"/>
+    <p:sldId id="275" r:id="rId11"/>
+    <p:sldId id="263" r:id="rId12"/>
+    <p:sldId id="265" r:id="rId13"/>
+    <p:sldId id="267" r:id="rId14"/>
+    <p:sldId id="268" r:id="rId15"/>
+    <p:sldId id="274" r:id="rId16"/>
+    <p:sldId id="278" r:id="rId17"/>
+    <p:sldId id="279" r:id="rId18"/>
+    <p:sldId id="270" r:id="rId19"/>
+    <p:sldId id="271" r:id="rId20"/>
+    <p:sldId id="272" r:id="rId21"/>
+    <p:sldId id="276" r:id="rId22"/>
+    <p:sldId id="277" r:id="rId23"/>
+    <p:sldId id="273" r:id="rId24"/>
   </p:sldIdLst>
   <p:sldSz cx="12192000" cy="6858000"/>
   <p:notesSz cx="6858000" cy="9144000"/>
@@ -9445,22 +9446,189 @@
   <p:clrMapOvr>
     <a:masterClrMapping/>
   </p:clrMapOvr>
-  <mc:AlternateContent xmlns:mc="http://schemas.openxmlformats.org/markup-compatibility/2006" xmlns:p14="http://schemas.microsoft.com/office/powerpoint/2010/main">
-    <mc:Choice Requires="p14">
-      <p:transition p14:dur="100">
-        <p:cut/>
-      </p:transition>
-    </mc:Choice>
-    <mc:Fallback xmlns="">
-      <p:transition>
-        <p:cut/>
-      </p:transition>
-    </mc:Fallback>
-  </mc:AlternateContent>
+  <p:transition spd="slow">
+    <p:push dir="u"/>
+  </p:transition>
+  <p:timing>
+    <p:tnLst>
+      <p:par>
+        <p:cTn id="1" dur="indefinite" restart="never" nodeType="tmRoot"/>
+      </p:par>
+    </p:tnLst>
+  </p:timing>
 </p:sld>
 </file>
 
 <file path=ppt/slides/slide10.xml><?xml version="1.0" encoding="utf-8"?>
+<p:sld xmlns:a="http://schemas.openxmlformats.org/drawingml/2006/main" xmlns:r="http://schemas.openxmlformats.org/officeDocument/2006/relationships" xmlns:p="http://schemas.openxmlformats.org/presentationml/2006/main">
+  <p:cSld>
+    <p:bg>
+      <p:bgPr>
+        <a:blipFill rotWithShape="1">
+          <a:blip r:embed="rId2">
+            <a:duotone>
+              <a:schemeClr val="bg2">
+                <a:shade val="69000"/>
+                <a:hueMod val="108000"/>
+                <a:satMod val="164000"/>
+                <a:lumMod val="74000"/>
+              </a:schemeClr>
+              <a:schemeClr val="bg2">
+                <a:tint val="96000"/>
+                <a:hueMod val="88000"/>
+                <a:satMod val="140000"/>
+                <a:lumMod val="132000"/>
+              </a:schemeClr>
+            </a:duotone>
+          </a:blip>
+          <a:stretch/>
+        </a:blipFill>
+        <a:effectLst/>
+      </p:bgPr>
+    </p:bg>
+    <p:spTree>
+      <p:nvGrpSpPr>
+        <p:cNvPr id="1" name=""/>
+        <p:cNvGrpSpPr/>
+        <p:nvPr/>
+      </p:nvGrpSpPr>
+      <p:grpSpPr>
+        <a:xfrm>
+          <a:off x="0" y="0"/>
+          <a:ext cx="0" cy="0"/>
+          <a:chOff x="0" y="0"/>
+          <a:chExt cx="0" cy="0"/>
+        </a:xfrm>
+      </p:grpSpPr>
+      <p:sp>
+        <p:nvSpPr>
+          <p:cNvPr id="2" name="Cím 1">
+            <a:extLst>
+              <a:ext uri="{FF2B5EF4-FFF2-40B4-BE49-F238E27FC236}">
+                <a16:creationId xmlns:a16="http://schemas.microsoft.com/office/drawing/2014/main" id="{41C89C22-643B-7BB0-41D0-90D359CFCBC2}"/>
+              </a:ext>
+            </a:extLst>
+          </p:cNvPr>
+          <p:cNvSpPr>
+            <a:spLocks noGrp="1"/>
+          </p:cNvSpPr>
+          <p:nvPr>
+            <p:ph type="title"/>
+          </p:nvPr>
+        </p:nvSpPr>
+        <p:spPr>
+          <a:xfrm>
+            <a:off x="646112" y="452718"/>
+            <a:ext cx="4165580" cy="1400530"/>
+          </a:xfrm>
+        </p:spPr>
+        <p:txBody>
+          <a:bodyPr>
+            <a:normAutofit/>
+          </a:bodyPr>
+          <a:lstStyle/>
+          <a:p>
+            <a:r>
+              <a:rPr lang="hu-HU" sz="3900"/>
+              <a:t>Port-</a:t>
+            </a:r>
+            <a:r>
+              <a:rPr lang="hu-HU" sz="3900" err="1"/>
+              <a:t>security</a:t>
+            </a:r>
+            <a:r>
+              <a:rPr lang="hu-HU" sz="3900"/>
+              <a:t> a Webszerver felé</a:t>
+            </a:r>
+          </a:p>
+        </p:txBody>
+      </p:sp>
+      <p:pic>
+        <p:nvPicPr>
+          <p:cNvPr id="4" name="Tartalom helye 3" descr="A képen szöveg, Betűtípus, képernyőkép, fehér látható&#10;&#10;Automatikusan generált leírás">
+            <a:extLst>
+              <a:ext uri="{FF2B5EF4-FFF2-40B4-BE49-F238E27FC236}">
+                <a16:creationId xmlns:a16="http://schemas.microsoft.com/office/drawing/2014/main" id="{32ABE023-0A3A-0691-7948-21C8B62BBF26}"/>
+              </a:ext>
+            </a:extLst>
+          </p:cNvPr>
+          <p:cNvPicPr>
+            <a:picLocks noChangeAspect="1"/>
+          </p:cNvPicPr>
+          <p:nvPr/>
+        </p:nvPicPr>
+        <p:blipFill>
+          <a:blip r:embed="rId3"/>
+          <a:stretch>
+            <a:fillRect/>
+          </a:stretch>
+        </p:blipFill>
+        <p:spPr>
+          <a:xfrm>
+            <a:off x="324981" y="3555404"/>
+            <a:ext cx="5449471" cy="1811773"/>
+          </a:xfrm>
+          <a:prstGeom prst="rect">
+            <a:avLst/>
+          </a:prstGeom>
+          <a:effectLst/>
+        </p:spPr>
+      </p:pic>
+      <p:pic>
+        <p:nvPicPr>
+          <p:cNvPr id="5" name="Kép 4" descr="A képen szöveg, diagram, kör, képernyőkép látható&#10;&#10;Automatikusan generált leírás">
+            <a:extLst>
+              <a:ext uri="{FF2B5EF4-FFF2-40B4-BE49-F238E27FC236}">
+                <a16:creationId xmlns:a16="http://schemas.microsoft.com/office/drawing/2014/main" id="{F01AC7D0-DE81-52AA-0978-02F26BECBB1A}"/>
+              </a:ext>
+            </a:extLst>
+          </p:cNvPr>
+          <p:cNvPicPr>
+            <a:picLocks noChangeAspect="1"/>
+          </p:cNvPicPr>
+          <p:nvPr/>
+        </p:nvPicPr>
+        <p:blipFill>
+          <a:blip r:embed="rId4"/>
+          <a:stretch>
+            <a:fillRect/>
+          </a:stretch>
+        </p:blipFill>
+        <p:spPr>
+          <a:xfrm>
+            <a:off x="6654702" y="2527226"/>
+            <a:ext cx="4503058" cy="3242202"/>
+          </a:xfrm>
+          <a:prstGeom prst="rect">
+            <a:avLst/>
+          </a:prstGeom>
+          <a:effectLst/>
+        </p:spPr>
+      </p:pic>
+    </p:spTree>
+    <p:extLst>
+      <p:ext uri="{BB962C8B-B14F-4D97-AF65-F5344CB8AC3E}">
+        <p14:creationId xmlns:p14="http://schemas.microsoft.com/office/powerpoint/2010/main" val="4254097667"/>
+      </p:ext>
+    </p:extLst>
+  </p:cSld>
+  <p:clrMapOvr>
+    <a:masterClrMapping/>
+  </p:clrMapOvr>
+  <p:transition spd="slow">
+    <p:push dir="u"/>
+  </p:transition>
+  <p:timing>
+    <p:tnLst>
+      <p:par>
+        <p:cTn id="1" dur="indefinite" restart="never" nodeType="tmRoot"/>
+      </p:par>
+    </p:tnLst>
+  </p:timing>
+</p:sld>
+</file>
+
+<file path=ppt/slides/slide11.xml><?xml version="1.0" encoding="utf-8"?>
 <p:sld xmlns:a="http://schemas.openxmlformats.org/drawingml/2006/main" xmlns:r="http://schemas.openxmlformats.org/officeDocument/2006/relationships" xmlns:p="http://schemas.openxmlformats.org/presentationml/2006/main">
   <p:cSld>
     <p:spTree>
@@ -9686,22 +9854,20 @@
   <p:clrMapOvr>
     <a:masterClrMapping/>
   </p:clrMapOvr>
-  <mc:AlternateContent xmlns:mc="http://schemas.openxmlformats.org/markup-compatibility/2006" xmlns:p14="http://schemas.microsoft.com/office/powerpoint/2010/main">
-    <mc:Choice Requires="p14">
-      <p:transition p14:dur="100">
-        <p:cut/>
-      </p:transition>
-    </mc:Choice>
-    <mc:Fallback xmlns="">
-      <p:transition>
-        <p:cut/>
-      </p:transition>
-    </mc:Fallback>
-  </mc:AlternateContent>
+  <p:transition spd="slow">
+    <p:push dir="u"/>
+  </p:transition>
+  <p:timing>
+    <p:tnLst>
+      <p:par>
+        <p:cTn id="1" dur="indefinite" restart="never" nodeType="tmRoot"/>
+      </p:par>
+    </p:tnLst>
+  </p:timing>
 </p:sld>
 </file>
 
-<file path=ppt/slides/slide11.xml><?xml version="1.0" encoding="utf-8"?>
+<file path=ppt/slides/slide12.xml><?xml version="1.0" encoding="utf-8"?>
 <p:sld xmlns:a="http://schemas.openxmlformats.org/drawingml/2006/main" xmlns:r="http://schemas.openxmlformats.org/officeDocument/2006/relationships" xmlns:p="http://schemas.openxmlformats.org/presentationml/2006/main">
   <p:cSld>
     <p:bg>
@@ -9981,22 +10147,20 @@
   <p:clrMapOvr>
     <a:masterClrMapping/>
   </p:clrMapOvr>
-  <mc:AlternateContent xmlns:mc="http://schemas.openxmlformats.org/markup-compatibility/2006" xmlns:p14="http://schemas.microsoft.com/office/powerpoint/2010/main">
-    <mc:Choice Requires="p14">
-      <p:transition p14:dur="100">
-        <p:cut/>
-      </p:transition>
-    </mc:Choice>
-    <mc:Fallback xmlns="">
-      <p:transition>
-        <p:cut/>
-      </p:transition>
-    </mc:Fallback>
-  </mc:AlternateContent>
+  <p:transition spd="slow">
+    <p:push dir="u"/>
+  </p:transition>
+  <p:timing>
+    <p:tnLst>
+      <p:par>
+        <p:cTn id="1" dur="indefinite" restart="never" nodeType="tmRoot"/>
+      </p:par>
+    </p:tnLst>
+  </p:timing>
 </p:sld>
 </file>
 
-<file path=ppt/slides/slide12.xml><?xml version="1.0" encoding="utf-8"?>
+<file path=ppt/slides/slide13.xml><?xml version="1.0" encoding="utf-8"?>
 <p:sld xmlns:a="http://schemas.openxmlformats.org/drawingml/2006/main" xmlns:r="http://schemas.openxmlformats.org/officeDocument/2006/relationships" xmlns:p="http://schemas.openxmlformats.org/presentationml/2006/main">
   <p:cSld>
     <p:bg>
@@ -10044,7 +10208,7 @@
                 <a16:creationId xmlns:a16="http://schemas.microsoft.com/office/drawing/2014/main" id="{43D1E811-F82C-4FC0-8611-6CFC73FD9613}"/>
               </a:ext>
               <a:ext uri="{C183D7F6-B498-43B3-948B-1728B52AA6E4}">
-                <adec:decorative xmlns:adec="http://schemas.microsoft.com/office/drawing/2017/decorative" xmlns="" val="1"/>
+                <adec:decorative xmlns="" xmlns:adec="http://schemas.microsoft.com/office/drawing/2017/decorative" val="1"/>
               </a:ext>
             </a:extLst>
           </p:cNvPr>
@@ -10088,7 +10252,7 @@
                 <a16:creationId xmlns:a16="http://schemas.microsoft.com/office/drawing/2014/main" id="{AAC6183A-13DD-465B-9338-4D7F5D52394F}"/>
               </a:ext>
               <a:ext uri="{C183D7F6-B498-43B3-948B-1728B52AA6E4}">
-                <adec:decorative xmlns:adec="http://schemas.microsoft.com/office/drawing/2017/decorative" xmlns="" val="1"/>
+                <adec:decorative xmlns="" xmlns:adec="http://schemas.microsoft.com/office/drawing/2017/decorative" val="1"/>
               </a:ext>
             </a:extLst>
           </p:cNvPr>
@@ -10132,7 +10296,7 @@
                 <a16:creationId xmlns:a16="http://schemas.microsoft.com/office/drawing/2014/main" id="{15BF20A1-7C3A-4BEC-BE35-8AA3E9F011CA}"/>
               </a:ext>
               <a:ext uri="{C183D7F6-B498-43B3-948B-1728B52AA6E4}">
-                <adec:decorative xmlns:adec="http://schemas.microsoft.com/office/drawing/2017/decorative" xmlns="" val="1"/>
+                <adec:decorative xmlns="" xmlns:adec="http://schemas.microsoft.com/office/drawing/2017/decorative" val="1"/>
               </a:ext>
             </a:extLst>
           </p:cNvPr>
@@ -10206,7 +10370,7 @@
                 <a16:creationId xmlns:a16="http://schemas.microsoft.com/office/drawing/2014/main" id="{46D3BD4A-EBCB-4B8A-BA9C-A6927EB621A0}"/>
               </a:ext>
               <a:ext uri="{C183D7F6-B498-43B3-948B-1728B52AA6E4}">
-                <adec:decorative xmlns:adec="http://schemas.microsoft.com/office/drawing/2017/decorative" xmlns="" val="1"/>
+                <adec:decorative xmlns="" xmlns:adec="http://schemas.microsoft.com/office/drawing/2017/decorative" val="1"/>
               </a:ext>
             </a:extLst>
           </p:cNvPr>
@@ -10250,7 +10414,7 @@
                 <a16:creationId xmlns:a16="http://schemas.microsoft.com/office/drawing/2014/main" id="{F483E078-4237-4FFA-8437-F7E6C799F7BE}"/>
               </a:ext>
               <a:ext uri="{C183D7F6-B498-43B3-948B-1728B52AA6E4}">
-                <adec:decorative xmlns:adec="http://schemas.microsoft.com/office/drawing/2017/decorative" xmlns="" val="1"/>
+                <adec:decorative xmlns="" xmlns:adec="http://schemas.microsoft.com/office/drawing/2017/decorative" val="1"/>
               </a:ext>
             </a:extLst>
           </p:cNvPr>
@@ -10294,7 +10458,7 @@
                 <a16:creationId xmlns:a16="http://schemas.microsoft.com/office/drawing/2014/main" id="{7FDEDC12-69DE-40B2-9801-E7FFEC7C1727}"/>
               </a:ext>
               <a:ext uri="{C183D7F6-B498-43B3-948B-1728B52AA6E4}">
-                <adec:decorative xmlns:adec="http://schemas.microsoft.com/office/drawing/2017/decorative" xmlns="" val="1"/>
+                <adec:decorative xmlns="" xmlns:adec="http://schemas.microsoft.com/office/drawing/2017/decorative" val="1"/>
               </a:ext>
             </a:extLst>
           </p:cNvPr>
@@ -10450,22 +10614,20 @@
   <p:clrMapOvr>
     <a:masterClrMapping/>
   </p:clrMapOvr>
-  <mc:AlternateContent xmlns:mc="http://schemas.openxmlformats.org/markup-compatibility/2006" xmlns:p14="http://schemas.microsoft.com/office/powerpoint/2010/main">
-    <mc:Choice Requires="p14">
-      <p:transition p14:dur="100">
-        <p:cut/>
-      </p:transition>
-    </mc:Choice>
-    <mc:Fallback xmlns="">
-      <p:transition>
-        <p:cut/>
-      </p:transition>
-    </mc:Fallback>
-  </mc:AlternateContent>
+  <p:transition spd="slow">
+    <p:push dir="u"/>
+  </p:transition>
+  <p:timing>
+    <p:tnLst>
+      <p:par>
+        <p:cTn id="1" dur="indefinite" restart="never" nodeType="tmRoot"/>
+      </p:par>
+    </p:tnLst>
+  </p:timing>
 </p:sld>
 </file>
 
-<file path=ppt/slides/slide13.xml><?xml version="1.0" encoding="utf-8"?>
+<file path=ppt/slides/slide14.xml><?xml version="1.0" encoding="utf-8"?>
 <p:sld xmlns:a="http://schemas.openxmlformats.org/drawingml/2006/main" xmlns:r="http://schemas.openxmlformats.org/officeDocument/2006/relationships" xmlns:p="http://schemas.openxmlformats.org/presentationml/2006/main">
   <p:cSld>
     <p:bg>
@@ -10644,22 +10806,20 @@
   <p:clrMapOvr>
     <a:masterClrMapping/>
   </p:clrMapOvr>
-  <mc:AlternateContent xmlns:mc="http://schemas.openxmlformats.org/markup-compatibility/2006" xmlns:p14="http://schemas.microsoft.com/office/powerpoint/2010/main">
-    <mc:Choice Requires="p14">
-      <p:transition p14:dur="100">
-        <p:cut/>
-      </p:transition>
-    </mc:Choice>
-    <mc:Fallback xmlns="">
-      <p:transition>
-        <p:cut/>
-      </p:transition>
-    </mc:Fallback>
-  </mc:AlternateContent>
+  <p:transition spd="slow">
+    <p:push dir="u"/>
+  </p:transition>
+  <p:timing>
+    <p:tnLst>
+      <p:par>
+        <p:cTn id="1" dur="indefinite" restart="never" nodeType="tmRoot"/>
+      </p:par>
+    </p:tnLst>
+  </p:timing>
 </p:sld>
 </file>
 
-<file path=ppt/slides/slide14.xml><?xml version="1.0" encoding="utf-8"?>
+<file path=ppt/slides/slide15.xml><?xml version="1.0" encoding="utf-8"?>
 <p:sld xmlns:a="http://schemas.openxmlformats.org/drawingml/2006/main" xmlns:r="http://schemas.openxmlformats.org/officeDocument/2006/relationships" xmlns:p="http://schemas.openxmlformats.org/presentationml/2006/main">
   <p:cSld>
     <p:spTree>
@@ -10884,22 +11044,20 @@
   <p:clrMapOvr>
     <a:masterClrMapping/>
   </p:clrMapOvr>
-  <mc:AlternateContent xmlns:mc="http://schemas.openxmlformats.org/markup-compatibility/2006" xmlns:p14="http://schemas.microsoft.com/office/powerpoint/2010/main">
-    <mc:Choice Requires="p14">
-      <p:transition p14:dur="100">
-        <p:cut/>
-      </p:transition>
-    </mc:Choice>
-    <mc:Fallback xmlns="">
-      <p:transition>
-        <p:cut/>
-      </p:transition>
-    </mc:Fallback>
-  </mc:AlternateContent>
+  <p:transition spd="slow">
+    <p:push dir="u"/>
+  </p:transition>
+  <p:timing>
+    <p:tnLst>
+      <p:par>
+        <p:cTn id="1" dur="indefinite" restart="never" nodeType="tmRoot"/>
+      </p:par>
+    </p:tnLst>
+  </p:timing>
 </p:sld>
 </file>
 
-<file path=ppt/slides/slide15.xml><?xml version="1.0" encoding="utf-8"?>
+<file path=ppt/slides/slide16.xml><?xml version="1.0" encoding="utf-8"?>
 <p:sld xmlns:a="http://schemas.openxmlformats.org/drawingml/2006/main" xmlns:r="http://schemas.openxmlformats.org/officeDocument/2006/relationships" xmlns:p="http://schemas.openxmlformats.org/presentationml/2006/main">
   <p:cSld>
     <p:spTree>
@@ -10982,10 +11140,20 @@
   <p:clrMapOvr>
     <a:masterClrMapping/>
   </p:clrMapOvr>
+  <p:transition spd="slow">
+    <p:push dir="u"/>
+  </p:transition>
+  <p:timing>
+    <p:tnLst>
+      <p:par>
+        <p:cTn id="1" dur="indefinite" restart="never" nodeType="tmRoot"/>
+      </p:par>
+    </p:tnLst>
+  </p:timing>
 </p:sld>
 </file>
 
-<file path=ppt/slides/slide16.xml><?xml version="1.0" encoding="utf-8"?>
+<file path=ppt/slides/slide17.xml><?xml version="1.0" encoding="utf-8"?>
 <p:sld xmlns:a="http://schemas.openxmlformats.org/drawingml/2006/main" xmlns:r="http://schemas.openxmlformats.org/officeDocument/2006/relationships" xmlns:p="http://schemas.openxmlformats.org/presentationml/2006/main">
   <p:cSld>
     <p:spTree>
@@ -11068,10 +11236,20 @@
   <p:clrMapOvr>
     <a:masterClrMapping/>
   </p:clrMapOvr>
+  <p:transition spd="slow">
+    <p:push dir="u"/>
+  </p:transition>
+  <p:timing>
+    <p:tnLst>
+      <p:par>
+        <p:cTn id="1" dur="indefinite" restart="never" nodeType="tmRoot"/>
+      </p:par>
+    </p:tnLst>
+  </p:timing>
 </p:sld>
 </file>
 
-<file path=ppt/slides/slide17.xml><?xml version="1.0" encoding="utf-8"?>
+<file path=ppt/slides/slide18.xml><?xml version="1.0" encoding="utf-8"?>
 <p:sld xmlns:a="http://schemas.openxmlformats.org/drawingml/2006/main" xmlns:r="http://schemas.openxmlformats.org/officeDocument/2006/relationships" xmlns:p="http://schemas.openxmlformats.org/presentationml/2006/main">
   <p:cSld>
     <p:spTree>
@@ -11151,22 +11329,20 @@
   <p:clrMapOvr>
     <a:masterClrMapping/>
   </p:clrMapOvr>
-  <mc:AlternateContent xmlns:mc="http://schemas.openxmlformats.org/markup-compatibility/2006" xmlns:p14="http://schemas.microsoft.com/office/powerpoint/2010/main">
-    <mc:Choice Requires="p14">
-      <p:transition p14:dur="100">
-        <p:cut/>
-      </p:transition>
-    </mc:Choice>
-    <mc:Fallback xmlns="">
-      <p:transition>
-        <p:cut/>
-      </p:transition>
-    </mc:Fallback>
-  </mc:AlternateContent>
+  <p:transition spd="slow">
+    <p:push dir="u"/>
+  </p:transition>
+  <p:timing>
+    <p:tnLst>
+      <p:par>
+        <p:cTn id="1" dur="indefinite" restart="never" nodeType="tmRoot"/>
+      </p:par>
+    </p:tnLst>
+  </p:timing>
 </p:sld>
 </file>
 
-<file path=ppt/slides/slide18.xml><?xml version="1.0" encoding="utf-8"?>
+<file path=ppt/slides/slide19.xml><?xml version="1.0" encoding="utf-8"?>
 <p:sld xmlns:a="http://schemas.openxmlformats.org/drawingml/2006/main" xmlns:r="http://schemas.openxmlformats.org/officeDocument/2006/relationships" xmlns:p="http://schemas.openxmlformats.org/presentationml/2006/main">
   <p:cSld>
     <p:bg>
@@ -11527,22 +11703,1200 @@
   <p:clrMapOvr>
     <a:masterClrMapping/>
   </p:clrMapOvr>
-  <mc:AlternateContent xmlns:mc="http://schemas.openxmlformats.org/markup-compatibility/2006" xmlns:p14="http://schemas.microsoft.com/office/powerpoint/2010/main">
-    <mc:Choice Requires="p14">
-      <p:transition p14:dur="100">
-        <p:cut/>
-      </p:transition>
-    </mc:Choice>
-    <mc:Fallback xmlns="">
-      <p:transition>
-        <p:cut/>
-      </p:transition>
-    </mc:Fallback>
-  </mc:AlternateContent>
+  <p:transition spd="slow">
+    <p:push dir="u"/>
+  </p:transition>
+  <p:timing>
+    <p:tnLst>
+      <p:par>
+        <p:cTn id="1" dur="indefinite" restart="never" nodeType="tmRoot"/>
+      </p:par>
+    </p:tnLst>
+  </p:timing>
 </p:sld>
 </file>
 
-<file path=ppt/slides/slide19.xml><?xml version="1.0" encoding="utf-8"?>
+<file path=ppt/slides/slide2.xml><?xml version="1.0" encoding="utf-8"?>
+<p:sld xmlns:a="http://schemas.openxmlformats.org/drawingml/2006/main" xmlns:r="http://schemas.openxmlformats.org/officeDocument/2006/relationships" xmlns:p="http://schemas.openxmlformats.org/presentationml/2006/main">
+  <p:cSld>
+    <p:spTree>
+      <p:nvGrpSpPr>
+        <p:cNvPr id="1" name=""/>
+        <p:cNvGrpSpPr/>
+        <p:nvPr/>
+      </p:nvGrpSpPr>
+      <p:grpSpPr>
+        <a:xfrm>
+          <a:off x="0" y="0"/>
+          <a:ext cx="0" cy="0"/>
+          <a:chOff x="0" y="0"/>
+          <a:chExt cx="0" cy="0"/>
+        </a:xfrm>
+      </p:grpSpPr>
+      <p:graphicFrame>
+        <p:nvGraphicFramePr>
+          <p:cNvPr id="4" name="Táblázat 3"/>
+          <p:cNvGraphicFramePr>
+            <a:graphicFrameLocks noGrp="1"/>
+          </p:cNvGraphicFramePr>
+          <p:nvPr>
+            <p:extLst>
+              <p:ext uri="{D42A27DB-BD31-4B8C-83A1-F6EECF244321}">
+                <p14:modId xmlns:p14="http://schemas.microsoft.com/office/powerpoint/2010/main" val="2565164888"/>
+              </p:ext>
+            </p:extLst>
+          </p:nvPr>
+        </p:nvGraphicFramePr>
+        <p:xfrm>
+          <a:off x="1027611" y="3445448"/>
+          <a:ext cx="10215153" cy="2225040"/>
+        </p:xfrm>
+        <a:graphic>
+          <a:graphicData uri="http://schemas.openxmlformats.org/drawingml/2006/table">
+            <a:tbl>
+              <a:tblPr firstRow="1" bandRow="1">
+                <a:tableStyleId>{5C22544A-7EE6-4342-B048-85BDC9FD1C3A}</a:tableStyleId>
+              </a:tblPr>
+              <a:tblGrid>
+                <a:gridCol w="3405051">
+                  <a:extLst>
+                    <a:ext uri="{9D8B030D-6E8A-4147-A177-3AD203B41FA5}">
+                      <a16:colId xmlns:a16="http://schemas.microsoft.com/office/drawing/2014/main" val="813460602"/>
+                    </a:ext>
+                  </a:extLst>
+                </a:gridCol>
+                <a:gridCol w="3405051">
+                  <a:extLst>
+                    <a:ext uri="{9D8B030D-6E8A-4147-A177-3AD203B41FA5}">
+                      <a16:colId xmlns:a16="http://schemas.microsoft.com/office/drawing/2014/main" val="2116787683"/>
+                    </a:ext>
+                  </a:extLst>
+                </a:gridCol>
+                <a:gridCol w="3405051">
+                  <a:extLst>
+                    <a:ext uri="{9D8B030D-6E8A-4147-A177-3AD203B41FA5}">
+                      <a16:colId xmlns:a16="http://schemas.microsoft.com/office/drawing/2014/main" val="2670074441"/>
+                    </a:ext>
+                  </a:extLst>
+                </a:gridCol>
+              </a:tblGrid>
+              <a:tr h="370840">
+                <a:tc>
+                  <a:txBody>
+                    <a:bodyPr/>
+                    <a:lstStyle/>
+                    <a:p>
+                      <a:r>
+                        <a:rPr lang="hu-HU" dirty="0" smtClean="0"/>
+                        <a:t>Lajka Kristóf</a:t>
+                      </a:r>
+                      <a:endParaRPr lang="hu-HU" dirty="0"/>
+                    </a:p>
+                  </a:txBody>
+                  <a:tcPr>
+                    <a:lnL w="12700" cap="flat" cmpd="sng" algn="ctr">
+                      <a:solidFill>
+                        <a:schemeClr val="tx1"/>
+                      </a:solidFill>
+                      <a:prstDash val="solid"/>
+                      <a:round/>
+                      <a:headEnd type="none" w="med" len="med"/>
+                      <a:tailEnd type="none" w="med" len="med"/>
+                    </a:lnL>
+                    <a:lnR w="12700" cap="flat" cmpd="sng" algn="ctr">
+                      <a:solidFill>
+                        <a:schemeClr val="tx1"/>
+                      </a:solidFill>
+                      <a:prstDash val="solid"/>
+                      <a:round/>
+                      <a:headEnd type="none" w="med" len="med"/>
+                      <a:tailEnd type="none" w="med" len="med"/>
+                    </a:lnR>
+                    <a:lnT w="12700" cap="flat" cmpd="sng" algn="ctr">
+                      <a:solidFill>
+                        <a:schemeClr val="tx1"/>
+                      </a:solidFill>
+                      <a:prstDash val="solid"/>
+                      <a:round/>
+                      <a:headEnd type="none" w="med" len="med"/>
+                      <a:tailEnd type="none" w="med" len="med"/>
+                    </a:lnT>
+                    <a:lnB w="12700" cap="flat" cmpd="sng" algn="ctr">
+                      <a:solidFill>
+                        <a:schemeClr val="tx1"/>
+                      </a:solidFill>
+                      <a:prstDash val="solid"/>
+                      <a:round/>
+                      <a:headEnd type="none" w="med" len="med"/>
+                      <a:tailEnd type="none" w="med" len="med"/>
+                    </a:lnB>
+                    <a:solidFill>
+                      <a:srgbClr val="0070C0"/>
+                    </a:solidFill>
+                  </a:tcPr>
+                </a:tc>
+                <a:tc>
+                  <a:txBody>
+                    <a:bodyPr/>
+                    <a:lstStyle/>
+                    <a:p>
+                      <a:r>
+                        <a:rPr lang="hu-HU" dirty="0" smtClean="0"/>
+                        <a:t>Váradi Ádám</a:t>
+                      </a:r>
+                      <a:endParaRPr lang="hu-HU" dirty="0"/>
+                    </a:p>
+                  </a:txBody>
+                  <a:tcPr>
+                    <a:lnL w="12700" cap="flat" cmpd="sng" algn="ctr">
+                      <a:solidFill>
+                        <a:schemeClr val="tx1"/>
+                      </a:solidFill>
+                      <a:prstDash val="solid"/>
+                      <a:round/>
+                      <a:headEnd type="none" w="med" len="med"/>
+                      <a:tailEnd type="none" w="med" len="med"/>
+                    </a:lnL>
+                    <a:lnR w="12700" cap="flat" cmpd="sng" algn="ctr">
+                      <a:solidFill>
+                        <a:schemeClr val="tx1"/>
+                      </a:solidFill>
+                      <a:prstDash val="solid"/>
+                      <a:round/>
+                      <a:headEnd type="none" w="med" len="med"/>
+                      <a:tailEnd type="none" w="med" len="med"/>
+                    </a:lnR>
+                    <a:lnT w="12700" cap="flat" cmpd="sng" algn="ctr">
+                      <a:solidFill>
+                        <a:schemeClr val="tx1"/>
+                      </a:solidFill>
+                      <a:prstDash val="solid"/>
+                      <a:round/>
+                      <a:headEnd type="none" w="med" len="med"/>
+                      <a:tailEnd type="none" w="med" len="med"/>
+                    </a:lnT>
+                    <a:lnB w="12700" cap="flat" cmpd="sng" algn="ctr">
+                      <a:solidFill>
+                        <a:schemeClr val="tx1"/>
+                      </a:solidFill>
+                      <a:prstDash val="solid"/>
+                      <a:round/>
+                      <a:headEnd type="none" w="med" len="med"/>
+                      <a:tailEnd type="none" w="med" len="med"/>
+                    </a:lnB>
+                    <a:lnTlToBr w="12700" cmpd="sng">
+                      <a:noFill/>
+                      <a:prstDash val="solid"/>
+                    </a:lnTlToBr>
+                    <a:lnBlToTr w="12700" cmpd="sng">
+                      <a:noFill/>
+                      <a:prstDash val="solid"/>
+                    </a:lnBlToTr>
+                    <a:solidFill>
+                      <a:schemeClr val="accent6"/>
+                    </a:solidFill>
+                  </a:tcPr>
+                </a:tc>
+                <a:tc>
+                  <a:txBody>
+                    <a:bodyPr/>
+                    <a:lstStyle/>
+                    <a:p>
+                      <a:r>
+                        <a:rPr lang="hu-HU" dirty="0" smtClean="0"/>
+                        <a:t>Enyedi</a:t>
+                      </a:r>
+                      <a:r>
+                        <a:rPr lang="hu-HU" baseline="0" dirty="0" smtClean="0"/>
+                        <a:t> </a:t>
+                      </a:r>
+                      <a:r>
+                        <a:rPr lang="hu-HU" baseline="0" dirty="0" err="1" smtClean="0"/>
+                        <a:t>Sándors</a:t>
+                      </a:r>
+                      <a:endParaRPr lang="hu-HU" dirty="0"/>
+                    </a:p>
+                  </a:txBody>
+                  <a:tcPr>
+                    <a:lnL w="12700" cap="flat" cmpd="sng" algn="ctr">
+                      <a:solidFill>
+                        <a:schemeClr val="tx1"/>
+                      </a:solidFill>
+                      <a:prstDash val="solid"/>
+                      <a:round/>
+                      <a:headEnd type="none" w="med" len="med"/>
+                      <a:tailEnd type="none" w="med" len="med"/>
+                    </a:lnL>
+                    <a:lnB w="12700" cap="flat" cmpd="sng" algn="ctr">
+                      <a:solidFill>
+                        <a:schemeClr val="tx1"/>
+                      </a:solidFill>
+                      <a:prstDash val="solid"/>
+                      <a:round/>
+                      <a:headEnd type="none" w="med" len="med"/>
+                      <a:tailEnd type="none" w="med" len="med"/>
+                    </a:lnB>
+                  </a:tcPr>
+                </a:tc>
+                <a:extLst>
+                  <a:ext uri="{0D108BD9-81ED-4DB2-BD59-A6C34878D82A}">
+                    <a16:rowId xmlns:a16="http://schemas.microsoft.com/office/drawing/2014/main" val="4233294084"/>
+                  </a:ext>
+                </a:extLst>
+              </a:tr>
+              <a:tr h="370840">
+                <a:tc>
+                  <a:txBody>
+                    <a:bodyPr/>
+                    <a:lstStyle/>
+                    <a:p>
+                      <a:r>
+                        <a:rPr lang="hu-HU" dirty="0" smtClean="0"/>
+                        <a:t>A topológia kialakítása</a:t>
+                      </a:r>
+                      <a:endParaRPr lang="hu-HU" dirty="0"/>
+                    </a:p>
+                  </a:txBody>
+                  <a:tcPr>
+                    <a:lnL w="12700" cap="flat" cmpd="sng" algn="ctr">
+                      <a:solidFill>
+                        <a:schemeClr val="tx1"/>
+                      </a:solidFill>
+                      <a:prstDash val="solid"/>
+                      <a:round/>
+                      <a:headEnd type="none" w="med" len="med"/>
+                      <a:tailEnd type="none" w="med" len="med"/>
+                    </a:lnL>
+                    <a:lnR w="12700" cap="flat" cmpd="sng" algn="ctr">
+                      <a:solidFill>
+                        <a:schemeClr val="tx1"/>
+                      </a:solidFill>
+                      <a:prstDash val="solid"/>
+                      <a:round/>
+                      <a:headEnd type="none" w="med" len="med"/>
+                      <a:tailEnd type="none" w="med" len="med"/>
+                    </a:lnR>
+                    <a:lnT w="12700" cap="flat" cmpd="sng" algn="ctr">
+                      <a:solidFill>
+                        <a:schemeClr val="tx1"/>
+                      </a:solidFill>
+                      <a:prstDash val="solid"/>
+                      <a:round/>
+                      <a:headEnd type="none" w="med" len="med"/>
+                      <a:tailEnd type="none" w="med" len="med"/>
+                    </a:lnT>
+                    <a:lnB w="12700" cap="flat" cmpd="sng" algn="ctr">
+                      <a:solidFill>
+                        <a:schemeClr val="tx1"/>
+                      </a:solidFill>
+                      <a:prstDash val="solid"/>
+                      <a:round/>
+                      <a:headEnd type="none" w="med" len="med"/>
+                      <a:tailEnd type="none" w="med" len="med"/>
+                    </a:lnB>
+                    <a:solidFill>
+                      <a:srgbClr val="00B0F0"/>
+                    </a:solidFill>
+                  </a:tcPr>
+                </a:tc>
+                <a:tc>
+                  <a:txBody>
+                    <a:bodyPr/>
+                    <a:lstStyle/>
+                    <a:p>
+                      <a:r>
+                        <a:rPr lang="hu-HU" dirty="0" smtClean="0"/>
+                        <a:t>A topológia kialakítás</a:t>
+                      </a:r>
+                      <a:endParaRPr lang="hu-HU" dirty="0"/>
+                    </a:p>
+                  </a:txBody>
+                  <a:tcPr>
+                    <a:lnL w="12700" cap="flat" cmpd="sng" algn="ctr">
+                      <a:solidFill>
+                        <a:schemeClr val="tx1"/>
+                      </a:solidFill>
+                      <a:prstDash val="solid"/>
+                      <a:round/>
+                      <a:headEnd type="none" w="med" len="med"/>
+                      <a:tailEnd type="none" w="med" len="med"/>
+                    </a:lnL>
+                    <a:lnR w="12700" cap="flat" cmpd="sng" algn="ctr">
+                      <a:solidFill>
+                        <a:schemeClr val="tx1"/>
+                      </a:solidFill>
+                      <a:prstDash val="solid"/>
+                      <a:round/>
+                      <a:headEnd type="none" w="med" len="med"/>
+                      <a:tailEnd type="none" w="med" len="med"/>
+                    </a:lnR>
+                    <a:lnT w="12700" cap="flat" cmpd="sng" algn="ctr">
+                      <a:solidFill>
+                        <a:schemeClr val="tx1"/>
+                      </a:solidFill>
+                      <a:prstDash val="solid"/>
+                      <a:round/>
+                      <a:headEnd type="none" w="med" len="med"/>
+                      <a:tailEnd type="none" w="med" len="med"/>
+                    </a:lnT>
+                    <a:lnB w="12700" cap="flat" cmpd="sng" algn="ctr">
+                      <a:solidFill>
+                        <a:schemeClr val="tx1"/>
+                      </a:solidFill>
+                      <a:prstDash val="solid"/>
+                      <a:round/>
+                      <a:headEnd type="none" w="med" len="med"/>
+                      <a:tailEnd type="none" w="med" len="med"/>
+                    </a:lnB>
+                    <a:lnTlToBr w="12700" cmpd="sng">
+                      <a:noFill/>
+                      <a:prstDash val="solid"/>
+                    </a:lnTlToBr>
+                    <a:lnBlToTr w="12700" cmpd="sng">
+                      <a:noFill/>
+                      <a:prstDash val="solid"/>
+                    </a:lnBlToTr>
+                    <a:solidFill>
+                      <a:schemeClr val="accent6">
+                        <a:lumMod val="75000"/>
+                      </a:schemeClr>
+                    </a:solidFill>
+                  </a:tcPr>
+                </a:tc>
+                <a:tc>
+                  <a:txBody>
+                    <a:bodyPr/>
+                    <a:lstStyle/>
+                    <a:p>
+                      <a:r>
+                        <a:rPr lang="hu-HU" dirty="0" smtClean="0"/>
+                        <a:t>OSPF konfigurálás</a:t>
+                      </a:r>
+                      <a:endParaRPr lang="hu-HU" dirty="0"/>
+                    </a:p>
+                  </a:txBody>
+                  <a:tcPr>
+                    <a:lnL w="12700" cap="flat" cmpd="sng" algn="ctr">
+                      <a:solidFill>
+                        <a:schemeClr val="tx1"/>
+                      </a:solidFill>
+                      <a:prstDash val="solid"/>
+                      <a:round/>
+                      <a:headEnd type="none" w="med" len="med"/>
+                      <a:tailEnd type="none" w="med" len="med"/>
+                    </a:lnL>
+                    <a:lnR w="12700" cap="flat" cmpd="sng" algn="ctr">
+                      <a:solidFill>
+                        <a:schemeClr val="tx1"/>
+                      </a:solidFill>
+                      <a:prstDash val="solid"/>
+                      <a:round/>
+                      <a:headEnd type="none" w="med" len="med"/>
+                      <a:tailEnd type="none" w="med" len="med"/>
+                    </a:lnR>
+                    <a:lnT w="12700" cap="flat" cmpd="sng" algn="ctr">
+                      <a:solidFill>
+                        <a:schemeClr val="tx1"/>
+                      </a:solidFill>
+                      <a:prstDash val="solid"/>
+                      <a:round/>
+                      <a:headEnd type="none" w="med" len="med"/>
+                      <a:tailEnd type="none" w="med" len="med"/>
+                    </a:lnT>
+                    <a:lnB w="12700" cap="flat" cmpd="sng" algn="ctr">
+                      <a:solidFill>
+                        <a:schemeClr val="tx1"/>
+                      </a:solidFill>
+                      <a:prstDash val="solid"/>
+                      <a:round/>
+                      <a:headEnd type="none" w="med" len="med"/>
+                      <a:tailEnd type="none" w="med" len="med"/>
+                    </a:lnB>
+                    <a:solidFill>
+                      <a:srgbClr val="7030A0"/>
+                    </a:solidFill>
+                  </a:tcPr>
+                </a:tc>
+                <a:extLst>
+                  <a:ext uri="{0D108BD9-81ED-4DB2-BD59-A6C34878D82A}">
+                    <a16:rowId xmlns:a16="http://schemas.microsoft.com/office/drawing/2014/main" val="557424543"/>
+                  </a:ext>
+                </a:extLst>
+              </a:tr>
+              <a:tr h="370840">
+                <a:tc>
+                  <a:txBody>
+                    <a:bodyPr/>
+                    <a:lstStyle/>
+                    <a:p>
+                      <a:r>
+                        <a:rPr lang="hu-HU" dirty="0" smtClean="0"/>
+                        <a:t>IPv4/IPv6</a:t>
+                      </a:r>
+                      <a:r>
+                        <a:rPr lang="hu-HU" baseline="0" dirty="0" smtClean="0"/>
+                        <a:t> címzés</a:t>
+                      </a:r>
+                      <a:endParaRPr lang="hu-HU" dirty="0"/>
+                    </a:p>
+                  </a:txBody>
+                  <a:tcPr>
+                    <a:lnL w="12700" cap="flat" cmpd="sng" algn="ctr">
+                      <a:solidFill>
+                        <a:schemeClr val="tx1"/>
+                      </a:solidFill>
+                      <a:prstDash val="solid"/>
+                      <a:round/>
+                      <a:headEnd type="none" w="med" len="med"/>
+                      <a:tailEnd type="none" w="med" len="med"/>
+                    </a:lnL>
+                    <a:lnR w="12700" cap="flat" cmpd="sng" algn="ctr">
+                      <a:solidFill>
+                        <a:schemeClr val="tx1"/>
+                      </a:solidFill>
+                      <a:prstDash val="solid"/>
+                      <a:round/>
+                      <a:headEnd type="none" w="med" len="med"/>
+                      <a:tailEnd type="none" w="med" len="med"/>
+                    </a:lnR>
+                    <a:lnT w="12700" cap="flat" cmpd="sng" algn="ctr">
+                      <a:solidFill>
+                        <a:schemeClr val="tx1"/>
+                      </a:solidFill>
+                      <a:prstDash val="solid"/>
+                      <a:round/>
+                      <a:headEnd type="none" w="med" len="med"/>
+                      <a:tailEnd type="none" w="med" len="med"/>
+                    </a:lnT>
+                    <a:lnB w="12700" cap="flat" cmpd="sng" algn="ctr">
+                      <a:solidFill>
+                        <a:schemeClr val="tx1"/>
+                      </a:solidFill>
+                      <a:prstDash val="solid"/>
+                      <a:round/>
+                      <a:headEnd type="none" w="med" len="med"/>
+                      <a:tailEnd type="none" w="med" len="med"/>
+                    </a:lnB>
+                    <a:solidFill>
+                      <a:srgbClr val="00B0F0"/>
+                    </a:solidFill>
+                  </a:tcPr>
+                </a:tc>
+                <a:tc>
+                  <a:txBody>
+                    <a:bodyPr/>
+                    <a:lstStyle/>
+                    <a:p>
+                      <a:r>
+                        <a:rPr lang="hu-HU" dirty="0" smtClean="0"/>
+                        <a:t>VLAN-ok és forgalomirányítás</a:t>
+                      </a:r>
+                      <a:endParaRPr lang="hu-HU" dirty="0"/>
+                    </a:p>
+                  </a:txBody>
+                  <a:tcPr>
+                    <a:lnL w="12700" cap="flat" cmpd="sng" algn="ctr">
+                      <a:solidFill>
+                        <a:schemeClr val="tx1"/>
+                      </a:solidFill>
+                      <a:prstDash val="solid"/>
+                      <a:round/>
+                      <a:headEnd type="none" w="med" len="med"/>
+                      <a:tailEnd type="none" w="med" len="med"/>
+                    </a:lnL>
+                    <a:lnR w="12700" cap="flat" cmpd="sng" algn="ctr">
+                      <a:solidFill>
+                        <a:schemeClr val="tx1"/>
+                      </a:solidFill>
+                      <a:prstDash val="solid"/>
+                      <a:round/>
+                      <a:headEnd type="none" w="med" len="med"/>
+                      <a:tailEnd type="none" w="med" len="med"/>
+                    </a:lnR>
+                    <a:lnT w="12700" cap="flat" cmpd="sng" algn="ctr">
+                      <a:solidFill>
+                        <a:schemeClr val="tx1"/>
+                      </a:solidFill>
+                      <a:prstDash val="solid"/>
+                      <a:round/>
+                      <a:headEnd type="none" w="med" len="med"/>
+                      <a:tailEnd type="none" w="med" len="med"/>
+                    </a:lnT>
+                    <a:lnB w="12700" cap="flat" cmpd="sng" algn="ctr">
+                      <a:solidFill>
+                        <a:schemeClr val="tx1"/>
+                      </a:solidFill>
+                      <a:prstDash val="solid"/>
+                      <a:round/>
+                      <a:headEnd type="none" w="med" len="med"/>
+                      <a:tailEnd type="none" w="med" len="med"/>
+                    </a:lnB>
+                    <a:lnTlToBr w="12700" cmpd="sng">
+                      <a:noFill/>
+                      <a:prstDash val="solid"/>
+                    </a:lnTlToBr>
+                    <a:lnBlToTr w="12700" cmpd="sng">
+                      <a:noFill/>
+                      <a:prstDash val="solid"/>
+                    </a:lnBlToTr>
+                    <a:solidFill>
+                      <a:schemeClr val="accent6">
+                        <a:lumMod val="75000"/>
+                      </a:schemeClr>
+                    </a:solidFill>
+                  </a:tcPr>
+                </a:tc>
+                <a:tc>
+                  <a:txBody>
+                    <a:bodyPr/>
+                    <a:lstStyle/>
+                    <a:p>
+                      <a:r>
+                        <a:rPr lang="hu-HU" dirty="0" smtClean="0"/>
+                        <a:t>Prezentáció</a:t>
+                      </a:r>
+                      <a:endParaRPr lang="hu-HU" dirty="0"/>
+                    </a:p>
+                  </a:txBody>
+                  <a:tcPr>
+                    <a:lnL w="12700" cap="flat" cmpd="sng" algn="ctr">
+                      <a:solidFill>
+                        <a:schemeClr val="tx1"/>
+                      </a:solidFill>
+                      <a:prstDash val="solid"/>
+                      <a:round/>
+                      <a:headEnd type="none" w="med" len="med"/>
+                      <a:tailEnd type="none" w="med" len="med"/>
+                    </a:lnL>
+                    <a:lnR w="12700" cap="flat" cmpd="sng" algn="ctr">
+                      <a:solidFill>
+                        <a:schemeClr val="tx1"/>
+                      </a:solidFill>
+                      <a:prstDash val="solid"/>
+                      <a:round/>
+                      <a:headEnd type="none" w="med" len="med"/>
+                      <a:tailEnd type="none" w="med" len="med"/>
+                    </a:lnR>
+                    <a:lnT w="12700" cap="flat" cmpd="sng" algn="ctr">
+                      <a:solidFill>
+                        <a:schemeClr val="tx1"/>
+                      </a:solidFill>
+                      <a:prstDash val="solid"/>
+                      <a:round/>
+                      <a:headEnd type="none" w="med" len="med"/>
+                      <a:tailEnd type="none" w="med" len="med"/>
+                    </a:lnT>
+                    <a:lnB w="12700" cap="flat" cmpd="sng" algn="ctr">
+                      <a:solidFill>
+                        <a:schemeClr val="tx1"/>
+                      </a:solidFill>
+                      <a:prstDash val="solid"/>
+                      <a:round/>
+                      <a:headEnd type="none" w="med" len="med"/>
+                      <a:tailEnd type="none" w="med" len="med"/>
+                    </a:lnB>
+                    <a:solidFill>
+                      <a:srgbClr val="7030A0"/>
+                    </a:solidFill>
+                  </a:tcPr>
+                </a:tc>
+                <a:extLst>
+                  <a:ext uri="{0D108BD9-81ED-4DB2-BD59-A6C34878D82A}">
+                    <a16:rowId xmlns:a16="http://schemas.microsoft.com/office/drawing/2014/main" val="1987530793"/>
+                  </a:ext>
+                </a:extLst>
+              </a:tr>
+              <a:tr h="370840">
+                <a:tc>
+                  <a:txBody>
+                    <a:bodyPr/>
+                    <a:lstStyle/>
+                    <a:p>
+                      <a:r>
+                        <a:rPr lang="hu-HU" dirty="0" smtClean="0"/>
+                        <a:t>VLAN-ok és </a:t>
+                      </a:r>
+                      <a:r>
+                        <a:rPr lang="hu-HU" dirty="0" err="1" smtClean="0"/>
+                        <a:t>forgalomírányítás</a:t>
+                      </a:r>
+                      <a:endParaRPr lang="hu-HU" dirty="0"/>
+                    </a:p>
+                  </a:txBody>
+                  <a:tcPr>
+                    <a:lnL w="12700" cap="flat" cmpd="sng" algn="ctr">
+                      <a:solidFill>
+                        <a:schemeClr val="tx1"/>
+                      </a:solidFill>
+                      <a:prstDash val="solid"/>
+                      <a:round/>
+                      <a:headEnd type="none" w="med" len="med"/>
+                      <a:tailEnd type="none" w="med" len="med"/>
+                    </a:lnL>
+                    <a:lnR w="12700" cap="flat" cmpd="sng" algn="ctr">
+                      <a:solidFill>
+                        <a:schemeClr val="tx1"/>
+                      </a:solidFill>
+                      <a:prstDash val="solid"/>
+                      <a:round/>
+                      <a:headEnd type="none" w="med" len="med"/>
+                      <a:tailEnd type="none" w="med" len="med"/>
+                    </a:lnR>
+                    <a:lnT w="12700" cap="flat" cmpd="sng" algn="ctr">
+                      <a:solidFill>
+                        <a:schemeClr val="tx1"/>
+                      </a:solidFill>
+                      <a:prstDash val="solid"/>
+                      <a:round/>
+                      <a:headEnd type="none" w="med" len="med"/>
+                      <a:tailEnd type="none" w="med" len="med"/>
+                    </a:lnT>
+                    <a:lnB w="12700" cap="flat" cmpd="sng" algn="ctr">
+                      <a:solidFill>
+                        <a:schemeClr val="tx1"/>
+                      </a:solidFill>
+                      <a:prstDash val="solid"/>
+                      <a:round/>
+                      <a:headEnd type="none" w="med" len="med"/>
+                      <a:tailEnd type="none" w="med" len="med"/>
+                    </a:lnB>
+                    <a:solidFill>
+                      <a:srgbClr val="00B0F0"/>
+                    </a:solidFill>
+                  </a:tcPr>
+                </a:tc>
+                <a:tc>
+                  <a:txBody>
+                    <a:bodyPr/>
+                    <a:lstStyle/>
+                    <a:p>
+                      <a:r>
+                        <a:rPr lang="hu-HU" dirty="0" smtClean="0"/>
+                        <a:t>NAT konfigurálás</a:t>
+                      </a:r>
+                      <a:endParaRPr lang="hu-HU" dirty="0"/>
+                    </a:p>
+                  </a:txBody>
+                  <a:tcPr>
+                    <a:lnL w="12700" cap="flat" cmpd="sng" algn="ctr">
+                      <a:solidFill>
+                        <a:schemeClr val="tx1"/>
+                      </a:solidFill>
+                      <a:prstDash val="solid"/>
+                      <a:round/>
+                      <a:headEnd type="none" w="med" len="med"/>
+                      <a:tailEnd type="none" w="med" len="med"/>
+                    </a:lnL>
+                    <a:lnR w="12700" cap="flat" cmpd="sng" algn="ctr">
+                      <a:solidFill>
+                        <a:schemeClr val="tx1"/>
+                      </a:solidFill>
+                      <a:prstDash val="solid"/>
+                      <a:round/>
+                      <a:headEnd type="none" w="med" len="med"/>
+                      <a:tailEnd type="none" w="med" len="med"/>
+                    </a:lnR>
+                    <a:lnT w="12700" cap="flat" cmpd="sng" algn="ctr">
+                      <a:solidFill>
+                        <a:schemeClr val="tx1"/>
+                      </a:solidFill>
+                      <a:prstDash val="solid"/>
+                      <a:round/>
+                      <a:headEnd type="none" w="med" len="med"/>
+                      <a:tailEnd type="none" w="med" len="med"/>
+                    </a:lnT>
+                    <a:lnB w="12700" cap="flat" cmpd="sng" algn="ctr">
+                      <a:solidFill>
+                        <a:schemeClr val="tx1"/>
+                      </a:solidFill>
+                      <a:prstDash val="solid"/>
+                      <a:round/>
+                      <a:headEnd type="none" w="med" len="med"/>
+                      <a:tailEnd type="none" w="med" len="med"/>
+                    </a:lnB>
+                    <a:lnTlToBr w="12700" cmpd="sng">
+                      <a:noFill/>
+                      <a:prstDash val="solid"/>
+                    </a:lnTlToBr>
+                    <a:lnBlToTr w="12700" cmpd="sng">
+                      <a:noFill/>
+                      <a:prstDash val="solid"/>
+                    </a:lnBlToTr>
+                    <a:solidFill>
+                      <a:schemeClr val="accent6">
+                        <a:lumMod val="75000"/>
+                      </a:schemeClr>
+                    </a:solidFill>
+                  </a:tcPr>
+                </a:tc>
+                <a:tc>
+                  <a:txBody>
+                    <a:bodyPr/>
+                    <a:lstStyle/>
+                    <a:p>
+                      <a:r>
+                        <a:rPr lang="hu-HU" dirty="0" smtClean="0"/>
+                        <a:t>Dokumentálás</a:t>
+                      </a:r>
+                      <a:endParaRPr lang="hu-HU" dirty="0"/>
+                    </a:p>
+                  </a:txBody>
+                  <a:tcPr>
+                    <a:lnL w="12700" cap="flat" cmpd="sng" algn="ctr">
+                      <a:solidFill>
+                        <a:schemeClr val="tx1"/>
+                      </a:solidFill>
+                      <a:prstDash val="solid"/>
+                      <a:round/>
+                      <a:headEnd type="none" w="med" len="med"/>
+                      <a:tailEnd type="none" w="med" len="med"/>
+                    </a:lnL>
+                    <a:lnR w="12700" cap="flat" cmpd="sng" algn="ctr">
+                      <a:solidFill>
+                        <a:schemeClr val="tx1"/>
+                      </a:solidFill>
+                      <a:prstDash val="solid"/>
+                      <a:round/>
+                      <a:headEnd type="none" w="med" len="med"/>
+                      <a:tailEnd type="none" w="med" len="med"/>
+                    </a:lnR>
+                    <a:lnT w="12700" cap="flat" cmpd="sng" algn="ctr">
+                      <a:solidFill>
+                        <a:schemeClr val="tx1"/>
+                      </a:solidFill>
+                      <a:prstDash val="solid"/>
+                      <a:round/>
+                      <a:headEnd type="none" w="med" len="med"/>
+                      <a:tailEnd type="none" w="med" len="med"/>
+                    </a:lnT>
+                    <a:lnB w="12700" cap="flat" cmpd="sng" algn="ctr">
+                      <a:solidFill>
+                        <a:schemeClr val="tx1"/>
+                      </a:solidFill>
+                      <a:prstDash val="solid"/>
+                      <a:round/>
+                      <a:headEnd type="none" w="med" len="med"/>
+                      <a:tailEnd type="none" w="med" len="med"/>
+                    </a:lnB>
+                    <a:solidFill>
+                      <a:srgbClr val="7030A0"/>
+                    </a:solidFill>
+                  </a:tcPr>
+                </a:tc>
+                <a:extLst>
+                  <a:ext uri="{0D108BD9-81ED-4DB2-BD59-A6C34878D82A}">
+                    <a16:rowId xmlns:a16="http://schemas.microsoft.com/office/drawing/2014/main" val="2236792374"/>
+                  </a:ext>
+                </a:extLst>
+              </a:tr>
+              <a:tr h="370840">
+                <a:tc>
+                  <a:txBody>
+                    <a:bodyPr/>
+                    <a:lstStyle/>
+                    <a:p>
+                      <a:r>
+                        <a:rPr lang="hu-HU" dirty="0" smtClean="0"/>
+                        <a:t>ACL beállítás</a:t>
+                      </a:r>
+                      <a:endParaRPr lang="hu-HU" dirty="0"/>
+                    </a:p>
+                  </a:txBody>
+                  <a:tcPr>
+                    <a:lnL w="12700" cap="flat" cmpd="sng" algn="ctr">
+                      <a:solidFill>
+                        <a:schemeClr val="tx1"/>
+                      </a:solidFill>
+                      <a:prstDash val="solid"/>
+                      <a:round/>
+                      <a:headEnd type="none" w="med" len="med"/>
+                      <a:tailEnd type="none" w="med" len="med"/>
+                    </a:lnL>
+                    <a:lnR w="12700" cap="flat" cmpd="sng" algn="ctr">
+                      <a:solidFill>
+                        <a:schemeClr val="tx1"/>
+                      </a:solidFill>
+                      <a:prstDash val="solid"/>
+                      <a:round/>
+                      <a:headEnd type="none" w="med" len="med"/>
+                      <a:tailEnd type="none" w="med" len="med"/>
+                    </a:lnR>
+                    <a:lnT w="12700" cap="flat" cmpd="sng" algn="ctr">
+                      <a:solidFill>
+                        <a:schemeClr val="tx1"/>
+                      </a:solidFill>
+                      <a:prstDash val="solid"/>
+                      <a:round/>
+                      <a:headEnd type="none" w="med" len="med"/>
+                      <a:tailEnd type="none" w="med" len="med"/>
+                    </a:lnT>
+                    <a:lnB w="12700" cap="flat" cmpd="sng" algn="ctr">
+                      <a:solidFill>
+                        <a:schemeClr val="tx1"/>
+                      </a:solidFill>
+                      <a:prstDash val="solid"/>
+                      <a:round/>
+                      <a:headEnd type="none" w="med" len="med"/>
+                      <a:tailEnd type="none" w="med" len="med"/>
+                    </a:lnB>
+                    <a:solidFill>
+                      <a:srgbClr val="00B0F0"/>
+                    </a:solidFill>
+                  </a:tcPr>
+                </a:tc>
+                <a:tc>
+                  <a:txBody>
+                    <a:bodyPr/>
+                    <a:lstStyle/>
+                    <a:p>
+                      <a:r>
+                        <a:rPr lang="hu-HU" dirty="0" smtClean="0"/>
+                        <a:t>SSH konfigurálás</a:t>
+                      </a:r>
+                      <a:endParaRPr lang="hu-HU" dirty="0"/>
+                    </a:p>
+                  </a:txBody>
+                  <a:tcPr>
+                    <a:lnL w="12700" cap="flat" cmpd="sng" algn="ctr">
+                      <a:solidFill>
+                        <a:schemeClr val="tx1"/>
+                      </a:solidFill>
+                      <a:prstDash val="solid"/>
+                      <a:round/>
+                      <a:headEnd type="none" w="med" len="med"/>
+                      <a:tailEnd type="none" w="med" len="med"/>
+                    </a:lnL>
+                    <a:lnR w="12700" cap="flat" cmpd="sng" algn="ctr">
+                      <a:solidFill>
+                        <a:schemeClr val="tx1"/>
+                      </a:solidFill>
+                      <a:prstDash val="solid"/>
+                      <a:round/>
+                      <a:headEnd type="none" w="med" len="med"/>
+                      <a:tailEnd type="none" w="med" len="med"/>
+                    </a:lnR>
+                    <a:lnT w="12700" cap="flat" cmpd="sng" algn="ctr">
+                      <a:solidFill>
+                        <a:schemeClr val="tx1"/>
+                      </a:solidFill>
+                      <a:prstDash val="solid"/>
+                      <a:round/>
+                      <a:headEnd type="none" w="med" len="med"/>
+                      <a:tailEnd type="none" w="med" len="med"/>
+                    </a:lnT>
+                    <a:lnB w="12700" cap="flat" cmpd="sng" algn="ctr">
+                      <a:solidFill>
+                        <a:schemeClr val="tx1"/>
+                      </a:solidFill>
+                      <a:prstDash val="solid"/>
+                      <a:round/>
+                      <a:headEnd type="none" w="med" len="med"/>
+                      <a:tailEnd type="none" w="med" len="med"/>
+                    </a:lnB>
+                    <a:lnTlToBr w="12700" cmpd="sng">
+                      <a:noFill/>
+                      <a:prstDash val="solid"/>
+                    </a:lnTlToBr>
+                    <a:lnBlToTr w="12700" cmpd="sng">
+                      <a:noFill/>
+                      <a:prstDash val="solid"/>
+                    </a:lnBlToTr>
+                    <a:solidFill>
+                      <a:schemeClr val="accent6">
+                        <a:lumMod val="75000"/>
+                      </a:schemeClr>
+                    </a:solidFill>
+                  </a:tcPr>
+                </a:tc>
+                <a:tc>
+                  <a:txBody>
+                    <a:bodyPr/>
+                    <a:lstStyle/>
+                    <a:p>
+                      <a:endParaRPr lang="hu-HU" dirty="0"/>
+                    </a:p>
+                  </a:txBody>
+                  <a:tcPr>
+                    <a:lnL w="12700" cap="flat" cmpd="sng" algn="ctr">
+                      <a:solidFill>
+                        <a:schemeClr val="tx1"/>
+                      </a:solidFill>
+                      <a:prstDash val="solid"/>
+                      <a:round/>
+                      <a:headEnd type="none" w="med" len="med"/>
+                      <a:tailEnd type="none" w="med" len="med"/>
+                    </a:lnL>
+                    <a:lnR w="12700" cap="flat" cmpd="sng" algn="ctr">
+                      <a:solidFill>
+                        <a:schemeClr val="tx1"/>
+                      </a:solidFill>
+                      <a:prstDash val="solid"/>
+                      <a:round/>
+                      <a:headEnd type="none" w="med" len="med"/>
+                      <a:tailEnd type="none" w="med" len="med"/>
+                    </a:lnR>
+                    <a:lnT w="12700" cap="flat" cmpd="sng" algn="ctr">
+                      <a:solidFill>
+                        <a:schemeClr val="tx1"/>
+                      </a:solidFill>
+                      <a:prstDash val="solid"/>
+                      <a:round/>
+                      <a:headEnd type="none" w="med" len="med"/>
+                      <a:tailEnd type="none" w="med" len="med"/>
+                    </a:lnT>
+                    <a:lnB w="12700" cap="flat" cmpd="sng" algn="ctr">
+                      <a:solidFill>
+                        <a:schemeClr val="tx1"/>
+                      </a:solidFill>
+                      <a:prstDash val="solid"/>
+                      <a:round/>
+                      <a:headEnd type="none" w="med" len="med"/>
+                      <a:tailEnd type="none" w="med" len="med"/>
+                    </a:lnB>
+                    <a:solidFill>
+                      <a:srgbClr val="7030A0"/>
+                    </a:solidFill>
+                  </a:tcPr>
+                </a:tc>
+                <a:extLst>
+                  <a:ext uri="{0D108BD9-81ED-4DB2-BD59-A6C34878D82A}">
+                    <a16:rowId xmlns:a16="http://schemas.microsoft.com/office/drawing/2014/main" val="3996496129"/>
+                  </a:ext>
+                </a:extLst>
+              </a:tr>
+              <a:tr h="370840">
+                <a:tc>
+                  <a:txBody>
+                    <a:bodyPr/>
+                    <a:lstStyle/>
+                    <a:p>
+                      <a:r>
+                        <a:rPr lang="hu-HU" dirty="0" smtClean="0"/>
+                        <a:t>HSRP beállítás</a:t>
+                      </a:r>
+                      <a:endParaRPr lang="hu-HU" dirty="0"/>
+                    </a:p>
+                  </a:txBody>
+                  <a:tcPr>
+                    <a:lnL w="12700" cap="flat" cmpd="sng" algn="ctr">
+                      <a:solidFill>
+                        <a:schemeClr val="tx1"/>
+                      </a:solidFill>
+                      <a:prstDash val="solid"/>
+                      <a:round/>
+                      <a:headEnd type="none" w="med" len="med"/>
+                      <a:tailEnd type="none" w="med" len="med"/>
+                    </a:lnL>
+                    <a:lnR w="12700" cap="flat" cmpd="sng" algn="ctr">
+                      <a:solidFill>
+                        <a:schemeClr val="tx1"/>
+                      </a:solidFill>
+                      <a:prstDash val="solid"/>
+                      <a:round/>
+                      <a:headEnd type="none" w="med" len="med"/>
+                      <a:tailEnd type="none" w="med" len="med"/>
+                    </a:lnR>
+                    <a:lnT w="12700" cap="flat" cmpd="sng" algn="ctr">
+                      <a:solidFill>
+                        <a:schemeClr val="tx1"/>
+                      </a:solidFill>
+                      <a:prstDash val="solid"/>
+                      <a:round/>
+                      <a:headEnd type="none" w="med" len="med"/>
+                      <a:tailEnd type="none" w="med" len="med"/>
+                    </a:lnT>
+                    <a:lnB w="12700" cap="flat" cmpd="sng" algn="ctr">
+                      <a:solidFill>
+                        <a:schemeClr val="tx1"/>
+                      </a:solidFill>
+                      <a:prstDash val="solid"/>
+                      <a:round/>
+                      <a:headEnd type="none" w="med" len="med"/>
+                      <a:tailEnd type="none" w="med" len="med"/>
+                    </a:lnB>
+                    <a:solidFill>
+                      <a:srgbClr val="00B0F0"/>
+                    </a:solidFill>
+                  </a:tcPr>
+                </a:tc>
+                <a:tc>
+                  <a:txBody>
+                    <a:bodyPr/>
+                    <a:lstStyle/>
+                    <a:p>
+                      <a:r>
+                        <a:rPr lang="hu-HU" dirty="0" smtClean="0"/>
+                        <a:t>IPv4/IPv6 címzés</a:t>
+                      </a:r>
+                      <a:endParaRPr lang="hu-HU" dirty="0"/>
+                    </a:p>
+                  </a:txBody>
+                  <a:tcPr>
+                    <a:lnL w="12700" cap="flat" cmpd="sng" algn="ctr">
+                      <a:solidFill>
+                        <a:schemeClr val="tx1"/>
+                      </a:solidFill>
+                      <a:prstDash val="solid"/>
+                      <a:round/>
+                      <a:headEnd type="none" w="med" len="med"/>
+                      <a:tailEnd type="none" w="med" len="med"/>
+                    </a:lnL>
+                    <a:lnR w="12700" cap="flat" cmpd="sng" algn="ctr">
+                      <a:solidFill>
+                        <a:schemeClr val="tx1"/>
+                      </a:solidFill>
+                      <a:prstDash val="solid"/>
+                      <a:round/>
+                      <a:headEnd type="none" w="med" len="med"/>
+                      <a:tailEnd type="none" w="med" len="med"/>
+                    </a:lnR>
+                    <a:lnT w="12700" cap="flat" cmpd="sng" algn="ctr">
+                      <a:solidFill>
+                        <a:schemeClr val="tx1"/>
+                      </a:solidFill>
+                      <a:prstDash val="solid"/>
+                      <a:round/>
+                      <a:headEnd type="none" w="med" len="med"/>
+                      <a:tailEnd type="none" w="med" len="med"/>
+                    </a:lnT>
+                    <a:lnB w="12700" cap="flat" cmpd="sng" algn="ctr">
+                      <a:solidFill>
+                        <a:schemeClr val="tx1"/>
+                      </a:solidFill>
+                      <a:prstDash val="solid"/>
+                      <a:round/>
+                      <a:headEnd type="none" w="med" len="med"/>
+                      <a:tailEnd type="none" w="med" len="med"/>
+                    </a:lnB>
+                    <a:lnTlToBr w="12700" cmpd="sng">
+                      <a:noFill/>
+                      <a:prstDash val="solid"/>
+                    </a:lnTlToBr>
+                    <a:lnBlToTr w="12700" cmpd="sng">
+                      <a:noFill/>
+                      <a:prstDash val="solid"/>
+                    </a:lnBlToTr>
+                    <a:solidFill>
+                      <a:schemeClr val="accent6">
+                        <a:lumMod val="75000"/>
+                      </a:schemeClr>
+                    </a:solidFill>
+                  </a:tcPr>
+                </a:tc>
+                <a:tc>
+                  <a:txBody>
+                    <a:bodyPr/>
+                    <a:lstStyle/>
+                    <a:p>
+                      <a:endParaRPr lang="hu-HU" dirty="0"/>
+                    </a:p>
+                  </a:txBody>
+                  <a:tcPr>
+                    <a:lnL w="12700" cap="flat" cmpd="sng" algn="ctr">
+                      <a:solidFill>
+                        <a:schemeClr val="tx1"/>
+                      </a:solidFill>
+                      <a:prstDash val="solid"/>
+                      <a:round/>
+                      <a:headEnd type="none" w="med" len="med"/>
+                      <a:tailEnd type="none" w="med" len="med"/>
+                    </a:lnL>
+                    <a:lnR w="12700" cap="flat" cmpd="sng" algn="ctr">
+                      <a:solidFill>
+                        <a:schemeClr val="tx1"/>
+                      </a:solidFill>
+                      <a:prstDash val="solid"/>
+                      <a:round/>
+                      <a:headEnd type="none" w="med" len="med"/>
+                      <a:tailEnd type="none" w="med" len="med"/>
+                    </a:lnR>
+                    <a:lnT w="12700" cap="flat" cmpd="sng" algn="ctr">
+                      <a:solidFill>
+                        <a:schemeClr val="tx1"/>
+                      </a:solidFill>
+                      <a:prstDash val="solid"/>
+                      <a:round/>
+                      <a:headEnd type="none" w="med" len="med"/>
+                      <a:tailEnd type="none" w="med" len="med"/>
+                    </a:lnT>
+                    <a:lnB w="12700" cap="flat" cmpd="sng" algn="ctr">
+                      <a:solidFill>
+                        <a:schemeClr val="tx1"/>
+                      </a:solidFill>
+                      <a:prstDash val="solid"/>
+                      <a:round/>
+                      <a:headEnd type="none" w="med" len="med"/>
+                      <a:tailEnd type="none" w="med" len="med"/>
+                    </a:lnB>
+                    <a:solidFill>
+                      <a:srgbClr val="7030A0"/>
+                    </a:solidFill>
+                  </a:tcPr>
+                </a:tc>
+                <a:extLst>
+                  <a:ext uri="{0D108BD9-81ED-4DB2-BD59-A6C34878D82A}">
+                    <a16:rowId xmlns:a16="http://schemas.microsoft.com/office/drawing/2014/main" val="2878739769"/>
+                  </a:ext>
+                </a:extLst>
+              </a:tr>
+            </a:tbl>
+          </a:graphicData>
+        </a:graphic>
+      </p:graphicFrame>
+      <p:sp>
+        <p:nvSpPr>
+          <p:cNvPr id="5" name="Szövegdoboz 4"/>
+          <p:cNvSpPr txBox="1"/>
+          <p:nvPr/>
+        </p:nvSpPr>
+        <p:spPr>
+          <a:xfrm>
+            <a:off x="3500846" y="1236617"/>
+            <a:ext cx="4887877" cy="707886"/>
+          </a:xfrm>
+          <a:prstGeom prst="rect">
+            <a:avLst/>
+          </a:prstGeom>
+          <a:noFill/>
+        </p:spPr>
+        <p:txBody>
+          <a:bodyPr wrap="none" rtlCol="0">
+            <a:spAutoFit/>
+          </a:bodyPr>
+          <a:lstStyle/>
+          <a:p>
+            <a:r>
+              <a:rPr lang="hu-HU" sz="4000" dirty="0" smtClean="0"/>
+              <a:t>Feladat elosztások:</a:t>
+            </a:r>
+            <a:endParaRPr lang="hu-HU" sz="4000" dirty="0"/>
+          </a:p>
+        </p:txBody>
+      </p:sp>
+    </p:spTree>
+    <p:extLst>
+      <p:ext uri="{BB962C8B-B14F-4D97-AF65-F5344CB8AC3E}">
+        <p14:creationId xmlns:p14="http://schemas.microsoft.com/office/powerpoint/2010/main" val="885574126"/>
+      </p:ext>
+    </p:extLst>
+  </p:cSld>
+  <p:clrMapOvr>
+    <a:masterClrMapping/>
+  </p:clrMapOvr>
+  <p:transition spd="slow">
+    <p:push dir="u"/>
+  </p:transition>
+  <p:timing>
+    <p:tnLst>
+      <p:par>
+        <p:cTn id="1" dur="indefinite" restart="never" nodeType="tmRoot"/>
+      </p:par>
+    </p:tnLst>
+  </p:timing>
+</p:sld>
+</file>
+
+<file path=ppt/slides/slide20.xml><?xml version="1.0" encoding="utf-8"?>
 <p:sld xmlns:a="http://schemas.openxmlformats.org/drawingml/2006/main" xmlns:r="http://schemas.openxmlformats.org/officeDocument/2006/relationships" xmlns:p="http://schemas.openxmlformats.org/presentationml/2006/main">
   <p:cSld>
     <p:spTree>
@@ -11816,22 +13170,1279 @@
   <p:clrMapOvr>
     <a:masterClrMapping/>
   </p:clrMapOvr>
-  <mc:AlternateContent xmlns:mc="http://schemas.openxmlformats.org/markup-compatibility/2006" xmlns:p14="http://schemas.microsoft.com/office/powerpoint/2010/main">
-    <mc:Choice Requires="p14">
-      <p:transition p14:dur="100">
-        <p:cut/>
-      </p:transition>
-    </mc:Choice>
-    <mc:Fallback xmlns="">
-      <p:transition>
-        <p:cut/>
-      </p:transition>
-    </mc:Fallback>
-  </mc:AlternateContent>
+  <p:transition spd="slow">
+    <p:push dir="u"/>
+  </p:transition>
+  <p:timing>
+    <p:tnLst>
+      <p:par>
+        <p:cTn id="1" dur="indefinite" restart="never" nodeType="tmRoot"/>
+      </p:par>
+    </p:tnLst>
+  </p:timing>
 </p:sld>
 </file>
 
-<file path=ppt/slides/slide2.xml><?xml version="1.0" encoding="utf-8"?>
+<file path=ppt/slides/slide21.xml><?xml version="1.0" encoding="utf-8"?>
+<p:sld xmlns:a="http://schemas.openxmlformats.org/drawingml/2006/main" xmlns:r="http://schemas.openxmlformats.org/officeDocument/2006/relationships" xmlns:p="http://schemas.openxmlformats.org/presentationml/2006/main">
+  <p:cSld>
+    <p:spTree>
+      <p:nvGrpSpPr>
+        <p:cNvPr id="1" name=""/>
+        <p:cNvGrpSpPr/>
+        <p:nvPr/>
+      </p:nvGrpSpPr>
+      <p:grpSpPr>
+        <a:xfrm>
+          <a:off x="0" y="0"/>
+          <a:ext cx="0" cy="0"/>
+          <a:chOff x="0" y="0"/>
+          <a:chExt cx="0" cy="0"/>
+        </a:xfrm>
+      </p:grpSpPr>
+      <p:sp>
+        <p:nvSpPr>
+          <p:cNvPr id="2" name="Cím 1">
+            <a:extLst>
+              <a:ext uri="{FF2B5EF4-FFF2-40B4-BE49-F238E27FC236}">
+                <a16:creationId xmlns:a16="http://schemas.microsoft.com/office/drawing/2014/main" id="{7A46FD74-C76F-1565-48AF-914D398BAD34}"/>
+              </a:ext>
+            </a:extLst>
+          </p:cNvPr>
+          <p:cNvSpPr>
+            <a:spLocks noGrp="1"/>
+          </p:cNvSpPr>
+          <p:nvPr>
+            <p:ph type="title"/>
+          </p:nvPr>
+        </p:nvSpPr>
+        <p:spPr/>
+        <p:txBody>
+          <a:bodyPr/>
+          <a:lstStyle/>
+          <a:p>
+            <a:r>
+              <a:rPr lang="hu-HU" dirty="0" err="1"/>
+              <a:t>Trace</a:t>
+            </a:r>
+            <a:r>
+              <a:rPr lang="hu-HU" dirty="0"/>
+              <a:t> </a:t>
+            </a:r>
+            <a:r>
+              <a:rPr lang="hu-HU" dirty="0" err="1"/>
+              <a:t>route</a:t>
+            </a:r>
+          </a:p>
+        </p:txBody>
+      </p:sp>
+      <p:pic>
+        <p:nvPicPr>
+          <p:cNvPr id="5" name="Kép 4" descr="A képen szöveg, képernyőkép, Betűtípus látható&#10;&#10;Automatikusan generált leírás">
+            <a:extLst>
+              <a:ext uri="{FF2B5EF4-FFF2-40B4-BE49-F238E27FC236}">
+                <a16:creationId xmlns:a16="http://schemas.microsoft.com/office/drawing/2014/main" id="{809FD592-5568-4799-4DB9-16E85A7FD5A3}"/>
+              </a:ext>
+            </a:extLst>
+          </p:cNvPr>
+          <p:cNvPicPr>
+            <a:picLocks noChangeAspect="1"/>
+          </p:cNvPicPr>
+          <p:nvPr/>
+        </p:nvPicPr>
+        <p:blipFill>
+          <a:blip r:embed="rId2"/>
+          <a:stretch>
+            <a:fillRect/>
+          </a:stretch>
+        </p:blipFill>
+        <p:spPr>
+          <a:xfrm>
+            <a:off x="3045279" y="2363107"/>
+            <a:ext cx="6728460" cy="2136140"/>
+          </a:xfrm>
+          <a:prstGeom prst="rect">
+            <a:avLst/>
+          </a:prstGeom>
+        </p:spPr>
+      </p:pic>
+    </p:spTree>
+    <p:extLst>
+      <p:ext uri="{BB962C8B-B14F-4D97-AF65-F5344CB8AC3E}">
+        <p14:creationId xmlns:p14="http://schemas.microsoft.com/office/powerpoint/2010/main" val="1736369087"/>
+      </p:ext>
+    </p:extLst>
+  </p:cSld>
+  <p:clrMapOvr>
+    <a:masterClrMapping/>
+  </p:clrMapOvr>
+  <p:transition spd="slow">
+    <p:push dir="u"/>
+  </p:transition>
+  <p:timing>
+    <p:tnLst>
+      <p:par>
+        <p:cTn id="1" dur="indefinite" restart="never" nodeType="tmRoot"/>
+      </p:par>
+    </p:tnLst>
+  </p:timing>
+</p:sld>
+</file>
+
+<file path=ppt/slides/slide22.xml><?xml version="1.0" encoding="utf-8"?>
+<p:sld xmlns:a="http://schemas.openxmlformats.org/drawingml/2006/main" xmlns:r="http://schemas.openxmlformats.org/officeDocument/2006/relationships" xmlns:p="http://schemas.openxmlformats.org/presentationml/2006/main">
+  <p:cSld>
+    <p:bg>
+      <p:bgPr>
+        <a:blipFill rotWithShape="1">
+          <a:blip r:embed="rId2">
+            <a:duotone>
+              <a:schemeClr val="bg2">
+                <a:shade val="69000"/>
+                <a:hueMod val="91000"/>
+                <a:satMod val="164000"/>
+                <a:lumMod val="74000"/>
+              </a:schemeClr>
+              <a:schemeClr val="bg2">
+                <a:hueMod val="124000"/>
+                <a:satMod val="140000"/>
+                <a:lumMod val="142000"/>
+              </a:schemeClr>
+            </a:duotone>
+          </a:blip>
+          <a:stretch/>
+        </a:blipFill>
+        <a:effectLst/>
+      </p:bgPr>
+    </p:bg>
+    <p:spTree>
+      <p:nvGrpSpPr>
+        <p:cNvPr id="1" name=""/>
+        <p:cNvGrpSpPr/>
+        <p:nvPr/>
+      </p:nvGrpSpPr>
+      <p:grpSpPr>
+        <a:xfrm>
+          <a:off x="0" y="0"/>
+          <a:ext cx="0" cy="0"/>
+          <a:chOff x="0" y="0"/>
+          <a:chExt cx="0" cy="0"/>
+        </a:xfrm>
+      </p:grpSpPr>
+      <p:pic>
+        <p:nvPicPr>
+          <p:cNvPr id="24" name="Picture 23">
+            <a:extLst>
+              <a:ext uri="{FF2B5EF4-FFF2-40B4-BE49-F238E27FC236}">
+                <a16:creationId xmlns:a16="http://schemas.microsoft.com/office/drawing/2014/main" id="{603C1FDD-3EB9-4E32-AAFF-F0872E904A7D}"/>
+              </a:ext>
+              <a:ext uri="{C183D7F6-B498-43B3-948B-1728B52AA6E4}">
+                <adec:decorative xmlns="" xmlns:adec="http://schemas.microsoft.com/office/drawing/2017/decorative" val="1"/>
+              </a:ext>
+            </a:extLst>
+          </p:cNvPr>
+          <p:cNvPicPr>
+            <a:picLocks noGrp="1" noRot="1" noChangeAspect="1" noMove="1" noResize="1" noEditPoints="1" noAdjustHandles="1" noChangeArrowheads="1" noChangeShapeType="1" noCrop="1"/>
+          </p:cNvPicPr>
+          <p:nvPr>
+            <p:extLst>
+              <p:ext uri="{386F3935-93C4-4BCD-93E2-E3B085C9AB24}">
+                <p16:designElem xmlns:p16="http://schemas.microsoft.com/office/powerpoint/2015/main" val="1"/>
+              </p:ext>
+            </p:extLst>
+          </p:nvPr>
+        </p:nvPicPr>
+        <p:blipFill rotWithShape="1">
+          <a:blip r:embed="rId3">
+            <a:extLst>
+              <a:ext uri="{28A0092B-C50C-407E-A947-70E740481C1C}">
+                <a14:useLocalDpi xmlns:a14="http://schemas.microsoft.com/office/drawing/2010/main" val="0"/>
+              </a:ext>
+            </a:extLst>
+          </a:blip>
+          <a:srcRect l="3644"/>
+          <a:stretch/>
+        </p:blipFill>
+        <p:spPr>
+          <a:xfrm>
+            <a:off x="0" y="2669685"/>
+            <a:ext cx="4035669" cy="4188315"/>
+          </a:xfrm>
+          <a:prstGeom prst="rect">
+            <a:avLst/>
+          </a:prstGeom>
+        </p:spPr>
+      </p:pic>
+      <p:pic>
+        <p:nvPicPr>
+          <p:cNvPr id="26" name="Picture 25">
+            <a:extLst>
+              <a:ext uri="{FF2B5EF4-FFF2-40B4-BE49-F238E27FC236}">
+                <a16:creationId xmlns:a16="http://schemas.microsoft.com/office/drawing/2014/main" id="{B0C4B3D9-75AB-4AAB-B53A-4232B752D2F5}"/>
+              </a:ext>
+              <a:ext uri="{C183D7F6-B498-43B3-948B-1728B52AA6E4}">
+                <adec:decorative xmlns="" xmlns:adec="http://schemas.microsoft.com/office/drawing/2017/decorative" val="1"/>
+              </a:ext>
+            </a:extLst>
+          </p:cNvPr>
+          <p:cNvPicPr>
+            <a:picLocks noGrp="1" noRot="1" noChangeAspect="1" noMove="1" noResize="1" noEditPoints="1" noAdjustHandles="1" noChangeArrowheads="1" noChangeShapeType="1" noCrop="1"/>
+          </p:cNvPicPr>
+          <p:nvPr>
+            <p:extLst>
+              <p:ext uri="{386F3935-93C4-4BCD-93E2-E3B085C9AB24}">
+                <p16:designElem xmlns:p16="http://schemas.microsoft.com/office/powerpoint/2015/main" val="1"/>
+              </p:ext>
+            </p:extLst>
+          </p:nvPr>
+        </p:nvPicPr>
+        <p:blipFill rotWithShape="1">
+          <a:blip r:embed="rId4">
+            <a:extLst>
+              <a:ext uri="{28A0092B-C50C-407E-A947-70E740481C1C}">
+                <a14:useLocalDpi xmlns:a14="http://schemas.microsoft.com/office/drawing/2010/main" val="0"/>
+              </a:ext>
+            </a:extLst>
+          </a:blip>
+          <a:srcRect l="35640"/>
+          <a:stretch/>
+        </p:blipFill>
+        <p:spPr>
+          <a:xfrm>
+            <a:off x="0" y="2892347"/>
+            <a:ext cx="1522412" cy="2365453"/>
+          </a:xfrm>
+          <a:prstGeom prst="rect">
+            <a:avLst/>
+          </a:prstGeom>
+        </p:spPr>
+      </p:pic>
+      <p:sp>
+        <p:nvSpPr>
+          <p:cNvPr id="28" name="Oval 27">
+            <a:extLst>
+              <a:ext uri="{FF2B5EF4-FFF2-40B4-BE49-F238E27FC236}">
+                <a16:creationId xmlns:a16="http://schemas.microsoft.com/office/drawing/2014/main" id="{1D73A963-D417-4FD9-851E-5E323F67D1BF}"/>
+              </a:ext>
+              <a:ext uri="{C183D7F6-B498-43B3-948B-1728B52AA6E4}">
+                <adec:decorative xmlns="" xmlns:adec="http://schemas.microsoft.com/office/drawing/2017/decorative" val="1"/>
+              </a:ext>
+            </a:extLst>
+          </p:cNvPr>
+          <p:cNvSpPr>
+            <a:spLocks noGrp="1" noRot="1" noChangeAspect="1" noMove="1" noResize="1" noEditPoints="1" noAdjustHandles="1" noChangeArrowheads="1" noChangeShapeType="1" noTextEdit="1"/>
+          </p:cNvSpPr>
+          <p:nvPr>
+            <p:extLst>
+              <p:ext uri="{386F3935-93C4-4BCD-93E2-E3B085C9AB24}">
+                <p16:designElem xmlns:p16="http://schemas.microsoft.com/office/powerpoint/2015/main" val="1"/>
+              </p:ext>
+            </p:extLst>
+          </p:nvPr>
+        </p:nvSpPr>
+        <p:spPr>
+          <a:xfrm>
+            <a:off x="8609012" y="1676400"/>
+            <a:ext cx="2819400" cy="2819400"/>
+          </a:xfrm>
+          <a:prstGeom prst="ellipse">
+            <a:avLst/>
+          </a:prstGeom>
+          <a:gradFill flip="none" rotWithShape="1">
+            <a:gsLst>
+              <a:gs pos="0">
+                <a:schemeClr val="accent5">
+                  <a:alpha val="7000"/>
+                </a:schemeClr>
+              </a:gs>
+              <a:gs pos="69000">
+                <a:schemeClr val="accent5">
+                  <a:alpha val="0"/>
+                </a:schemeClr>
+              </a:gs>
+              <a:gs pos="36000">
+                <a:schemeClr val="accent5">
+                  <a:alpha val="6000"/>
+                </a:schemeClr>
+              </a:gs>
+            </a:gsLst>
+            <a:path path="circle">
+              <a:fillToRect l="50000" t="50000" r="50000" b="50000"/>
+            </a:path>
+            <a:tileRect/>
+          </a:gradFill>
+          <a:ln>
+            <a:noFill/>
+          </a:ln>
+          <a:effectLst/>
+        </p:spPr>
+        <p:style>
+          <a:lnRef idx="1">
+            <a:schemeClr val="accent1"/>
+          </a:lnRef>
+          <a:fillRef idx="3">
+            <a:schemeClr val="accent1"/>
+          </a:fillRef>
+          <a:effectRef idx="2">
+            <a:schemeClr val="accent1"/>
+          </a:effectRef>
+          <a:fontRef idx="minor">
+            <a:schemeClr val="lt1"/>
+          </a:fontRef>
+        </p:style>
+      </p:sp>
+      <p:pic>
+        <p:nvPicPr>
+          <p:cNvPr id="30" name="Picture 29">
+            <a:extLst>
+              <a:ext uri="{FF2B5EF4-FFF2-40B4-BE49-F238E27FC236}">
+                <a16:creationId xmlns:a16="http://schemas.microsoft.com/office/drawing/2014/main" id="{72E40AAF-9C56-4002-B55E-6A255814861C}"/>
+              </a:ext>
+              <a:ext uri="{C183D7F6-B498-43B3-948B-1728B52AA6E4}">
+                <adec:decorative xmlns="" xmlns:adec="http://schemas.microsoft.com/office/drawing/2017/decorative" val="1"/>
+              </a:ext>
+            </a:extLst>
+          </p:cNvPr>
+          <p:cNvPicPr>
+            <a:picLocks noGrp="1" noRot="1" noChangeAspect="1" noMove="1" noResize="1" noEditPoints="1" noAdjustHandles="1" noChangeArrowheads="1" noChangeShapeType="1" noCrop="1"/>
+          </p:cNvPicPr>
+          <p:nvPr>
+            <p:extLst>
+              <p:ext uri="{386F3935-93C4-4BCD-93E2-E3B085C9AB24}">
+                <p16:designElem xmlns:p16="http://schemas.microsoft.com/office/powerpoint/2015/main" val="1"/>
+              </p:ext>
+            </p:extLst>
+          </p:nvPr>
+        </p:nvPicPr>
+        <p:blipFill rotWithShape="1">
+          <a:blip r:embed="rId5">
+            <a:extLst>
+              <a:ext uri="{28A0092B-C50C-407E-A947-70E740481C1C}">
+                <a14:useLocalDpi xmlns:a14="http://schemas.microsoft.com/office/drawing/2010/main" val="0"/>
+              </a:ext>
+            </a:extLst>
+          </a:blip>
+          <a:srcRect t="28813"/>
+          <a:stretch/>
+        </p:blipFill>
+        <p:spPr>
+          <a:xfrm>
+            <a:off x="7999412" y="0"/>
+            <a:ext cx="1603387" cy="1141407"/>
+          </a:xfrm>
+          <a:prstGeom prst="rect">
+            <a:avLst/>
+          </a:prstGeom>
+        </p:spPr>
+      </p:pic>
+      <p:pic>
+        <p:nvPicPr>
+          <p:cNvPr id="32" name="Picture 31">
+            <a:extLst>
+              <a:ext uri="{FF2B5EF4-FFF2-40B4-BE49-F238E27FC236}">
+                <a16:creationId xmlns:a16="http://schemas.microsoft.com/office/drawing/2014/main" id="{CF4F217F-0736-44C0-9047-DD52FCA2F2A4}"/>
+              </a:ext>
+              <a:ext uri="{C183D7F6-B498-43B3-948B-1728B52AA6E4}">
+                <adec:decorative xmlns="" xmlns:adec="http://schemas.microsoft.com/office/drawing/2017/decorative" val="1"/>
+              </a:ext>
+            </a:extLst>
+          </p:cNvPr>
+          <p:cNvPicPr>
+            <a:picLocks noGrp="1" noRot="1" noChangeAspect="1" noMove="1" noResize="1" noEditPoints="1" noAdjustHandles="1" noChangeArrowheads="1" noChangeShapeType="1" noCrop="1"/>
+          </p:cNvPicPr>
+          <p:nvPr>
+            <p:extLst>
+              <p:ext uri="{386F3935-93C4-4BCD-93E2-E3B085C9AB24}">
+                <p16:designElem xmlns:p16="http://schemas.microsoft.com/office/powerpoint/2015/main" val="1"/>
+              </p:ext>
+            </p:extLst>
+          </p:nvPr>
+        </p:nvPicPr>
+        <p:blipFill rotWithShape="1">
+          <a:blip r:embed="rId6">
+            <a:extLst>
+              <a:ext uri="{28A0092B-C50C-407E-A947-70E740481C1C}">
+                <a14:useLocalDpi xmlns:a14="http://schemas.microsoft.com/office/drawing/2010/main" val="0"/>
+              </a:ext>
+            </a:extLst>
+          </a:blip>
+          <a:srcRect b="23320"/>
+          <a:stretch/>
+        </p:blipFill>
+        <p:spPr>
+          <a:xfrm>
+            <a:off x="8609012" y="6096000"/>
+            <a:ext cx="993734" cy="762000"/>
+          </a:xfrm>
+          <a:prstGeom prst="rect">
+            <a:avLst/>
+          </a:prstGeom>
+        </p:spPr>
+      </p:pic>
+      <p:sp>
+        <p:nvSpPr>
+          <p:cNvPr id="34" name="Rectangle 33">
+            <a:extLst>
+              <a:ext uri="{FF2B5EF4-FFF2-40B4-BE49-F238E27FC236}">
+                <a16:creationId xmlns:a16="http://schemas.microsoft.com/office/drawing/2014/main" id="{2DCB6E42-3037-40F7-A351-6B952A870339}"/>
+              </a:ext>
+              <a:ext uri="{C183D7F6-B498-43B3-948B-1728B52AA6E4}">
+                <adec:decorative xmlns="" xmlns:adec="http://schemas.microsoft.com/office/drawing/2017/decorative" val="1"/>
+              </a:ext>
+            </a:extLst>
+          </p:cNvPr>
+          <p:cNvSpPr>
+            <a:spLocks noGrp="1" noRot="1" noChangeAspect="1" noMove="1" noResize="1" noEditPoints="1" noAdjustHandles="1" noChangeArrowheads="1" noChangeShapeType="1" noTextEdit="1"/>
+          </p:cNvSpPr>
+          <p:nvPr>
+            <p:extLst>
+              <p:ext uri="{386F3935-93C4-4BCD-93E2-E3B085C9AB24}">
+                <p16:designElem xmlns:p16="http://schemas.microsoft.com/office/powerpoint/2015/main" val="1"/>
+              </p:ext>
+            </p:extLst>
+          </p:nvPr>
+        </p:nvSpPr>
+        <p:spPr>
+          <a:xfrm>
+            <a:off x="10437812" y="0"/>
+            <a:ext cx="685800" cy="1143000"/>
+          </a:xfrm>
+          <a:prstGeom prst="rect">
+            <a:avLst/>
+          </a:prstGeom>
+          <a:solidFill>
+            <a:schemeClr val="accent1"/>
+          </a:solidFill>
+          <a:ln>
+            <a:noFill/>
+          </a:ln>
+        </p:spPr>
+        <p:style>
+          <a:lnRef idx="1">
+            <a:schemeClr val="accent1"/>
+          </a:lnRef>
+          <a:fillRef idx="3">
+            <a:schemeClr val="accent1"/>
+          </a:fillRef>
+          <a:effectRef idx="2">
+            <a:schemeClr val="accent1"/>
+          </a:effectRef>
+          <a:fontRef idx="minor">
+            <a:schemeClr val="lt1"/>
+          </a:fontRef>
+        </p:style>
+      </p:sp>
+      <p:sp>
+        <p:nvSpPr>
+          <p:cNvPr id="2" name="Cím 1">
+            <a:extLst>
+              <a:ext uri="{FF2B5EF4-FFF2-40B4-BE49-F238E27FC236}">
+                <a16:creationId xmlns:a16="http://schemas.microsoft.com/office/drawing/2014/main" id="{8F70B007-F15D-4D66-48A6-F81BF60D20C2}"/>
+              </a:ext>
+            </a:extLst>
+          </p:cNvPr>
+          <p:cNvSpPr>
+            <a:spLocks noGrp="1"/>
+          </p:cNvSpPr>
+          <p:nvPr>
+            <p:ph type="title"/>
+          </p:nvPr>
+        </p:nvSpPr>
+        <p:spPr>
+          <a:xfrm>
+            <a:off x="8210623" y="1447800"/>
+            <a:ext cx="3333676" cy="3096987"/>
+          </a:xfrm>
+        </p:spPr>
+        <p:txBody>
+          <a:bodyPr vert="horz" lIns="91440" tIns="45720" rIns="91440" bIns="45720" rtlCol="0" anchor="b">
+            <a:normAutofit/>
+          </a:bodyPr>
+          <a:lstStyle/>
+          <a:p>
+            <a:r>
+              <a:rPr lang="en-US" sz="5400"/>
+              <a:t>NAT </a:t>
+            </a:r>
+          </a:p>
+        </p:txBody>
+      </p:sp>
+      <p:sp>
+        <p:nvSpPr>
+          <p:cNvPr id="36" name="Rectangle 35">
+            <a:extLst>
+              <a:ext uri="{FF2B5EF4-FFF2-40B4-BE49-F238E27FC236}">
+                <a16:creationId xmlns:a16="http://schemas.microsoft.com/office/drawing/2014/main" id="{5D4C4D9B-8464-4F80-A369-88E6980D4BA0}"/>
+              </a:ext>
+              <a:ext uri="{C183D7F6-B498-43B3-948B-1728B52AA6E4}">
+                <adec:decorative xmlns="" xmlns:adec="http://schemas.microsoft.com/office/drawing/2017/decorative" val="1"/>
+              </a:ext>
+            </a:extLst>
+          </p:cNvPr>
+          <p:cNvSpPr>
+            <a:spLocks noGrp="1" noRot="1" noChangeAspect="1" noMove="1" noResize="1" noEditPoints="1" noAdjustHandles="1" noChangeArrowheads="1" noChangeShapeType="1" noTextEdit="1"/>
+          </p:cNvSpPr>
+          <p:nvPr>
+            <p:extLst>
+              <p:ext uri="{386F3935-93C4-4BCD-93E2-E3B085C9AB24}">
+                <p16:designElem xmlns:p16="http://schemas.microsoft.com/office/powerpoint/2015/main" val="1"/>
+              </p:ext>
+            </p:extLst>
+          </p:nvPr>
+        </p:nvSpPr>
+        <p:spPr>
+          <a:xfrm>
+            <a:off x="0" y="0"/>
+            <a:ext cx="7157124" cy="6858000"/>
+          </a:xfrm>
+          <a:prstGeom prst="rect">
+            <a:avLst/>
+          </a:prstGeom>
+          <a:solidFill>
+            <a:srgbClr val="FFFFFF"/>
+          </a:solidFill>
+          <a:ln>
+            <a:noFill/>
+          </a:ln>
+        </p:spPr>
+        <p:style>
+          <a:lnRef idx="2">
+            <a:schemeClr val="accent1">
+              <a:shade val="50000"/>
+            </a:schemeClr>
+          </a:lnRef>
+          <a:fillRef idx="1">
+            <a:schemeClr val="accent1"/>
+          </a:fillRef>
+          <a:effectRef idx="0">
+            <a:schemeClr val="accent1"/>
+          </a:effectRef>
+          <a:fontRef idx="minor">
+            <a:schemeClr val="lt1"/>
+          </a:fontRef>
+        </p:style>
+        <p:txBody>
+          <a:bodyPr rtlCol="0" anchor="ctr"/>
+          <a:lstStyle/>
+          <a:p>
+            <a:pPr algn="ctr"/>
+            <a:endParaRPr lang="en-US"/>
+          </a:p>
+        </p:txBody>
+      </p:sp>
+      <p:sp>
+        <p:nvSpPr>
+          <p:cNvPr id="38" name="Freeform 31">
+            <a:extLst>
+              <a:ext uri="{FF2B5EF4-FFF2-40B4-BE49-F238E27FC236}">
+                <a16:creationId xmlns:a16="http://schemas.microsoft.com/office/drawing/2014/main" id="{D5BA1A12-370B-43EB-B7BC-87A24667ABA2}"/>
+              </a:ext>
+              <a:ext uri="{C183D7F6-B498-43B3-948B-1728B52AA6E4}">
+                <adec:decorative xmlns="" xmlns:adec="http://schemas.microsoft.com/office/drawing/2017/decorative" val="1"/>
+              </a:ext>
+            </a:extLst>
+          </p:cNvPr>
+          <p:cNvSpPr>
+            <a:spLocks noGrp="1" noRot="1" noChangeAspect="1" noMove="1" noResize="1" noEditPoints="1" noAdjustHandles="1" noChangeArrowheads="1" noChangeShapeType="1" noTextEdit="1"/>
+          </p:cNvSpPr>
+          <p:nvPr>
+            <p:extLst>
+              <p:ext uri="{386F3935-93C4-4BCD-93E2-E3B085C9AB24}">
+                <p16:designElem xmlns:p16="http://schemas.microsoft.com/office/powerpoint/2015/main" val="1"/>
+              </p:ext>
+            </p:extLst>
+          </p:nvPr>
+        </p:nvSpPr>
+        <p:spPr>
+          <a:xfrm flipH="1">
+            <a:off x="7463681" y="-1"/>
+            <a:ext cx="559472" cy="3709642"/>
+          </a:xfrm>
+          <a:custGeom>
+            <a:avLst/>
+            <a:gdLst>
+              <a:gd name="connsiteX0" fmla="*/ 0 w 559472"/>
+              <a:gd name="connsiteY0" fmla="*/ 0 h 3709642"/>
+              <a:gd name="connsiteX1" fmla="*/ 473952 w 559472"/>
+              <a:gd name="connsiteY1" fmla="*/ 0 h 3709642"/>
+              <a:gd name="connsiteX2" fmla="*/ 485840 w 559472"/>
+              <a:gd name="connsiteY2" fmla="*/ 161194 h 3709642"/>
+              <a:gd name="connsiteX3" fmla="*/ 523949 w 559472"/>
+              <a:gd name="connsiteY3" fmla="*/ 3672197 h 3709642"/>
+              <a:gd name="connsiteX4" fmla="*/ 454748 w 559472"/>
+              <a:gd name="connsiteY4" fmla="*/ 3709642 h 3709642"/>
+              <a:gd name="connsiteX5" fmla="*/ 448224 w 559472"/>
+              <a:gd name="connsiteY5" fmla="*/ 3510471 h 3709642"/>
+              <a:gd name="connsiteX6" fmla="*/ 443564 w 559472"/>
+              <a:gd name="connsiteY6" fmla="*/ 3408563 h 3709642"/>
+              <a:gd name="connsiteX7" fmla="*/ 438902 w 559472"/>
+              <a:gd name="connsiteY7" fmla="*/ 3304407 h 3709642"/>
+              <a:gd name="connsiteX8" fmla="*/ 433941 w 559472"/>
+              <a:gd name="connsiteY8" fmla="*/ 3198777 h 3709642"/>
+              <a:gd name="connsiteX9" fmla="*/ 427584 w 559472"/>
+              <a:gd name="connsiteY9" fmla="*/ 3092510 h 3709642"/>
+              <a:gd name="connsiteX10" fmla="*/ 420988 w 559472"/>
+              <a:gd name="connsiteY10" fmla="*/ 2984390 h 3709642"/>
+              <a:gd name="connsiteX11" fmla="*/ 414330 w 559472"/>
+              <a:gd name="connsiteY11" fmla="*/ 2874401 h 3709642"/>
+              <a:gd name="connsiteX12" fmla="*/ 406840 w 559472"/>
+              <a:gd name="connsiteY12" fmla="*/ 2762980 h 3709642"/>
+              <a:gd name="connsiteX13" fmla="*/ 397745 w 559472"/>
+              <a:gd name="connsiteY13" fmla="*/ 2650566 h 3709642"/>
+              <a:gd name="connsiteX14" fmla="*/ 389154 w 559472"/>
+              <a:gd name="connsiteY14" fmla="*/ 2536612 h 3709642"/>
+              <a:gd name="connsiteX15" fmla="*/ 379225 w 559472"/>
+              <a:gd name="connsiteY15" fmla="*/ 2421642 h 3709642"/>
+              <a:gd name="connsiteX16" fmla="*/ 368316 w 559472"/>
+              <a:gd name="connsiteY16" fmla="*/ 2305627 h 3709642"/>
+              <a:gd name="connsiteX17" fmla="*/ 357466 w 559472"/>
+              <a:gd name="connsiteY17" fmla="*/ 2189233 h 3709642"/>
+              <a:gd name="connsiteX18" fmla="*/ 344982 w 559472"/>
+              <a:gd name="connsiteY18" fmla="*/ 2071473 h 3709642"/>
+              <a:gd name="connsiteX19" fmla="*/ 332466 w 559472"/>
+              <a:gd name="connsiteY19" fmla="*/ 1952216 h 3709642"/>
+              <a:gd name="connsiteX20" fmla="*/ 319121 w 559472"/>
+              <a:gd name="connsiteY20" fmla="*/ 1833776 h 3709642"/>
+              <a:gd name="connsiteX21" fmla="*/ 304408 w 559472"/>
+              <a:gd name="connsiteY21" fmla="*/ 1713948 h 3709642"/>
+              <a:gd name="connsiteX22" fmla="*/ 288685 w 559472"/>
+              <a:gd name="connsiteY22" fmla="*/ 1592703 h 3709642"/>
+              <a:gd name="connsiteX23" fmla="*/ 273050 w 559472"/>
+              <a:gd name="connsiteY23" fmla="*/ 1471451 h 3709642"/>
+              <a:gd name="connsiteX24" fmla="*/ 255813 w 559472"/>
+              <a:gd name="connsiteY24" fmla="*/ 1350328 h 3709642"/>
+              <a:gd name="connsiteX25" fmla="*/ 237060 w 559472"/>
+              <a:gd name="connsiteY25" fmla="*/ 1227080 h 3709642"/>
+              <a:gd name="connsiteX26" fmla="*/ 218488 w 559472"/>
+              <a:gd name="connsiteY26" fmla="*/ 1106065 h 3709642"/>
+              <a:gd name="connsiteX27" fmla="*/ 198221 w 559472"/>
+              <a:gd name="connsiteY27" fmla="*/ 982940 h 3709642"/>
+              <a:gd name="connsiteX28" fmla="*/ 177152 w 559472"/>
+              <a:gd name="connsiteY28" fmla="*/ 858755 h 3709642"/>
+              <a:gd name="connsiteX29" fmla="*/ 155551 w 559472"/>
+              <a:gd name="connsiteY29" fmla="*/ 736861 h 3709642"/>
+              <a:gd name="connsiteX30" fmla="*/ 131782 w 559472"/>
+              <a:gd name="connsiteY30" fmla="*/ 613645 h 3709642"/>
+              <a:gd name="connsiteX31" fmla="*/ 107123 w 559472"/>
+              <a:gd name="connsiteY31" fmla="*/ 490500 h 3709642"/>
+              <a:gd name="connsiteX32" fmla="*/ 82552 w 559472"/>
+              <a:gd name="connsiteY32" fmla="*/ 367348 h 3709642"/>
+              <a:gd name="connsiteX33" fmla="*/ 55608 w 559472"/>
+              <a:gd name="connsiteY33" fmla="*/ 244762 h 3709642"/>
+              <a:gd name="connsiteX34" fmla="*/ 28130 w 559472"/>
+              <a:gd name="connsiteY34" fmla="*/ 122220 h 3709642"/>
+              <a:gd name="connsiteX35" fmla="*/ 0 w 559472"/>
+              <a:gd name="connsiteY35" fmla="*/ 0 h 3709642"/>
+            </a:gdLst>
+            <a:ahLst/>
+            <a:cxnLst>
+              <a:cxn ang="0">
+                <a:pos x="connsiteX0" y="connsiteY0"/>
+              </a:cxn>
+              <a:cxn ang="0">
+                <a:pos x="connsiteX1" y="connsiteY1"/>
+              </a:cxn>
+              <a:cxn ang="0">
+                <a:pos x="connsiteX2" y="connsiteY2"/>
+              </a:cxn>
+              <a:cxn ang="0">
+                <a:pos x="connsiteX3" y="connsiteY3"/>
+              </a:cxn>
+              <a:cxn ang="0">
+                <a:pos x="connsiteX4" y="connsiteY4"/>
+              </a:cxn>
+              <a:cxn ang="0">
+                <a:pos x="connsiteX5" y="connsiteY5"/>
+              </a:cxn>
+              <a:cxn ang="0">
+                <a:pos x="connsiteX6" y="connsiteY6"/>
+              </a:cxn>
+              <a:cxn ang="0">
+                <a:pos x="connsiteX7" y="connsiteY7"/>
+              </a:cxn>
+              <a:cxn ang="0">
+                <a:pos x="connsiteX8" y="connsiteY8"/>
+              </a:cxn>
+              <a:cxn ang="0">
+                <a:pos x="connsiteX9" y="connsiteY9"/>
+              </a:cxn>
+              <a:cxn ang="0">
+                <a:pos x="connsiteX10" y="connsiteY10"/>
+              </a:cxn>
+              <a:cxn ang="0">
+                <a:pos x="connsiteX11" y="connsiteY11"/>
+              </a:cxn>
+              <a:cxn ang="0">
+                <a:pos x="connsiteX12" y="connsiteY12"/>
+              </a:cxn>
+              <a:cxn ang="0">
+                <a:pos x="connsiteX13" y="connsiteY13"/>
+              </a:cxn>
+              <a:cxn ang="0">
+                <a:pos x="connsiteX14" y="connsiteY14"/>
+              </a:cxn>
+              <a:cxn ang="0">
+                <a:pos x="connsiteX15" y="connsiteY15"/>
+              </a:cxn>
+              <a:cxn ang="0">
+                <a:pos x="connsiteX16" y="connsiteY16"/>
+              </a:cxn>
+              <a:cxn ang="0">
+                <a:pos x="connsiteX17" y="connsiteY17"/>
+              </a:cxn>
+              <a:cxn ang="0">
+                <a:pos x="connsiteX18" y="connsiteY18"/>
+              </a:cxn>
+              <a:cxn ang="0">
+                <a:pos x="connsiteX19" y="connsiteY19"/>
+              </a:cxn>
+              <a:cxn ang="0">
+                <a:pos x="connsiteX20" y="connsiteY20"/>
+              </a:cxn>
+              <a:cxn ang="0">
+                <a:pos x="connsiteX21" y="connsiteY21"/>
+              </a:cxn>
+              <a:cxn ang="0">
+                <a:pos x="connsiteX22" y="connsiteY22"/>
+              </a:cxn>
+              <a:cxn ang="0">
+                <a:pos x="connsiteX23" y="connsiteY23"/>
+              </a:cxn>
+              <a:cxn ang="0">
+                <a:pos x="connsiteX24" y="connsiteY24"/>
+              </a:cxn>
+              <a:cxn ang="0">
+                <a:pos x="connsiteX25" y="connsiteY25"/>
+              </a:cxn>
+              <a:cxn ang="0">
+                <a:pos x="connsiteX26" y="connsiteY26"/>
+              </a:cxn>
+              <a:cxn ang="0">
+                <a:pos x="connsiteX27" y="connsiteY27"/>
+              </a:cxn>
+              <a:cxn ang="0">
+                <a:pos x="connsiteX28" y="connsiteY28"/>
+              </a:cxn>
+              <a:cxn ang="0">
+                <a:pos x="connsiteX29" y="connsiteY29"/>
+              </a:cxn>
+              <a:cxn ang="0">
+                <a:pos x="connsiteX30" y="connsiteY30"/>
+              </a:cxn>
+              <a:cxn ang="0">
+                <a:pos x="connsiteX31" y="connsiteY31"/>
+              </a:cxn>
+              <a:cxn ang="0">
+                <a:pos x="connsiteX32" y="connsiteY32"/>
+              </a:cxn>
+              <a:cxn ang="0">
+                <a:pos x="connsiteX33" y="connsiteY33"/>
+              </a:cxn>
+              <a:cxn ang="0">
+                <a:pos x="connsiteX34" y="connsiteY34"/>
+              </a:cxn>
+              <a:cxn ang="0">
+                <a:pos x="connsiteX35" y="connsiteY35"/>
+              </a:cxn>
+            </a:cxnLst>
+            <a:rect l="l" t="t" r="r" b="b"/>
+            <a:pathLst>
+              <a:path w="559472" h="3709642">
+                <a:moveTo>
+                  <a:pt x="0" y="0"/>
+                </a:moveTo>
+                <a:lnTo>
+                  <a:pt x="473952" y="0"/>
+                </a:lnTo>
+                <a:lnTo>
+                  <a:pt x="485840" y="161194"/>
+                </a:lnTo>
+                <a:cubicBezTo>
+                  <a:pt x="552063" y="1147770"/>
+                  <a:pt x="592441" y="3086737"/>
+                  <a:pt x="523949" y="3672197"/>
+                </a:cubicBezTo>
+                <a:cubicBezTo>
+                  <a:pt x="500842" y="3684557"/>
+                  <a:pt x="477855" y="3697282"/>
+                  <a:pt x="454748" y="3709642"/>
+                </a:cubicBezTo>
+                <a:lnTo>
+                  <a:pt x="448224" y="3510471"/>
+                </a:lnTo>
+                <a:lnTo>
+                  <a:pt x="443564" y="3408563"/>
+                </a:lnTo>
+                <a:lnTo>
+                  <a:pt x="438902" y="3304407"/>
+                </a:lnTo>
+                <a:lnTo>
+                  <a:pt x="433941" y="3198777"/>
+                </a:lnTo>
+                <a:lnTo>
+                  <a:pt x="427584" y="3092510"/>
+                </a:lnTo>
+                <a:lnTo>
+                  <a:pt x="420988" y="2984390"/>
+                </a:lnTo>
+                <a:lnTo>
+                  <a:pt x="414330" y="2874401"/>
+                </a:lnTo>
+                <a:lnTo>
+                  <a:pt x="406840" y="2762980"/>
+                </a:lnTo>
+                <a:lnTo>
+                  <a:pt x="397745" y="2650566"/>
+                </a:lnTo>
+                <a:lnTo>
+                  <a:pt x="389154" y="2536612"/>
+                </a:lnTo>
+                <a:lnTo>
+                  <a:pt x="379225" y="2421642"/>
+                </a:lnTo>
+                <a:lnTo>
+                  <a:pt x="368316" y="2305627"/>
+                </a:lnTo>
+                <a:lnTo>
+                  <a:pt x="357466" y="2189233"/>
+                </a:lnTo>
+                <a:lnTo>
+                  <a:pt x="344982" y="2071473"/>
+                </a:lnTo>
+                <a:lnTo>
+                  <a:pt x="332466" y="1952216"/>
+                </a:lnTo>
+                <a:lnTo>
+                  <a:pt x="319121" y="1833776"/>
+                </a:lnTo>
+                <a:lnTo>
+                  <a:pt x="304408" y="1713948"/>
+                </a:lnTo>
+                <a:lnTo>
+                  <a:pt x="288685" y="1592703"/>
+                </a:lnTo>
+                <a:lnTo>
+                  <a:pt x="273050" y="1471451"/>
+                </a:lnTo>
+                <a:lnTo>
+                  <a:pt x="255813" y="1350328"/>
+                </a:lnTo>
+                <a:lnTo>
+                  <a:pt x="237060" y="1227080"/>
+                </a:lnTo>
+                <a:lnTo>
+                  <a:pt x="218488" y="1106065"/>
+                </a:lnTo>
+                <a:lnTo>
+                  <a:pt x="198221" y="982940"/>
+                </a:lnTo>
+                <a:lnTo>
+                  <a:pt x="177152" y="858755"/>
+                </a:lnTo>
+                <a:lnTo>
+                  <a:pt x="155551" y="736861"/>
+                </a:lnTo>
+                <a:lnTo>
+                  <a:pt x="131782" y="613645"/>
+                </a:lnTo>
+                <a:lnTo>
+                  <a:pt x="107123" y="490500"/>
+                </a:lnTo>
+                <a:lnTo>
+                  <a:pt x="82552" y="367348"/>
+                </a:lnTo>
+                <a:lnTo>
+                  <a:pt x="55608" y="244762"/>
+                </a:lnTo>
+                <a:lnTo>
+                  <a:pt x="28130" y="122220"/>
+                </a:lnTo>
+                <a:lnTo>
+                  <a:pt x="0" y="0"/>
+                </a:lnTo>
+                <a:close/>
+              </a:path>
+            </a:pathLst>
+          </a:custGeom>
+          <a:solidFill>
+            <a:schemeClr val="tx1">
+              <a:alpha val="20000"/>
+            </a:schemeClr>
+          </a:solidFill>
+          <a:ln>
+            <a:noFill/>
+          </a:ln>
+        </p:spPr>
+        <p:txBody>
+          <a:bodyPr rtlCol="0" anchor="ctr"/>
+          <a:lstStyle/>
+          <a:p>
+            <a:pPr algn="ctr"/>
+            <a:endParaRPr lang="en-US"/>
+          </a:p>
+        </p:txBody>
+      </p:sp>
+      <p:sp>
+        <p:nvSpPr>
+          <p:cNvPr id="40" name="Freeform 5">
+            <a:extLst>
+              <a:ext uri="{FF2B5EF4-FFF2-40B4-BE49-F238E27FC236}">
+                <a16:creationId xmlns:a16="http://schemas.microsoft.com/office/drawing/2014/main" id="{95DBBBEB-F8DF-4794-86A8-BD884F7E6794}"/>
+              </a:ext>
+              <a:ext uri="{C183D7F6-B498-43B3-948B-1728B52AA6E4}">
+                <adec:decorative xmlns="" xmlns:adec="http://schemas.microsoft.com/office/drawing/2017/decorative" val="1"/>
+              </a:ext>
+            </a:extLst>
+          </p:cNvPr>
+          <p:cNvSpPr>
+            <a:spLocks noGrp="1" noRot="1" noChangeAspect="1" noMove="1" noResize="1" noEditPoints="1" noAdjustHandles="1" noChangeArrowheads="1" noChangeShapeType="1" noTextEdit="1"/>
+          </p:cNvSpPr>
+          <p:nvPr>
+            <p:extLst>
+              <p:ext uri="{386F3935-93C4-4BCD-93E2-E3B085C9AB24}">
+                <p16:designElem xmlns:p16="http://schemas.microsoft.com/office/powerpoint/2015/main" val="1"/>
+              </p:ext>
+            </p:extLst>
+          </p:nvPr>
+        </p:nvSpPr>
+        <p:spPr bwMode="gray">
+          <a:xfrm rot="5400000" flipH="1">
+            <a:off x="3708596" y="2756642"/>
+            <a:ext cx="6858000" cy="1344715"/>
+          </a:xfrm>
+          <a:custGeom>
+            <a:avLst/>
+            <a:gdLst/>
+            <a:ahLst/>
+            <a:cxnLst/>
+            <a:rect l="l" t="t" r="r" b="b"/>
+            <a:pathLst>
+              <a:path w="10000" h="8000">
+                <a:moveTo>
+                  <a:pt x="0" y="0"/>
+                </a:moveTo>
+                <a:lnTo>
+                  <a:pt x="0" y="7970"/>
+                </a:lnTo>
+                <a:lnTo>
+                  <a:pt x="10000" y="8000"/>
+                </a:lnTo>
+                <a:lnTo>
+                  <a:pt x="10000" y="7"/>
+                </a:lnTo>
+                <a:lnTo>
+                  <a:pt x="10000" y="7"/>
+                </a:lnTo>
+                <a:lnTo>
+                  <a:pt x="9773" y="156"/>
+                </a:lnTo>
+                <a:lnTo>
+                  <a:pt x="9547" y="298"/>
+                </a:lnTo>
+                <a:lnTo>
+                  <a:pt x="9320" y="437"/>
+                </a:lnTo>
+                <a:lnTo>
+                  <a:pt x="9092" y="556"/>
+                </a:lnTo>
+                <a:lnTo>
+                  <a:pt x="8865" y="676"/>
+                </a:lnTo>
+                <a:lnTo>
+                  <a:pt x="8637" y="788"/>
+                </a:lnTo>
+                <a:lnTo>
+                  <a:pt x="8412" y="884"/>
+                </a:lnTo>
+                <a:lnTo>
+                  <a:pt x="8184" y="975"/>
+                </a:lnTo>
+                <a:lnTo>
+                  <a:pt x="7957" y="1058"/>
+                </a:lnTo>
+                <a:lnTo>
+                  <a:pt x="7734" y="1130"/>
+                </a:lnTo>
+                <a:lnTo>
+                  <a:pt x="7508" y="1202"/>
+                </a:lnTo>
+                <a:lnTo>
+                  <a:pt x="7285" y="1262"/>
+                </a:lnTo>
+                <a:lnTo>
+                  <a:pt x="7062" y="1309"/>
+                </a:lnTo>
+                <a:lnTo>
+                  <a:pt x="6840" y="1358"/>
+                </a:lnTo>
+                <a:lnTo>
+                  <a:pt x="6620" y="1399"/>
+                </a:lnTo>
+                <a:lnTo>
+                  <a:pt x="6402" y="1428"/>
+                </a:lnTo>
+                <a:lnTo>
+                  <a:pt x="6184" y="1453"/>
+                </a:lnTo>
+                <a:lnTo>
+                  <a:pt x="5968" y="1477"/>
+                </a:lnTo>
+                <a:lnTo>
+                  <a:pt x="5755" y="1488"/>
+                </a:lnTo>
+                <a:lnTo>
+                  <a:pt x="5542" y="1500"/>
+                </a:lnTo>
+                <a:lnTo>
+                  <a:pt x="5332" y="1506"/>
+                </a:lnTo>
+                <a:lnTo>
+                  <a:pt x="5124" y="1500"/>
+                </a:lnTo>
+                <a:lnTo>
+                  <a:pt x="4918" y="1500"/>
+                </a:lnTo>
+                <a:lnTo>
+                  <a:pt x="4714" y="1488"/>
+                </a:lnTo>
+                <a:lnTo>
+                  <a:pt x="4514" y="1470"/>
+                </a:lnTo>
+                <a:lnTo>
+                  <a:pt x="4316" y="1453"/>
+                </a:lnTo>
+                <a:lnTo>
+                  <a:pt x="4122" y="1434"/>
+                </a:lnTo>
+                <a:lnTo>
+                  <a:pt x="3929" y="1405"/>
+                </a:lnTo>
+                <a:lnTo>
+                  <a:pt x="3739" y="1374"/>
+                </a:lnTo>
+                <a:lnTo>
+                  <a:pt x="3553" y="1346"/>
+                </a:lnTo>
+                <a:lnTo>
+                  <a:pt x="3190" y="1267"/>
+                </a:lnTo>
+                <a:lnTo>
+                  <a:pt x="2842" y="1183"/>
+                </a:lnTo>
+                <a:lnTo>
+                  <a:pt x="2508" y="1095"/>
+                </a:lnTo>
+                <a:lnTo>
+                  <a:pt x="2192" y="998"/>
+                </a:lnTo>
+                <a:lnTo>
+                  <a:pt x="1890" y="897"/>
+                </a:lnTo>
+                <a:lnTo>
+                  <a:pt x="1610" y="788"/>
+                </a:lnTo>
+                <a:lnTo>
+                  <a:pt x="1347" y="681"/>
+                </a:lnTo>
+                <a:lnTo>
+                  <a:pt x="1105" y="574"/>
+                </a:lnTo>
+                <a:lnTo>
+                  <a:pt x="883" y="473"/>
+                </a:lnTo>
+                <a:lnTo>
+                  <a:pt x="686" y="377"/>
+                </a:lnTo>
+                <a:lnTo>
+                  <a:pt x="508" y="286"/>
+                </a:lnTo>
+                <a:lnTo>
+                  <a:pt x="358" y="210"/>
+                </a:lnTo>
+                <a:lnTo>
+                  <a:pt x="232" y="138"/>
+                </a:lnTo>
+                <a:lnTo>
+                  <a:pt x="59" y="35"/>
+                </a:lnTo>
+                <a:lnTo>
+                  <a:pt x="0" y="0"/>
+                </a:lnTo>
+                <a:lnTo>
+                  <a:pt x="0" y="0"/>
+                </a:lnTo>
+                <a:close/>
+              </a:path>
+            </a:pathLst>
+          </a:custGeom>
+          <a:solidFill>
+            <a:srgbClr val="FFFFFF"/>
+          </a:solidFill>
+          <a:ln>
+            <a:noFill/>
+          </a:ln>
+        </p:spPr>
+      </p:sp>
+      <p:pic>
+        <p:nvPicPr>
+          <p:cNvPr id="4" name="Tartalom helye 3" descr="A képen szöveg, képernyőkép, Betűtípus látható&#10;&#10;Automatikusan generált leírás">
+            <a:extLst>
+              <a:ext uri="{FF2B5EF4-FFF2-40B4-BE49-F238E27FC236}">
+                <a16:creationId xmlns:a16="http://schemas.microsoft.com/office/drawing/2014/main" id="{45EDB47D-DE5C-F772-6B54-9211FA049BCE}"/>
+              </a:ext>
+            </a:extLst>
+          </p:cNvPr>
+          <p:cNvPicPr>
+            <a:picLocks noGrp="1" noChangeAspect="1"/>
+          </p:cNvPicPr>
+          <p:nvPr>
+            <p:ph idx="1"/>
+          </p:nvPr>
+        </p:nvPicPr>
+        <p:blipFill>
+          <a:blip r:embed="rId7"/>
+          <a:srcRect r="1836" b="-2"/>
+          <a:stretch/>
+        </p:blipFill>
+        <p:spPr>
+          <a:xfrm>
+            <a:off x="299112" y="364670"/>
+            <a:ext cx="6960144" cy="3475094"/>
+          </a:xfrm>
+          <a:prstGeom prst="rect">
+            <a:avLst/>
+          </a:prstGeom>
+          <a:effectLst/>
+        </p:spPr>
+      </p:pic>
+      <p:pic>
+        <p:nvPicPr>
+          <p:cNvPr id="6" name="Kép 5" descr="A képen szöveg, Betűtípus, sor, képernyőkép látható&#10;&#10;Automatikusan generált leírás">
+            <a:extLst>
+              <a:ext uri="{FF2B5EF4-FFF2-40B4-BE49-F238E27FC236}">
+                <a16:creationId xmlns:a16="http://schemas.microsoft.com/office/drawing/2014/main" id="{35546E5A-CE69-F7E2-FE7D-1250F6318AC0}"/>
+              </a:ext>
+            </a:extLst>
+          </p:cNvPr>
+          <p:cNvPicPr>
+            <a:picLocks noChangeAspect="1"/>
+          </p:cNvPicPr>
+          <p:nvPr/>
+        </p:nvPicPr>
+        <p:blipFill>
+          <a:blip r:embed="rId8"/>
+          <a:stretch>
+            <a:fillRect/>
+          </a:stretch>
+        </p:blipFill>
+        <p:spPr>
+          <a:xfrm>
+            <a:off x="295511" y="5250994"/>
+            <a:ext cx="9253347" cy="1097055"/>
+          </a:xfrm>
+          <a:prstGeom prst="rect">
+            <a:avLst/>
+          </a:prstGeom>
+          <a:effectLst/>
+        </p:spPr>
+      </p:pic>
+    </p:spTree>
+    <p:extLst>
+      <p:ext uri="{BB962C8B-B14F-4D97-AF65-F5344CB8AC3E}">
+        <p14:creationId xmlns:p14="http://schemas.microsoft.com/office/powerpoint/2010/main" val="3340070489"/>
+      </p:ext>
+    </p:extLst>
+  </p:cSld>
+  <p:clrMapOvr>
+    <a:masterClrMapping/>
+  </p:clrMapOvr>
+  <p:transition spd="slow">
+    <p:push dir="u"/>
+  </p:transition>
+  <p:timing>
+    <p:tnLst>
+      <p:par>
+        <p:cTn id="1" dur="indefinite" restart="never" nodeType="tmRoot"/>
+      </p:par>
+    </p:tnLst>
+  </p:timing>
+</p:sld>
+</file>
+
+<file path=ppt/slides/slide23.xml><?xml version="1.0" encoding="utf-8"?>
+<p:sld xmlns:a="http://schemas.openxmlformats.org/drawingml/2006/main" xmlns:r="http://schemas.openxmlformats.org/officeDocument/2006/relationships" xmlns:p="http://schemas.openxmlformats.org/presentationml/2006/main">
+  <p:cSld>
+    <p:spTree>
+      <p:nvGrpSpPr>
+        <p:cNvPr id="1" name=""/>
+        <p:cNvGrpSpPr/>
+        <p:nvPr/>
+      </p:nvGrpSpPr>
+      <p:grpSpPr>
+        <a:xfrm>
+          <a:off x="0" y="0"/>
+          <a:ext cx="0" cy="0"/>
+          <a:chOff x="0" y="0"/>
+          <a:chExt cx="0" cy="0"/>
+        </a:xfrm>
+      </p:grpSpPr>
+      <p:sp>
+        <p:nvSpPr>
+          <p:cNvPr id="2" name="Cím 1">
+            <a:extLst>
+              <a:ext uri="{FF2B5EF4-FFF2-40B4-BE49-F238E27FC236}">
+                <a16:creationId xmlns:a16="http://schemas.microsoft.com/office/drawing/2014/main" id="{7C83DE72-A24C-6766-2A0D-3AE12DD58D47}"/>
+              </a:ext>
+            </a:extLst>
+          </p:cNvPr>
+          <p:cNvSpPr>
+            <a:spLocks noGrp="1"/>
+          </p:cNvSpPr>
+          <p:nvPr>
+            <p:ph type="ctrTitle"/>
+          </p:nvPr>
+        </p:nvSpPr>
+        <p:spPr>
+          <a:xfrm>
+            <a:off x="580694" y="3093277"/>
+            <a:ext cx="11034353" cy="933147"/>
+          </a:xfrm>
+        </p:spPr>
+        <p:txBody>
+          <a:bodyPr/>
+          <a:lstStyle/>
+          <a:p>
+            <a:r>
+              <a:rPr lang="hu-HU" dirty="0"/>
+              <a:t>Köszönjük a figyelmet!</a:t>
+            </a:r>
+          </a:p>
+        </p:txBody>
+      </p:sp>
+    </p:spTree>
+    <p:extLst>
+      <p:ext uri="{BB962C8B-B14F-4D97-AF65-F5344CB8AC3E}">
+        <p14:creationId xmlns:p14="http://schemas.microsoft.com/office/powerpoint/2010/main" val="1046954273"/>
+      </p:ext>
+    </p:extLst>
+  </p:cSld>
+  <p:clrMapOvr>
+    <a:masterClrMapping/>
+  </p:clrMapOvr>
+  <p:transition spd="slow">
+    <p:push dir="u"/>
+  </p:transition>
+  <p:timing>
+    <p:tnLst>
+      <p:par>
+        <p:cTn id="1" dur="indefinite" restart="never" nodeType="tmRoot"/>
+      </p:par>
+    </p:tnLst>
+  </p:timing>
+</p:sld>
+</file>
+
+<file path=ppt/slides/slide3.xml><?xml version="1.0" encoding="utf-8"?>
 <p:sld xmlns:a="http://schemas.openxmlformats.org/drawingml/2006/main" xmlns:r="http://schemas.openxmlformats.org/officeDocument/2006/relationships" xmlns:p="http://schemas.openxmlformats.org/presentationml/2006/main">
   <p:cSld>
     <p:bg>
@@ -11879,7 +14490,7 @@
                 <a16:creationId xmlns:a16="http://schemas.microsoft.com/office/drawing/2014/main" id="{C9134821-5D8B-4373-BA74-CFE9AB35A55A}"/>
               </a:ext>
               <a:ext uri="{C183D7F6-B498-43B3-948B-1728B52AA6E4}">
-                <adec:decorative xmlns:adec="http://schemas.microsoft.com/office/drawing/2017/decorative" xmlns="" val="1"/>
+                <adec:decorative xmlns="" xmlns:adec="http://schemas.microsoft.com/office/drawing/2017/decorative" val="1"/>
               </a:ext>
             </a:extLst>
           </p:cNvPr>
@@ -11923,7 +14534,7 @@
                 <a16:creationId xmlns:a16="http://schemas.microsoft.com/office/drawing/2014/main" id="{5965195F-79F5-4911-907D-13CB3F534351}"/>
               </a:ext>
               <a:ext uri="{C183D7F6-B498-43B3-948B-1728B52AA6E4}">
-                <adec:decorative xmlns:adec="http://schemas.microsoft.com/office/drawing/2017/decorative" xmlns="" val="1"/>
+                <adec:decorative xmlns="" xmlns:adec="http://schemas.microsoft.com/office/drawing/2017/decorative" val="1"/>
               </a:ext>
             </a:extLst>
           </p:cNvPr>
@@ -11967,7 +14578,7 @@
                 <a16:creationId xmlns:a16="http://schemas.microsoft.com/office/drawing/2014/main" id="{8A610DC7-FE1B-47B9-8452-CFC389786C2D}"/>
               </a:ext>
               <a:ext uri="{C183D7F6-B498-43B3-948B-1728B52AA6E4}">
-                <adec:decorative xmlns:adec="http://schemas.microsoft.com/office/drawing/2017/decorative" xmlns="" val="1"/>
+                <adec:decorative xmlns="" xmlns:adec="http://schemas.microsoft.com/office/drawing/2017/decorative" val="1"/>
               </a:ext>
             </a:extLst>
           </p:cNvPr>
@@ -12041,7 +14652,7 @@
                 <a16:creationId xmlns:a16="http://schemas.microsoft.com/office/drawing/2014/main" id="{2742ADC1-2286-40B7-A3C6-D6C3362FA04B}"/>
               </a:ext>
               <a:ext uri="{C183D7F6-B498-43B3-948B-1728B52AA6E4}">
-                <adec:decorative xmlns:adec="http://schemas.microsoft.com/office/drawing/2017/decorative" xmlns="" val="1"/>
+                <adec:decorative xmlns="" xmlns:adec="http://schemas.microsoft.com/office/drawing/2017/decorative" val="1"/>
               </a:ext>
             </a:extLst>
           </p:cNvPr>
@@ -12085,7 +14696,7 @@
                 <a16:creationId xmlns:a16="http://schemas.microsoft.com/office/drawing/2014/main" id="{C878FBDC-78F2-4D49-8DB3-1A48CA9F7FC0}"/>
               </a:ext>
               <a:ext uri="{C183D7F6-B498-43B3-948B-1728B52AA6E4}">
-                <adec:decorative xmlns:adec="http://schemas.microsoft.com/office/drawing/2017/decorative" xmlns="" val="1"/>
+                <adec:decorative xmlns="" xmlns:adec="http://schemas.microsoft.com/office/drawing/2017/decorative" val="1"/>
               </a:ext>
             </a:extLst>
           </p:cNvPr>
@@ -12129,7 +14740,7 @@
                 <a16:creationId xmlns:a16="http://schemas.microsoft.com/office/drawing/2014/main" id="{DC9A0934-0C2C-4565-9290-A345B19BD94C}"/>
               </a:ext>
               <a:ext uri="{C183D7F6-B498-43B3-948B-1728B52AA6E4}">
-                <adec:decorative xmlns:adec="http://schemas.microsoft.com/office/drawing/2017/decorative" xmlns="" val="1"/>
+                <adec:decorative xmlns="" xmlns:adec="http://schemas.microsoft.com/office/drawing/2017/decorative" val="1"/>
               </a:ext>
             </a:extLst>
           </p:cNvPr>
@@ -12182,7 +14793,7 @@
                 <a16:creationId xmlns:a16="http://schemas.microsoft.com/office/drawing/2014/main" id="{6B42653A-00F8-40F8-9BAA-AFDE65366F65}"/>
               </a:ext>
               <a:ext uri="{C183D7F6-B498-43B3-948B-1728B52AA6E4}">
-                <adec:decorative xmlns:adec="http://schemas.microsoft.com/office/drawing/2017/decorative" xmlns="" val="1"/>
+                <adec:decorative xmlns="" xmlns:adec="http://schemas.microsoft.com/office/drawing/2017/decorative" val="1"/>
               </a:ext>
             </a:extLst>
           </p:cNvPr>
@@ -12245,7 +14856,7 @@
                 <a16:creationId xmlns:a16="http://schemas.microsoft.com/office/drawing/2014/main" id="{5D85582E-5C24-4E50-94D0-EBDFCAF82A75}"/>
               </a:ext>
               <a:ext uri="{C183D7F6-B498-43B3-948B-1728B52AA6E4}">
-                <adec:decorative xmlns:adec="http://schemas.microsoft.com/office/drawing/2017/decorative" xmlns="" val="1"/>
+                <adec:decorative xmlns="" xmlns:adec="http://schemas.microsoft.com/office/drawing/2017/decorative" val="1"/>
               </a:ext>
             </a:extLst>
           </p:cNvPr>
@@ -12298,7 +14909,7 @@
                 <a16:creationId xmlns:a16="http://schemas.microsoft.com/office/drawing/2014/main" id="{D2CF7175-D926-4ED8-BF71-C9046B886DB7}"/>
               </a:ext>
               <a:ext uri="{C183D7F6-B498-43B3-948B-1728B52AA6E4}">
-                <adec:decorative xmlns:adec="http://schemas.microsoft.com/office/drawing/2017/decorative" xmlns="" val="1"/>
+                <adec:decorative xmlns="" xmlns:adec="http://schemas.microsoft.com/office/drawing/2017/decorative" val="1"/>
               </a:ext>
             </a:extLst>
           </p:cNvPr>
@@ -12662,7 +15273,7 @@
                 <a16:creationId xmlns:a16="http://schemas.microsoft.com/office/drawing/2014/main" id="{CE21D3E3-E417-4B15-9ACE-327E9B12B423}"/>
               </a:ext>
               <a:ext uri="{C183D7F6-B498-43B3-948B-1728B52AA6E4}">
-                <adec:decorative xmlns:adec="http://schemas.microsoft.com/office/drawing/2017/decorative" xmlns="" val="1"/>
+                <adec:decorative xmlns="" xmlns:adec="http://schemas.microsoft.com/office/drawing/2017/decorative" val="1"/>
               </a:ext>
             </a:extLst>
           </p:cNvPr>
@@ -12930,1251 +15541,20 @@
   <p:clrMapOvr>
     <a:masterClrMapping/>
   </p:clrMapOvr>
-  <mc:AlternateContent xmlns:mc="http://schemas.openxmlformats.org/markup-compatibility/2006" xmlns:p14="http://schemas.microsoft.com/office/powerpoint/2010/main">
-    <mc:Choice Requires="p14">
-      <p:transition p14:dur="100">
-        <p:cut/>
-      </p:transition>
-    </mc:Choice>
-    <mc:Fallback xmlns="">
-      <p:transition>
-        <p:cut/>
-      </p:transition>
-    </mc:Fallback>
-  </mc:AlternateContent>
+  <p:transition spd="slow">
+    <p:push dir="u"/>
+  </p:transition>
+  <p:timing>
+    <p:tnLst>
+      <p:par>
+        <p:cTn id="1" dur="indefinite" restart="never" nodeType="tmRoot"/>
+      </p:par>
+    </p:tnLst>
+  </p:timing>
 </p:sld>
 </file>
 
-<file path=ppt/slides/slide20.xml><?xml version="1.0" encoding="utf-8"?>
-<p:sld xmlns:a="http://schemas.openxmlformats.org/drawingml/2006/main" xmlns:r="http://schemas.openxmlformats.org/officeDocument/2006/relationships" xmlns:p="http://schemas.openxmlformats.org/presentationml/2006/main">
-  <p:cSld>
-    <p:spTree>
-      <p:nvGrpSpPr>
-        <p:cNvPr id="1" name=""/>
-        <p:cNvGrpSpPr/>
-        <p:nvPr/>
-      </p:nvGrpSpPr>
-      <p:grpSpPr>
-        <a:xfrm>
-          <a:off x="0" y="0"/>
-          <a:ext cx="0" cy="0"/>
-          <a:chOff x="0" y="0"/>
-          <a:chExt cx="0" cy="0"/>
-        </a:xfrm>
-      </p:grpSpPr>
-      <p:sp>
-        <p:nvSpPr>
-          <p:cNvPr id="2" name="Cím 1">
-            <a:extLst>
-              <a:ext uri="{FF2B5EF4-FFF2-40B4-BE49-F238E27FC236}">
-                <a16:creationId xmlns:a16="http://schemas.microsoft.com/office/drawing/2014/main" id="{7A46FD74-C76F-1565-48AF-914D398BAD34}"/>
-              </a:ext>
-            </a:extLst>
-          </p:cNvPr>
-          <p:cNvSpPr>
-            <a:spLocks noGrp="1"/>
-          </p:cNvSpPr>
-          <p:nvPr>
-            <p:ph type="title"/>
-          </p:nvPr>
-        </p:nvSpPr>
-        <p:spPr/>
-        <p:txBody>
-          <a:bodyPr/>
-          <a:lstStyle/>
-          <a:p>
-            <a:r>
-              <a:rPr lang="hu-HU" dirty="0" err="1"/>
-              <a:t>Trace</a:t>
-            </a:r>
-            <a:r>
-              <a:rPr lang="hu-HU" dirty="0"/>
-              <a:t> </a:t>
-            </a:r>
-            <a:r>
-              <a:rPr lang="hu-HU" dirty="0" err="1"/>
-              <a:t>route</a:t>
-            </a:r>
-          </a:p>
-        </p:txBody>
-      </p:sp>
-      <p:pic>
-        <p:nvPicPr>
-          <p:cNvPr id="5" name="Kép 4" descr="A képen szöveg, képernyőkép, Betűtípus látható&#10;&#10;Automatikusan generált leírás">
-            <a:extLst>
-              <a:ext uri="{FF2B5EF4-FFF2-40B4-BE49-F238E27FC236}">
-                <a16:creationId xmlns:a16="http://schemas.microsoft.com/office/drawing/2014/main" id="{809FD592-5568-4799-4DB9-16E85A7FD5A3}"/>
-              </a:ext>
-            </a:extLst>
-          </p:cNvPr>
-          <p:cNvPicPr>
-            <a:picLocks noChangeAspect="1"/>
-          </p:cNvPicPr>
-          <p:nvPr/>
-        </p:nvPicPr>
-        <p:blipFill>
-          <a:blip r:embed="rId2"/>
-          <a:stretch>
-            <a:fillRect/>
-          </a:stretch>
-        </p:blipFill>
-        <p:spPr>
-          <a:xfrm>
-            <a:off x="3045279" y="2363107"/>
-            <a:ext cx="6728460" cy="2136140"/>
-          </a:xfrm>
-          <a:prstGeom prst="rect">
-            <a:avLst/>
-          </a:prstGeom>
-        </p:spPr>
-      </p:pic>
-    </p:spTree>
-    <p:extLst>
-      <p:ext uri="{BB962C8B-B14F-4D97-AF65-F5344CB8AC3E}">
-        <p14:creationId xmlns:p14="http://schemas.microsoft.com/office/powerpoint/2010/main" val="1736369087"/>
-      </p:ext>
-    </p:extLst>
-  </p:cSld>
-  <p:clrMapOvr>
-    <a:masterClrMapping/>
-  </p:clrMapOvr>
-</p:sld>
-</file>
-
-<file path=ppt/slides/slide21.xml><?xml version="1.0" encoding="utf-8"?>
-<p:sld xmlns:a="http://schemas.openxmlformats.org/drawingml/2006/main" xmlns:r="http://schemas.openxmlformats.org/officeDocument/2006/relationships" xmlns:p="http://schemas.openxmlformats.org/presentationml/2006/main">
-  <p:cSld>
-    <p:bg>
-      <p:bgPr>
-        <a:blipFill rotWithShape="1">
-          <a:blip r:embed="rId2">
-            <a:duotone>
-              <a:schemeClr val="bg2">
-                <a:shade val="69000"/>
-                <a:hueMod val="91000"/>
-                <a:satMod val="164000"/>
-                <a:lumMod val="74000"/>
-              </a:schemeClr>
-              <a:schemeClr val="bg2">
-                <a:hueMod val="124000"/>
-                <a:satMod val="140000"/>
-                <a:lumMod val="142000"/>
-              </a:schemeClr>
-            </a:duotone>
-          </a:blip>
-          <a:stretch/>
-        </a:blipFill>
-        <a:effectLst/>
-      </p:bgPr>
-    </p:bg>
-    <p:spTree>
-      <p:nvGrpSpPr>
-        <p:cNvPr id="1" name=""/>
-        <p:cNvGrpSpPr/>
-        <p:nvPr/>
-      </p:nvGrpSpPr>
-      <p:grpSpPr>
-        <a:xfrm>
-          <a:off x="0" y="0"/>
-          <a:ext cx="0" cy="0"/>
-          <a:chOff x="0" y="0"/>
-          <a:chExt cx="0" cy="0"/>
-        </a:xfrm>
-      </p:grpSpPr>
-      <p:pic>
-        <p:nvPicPr>
-          <p:cNvPr id="24" name="Picture 23">
-            <a:extLst>
-              <a:ext uri="{FF2B5EF4-FFF2-40B4-BE49-F238E27FC236}">
-                <a16:creationId xmlns:a16="http://schemas.microsoft.com/office/drawing/2014/main" id="{603C1FDD-3EB9-4E32-AAFF-F0872E904A7D}"/>
-              </a:ext>
-              <a:ext uri="{C183D7F6-B498-43B3-948B-1728B52AA6E4}">
-                <adec:decorative xmlns:adec="http://schemas.microsoft.com/office/drawing/2017/decorative" xmlns="" val="1"/>
-              </a:ext>
-            </a:extLst>
-          </p:cNvPr>
-          <p:cNvPicPr>
-            <a:picLocks noGrp="1" noRot="1" noChangeAspect="1" noMove="1" noResize="1" noEditPoints="1" noAdjustHandles="1" noChangeArrowheads="1" noChangeShapeType="1" noCrop="1"/>
-          </p:cNvPicPr>
-          <p:nvPr>
-            <p:extLst>
-              <p:ext uri="{386F3935-93C4-4BCD-93E2-E3B085C9AB24}">
-                <p16:designElem xmlns:p16="http://schemas.microsoft.com/office/powerpoint/2015/main" val="1"/>
-              </p:ext>
-            </p:extLst>
-          </p:nvPr>
-        </p:nvPicPr>
-        <p:blipFill rotWithShape="1">
-          <a:blip r:embed="rId3">
-            <a:extLst>
-              <a:ext uri="{28A0092B-C50C-407E-A947-70E740481C1C}">
-                <a14:useLocalDpi xmlns:a14="http://schemas.microsoft.com/office/drawing/2010/main" val="0"/>
-              </a:ext>
-            </a:extLst>
-          </a:blip>
-          <a:srcRect l="3644"/>
-          <a:stretch/>
-        </p:blipFill>
-        <p:spPr>
-          <a:xfrm>
-            <a:off x="0" y="2669685"/>
-            <a:ext cx="4035669" cy="4188315"/>
-          </a:xfrm>
-          <a:prstGeom prst="rect">
-            <a:avLst/>
-          </a:prstGeom>
-        </p:spPr>
-      </p:pic>
-      <p:pic>
-        <p:nvPicPr>
-          <p:cNvPr id="26" name="Picture 25">
-            <a:extLst>
-              <a:ext uri="{FF2B5EF4-FFF2-40B4-BE49-F238E27FC236}">
-                <a16:creationId xmlns:a16="http://schemas.microsoft.com/office/drawing/2014/main" id="{B0C4B3D9-75AB-4AAB-B53A-4232B752D2F5}"/>
-              </a:ext>
-              <a:ext uri="{C183D7F6-B498-43B3-948B-1728B52AA6E4}">
-                <adec:decorative xmlns:adec="http://schemas.microsoft.com/office/drawing/2017/decorative" xmlns="" val="1"/>
-              </a:ext>
-            </a:extLst>
-          </p:cNvPr>
-          <p:cNvPicPr>
-            <a:picLocks noGrp="1" noRot="1" noChangeAspect="1" noMove="1" noResize="1" noEditPoints="1" noAdjustHandles="1" noChangeArrowheads="1" noChangeShapeType="1" noCrop="1"/>
-          </p:cNvPicPr>
-          <p:nvPr>
-            <p:extLst>
-              <p:ext uri="{386F3935-93C4-4BCD-93E2-E3B085C9AB24}">
-                <p16:designElem xmlns:p16="http://schemas.microsoft.com/office/powerpoint/2015/main" val="1"/>
-              </p:ext>
-            </p:extLst>
-          </p:nvPr>
-        </p:nvPicPr>
-        <p:blipFill rotWithShape="1">
-          <a:blip r:embed="rId4">
-            <a:extLst>
-              <a:ext uri="{28A0092B-C50C-407E-A947-70E740481C1C}">
-                <a14:useLocalDpi xmlns:a14="http://schemas.microsoft.com/office/drawing/2010/main" val="0"/>
-              </a:ext>
-            </a:extLst>
-          </a:blip>
-          <a:srcRect l="35640"/>
-          <a:stretch/>
-        </p:blipFill>
-        <p:spPr>
-          <a:xfrm>
-            <a:off x="0" y="2892347"/>
-            <a:ext cx="1522412" cy="2365453"/>
-          </a:xfrm>
-          <a:prstGeom prst="rect">
-            <a:avLst/>
-          </a:prstGeom>
-        </p:spPr>
-      </p:pic>
-      <p:sp>
-        <p:nvSpPr>
-          <p:cNvPr id="28" name="Oval 27">
-            <a:extLst>
-              <a:ext uri="{FF2B5EF4-FFF2-40B4-BE49-F238E27FC236}">
-                <a16:creationId xmlns:a16="http://schemas.microsoft.com/office/drawing/2014/main" id="{1D73A963-D417-4FD9-851E-5E323F67D1BF}"/>
-              </a:ext>
-              <a:ext uri="{C183D7F6-B498-43B3-948B-1728B52AA6E4}">
-                <adec:decorative xmlns:adec="http://schemas.microsoft.com/office/drawing/2017/decorative" xmlns="" val="1"/>
-              </a:ext>
-            </a:extLst>
-          </p:cNvPr>
-          <p:cNvSpPr>
-            <a:spLocks noGrp="1" noRot="1" noChangeAspect="1" noMove="1" noResize="1" noEditPoints="1" noAdjustHandles="1" noChangeArrowheads="1" noChangeShapeType="1" noTextEdit="1"/>
-          </p:cNvSpPr>
-          <p:nvPr>
-            <p:extLst>
-              <p:ext uri="{386F3935-93C4-4BCD-93E2-E3B085C9AB24}">
-                <p16:designElem xmlns:p16="http://schemas.microsoft.com/office/powerpoint/2015/main" val="1"/>
-              </p:ext>
-            </p:extLst>
-          </p:nvPr>
-        </p:nvSpPr>
-        <p:spPr>
-          <a:xfrm>
-            <a:off x="8609012" y="1676400"/>
-            <a:ext cx="2819400" cy="2819400"/>
-          </a:xfrm>
-          <a:prstGeom prst="ellipse">
-            <a:avLst/>
-          </a:prstGeom>
-          <a:gradFill flip="none" rotWithShape="1">
-            <a:gsLst>
-              <a:gs pos="0">
-                <a:schemeClr val="accent5">
-                  <a:alpha val="7000"/>
-                </a:schemeClr>
-              </a:gs>
-              <a:gs pos="69000">
-                <a:schemeClr val="accent5">
-                  <a:alpha val="0"/>
-                </a:schemeClr>
-              </a:gs>
-              <a:gs pos="36000">
-                <a:schemeClr val="accent5">
-                  <a:alpha val="6000"/>
-                </a:schemeClr>
-              </a:gs>
-            </a:gsLst>
-            <a:path path="circle">
-              <a:fillToRect l="50000" t="50000" r="50000" b="50000"/>
-            </a:path>
-            <a:tileRect/>
-          </a:gradFill>
-          <a:ln>
-            <a:noFill/>
-          </a:ln>
-          <a:effectLst/>
-        </p:spPr>
-        <p:style>
-          <a:lnRef idx="1">
-            <a:schemeClr val="accent1"/>
-          </a:lnRef>
-          <a:fillRef idx="3">
-            <a:schemeClr val="accent1"/>
-          </a:fillRef>
-          <a:effectRef idx="2">
-            <a:schemeClr val="accent1"/>
-          </a:effectRef>
-          <a:fontRef idx="minor">
-            <a:schemeClr val="lt1"/>
-          </a:fontRef>
-        </p:style>
-      </p:sp>
-      <p:pic>
-        <p:nvPicPr>
-          <p:cNvPr id="30" name="Picture 29">
-            <a:extLst>
-              <a:ext uri="{FF2B5EF4-FFF2-40B4-BE49-F238E27FC236}">
-                <a16:creationId xmlns:a16="http://schemas.microsoft.com/office/drawing/2014/main" id="{72E40AAF-9C56-4002-B55E-6A255814861C}"/>
-              </a:ext>
-              <a:ext uri="{C183D7F6-B498-43B3-948B-1728B52AA6E4}">
-                <adec:decorative xmlns:adec="http://schemas.microsoft.com/office/drawing/2017/decorative" xmlns="" val="1"/>
-              </a:ext>
-            </a:extLst>
-          </p:cNvPr>
-          <p:cNvPicPr>
-            <a:picLocks noGrp="1" noRot="1" noChangeAspect="1" noMove="1" noResize="1" noEditPoints="1" noAdjustHandles="1" noChangeArrowheads="1" noChangeShapeType="1" noCrop="1"/>
-          </p:cNvPicPr>
-          <p:nvPr>
-            <p:extLst>
-              <p:ext uri="{386F3935-93C4-4BCD-93E2-E3B085C9AB24}">
-                <p16:designElem xmlns:p16="http://schemas.microsoft.com/office/powerpoint/2015/main" val="1"/>
-              </p:ext>
-            </p:extLst>
-          </p:nvPr>
-        </p:nvPicPr>
-        <p:blipFill rotWithShape="1">
-          <a:blip r:embed="rId5">
-            <a:extLst>
-              <a:ext uri="{28A0092B-C50C-407E-A947-70E740481C1C}">
-                <a14:useLocalDpi xmlns:a14="http://schemas.microsoft.com/office/drawing/2010/main" val="0"/>
-              </a:ext>
-            </a:extLst>
-          </a:blip>
-          <a:srcRect t="28813"/>
-          <a:stretch/>
-        </p:blipFill>
-        <p:spPr>
-          <a:xfrm>
-            <a:off x="7999412" y="0"/>
-            <a:ext cx="1603387" cy="1141407"/>
-          </a:xfrm>
-          <a:prstGeom prst="rect">
-            <a:avLst/>
-          </a:prstGeom>
-        </p:spPr>
-      </p:pic>
-      <p:pic>
-        <p:nvPicPr>
-          <p:cNvPr id="32" name="Picture 31">
-            <a:extLst>
-              <a:ext uri="{FF2B5EF4-FFF2-40B4-BE49-F238E27FC236}">
-                <a16:creationId xmlns:a16="http://schemas.microsoft.com/office/drawing/2014/main" id="{CF4F217F-0736-44C0-9047-DD52FCA2F2A4}"/>
-              </a:ext>
-              <a:ext uri="{C183D7F6-B498-43B3-948B-1728B52AA6E4}">
-                <adec:decorative xmlns:adec="http://schemas.microsoft.com/office/drawing/2017/decorative" xmlns="" val="1"/>
-              </a:ext>
-            </a:extLst>
-          </p:cNvPr>
-          <p:cNvPicPr>
-            <a:picLocks noGrp="1" noRot="1" noChangeAspect="1" noMove="1" noResize="1" noEditPoints="1" noAdjustHandles="1" noChangeArrowheads="1" noChangeShapeType="1" noCrop="1"/>
-          </p:cNvPicPr>
-          <p:nvPr>
-            <p:extLst>
-              <p:ext uri="{386F3935-93C4-4BCD-93E2-E3B085C9AB24}">
-                <p16:designElem xmlns:p16="http://schemas.microsoft.com/office/powerpoint/2015/main" val="1"/>
-              </p:ext>
-            </p:extLst>
-          </p:nvPr>
-        </p:nvPicPr>
-        <p:blipFill rotWithShape="1">
-          <a:blip r:embed="rId6">
-            <a:extLst>
-              <a:ext uri="{28A0092B-C50C-407E-A947-70E740481C1C}">
-                <a14:useLocalDpi xmlns:a14="http://schemas.microsoft.com/office/drawing/2010/main" val="0"/>
-              </a:ext>
-            </a:extLst>
-          </a:blip>
-          <a:srcRect b="23320"/>
-          <a:stretch/>
-        </p:blipFill>
-        <p:spPr>
-          <a:xfrm>
-            <a:off x="8609012" y="6096000"/>
-            <a:ext cx="993734" cy="762000"/>
-          </a:xfrm>
-          <a:prstGeom prst="rect">
-            <a:avLst/>
-          </a:prstGeom>
-        </p:spPr>
-      </p:pic>
-      <p:sp>
-        <p:nvSpPr>
-          <p:cNvPr id="34" name="Rectangle 33">
-            <a:extLst>
-              <a:ext uri="{FF2B5EF4-FFF2-40B4-BE49-F238E27FC236}">
-                <a16:creationId xmlns:a16="http://schemas.microsoft.com/office/drawing/2014/main" id="{2DCB6E42-3037-40F7-A351-6B952A870339}"/>
-              </a:ext>
-              <a:ext uri="{C183D7F6-B498-43B3-948B-1728B52AA6E4}">
-                <adec:decorative xmlns:adec="http://schemas.microsoft.com/office/drawing/2017/decorative" xmlns="" val="1"/>
-              </a:ext>
-            </a:extLst>
-          </p:cNvPr>
-          <p:cNvSpPr>
-            <a:spLocks noGrp="1" noRot="1" noChangeAspect="1" noMove="1" noResize="1" noEditPoints="1" noAdjustHandles="1" noChangeArrowheads="1" noChangeShapeType="1" noTextEdit="1"/>
-          </p:cNvSpPr>
-          <p:nvPr>
-            <p:extLst>
-              <p:ext uri="{386F3935-93C4-4BCD-93E2-E3B085C9AB24}">
-                <p16:designElem xmlns:p16="http://schemas.microsoft.com/office/powerpoint/2015/main" val="1"/>
-              </p:ext>
-            </p:extLst>
-          </p:nvPr>
-        </p:nvSpPr>
-        <p:spPr>
-          <a:xfrm>
-            <a:off x="10437812" y="0"/>
-            <a:ext cx="685800" cy="1143000"/>
-          </a:xfrm>
-          <a:prstGeom prst="rect">
-            <a:avLst/>
-          </a:prstGeom>
-          <a:solidFill>
-            <a:schemeClr val="accent1"/>
-          </a:solidFill>
-          <a:ln>
-            <a:noFill/>
-          </a:ln>
-        </p:spPr>
-        <p:style>
-          <a:lnRef idx="1">
-            <a:schemeClr val="accent1"/>
-          </a:lnRef>
-          <a:fillRef idx="3">
-            <a:schemeClr val="accent1"/>
-          </a:fillRef>
-          <a:effectRef idx="2">
-            <a:schemeClr val="accent1"/>
-          </a:effectRef>
-          <a:fontRef idx="minor">
-            <a:schemeClr val="lt1"/>
-          </a:fontRef>
-        </p:style>
-      </p:sp>
-      <p:sp>
-        <p:nvSpPr>
-          <p:cNvPr id="2" name="Cím 1">
-            <a:extLst>
-              <a:ext uri="{FF2B5EF4-FFF2-40B4-BE49-F238E27FC236}">
-                <a16:creationId xmlns:a16="http://schemas.microsoft.com/office/drawing/2014/main" id="{8F70B007-F15D-4D66-48A6-F81BF60D20C2}"/>
-              </a:ext>
-            </a:extLst>
-          </p:cNvPr>
-          <p:cNvSpPr>
-            <a:spLocks noGrp="1"/>
-          </p:cNvSpPr>
-          <p:nvPr>
-            <p:ph type="title"/>
-          </p:nvPr>
-        </p:nvSpPr>
-        <p:spPr>
-          <a:xfrm>
-            <a:off x="8210623" y="1447800"/>
-            <a:ext cx="3333676" cy="3096987"/>
-          </a:xfrm>
-        </p:spPr>
-        <p:txBody>
-          <a:bodyPr vert="horz" lIns="91440" tIns="45720" rIns="91440" bIns="45720" rtlCol="0" anchor="b">
-            <a:normAutofit/>
-          </a:bodyPr>
-          <a:lstStyle/>
-          <a:p>
-            <a:r>
-              <a:rPr lang="en-US" sz="5400"/>
-              <a:t>NAT </a:t>
-            </a:r>
-          </a:p>
-        </p:txBody>
-      </p:sp>
-      <p:sp>
-        <p:nvSpPr>
-          <p:cNvPr id="36" name="Rectangle 35">
-            <a:extLst>
-              <a:ext uri="{FF2B5EF4-FFF2-40B4-BE49-F238E27FC236}">
-                <a16:creationId xmlns:a16="http://schemas.microsoft.com/office/drawing/2014/main" id="{5D4C4D9B-8464-4F80-A369-88E6980D4BA0}"/>
-              </a:ext>
-              <a:ext uri="{C183D7F6-B498-43B3-948B-1728B52AA6E4}">
-                <adec:decorative xmlns:adec="http://schemas.microsoft.com/office/drawing/2017/decorative" xmlns="" val="1"/>
-              </a:ext>
-            </a:extLst>
-          </p:cNvPr>
-          <p:cNvSpPr>
-            <a:spLocks noGrp="1" noRot="1" noChangeAspect="1" noMove="1" noResize="1" noEditPoints="1" noAdjustHandles="1" noChangeArrowheads="1" noChangeShapeType="1" noTextEdit="1"/>
-          </p:cNvSpPr>
-          <p:nvPr>
-            <p:extLst>
-              <p:ext uri="{386F3935-93C4-4BCD-93E2-E3B085C9AB24}">
-                <p16:designElem xmlns:p16="http://schemas.microsoft.com/office/powerpoint/2015/main" val="1"/>
-              </p:ext>
-            </p:extLst>
-          </p:nvPr>
-        </p:nvSpPr>
-        <p:spPr>
-          <a:xfrm>
-            <a:off x="0" y="0"/>
-            <a:ext cx="7157124" cy="6858000"/>
-          </a:xfrm>
-          <a:prstGeom prst="rect">
-            <a:avLst/>
-          </a:prstGeom>
-          <a:solidFill>
-            <a:srgbClr val="FFFFFF"/>
-          </a:solidFill>
-          <a:ln>
-            <a:noFill/>
-          </a:ln>
-        </p:spPr>
-        <p:style>
-          <a:lnRef idx="2">
-            <a:schemeClr val="accent1">
-              <a:shade val="50000"/>
-            </a:schemeClr>
-          </a:lnRef>
-          <a:fillRef idx="1">
-            <a:schemeClr val="accent1"/>
-          </a:fillRef>
-          <a:effectRef idx="0">
-            <a:schemeClr val="accent1"/>
-          </a:effectRef>
-          <a:fontRef idx="minor">
-            <a:schemeClr val="lt1"/>
-          </a:fontRef>
-        </p:style>
-        <p:txBody>
-          <a:bodyPr rtlCol="0" anchor="ctr"/>
-          <a:lstStyle/>
-          <a:p>
-            <a:pPr algn="ctr"/>
-            <a:endParaRPr lang="en-US"/>
-          </a:p>
-        </p:txBody>
-      </p:sp>
-      <p:sp>
-        <p:nvSpPr>
-          <p:cNvPr id="38" name="Freeform 31">
-            <a:extLst>
-              <a:ext uri="{FF2B5EF4-FFF2-40B4-BE49-F238E27FC236}">
-                <a16:creationId xmlns:a16="http://schemas.microsoft.com/office/drawing/2014/main" id="{D5BA1A12-370B-43EB-B7BC-87A24667ABA2}"/>
-              </a:ext>
-              <a:ext uri="{C183D7F6-B498-43B3-948B-1728B52AA6E4}">
-                <adec:decorative xmlns:adec="http://schemas.microsoft.com/office/drawing/2017/decorative" xmlns="" val="1"/>
-              </a:ext>
-            </a:extLst>
-          </p:cNvPr>
-          <p:cNvSpPr>
-            <a:spLocks noGrp="1" noRot="1" noChangeAspect="1" noMove="1" noResize="1" noEditPoints="1" noAdjustHandles="1" noChangeArrowheads="1" noChangeShapeType="1" noTextEdit="1"/>
-          </p:cNvSpPr>
-          <p:nvPr>
-            <p:extLst>
-              <p:ext uri="{386F3935-93C4-4BCD-93E2-E3B085C9AB24}">
-                <p16:designElem xmlns:p16="http://schemas.microsoft.com/office/powerpoint/2015/main" val="1"/>
-              </p:ext>
-            </p:extLst>
-          </p:nvPr>
-        </p:nvSpPr>
-        <p:spPr>
-          <a:xfrm flipH="1">
-            <a:off x="7463681" y="-1"/>
-            <a:ext cx="559472" cy="3709642"/>
-          </a:xfrm>
-          <a:custGeom>
-            <a:avLst/>
-            <a:gdLst>
-              <a:gd name="connsiteX0" fmla="*/ 0 w 559472"/>
-              <a:gd name="connsiteY0" fmla="*/ 0 h 3709642"/>
-              <a:gd name="connsiteX1" fmla="*/ 473952 w 559472"/>
-              <a:gd name="connsiteY1" fmla="*/ 0 h 3709642"/>
-              <a:gd name="connsiteX2" fmla="*/ 485840 w 559472"/>
-              <a:gd name="connsiteY2" fmla="*/ 161194 h 3709642"/>
-              <a:gd name="connsiteX3" fmla="*/ 523949 w 559472"/>
-              <a:gd name="connsiteY3" fmla="*/ 3672197 h 3709642"/>
-              <a:gd name="connsiteX4" fmla="*/ 454748 w 559472"/>
-              <a:gd name="connsiteY4" fmla="*/ 3709642 h 3709642"/>
-              <a:gd name="connsiteX5" fmla="*/ 448224 w 559472"/>
-              <a:gd name="connsiteY5" fmla="*/ 3510471 h 3709642"/>
-              <a:gd name="connsiteX6" fmla="*/ 443564 w 559472"/>
-              <a:gd name="connsiteY6" fmla="*/ 3408563 h 3709642"/>
-              <a:gd name="connsiteX7" fmla="*/ 438902 w 559472"/>
-              <a:gd name="connsiteY7" fmla="*/ 3304407 h 3709642"/>
-              <a:gd name="connsiteX8" fmla="*/ 433941 w 559472"/>
-              <a:gd name="connsiteY8" fmla="*/ 3198777 h 3709642"/>
-              <a:gd name="connsiteX9" fmla="*/ 427584 w 559472"/>
-              <a:gd name="connsiteY9" fmla="*/ 3092510 h 3709642"/>
-              <a:gd name="connsiteX10" fmla="*/ 420988 w 559472"/>
-              <a:gd name="connsiteY10" fmla="*/ 2984390 h 3709642"/>
-              <a:gd name="connsiteX11" fmla="*/ 414330 w 559472"/>
-              <a:gd name="connsiteY11" fmla="*/ 2874401 h 3709642"/>
-              <a:gd name="connsiteX12" fmla="*/ 406840 w 559472"/>
-              <a:gd name="connsiteY12" fmla="*/ 2762980 h 3709642"/>
-              <a:gd name="connsiteX13" fmla="*/ 397745 w 559472"/>
-              <a:gd name="connsiteY13" fmla="*/ 2650566 h 3709642"/>
-              <a:gd name="connsiteX14" fmla="*/ 389154 w 559472"/>
-              <a:gd name="connsiteY14" fmla="*/ 2536612 h 3709642"/>
-              <a:gd name="connsiteX15" fmla="*/ 379225 w 559472"/>
-              <a:gd name="connsiteY15" fmla="*/ 2421642 h 3709642"/>
-              <a:gd name="connsiteX16" fmla="*/ 368316 w 559472"/>
-              <a:gd name="connsiteY16" fmla="*/ 2305627 h 3709642"/>
-              <a:gd name="connsiteX17" fmla="*/ 357466 w 559472"/>
-              <a:gd name="connsiteY17" fmla="*/ 2189233 h 3709642"/>
-              <a:gd name="connsiteX18" fmla="*/ 344982 w 559472"/>
-              <a:gd name="connsiteY18" fmla="*/ 2071473 h 3709642"/>
-              <a:gd name="connsiteX19" fmla="*/ 332466 w 559472"/>
-              <a:gd name="connsiteY19" fmla="*/ 1952216 h 3709642"/>
-              <a:gd name="connsiteX20" fmla="*/ 319121 w 559472"/>
-              <a:gd name="connsiteY20" fmla="*/ 1833776 h 3709642"/>
-              <a:gd name="connsiteX21" fmla="*/ 304408 w 559472"/>
-              <a:gd name="connsiteY21" fmla="*/ 1713948 h 3709642"/>
-              <a:gd name="connsiteX22" fmla="*/ 288685 w 559472"/>
-              <a:gd name="connsiteY22" fmla="*/ 1592703 h 3709642"/>
-              <a:gd name="connsiteX23" fmla="*/ 273050 w 559472"/>
-              <a:gd name="connsiteY23" fmla="*/ 1471451 h 3709642"/>
-              <a:gd name="connsiteX24" fmla="*/ 255813 w 559472"/>
-              <a:gd name="connsiteY24" fmla="*/ 1350328 h 3709642"/>
-              <a:gd name="connsiteX25" fmla="*/ 237060 w 559472"/>
-              <a:gd name="connsiteY25" fmla="*/ 1227080 h 3709642"/>
-              <a:gd name="connsiteX26" fmla="*/ 218488 w 559472"/>
-              <a:gd name="connsiteY26" fmla="*/ 1106065 h 3709642"/>
-              <a:gd name="connsiteX27" fmla="*/ 198221 w 559472"/>
-              <a:gd name="connsiteY27" fmla="*/ 982940 h 3709642"/>
-              <a:gd name="connsiteX28" fmla="*/ 177152 w 559472"/>
-              <a:gd name="connsiteY28" fmla="*/ 858755 h 3709642"/>
-              <a:gd name="connsiteX29" fmla="*/ 155551 w 559472"/>
-              <a:gd name="connsiteY29" fmla="*/ 736861 h 3709642"/>
-              <a:gd name="connsiteX30" fmla="*/ 131782 w 559472"/>
-              <a:gd name="connsiteY30" fmla="*/ 613645 h 3709642"/>
-              <a:gd name="connsiteX31" fmla="*/ 107123 w 559472"/>
-              <a:gd name="connsiteY31" fmla="*/ 490500 h 3709642"/>
-              <a:gd name="connsiteX32" fmla="*/ 82552 w 559472"/>
-              <a:gd name="connsiteY32" fmla="*/ 367348 h 3709642"/>
-              <a:gd name="connsiteX33" fmla="*/ 55608 w 559472"/>
-              <a:gd name="connsiteY33" fmla="*/ 244762 h 3709642"/>
-              <a:gd name="connsiteX34" fmla="*/ 28130 w 559472"/>
-              <a:gd name="connsiteY34" fmla="*/ 122220 h 3709642"/>
-              <a:gd name="connsiteX35" fmla="*/ 0 w 559472"/>
-              <a:gd name="connsiteY35" fmla="*/ 0 h 3709642"/>
-            </a:gdLst>
-            <a:ahLst/>
-            <a:cxnLst>
-              <a:cxn ang="0">
-                <a:pos x="connsiteX0" y="connsiteY0"/>
-              </a:cxn>
-              <a:cxn ang="0">
-                <a:pos x="connsiteX1" y="connsiteY1"/>
-              </a:cxn>
-              <a:cxn ang="0">
-                <a:pos x="connsiteX2" y="connsiteY2"/>
-              </a:cxn>
-              <a:cxn ang="0">
-                <a:pos x="connsiteX3" y="connsiteY3"/>
-              </a:cxn>
-              <a:cxn ang="0">
-                <a:pos x="connsiteX4" y="connsiteY4"/>
-              </a:cxn>
-              <a:cxn ang="0">
-                <a:pos x="connsiteX5" y="connsiteY5"/>
-              </a:cxn>
-              <a:cxn ang="0">
-                <a:pos x="connsiteX6" y="connsiteY6"/>
-              </a:cxn>
-              <a:cxn ang="0">
-                <a:pos x="connsiteX7" y="connsiteY7"/>
-              </a:cxn>
-              <a:cxn ang="0">
-                <a:pos x="connsiteX8" y="connsiteY8"/>
-              </a:cxn>
-              <a:cxn ang="0">
-                <a:pos x="connsiteX9" y="connsiteY9"/>
-              </a:cxn>
-              <a:cxn ang="0">
-                <a:pos x="connsiteX10" y="connsiteY10"/>
-              </a:cxn>
-              <a:cxn ang="0">
-                <a:pos x="connsiteX11" y="connsiteY11"/>
-              </a:cxn>
-              <a:cxn ang="0">
-                <a:pos x="connsiteX12" y="connsiteY12"/>
-              </a:cxn>
-              <a:cxn ang="0">
-                <a:pos x="connsiteX13" y="connsiteY13"/>
-              </a:cxn>
-              <a:cxn ang="0">
-                <a:pos x="connsiteX14" y="connsiteY14"/>
-              </a:cxn>
-              <a:cxn ang="0">
-                <a:pos x="connsiteX15" y="connsiteY15"/>
-              </a:cxn>
-              <a:cxn ang="0">
-                <a:pos x="connsiteX16" y="connsiteY16"/>
-              </a:cxn>
-              <a:cxn ang="0">
-                <a:pos x="connsiteX17" y="connsiteY17"/>
-              </a:cxn>
-              <a:cxn ang="0">
-                <a:pos x="connsiteX18" y="connsiteY18"/>
-              </a:cxn>
-              <a:cxn ang="0">
-                <a:pos x="connsiteX19" y="connsiteY19"/>
-              </a:cxn>
-              <a:cxn ang="0">
-                <a:pos x="connsiteX20" y="connsiteY20"/>
-              </a:cxn>
-              <a:cxn ang="0">
-                <a:pos x="connsiteX21" y="connsiteY21"/>
-              </a:cxn>
-              <a:cxn ang="0">
-                <a:pos x="connsiteX22" y="connsiteY22"/>
-              </a:cxn>
-              <a:cxn ang="0">
-                <a:pos x="connsiteX23" y="connsiteY23"/>
-              </a:cxn>
-              <a:cxn ang="0">
-                <a:pos x="connsiteX24" y="connsiteY24"/>
-              </a:cxn>
-              <a:cxn ang="0">
-                <a:pos x="connsiteX25" y="connsiteY25"/>
-              </a:cxn>
-              <a:cxn ang="0">
-                <a:pos x="connsiteX26" y="connsiteY26"/>
-              </a:cxn>
-              <a:cxn ang="0">
-                <a:pos x="connsiteX27" y="connsiteY27"/>
-              </a:cxn>
-              <a:cxn ang="0">
-                <a:pos x="connsiteX28" y="connsiteY28"/>
-              </a:cxn>
-              <a:cxn ang="0">
-                <a:pos x="connsiteX29" y="connsiteY29"/>
-              </a:cxn>
-              <a:cxn ang="0">
-                <a:pos x="connsiteX30" y="connsiteY30"/>
-              </a:cxn>
-              <a:cxn ang="0">
-                <a:pos x="connsiteX31" y="connsiteY31"/>
-              </a:cxn>
-              <a:cxn ang="0">
-                <a:pos x="connsiteX32" y="connsiteY32"/>
-              </a:cxn>
-              <a:cxn ang="0">
-                <a:pos x="connsiteX33" y="connsiteY33"/>
-              </a:cxn>
-              <a:cxn ang="0">
-                <a:pos x="connsiteX34" y="connsiteY34"/>
-              </a:cxn>
-              <a:cxn ang="0">
-                <a:pos x="connsiteX35" y="connsiteY35"/>
-              </a:cxn>
-            </a:cxnLst>
-            <a:rect l="l" t="t" r="r" b="b"/>
-            <a:pathLst>
-              <a:path w="559472" h="3709642">
-                <a:moveTo>
-                  <a:pt x="0" y="0"/>
-                </a:moveTo>
-                <a:lnTo>
-                  <a:pt x="473952" y="0"/>
-                </a:lnTo>
-                <a:lnTo>
-                  <a:pt x="485840" y="161194"/>
-                </a:lnTo>
-                <a:cubicBezTo>
-                  <a:pt x="552063" y="1147770"/>
-                  <a:pt x="592441" y="3086737"/>
-                  <a:pt x="523949" y="3672197"/>
-                </a:cubicBezTo>
-                <a:cubicBezTo>
-                  <a:pt x="500842" y="3684557"/>
-                  <a:pt x="477855" y="3697282"/>
-                  <a:pt x="454748" y="3709642"/>
-                </a:cubicBezTo>
-                <a:lnTo>
-                  <a:pt x="448224" y="3510471"/>
-                </a:lnTo>
-                <a:lnTo>
-                  <a:pt x="443564" y="3408563"/>
-                </a:lnTo>
-                <a:lnTo>
-                  <a:pt x="438902" y="3304407"/>
-                </a:lnTo>
-                <a:lnTo>
-                  <a:pt x="433941" y="3198777"/>
-                </a:lnTo>
-                <a:lnTo>
-                  <a:pt x="427584" y="3092510"/>
-                </a:lnTo>
-                <a:lnTo>
-                  <a:pt x="420988" y="2984390"/>
-                </a:lnTo>
-                <a:lnTo>
-                  <a:pt x="414330" y="2874401"/>
-                </a:lnTo>
-                <a:lnTo>
-                  <a:pt x="406840" y="2762980"/>
-                </a:lnTo>
-                <a:lnTo>
-                  <a:pt x="397745" y="2650566"/>
-                </a:lnTo>
-                <a:lnTo>
-                  <a:pt x="389154" y="2536612"/>
-                </a:lnTo>
-                <a:lnTo>
-                  <a:pt x="379225" y="2421642"/>
-                </a:lnTo>
-                <a:lnTo>
-                  <a:pt x="368316" y="2305627"/>
-                </a:lnTo>
-                <a:lnTo>
-                  <a:pt x="357466" y="2189233"/>
-                </a:lnTo>
-                <a:lnTo>
-                  <a:pt x="344982" y="2071473"/>
-                </a:lnTo>
-                <a:lnTo>
-                  <a:pt x="332466" y="1952216"/>
-                </a:lnTo>
-                <a:lnTo>
-                  <a:pt x="319121" y="1833776"/>
-                </a:lnTo>
-                <a:lnTo>
-                  <a:pt x="304408" y="1713948"/>
-                </a:lnTo>
-                <a:lnTo>
-                  <a:pt x="288685" y="1592703"/>
-                </a:lnTo>
-                <a:lnTo>
-                  <a:pt x="273050" y="1471451"/>
-                </a:lnTo>
-                <a:lnTo>
-                  <a:pt x="255813" y="1350328"/>
-                </a:lnTo>
-                <a:lnTo>
-                  <a:pt x="237060" y="1227080"/>
-                </a:lnTo>
-                <a:lnTo>
-                  <a:pt x="218488" y="1106065"/>
-                </a:lnTo>
-                <a:lnTo>
-                  <a:pt x="198221" y="982940"/>
-                </a:lnTo>
-                <a:lnTo>
-                  <a:pt x="177152" y="858755"/>
-                </a:lnTo>
-                <a:lnTo>
-                  <a:pt x="155551" y="736861"/>
-                </a:lnTo>
-                <a:lnTo>
-                  <a:pt x="131782" y="613645"/>
-                </a:lnTo>
-                <a:lnTo>
-                  <a:pt x="107123" y="490500"/>
-                </a:lnTo>
-                <a:lnTo>
-                  <a:pt x="82552" y="367348"/>
-                </a:lnTo>
-                <a:lnTo>
-                  <a:pt x="55608" y="244762"/>
-                </a:lnTo>
-                <a:lnTo>
-                  <a:pt x="28130" y="122220"/>
-                </a:lnTo>
-                <a:lnTo>
-                  <a:pt x="0" y="0"/>
-                </a:lnTo>
-                <a:close/>
-              </a:path>
-            </a:pathLst>
-          </a:custGeom>
-          <a:solidFill>
-            <a:schemeClr val="tx1">
-              <a:alpha val="20000"/>
-            </a:schemeClr>
-          </a:solidFill>
-          <a:ln>
-            <a:noFill/>
-          </a:ln>
-        </p:spPr>
-        <p:txBody>
-          <a:bodyPr rtlCol="0" anchor="ctr"/>
-          <a:lstStyle/>
-          <a:p>
-            <a:pPr algn="ctr"/>
-            <a:endParaRPr lang="en-US"/>
-          </a:p>
-        </p:txBody>
-      </p:sp>
-      <p:sp>
-        <p:nvSpPr>
-          <p:cNvPr id="40" name="Freeform 5">
-            <a:extLst>
-              <a:ext uri="{FF2B5EF4-FFF2-40B4-BE49-F238E27FC236}">
-                <a16:creationId xmlns:a16="http://schemas.microsoft.com/office/drawing/2014/main" id="{95DBBBEB-F8DF-4794-86A8-BD884F7E6794}"/>
-              </a:ext>
-              <a:ext uri="{C183D7F6-B498-43B3-948B-1728B52AA6E4}">
-                <adec:decorative xmlns:adec="http://schemas.microsoft.com/office/drawing/2017/decorative" xmlns="" val="1"/>
-              </a:ext>
-            </a:extLst>
-          </p:cNvPr>
-          <p:cNvSpPr>
-            <a:spLocks noGrp="1" noRot="1" noChangeAspect="1" noMove="1" noResize="1" noEditPoints="1" noAdjustHandles="1" noChangeArrowheads="1" noChangeShapeType="1" noTextEdit="1"/>
-          </p:cNvSpPr>
-          <p:nvPr>
-            <p:extLst>
-              <p:ext uri="{386F3935-93C4-4BCD-93E2-E3B085C9AB24}">
-                <p16:designElem xmlns:p16="http://schemas.microsoft.com/office/powerpoint/2015/main" val="1"/>
-              </p:ext>
-            </p:extLst>
-          </p:nvPr>
-        </p:nvSpPr>
-        <p:spPr bwMode="gray">
-          <a:xfrm rot="5400000" flipH="1">
-            <a:off x="3708596" y="2756642"/>
-            <a:ext cx="6858000" cy="1344715"/>
-          </a:xfrm>
-          <a:custGeom>
-            <a:avLst/>
-            <a:gdLst/>
-            <a:ahLst/>
-            <a:cxnLst/>
-            <a:rect l="l" t="t" r="r" b="b"/>
-            <a:pathLst>
-              <a:path w="10000" h="8000">
-                <a:moveTo>
-                  <a:pt x="0" y="0"/>
-                </a:moveTo>
-                <a:lnTo>
-                  <a:pt x="0" y="7970"/>
-                </a:lnTo>
-                <a:lnTo>
-                  <a:pt x="10000" y="8000"/>
-                </a:lnTo>
-                <a:lnTo>
-                  <a:pt x="10000" y="7"/>
-                </a:lnTo>
-                <a:lnTo>
-                  <a:pt x="10000" y="7"/>
-                </a:lnTo>
-                <a:lnTo>
-                  <a:pt x="9773" y="156"/>
-                </a:lnTo>
-                <a:lnTo>
-                  <a:pt x="9547" y="298"/>
-                </a:lnTo>
-                <a:lnTo>
-                  <a:pt x="9320" y="437"/>
-                </a:lnTo>
-                <a:lnTo>
-                  <a:pt x="9092" y="556"/>
-                </a:lnTo>
-                <a:lnTo>
-                  <a:pt x="8865" y="676"/>
-                </a:lnTo>
-                <a:lnTo>
-                  <a:pt x="8637" y="788"/>
-                </a:lnTo>
-                <a:lnTo>
-                  <a:pt x="8412" y="884"/>
-                </a:lnTo>
-                <a:lnTo>
-                  <a:pt x="8184" y="975"/>
-                </a:lnTo>
-                <a:lnTo>
-                  <a:pt x="7957" y="1058"/>
-                </a:lnTo>
-                <a:lnTo>
-                  <a:pt x="7734" y="1130"/>
-                </a:lnTo>
-                <a:lnTo>
-                  <a:pt x="7508" y="1202"/>
-                </a:lnTo>
-                <a:lnTo>
-                  <a:pt x="7285" y="1262"/>
-                </a:lnTo>
-                <a:lnTo>
-                  <a:pt x="7062" y="1309"/>
-                </a:lnTo>
-                <a:lnTo>
-                  <a:pt x="6840" y="1358"/>
-                </a:lnTo>
-                <a:lnTo>
-                  <a:pt x="6620" y="1399"/>
-                </a:lnTo>
-                <a:lnTo>
-                  <a:pt x="6402" y="1428"/>
-                </a:lnTo>
-                <a:lnTo>
-                  <a:pt x="6184" y="1453"/>
-                </a:lnTo>
-                <a:lnTo>
-                  <a:pt x="5968" y="1477"/>
-                </a:lnTo>
-                <a:lnTo>
-                  <a:pt x="5755" y="1488"/>
-                </a:lnTo>
-                <a:lnTo>
-                  <a:pt x="5542" y="1500"/>
-                </a:lnTo>
-                <a:lnTo>
-                  <a:pt x="5332" y="1506"/>
-                </a:lnTo>
-                <a:lnTo>
-                  <a:pt x="5124" y="1500"/>
-                </a:lnTo>
-                <a:lnTo>
-                  <a:pt x="4918" y="1500"/>
-                </a:lnTo>
-                <a:lnTo>
-                  <a:pt x="4714" y="1488"/>
-                </a:lnTo>
-                <a:lnTo>
-                  <a:pt x="4514" y="1470"/>
-                </a:lnTo>
-                <a:lnTo>
-                  <a:pt x="4316" y="1453"/>
-                </a:lnTo>
-                <a:lnTo>
-                  <a:pt x="4122" y="1434"/>
-                </a:lnTo>
-                <a:lnTo>
-                  <a:pt x="3929" y="1405"/>
-                </a:lnTo>
-                <a:lnTo>
-                  <a:pt x="3739" y="1374"/>
-                </a:lnTo>
-                <a:lnTo>
-                  <a:pt x="3553" y="1346"/>
-                </a:lnTo>
-                <a:lnTo>
-                  <a:pt x="3190" y="1267"/>
-                </a:lnTo>
-                <a:lnTo>
-                  <a:pt x="2842" y="1183"/>
-                </a:lnTo>
-                <a:lnTo>
-                  <a:pt x="2508" y="1095"/>
-                </a:lnTo>
-                <a:lnTo>
-                  <a:pt x="2192" y="998"/>
-                </a:lnTo>
-                <a:lnTo>
-                  <a:pt x="1890" y="897"/>
-                </a:lnTo>
-                <a:lnTo>
-                  <a:pt x="1610" y="788"/>
-                </a:lnTo>
-                <a:lnTo>
-                  <a:pt x="1347" y="681"/>
-                </a:lnTo>
-                <a:lnTo>
-                  <a:pt x="1105" y="574"/>
-                </a:lnTo>
-                <a:lnTo>
-                  <a:pt x="883" y="473"/>
-                </a:lnTo>
-                <a:lnTo>
-                  <a:pt x="686" y="377"/>
-                </a:lnTo>
-                <a:lnTo>
-                  <a:pt x="508" y="286"/>
-                </a:lnTo>
-                <a:lnTo>
-                  <a:pt x="358" y="210"/>
-                </a:lnTo>
-                <a:lnTo>
-                  <a:pt x="232" y="138"/>
-                </a:lnTo>
-                <a:lnTo>
-                  <a:pt x="59" y="35"/>
-                </a:lnTo>
-                <a:lnTo>
-                  <a:pt x="0" y="0"/>
-                </a:lnTo>
-                <a:lnTo>
-                  <a:pt x="0" y="0"/>
-                </a:lnTo>
-                <a:close/>
-              </a:path>
-            </a:pathLst>
-          </a:custGeom>
-          <a:solidFill>
-            <a:srgbClr val="FFFFFF"/>
-          </a:solidFill>
-          <a:ln>
-            <a:noFill/>
-          </a:ln>
-        </p:spPr>
-      </p:sp>
-      <p:pic>
-        <p:nvPicPr>
-          <p:cNvPr id="4" name="Tartalom helye 3" descr="A képen szöveg, képernyőkép, Betűtípus látható&#10;&#10;Automatikusan generált leírás">
-            <a:extLst>
-              <a:ext uri="{FF2B5EF4-FFF2-40B4-BE49-F238E27FC236}">
-                <a16:creationId xmlns:a16="http://schemas.microsoft.com/office/drawing/2014/main" id="{45EDB47D-DE5C-F772-6B54-9211FA049BCE}"/>
-              </a:ext>
-            </a:extLst>
-          </p:cNvPr>
-          <p:cNvPicPr>
-            <a:picLocks noGrp="1" noChangeAspect="1"/>
-          </p:cNvPicPr>
-          <p:nvPr>
-            <p:ph idx="1"/>
-          </p:nvPr>
-        </p:nvPicPr>
-        <p:blipFill>
-          <a:blip r:embed="rId7"/>
-          <a:srcRect r="1836" b="-2"/>
-          <a:stretch/>
-        </p:blipFill>
-        <p:spPr>
-          <a:xfrm>
-            <a:off x="299112" y="364670"/>
-            <a:ext cx="6960144" cy="3475094"/>
-          </a:xfrm>
-          <a:prstGeom prst="rect">
-            <a:avLst/>
-          </a:prstGeom>
-          <a:effectLst/>
-        </p:spPr>
-      </p:pic>
-      <p:pic>
-        <p:nvPicPr>
-          <p:cNvPr id="6" name="Kép 5" descr="A képen szöveg, Betűtípus, sor, képernyőkép látható&#10;&#10;Automatikusan generált leírás">
-            <a:extLst>
-              <a:ext uri="{FF2B5EF4-FFF2-40B4-BE49-F238E27FC236}">
-                <a16:creationId xmlns:a16="http://schemas.microsoft.com/office/drawing/2014/main" id="{35546E5A-CE69-F7E2-FE7D-1250F6318AC0}"/>
-              </a:ext>
-            </a:extLst>
-          </p:cNvPr>
-          <p:cNvPicPr>
-            <a:picLocks noChangeAspect="1"/>
-          </p:cNvPicPr>
-          <p:nvPr/>
-        </p:nvPicPr>
-        <p:blipFill>
-          <a:blip r:embed="rId8"/>
-          <a:stretch>
-            <a:fillRect/>
-          </a:stretch>
-        </p:blipFill>
-        <p:spPr>
-          <a:xfrm>
-            <a:off x="295511" y="5250994"/>
-            <a:ext cx="9253347" cy="1097055"/>
-          </a:xfrm>
-          <a:prstGeom prst="rect">
-            <a:avLst/>
-          </a:prstGeom>
-          <a:effectLst/>
-        </p:spPr>
-      </p:pic>
-    </p:spTree>
-    <p:extLst>
-      <p:ext uri="{BB962C8B-B14F-4D97-AF65-F5344CB8AC3E}">
-        <p14:creationId xmlns:p14="http://schemas.microsoft.com/office/powerpoint/2010/main" val="3340070489"/>
-      </p:ext>
-    </p:extLst>
-  </p:cSld>
-  <p:clrMapOvr>
-    <a:masterClrMapping/>
-  </p:clrMapOvr>
-</p:sld>
-</file>
-
-<file path=ppt/slides/slide22.xml><?xml version="1.0" encoding="utf-8"?>
-<p:sld xmlns:a="http://schemas.openxmlformats.org/drawingml/2006/main" xmlns:r="http://schemas.openxmlformats.org/officeDocument/2006/relationships" xmlns:p="http://schemas.openxmlformats.org/presentationml/2006/main">
-  <p:cSld>
-    <p:spTree>
-      <p:nvGrpSpPr>
-        <p:cNvPr id="1" name=""/>
-        <p:cNvGrpSpPr/>
-        <p:nvPr/>
-      </p:nvGrpSpPr>
-      <p:grpSpPr>
-        <a:xfrm>
-          <a:off x="0" y="0"/>
-          <a:ext cx="0" cy="0"/>
-          <a:chOff x="0" y="0"/>
-          <a:chExt cx="0" cy="0"/>
-        </a:xfrm>
-      </p:grpSpPr>
-      <p:sp>
-        <p:nvSpPr>
-          <p:cNvPr id="2" name="Cím 1">
-            <a:extLst>
-              <a:ext uri="{FF2B5EF4-FFF2-40B4-BE49-F238E27FC236}">
-                <a16:creationId xmlns:a16="http://schemas.microsoft.com/office/drawing/2014/main" id="{7C83DE72-A24C-6766-2A0D-3AE12DD58D47}"/>
-              </a:ext>
-            </a:extLst>
-          </p:cNvPr>
-          <p:cNvSpPr>
-            <a:spLocks noGrp="1"/>
-          </p:cNvSpPr>
-          <p:nvPr>
-            <p:ph type="ctrTitle"/>
-          </p:nvPr>
-        </p:nvSpPr>
-        <p:spPr>
-          <a:xfrm>
-            <a:off x="580694" y="3093277"/>
-            <a:ext cx="11034353" cy="933147"/>
-          </a:xfrm>
-        </p:spPr>
-        <p:txBody>
-          <a:bodyPr/>
-          <a:lstStyle/>
-          <a:p>
-            <a:r>
-              <a:rPr lang="hu-HU" dirty="0"/>
-              <a:t>Köszönjük a figyelmet!</a:t>
-            </a:r>
-          </a:p>
-        </p:txBody>
-      </p:sp>
-    </p:spTree>
-    <p:extLst>
-      <p:ext uri="{BB962C8B-B14F-4D97-AF65-F5344CB8AC3E}">
-        <p14:creationId xmlns:p14="http://schemas.microsoft.com/office/powerpoint/2010/main" val="1046954273"/>
-      </p:ext>
-    </p:extLst>
-  </p:cSld>
-  <p:clrMapOvr>
-    <a:masterClrMapping/>
-  </p:clrMapOvr>
-</p:sld>
-</file>
-
-<file path=ppt/slides/slide3.xml><?xml version="1.0" encoding="utf-8"?>
+<file path=ppt/slides/slide4.xml><?xml version="1.0" encoding="utf-8"?>
 <p:sld xmlns:a="http://schemas.openxmlformats.org/drawingml/2006/main" xmlns:r="http://schemas.openxmlformats.org/officeDocument/2006/relationships" xmlns:p="http://schemas.openxmlformats.org/presentationml/2006/main">
   <p:cSld>
     <p:bg>
@@ -14207,7 +15587,7 @@
                 <a16:creationId xmlns:a16="http://schemas.microsoft.com/office/drawing/2014/main" id="{81E3F4E1-B084-4FFF-9627-13782BE0BE4A}"/>
               </a:ext>
               <a:ext uri="{C183D7F6-B498-43B3-948B-1728B52AA6E4}">
-                <adec:decorative xmlns:adec="http://schemas.microsoft.com/office/drawing/2017/decorative" xmlns="" val="1"/>
+                <adec:decorative xmlns="" xmlns:adec="http://schemas.microsoft.com/office/drawing/2017/decorative" val="1"/>
               </a:ext>
             </a:extLst>
           </p:cNvPr>
@@ -14323,7 +15703,7 @@
                 <a16:creationId xmlns:a16="http://schemas.microsoft.com/office/drawing/2014/main" id="{1F8051AB-C2F8-461F-812A-3E58862141B3}"/>
               </a:ext>
               <a:ext uri="{C183D7F6-B498-43B3-948B-1728B52AA6E4}">
-                <adec:decorative xmlns:adec="http://schemas.microsoft.com/office/drawing/2017/decorative" xmlns="" val="1"/>
+                <adec:decorative xmlns="" xmlns:adec="http://schemas.microsoft.com/office/drawing/2017/decorative" val="1"/>
               </a:ext>
             </a:extLst>
           </p:cNvPr>
@@ -14815,7 +16195,7 @@
                 <a16:creationId xmlns:a16="http://schemas.microsoft.com/office/drawing/2014/main" id="{481E0C28-CB2F-425F-98C5-AF23B9B704DF}"/>
               </a:ext>
               <a:ext uri="{C183D7F6-B498-43B3-948B-1728B52AA6E4}">
-                <adec:decorative xmlns:adec="http://schemas.microsoft.com/office/drawing/2017/decorative" xmlns="" val="1"/>
+                <adec:decorative xmlns="" xmlns:adec="http://schemas.microsoft.com/office/drawing/2017/decorative" val="1"/>
               </a:ext>
             </a:extLst>
           </p:cNvPr>
@@ -15167,7 +16547,7 @@
                 <a16:creationId xmlns:a16="http://schemas.microsoft.com/office/drawing/2014/main" id="{2DB2879C-F0B1-4195-A323-E97B6065A78E}"/>
               </a:ext>
               <a:ext uri="{C183D7F6-B498-43B3-948B-1728B52AA6E4}">
-                <adec:decorative xmlns:adec="http://schemas.microsoft.com/office/drawing/2017/decorative" xmlns="" val="1"/>
+                <adec:decorative xmlns="" xmlns:adec="http://schemas.microsoft.com/office/drawing/2017/decorative" val="1"/>
               </a:ext>
             </a:extLst>
           </p:cNvPr>
@@ -15235,7 +16615,7 @@
         </p:nvGraphicFramePr>
         <p:xfrm>
           <a:off x="3418113" y="21771"/>
-          <a:ext cx="8256907" cy="6769472"/>
+          <a:ext cx="8256907" cy="6792078"/>
         </p:xfrm>
         <a:graphic>
           <a:graphicData uri="http://schemas.openxmlformats.org/drawingml/2006/table">
@@ -21676,22 +23056,20 @@
   <p:clrMapOvr>
     <a:overrideClrMapping bg1="lt1" tx1="dk1" bg2="lt2" tx2="dk2" accent1="accent1" accent2="accent2" accent3="accent3" accent4="accent4" accent5="accent5" accent6="accent6" hlink="hlink" folHlink="folHlink"/>
   </p:clrMapOvr>
-  <mc:AlternateContent xmlns:mc="http://schemas.openxmlformats.org/markup-compatibility/2006" xmlns:p14="http://schemas.microsoft.com/office/powerpoint/2010/main">
-    <mc:Choice Requires="p14">
-      <p:transition p14:dur="100">
-        <p:cut/>
-      </p:transition>
-    </mc:Choice>
-    <mc:Fallback xmlns="">
-      <p:transition>
-        <p:cut/>
-      </p:transition>
-    </mc:Fallback>
-  </mc:AlternateContent>
+  <p:transition spd="slow">
+    <p:push dir="u"/>
+  </p:transition>
+  <p:timing>
+    <p:tnLst>
+      <p:par>
+        <p:cTn id="1" dur="indefinite" restart="never" nodeType="tmRoot"/>
+      </p:par>
+    </p:tnLst>
+  </p:timing>
 </p:sld>
 </file>
 
-<file path=ppt/slides/slide4.xml><?xml version="1.0" encoding="utf-8"?>
+<file path=ppt/slides/slide5.xml><?xml version="1.0" encoding="utf-8"?>
 <p:sld xmlns:a="http://schemas.openxmlformats.org/drawingml/2006/main" xmlns:r="http://schemas.openxmlformats.org/officeDocument/2006/relationships" xmlns:p="http://schemas.openxmlformats.org/presentationml/2006/main">
   <p:cSld>
     <p:spTree>
@@ -21764,7 +23142,7 @@
         </p:nvGraphicFramePr>
         <p:xfrm>
           <a:off x="990600" y="2611845"/>
-          <a:ext cx="9808110" cy="2870772"/>
+          <a:ext cx="9808110" cy="2946273"/>
         </p:xfrm>
         <a:graphic>
           <a:graphicData uri="http://schemas.openxmlformats.org/drawingml/2006/table">
@@ -22650,22 +24028,20 @@
   <p:clrMapOvr>
     <a:masterClrMapping/>
   </p:clrMapOvr>
-  <mc:AlternateContent xmlns:mc="http://schemas.openxmlformats.org/markup-compatibility/2006" xmlns:p14="http://schemas.microsoft.com/office/powerpoint/2010/main">
-    <mc:Choice Requires="p14">
-      <p:transition p14:dur="100">
-        <p:cut/>
-      </p:transition>
-    </mc:Choice>
-    <mc:Fallback xmlns="">
-      <p:transition>
-        <p:cut/>
-      </p:transition>
-    </mc:Fallback>
-  </mc:AlternateContent>
+  <p:transition spd="slow">
+    <p:push dir="u"/>
+  </p:transition>
+  <p:timing>
+    <p:tnLst>
+      <p:par>
+        <p:cTn id="1" dur="indefinite" restart="never" nodeType="tmRoot"/>
+      </p:par>
+    </p:tnLst>
+  </p:timing>
 </p:sld>
 </file>
 
-<file path=ppt/slides/slide5.xml><?xml version="1.0" encoding="utf-8"?>
+<file path=ppt/slides/slide6.xml><?xml version="1.0" encoding="utf-8"?>
 <p:sld xmlns:a="http://schemas.openxmlformats.org/drawingml/2006/main" xmlns:r="http://schemas.openxmlformats.org/officeDocument/2006/relationships" xmlns:p="http://schemas.openxmlformats.org/presentationml/2006/main">
   <p:cSld>
     <p:spTree>
@@ -22733,7 +24109,7 @@
         </p:nvGraphicFramePr>
         <p:xfrm>
           <a:off x="2005330" y="2465132"/>
-          <a:ext cx="8045504" cy="1927735"/>
+          <a:ext cx="8045504" cy="1991742"/>
         </p:xfrm>
         <a:graphic>
           <a:graphicData uri="http://schemas.openxmlformats.org/drawingml/2006/table">
@@ -23023,22 +24399,20 @@
   <p:clrMapOvr>
     <a:masterClrMapping/>
   </p:clrMapOvr>
-  <mc:AlternateContent xmlns:mc="http://schemas.openxmlformats.org/markup-compatibility/2006" xmlns:p14="http://schemas.microsoft.com/office/powerpoint/2010/main">
-    <mc:Choice Requires="p14">
-      <p:transition p14:dur="100">
-        <p:cut/>
-      </p:transition>
-    </mc:Choice>
-    <mc:Fallback xmlns="">
-      <p:transition>
-        <p:cut/>
-      </p:transition>
-    </mc:Fallback>
-  </mc:AlternateContent>
+  <p:transition spd="slow">
+    <p:push dir="u"/>
+  </p:transition>
+  <p:timing>
+    <p:tnLst>
+      <p:par>
+        <p:cTn id="1" dur="indefinite" restart="never" nodeType="tmRoot"/>
+      </p:par>
+    </p:tnLst>
+  </p:timing>
 </p:sld>
 </file>
 
-<file path=ppt/slides/slide6.xml><?xml version="1.0" encoding="utf-8"?>
+<file path=ppt/slides/slide7.xml><?xml version="1.0" encoding="utf-8"?>
 <p:sld xmlns:a="http://schemas.openxmlformats.org/drawingml/2006/main" xmlns:r="http://schemas.openxmlformats.org/officeDocument/2006/relationships" xmlns:p="http://schemas.openxmlformats.org/presentationml/2006/main">
   <p:cSld>
     <p:bg>
@@ -23162,22 +24536,20 @@
   <p:clrMapOvr>
     <a:masterClrMapping/>
   </p:clrMapOvr>
-  <mc:AlternateContent xmlns:mc="http://schemas.openxmlformats.org/markup-compatibility/2006" xmlns:p14="http://schemas.microsoft.com/office/powerpoint/2010/main">
-    <mc:Choice Requires="p14">
-      <p:transition p14:dur="100">
-        <p:cut/>
-      </p:transition>
-    </mc:Choice>
-    <mc:Fallback xmlns="">
-      <p:transition>
-        <p:cut/>
-      </p:transition>
-    </mc:Fallback>
-  </mc:AlternateContent>
+  <p:transition spd="slow">
+    <p:push dir="u"/>
+  </p:transition>
+  <p:timing>
+    <p:tnLst>
+      <p:par>
+        <p:cTn id="1" dur="indefinite" restart="never" nodeType="tmRoot"/>
+      </p:par>
+    </p:tnLst>
+  </p:timing>
 </p:sld>
 </file>
 
-<file path=ppt/slides/slide7.xml><?xml version="1.0" encoding="utf-8"?>
+<file path=ppt/slides/slide8.xml><?xml version="1.0" encoding="utf-8"?>
 <p:sld xmlns:a="http://schemas.openxmlformats.org/drawingml/2006/main" xmlns:r="http://schemas.openxmlformats.org/officeDocument/2006/relationships" xmlns:p="http://schemas.openxmlformats.org/presentationml/2006/main">
   <p:cSld>
     <p:spTree>
@@ -23445,22 +24817,20 @@
   <p:clrMapOvr>
     <a:masterClrMapping/>
   </p:clrMapOvr>
-  <mc:AlternateContent xmlns:mc="http://schemas.openxmlformats.org/markup-compatibility/2006" xmlns:p14="http://schemas.microsoft.com/office/powerpoint/2010/main">
-    <mc:Choice Requires="p14">
-      <p:transition p14:dur="100">
-        <p:cut/>
-      </p:transition>
-    </mc:Choice>
-    <mc:Fallback xmlns="">
-      <p:transition>
-        <p:cut/>
-      </p:transition>
-    </mc:Fallback>
-  </mc:AlternateContent>
+  <p:transition spd="slow">
+    <p:push dir="u"/>
+  </p:transition>
+  <p:timing>
+    <p:tnLst>
+      <p:par>
+        <p:cTn id="1" dur="indefinite" restart="never" nodeType="tmRoot"/>
+      </p:par>
+    </p:tnLst>
+  </p:timing>
 </p:sld>
 </file>
 
-<file path=ppt/slides/slide8.xml><?xml version="1.0" encoding="utf-8"?>
+<file path=ppt/slides/slide9.xml><?xml version="1.0" encoding="utf-8"?>
 <p:sld xmlns:a="http://schemas.openxmlformats.org/drawingml/2006/main" xmlns:r="http://schemas.openxmlformats.org/officeDocument/2006/relationships" xmlns:p="http://schemas.openxmlformats.org/presentationml/2006/main">
   <p:cSld>
     <p:bg>
@@ -23508,7 +24878,7 @@
                 <a16:creationId xmlns:a16="http://schemas.microsoft.com/office/drawing/2014/main" id="{C9134821-5D8B-4373-BA74-CFE9AB35A55A}"/>
               </a:ext>
               <a:ext uri="{C183D7F6-B498-43B3-948B-1728B52AA6E4}">
-                <adec:decorative xmlns:adec="http://schemas.microsoft.com/office/drawing/2017/decorative" xmlns="" val="1"/>
+                <adec:decorative xmlns="" xmlns:adec="http://schemas.microsoft.com/office/drawing/2017/decorative" val="1"/>
               </a:ext>
             </a:extLst>
           </p:cNvPr>
@@ -23552,7 +24922,7 @@
                 <a16:creationId xmlns:a16="http://schemas.microsoft.com/office/drawing/2014/main" id="{5965195F-79F5-4911-907D-13CB3F534351}"/>
               </a:ext>
               <a:ext uri="{C183D7F6-B498-43B3-948B-1728B52AA6E4}">
-                <adec:decorative xmlns:adec="http://schemas.microsoft.com/office/drawing/2017/decorative" xmlns="" val="1"/>
+                <adec:decorative xmlns="" xmlns:adec="http://schemas.microsoft.com/office/drawing/2017/decorative" val="1"/>
               </a:ext>
             </a:extLst>
           </p:cNvPr>
@@ -23596,7 +24966,7 @@
                 <a16:creationId xmlns:a16="http://schemas.microsoft.com/office/drawing/2014/main" id="{8A610DC7-FE1B-47B9-8452-CFC389786C2D}"/>
               </a:ext>
               <a:ext uri="{C183D7F6-B498-43B3-948B-1728B52AA6E4}">
-                <adec:decorative xmlns:adec="http://schemas.microsoft.com/office/drawing/2017/decorative" xmlns="" val="1"/>
+                <adec:decorative xmlns="" xmlns:adec="http://schemas.microsoft.com/office/drawing/2017/decorative" val="1"/>
               </a:ext>
             </a:extLst>
           </p:cNvPr>
@@ -23670,7 +25040,7 @@
                 <a16:creationId xmlns:a16="http://schemas.microsoft.com/office/drawing/2014/main" id="{2742ADC1-2286-40B7-A3C6-D6C3362FA04B}"/>
               </a:ext>
               <a:ext uri="{C183D7F6-B498-43B3-948B-1728B52AA6E4}">
-                <adec:decorative xmlns:adec="http://schemas.microsoft.com/office/drawing/2017/decorative" xmlns="" val="1"/>
+                <adec:decorative xmlns="" xmlns:adec="http://schemas.microsoft.com/office/drawing/2017/decorative" val="1"/>
               </a:ext>
             </a:extLst>
           </p:cNvPr>
@@ -23714,7 +25084,7 @@
                 <a16:creationId xmlns:a16="http://schemas.microsoft.com/office/drawing/2014/main" id="{C878FBDC-78F2-4D49-8DB3-1A48CA9F7FC0}"/>
               </a:ext>
               <a:ext uri="{C183D7F6-B498-43B3-948B-1728B52AA6E4}">
-                <adec:decorative xmlns:adec="http://schemas.microsoft.com/office/drawing/2017/decorative" xmlns="" val="1"/>
+                <adec:decorative xmlns="" xmlns:adec="http://schemas.microsoft.com/office/drawing/2017/decorative" val="1"/>
               </a:ext>
             </a:extLst>
           </p:cNvPr>
@@ -23758,7 +25128,7 @@
                 <a16:creationId xmlns:a16="http://schemas.microsoft.com/office/drawing/2014/main" id="{DC9A0934-0C2C-4565-9290-A345B19BD94C}"/>
               </a:ext>
               <a:ext uri="{C183D7F6-B498-43B3-948B-1728B52AA6E4}">
-                <adec:decorative xmlns:adec="http://schemas.microsoft.com/office/drawing/2017/decorative" xmlns="" val="1"/>
+                <adec:decorative xmlns="" xmlns:adec="http://schemas.microsoft.com/office/drawing/2017/decorative" val="1"/>
               </a:ext>
             </a:extLst>
           </p:cNvPr>
@@ -23811,7 +25181,7 @@
                 <a16:creationId xmlns:a16="http://schemas.microsoft.com/office/drawing/2014/main" id="{0D4359AF-7256-4C60-9759-E796CFF40077}"/>
               </a:ext>
               <a:ext uri="{C183D7F6-B498-43B3-948B-1728B52AA6E4}">
-                <adec:decorative xmlns:adec="http://schemas.microsoft.com/office/drawing/2017/decorative" xmlns="" val="1"/>
+                <adec:decorative xmlns="" xmlns:adec="http://schemas.microsoft.com/office/drawing/2017/decorative" val="1"/>
               </a:ext>
             </a:extLst>
           </p:cNvPr>
@@ -23874,7 +25244,7 @@
                 <a16:creationId xmlns:a16="http://schemas.microsoft.com/office/drawing/2014/main" id="{340782AB-F63E-4996-ACC3-9F141BEAD44A}"/>
               </a:ext>
               <a:ext uri="{C183D7F6-B498-43B3-948B-1728B52AA6E4}">
-                <adec:decorative xmlns:adec="http://schemas.microsoft.com/office/drawing/2017/decorative" xmlns="" val="1"/>
+                <adec:decorative xmlns="" xmlns:adec="http://schemas.microsoft.com/office/drawing/2017/decorative" val="1"/>
               </a:ext>
             </a:extLst>
           </p:cNvPr>
@@ -23927,7 +25297,7 @@
                 <a16:creationId xmlns:a16="http://schemas.microsoft.com/office/drawing/2014/main" id="{EFF73443-A1E0-4E5D-8332-FD14F242237B}"/>
               </a:ext>
               <a:ext uri="{C183D7F6-B498-43B3-948B-1728B52AA6E4}">
-                <adec:decorative xmlns:adec="http://schemas.microsoft.com/office/drawing/2017/decorative" xmlns="" val="1"/>
+                <adec:decorative xmlns="" xmlns:adec="http://schemas.microsoft.com/office/drawing/2017/decorative" val="1"/>
               </a:ext>
             </a:extLst>
           </p:cNvPr>
@@ -24291,7 +25661,7 @@
                 <a16:creationId xmlns:a16="http://schemas.microsoft.com/office/drawing/2014/main" id="{8F9D937A-C73E-4D45-976D-91588160770F}"/>
               </a:ext>
               <a:ext uri="{C183D7F6-B498-43B3-948B-1728B52AA6E4}">
-                <adec:decorative xmlns:adec="http://schemas.microsoft.com/office/drawing/2017/decorative" xmlns="" val="1"/>
+                <adec:decorative xmlns="" xmlns:adec="http://schemas.microsoft.com/office/drawing/2017/decorative" val="1"/>
               </a:ext>
             </a:extLst>
           </p:cNvPr>
@@ -24351,7 +25721,7 @@
                 <a16:creationId xmlns:a16="http://schemas.microsoft.com/office/drawing/2014/main" id="{90681C35-61CA-4FDB-8327-1EFEC0462DC2}"/>
               </a:ext>
               <a:ext uri="{C183D7F6-B498-43B3-948B-1728B52AA6E4}">
-                <adec:decorative xmlns:adec="http://schemas.microsoft.com/office/drawing/2017/decorative" xmlns="" val="1"/>
+                <adec:decorative xmlns="" xmlns:adec="http://schemas.microsoft.com/office/drawing/2017/decorative" val="1"/>
               </a:ext>
             </a:extLst>
           </p:cNvPr>
@@ -24630,177 +26000,16 @@
   <p:clrMapOvr>
     <a:masterClrMapping/>
   </p:clrMapOvr>
-  <mc:AlternateContent xmlns:mc="http://schemas.openxmlformats.org/markup-compatibility/2006" xmlns:p14="http://schemas.microsoft.com/office/powerpoint/2010/main">
-    <mc:Choice Requires="p14">
-      <p:transition p14:dur="100">
-        <p:cut/>
-      </p:transition>
-    </mc:Choice>
-    <mc:Fallback xmlns="">
-      <p:transition>
-        <p:cut/>
-      </p:transition>
-    </mc:Fallback>
-  </mc:AlternateContent>
-</p:sld>
-</file>
-
-<file path=ppt/slides/slide9.xml><?xml version="1.0" encoding="utf-8"?>
-<p:sld xmlns:a="http://schemas.openxmlformats.org/drawingml/2006/main" xmlns:r="http://schemas.openxmlformats.org/officeDocument/2006/relationships" xmlns:p="http://schemas.openxmlformats.org/presentationml/2006/main">
-  <p:cSld>
-    <p:bg>
-      <p:bgPr>
-        <a:blipFill rotWithShape="1">
-          <a:blip r:embed="rId2">
-            <a:duotone>
-              <a:schemeClr val="bg2">
-                <a:shade val="69000"/>
-                <a:hueMod val="108000"/>
-                <a:satMod val="164000"/>
-                <a:lumMod val="74000"/>
-              </a:schemeClr>
-              <a:schemeClr val="bg2">
-                <a:tint val="96000"/>
-                <a:hueMod val="88000"/>
-                <a:satMod val="140000"/>
-                <a:lumMod val="132000"/>
-              </a:schemeClr>
-            </a:duotone>
-          </a:blip>
-          <a:stretch/>
-        </a:blipFill>
-        <a:effectLst/>
-      </p:bgPr>
-    </p:bg>
-    <p:spTree>
-      <p:nvGrpSpPr>
-        <p:cNvPr id="1" name=""/>
-        <p:cNvGrpSpPr/>
-        <p:nvPr/>
-      </p:nvGrpSpPr>
-      <p:grpSpPr>
-        <a:xfrm>
-          <a:off x="0" y="0"/>
-          <a:ext cx="0" cy="0"/>
-          <a:chOff x="0" y="0"/>
-          <a:chExt cx="0" cy="0"/>
-        </a:xfrm>
-      </p:grpSpPr>
-      <p:sp>
-        <p:nvSpPr>
-          <p:cNvPr id="2" name="Cím 1">
-            <a:extLst>
-              <a:ext uri="{FF2B5EF4-FFF2-40B4-BE49-F238E27FC236}">
-                <a16:creationId xmlns:a16="http://schemas.microsoft.com/office/drawing/2014/main" id="{41C89C22-643B-7BB0-41D0-90D359CFCBC2}"/>
-              </a:ext>
-            </a:extLst>
-          </p:cNvPr>
-          <p:cNvSpPr>
-            <a:spLocks noGrp="1"/>
-          </p:cNvSpPr>
-          <p:nvPr>
-            <p:ph type="title"/>
-          </p:nvPr>
-        </p:nvSpPr>
-        <p:spPr>
-          <a:xfrm>
-            <a:off x="646112" y="452718"/>
-            <a:ext cx="4165580" cy="1400530"/>
-          </a:xfrm>
-        </p:spPr>
-        <p:txBody>
-          <a:bodyPr>
-            <a:normAutofit/>
-          </a:bodyPr>
-          <a:lstStyle/>
-          <a:p>
-            <a:r>
-              <a:rPr lang="hu-HU" sz="3900"/>
-              <a:t>Port-</a:t>
-            </a:r>
-            <a:r>
-              <a:rPr lang="hu-HU" sz="3900" err="1"/>
-              <a:t>security</a:t>
-            </a:r>
-            <a:r>
-              <a:rPr lang="hu-HU" sz="3900"/>
-              <a:t> a Webszerver felé</a:t>
-            </a:r>
-          </a:p>
-        </p:txBody>
-      </p:sp>
-      <p:pic>
-        <p:nvPicPr>
-          <p:cNvPr id="4" name="Tartalom helye 3" descr="A képen szöveg, Betűtípus, képernyőkép, fehér látható&#10;&#10;Automatikusan generált leírás">
-            <a:extLst>
-              <a:ext uri="{FF2B5EF4-FFF2-40B4-BE49-F238E27FC236}">
-                <a16:creationId xmlns:a16="http://schemas.microsoft.com/office/drawing/2014/main" id="{32ABE023-0A3A-0691-7948-21C8B62BBF26}"/>
-              </a:ext>
-            </a:extLst>
-          </p:cNvPr>
-          <p:cNvPicPr>
-            <a:picLocks noChangeAspect="1"/>
-          </p:cNvPicPr>
-          <p:nvPr/>
-        </p:nvPicPr>
-        <p:blipFill>
-          <a:blip r:embed="rId3"/>
-          <a:stretch>
-            <a:fillRect/>
-          </a:stretch>
-        </p:blipFill>
-        <p:spPr>
-          <a:xfrm>
-            <a:off x="324981" y="3555404"/>
-            <a:ext cx="5449471" cy="1811773"/>
-          </a:xfrm>
-          <a:prstGeom prst="rect">
-            <a:avLst/>
-          </a:prstGeom>
-          <a:effectLst/>
-        </p:spPr>
-      </p:pic>
-      <p:pic>
-        <p:nvPicPr>
-          <p:cNvPr id="5" name="Kép 4" descr="A képen szöveg, diagram, kör, képernyőkép látható&#10;&#10;Automatikusan generált leírás">
-            <a:extLst>
-              <a:ext uri="{FF2B5EF4-FFF2-40B4-BE49-F238E27FC236}">
-                <a16:creationId xmlns:a16="http://schemas.microsoft.com/office/drawing/2014/main" id="{F01AC7D0-DE81-52AA-0978-02F26BECBB1A}"/>
-              </a:ext>
-            </a:extLst>
-          </p:cNvPr>
-          <p:cNvPicPr>
-            <a:picLocks noChangeAspect="1"/>
-          </p:cNvPicPr>
-          <p:nvPr/>
-        </p:nvPicPr>
-        <p:blipFill>
-          <a:blip r:embed="rId4"/>
-          <a:stretch>
-            <a:fillRect/>
-          </a:stretch>
-        </p:blipFill>
-        <p:spPr>
-          <a:xfrm>
-            <a:off x="6654702" y="2527226"/>
-            <a:ext cx="4503058" cy="3242202"/>
-          </a:xfrm>
-          <a:prstGeom prst="rect">
-            <a:avLst/>
-          </a:prstGeom>
-          <a:effectLst/>
-        </p:spPr>
-      </p:pic>
-    </p:spTree>
-    <p:extLst>
-      <p:ext uri="{BB962C8B-B14F-4D97-AF65-F5344CB8AC3E}">
-        <p14:creationId xmlns:p14="http://schemas.microsoft.com/office/powerpoint/2010/main" val="4254097667"/>
-      </p:ext>
-    </p:extLst>
-  </p:cSld>
-  <p:clrMapOvr>
-    <a:masterClrMapping/>
-  </p:clrMapOvr>
+  <p:transition spd="slow">
+    <p:push dir="u"/>
+  </p:transition>
+  <p:timing>
+    <p:tnLst>
+      <p:par>
+        <p:cTn id="1" dur="indefinite" restart="never" nodeType="tmRoot"/>
+      </p:par>
+    </p:tnLst>
+  </p:timing>
 </p:sld>
 </file>
 

--- a/Tacos KFT.pptx
+++ b/Tacos KFT.pptx
@@ -22,12 +22,14 @@
     <p:sldId id="274" r:id="rId16"/>
     <p:sldId id="278" r:id="rId17"/>
     <p:sldId id="279" r:id="rId18"/>
-    <p:sldId id="270" r:id="rId19"/>
-    <p:sldId id="271" r:id="rId20"/>
-    <p:sldId id="272" r:id="rId21"/>
-    <p:sldId id="276" r:id="rId22"/>
-    <p:sldId id="277" r:id="rId23"/>
-    <p:sldId id="273" r:id="rId24"/>
+    <p:sldId id="281" r:id="rId19"/>
+    <p:sldId id="282" r:id="rId20"/>
+    <p:sldId id="270" r:id="rId21"/>
+    <p:sldId id="271" r:id="rId22"/>
+    <p:sldId id="272" r:id="rId23"/>
+    <p:sldId id="276" r:id="rId24"/>
+    <p:sldId id="277" r:id="rId25"/>
+    <p:sldId id="273" r:id="rId26"/>
   </p:sldIdLst>
   <p:sldSz cx="12192000" cy="6858000"/>
   <p:notesSz cx="6858000" cy="9144000"/>
@@ -10208,7 +10210,7 @@
                 <a16:creationId xmlns:a16="http://schemas.microsoft.com/office/drawing/2014/main" id="{43D1E811-F82C-4FC0-8611-6CFC73FD9613}"/>
               </a:ext>
               <a:ext uri="{C183D7F6-B498-43B3-948B-1728B52AA6E4}">
-                <adec:decorative xmlns="" xmlns:adec="http://schemas.microsoft.com/office/drawing/2017/decorative" val="1"/>
+                <adec:decorative xmlns:adec="http://schemas.microsoft.com/office/drawing/2017/decorative" xmlns="" val="1"/>
               </a:ext>
             </a:extLst>
           </p:cNvPr>
@@ -10252,7 +10254,7 @@
                 <a16:creationId xmlns:a16="http://schemas.microsoft.com/office/drawing/2014/main" id="{AAC6183A-13DD-465B-9338-4D7F5D52394F}"/>
               </a:ext>
               <a:ext uri="{C183D7F6-B498-43B3-948B-1728B52AA6E4}">
-                <adec:decorative xmlns="" xmlns:adec="http://schemas.microsoft.com/office/drawing/2017/decorative" val="1"/>
+                <adec:decorative xmlns:adec="http://schemas.microsoft.com/office/drawing/2017/decorative" xmlns="" val="1"/>
               </a:ext>
             </a:extLst>
           </p:cNvPr>
@@ -10296,7 +10298,7 @@
                 <a16:creationId xmlns:a16="http://schemas.microsoft.com/office/drawing/2014/main" id="{15BF20A1-7C3A-4BEC-BE35-8AA3E9F011CA}"/>
               </a:ext>
               <a:ext uri="{C183D7F6-B498-43B3-948B-1728B52AA6E4}">
-                <adec:decorative xmlns="" xmlns:adec="http://schemas.microsoft.com/office/drawing/2017/decorative" val="1"/>
+                <adec:decorative xmlns:adec="http://schemas.microsoft.com/office/drawing/2017/decorative" xmlns="" val="1"/>
               </a:ext>
             </a:extLst>
           </p:cNvPr>
@@ -10370,7 +10372,7 @@
                 <a16:creationId xmlns:a16="http://schemas.microsoft.com/office/drawing/2014/main" id="{46D3BD4A-EBCB-4B8A-BA9C-A6927EB621A0}"/>
               </a:ext>
               <a:ext uri="{C183D7F6-B498-43B3-948B-1728B52AA6E4}">
-                <adec:decorative xmlns="" xmlns:adec="http://schemas.microsoft.com/office/drawing/2017/decorative" val="1"/>
+                <adec:decorative xmlns:adec="http://schemas.microsoft.com/office/drawing/2017/decorative" xmlns="" val="1"/>
               </a:ext>
             </a:extLst>
           </p:cNvPr>
@@ -10414,7 +10416,7 @@
                 <a16:creationId xmlns:a16="http://schemas.microsoft.com/office/drawing/2014/main" id="{F483E078-4237-4FFA-8437-F7E6C799F7BE}"/>
               </a:ext>
               <a:ext uri="{C183D7F6-B498-43B3-948B-1728B52AA6E4}">
-                <adec:decorative xmlns="" xmlns:adec="http://schemas.microsoft.com/office/drawing/2017/decorative" val="1"/>
+                <adec:decorative xmlns:adec="http://schemas.microsoft.com/office/drawing/2017/decorative" xmlns="" val="1"/>
               </a:ext>
             </a:extLst>
           </p:cNvPr>
@@ -10458,7 +10460,7 @@
                 <a16:creationId xmlns:a16="http://schemas.microsoft.com/office/drawing/2014/main" id="{7FDEDC12-69DE-40B2-9801-E7FFEC7C1727}"/>
               </a:ext>
               <a:ext uri="{C183D7F6-B498-43B3-948B-1728B52AA6E4}">
-                <adec:decorative xmlns="" xmlns:adec="http://schemas.microsoft.com/office/drawing/2017/decorative" val="1"/>
+                <adec:decorative xmlns:adec="http://schemas.microsoft.com/office/drawing/2017/decorative" xmlns="" val="1"/>
               </a:ext>
             </a:extLst>
           </p:cNvPr>
@@ -11268,6 +11270,1362 @@
       </p:grpSpPr>
       <p:sp>
         <p:nvSpPr>
+          <p:cNvPr id="2" name="Cím 1"/>
+          <p:cNvSpPr>
+            <a:spLocks noGrp="1"/>
+          </p:cNvSpPr>
+          <p:nvPr>
+            <p:ph type="title"/>
+          </p:nvPr>
+        </p:nvSpPr>
+        <p:spPr/>
+        <p:txBody>
+          <a:bodyPr/>
+          <a:lstStyle/>
+          <a:p>
+            <a:r>
+              <a:rPr lang="hu-HU" dirty="0" smtClean="0"/>
+              <a:t>Segítségkérés</a:t>
+            </a:r>
+            <a:endParaRPr lang="hu-HU" dirty="0"/>
+          </a:p>
+        </p:txBody>
+      </p:sp>
+      <p:sp>
+        <p:nvSpPr>
+          <p:cNvPr id="3" name="Tartalom helye 2"/>
+          <p:cNvSpPr>
+            <a:spLocks noGrp="1"/>
+          </p:cNvSpPr>
+          <p:nvPr>
+            <p:ph idx="1"/>
+          </p:nvPr>
+        </p:nvSpPr>
+        <p:spPr/>
+        <p:txBody>
+          <a:bodyPr/>
+          <a:lstStyle/>
+          <a:p>
+            <a:r>
+              <a:rPr lang="hu-HU" dirty="0" err="1" smtClean="0"/>
+              <a:t>ChatGPT</a:t>
+            </a:r>
+            <a:r>
+              <a:rPr lang="hu-HU" dirty="0" smtClean="0"/>
+              <a:t> Open AI</a:t>
+            </a:r>
+          </a:p>
+          <a:p>
+            <a:r>
+              <a:rPr lang="hu-HU" dirty="0" smtClean="0"/>
+              <a:t>Tanárúr segítsége</a:t>
+            </a:r>
+          </a:p>
+          <a:p>
+            <a:r>
+              <a:rPr lang="hu-HU" dirty="0" smtClean="0"/>
+              <a:t>Különböző weboldalak által adott hasznos információk.</a:t>
+            </a:r>
+            <a:endParaRPr lang="hu-HU" dirty="0"/>
+          </a:p>
+        </p:txBody>
+      </p:sp>
+    </p:spTree>
+    <p:extLst>
+      <p:ext uri="{BB962C8B-B14F-4D97-AF65-F5344CB8AC3E}">
+        <p14:creationId xmlns:p14="http://schemas.microsoft.com/office/powerpoint/2010/main" val="40947718"/>
+      </p:ext>
+    </p:extLst>
+  </p:cSld>
+  <p:clrMapOvr>
+    <a:masterClrMapping/>
+  </p:clrMapOvr>
+</p:sld>
+</file>
+
+<file path=ppt/slides/slide19.xml><?xml version="1.0" encoding="utf-8"?>
+<p:sld xmlns:a="http://schemas.openxmlformats.org/drawingml/2006/main" xmlns:r="http://schemas.openxmlformats.org/officeDocument/2006/relationships" xmlns:p="http://schemas.openxmlformats.org/presentationml/2006/main">
+  <p:cSld>
+    <p:spTree>
+      <p:nvGrpSpPr>
+        <p:cNvPr id="1" name=""/>
+        <p:cNvGrpSpPr/>
+        <p:nvPr/>
+      </p:nvGrpSpPr>
+      <p:grpSpPr>
+        <a:xfrm>
+          <a:off x="0" y="0"/>
+          <a:ext cx="0" cy="0"/>
+          <a:chOff x="0" y="0"/>
+          <a:chExt cx="0" cy="0"/>
+        </a:xfrm>
+      </p:grpSpPr>
+      <p:sp>
+        <p:nvSpPr>
+          <p:cNvPr id="2" name="Cím 1"/>
+          <p:cNvSpPr>
+            <a:spLocks noGrp="1"/>
+          </p:cNvSpPr>
+          <p:nvPr>
+            <p:ph type="title"/>
+          </p:nvPr>
+        </p:nvSpPr>
+        <p:spPr/>
+        <p:txBody>
+          <a:bodyPr/>
+          <a:lstStyle/>
+          <a:p>
+            <a:r>
+              <a:rPr lang="hu-HU" dirty="0" smtClean="0"/>
+              <a:t>Nehézségek</a:t>
+            </a:r>
+            <a:endParaRPr lang="hu-HU" dirty="0"/>
+          </a:p>
+        </p:txBody>
+      </p:sp>
+      <p:sp>
+        <p:nvSpPr>
+          <p:cNvPr id="3" name="Tartalom helye 2"/>
+          <p:cNvSpPr>
+            <a:spLocks noGrp="1"/>
+          </p:cNvSpPr>
+          <p:nvPr>
+            <p:ph idx="1"/>
+          </p:nvPr>
+        </p:nvSpPr>
+        <p:spPr/>
+        <p:txBody>
+          <a:bodyPr/>
+          <a:lstStyle/>
+          <a:p>
+            <a:r>
+              <a:rPr lang="hu-HU" dirty="0" smtClean="0"/>
+              <a:t>HSRP beállítása</a:t>
+            </a:r>
+          </a:p>
+          <a:p>
+            <a:r>
+              <a:rPr lang="hu-HU" dirty="0" smtClean="0"/>
+              <a:t>IPv6 beállítása</a:t>
+            </a:r>
+          </a:p>
+          <a:p>
+            <a:endParaRPr lang="hu-HU" dirty="0" smtClean="0"/>
+          </a:p>
+        </p:txBody>
+      </p:sp>
+    </p:spTree>
+    <p:extLst>
+      <p:ext uri="{BB962C8B-B14F-4D97-AF65-F5344CB8AC3E}">
+        <p14:creationId xmlns:p14="http://schemas.microsoft.com/office/powerpoint/2010/main" val="2131282740"/>
+      </p:ext>
+    </p:extLst>
+  </p:cSld>
+  <p:clrMapOvr>
+    <a:masterClrMapping/>
+  </p:clrMapOvr>
+</p:sld>
+</file>
+
+<file path=ppt/slides/slide2.xml><?xml version="1.0" encoding="utf-8"?>
+<p:sld xmlns:a="http://schemas.openxmlformats.org/drawingml/2006/main" xmlns:r="http://schemas.openxmlformats.org/officeDocument/2006/relationships" xmlns:p="http://schemas.openxmlformats.org/presentationml/2006/main">
+  <p:cSld>
+    <p:spTree>
+      <p:nvGrpSpPr>
+        <p:cNvPr id="1" name=""/>
+        <p:cNvGrpSpPr/>
+        <p:nvPr/>
+      </p:nvGrpSpPr>
+      <p:grpSpPr>
+        <a:xfrm>
+          <a:off x="0" y="0"/>
+          <a:ext cx="0" cy="0"/>
+          <a:chOff x="0" y="0"/>
+          <a:chExt cx="0" cy="0"/>
+        </a:xfrm>
+      </p:grpSpPr>
+      <p:graphicFrame>
+        <p:nvGraphicFramePr>
+          <p:cNvPr id="4" name="Táblázat 3"/>
+          <p:cNvGraphicFramePr>
+            <a:graphicFrameLocks noGrp="1"/>
+          </p:cNvGraphicFramePr>
+          <p:nvPr>
+            <p:extLst>
+              <p:ext uri="{D42A27DB-BD31-4B8C-83A1-F6EECF244321}">
+                <p14:modId xmlns:p14="http://schemas.microsoft.com/office/powerpoint/2010/main" val="2565164888"/>
+              </p:ext>
+            </p:extLst>
+          </p:nvPr>
+        </p:nvGraphicFramePr>
+        <p:xfrm>
+          <a:off x="1027611" y="3445448"/>
+          <a:ext cx="10215153" cy="2225040"/>
+        </p:xfrm>
+        <a:graphic>
+          <a:graphicData uri="http://schemas.openxmlformats.org/drawingml/2006/table">
+            <a:tbl>
+              <a:tblPr firstRow="1" bandRow="1">
+                <a:tableStyleId>{5C22544A-7EE6-4342-B048-85BDC9FD1C3A}</a:tableStyleId>
+              </a:tblPr>
+              <a:tblGrid>
+                <a:gridCol w="3405051">
+                  <a:extLst>
+                    <a:ext uri="{9D8B030D-6E8A-4147-A177-3AD203B41FA5}">
+                      <a16:colId xmlns:a16="http://schemas.microsoft.com/office/drawing/2014/main" val="813460602"/>
+                    </a:ext>
+                  </a:extLst>
+                </a:gridCol>
+                <a:gridCol w="3405051">
+                  <a:extLst>
+                    <a:ext uri="{9D8B030D-6E8A-4147-A177-3AD203B41FA5}">
+                      <a16:colId xmlns:a16="http://schemas.microsoft.com/office/drawing/2014/main" val="2116787683"/>
+                    </a:ext>
+                  </a:extLst>
+                </a:gridCol>
+                <a:gridCol w="3405051">
+                  <a:extLst>
+                    <a:ext uri="{9D8B030D-6E8A-4147-A177-3AD203B41FA5}">
+                      <a16:colId xmlns:a16="http://schemas.microsoft.com/office/drawing/2014/main" val="2670074441"/>
+                    </a:ext>
+                  </a:extLst>
+                </a:gridCol>
+              </a:tblGrid>
+              <a:tr h="370840">
+                <a:tc>
+                  <a:txBody>
+                    <a:bodyPr/>
+                    <a:lstStyle/>
+                    <a:p>
+                      <a:r>
+                        <a:rPr lang="hu-HU" dirty="0" smtClean="0"/>
+                        <a:t>Lajka Kristóf</a:t>
+                      </a:r>
+                      <a:endParaRPr lang="hu-HU" dirty="0"/>
+                    </a:p>
+                  </a:txBody>
+                  <a:tcPr>
+                    <a:lnL w="12700" cap="flat" cmpd="sng" algn="ctr">
+                      <a:solidFill>
+                        <a:schemeClr val="tx1"/>
+                      </a:solidFill>
+                      <a:prstDash val="solid"/>
+                      <a:round/>
+                      <a:headEnd type="none" w="med" len="med"/>
+                      <a:tailEnd type="none" w="med" len="med"/>
+                    </a:lnL>
+                    <a:lnR w="12700" cap="flat" cmpd="sng" algn="ctr">
+                      <a:solidFill>
+                        <a:schemeClr val="tx1"/>
+                      </a:solidFill>
+                      <a:prstDash val="solid"/>
+                      <a:round/>
+                      <a:headEnd type="none" w="med" len="med"/>
+                      <a:tailEnd type="none" w="med" len="med"/>
+                    </a:lnR>
+                    <a:lnT w="12700" cap="flat" cmpd="sng" algn="ctr">
+                      <a:solidFill>
+                        <a:schemeClr val="tx1"/>
+                      </a:solidFill>
+                      <a:prstDash val="solid"/>
+                      <a:round/>
+                      <a:headEnd type="none" w="med" len="med"/>
+                      <a:tailEnd type="none" w="med" len="med"/>
+                    </a:lnT>
+                    <a:lnB w="12700" cap="flat" cmpd="sng" algn="ctr">
+                      <a:solidFill>
+                        <a:schemeClr val="tx1"/>
+                      </a:solidFill>
+                      <a:prstDash val="solid"/>
+                      <a:round/>
+                      <a:headEnd type="none" w="med" len="med"/>
+                      <a:tailEnd type="none" w="med" len="med"/>
+                    </a:lnB>
+                    <a:solidFill>
+                      <a:srgbClr val="0070C0"/>
+                    </a:solidFill>
+                  </a:tcPr>
+                </a:tc>
+                <a:tc>
+                  <a:txBody>
+                    <a:bodyPr/>
+                    <a:lstStyle/>
+                    <a:p>
+                      <a:r>
+                        <a:rPr lang="hu-HU" dirty="0" smtClean="0"/>
+                        <a:t>Váradi Ádám</a:t>
+                      </a:r>
+                      <a:endParaRPr lang="hu-HU" dirty="0"/>
+                    </a:p>
+                  </a:txBody>
+                  <a:tcPr>
+                    <a:lnL w="12700" cap="flat" cmpd="sng" algn="ctr">
+                      <a:solidFill>
+                        <a:schemeClr val="tx1"/>
+                      </a:solidFill>
+                      <a:prstDash val="solid"/>
+                      <a:round/>
+                      <a:headEnd type="none" w="med" len="med"/>
+                      <a:tailEnd type="none" w="med" len="med"/>
+                    </a:lnL>
+                    <a:lnR w="12700" cap="flat" cmpd="sng" algn="ctr">
+                      <a:solidFill>
+                        <a:schemeClr val="tx1"/>
+                      </a:solidFill>
+                      <a:prstDash val="solid"/>
+                      <a:round/>
+                      <a:headEnd type="none" w="med" len="med"/>
+                      <a:tailEnd type="none" w="med" len="med"/>
+                    </a:lnR>
+                    <a:lnT w="12700" cap="flat" cmpd="sng" algn="ctr">
+                      <a:solidFill>
+                        <a:schemeClr val="tx1"/>
+                      </a:solidFill>
+                      <a:prstDash val="solid"/>
+                      <a:round/>
+                      <a:headEnd type="none" w="med" len="med"/>
+                      <a:tailEnd type="none" w="med" len="med"/>
+                    </a:lnT>
+                    <a:lnB w="12700" cap="flat" cmpd="sng" algn="ctr">
+                      <a:solidFill>
+                        <a:schemeClr val="tx1"/>
+                      </a:solidFill>
+                      <a:prstDash val="solid"/>
+                      <a:round/>
+                      <a:headEnd type="none" w="med" len="med"/>
+                      <a:tailEnd type="none" w="med" len="med"/>
+                    </a:lnB>
+                    <a:lnTlToBr w="12700" cmpd="sng">
+                      <a:noFill/>
+                      <a:prstDash val="solid"/>
+                    </a:lnTlToBr>
+                    <a:lnBlToTr w="12700" cmpd="sng">
+                      <a:noFill/>
+                      <a:prstDash val="solid"/>
+                    </a:lnBlToTr>
+                    <a:solidFill>
+                      <a:schemeClr val="accent6"/>
+                    </a:solidFill>
+                  </a:tcPr>
+                </a:tc>
+                <a:tc>
+                  <a:txBody>
+                    <a:bodyPr/>
+                    <a:lstStyle/>
+                    <a:p>
+                      <a:r>
+                        <a:rPr lang="hu-HU" dirty="0" smtClean="0"/>
+                        <a:t>Enyedi</a:t>
+                      </a:r>
+                      <a:r>
+                        <a:rPr lang="hu-HU" baseline="0" dirty="0" smtClean="0"/>
+                        <a:t> </a:t>
+                      </a:r>
+                      <a:r>
+                        <a:rPr lang="hu-HU" baseline="0" dirty="0" err="1" smtClean="0"/>
+                        <a:t>Sándors</a:t>
+                      </a:r>
+                      <a:endParaRPr lang="hu-HU" dirty="0"/>
+                    </a:p>
+                  </a:txBody>
+                  <a:tcPr>
+                    <a:lnL w="12700" cap="flat" cmpd="sng" algn="ctr">
+                      <a:solidFill>
+                        <a:schemeClr val="tx1"/>
+                      </a:solidFill>
+                      <a:prstDash val="solid"/>
+                      <a:round/>
+                      <a:headEnd type="none" w="med" len="med"/>
+                      <a:tailEnd type="none" w="med" len="med"/>
+                    </a:lnL>
+                    <a:lnB w="12700" cap="flat" cmpd="sng" algn="ctr">
+                      <a:solidFill>
+                        <a:schemeClr val="tx1"/>
+                      </a:solidFill>
+                      <a:prstDash val="solid"/>
+                      <a:round/>
+                      <a:headEnd type="none" w="med" len="med"/>
+                      <a:tailEnd type="none" w="med" len="med"/>
+                    </a:lnB>
+                  </a:tcPr>
+                </a:tc>
+                <a:extLst>
+                  <a:ext uri="{0D108BD9-81ED-4DB2-BD59-A6C34878D82A}">
+                    <a16:rowId xmlns:a16="http://schemas.microsoft.com/office/drawing/2014/main" val="4233294084"/>
+                  </a:ext>
+                </a:extLst>
+              </a:tr>
+              <a:tr h="370840">
+                <a:tc>
+                  <a:txBody>
+                    <a:bodyPr/>
+                    <a:lstStyle/>
+                    <a:p>
+                      <a:r>
+                        <a:rPr lang="hu-HU" dirty="0" smtClean="0"/>
+                        <a:t>A topológia kialakítása</a:t>
+                      </a:r>
+                      <a:endParaRPr lang="hu-HU" dirty="0"/>
+                    </a:p>
+                  </a:txBody>
+                  <a:tcPr>
+                    <a:lnL w="12700" cap="flat" cmpd="sng" algn="ctr">
+                      <a:solidFill>
+                        <a:schemeClr val="tx1"/>
+                      </a:solidFill>
+                      <a:prstDash val="solid"/>
+                      <a:round/>
+                      <a:headEnd type="none" w="med" len="med"/>
+                      <a:tailEnd type="none" w="med" len="med"/>
+                    </a:lnL>
+                    <a:lnR w="12700" cap="flat" cmpd="sng" algn="ctr">
+                      <a:solidFill>
+                        <a:schemeClr val="tx1"/>
+                      </a:solidFill>
+                      <a:prstDash val="solid"/>
+                      <a:round/>
+                      <a:headEnd type="none" w="med" len="med"/>
+                      <a:tailEnd type="none" w="med" len="med"/>
+                    </a:lnR>
+                    <a:lnT w="12700" cap="flat" cmpd="sng" algn="ctr">
+                      <a:solidFill>
+                        <a:schemeClr val="tx1"/>
+                      </a:solidFill>
+                      <a:prstDash val="solid"/>
+                      <a:round/>
+                      <a:headEnd type="none" w="med" len="med"/>
+                      <a:tailEnd type="none" w="med" len="med"/>
+                    </a:lnT>
+                    <a:lnB w="12700" cap="flat" cmpd="sng" algn="ctr">
+                      <a:solidFill>
+                        <a:schemeClr val="tx1"/>
+                      </a:solidFill>
+                      <a:prstDash val="solid"/>
+                      <a:round/>
+                      <a:headEnd type="none" w="med" len="med"/>
+                      <a:tailEnd type="none" w="med" len="med"/>
+                    </a:lnB>
+                    <a:solidFill>
+                      <a:srgbClr val="00B0F0"/>
+                    </a:solidFill>
+                  </a:tcPr>
+                </a:tc>
+                <a:tc>
+                  <a:txBody>
+                    <a:bodyPr/>
+                    <a:lstStyle/>
+                    <a:p>
+                      <a:r>
+                        <a:rPr lang="hu-HU" dirty="0" smtClean="0"/>
+                        <a:t>A topológia kialakítás</a:t>
+                      </a:r>
+                      <a:endParaRPr lang="hu-HU" dirty="0"/>
+                    </a:p>
+                  </a:txBody>
+                  <a:tcPr>
+                    <a:lnL w="12700" cap="flat" cmpd="sng" algn="ctr">
+                      <a:solidFill>
+                        <a:schemeClr val="tx1"/>
+                      </a:solidFill>
+                      <a:prstDash val="solid"/>
+                      <a:round/>
+                      <a:headEnd type="none" w="med" len="med"/>
+                      <a:tailEnd type="none" w="med" len="med"/>
+                    </a:lnL>
+                    <a:lnR w="12700" cap="flat" cmpd="sng" algn="ctr">
+                      <a:solidFill>
+                        <a:schemeClr val="tx1"/>
+                      </a:solidFill>
+                      <a:prstDash val="solid"/>
+                      <a:round/>
+                      <a:headEnd type="none" w="med" len="med"/>
+                      <a:tailEnd type="none" w="med" len="med"/>
+                    </a:lnR>
+                    <a:lnT w="12700" cap="flat" cmpd="sng" algn="ctr">
+                      <a:solidFill>
+                        <a:schemeClr val="tx1"/>
+                      </a:solidFill>
+                      <a:prstDash val="solid"/>
+                      <a:round/>
+                      <a:headEnd type="none" w="med" len="med"/>
+                      <a:tailEnd type="none" w="med" len="med"/>
+                    </a:lnT>
+                    <a:lnB w="12700" cap="flat" cmpd="sng" algn="ctr">
+                      <a:solidFill>
+                        <a:schemeClr val="tx1"/>
+                      </a:solidFill>
+                      <a:prstDash val="solid"/>
+                      <a:round/>
+                      <a:headEnd type="none" w="med" len="med"/>
+                      <a:tailEnd type="none" w="med" len="med"/>
+                    </a:lnB>
+                    <a:lnTlToBr w="12700" cmpd="sng">
+                      <a:noFill/>
+                      <a:prstDash val="solid"/>
+                    </a:lnTlToBr>
+                    <a:lnBlToTr w="12700" cmpd="sng">
+                      <a:noFill/>
+                      <a:prstDash val="solid"/>
+                    </a:lnBlToTr>
+                    <a:solidFill>
+                      <a:schemeClr val="accent6">
+                        <a:lumMod val="75000"/>
+                      </a:schemeClr>
+                    </a:solidFill>
+                  </a:tcPr>
+                </a:tc>
+                <a:tc>
+                  <a:txBody>
+                    <a:bodyPr/>
+                    <a:lstStyle/>
+                    <a:p>
+                      <a:r>
+                        <a:rPr lang="hu-HU" dirty="0" smtClean="0"/>
+                        <a:t>OSPF konfigurálás</a:t>
+                      </a:r>
+                      <a:endParaRPr lang="hu-HU" dirty="0"/>
+                    </a:p>
+                  </a:txBody>
+                  <a:tcPr>
+                    <a:lnL w="12700" cap="flat" cmpd="sng" algn="ctr">
+                      <a:solidFill>
+                        <a:schemeClr val="tx1"/>
+                      </a:solidFill>
+                      <a:prstDash val="solid"/>
+                      <a:round/>
+                      <a:headEnd type="none" w="med" len="med"/>
+                      <a:tailEnd type="none" w="med" len="med"/>
+                    </a:lnL>
+                    <a:lnR w="12700" cap="flat" cmpd="sng" algn="ctr">
+                      <a:solidFill>
+                        <a:schemeClr val="tx1"/>
+                      </a:solidFill>
+                      <a:prstDash val="solid"/>
+                      <a:round/>
+                      <a:headEnd type="none" w="med" len="med"/>
+                      <a:tailEnd type="none" w="med" len="med"/>
+                    </a:lnR>
+                    <a:lnT w="12700" cap="flat" cmpd="sng" algn="ctr">
+                      <a:solidFill>
+                        <a:schemeClr val="tx1"/>
+                      </a:solidFill>
+                      <a:prstDash val="solid"/>
+                      <a:round/>
+                      <a:headEnd type="none" w="med" len="med"/>
+                      <a:tailEnd type="none" w="med" len="med"/>
+                    </a:lnT>
+                    <a:lnB w="12700" cap="flat" cmpd="sng" algn="ctr">
+                      <a:solidFill>
+                        <a:schemeClr val="tx1"/>
+                      </a:solidFill>
+                      <a:prstDash val="solid"/>
+                      <a:round/>
+                      <a:headEnd type="none" w="med" len="med"/>
+                      <a:tailEnd type="none" w="med" len="med"/>
+                    </a:lnB>
+                    <a:solidFill>
+                      <a:srgbClr val="7030A0"/>
+                    </a:solidFill>
+                  </a:tcPr>
+                </a:tc>
+                <a:extLst>
+                  <a:ext uri="{0D108BD9-81ED-4DB2-BD59-A6C34878D82A}">
+                    <a16:rowId xmlns:a16="http://schemas.microsoft.com/office/drawing/2014/main" val="557424543"/>
+                  </a:ext>
+                </a:extLst>
+              </a:tr>
+              <a:tr h="370840">
+                <a:tc>
+                  <a:txBody>
+                    <a:bodyPr/>
+                    <a:lstStyle/>
+                    <a:p>
+                      <a:r>
+                        <a:rPr lang="hu-HU" dirty="0" smtClean="0"/>
+                        <a:t>IPv4/IPv6</a:t>
+                      </a:r>
+                      <a:r>
+                        <a:rPr lang="hu-HU" baseline="0" dirty="0" smtClean="0"/>
+                        <a:t> címzés</a:t>
+                      </a:r>
+                      <a:endParaRPr lang="hu-HU" dirty="0"/>
+                    </a:p>
+                  </a:txBody>
+                  <a:tcPr>
+                    <a:lnL w="12700" cap="flat" cmpd="sng" algn="ctr">
+                      <a:solidFill>
+                        <a:schemeClr val="tx1"/>
+                      </a:solidFill>
+                      <a:prstDash val="solid"/>
+                      <a:round/>
+                      <a:headEnd type="none" w="med" len="med"/>
+                      <a:tailEnd type="none" w="med" len="med"/>
+                    </a:lnL>
+                    <a:lnR w="12700" cap="flat" cmpd="sng" algn="ctr">
+                      <a:solidFill>
+                        <a:schemeClr val="tx1"/>
+                      </a:solidFill>
+                      <a:prstDash val="solid"/>
+                      <a:round/>
+                      <a:headEnd type="none" w="med" len="med"/>
+                      <a:tailEnd type="none" w="med" len="med"/>
+                    </a:lnR>
+                    <a:lnT w="12700" cap="flat" cmpd="sng" algn="ctr">
+                      <a:solidFill>
+                        <a:schemeClr val="tx1"/>
+                      </a:solidFill>
+                      <a:prstDash val="solid"/>
+                      <a:round/>
+                      <a:headEnd type="none" w="med" len="med"/>
+                      <a:tailEnd type="none" w="med" len="med"/>
+                    </a:lnT>
+                    <a:lnB w="12700" cap="flat" cmpd="sng" algn="ctr">
+                      <a:solidFill>
+                        <a:schemeClr val="tx1"/>
+                      </a:solidFill>
+                      <a:prstDash val="solid"/>
+                      <a:round/>
+                      <a:headEnd type="none" w="med" len="med"/>
+                      <a:tailEnd type="none" w="med" len="med"/>
+                    </a:lnB>
+                    <a:solidFill>
+                      <a:srgbClr val="00B0F0"/>
+                    </a:solidFill>
+                  </a:tcPr>
+                </a:tc>
+                <a:tc>
+                  <a:txBody>
+                    <a:bodyPr/>
+                    <a:lstStyle/>
+                    <a:p>
+                      <a:r>
+                        <a:rPr lang="hu-HU" dirty="0" smtClean="0"/>
+                        <a:t>VLAN-ok és forgalomirányítás</a:t>
+                      </a:r>
+                      <a:endParaRPr lang="hu-HU" dirty="0"/>
+                    </a:p>
+                  </a:txBody>
+                  <a:tcPr>
+                    <a:lnL w="12700" cap="flat" cmpd="sng" algn="ctr">
+                      <a:solidFill>
+                        <a:schemeClr val="tx1"/>
+                      </a:solidFill>
+                      <a:prstDash val="solid"/>
+                      <a:round/>
+                      <a:headEnd type="none" w="med" len="med"/>
+                      <a:tailEnd type="none" w="med" len="med"/>
+                    </a:lnL>
+                    <a:lnR w="12700" cap="flat" cmpd="sng" algn="ctr">
+                      <a:solidFill>
+                        <a:schemeClr val="tx1"/>
+                      </a:solidFill>
+                      <a:prstDash val="solid"/>
+                      <a:round/>
+                      <a:headEnd type="none" w="med" len="med"/>
+                      <a:tailEnd type="none" w="med" len="med"/>
+                    </a:lnR>
+                    <a:lnT w="12700" cap="flat" cmpd="sng" algn="ctr">
+                      <a:solidFill>
+                        <a:schemeClr val="tx1"/>
+                      </a:solidFill>
+                      <a:prstDash val="solid"/>
+                      <a:round/>
+                      <a:headEnd type="none" w="med" len="med"/>
+                      <a:tailEnd type="none" w="med" len="med"/>
+                    </a:lnT>
+                    <a:lnB w="12700" cap="flat" cmpd="sng" algn="ctr">
+                      <a:solidFill>
+                        <a:schemeClr val="tx1"/>
+                      </a:solidFill>
+                      <a:prstDash val="solid"/>
+                      <a:round/>
+                      <a:headEnd type="none" w="med" len="med"/>
+                      <a:tailEnd type="none" w="med" len="med"/>
+                    </a:lnB>
+                    <a:lnTlToBr w="12700" cmpd="sng">
+                      <a:noFill/>
+                      <a:prstDash val="solid"/>
+                    </a:lnTlToBr>
+                    <a:lnBlToTr w="12700" cmpd="sng">
+                      <a:noFill/>
+                      <a:prstDash val="solid"/>
+                    </a:lnBlToTr>
+                    <a:solidFill>
+                      <a:schemeClr val="accent6">
+                        <a:lumMod val="75000"/>
+                      </a:schemeClr>
+                    </a:solidFill>
+                  </a:tcPr>
+                </a:tc>
+                <a:tc>
+                  <a:txBody>
+                    <a:bodyPr/>
+                    <a:lstStyle/>
+                    <a:p>
+                      <a:r>
+                        <a:rPr lang="hu-HU" dirty="0" smtClean="0"/>
+                        <a:t>Prezentáció</a:t>
+                      </a:r>
+                      <a:endParaRPr lang="hu-HU" dirty="0"/>
+                    </a:p>
+                  </a:txBody>
+                  <a:tcPr>
+                    <a:lnL w="12700" cap="flat" cmpd="sng" algn="ctr">
+                      <a:solidFill>
+                        <a:schemeClr val="tx1"/>
+                      </a:solidFill>
+                      <a:prstDash val="solid"/>
+                      <a:round/>
+                      <a:headEnd type="none" w="med" len="med"/>
+                      <a:tailEnd type="none" w="med" len="med"/>
+                    </a:lnL>
+                    <a:lnR w="12700" cap="flat" cmpd="sng" algn="ctr">
+                      <a:solidFill>
+                        <a:schemeClr val="tx1"/>
+                      </a:solidFill>
+                      <a:prstDash val="solid"/>
+                      <a:round/>
+                      <a:headEnd type="none" w="med" len="med"/>
+                      <a:tailEnd type="none" w="med" len="med"/>
+                    </a:lnR>
+                    <a:lnT w="12700" cap="flat" cmpd="sng" algn="ctr">
+                      <a:solidFill>
+                        <a:schemeClr val="tx1"/>
+                      </a:solidFill>
+                      <a:prstDash val="solid"/>
+                      <a:round/>
+                      <a:headEnd type="none" w="med" len="med"/>
+                      <a:tailEnd type="none" w="med" len="med"/>
+                    </a:lnT>
+                    <a:lnB w="12700" cap="flat" cmpd="sng" algn="ctr">
+                      <a:solidFill>
+                        <a:schemeClr val="tx1"/>
+                      </a:solidFill>
+                      <a:prstDash val="solid"/>
+                      <a:round/>
+                      <a:headEnd type="none" w="med" len="med"/>
+                      <a:tailEnd type="none" w="med" len="med"/>
+                    </a:lnB>
+                    <a:solidFill>
+                      <a:srgbClr val="7030A0"/>
+                    </a:solidFill>
+                  </a:tcPr>
+                </a:tc>
+                <a:extLst>
+                  <a:ext uri="{0D108BD9-81ED-4DB2-BD59-A6C34878D82A}">
+                    <a16:rowId xmlns:a16="http://schemas.microsoft.com/office/drawing/2014/main" val="1987530793"/>
+                  </a:ext>
+                </a:extLst>
+              </a:tr>
+              <a:tr h="370840">
+                <a:tc>
+                  <a:txBody>
+                    <a:bodyPr/>
+                    <a:lstStyle/>
+                    <a:p>
+                      <a:r>
+                        <a:rPr lang="hu-HU" dirty="0" smtClean="0"/>
+                        <a:t>VLAN-ok és </a:t>
+                      </a:r>
+                      <a:r>
+                        <a:rPr lang="hu-HU" dirty="0" err="1" smtClean="0"/>
+                        <a:t>forgalomírányítás</a:t>
+                      </a:r>
+                      <a:endParaRPr lang="hu-HU" dirty="0"/>
+                    </a:p>
+                  </a:txBody>
+                  <a:tcPr>
+                    <a:lnL w="12700" cap="flat" cmpd="sng" algn="ctr">
+                      <a:solidFill>
+                        <a:schemeClr val="tx1"/>
+                      </a:solidFill>
+                      <a:prstDash val="solid"/>
+                      <a:round/>
+                      <a:headEnd type="none" w="med" len="med"/>
+                      <a:tailEnd type="none" w="med" len="med"/>
+                    </a:lnL>
+                    <a:lnR w="12700" cap="flat" cmpd="sng" algn="ctr">
+                      <a:solidFill>
+                        <a:schemeClr val="tx1"/>
+                      </a:solidFill>
+                      <a:prstDash val="solid"/>
+                      <a:round/>
+                      <a:headEnd type="none" w="med" len="med"/>
+                      <a:tailEnd type="none" w="med" len="med"/>
+                    </a:lnR>
+                    <a:lnT w="12700" cap="flat" cmpd="sng" algn="ctr">
+                      <a:solidFill>
+                        <a:schemeClr val="tx1"/>
+                      </a:solidFill>
+                      <a:prstDash val="solid"/>
+                      <a:round/>
+                      <a:headEnd type="none" w="med" len="med"/>
+                      <a:tailEnd type="none" w="med" len="med"/>
+                    </a:lnT>
+                    <a:lnB w="12700" cap="flat" cmpd="sng" algn="ctr">
+                      <a:solidFill>
+                        <a:schemeClr val="tx1"/>
+                      </a:solidFill>
+                      <a:prstDash val="solid"/>
+                      <a:round/>
+                      <a:headEnd type="none" w="med" len="med"/>
+                      <a:tailEnd type="none" w="med" len="med"/>
+                    </a:lnB>
+                    <a:solidFill>
+                      <a:srgbClr val="00B0F0"/>
+                    </a:solidFill>
+                  </a:tcPr>
+                </a:tc>
+                <a:tc>
+                  <a:txBody>
+                    <a:bodyPr/>
+                    <a:lstStyle/>
+                    <a:p>
+                      <a:r>
+                        <a:rPr lang="hu-HU" dirty="0" smtClean="0"/>
+                        <a:t>NAT konfigurálás</a:t>
+                      </a:r>
+                      <a:endParaRPr lang="hu-HU" dirty="0"/>
+                    </a:p>
+                  </a:txBody>
+                  <a:tcPr>
+                    <a:lnL w="12700" cap="flat" cmpd="sng" algn="ctr">
+                      <a:solidFill>
+                        <a:schemeClr val="tx1"/>
+                      </a:solidFill>
+                      <a:prstDash val="solid"/>
+                      <a:round/>
+                      <a:headEnd type="none" w="med" len="med"/>
+                      <a:tailEnd type="none" w="med" len="med"/>
+                    </a:lnL>
+                    <a:lnR w="12700" cap="flat" cmpd="sng" algn="ctr">
+                      <a:solidFill>
+                        <a:schemeClr val="tx1"/>
+                      </a:solidFill>
+                      <a:prstDash val="solid"/>
+                      <a:round/>
+                      <a:headEnd type="none" w="med" len="med"/>
+                      <a:tailEnd type="none" w="med" len="med"/>
+                    </a:lnR>
+                    <a:lnT w="12700" cap="flat" cmpd="sng" algn="ctr">
+                      <a:solidFill>
+                        <a:schemeClr val="tx1"/>
+                      </a:solidFill>
+                      <a:prstDash val="solid"/>
+                      <a:round/>
+                      <a:headEnd type="none" w="med" len="med"/>
+                      <a:tailEnd type="none" w="med" len="med"/>
+                    </a:lnT>
+                    <a:lnB w="12700" cap="flat" cmpd="sng" algn="ctr">
+                      <a:solidFill>
+                        <a:schemeClr val="tx1"/>
+                      </a:solidFill>
+                      <a:prstDash val="solid"/>
+                      <a:round/>
+                      <a:headEnd type="none" w="med" len="med"/>
+                      <a:tailEnd type="none" w="med" len="med"/>
+                    </a:lnB>
+                    <a:lnTlToBr w="12700" cmpd="sng">
+                      <a:noFill/>
+                      <a:prstDash val="solid"/>
+                    </a:lnTlToBr>
+                    <a:lnBlToTr w="12700" cmpd="sng">
+                      <a:noFill/>
+                      <a:prstDash val="solid"/>
+                    </a:lnBlToTr>
+                    <a:solidFill>
+                      <a:schemeClr val="accent6">
+                        <a:lumMod val="75000"/>
+                      </a:schemeClr>
+                    </a:solidFill>
+                  </a:tcPr>
+                </a:tc>
+                <a:tc>
+                  <a:txBody>
+                    <a:bodyPr/>
+                    <a:lstStyle/>
+                    <a:p>
+                      <a:r>
+                        <a:rPr lang="hu-HU" dirty="0" smtClean="0"/>
+                        <a:t>Dokumentálás</a:t>
+                      </a:r>
+                      <a:endParaRPr lang="hu-HU" dirty="0"/>
+                    </a:p>
+                  </a:txBody>
+                  <a:tcPr>
+                    <a:lnL w="12700" cap="flat" cmpd="sng" algn="ctr">
+                      <a:solidFill>
+                        <a:schemeClr val="tx1"/>
+                      </a:solidFill>
+                      <a:prstDash val="solid"/>
+                      <a:round/>
+                      <a:headEnd type="none" w="med" len="med"/>
+                      <a:tailEnd type="none" w="med" len="med"/>
+                    </a:lnL>
+                    <a:lnR w="12700" cap="flat" cmpd="sng" algn="ctr">
+                      <a:solidFill>
+                        <a:schemeClr val="tx1"/>
+                      </a:solidFill>
+                      <a:prstDash val="solid"/>
+                      <a:round/>
+                      <a:headEnd type="none" w="med" len="med"/>
+                      <a:tailEnd type="none" w="med" len="med"/>
+                    </a:lnR>
+                    <a:lnT w="12700" cap="flat" cmpd="sng" algn="ctr">
+                      <a:solidFill>
+                        <a:schemeClr val="tx1"/>
+                      </a:solidFill>
+                      <a:prstDash val="solid"/>
+                      <a:round/>
+                      <a:headEnd type="none" w="med" len="med"/>
+                      <a:tailEnd type="none" w="med" len="med"/>
+                    </a:lnT>
+                    <a:lnB w="12700" cap="flat" cmpd="sng" algn="ctr">
+                      <a:solidFill>
+                        <a:schemeClr val="tx1"/>
+                      </a:solidFill>
+                      <a:prstDash val="solid"/>
+                      <a:round/>
+                      <a:headEnd type="none" w="med" len="med"/>
+                      <a:tailEnd type="none" w="med" len="med"/>
+                    </a:lnB>
+                    <a:solidFill>
+                      <a:srgbClr val="7030A0"/>
+                    </a:solidFill>
+                  </a:tcPr>
+                </a:tc>
+                <a:extLst>
+                  <a:ext uri="{0D108BD9-81ED-4DB2-BD59-A6C34878D82A}">
+                    <a16:rowId xmlns:a16="http://schemas.microsoft.com/office/drawing/2014/main" val="2236792374"/>
+                  </a:ext>
+                </a:extLst>
+              </a:tr>
+              <a:tr h="370840">
+                <a:tc>
+                  <a:txBody>
+                    <a:bodyPr/>
+                    <a:lstStyle/>
+                    <a:p>
+                      <a:r>
+                        <a:rPr lang="hu-HU" dirty="0" smtClean="0"/>
+                        <a:t>ACL beállítás</a:t>
+                      </a:r>
+                      <a:endParaRPr lang="hu-HU" dirty="0"/>
+                    </a:p>
+                  </a:txBody>
+                  <a:tcPr>
+                    <a:lnL w="12700" cap="flat" cmpd="sng" algn="ctr">
+                      <a:solidFill>
+                        <a:schemeClr val="tx1"/>
+                      </a:solidFill>
+                      <a:prstDash val="solid"/>
+                      <a:round/>
+                      <a:headEnd type="none" w="med" len="med"/>
+                      <a:tailEnd type="none" w="med" len="med"/>
+                    </a:lnL>
+                    <a:lnR w="12700" cap="flat" cmpd="sng" algn="ctr">
+                      <a:solidFill>
+                        <a:schemeClr val="tx1"/>
+                      </a:solidFill>
+                      <a:prstDash val="solid"/>
+                      <a:round/>
+                      <a:headEnd type="none" w="med" len="med"/>
+                      <a:tailEnd type="none" w="med" len="med"/>
+                    </a:lnR>
+                    <a:lnT w="12700" cap="flat" cmpd="sng" algn="ctr">
+                      <a:solidFill>
+                        <a:schemeClr val="tx1"/>
+                      </a:solidFill>
+                      <a:prstDash val="solid"/>
+                      <a:round/>
+                      <a:headEnd type="none" w="med" len="med"/>
+                      <a:tailEnd type="none" w="med" len="med"/>
+                    </a:lnT>
+                    <a:lnB w="12700" cap="flat" cmpd="sng" algn="ctr">
+                      <a:solidFill>
+                        <a:schemeClr val="tx1"/>
+                      </a:solidFill>
+                      <a:prstDash val="solid"/>
+                      <a:round/>
+                      <a:headEnd type="none" w="med" len="med"/>
+                      <a:tailEnd type="none" w="med" len="med"/>
+                    </a:lnB>
+                    <a:solidFill>
+                      <a:srgbClr val="00B0F0"/>
+                    </a:solidFill>
+                  </a:tcPr>
+                </a:tc>
+                <a:tc>
+                  <a:txBody>
+                    <a:bodyPr/>
+                    <a:lstStyle/>
+                    <a:p>
+                      <a:r>
+                        <a:rPr lang="hu-HU" dirty="0" smtClean="0"/>
+                        <a:t>SSH konfigurálás</a:t>
+                      </a:r>
+                      <a:endParaRPr lang="hu-HU" dirty="0"/>
+                    </a:p>
+                  </a:txBody>
+                  <a:tcPr>
+                    <a:lnL w="12700" cap="flat" cmpd="sng" algn="ctr">
+                      <a:solidFill>
+                        <a:schemeClr val="tx1"/>
+                      </a:solidFill>
+                      <a:prstDash val="solid"/>
+                      <a:round/>
+                      <a:headEnd type="none" w="med" len="med"/>
+                      <a:tailEnd type="none" w="med" len="med"/>
+                    </a:lnL>
+                    <a:lnR w="12700" cap="flat" cmpd="sng" algn="ctr">
+                      <a:solidFill>
+                        <a:schemeClr val="tx1"/>
+                      </a:solidFill>
+                      <a:prstDash val="solid"/>
+                      <a:round/>
+                      <a:headEnd type="none" w="med" len="med"/>
+                      <a:tailEnd type="none" w="med" len="med"/>
+                    </a:lnR>
+                    <a:lnT w="12700" cap="flat" cmpd="sng" algn="ctr">
+                      <a:solidFill>
+                        <a:schemeClr val="tx1"/>
+                      </a:solidFill>
+                      <a:prstDash val="solid"/>
+                      <a:round/>
+                      <a:headEnd type="none" w="med" len="med"/>
+                      <a:tailEnd type="none" w="med" len="med"/>
+                    </a:lnT>
+                    <a:lnB w="12700" cap="flat" cmpd="sng" algn="ctr">
+                      <a:solidFill>
+                        <a:schemeClr val="tx1"/>
+                      </a:solidFill>
+                      <a:prstDash val="solid"/>
+                      <a:round/>
+                      <a:headEnd type="none" w="med" len="med"/>
+                      <a:tailEnd type="none" w="med" len="med"/>
+                    </a:lnB>
+                    <a:lnTlToBr w="12700" cmpd="sng">
+                      <a:noFill/>
+                      <a:prstDash val="solid"/>
+                    </a:lnTlToBr>
+                    <a:lnBlToTr w="12700" cmpd="sng">
+                      <a:noFill/>
+                      <a:prstDash val="solid"/>
+                    </a:lnBlToTr>
+                    <a:solidFill>
+                      <a:schemeClr val="accent6">
+                        <a:lumMod val="75000"/>
+                      </a:schemeClr>
+                    </a:solidFill>
+                  </a:tcPr>
+                </a:tc>
+                <a:tc>
+                  <a:txBody>
+                    <a:bodyPr/>
+                    <a:lstStyle/>
+                    <a:p>
+                      <a:endParaRPr lang="hu-HU" dirty="0"/>
+                    </a:p>
+                  </a:txBody>
+                  <a:tcPr>
+                    <a:lnL w="12700" cap="flat" cmpd="sng" algn="ctr">
+                      <a:solidFill>
+                        <a:schemeClr val="tx1"/>
+                      </a:solidFill>
+                      <a:prstDash val="solid"/>
+                      <a:round/>
+                      <a:headEnd type="none" w="med" len="med"/>
+                      <a:tailEnd type="none" w="med" len="med"/>
+                    </a:lnL>
+                    <a:lnR w="12700" cap="flat" cmpd="sng" algn="ctr">
+                      <a:solidFill>
+                        <a:schemeClr val="tx1"/>
+                      </a:solidFill>
+                      <a:prstDash val="solid"/>
+                      <a:round/>
+                      <a:headEnd type="none" w="med" len="med"/>
+                      <a:tailEnd type="none" w="med" len="med"/>
+                    </a:lnR>
+                    <a:lnT w="12700" cap="flat" cmpd="sng" algn="ctr">
+                      <a:solidFill>
+                        <a:schemeClr val="tx1"/>
+                      </a:solidFill>
+                      <a:prstDash val="solid"/>
+                      <a:round/>
+                      <a:headEnd type="none" w="med" len="med"/>
+                      <a:tailEnd type="none" w="med" len="med"/>
+                    </a:lnT>
+                    <a:lnB w="12700" cap="flat" cmpd="sng" algn="ctr">
+                      <a:solidFill>
+                        <a:schemeClr val="tx1"/>
+                      </a:solidFill>
+                      <a:prstDash val="solid"/>
+                      <a:round/>
+                      <a:headEnd type="none" w="med" len="med"/>
+                      <a:tailEnd type="none" w="med" len="med"/>
+                    </a:lnB>
+                    <a:solidFill>
+                      <a:srgbClr val="7030A0"/>
+                    </a:solidFill>
+                  </a:tcPr>
+                </a:tc>
+                <a:extLst>
+                  <a:ext uri="{0D108BD9-81ED-4DB2-BD59-A6C34878D82A}">
+                    <a16:rowId xmlns:a16="http://schemas.microsoft.com/office/drawing/2014/main" val="3996496129"/>
+                  </a:ext>
+                </a:extLst>
+              </a:tr>
+              <a:tr h="370840">
+                <a:tc>
+                  <a:txBody>
+                    <a:bodyPr/>
+                    <a:lstStyle/>
+                    <a:p>
+                      <a:r>
+                        <a:rPr lang="hu-HU" dirty="0" smtClean="0"/>
+                        <a:t>HSRP beállítás</a:t>
+                      </a:r>
+                      <a:endParaRPr lang="hu-HU" dirty="0"/>
+                    </a:p>
+                  </a:txBody>
+                  <a:tcPr>
+                    <a:lnL w="12700" cap="flat" cmpd="sng" algn="ctr">
+                      <a:solidFill>
+                        <a:schemeClr val="tx1"/>
+                      </a:solidFill>
+                      <a:prstDash val="solid"/>
+                      <a:round/>
+                      <a:headEnd type="none" w="med" len="med"/>
+                      <a:tailEnd type="none" w="med" len="med"/>
+                    </a:lnL>
+                    <a:lnR w="12700" cap="flat" cmpd="sng" algn="ctr">
+                      <a:solidFill>
+                        <a:schemeClr val="tx1"/>
+                      </a:solidFill>
+                      <a:prstDash val="solid"/>
+                      <a:round/>
+                      <a:headEnd type="none" w="med" len="med"/>
+                      <a:tailEnd type="none" w="med" len="med"/>
+                    </a:lnR>
+                    <a:lnT w="12700" cap="flat" cmpd="sng" algn="ctr">
+                      <a:solidFill>
+                        <a:schemeClr val="tx1"/>
+                      </a:solidFill>
+                      <a:prstDash val="solid"/>
+                      <a:round/>
+                      <a:headEnd type="none" w="med" len="med"/>
+                      <a:tailEnd type="none" w="med" len="med"/>
+                    </a:lnT>
+                    <a:lnB w="12700" cap="flat" cmpd="sng" algn="ctr">
+                      <a:solidFill>
+                        <a:schemeClr val="tx1"/>
+                      </a:solidFill>
+                      <a:prstDash val="solid"/>
+                      <a:round/>
+                      <a:headEnd type="none" w="med" len="med"/>
+                      <a:tailEnd type="none" w="med" len="med"/>
+                    </a:lnB>
+                    <a:solidFill>
+                      <a:srgbClr val="00B0F0"/>
+                    </a:solidFill>
+                  </a:tcPr>
+                </a:tc>
+                <a:tc>
+                  <a:txBody>
+                    <a:bodyPr/>
+                    <a:lstStyle/>
+                    <a:p>
+                      <a:r>
+                        <a:rPr lang="hu-HU" dirty="0" smtClean="0"/>
+                        <a:t>IPv4/IPv6 címzés</a:t>
+                      </a:r>
+                      <a:endParaRPr lang="hu-HU" dirty="0"/>
+                    </a:p>
+                  </a:txBody>
+                  <a:tcPr>
+                    <a:lnL w="12700" cap="flat" cmpd="sng" algn="ctr">
+                      <a:solidFill>
+                        <a:schemeClr val="tx1"/>
+                      </a:solidFill>
+                      <a:prstDash val="solid"/>
+                      <a:round/>
+                      <a:headEnd type="none" w="med" len="med"/>
+                      <a:tailEnd type="none" w="med" len="med"/>
+                    </a:lnL>
+                    <a:lnR w="12700" cap="flat" cmpd="sng" algn="ctr">
+                      <a:solidFill>
+                        <a:schemeClr val="tx1"/>
+                      </a:solidFill>
+                      <a:prstDash val="solid"/>
+                      <a:round/>
+                      <a:headEnd type="none" w="med" len="med"/>
+                      <a:tailEnd type="none" w="med" len="med"/>
+                    </a:lnR>
+                    <a:lnT w="12700" cap="flat" cmpd="sng" algn="ctr">
+                      <a:solidFill>
+                        <a:schemeClr val="tx1"/>
+                      </a:solidFill>
+                      <a:prstDash val="solid"/>
+                      <a:round/>
+                      <a:headEnd type="none" w="med" len="med"/>
+                      <a:tailEnd type="none" w="med" len="med"/>
+                    </a:lnT>
+                    <a:lnB w="12700" cap="flat" cmpd="sng" algn="ctr">
+                      <a:solidFill>
+                        <a:schemeClr val="tx1"/>
+                      </a:solidFill>
+                      <a:prstDash val="solid"/>
+                      <a:round/>
+                      <a:headEnd type="none" w="med" len="med"/>
+                      <a:tailEnd type="none" w="med" len="med"/>
+                    </a:lnB>
+                    <a:lnTlToBr w="12700" cmpd="sng">
+                      <a:noFill/>
+                      <a:prstDash val="solid"/>
+                    </a:lnTlToBr>
+                    <a:lnBlToTr w="12700" cmpd="sng">
+                      <a:noFill/>
+                      <a:prstDash val="solid"/>
+                    </a:lnBlToTr>
+                    <a:solidFill>
+                      <a:schemeClr val="accent6">
+                        <a:lumMod val="75000"/>
+                      </a:schemeClr>
+                    </a:solidFill>
+                  </a:tcPr>
+                </a:tc>
+                <a:tc>
+                  <a:txBody>
+                    <a:bodyPr/>
+                    <a:lstStyle/>
+                    <a:p>
+                      <a:endParaRPr lang="hu-HU" dirty="0"/>
+                    </a:p>
+                  </a:txBody>
+                  <a:tcPr>
+                    <a:lnL w="12700" cap="flat" cmpd="sng" algn="ctr">
+                      <a:solidFill>
+                        <a:schemeClr val="tx1"/>
+                      </a:solidFill>
+                      <a:prstDash val="solid"/>
+                      <a:round/>
+                      <a:headEnd type="none" w="med" len="med"/>
+                      <a:tailEnd type="none" w="med" len="med"/>
+                    </a:lnL>
+                    <a:lnR w="12700" cap="flat" cmpd="sng" algn="ctr">
+                      <a:solidFill>
+                        <a:schemeClr val="tx1"/>
+                      </a:solidFill>
+                      <a:prstDash val="solid"/>
+                      <a:round/>
+                      <a:headEnd type="none" w="med" len="med"/>
+                      <a:tailEnd type="none" w="med" len="med"/>
+                    </a:lnR>
+                    <a:lnT w="12700" cap="flat" cmpd="sng" algn="ctr">
+                      <a:solidFill>
+                        <a:schemeClr val="tx1"/>
+                      </a:solidFill>
+                      <a:prstDash val="solid"/>
+                      <a:round/>
+                      <a:headEnd type="none" w="med" len="med"/>
+                      <a:tailEnd type="none" w="med" len="med"/>
+                    </a:lnT>
+                    <a:lnB w="12700" cap="flat" cmpd="sng" algn="ctr">
+                      <a:solidFill>
+                        <a:schemeClr val="tx1"/>
+                      </a:solidFill>
+                      <a:prstDash val="solid"/>
+                      <a:round/>
+                      <a:headEnd type="none" w="med" len="med"/>
+                      <a:tailEnd type="none" w="med" len="med"/>
+                    </a:lnB>
+                    <a:solidFill>
+                      <a:srgbClr val="7030A0"/>
+                    </a:solidFill>
+                  </a:tcPr>
+                </a:tc>
+                <a:extLst>
+                  <a:ext uri="{0D108BD9-81ED-4DB2-BD59-A6C34878D82A}">
+                    <a16:rowId xmlns:a16="http://schemas.microsoft.com/office/drawing/2014/main" val="2878739769"/>
+                  </a:ext>
+                </a:extLst>
+              </a:tr>
+            </a:tbl>
+          </a:graphicData>
+        </a:graphic>
+      </p:graphicFrame>
+      <p:sp>
+        <p:nvSpPr>
+          <p:cNvPr id="5" name="Szövegdoboz 4"/>
+          <p:cNvSpPr txBox="1"/>
+          <p:nvPr/>
+        </p:nvSpPr>
+        <p:spPr>
+          <a:xfrm>
+            <a:off x="3500846" y="1236617"/>
+            <a:ext cx="4887877" cy="707886"/>
+          </a:xfrm>
+          <a:prstGeom prst="rect">
+            <a:avLst/>
+          </a:prstGeom>
+          <a:noFill/>
+        </p:spPr>
+        <p:txBody>
+          <a:bodyPr wrap="none" rtlCol="0">
+            <a:spAutoFit/>
+          </a:bodyPr>
+          <a:lstStyle/>
+          <a:p>
+            <a:r>
+              <a:rPr lang="hu-HU" sz="4000" dirty="0" smtClean="0"/>
+              <a:t>Feladat elosztások:</a:t>
+            </a:r>
+            <a:endParaRPr lang="hu-HU" sz="4000" dirty="0"/>
+          </a:p>
+        </p:txBody>
+      </p:sp>
+    </p:spTree>
+    <p:extLst>
+      <p:ext uri="{BB962C8B-B14F-4D97-AF65-F5344CB8AC3E}">
+        <p14:creationId xmlns:p14="http://schemas.microsoft.com/office/powerpoint/2010/main" val="885574126"/>
+      </p:ext>
+    </p:extLst>
+  </p:cSld>
+  <p:clrMapOvr>
+    <a:masterClrMapping/>
+  </p:clrMapOvr>
+  <p:transition spd="slow">
+    <p:push dir="u"/>
+  </p:transition>
+  <p:timing>
+    <p:tnLst>
+      <p:par>
+        <p:cTn id="1" dur="indefinite" restart="never" nodeType="tmRoot"/>
+      </p:par>
+    </p:tnLst>
+  </p:timing>
+</p:sld>
+</file>
+
+<file path=ppt/slides/slide20.xml><?xml version="1.0" encoding="utf-8"?>
+<p:sld xmlns:a="http://schemas.openxmlformats.org/drawingml/2006/main" xmlns:r="http://schemas.openxmlformats.org/officeDocument/2006/relationships" xmlns:p="http://schemas.openxmlformats.org/presentationml/2006/main">
+  <p:cSld>
+    <p:spTree>
+      <p:nvGrpSpPr>
+        <p:cNvPr id="1" name=""/>
+        <p:cNvGrpSpPr/>
+        <p:nvPr/>
+      </p:nvGrpSpPr>
+      <p:grpSpPr>
+        <a:xfrm>
+          <a:off x="0" y="0"/>
+          <a:ext cx="0" cy="0"/>
+          <a:chOff x="0" y="0"/>
+          <a:chExt cx="0" cy="0"/>
+        </a:xfrm>
+      </p:grpSpPr>
+      <p:sp>
+        <p:nvSpPr>
           <p:cNvPr id="2" name="Cím 1">
             <a:extLst>
               <a:ext uri="{FF2B5EF4-FFF2-40B4-BE49-F238E27FC236}">
@@ -11342,7 +12700,7 @@
 </p:sld>
 </file>
 
-<file path=ppt/slides/slide19.xml><?xml version="1.0" encoding="utf-8"?>
+<file path=ppt/slides/slide21.xml><?xml version="1.0" encoding="utf-8"?>
 <p:sld xmlns:a="http://schemas.openxmlformats.org/drawingml/2006/main" xmlns:r="http://schemas.openxmlformats.org/officeDocument/2006/relationships" xmlns:p="http://schemas.openxmlformats.org/presentationml/2006/main">
   <p:cSld>
     <p:bg>
@@ -11716,1187 +13074,7 @@
 </p:sld>
 </file>
 
-<file path=ppt/slides/slide2.xml><?xml version="1.0" encoding="utf-8"?>
-<p:sld xmlns:a="http://schemas.openxmlformats.org/drawingml/2006/main" xmlns:r="http://schemas.openxmlformats.org/officeDocument/2006/relationships" xmlns:p="http://schemas.openxmlformats.org/presentationml/2006/main">
-  <p:cSld>
-    <p:spTree>
-      <p:nvGrpSpPr>
-        <p:cNvPr id="1" name=""/>
-        <p:cNvGrpSpPr/>
-        <p:nvPr/>
-      </p:nvGrpSpPr>
-      <p:grpSpPr>
-        <a:xfrm>
-          <a:off x="0" y="0"/>
-          <a:ext cx="0" cy="0"/>
-          <a:chOff x="0" y="0"/>
-          <a:chExt cx="0" cy="0"/>
-        </a:xfrm>
-      </p:grpSpPr>
-      <p:graphicFrame>
-        <p:nvGraphicFramePr>
-          <p:cNvPr id="4" name="Táblázat 3"/>
-          <p:cNvGraphicFramePr>
-            <a:graphicFrameLocks noGrp="1"/>
-          </p:cNvGraphicFramePr>
-          <p:nvPr>
-            <p:extLst>
-              <p:ext uri="{D42A27DB-BD31-4B8C-83A1-F6EECF244321}">
-                <p14:modId xmlns:p14="http://schemas.microsoft.com/office/powerpoint/2010/main" val="2565164888"/>
-              </p:ext>
-            </p:extLst>
-          </p:nvPr>
-        </p:nvGraphicFramePr>
-        <p:xfrm>
-          <a:off x="1027611" y="3445448"/>
-          <a:ext cx="10215153" cy="2225040"/>
-        </p:xfrm>
-        <a:graphic>
-          <a:graphicData uri="http://schemas.openxmlformats.org/drawingml/2006/table">
-            <a:tbl>
-              <a:tblPr firstRow="1" bandRow="1">
-                <a:tableStyleId>{5C22544A-7EE6-4342-B048-85BDC9FD1C3A}</a:tableStyleId>
-              </a:tblPr>
-              <a:tblGrid>
-                <a:gridCol w="3405051">
-                  <a:extLst>
-                    <a:ext uri="{9D8B030D-6E8A-4147-A177-3AD203B41FA5}">
-                      <a16:colId xmlns:a16="http://schemas.microsoft.com/office/drawing/2014/main" val="813460602"/>
-                    </a:ext>
-                  </a:extLst>
-                </a:gridCol>
-                <a:gridCol w="3405051">
-                  <a:extLst>
-                    <a:ext uri="{9D8B030D-6E8A-4147-A177-3AD203B41FA5}">
-                      <a16:colId xmlns:a16="http://schemas.microsoft.com/office/drawing/2014/main" val="2116787683"/>
-                    </a:ext>
-                  </a:extLst>
-                </a:gridCol>
-                <a:gridCol w="3405051">
-                  <a:extLst>
-                    <a:ext uri="{9D8B030D-6E8A-4147-A177-3AD203B41FA5}">
-                      <a16:colId xmlns:a16="http://schemas.microsoft.com/office/drawing/2014/main" val="2670074441"/>
-                    </a:ext>
-                  </a:extLst>
-                </a:gridCol>
-              </a:tblGrid>
-              <a:tr h="370840">
-                <a:tc>
-                  <a:txBody>
-                    <a:bodyPr/>
-                    <a:lstStyle/>
-                    <a:p>
-                      <a:r>
-                        <a:rPr lang="hu-HU" dirty="0" smtClean="0"/>
-                        <a:t>Lajka Kristóf</a:t>
-                      </a:r>
-                      <a:endParaRPr lang="hu-HU" dirty="0"/>
-                    </a:p>
-                  </a:txBody>
-                  <a:tcPr>
-                    <a:lnL w="12700" cap="flat" cmpd="sng" algn="ctr">
-                      <a:solidFill>
-                        <a:schemeClr val="tx1"/>
-                      </a:solidFill>
-                      <a:prstDash val="solid"/>
-                      <a:round/>
-                      <a:headEnd type="none" w="med" len="med"/>
-                      <a:tailEnd type="none" w="med" len="med"/>
-                    </a:lnL>
-                    <a:lnR w="12700" cap="flat" cmpd="sng" algn="ctr">
-                      <a:solidFill>
-                        <a:schemeClr val="tx1"/>
-                      </a:solidFill>
-                      <a:prstDash val="solid"/>
-                      <a:round/>
-                      <a:headEnd type="none" w="med" len="med"/>
-                      <a:tailEnd type="none" w="med" len="med"/>
-                    </a:lnR>
-                    <a:lnT w="12700" cap="flat" cmpd="sng" algn="ctr">
-                      <a:solidFill>
-                        <a:schemeClr val="tx1"/>
-                      </a:solidFill>
-                      <a:prstDash val="solid"/>
-                      <a:round/>
-                      <a:headEnd type="none" w="med" len="med"/>
-                      <a:tailEnd type="none" w="med" len="med"/>
-                    </a:lnT>
-                    <a:lnB w="12700" cap="flat" cmpd="sng" algn="ctr">
-                      <a:solidFill>
-                        <a:schemeClr val="tx1"/>
-                      </a:solidFill>
-                      <a:prstDash val="solid"/>
-                      <a:round/>
-                      <a:headEnd type="none" w="med" len="med"/>
-                      <a:tailEnd type="none" w="med" len="med"/>
-                    </a:lnB>
-                    <a:solidFill>
-                      <a:srgbClr val="0070C0"/>
-                    </a:solidFill>
-                  </a:tcPr>
-                </a:tc>
-                <a:tc>
-                  <a:txBody>
-                    <a:bodyPr/>
-                    <a:lstStyle/>
-                    <a:p>
-                      <a:r>
-                        <a:rPr lang="hu-HU" dirty="0" smtClean="0"/>
-                        <a:t>Váradi Ádám</a:t>
-                      </a:r>
-                      <a:endParaRPr lang="hu-HU" dirty="0"/>
-                    </a:p>
-                  </a:txBody>
-                  <a:tcPr>
-                    <a:lnL w="12700" cap="flat" cmpd="sng" algn="ctr">
-                      <a:solidFill>
-                        <a:schemeClr val="tx1"/>
-                      </a:solidFill>
-                      <a:prstDash val="solid"/>
-                      <a:round/>
-                      <a:headEnd type="none" w="med" len="med"/>
-                      <a:tailEnd type="none" w="med" len="med"/>
-                    </a:lnL>
-                    <a:lnR w="12700" cap="flat" cmpd="sng" algn="ctr">
-                      <a:solidFill>
-                        <a:schemeClr val="tx1"/>
-                      </a:solidFill>
-                      <a:prstDash val="solid"/>
-                      <a:round/>
-                      <a:headEnd type="none" w="med" len="med"/>
-                      <a:tailEnd type="none" w="med" len="med"/>
-                    </a:lnR>
-                    <a:lnT w="12700" cap="flat" cmpd="sng" algn="ctr">
-                      <a:solidFill>
-                        <a:schemeClr val="tx1"/>
-                      </a:solidFill>
-                      <a:prstDash val="solid"/>
-                      <a:round/>
-                      <a:headEnd type="none" w="med" len="med"/>
-                      <a:tailEnd type="none" w="med" len="med"/>
-                    </a:lnT>
-                    <a:lnB w="12700" cap="flat" cmpd="sng" algn="ctr">
-                      <a:solidFill>
-                        <a:schemeClr val="tx1"/>
-                      </a:solidFill>
-                      <a:prstDash val="solid"/>
-                      <a:round/>
-                      <a:headEnd type="none" w="med" len="med"/>
-                      <a:tailEnd type="none" w="med" len="med"/>
-                    </a:lnB>
-                    <a:lnTlToBr w="12700" cmpd="sng">
-                      <a:noFill/>
-                      <a:prstDash val="solid"/>
-                    </a:lnTlToBr>
-                    <a:lnBlToTr w="12700" cmpd="sng">
-                      <a:noFill/>
-                      <a:prstDash val="solid"/>
-                    </a:lnBlToTr>
-                    <a:solidFill>
-                      <a:schemeClr val="accent6"/>
-                    </a:solidFill>
-                  </a:tcPr>
-                </a:tc>
-                <a:tc>
-                  <a:txBody>
-                    <a:bodyPr/>
-                    <a:lstStyle/>
-                    <a:p>
-                      <a:r>
-                        <a:rPr lang="hu-HU" dirty="0" smtClean="0"/>
-                        <a:t>Enyedi</a:t>
-                      </a:r>
-                      <a:r>
-                        <a:rPr lang="hu-HU" baseline="0" dirty="0" smtClean="0"/>
-                        <a:t> </a:t>
-                      </a:r>
-                      <a:r>
-                        <a:rPr lang="hu-HU" baseline="0" dirty="0" err="1" smtClean="0"/>
-                        <a:t>Sándors</a:t>
-                      </a:r>
-                      <a:endParaRPr lang="hu-HU" dirty="0"/>
-                    </a:p>
-                  </a:txBody>
-                  <a:tcPr>
-                    <a:lnL w="12700" cap="flat" cmpd="sng" algn="ctr">
-                      <a:solidFill>
-                        <a:schemeClr val="tx1"/>
-                      </a:solidFill>
-                      <a:prstDash val="solid"/>
-                      <a:round/>
-                      <a:headEnd type="none" w="med" len="med"/>
-                      <a:tailEnd type="none" w="med" len="med"/>
-                    </a:lnL>
-                    <a:lnB w="12700" cap="flat" cmpd="sng" algn="ctr">
-                      <a:solidFill>
-                        <a:schemeClr val="tx1"/>
-                      </a:solidFill>
-                      <a:prstDash val="solid"/>
-                      <a:round/>
-                      <a:headEnd type="none" w="med" len="med"/>
-                      <a:tailEnd type="none" w="med" len="med"/>
-                    </a:lnB>
-                  </a:tcPr>
-                </a:tc>
-                <a:extLst>
-                  <a:ext uri="{0D108BD9-81ED-4DB2-BD59-A6C34878D82A}">
-                    <a16:rowId xmlns:a16="http://schemas.microsoft.com/office/drawing/2014/main" val="4233294084"/>
-                  </a:ext>
-                </a:extLst>
-              </a:tr>
-              <a:tr h="370840">
-                <a:tc>
-                  <a:txBody>
-                    <a:bodyPr/>
-                    <a:lstStyle/>
-                    <a:p>
-                      <a:r>
-                        <a:rPr lang="hu-HU" dirty="0" smtClean="0"/>
-                        <a:t>A topológia kialakítása</a:t>
-                      </a:r>
-                      <a:endParaRPr lang="hu-HU" dirty="0"/>
-                    </a:p>
-                  </a:txBody>
-                  <a:tcPr>
-                    <a:lnL w="12700" cap="flat" cmpd="sng" algn="ctr">
-                      <a:solidFill>
-                        <a:schemeClr val="tx1"/>
-                      </a:solidFill>
-                      <a:prstDash val="solid"/>
-                      <a:round/>
-                      <a:headEnd type="none" w="med" len="med"/>
-                      <a:tailEnd type="none" w="med" len="med"/>
-                    </a:lnL>
-                    <a:lnR w="12700" cap="flat" cmpd="sng" algn="ctr">
-                      <a:solidFill>
-                        <a:schemeClr val="tx1"/>
-                      </a:solidFill>
-                      <a:prstDash val="solid"/>
-                      <a:round/>
-                      <a:headEnd type="none" w="med" len="med"/>
-                      <a:tailEnd type="none" w="med" len="med"/>
-                    </a:lnR>
-                    <a:lnT w="12700" cap="flat" cmpd="sng" algn="ctr">
-                      <a:solidFill>
-                        <a:schemeClr val="tx1"/>
-                      </a:solidFill>
-                      <a:prstDash val="solid"/>
-                      <a:round/>
-                      <a:headEnd type="none" w="med" len="med"/>
-                      <a:tailEnd type="none" w="med" len="med"/>
-                    </a:lnT>
-                    <a:lnB w="12700" cap="flat" cmpd="sng" algn="ctr">
-                      <a:solidFill>
-                        <a:schemeClr val="tx1"/>
-                      </a:solidFill>
-                      <a:prstDash val="solid"/>
-                      <a:round/>
-                      <a:headEnd type="none" w="med" len="med"/>
-                      <a:tailEnd type="none" w="med" len="med"/>
-                    </a:lnB>
-                    <a:solidFill>
-                      <a:srgbClr val="00B0F0"/>
-                    </a:solidFill>
-                  </a:tcPr>
-                </a:tc>
-                <a:tc>
-                  <a:txBody>
-                    <a:bodyPr/>
-                    <a:lstStyle/>
-                    <a:p>
-                      <a:r>
-                        <a:rPr lang="hu-HU" dirty="0" smtClean="0"/>
-                        <a:t>A topológia kialakítás</a:t>
-                      </a:r>
-                      <a:endParaRPr lang="hu-HU" dirty="0"/>
-                    </a:p>
-                  </a:txBody>
-                  <a:tcPr>
-                    <a:lnL w="12700" cap="flat" cmpd="sng" algn="ctr">
-                      <a:solidFill>
-                        <a:schemeClr val="tx1"/>
-                      </a:solidFill>
-                      <a:prstDash val="solid"/>
-                      <a:round/>
-                      <a:headEnd type="none" w="med" len="med"/>
-                      <a:tailEnd type="none" w="med" len="med"/>
-                    </a:lnL>
-                    <a:lnR w="12700" cap="flat" cmpd="sng" algn="ctr">
-                      <a:solidFill>
-                        <a:schemeClr val="tx1"/>
-                      </a:solidFill>
-                      <a:prstDash val="solid"/>
-                      <a:round/>
-                      <a:headEnd type="none" w="med" len="med"/>
-                      <a:tailEnd type="none" w="med" len="med"/>
-                    </a:lnR>
-                    <a:lnT w="12700" cap="flat" cmpd="sng" algn="ctr">
-                      <a:solidFill>
-                        <a:schemeClr val="tx1"/>
-                      </a:solidFill>
-                      <a:prstDash val="solid"/>
-                      <a:round/>
-                      <a:headEnd type="none" w="med" len="med"/>
-                      <a:tailEnd type="none" w="med" len="med"/>
-                    </a:lnT>
-                    <a:lnB w="12700" cap="flat" cmpd="sng" algn="ctr">
-                      <a:solidFill>
-                        <a:schemeClr val="tx1"/>
-                      </a:solidFill>
-                      <a:prstDash val="solid"/>
-                      <a:round/>
-                      <a:headEnd type="none" w="med" len="med"/>
-                      <a:tailEnd type="none" w="med" len="med"/>
-                    </a:lnB>
-                    <a:lnTlToBr w="12700" cmpd="sng">
-                      <a:noFill/>
-                      <a:prstDash val="solid"/>
-                    </a:lnTlToBr>
-                    <a:lnBlToTr w="12700" cmpd="sng">
-                      <a:noFill/>
-                      <a:prstDash val="solid"/>
-                    </a:lnBlToTr>
-                    <a:solidFill>
-                      <a:schemeClr val="accent6">
-                        <a:lumMod val="75000"/>
-                      </a:schemeClr>
-                    </a:solidFill>
-                  </a:tcPr>
-                </a:tc>
-                <a:tc>
-                  <a:txBody>
-                    <a:bodyPr/>
-                    <a:lstStyle/>
-                    <a:p>
-                      <a:r>
-                        <a:rPr lang="hu-HU" dirty="0" smtClean="0"/>
-                        <a:t>OSPF konfigurálás</a:t>
-                      </a:r>
-                      <a:endParaRPr lang="hu-HU" dirty="0"/>
-                    </a:p>
-                  </a:txBody>
-                  <a:tcPr>
-                    <a:lnL w="12700" cap="flat" cmpd="sng" algn="ctr">
-                      <a:solidFill>
-                        <a:schemeClr val="tx1"/>
-                      </a:solidFill>
-                      <a:prstDash val="solid"/>
-                      <a:round/>
-                      <a:headEnd type="none" w="med" len="med"/>
-                      <a:tailEnd type="none" w="med" len="med"/>
-                    </a:lnL>
-                    <a:lnR w="12700" cap="flat" cmpd="sng" algn="ctr">
-                      <a:solidFill>
-                        <a:schemeClr val="tx1"/>
-                      </a:solidFill>
-                      <a:prstDash val="solid"/>
-                      <a:round/>
-                      <a:headEnd type="none" w="med" len="med"/>
-                      <a:tailEnd type="none" w="med" len="med"/>
-                    </a:lnR>
-                    <a:lnT w="12700" cap="flat" cmpd="sng" algn="ctr">
-                      <a:solidFill>
-                        <a:schemeClr val="tx1"/>
-                      </a:solidFill>
-                      <a:prstDash val="solid"/>
-                      <a:round/>
-                      <a:headEnd type="none" w="med" len="med"/>
-                      <a:tailEnd type="none" w="med" len="med"/>
-                    </a:lnT>
-                    <a:lnB w="12700" cap="flat" cmpd="sng" algn="ctr">
-                      <a:solidFill>
-                        <a:schemeClr val="tx1"/>
-                      </a:solidFill>
-                      <a:prstDash val="solid"/>
-                      <a:round/>
-                      <a:headEnd type="none" w="med" len="med"/>
-                      <a:tailEnd type="none" w="med" len="med"/>
-                    </a:lnB>
-                    <a:solidFill>
-                      <a:srgbClr val="7030A0"/>
-                    </a:solidFill>
-                  </a:tcPr>
-                </a:tc>
-                <a:extLst>
-                  <a:ext uri="{0D108BD9-81ED-4DB2-BD59-A6C34878D82A}">
-                    <a16:rowId xmlns:a16="http://schemas.microsoft.com/office/drawing/2014/main" val="557424543"/>
-                  </a:ext>
-                </a:extLst>
-              </a:tr>
-              <a:tr h="370840">
-                <a:tc>
-                  <a:txBody>
-                    <a:bodyPr/>
-                    <a:lstStyle/>
-                    <a:p>
-                      <a:r>
-                        <a:rPr lang="hu-HU" dirty="0" smtClean="0"/>
-                        <a:t>IPv4/IPv6</a:t>
-                      </a:r>
-                      <a:r>
-                        <a:rPr lang="hu-HU" baseline="0" dirty="0" smtClean="0"/>
-                        <a:t> címzés</a:t>
-                      </a:r>
-                      <a:endParaRPr lang="hu-HU" dirty="0"/>
-                    </a:p>
-                  </a:txBody>
-                  <a:tcPr>
-                    <a:lnL w="12700" cap="flat" cmpd="sng" algn="ctr">
-                      <a:solidFill>
-                        <a:schemeClr val="tx1"/>
-                      </a:solidFill>
-                      <a:prstDash val="solid"/>
-                      <a:round/>
-                      <a:headEnd type="none" w="med" len="med"/>
-                      <a:tailEnd type="none" w="med" len="med"/>
-                    </a:lnL>
-                    <a:lnR w="12700" cap="flat" cmpd="sng" algn="ctr">
-                      <a:solidFill>
-                        <a:schemeClr val="tx1"/>
-                      </a:solidFill>
-                      <a:prstDash val="solid"/>
-                      <a:round/>
-                      <a:headEnd type="none" w="med" len="med"/>
-                      <a:tailEnd type="none" w="med" len="med"/>
-                    </a:lnR>
-                    <a:lnT w="12700" cap="flat" cmpd="sng" algn="ctr">
-                      <a:solidFill>
-                        <a:schemeClr val="tx1"/>
-                      </a:solidFill>
-                      <a:prstDash val="solid"/>
-                      <a:round/>
-                      <a:headEnd type="none" w="med" len="med"/>
-                      <a:tailEnd type="none" w="med" len="med"/>
-                    </a:lnT>
-                    <a:lnB w="12700" cap="flat" cmpd="sng" algn="ctr">
-                      <a:solidFill>
-                        <a:schemeClr val="tx1"/>
-                      </a:solidFill>
-                      <a:prstDash val="solid"/>
-                      <a:round/>
-                      <a:headEnd type="none" w="med" len="med"/>
-                      <a:tailEnd type="none" w="med" len="med"/>
-                    </a:lnB>
-                    <a:solidFill>
-                      <a:srgbClr val="00B0F0"/>
-                    </a:solidFill>
-                  </a:tcPr>
-                </a:tc>
-                <a:tc>
-                  <a:txBody>
-                    <a:bodyPr/>
-                    <a:lstStyle/>
-                    <a:p>
-                      <a:r>
-                        <a:rPr lang="hu-HU" dirty="0" smtClean="0"/>
-                        <a:t>VLAN-ok és forgalomirányítás</a:t>
-                      </a:r>
-                      <a:endParaRPr lang="hu-HU" dirty="0"/>
-                    </a:p>
-                  </a:txBody>
-                  <a:tcPr>
-                    <a:lnL w="12700" cap="flat" cmpd="sng" algn="ctr">
-                      <a:solidFill>
-                        <a:schemeClr val="tx1"/>
-                      </a:solidFill>
-                      <a:prstDash val="solid"/>
-                      <a:round/>
-                      <a:headEnd type="none" w="med" len="med"/>
-                      <a:tailEnd type="none" w="med" len="med"/>
-                    </a:lnL>
-                    <a:lnR w="12700" cap="flat" cmpd="sng" algn="ctr">
-                      <a:solidFill>
-                        <a:schemeClr val="tx1"/>
-                      </a:solidFill>
-                      <a:prstDash val="solid"/>
-                      <a:round/>
-                      <a:headEnd type="none" w="med" len="med"/>
-                      <a:tailEnd type="none" w="med" len="med"/>
-                    </a:lnR>
-                    <a:lnT w="12700" cap="flat" cmpd="sng" algn="ctr">
-                      <a:solidFill>
-                        <a:schemeClr val="tx1"/>
-                      </a:solidFill>
-                      <a:prstDash val="solid"/>
-                      <a:round/>
-                      <a:headEnd type="none" w="med" len="med"/>
-                      <a:tailEnd type="none" w="med" len="med"/>
-                    </a:lnT>
-                    <a:lnB w="12700" cap="flat" cmpd="sng" algn="ctr">
-                      <a:solidFill>
-                        <a:schemeClr val="tx1"/>
-                      </a:solidFill>
-                      <a:prstDash val="solid"/>
-                      <a:round/>
-                      <a:headEnd type="none" w="med" len="med"/>
-                      <a:tailEnd type="none" w="med" len="med"/>
-                    </a:lnB>
-                    <a:lnTlToBr w="12700" cmpd="sng">
-                      <a:noFill/>
-                      <a:prstDash val="solid"/>
-                    </a:lnTlToBr>
-                    <a:lnBlToTr w="12700" cmpd="sng">
-                      <a:noFill/>
-                      <a:prstDash val="solid"/>
-                    </a:lnBlToTr>
-                    <a:solidFill>
-                      <a:schemeClr val="accent6">
-                        <a:lumMod val="75000"/>
-                      </a:schemeClr>
-                    </a:solidFill>
-                  </a:tcPr>
-                </a:tc>
-                <a:tc>
-                  <a:txBody>
-                    <a:bodyPr/>
-                    <a:lstStyle/>
-                    <a:p>
-                      <a:r>
-                        <a:rPr lang="hu-HU" dirty="0" smtClean="0"/>
-                        <a:t>Prezentáció</a:t>
-                      </a:r>
-                      <a:endParaRPr lang="hu-HU" dirty="0"/>
-                    </a:p>
-                  </a:txBody>
-                  <a:tcPr>
-                    <a:lnL w="12700" cap="flat" cmpd="sng" algn="ctr">
-                      <a:solidFill>
-                        <a:schemeClr val="tx1"/>
-                      </a:solidFill>
-                      <a:prstDash val="solid"/>
-                      <a:round/>
-                      <a:headEnd type="none" w="med" len="med"/>
-                      <a:tailEnd type="none" w="med" len="med"/>
-                    </a:lnL>
-                    <a:lnR w="12700" cap="flat" cmpd="sng" algn="ctr">
-                      <a:solidFill>
-                        <a:schemeClr val="tx1"/>
-                      </a:solidFill>
-                      <a:prstDash val="solid"/>
-                      <a:round/>
-                      <a:headEnd type="none" w="med" len="med"/>
-                      <a:tailEnd type="none" w="med" len="med"/>
-                    </a:lnR>
-                    <a:lnT w="12700" cap="flat" cmpd="sng" algn="ctr">
-                      <a:solidFill>
-                        <a:schemeClr val="tx1"/>
-                      </a:solidFill>
-                      <a:prstDash val="solid"/>
-                      <a:round/>
-                      <a:headEnd type="none" w="med" len="med"/>
-                      <a:tailEnd type="none" w="med" len="med"/>
-                    </a:lnT>
-                    <a:lnB w="12700" cap="flat" cmpd="sng" algn="ctr">
-                      <a:solidFill>
-                        <a:schemeClr val="tx1"/>
-                      </a:solidFill>
-                      <a:prstDash val="solid"/>
-                      <a:round/>
-                      <a:headEnd type="none" w="med" len="med"/>
-                      <a:tailEnd type="none" w="med" len="med"/>
-                    </a:lnB>
-                    <a:solidFill>
-                      <a:srgbClr val="7030A0"/>
-                    </a:solidFill>
-                  </a:tcPr>
-                </a:tc>
-                <a:extLst>
-                  <a:ext uri="{0D108BD9-81ED-4DB2-BD59-A6C34878D82A}">
-                    <a16:rowId xmlns:a16="http://schemas.microsoft.com/office/drawing/2014/main" val="1987530793"/>
-                  </a:ext>
-                </a:extLst>
-              </a:tr>
-              <a:tr h="370840">
-                <a:tc>
-                  <a:txBody>
-                    <a:bodyPr/>
-                    <a:lstStyle/>
-                    <a:p>
-                      <a:r>
-                        <a:rPr lang="hu-HU" dirty="0" smtClean="0"/>
-                        <a:t>VLAN-ok és </a:t>
-                      </a:r>
-                      <a:r>
-                        <a:rPr lang="hu-HU" dirty="0" err="1" smtClean="0"/>
-                        <a:t>forgalomírányítás</a:t>
-                      </a:r>
-                      <a:endParaRPr lang="hu-HU" dirty="0"/>
-                    </a:p>
-                  </a:txBody>
-                  <a:tcPr>
-                    <a:lnL w="12700" cap="flat" cmpd="sng" algn="ctr">
-                      <a:solidFill>
-                        <a:schemeClr val="tx1"/>
-                      </a:solidFill>
-                      <a:prstDash val="solid"/>
-                      <a:round/>
-                      <a:headEnd type="none" w="med" len="med"/>
-                      <a:tailEnd type="none" w="med" len="med"/>
-                    </a:lnL>
-                    <a:lnR w="12700" cap="flat" cmpd="sng" algn="ctr">
-                      <a:solidFill>
-                        <a:schemeClr val="tx1"/>
-                      </a:solidFill>
-                      <a:prstDash val="solid"/>
-                      <a:round/>
-                      <a:headEnd type="none" w="med" len="med"/>
-                      <a:tailEnd type="none" w="med" len="med"/>
-                    </a:lnR>
-                    <a:lnT w="12700" cap="flat" cmpd="sng" algn="ctr">
-                      <a:solidFill>
-                        <a:schemeClr val="tx1"/>
-                      </a:solidFill>
-                      <a:prstDash val="solid"/>
-                      <a:round/>
-                      <a:headEnd type="none" w="med" len="med"/>
-                      <a:tailEnd type="none" w="med" len="med"/>
-                    </a:lnT>
-                    <a:lnB w="12700" cap="flat" cmpd="sng" algn="ctr">
-                      <a:solidFill>
-                        <a:schemeClr val="tx1"/>
-                      </a:solidFill>
-                      <a:prstDash val="solid"/>
-                      <a:round/>
-                      <a:headEnd type="none" w="med" len="med"/>
-                      <a:tailEnd type="none" w="med" len="med"/>
-                    </a:lnB>
-                    <a:solidFill>
-                      <a:srgbClr val="00B0F0"/>
-                    </a:solidFill>
-                  </a:tcPr>
-                </a:tc>
-                <a:tc>
-                  <a:txBody>
-                    <a:bodyPr/>
-                    <a:lstStyle/>
-                    <a:p>
-                      <a:r>
-                        <a:rPr lang="hu-HU" dirty="0" smtClean="0"/>
-                        <a:t>NAT konfigurálás</a:t>
-                      </a:r>
-                      <a:endParaRPr lang="hu-HU" dirty="0"/>
-                    </a:p>
-                  </a:txBody>
-                  <a:tcPr>
-                    <a:lnL w="12700" cap="flat" cmpd="sng" algn="ctr">
-                      <a:solidFill>
-                        <a:schemeClr val="tx1"/>
-                      </a:solidFill>
-                      <a:prstDash val="solid"/>
-                      <a:round/>
-                      <a:headEnd type="none" w="med" len="med"/>
-                      <a:tailEnd type="none" w="med" len="med"/>
-                    </a:lnL>
-                    <a:lnR w="12700" cap="flat" cmpd="sng" algn="ctr">
-                      <a:solidFill>
-                        <a:schemeClr val="tx1"/>
-                      </a:solidFill>
-                      <a:prstDash val="solid"/>
-                      <a:round/>
-                      <a:headEnd type="none" w="med" len="med"/>
-                      <a:tailEnd type="none" w="med" len="med"/>
-                    </a:lnR>
-                    <a:lnT w="12700" cap="flat" cmpd="sng" algn="ctr">
-                      <a:solidFill>
-                        <a:schemeClr val="tx1"/>
-                      </a:solidFill>
-                      <a:prstDash val="solid"/>
-                      <a:round/>
-                      <a:headEnd type="none" w="med" len="med"/>
-                      <a:tailEnd type="none" w="med" len="med"/>
-                    </a:lnT>
-                    <a:lnB w="12700" cap="flat" cmpd="sng" algn="ctr">
-                      <a:solidFill>
-                        <a:schemeClr val="tx1"/>
-                      </a:solidFill>
-                      <a:prstDash val="solid"/>
-                      <a:round/>
-                      <a:headEnd type="none" w="med" len="med"/>
-                      <a:tailEnd type="none" w="med" len="med"/>
-                    </a:lnB>
-                    <a:lnTlToBr w="12700" cmpd="sng">
-                      <a:noFill/>
-                      <a:prstDash val="solid"/>
-                    </a:lnTlToBr>
-                    <a:lnBlToTr w="12700" cmpd="sng">
-                      <a:noFill/>
-                      <a:prstDash val="solid"/>
-                    </a:lnBlToTr>
-                    <a:solidFill>
-                      <a:schemeClr val="accent6">
-                        <a:lumMod val="75000"/>
-                      </a:schemeClr>
-                    </a:solidFill>
-                  </a:tcPr>
-                </a:tc>
-                <a:tc>
-                  <a:txBody>
-                    <a:bodyPr/>
-                    <a:lstStyle/>
-                    <a:p>
-                      <a:r>
-                        <a:rPr lang="hu-HU" dirty="0" smtClean="0"/>
-                        <a:t>Dokumentálás</a:t>
-                      </a:r>
-                      <a:endParaRPr lang="hu-HU" dirty="0"/>
-                    </a:p>
-                  </a:txBody>
-                  <a:tcPr>
-                    <a:lnL w="12700" cap="flat" cmpd="sng" algn="ctr">
-                      <a:solidFill>
-                        <a:schemeClr val="tx1"/>
-                      </a:solidFill>
-                      <a:prstDash val="solid"/>
-                      <a:round/>
-                      <a:headEnd type="none" w="med" len="med"/>
-                      <a:tailEnd type="none" w="med" len="med"/>
-                    </a:lnL>
-                    <a:lnR w="12700" cap="flat" cmpd="sng" algn="ctr">
-                      <a:solidFill>
-                        <a:schemeClr val="tx1"/>
-                      </a:solidFill>
-                      <a:prstDash val="solid"/>
-                      <a:round/>
-                      <a:headEnd type="none" w="med" len="med"/>
-                      <a:tailEnd type="none" w="med" len="med"/>
-                    </a:lnR>
-                    <a:lnT w="12700" cap="flat" cmpd="sng" algn="ctr">
-                      <a:solidFill>
-                        <a:schemeClr val="tx1"/>
-                      </a:solidFill>
-                      <a:prstDash val="solid"/>
-                      <a:round/>
-                      <a:headEnd type="none" w="med" len="med"/>
-                      <a:tailEnd type="none" w="med" len="med"/>
-                    </a:lnT>
-                    <a:lnB w="12700" cap="flat" cmpd="sng" algn="ctr">
-                      <a:solidFill>
-                        <a:schemeClr val="tx1"/>
-                      </a:solidFill>
-                      <a:prstDash val="solid"/>
-                      <a:round/>
-                      <a:headEnd type="none" w="med" len="med"/>
-                      <a:tailEnd type="none" w="med" len="med"/>
-                    </a:lnB>
-                    <a:solidFill>
-                      <a:srgbClr val="7030A0"/>
-                    </a:solidFill>
-                  </a:tcPr>
-                </a:tc>
-                <a:extLst>
-                  <a:ext uri="{0D108BD9-81ED-4DB2-BD59-A6C34878D82A}">
-                    <a16:rowId xmlns:a16="http://schemas.microsoft.com/office/drawing/2014/main" val="2236792374"/>
-                  </a:ext>
-                </a:extLst>
-              </a:tr>
-              <a:tr h="370840">
-                <a:tc>
-                  <a:txBody>
-                    <a:bodyPr/>
-                    <a:lstStyle/>
-                    <a:p>
-                      <a:r>
-                        <a:rPr lang="hu-HU" dirty="0" smtClean="0"/>
-                        <a:t>ACL beállítás</a:t>
-                      </a:r>
-                      <a:endParaRPr lang="hu-HU" dirty="0"/>
-                    </a:p>
-                  </a:txBody>
-                  <a:tcPr>
-                    <a:lnL w="12700" cap="flat" cmpd="sng" algn="ctr">
-                      <a:solidFill>
-                        <a:schemeClr val="tx1"/>
-                      </a:solidFill>
-                      <a:prstDash val="solid"/>
-                      <a:round/>
-                      <a:headEnd type="none" w="med" len="med"/>
-                      <a:tailEnd type="none" w="med" len="med"/>
-                    </a:lnL>
-                    <a:lnR w="12700" cap="flat" cmpd="sng" algn="ctr">
-                      <a:solidFill>
-                        <a:schemeClr val="tx1"/>
-                      </a:solidFill>
-                      <a:prstDash val="solid"/>
-                      <a:round/>
-                      <a:headEnd type="none" w="med" len="med"/>
-                      <a:tailEnd type="none" w="med" len="med"/>
-                    </a:lnR>
-                    <a:lnT w="12700" cap="flat" cmpd="sng" algn="ctr">
-                      <a:solidFill>
-                        <a:schemeClr val="tx1"/>
-                      </a:solidFill>
-                      <a:prstDash val="solid"/>
-                      <a:round/>
-                      <a:headEnd type="none" w="med" len="med"/>
-                      <a:tailEnd type="none" w="med" len="med"/>
-                    </a:lnT>
-                    <a:lnB w="12700" cap="flat" cmpd="sng" algn="ctr">
-                      <a:solidFill>
-                        <a:schemeClr val="tx1"/>
-                      </a:solidFill>
-                      <a:prstDash val="solid"/>
-                      <a:round/>
-                      <a:headEnd type="none" w="med" len="med"/>
-                      <a:tailEnd type="none" w="med" len="med"/>
-                    </a:lnB>
-                    <a:solidFill>
-                      <a:srgbClr val="00B0F0"/>
-                    </a:solidFill>
-                  </a:tcPr>
-                </a:tc>
-                <a:tc>
-                  <a:txBody>
-                    <a:bodyPr/>
-                    <a:lstStyle/>
-                    <a:p>
-                      <a:r>
-                        <a:rPr lang="hu-HU" dirty="0" smtClean="0"/>
-                        <a:t>SSH konfigurálás</a:t>
-                      </a:r>
-                      <a:endParaRPr lang="hu-HU" dirty="0"/>
-                    </a:p>
-                  </a:txBody>
-                  <a:tcPr>
-                    <a:lnL w="12700" cap="flat" cmpd="sng" algn="ctr">
-                      <a:solidFill>
-                        <a:schemeClr val="tx1"/>
-                      </a:solidFill>
-                      <a:prstDash val="solid"/>
-                      <a:round/>
-                      <a:headEnd type="none" w="med" len="med"/>
-                      <a:tailEnd type="none" w="med" len="med"/>
-                    </a:lnL>
-                    <a:lnR w="12700" cap="flat" cmpd="sng" algn="ctr">
-                      <a:solidFill>
-                        <a:schemeClr val="tx1"/>
-                      </a:solidFill>
-                      <a:prstDash val="solid"/>
-                      <a:round/>
-                      <a:headEnd type="none" w="med" len="med"/>
-                      <a:tailEnd type="none" w="med" len="med"/>
-                    </a:lnR>
-                    <a:lnT w="12700" cap="flat" cmpd="sng" algn="ctr">
-                      <a:solidFill>
-                        <a:schemeClr val="tx1"/>
-                      </a:solidFill>
-                      <a:prstDash val="solid"/>
-                      <a:round/>
-                      <a:headEnd type="none" w="med" len="med"/>
-                      <a:tailEnd type="none" w="med" len="med"/>
-                    </a:lnT>
-                    <a:lnB w="12700" cap="flat" cmpd="sng" algn="ctr">
-                      <a:solidFill>
-                        <a:schemeClr val="tx1"/>
-                      </a:solidFill>
-                      <a:prstDash val="solid"/>
-                      <a:round/>
-                      <a:headEnd type="none" w="med" len="med"/>
-                      <a:tailEnd type="none" w="med" len="med"/>
-                    </a:lnB>
-                    <a:lnTlToBr w="12700" cmpd="sng">
-                      <a:noFill/>
-                      <a:prstDash val="solid"/>
-                    </a:lnTlToBr>
-                    <a:lnBlToTr w="12700" cmpd="sng">
-                      <a:noFill/>
-                      <a:prstDash val="solid"/>
-                    </a:lnBlToTr>
-                    <a:solidFill>
-                      <a:schemeClr val="accent6">
-                        <a:lumMod val="75000"/>
-                      </a:schemeClr>
-                    </a:solidFill>
-                  </a:tcPr>
-                </a:tc>
-                <a:tc>
-                  <a:txBody>
-                    <a:bodyPr/>
-                    <a:lstStyle/>
-                    <a:p>
-                      <a:endParaRPr lang="hu-HU" dirty="0"/>
-                    </a:p>
-                  </a:txBody>
-                  <a:tcPr>
-                    <a:lnL w="12700" cap="flat" cmpd="sng" algn="ctr">
-                      <a:solidFill>
-                        <a:schemeClr val="tx1"/>
-                      </a:solidFill>
-                      <a:prstDash val="solid"/>
-                      <a:round/>
-                      <a:headEnd type="none" w="med" len="med"/>
-                      <a:tailEnd type="none" w="med" len="med"/>
-                    </a:lnL>
-                    <a:lnR w="12700" cap="flat" cmpd="sng" algn="ctr">
-                      <a:solidFill>
-                        <a:schemeClr val="tx1"/>
-                      </a:solidFill>
-                      <a:prstDash val="solid"/>
-                      <a:round/>
-                      <a:headEnd type="none" w="med" len="med"/>
-                      <a:tailEnd type="none" w="med" len="med"/>
-                    </a:lnR>
-                    <a:lnT w="12700" cap="flat" cmpd="sng" algn="ctr">
-                      <a:solidFill>
-                        <a:schemeClr val="tx1"/>
-                      </a:solidFill>
-                      <a:prstDash val="solid"/>
-                      <a:round/>
-                      <a:headEnd type="none" w="med" len="med"/>
-                      <a:tailEnd type="none" w="med" len="med"/>
-                    </a:lnT>
-                    <a:lnB w="12700" cap="flat" cmpd="sng" algn="ctr">
-                      <a:solidFill>
-                        <a:schemeClr val="tx1"/>
-                      </a:solidFill>
-                      <a:prstDash val="solid"/>
-                      <a:round/>
-                      <a:headEnd type="none" w="med" len="med"/>
-                      <a:tailEnd type="none" w="med" len="med"/>
-                    </a:lnB>
-                    <a:solidFill>
-                      <a:srgbClr val="7030A0"/>
-                    </a:solidFill>
-                  </a:tcPr>
-                </a:tc>
-                <a:extLst>
-                  <a:ext uri="{0D108BD9-81ED-4DB2-BD59-A6C34878D82A}">
-                    <a16:rowId xmlns:a16="http://schemas.microsoft.com/office/drawing/2014/main" val="3996496129"/>
-                  </a:ext>
-                </a:extLst>
-              </a:tr>
-              <a:tr h="370840">
-                <a:tc>
-                  <a:txBody>
-                    <a:bodyPr/>
-                    <a:lstStyle/>
-                    <a:p>
-                      <a:r>
-                        <a:rPr lang="hu-HU" dirty="0" smtClean="0"/>
-                        <a:t>HSRP beállítás</a:t>
-                      </a:r>
-                      <a:endParaRPr lang="hu-HU" dirty="0"/>
-                    </a:p>
-                  </a:txBody>
-                  <a:tcPr>
-                    <a:lnL w="12700" cap="flat" cmpd="sng" algn="ctr">
-                      <a:solidFill>
-                        <a:schemeClr val="tx1"/>
-                      </a:solidFill>
-                      <a:prstDash val="solid"/>
-                      <a:round/>
-                      <a:headEnd type="none" w="med" len="med"/>
-                      <a:tailEnd type="none" w="med" len="med"/>
-                    </a:lnL>
-                    <a:lnR w="12700" cap="flat" cmpd="sng" algn="ctr">
-                      <a:solidFill>
-                        <a:schemeClr val="tx1"/>
-                      </a:solidFill>
-                      <a:prstDash val="solid"/>
-                      <a:round/>
-                      <a:headEnd type="none" w="med" len="med"/>
-                      <a:tailEnd type="none" w="med" len="med"/>
-                    </a:lnR>
-                    <a:lnT w="12700" cap="flat" cmpd="sng" algn="ctr">
-                      <a:solidFill>
-                        <a:schemeClr val="tx1"/>
-                      </a:solidFill>
-                      <a:prstDash val="solid"/>
-                      <a:round/>
-                      <a:headEnd type="none" w="med" len="med"/>
-                      <a:tailEnd type="none" w="med" len="med"/>
-                    </a:lnT>
-                    <a:lnB w="12700" cap="flat" cmpd="sng" algn="ctr">
-                      <a:solidFill>
-                        <a:schemeClr val="tx1"/>
-                      </a:solidFill>
-                      <a:prstDash val="solid"/>
-                      <a:round/>
-                      <a:headEnd type="none" w="med" len="med"/>
-                      <a:tailEnd type="none" w="med" len="med"/>
-                    </a:lnB>
-                    <a:solidFill>
-                      <a:srgbClr val="00B0F0"/>
-                    </a:solidFill>
-                  </a:tcPr>
-                </a:tc>
-                <a:tc>
-                  <a:txBody>
-                    <a:bodyPr/>
-                    <a:lstStyle/>
-                    <a:p>
-                      <a:r>
-                        <a:rPr lang="hu-HU" dirty="0" smtClean="0"/>
-                        <a:t>IPv4/IPv6 címzés</a:t>
-                      </a:r>
-                      <a:endParaRPr lang="hu-HU" dirty="0"/>
-                    </a:p>
-                  </a:txBody>
-                  <a:tcPr>
-                    <a:lnL w="12700" cap="flat" cmpd="sng" algn="ctr">
-                      <a:solidFill>
-                        <a:schemeClr val="tx1"/>
-                      </a:solidFill>
-                      <a:prstDash val="solid"/>
-                      <a:round/>
-                      <a:headEnd type="none" w="med" len="med"/>
-                      <a:tailEnd type="none" w="med" len="med"/>
-                    </a:lnL>
-                    <a:lnR w="12700" cap="flat" cmpd="sng" algn="ctr">
-                      <a:solidFill>
-                        <a:schemeClr val="tx1"/>
-                      </a:solidFill>
-                      <a:prstDash val="solid"/>
-                      <a:round/>
-                      <a:headEnd type="none" w="med" len="med"/>
-                      <a:tailEnd type="none" w="med" len="med"/>
-                    </a:lnR>
-                    <a:lnT w="12700" cap="flat" cmpd="sng" algn="ctr">
-                      <a:solidFill>
-                        <a:schemeClr val="tx1"/>
-                      </a:solidFill>
-                      <a:prstDash val="solid"/>
-                      <a:round/>
-                      <a:headEnd type="none" w="med" len="med"/>
-                      <a:tailEnd type="none" w="med" len="med"/>
-                    </a:lnT>
-                    <a:lnB w="12700" cap="flat" cmpd="sng" algn="ctr">
-                      <a:solidFill>
-                        <a:schemeClr val="tx1"/>
-                      </a:solidFill>
-                      <a:prstDash val="solid"/>
-                      <a:round/>
-                      <a:headEnd type="none" w="med" len="med"/>
-                      <a:tailEnd type="none" w="med" len="med"/>
-                    </a:lnB>
-                    <a:lnTlToBr w="12700" cmpd="sng">
-                      <a:noFill/>
-                      <a:prstDash val="solid"/>
-                    </a:lnTlToBr>
-                    <a:lnBlToTr w="12700" cmpd="sng">
-                      <a:noFill/>
-                      <a:prstDash val="solid"/>
-                    </a:lnBlToTr>
-                    <a:solidFill>
-                      <a:schemeClr val="accent6">
-                        <a:lumMod val="75000"/>
-                      </a:schemeClr>
-                    </a:solidFill>
-                  </a:tcPr>
-                </a:tc>
-                <a:tc>
-                  <a:txBody>
-                    <a:bodyPr/>
-                    <a:lstStyle/>
-                    <a:p>
-                      <a:endParaRPr lang="hu-HU" dirty="0"/>
-                    </a:p>
-                  </a:txBody>
-                  <a:tcPr>
-                    <a:lnL w="12700" cap="flat" cmpd="sng" algn="ctr">
-                      <a:solidFill>
-                        <a:schemeClr val="tx1"/>
-                      </a:solidFill>
-                      <a:prstDash val="solid"/>
-                      <a:round/>
-                      <a:headEnd type="none" w="med" len="med"/>
-                      <a:tailEnd type="none" w="med" len="med"/>
-                    </a:lnL>
-                    <a:lnR w="12700" cap="flat" cmpd="sng" algn="ctr">
-                      <a:solidFill>
-                        <a:schemeClr val="tx1"/>
-                      </a:solidFill>
-                      <a:prstDash val="solid"/>
-                      <a:round/>
-                      <a:headEnd type="none" w="med" len="med"/>
-                      <a:tailEnd type="none" w="med" len="med"/>
-                    </a:lnR>
-                    <a:lnT w="12700" cap="flat" cmpd="sng" algn="ctr">
-                      <a:solidFill>
-                        <a:schemeClr val="tx1"/>
-                      </a:solidFill>
-                      <a:prstDash val="solid"/>
-                      <a:round/>
-                      <a:headEnd type="none" w="med" len="med"/>
-                      <a:tailEnd type="none" w="med" len="med"/>
-                    </a:lnT>
-                    <a:lnB w="12700" cap="flat" cmpd="sng" algn="ctr">
-                      <a:solidFill>
-                        <a:schemeClr val="tx1"/>
-                      </a:solidFill>
-                      <a:prstDash val="solid"/>
-                      <a:round/>
-                      <a:headEnd type="none" w="med" len="med"/>
-                      <a:tailEnd type="none" w="med" len="med"/>
-                    </a:lnB>
-                    <a:solidFill>
-                      <a:srgbClr val="7030A0"/>
-                    </a:solidFill>
-                  </a:tcPr>
-                </a:tc>
-                <a:extLst>
-                  <a:ext uri="{0D108BD9-81ED-4DB2-BD59-A6C34878D82A}">
-                    <a16:rowId xmlns:a16="http://schemas.microsoft.com/office/drawing/2014/main" val="2878739769"/>
-                  </a:ext>
-                </a:extLst>
-              </a:tr>
-            </a:tbl>
-          </a:graphicData>
-        </a:graphic>
-      </p:graphicFrame>
-      <p:sp>
-        <p:nvSpPr>
-          <p:cNvPr id="5" name="Szövegdoboz 4"/>
-          <p:cNvSpPr txBox="1"/>
-          <p:nvPr/>
-        </p:nvSpPr>
-        <p:spPr>
-          <a:xfrm>
-            <a:off x="3500846" y="1236617"/>
-            <a:ext cx="4887877" cy="707886"/>
-          </a:xfrm>
-          <a:prstGeom prst="rect">
-            <a:avLst/>
-          </a:prstGeom>
-          <a:noFill/>
-        </p:spPr>
-        <p:txBody>
-          <a:bodyPr wrap="none" rtlCol="0">
-            <a:spAutoFit/>
-          </a:bodyPr>
-          <a:lstStyle/>
-          <a:p>
-            <a:r>
-              <a:rPr lang="hu-HU" sz="4000" dirty="0" smtClean="0"/>
-              <a:t>Feladat elosztások:</a:t>
-            </a:r>
-            <a:endParaRPr lang="hu-HU" sz="4000" dirty="0"/>
-          </a:p>
-        </p:txBody>
-      </p:sp>
-    </p:spTree>
-    <p:extLst>
-      <p:ext uri="{BB962C8B-B14F-4D97-AF65-F5344CB8AC3E}">
-        <p14:creationId xmlns:p14="http://schemas.microsoft.com/office/powerpoint/2010/main" val="885574126"/>
-      </p:ext>
-    </p:extLst>
-  </p:cSld>
-  <p:clrMapOvr>
-    <a:masterClrMapping/>
-  </p:clrMapOvr>
-  <p:transition spd="slow">
-    <p:push dir="u"/>
-  </p:transition>
-  <p:timing>
-    <p:tnLst>
-      <p:par>
-        <p:cTn id="1" dur="indefinite" restart="never" nodeType="tmRoot"/>
-      </p:par>
-    </p:tnLst>
-  </p:timing>
-</p:sld>
-</file>
-
-<file path=ppt/slides/slide20.xml><?xml version="1.0" encoding="utf-8"?>
+<file path=ppt/slides/slide22.xml><?xml version="1.0" encoding="utf-8"?>
 <p:sld xmlns:a="http://schemas.openxmlformats.org/drawingml/2006/main" xmlns:r="http://schemas.openxmlformats.org/officeDocument/2006/relationships" xmlns:p="http://schemas.openxmlformats.org/presentationml/2006/main">
   <p:cSld>
     <p:spTree>
@@ -13183,7 +13361,7 @@
 </p:sld>
 </file>
 
-<file path=ppt/slides/slide21.xml><?xml version="1.0" encoding="utf-8"?>
+<file path=ppt/slides/slide23.xml><?xml version="1.0" encoding="utf-8"?>
 <p:sld xmlns:a="http://schemas.openxmlformats.org/drawingml/2006/main" xmlns:r="http://schemas.openxmlformats.org/officeDocument/2006/relationships" xmlns:p="http://schemas.openxmlformats.org/presentationml/2006/main">
   <p:cSld>
     <p:spTree>
@@ -13289,7 +13467,7 @@
 </p:sld>
 </file>
 
-<file path=ppt/slides/slide22.xml><?xml version="1.0" encoding="utf-8"?>
+<file path=ppt/slides/slide24.xml><?xml version="1.0" encoding="utf-8"?>
 <p:sld xmlns:a="http://schemas.openxmlformats.org/drawingml/2006/main" xmlns:r="http://schemas.openxmlformats.org/officeDocument/2006/relationships" xmlns:p="http://schemas.openxmlformats.org/presentationml/2006/main">
   <p:cSld>
     <p:bg>
@@ -13337,7 +13515,7 @@
                 <a16:creationId xmlns:a16="http://schemas.microsoft.com/office/drawing/2014/main" id="{603C1FDD-3EB9-4E32-AAFF-F0872E904A7D}"/>
               </a:ext>
               <a:ext uri="{C183D7F6-B498-43B3-948B-1728B52AA6E4}">
-                <adec:decorative xmlns="" xmlns:adec="http://schemas.microsoft.com/office/drawing/2017/decorative" val="1"/>
+                <adec:decorative xmlns:adec="http://schemas.microsoft.com/office/drawing/2017/decorative" xmlns="" val="1"/>
               </a:ext>
             </a:extLst>
           </p:cNvPr>
@@ -13381,7 +13559,7 @@
                 <a16:creationId xmlns:a16="http://schemas.microsoft.com/office/drawing/2014/main" id="{B0C4B3D9-75AB-4AAB-B53A-4232B752D2F5}"/>
               </a:ext>
               <a:ext uri="{C183D7F6-B498-43B3-948B-1728B52AA6E4}">
-                <adec:decorative xmlns="" xmlns:adec="http://schemas.microsoft.com/office/drawing/2017/decorative" val="1"/>
+                <adec:decorative xmlns:adec="http://schemas.microsoft.com/office/drawing/2017/decorative" xmlns="" val="1"/>
               </a:ext>
             </a:extLst>
           </p:cNvPr>
@@ -13425,7 +13603,7 @@
                 <a16:creationId xmlns:a16="http://schemas.microsoft.com/office/drawing/2014/main" id="{1D73A963-D417-4FD9-851E-5E323F67D1BF}"/>
               </a:ext>
               <a:ext uri="{C183D7F6-B498-43B3-948B-1728B52AA6E4}">
-                <adec:decorative xmlns="" xmlns:adec="http://schemas.microsoft.com/office/drawing/2017/decorative" val="1"/>
+                <adec:decorative xmlns:adec="http://schemas.microsoft.com/office/drawing/2017/decorative" xmlns="" val="1"/>
               </a:ext>
             </a:extLst>
           </p:cNvPr>
@@ -13499,7 +13677,7 @@
                 <a16:creationId xmlns:a16="http://schemas.microsoft.com/office/drawing/2014/main" id="{72E40AAF-9C56-4002-B55E-6A255814861C}"/>
               </a:ext>
               <a:ext uri="{C183D7F6-B498-43B3-948B-1728B52AA6E4}">
-                <adec:decorative xmlns="" xmlns:adec="http://schemas.microsoft.com/office/drawing/2017/decorative" val="1"/>
+                <adec:decorative xmlns:adec="http://schemas.microsoft.com/office/drawing/2017/decorative" xmlns="" val="1"/>
               </a:ext>
             </a:extLst>
           </p:cNvPr>
@@ -13543,7 +13721,7 @@
                 <a16:creationId xmlns:a16="http://schemas.microsoft.com/office/drawing/2014/main" id="{CF4F217F-0736-44C0-9047-DD52FCA2F2A4}"/>
               </a:ext>
               <a:ext uri="{C183D7F6-B498-43B3-948B-1728B52AA6E4}">
-                <adec:decorative xmlns="" xmlns:adec="http://schemas.microsoft.com/office/drawing/2017/decorative" val="1"/>
+                <adec:decorative xmlns:adec="http://schemas.microsoft.com/office/drawing/2017/decorative" xmlns="" val="1"/>
               </a:ext>
             </a:extLst>
           </p:cNvPr>
@@ -13587,7 +13765,7 @@
                 <a16:creationId xmlns:a16="http://schemas.microsoft.com/office/drawing/2014/main" id="{2DCB6E42-3037-40F7-A351-6B952A870339}"/>
               </a:ext>
               <a:ext uri="{C183D7F6-B498-43B3-948B-1728B52AA6E4}">
-                <adec:decorative xmlns="" xmlns:adec="http://schemas.microsoft.com/office/drawing/2017/decorative" val="1"/>
+                <adec:decorative xmlns:adec="http://schemas.microsoft.com/office/drawing/2017/decorative" xmlns="" val="1"/>
               </a:ext>
             </a:extLst>
           </p:cNvPr>
@@ -13675,7 +13853,7 @@
                 <a16:creationId xmlns:a16="http://schemas.microsoft.com/office/drawing/2014/main" id="{5D4C4D9B-8464-4F80-A369-88E6980D4BA0}"/>
               </a:ext>
               <a:ext uri="{C183D7F6-B498-43B3-948B-1728B52AA6E4}">
-                <adec:decorative xmlns="" xmlns:adec="http://schemas.microsoft.com/office/drawing/2017/decorative" val="1"/>
+                <adec:decorative xmlns:adec="http://schemas.microsoft.com/office/drawing/2017/decorative" xmlns="" val="1"/>
               </a:ext>
             </a:extLst>
           </p:cNvPr>
@@ -13738,7 +13916,7 @@
                 <a16:creationId xmlns:a16="http://schemas.microsoft.com/office/drawing/2014/main" id="{D5BA1A12-370B-43EB-B7BC-87A24667ABA2}"/>
               </a:ext>
               <a:ext uri="{C183D7F6-B498-43B3-948B-1728B52AA6E4}">
-                <adec:decorative xmlns="" xmlns:adec="http://schemas.microsoft.com/office/drawing/2017/decorative" val="1"/>
+                <adec:decorative xmlns:adec="http://schemas.microsoft.com/office/drawing/2017/decorative" xmlns="" val="1"/>
               </a:ext>
             </a:extLst>
           </p:cNvPr>
@@ -14090,7 +14268,7 @@
                 <a16:creationId xmlns:a16="http://schemas.microsoft.com/office/drawing/2014/main" id="{95DBBBEB-F8DF-4794-86A8-BD884F7E6794}"/>
               </a:ext>
               <a:ext uri="{C183D7F6-B498-43B3-948B-1728B52AA6E4}">
-                <adec:decorative xmlns="" xmlns:adec="http://schemas.microsoft.com/office/drawing/2017/decorative" val="1"/>
+                <adec:decorative xmlns:adec="http://schemas.microsoft.com/office/drawing/2017/decorative" xmlns="" val="1"/>
               </a:ext>
             </a:extLst>
           </p:cNvPr>
@@ -14369,7 +14547,7 @@
 </p:sld>
 </file>
 
-<file path=ppt/slides/slide23.xml><?xml version="1.0" encoding="utf-8"?>
+<file path=ppt/slides/slide25.xml><?xml version="1.0" encoding="utf-8"?>
 <p:sld xmlns:a="http://schemas.openxmlformats.org/drawingml/2006/main" xmlns:r="http://schemas.openxmlformats.org/officeDocument/2006/relationships" xmlns:p="http://schemas.openxmlformats.org/presentationml/2006/main">
   <p:cSld>
     <p:spTree>
@@ -14490,7 +14668,7 @@
                 <a16:creationId xmlns:a16="http://schemas.microsoft.com/office/drawing/2014/main" id="{C9134821-5D8B-4373-BA74-CFE9AB35A55A}"/>
               </a:ext>
               <a:ext uri="{C183D7F6-B498-43B3-948B-1728B52AA6E4}">
-                <adec:decorative xmlns="" xmlns:adec="http://schemas.microsoft.com/office/drawing/2017/decorative" val="1"/>
+                <adec:decorative xmlns:adec="http://schemas.microsoft.com/office/drawing/2017/decorative" xmlns="" val="1"/>
               </a:ext>
             </a:extLst>
           </p:cNvPr>
@@ -14534,7 +14712,7 @@
                 <a16:creationId xmlns:a16="http://schemas.microsoft.com/office/drawing/2014/main" id="{5965195F-79F5-4911-907D-13CB3F534351}"/>
               </a:ext>
               <a:ext uri="{C183D7F6-B498-43B3-948B-1728B52AA6E4}">
-                <adec:decorative xmlns="" xmlns:adec="http://schemas.microsoft.com/office/drawing/2017/decorative" val="1"/>
+                <adec:decorative xmlns:adec="http://schemas.microsoft.com/office/drawing/2017/decorative" xmlns="" val="1"/>
               </a:ext>
             </a:extLst>
           </p:cNvPr>
@@ -14578,7 +14756,7 @@
                 <a16:creationId xmlns:a16="http://schemas.microsoft.com/office/drawing/2014/main" id="{8A610DC7-FE1B-47B9-8452-CFC389786C2D}"/>
               </a:ext>
               <a:ext uri="{C183D7F6-B498-43B3-948B-1728B52AA6E4}">
-                <adec:decorative xmlns="" xmlns:adec="http://schemas.microsoft.com/office/drawing/2017/decorative" val="1"/>
+                <adec:decorative xmlns:adec="http://schemas.microsoft.com/office/drawing/2017/decorative" xmlns="" val="1"/>
               </a:ext>
             </a:extLst>
           </p:cNvPr>
@@ -14652,7 +14830,7 @@
                 <a16:creationId xmlns:a16="http://schemas.microsoft.com/office/drawing/2014/main" id="{2742ADC1-2286-40B7-A3C6-D6C3362FA04B}"/>
               </a:ext>
               <a:ext uri="{C183D7F6-B498-43B3-948B-1728B52AA6E4}">
-                <adec:decorative xmlns="" xmlns:adec="http://schemas.microsoft.com/office/drawing/2017/decorative" val="1"/>
+                <adec:decorative xmlns:adec="http://schemas.microsoft.com/office/drawing/2017/decorative" xmlns="" val="1"/>
               </a:ext>
             </a:extLst>
           </p:cNvPr>
@@ -14696,7 +14874,7 @@
                 <a16:creationId xmlns:a16="http://schemas.microsoft.com/office/drawing/2014/main" id="{C878FBDC-78F2-4D49-8DB3-1A48CA9F7FC0}"/>
               </a:ext>
               <a:ext uri="{C183D7F6-B498-43B3-948B-1728B52AA6E4}">
-                <adec:decorative xmlns="" xmlns:adec="http://schemas.microsoft.com/office/drawing/2017/decorative" val="1"/>
+                <adec:decorative xmlns:adec="http://schemas.microsoft.com/office/drawing/2017/decorative" xmlns="" val="1"/>
               </a:ext>
             </a:extLst>
           </p:cNvPr>
@@ -14740,7 +14918,7 @@
                 <a16:creationId xmlns:a16="http://schemas.microsoft.com/office/drawing/2014/main" id="{DC9A0934-0C2C-4565-9290-A345B19BD94C}"/>
               </a:ext>
               <a:ext uri="{C183D7F6-B498-43B3-948B-1728B52AA6E4}">
-                <adec:decorative xmlns="" xmlns:adec="http://schemas.microsoft.com/office/drawing/2017/decorative" val="1"/>
+                <adec:decorative xmlns:adec="http://schemas.microsoft.com/office/drawing/2017/decorative" xmlns="" val="1"/>
               </a:ext>
             </a:extLst>
           </p:cNvPr>
@@ -14793,7 +14971,7 @@
                 <a16:creationId xmlns:a16="http://schemas.microsoft.com/office/drawing/2014/main" id="{6B42653A-00F8-40F8-9BAA-AFDE65366F65}"/>
               </a:ext>
               <a:ext uri="{C183D7F6-B498-43B3-948B-1728B52AA6E4}">
-                <adec:decorative xmlns="" xmlns:adec="http://schemas.microsoft.com/office/drawing/2017/decorative" val="1"/>
+                <adec:decorative xmlns:adec="http://schemas.microsoft.com/office/drawing/2017/decorative" xmlns="" val="1"/>
               </a:ext>
             </a:extLst>
           </p:cNvPr>
@@ -14856,7 +15034,7 @@
                 <a16:creationId xmlns:a16="http://schemas.microsoft.com/office/drawing/2014/main" id="{5D85582E-5C24-4E50-94D0-EBDFCAF82A75}"/>
               </a:ext>
               <a:ext uri="{C183D7F6-B498-43B3-948B-1728B52AA6E4}">
-                <adec:decorative xmlns="" xmlns:adec="http://schemas.microsoft.com/office/drawing/2017/decorative" val="1"/>
+                <adec:decorative xmlns:adec="http://schemas.microsoft.com/office/drawing/2017/decorative" xmlns="" val="1"/>
               </a:ext>
             </a:extLst>
           </p:cNvPr>
@@ -14909,7 +15087,7 @@
                 <a16:creationId xmlns:a16="http://schemas.microsoft.com/office/drawing/2014/main" id="{D2CF7175-D926-4ED8-BF71-C9046B886DB7}"/>
               </a:ext>
               <a:ext uri="{C183D7F6-B498-43B3-948B-1728B52AA6E4}">
-                <adec:decorative xmlns="" xmlns:adec="http://schemas.microsoft.com/office/drawing/2017/decorative" val="1"/>
+                <adec:decorative xmlns:adec="http://schemas.microsoft.com/office/drawing/2017/decorative" xmlns="" val="1"/>
               </a:ext>
             </a:extLst>
           </p:cNvPr>
@@ -15273,7 +15451,7 @@
                 <a16:creationId xmlns:a16="http://schemas.microsoft.com/office/drawing/2014/main" id="{CE21D3E3-E417-4B15-9ACE-327E9B12B423}"/>
               </a:ext>
               <a:ext uri="{C183D7F6-B498-43B3-948B-1728B52AA6E4}">
-                <adec:decorative xmlns="" xmlns:adec="http://schemas.microsoft.com/office/drawing/2017/decorative" val="1"/>
+                <adec:decorative xmlns:adec="http://schemas.microsoft.com/office/drawing/2017/decorative" xmlns="" val="1"/>
               </a:ext>
             </a:extLst>
           </p:cNvPr>
@@ -15587,7 +15765,7 @@
                 <a16:creationId xmlns:a16="http://schemas.microsoft.com/office/drawing/2014/main" id="{81E3F4E1-B084-4FFF-9627-13782BE0BE4A}"/>
               </a:ext>
               <a:ext uri="{C183D7F6-B498-43B3-948B-1728B52AA6E4}">
-                <adec:decorative xmlns="" xmlns:adec="http://schemas.microsoft.com/office/drawing/2017/decorative" val="1"/>
+                <adec:decorative xmlns:adec="http://schemas.microsoft.com/office/drawing/2017/decorative" xmlns="" val="1"/>
               </a:ext>
             </a:extLst>
           </p:cNvPr>
@@ -15703,7 +15881,7 @@
                 <a16:creationId xmlns:a16="http://schemas.microsoft.com/office/drawing/2014/main" id="{1F8051AB-C2F8-461F-812A-3E58862141B3}"/>
               </a:ext>
               <a:ext uri="{C183D7F6-B498-43B3-948B-1728B52AA6E4}">
-                <adec:decorative xmlns="" xmlns:adec="http://schemas.microsoft.com/office/drawing/2017/decorative" val="1"/>
+                <adec:decorative xmlns:adec="http://schemas.microsoft.com/office/drawing/2017/decorative" xmlns="" val="1"/>
               </a:ext>
             </a:extLst>
           </p:cNvPr>
@@ -16195,7 +16373,7 @@
                 <a16:creationId xmlns:a16="http://schemas.microsoft.com/office/drawing/2014/main" id="{481E0C28-CB2F-425F-98C5-AF23B9B704DF}"/>
               </a:ext>
               <a:ext uri="{C183D7F6-B498-43B3-948B-1728B52AA6E4}">
-                <adec:decorative xmlns="" xmlns:adec="http://schemas.microsoft.com/office/drawing/2017/decorative" val="1"/>
+                <adec:decorative xmlns:adec="http://schemas.microsoft.com/office/drawing/2017/decorative" xmlns="" val="1"/>
               </a:ext>
             </a:extLst>
           </p:cNvPr>
@@ -16547,7 +16725,7 @@
                 <a16:creationId xmlns:a16="http://schemas.microsoft.com/office/drawing/2014/main" id="{2DB2879C-F0B1-4195-A323-E97B6065A78E}"/>
               </a:ext>
               <a:ext uri="{C183D7F6-B498-43B3-948B-1728B52AA6E4}">
-                <adec:decorative xmlns="" xmlns:adec="http://schemas.microsoft.com/office/drawing/2017/decorative" val="1"/>
+                <adec:decorative xmlns:adec="http://schemas.microsoft.com/office/drawing/2017/decorative" xmlns="" val="1"/>
               </a:ext>
             </a:extLst>
           </p:cNvPr>
@@ -24878,7 +25056,7 @@
                 <a16:creationId xmlns:a16="http://schemas.microsoft.com/office/drawing/2014/main" id="{C9134821-5D8B-4373-BA74-CFE9AB35A55A}"/>
               </a:ext>
               <a:ext uri="{C183D7F6-B498-43B3-948B-1728B52AA6E4}">
-                <adec:decorative xmlns="" xmlns:adec="http://schemas.microsoft.com/office/drawing/2017/decorative" val="1"/>
+                <adec:decorative xmlns:adec="http://schemas.microsoft.com/office/drawing/2017/decorative" xmlns="" val="1"/>
               </a:ext>
             </a:extLst>
           </p:cNvPr>
@@ -24922,7 +25100,7 @@
                 <a16:creationId xmlns:a16="http://schemas.microsoft.com/office/drawing/2014/main" id="{5965195F-79F5-4911-907D-13CB3F534351}"/>
               </a:ext>
               <a:ext uri="{C183D7F6-B498-43B3-948B-1728B52AA6E4}">
-                <adec:decorative xmlns="" xmlns:adec="http://schemas.microsoft.com/office/drawing/2017/decorative" val="1"/>
+                <adec:decorative xmlns:adec="http://schemas.microsoft.com/office/drawing/2017/decorative" xmlns="" val="1"/>
               </a:ext>
             </a:extLst>
           </p:cNvPr>
@@ -24966,7 +25144,7 @@
                 <a16:creationId xmlns:a16="http://schemas.microsoft.com/office/drawing/2014/main" id="{8A610DC7-FE1B-47B9-8452-CFC389786C2D}"/>
               </a:ext>
               <a:ext uri="{C183D7F6-B498-43B3-948B-1728B52AA6E4}">
-                <adec:decorative xmlns="" xmlns:adec="http://schemas.microsoft.com/office/drawing/2017/decorative" val="1"/>
+                <adec:decorative xmlns:adec="http://schemas.microsoft.com/office/drawing/2017/decorative" xmlns="" val="1"/>
               </a:ext>
             </a:extLst>
           </p:cNvPr>
@@ -25040,7 +25218,7 @@
                 <a16:creationId xmlns:a16="http://schemas.microsoft.com/office/drawing/2014/main" id="{2742ADC1-2286-40B7-A3C6-D6C3362FA04B}"/>
               </a:ext>
               <a:ext uri="{C183D7F6-B498-43B3-948B-1728B52AA6E4}">
-                <adec:decorative xmlns="" xmlns:adec="http://schemas.microsoft.com/office/drawing/2017/decorative" val="1"/>
+                <adec:decorative xmlns:adec="http://schemas.microsoft.com/office/drawing/2017/decorative" xmlns="" val="1"/>
               </a:ext>
             </a:extLst>
           </p:cNvPr>
@@ -25084,7 +25262,7 @@
                 <a16:creationId xmlns:a16="http://schemas.microsoft.com/office/drawing/2014/main" id="{C878FBDC-78F2-4D49-8DB3-1A48CA9F7FC0}"/>
               </a:ext>
               <a:ext uri="{C183D7F6-B498-43B3-948B-1728B52AA6E4}">
-                <adec:decorative xmlns="" xmlns:adec="http://schemas.microsoft.com/office/drawing/2017/decorative" val="1"/>
+                <adec:decorative xmlns:adec="http://schemas.microsoft.com/office/drawing/2017/decorative" xmlns="" val="1"/>
               </a:ext>
             </a:extLst>
           </p:cNvPr>
@@ -25128,7 +25306,7 @@
                 <a16:creationId xmlns:a16="http://schemas.microsoft.com/office/drawing/2014/main" id="{DC9A0934-0C2C-4565-9290-A345B19BD94C}"/>
               </a:ext>
               <a:ext uri="{C183D7F6-B498-43B3-948B-1728B52AA6E4}">
-                <adec:decorative xmlns="" xmlns:adec="http://schemas.microsoft.com/office/drawing/2017/decorative" val="1"/>
+                <adec:decorative xmlns:adec="http://schemas.microsoft.com/office/drawing/2017/decorative" xmlns="" val="1"/>
               </a:ext>
             </a:extLst>
           </p:cNvPr>
@@ -25181,7 +25359,7 @@
                 <a16:creationId xmlns:a16="http://schemas.microsoft.com/office/drawing/2014/main" id="{0D4359AF-7256-4C60-9759-E796CFF40077}"/>
               </a:ext>
               <a:ext uri="{C183D7F6-B498-43B3-948B-1728B52AA6E4}">
-                <adec:decorative xmlns="" xmlns:adec="http://schemas.microsoft.com/office/drawing/2017/decorative" val="1"/>
+                <adec:decorative xmlns:adec="http://schemas.microsoft.com/office/drawing/2017/decorative" xmlns="" val="1"/>
               </a:ext>
             </a:extLst>
           </p:cNvPr>
@@ -25244,7 +25422,7 @@
                 <a16:creationId xmlns:a16="http://schemas.microsoft.com/office/drawing/2014/main" id="{340782AB-F63E-4996-ACC3-9F141BEAD44A}"/>
               </a:ext>
               <a:ext uri="{C183D7F6-B498-43B3-948B-1728B52AA6E4}">
-                <adec:decorative xmlns="" xmlns:adec="http://schemas.microsoft.com/office/drawing/2017/decorative" val="1"/>
+                <adec:decorative xmlns:adec="http://schemas.microsoft.com/office/drawing/2017/decorative" xmlns="" val="1"/>
               </a:ext>
             </a:extLst>
           </p:cNvPr>
@@ -25297,7 +25475,7 @@
                 <a16:creationId xmlns:a16="http://schemas.microsoft.com/office/drawing/2014/main" id="{EFF73443-A1E0-4E5D-8332-FD14F242237B}"/>
               </a:ext>
               <a:ext uri="{C183D7F6-B498-43B3-948B-1728B52AA6E4}">
-                <adec:decorative xmlns="" xmlns:adec="http://schemas.microsoft.com/office/drawing/2017/decorative" val="1"/>
+                <adec:decorative xmlns:adec="http://schemas.microsoft.com/office/drawing/2017/decorative" xmlns="" val="1"/>
               </a:ext>
             </a:extLst>
           </p:cNvPr>
@@ -25661,7 +25839,7 @@
                 <a16:creationId xmlns:a16="http://schemas.microsoft.com/office/drawing/2014/main" id="{8F9D937A-C73E-4D45-976D-91588160770F}"/>
               </a:ext>
               <a:ext uri="{C183D7F6-B498-43B3-948B-1728B52AA6E4}">
-                <adec:decorative xmlns="" xmlns:adec="http://schemas.microsoft.com/office/drawing/2017/decorative" val="1"/>
+                <adec:decorative xmlns:adec="http://schemas.microsoft.com/office/drawing/2017/decorative" xmlns="" val="1"/>
               </a:ext>
             </a:extLst>
           </p:cNvPr>
@@ -25721,7 +25899,7 @@
                 <a16:creationId xmlns:a16="http://schemas.microsoft.com/office/drawing/2014/main" id="{90681C35-61CA-4FDB-8327-1EFEC0462DC2}"/>
               </a:ext>
               <a:ext uri="{C183D7F6-B498-43B3-948B-1728B52AA6E4}">
-                <adec:decorative xmlns="" xmlns:adec="http://schemas.microsoft.com/office/drawing/2017/decorative" val="1"/>
+                <adec:decorative xmlns:adec="http://schemas.microsoft.com/office/drawing/2017/decorative" xmlns="" val="1"/>
               </a:ext>
             </a:extLst>
           </p:cNvPr>

--- a/Tacos KFT.pptx
+++ b/Tacos KFT.pptx
@@ -10210,7 +10210,7 @@
                 <a16:creationId xmlns:a16="http://schemas.microsoft.com/office/drawing/2014/main" id="{43D1E811-F82C-4FC0-8611-6CFC73FD9613}"/>
               </a:ext>
               <a:ext uri="{C183D7F6-B498-43B3-948B-1728B52AA6E4}">
-                <adec:decorative xmlns:adec="http://schemas.microsoft.com/office/drawing/2017/decorative" xmlns="" val="1"/>
+                <adec:decorative xmlns="" xmlns:adec="http://schemas.microsoft.com/office/drawing/2017/decorative" val="1"/>
               </a:ext>
             </a:extLst>
           </p:cNvPr>
@@ -10254,7 +10254,7 @@
                 <a16:creationId xmlns:a16="http://schemas.microsoft.com/office/drawing/2014/main" id="{AAC6183A-13DD-465B-9338-4D7F5D52394F}"/>
               </a:ext>
               <a:ext uri="{C183D7F6-B498-43B3-948B-1728B52AA6E4}">
-                <adec:decorative xmlns:adec="http://schemas.microsoft.com/office/drawing/2017/decorative" xmlns="" val="1"/>
+                <adec:decorative xmlns="" xmlns:adec="http://schemas.microsoft.com/office/drawing/2017/decorative" val="1"/>
               </a:ext>
             </a:extLst>
           </p:cNvPr>
@@ -10298,7 +10298,7 @@
                 <a16:creationId xmlns:a16="http://schemas.microsoft.com/office/drawing/2014/main" id="{15BF20A1-7C3A-4BEC-BE35-8AA3E9F011CA}"/>
               </a:ext>
               <a:ext uri="{C183D7F6-B498-43B3-948B-1728B52AA6E4}">
-                <adec:decorative xmlns:adec="http://schemas.microsoft.com/office/drawing/2017/decorative" xmlns="" val="1"/>
+                <adec:decorative xmlns="" xmlns:adec="http://schemas.microsoft.com/office/drawing/2017/decorative" val="1"/>
               </a:ext>
             </a:extLst>
           </p:cNvPr>
@@ -10372,7 +10372,7 @@
                 <a16:creationId xmlns:a16="http://schemas.microsoft.com/office/drawing/2014/main" id="{46D3BD4A-EBCB-4B8A-BA9C-A6927EB621A0}"/>
               </a:ext>
               <a:ext uri="{C183D7F6-B498-43B3-948B-1728B52AA6E4}">
-                <adec:decorative xmlns:adec="http://schemas.microsoft.com/office/drawing/2017/decorative" xmlns="" val="1"/>
+                <adec:decorative xmlns="" xmlns:adec="http://schemas.microsoft.com/office/drawing/2017/decorative" val="1"/>
               </a:ext>
             </a:extLst>
           </p:cNvPr>
@@ -10416,7 +10416,7 @@
                 <a16:creationId xmlns:a16="http://schemas.microsoft.com/office/drawing/2014/main" id="{F483E078-4237-4FFA-8437-F7E6C799F7BE}"/>
               </a:ext>
               <a:ext uri="{C183D7F6-B498-43B3-948B-1728B52AA6E4}">
-                <adec:decorative xmlns:adec="http://schemas.microsoft.com/office/drawing/2017/decorative" xmlns="" val="1"/>
+                <adec:decorative xmlns="" xmlns:adec="http://schemas.microsoft.com/office/drawing/2017/decorative" val="1"/>
               </a:ext>
             </a:extLst>
           </p:cNvPr>
@@ -10460,7 +10460,7 @@
                 <a16:creationId xmlns:a16="http://schemas.microsoft.com/office/drawing/2014/main" id="{7FDEDC12-69DE-40B2-9801-E7FFEC7C1727}"/>
               </a:ext>
               <a:ext uri="{C183D7F6-B498-43B3-948B-1728B52AA6E4}">
-                <adec:decorative xmlns:adec="http://schemas.microsoft.com/office/drawing/2017/decorative" xmlns="" val="1"/>
+                <adec:decorative xmlns="" xmlns:adec="http://schemas.microsoft.com/office/drawing/2017/decorative" val="1"/>
               </a:ext>
             </a:extLst>
           </p:cNvPr>
@@ -11330,6 +11330,36 @@
           </a:p>
         </p:txBody>
       </p:sp>
+      <p:pic>
+        <p:nvPicPr>
+          <p:cNvPr id="4" name="Kép 3"/>
+          <p:cNvPicPr>
+            <a:picLocks noChangeAspect="1"/>
+          </p:cNvPicPr>
+          <p:nvPr/>
+        </p:nvPicPr>
+        <p:blipFill>
+          <a:blip r:embed="rId2">
+            <a:extLst>
+              <a:ext uri="{28A0092B-C50C-407E-A947-70E740481C1C}">
+                <a14:useLocalDpi xmlns:a14="http://schemas.microsoft.com/office/drawing/2010/main" val="0"/>
+              </a:ext>
+            </a:extLst>
+          </a:blip>
+          <a:stretch>
+            <a:fillRect/>
+          </a:stretch>
+        </p:blipFill>
+        <p:spPr>
+          <a:xfrm>
+            <a:off x="7081158" y="3450772"/>
+            <a:ext cx="5110842" cy="3407228"/>
+          </a:xfrm>
+          <a:prstGeom prst="rect">
+            <a:avLst/>
+          </a:prstGeom>
+        </p:spPr>
+      </p:pic>
     </p:spTree>
     <p:extLst>
       <p:ext uri="{BB962C8B-B14F-4D97-AF65-F5344CB8AC3E}">
@@ -11414,6 +11444,36 @@
           </a:p>
         </p:txBody>
       </p:sp>
+      <p:pic>
+        <p:nvPicPr>
+          <p:cNvPr id="5" name="Kép 4"/>
+          <p:cNvPicPr>
+            <a:picLocks noChangeAspect="1"/>
+          </p:cNvPicPr>
+          <p:nvPr/>
+        </p:nvPicPr>
+        <p:blipFill>
+          <a:blip r:embed="rId2">
+            <a:extLst>
+              <a:ext uri="{28A0092B-C50C-407E-A947-70E740481C1C}">
+                <a14:useLocalDpi xmlns:a14="http://schemas.microsoft.com/office/drawing/2010/main" val="0"/>
+              </a:ext>
+            </a:extLst>
+          </a:blip>
+          <a:stretch>
+            <a:fillRect/>
+          </a:stretch>
+        </p:blipFill>
+        <p:spPr>
+          <a:xfrm>
+            <a:off x="8342811" y="2810692"/>
+            <a:ext cx="4047308" cy="4047308"/>
+          </a:xfrm>
+          <a:prstGeom prst="rect">
+            <a:avLst/>
+          </a:prstGeom>
+        </p:spPr>
+      </p:pic>
     </p:spTree>
     <p:extLst>
       <p:ext uri="{BB962C8B-B14F-4D97-AF65-F5344CB8AC3E}">
@@ -13515,7 +13575,7 @@
                 <a16:creationId xmlns:a16="http://schemas.microsoft.com/office/drawing/2014/main" id="{603C1FDD-3EB9-4E32-AAFF-F0872E904A7D}"/>
               </a:ext>
               <a:ext uri="{C183D7F6-B498-43B3-948B-1728B52AA6E4}">
-                <adec:decorative xmlns:adec="http://schemas.microsoft.com/office/drawing/2017/decorative" xmlns="" val="1"/>
+                <adec:decorative xmlns="" xmlns:adec="http://schemas.microsoft.com/office/drawing/2017/decorative" val="1"/>
               </a:ext>
             </a:extLst>
           </p:cNvPr>
@@ -13559,7 +13619,7 @@
                 <a16:creationId xmlns:a16="http://schemas.microsoft.com/office/drawing/2014/main" id="{B0C4B3D9-75AB-4AAB-B53A-4232B752D2F5}"/>
               </a:ext>
               <a:ext uri="{C183D7F6-B498-43B3-948B-1728B52AA6E4}">
-                <adec:decorative xmlns:adec="http://schemas.microsoft.com/office/drawing/2017/decorative" xmlns="" val="1"/>
+                <adec:decorative xmlns="" xmlns:adec="http://schemas.microsoft.com/office/drawing/2017/decorative" val="1"/>
               </a:ext>
             </a:extLst>
           </p:cNvPr>
@@ -13603,7 +13663,7 @@
                 <a16:creationId xmlns:a16="http://schemas.microsoft.com/office/drawing/2014/main" id="{1D73A963-D417-4FD9-851E-5E323F67D1BF}"/>
               </a:ext>
               <a:ext uri="{C183D7F6-B498-43B3-948B-1728B52AA6E4}">
-                <adec:decorative xmlns:adec="http://schemas.microsoft.com/office/drawing/2017/decorative" xmlns="" val="1"/>
+                <adec:decorative xmlns="" xmlns:adec="http://schemas.microsoft.com/office/drawing/2017/decorative" val="1"/>
               </a:ext>
             </a:extLst>
           </p:cNvPr>
@@ -13677,7 +13737,7 @@
                 <a16:creationId xmlns:a16="http://schemas.microsoft.com/office/drawing/2014/main" id="{72E40AAF-9C56-4002-B55E-6A255814861C}"/>
               </a:ext>
               <a:ext uri="{C183D7F6-B498-43B3-948B-1728B52AA6E4}">
-                <adec:decorative xmlns:adec="http://schemas.microsoft.com/office/drawing/2017/decorative" xmlns="" val="1"/>
+                <adec:decorative xmlns="" xmlns:adec="http://schemas.microsoft.com/office/drawing/2017/decorative" val="1"/>
               </a:ext>
             </a:extLst>
           </p:cNvPr>
@@ -13721,7 +13781,7 @@
                 <a16:creationId xmlns:a16="http://schemas.microsoft.com/office/drawing/2014/main" id="{CF4F217F-0736-44C0-9047-DD52FCA2F2A4}"/>
               </a:ext>
               <a:ext uri="{C183D7F6-B498-43B3-948B-1728B52AA6E4}">
-                <adec:decorative xmlns:adec="http://schemas.microsoft.com/office/drawing/2017/decorative" xmlns="" val="1"/>
+                <adec:decorative xmlns="" xmlns:adec="http://schemas.microsoft.com/office/drawing/2017/decorative" val="1"/>
               </a:ext>
             </a:extLst>
           </p:cNvPr>
@@ -13765,7 +13825,7 @@
                 <a16:creationId xmlns:a16="http://schemas.microsoft.com/office/drawing/2014/main" id="{2DCB6E42-3037-40F7-A351-6B952A870339}"/>
               </a:ext>
               <a:ext uri="{C183D7F6-B498-43B3-948B-1728B52AA6E4}">
-                <adec:decorative xmlns:adec="http://schemas.microsoft.com/office/drawing/2017/decorative" xmlns="" val="1"/>
+                <adec:decorative xmlns="" xmlns:adec="http://schemas.microsoft.com/office/drawing/2017/decorative" val="1"/>
               </a:ext>
             </a:extLst>
           </p:cNvPr>
@@ -13853,7 +13913,7 @@
                 <a16:creationId xmlns:a16="http://schemas.microsoft.com/office/drawing/2014/main" id="{5D4C4D9B-8464-4F80-A369-88E6980D4BA0}"/>
               </a:ext>
               <a:ext uri="{C183D7F6-B498-43B3-948B-1728B52AA6E4}">
-                <adec:decorative xmlns:adec="http://schemas.microsoft.com/office/drawing/2017/decorative" xmlns="" val="1"/>
+                <adec:decorative xmlns="" xmlns:adec="http://schemas.microsoft.com/office/drawing/2017/decorative" val="1"/>
               </a:ext>
             </a:extLst>
           </p:cNvPr>
@@ -13916,7 +13976,7 @@
                 <a16:creationId xmlns:a16="http://schemas.microsoft.com/office/drawing/2014/main" id="{D5BA1A12-370B-43EB-B7BC-87A24667ABA2}"/>
               </a:ext>
               <a:ext uri="{C183D7F6-B498-43B3-948B-1728B52AA6E4}">
-                <adec:decorative xmlns:adec="http://schemas.microsoft.com/office/drawing/2017/decorative" xmlns="" val="1"/>
+                <adec:decorative xmlns="" xmlns:adec="http://schemas.microsoft.com/office/drawing/2017/decorative" val="1"/>
               </a:ext>
             </a:extLst>
           </p:cNvPr>
@@ -14268,7 +14328,7 @@
                 <a16:creationId xmlns:a16="http://schemas.microsoft.com/office/drawing/2014/main" id="{95DBBBEB-F8DF-4794-86A8-BD884F7E6794}"/>
               </a:ext>
               <a:ext uri="{C183D7F6-B498-43B3-948B-1728B52AA6E4}">
-                <adec:decorative xmlns:adec="http://schemas.microsoft.com/office/drawing/2017/decorative" xmlns="" val="1"/>
+                <adec:decorative xmlns="" xmlns:adec="http://schemas.microsoft.com/office/drawing/2017/decorative" val="1"/>
               </a:ext>
             </a:extLst>
           </p:cNvPr>
@@ -14668,7 +14728,7 @@
                 <a16:creationId xmlns:a16="http://schemas.microsoft.com/office/drawing/2014/main" id="{C9134821-5D8B-4373-BA74-CFE9AB35A55A}"/>
               </a:ext>
               <a:ext uri="{C183D7F6-B498-43B3-948B-1728B52AA6E4}">
-                <adec:decorative xmlns:adec="http://schemas.microsoft.com/office/drawing/2017/decorative" xmlns="" val="1"/>
+                <adec:decorative xmlns="" xmlns:adec="http://schemas.microsoft.com/office/drawing/2017/decorative" val="1"/>
               </a:ext>
             </a:extLst>
           </p:cNvPr>
@@ -14712,7 +14772,7 @@
                 <a16:creationId xmlns:a16="http://schemas.microsoft.com/office/drawing/2014/main" id="{5965195F-79F5-4911-907D-13CB3F534351}"/>
               </a:ext>
               <a:ext uri="{C183D7F6-B498-43B3-948B-1728B52AA6E4}">
-                <adec:decorative xmlns:adec="http://schemas.microsoft.com/office/drawing/2017/decorative" xmlns="" val="1"/>
+                <adec:decorative xmlns="" xmlns:adec="http://schemas.microsoft.com/office/drawing/2017/decorative" val="1"/>
               </a:ext>
             </a:extLst>
           </p:cNvPr>
@@ -14756,7 +14816,7 @@
                 <a16:creationId xmlns:a16="http://schemas.microsoft.com/office/drawing/2014/main" id="{8A610DC7-FE1B-47B9-8452-CFC389786C2D}"/>
               </a:ext>
               <a:ext uri="{C183D7F6-B498-43B3-948B-1728B52AA6E4}">
-                <adec:decorative xmlns:adec="http://schemas.microsoft.com/office/drawing/2017/decorative" xmlns="" val="1"/>
+                <adec:decorative xmlns="" xmlns:adec="http://schemas.microsoft.com/office/drawing/2017/decorative" val="1"/>
               </a:ext>
             </a:extLst>
           </p:cNvPr>
@@ -14830,7 +14890,7 @@
                 <a16:creationId xmlns:a16="http://schemas.microsoft.com/office/drawing/2014/main" id="{2742ADC1-2286-40B7-A3C6-D6C3362FA04B}"/>
               </a:ext>
               <a:ext uri="{C183D7F6-B498-43B3-948B-1728B52AA6E4}">
-                <adec:decorative xmlns:adec="http://schemas.microsoft.com/office/drawing/2017/decorative" xmlns="" val="1"/>
+                <adec:decorative xmlns="" xmlns:adec="http://schemas.microsoft.com/office/drawing/2017/decorative" val="1"/>
               </a:ext>
             </a:extLst>
           </p:cNvPr>
@@ -14874,7 +14934,7 @@
                 <a16:creationId xmlns:a16="http://schemas.microsoft.com/office/drawing/2014/main" id="{C878FBDC-78F2-4D49-8DB3-1A48CA9F7FC0}"/>
               </a:ext>
               <a:ext uri="{C183D7F6-B498-43B3-948B-1728B52AA6E4}">
-                <adec:decorative xmlns:adec="http://schemas.microsoft.com/office/drawing/2017/decorative" xmlns="" val="1"/>
+                <adec:decorative xmlns="" xmlns:adec="http://schemas.microsoft.com/office/drawing/2017/decorative" val="1"/>
               </a:ext>
             </a:extLst>
           </p:cNvPr>
@@ -14918,7 +14978,7 @@
                 <a16:creationId xmlns:a16="http://schemas.microsoft.com/office/drawing/2014/main" id="{DC9A0934-0C2C-4565-9290-A345B19BD94C}"/>
               </a:ext>
               <a:ext uri="{C183D7F6-B498-43B3-948B-1728B52AA6E4}">
-                <adec:decorative xmlns:adec="http://schemas.microsoft.com/office/drawing/2017/decorative" xmlns="" val="1"/>
+                <adec:decorative xmlns="" xmlns:adec="http://schemas.microsoft.com/office/drawing/2017/decorative" val="1"/>
               </a:ext>
             </a:extLst>
           </p:cNvPr>
@@ -14971,7 +15031,7 @@
                 <a16:creationId xmlns:a16="http://schemas.microsoft.com/office/drawing/2014/main" id="{6B42653A-00F8-40F8-9BAA-AFDE65366F65}"/>
               </a:ext>
               <a:ext uri="{C183D7F6-B498-43B3-948B-1728B52AA6E4}">
-                <adec:decorative xmlns:adec="http://schemas.microsoft.com/office/drawing/2017/decorative" xmlns="" val="1"/>
+                <adec:decorative xmlns="" xmlns:adec="http://schemas.microsoft.com/office/drawing/2017/decorative" val="1"/>
               </a:ext>
             </a:extLst>
           </p:cNvPr>
@@ -15034,7 +15094,7 @@
                 <a16:creationId xmlns:a16="http://schemas.microsoft.com/office/drawing/2014/main" id="{5D85582E-5C24-4E50-94D0-EBDFCAF82A75}"/>
               </a:ext>
               <a:ext uri="{C183D7F6-B498-43B3-948B-1728B52AA6E4}">
-                <adec:decorative xmlns:adec="http://schemas.microsoft.com/office/drawing/2017/decorative" xmlns="" val="1"/>
+                <adec:decorative xmlns="" xmlns:adec="http://schemas.microsoft.com/office/drawing/2017/decorative" val="1"/>
               </a:ext>
             </a:extLst>
           </p:cNvPr>
@@ -15087,7 +15147,7 @@
                 <a16:creationId xmlns:a16="http://schemas.microsoft.com/office/drawing/2014/main" id="{D2CF7175-D926-4ED8-BF71-C9046B886DB7}"/>
               </a:ext>
               <a:ext uri="{C183D7F6-B498-43B3-948B-1728B52AA6E4}">
-                <adec:decorative xmlns:adec="http://schemas.microsoft.com/office/drawing/2017/decorative" xmlns="" val="1"/>
+                <adec:decorative xmlns="" xmlns:adec="http://schemas.microsoft.com/office/drawing/2017/decorative" val="1"/>
               </a:ext>
             </a:extLst>
           </p:cNvPr>
@@ -15451,7 +15511,7 @@
                 <a16:creationId xmlns:a16="http://schemas.microsoft.com/office/drawing/2014/main" id="{CE21D3E3-E417-4B15-9ACE-327E9B12B423}"/>
               </a:ext>
               <a:ext uri="{C183D7F6-B498-43B3-948B-1728B52AA6E4}">
-                <adec:decorative xmlns:adec="http://schemas.microsoft.com/office/drawing/2017/decorative" xmlns="" val="1"/>
+                <adec:decorative xmlns="" xmlns:adec="http://schemas.microsoft.com/office/drawing/2017/decorative" val="1"/>
               </a:ext>
             </a:extLst>
           </p:cNvPr>
@@ -15765,7 +15825,7 @@
                 <a16:creationId xmlns:a16="http://schemas.microsoft.com/office/drawing/2014/main" id="{81E3F4E1-B084-4FFF-9627-13782BE0BE4A}"/>
               </a:ext>
               <a:ext uri="{C183D7F6-B498-43B3-948B-1728B52AA6E4}">
-                <adec:decorative xmlns:adec="http://schemas.microsoft.com/office/drawing/2017/decorative" xmlns="" val="1"/>
+                <adec:decorative xmlns="" xmlns:adec="http://schemas.microsoft.com/office/drawing/2017/decorative" val="1"/>
               </a:ext>
             </a:extLst>
           </p:cNvPr>
@@ -15881,7 +15941,7 @@
                 <a16:creationId xmlns:a16="http://schemas.microsoft.com/office/drawing/2014/main" id="{1F8051AB-C2F8-461F-812A-3E58862141B3}"/>
               </a:ext>
               <a:ext uri="{C183D7F6-B498-43B3-948B-1728B52AA6E4}">
-                <adec:decorative xmlns:adec="http://schemas.microsoft.com/office/drawing/2017/decorative" xmlns="" val="1"/>
+                <adec:decorative xmlns="" xmlns:adec="http://schemas.microsoft.com/office/drawing/2017/decorative" val="1"/>
               </a:ext>
             </a:extLst>
           </p:cNvPr>
@@ -16373,7 +16433,7 @@
                 <a16:creationId xmlns:a16="http://schemas.microsoft.com/office/drawing/2014/main" id="{481E0C28-CB2F-425F-98C5-AF23B9B704DF}"/>
               </a:ext>
               <a:ext uri="{C183D7F6-B498-43B3-948B-1728B52AA6E4}">
-                <adec:decorative xmlns:adec="http://schemas.microsoft.com/office/drawing/2017/decorative" xmlns="" val="1"/>
+                <adec:decorative xmlns="" xmlns:adec="http://schemas.microsoft.com/office/drawing/2017/decorative" val="1"/>
               </a:ext>
             </a:extLst>
           </p:cNvPr>
@@ -16725,7 +16785,7 @@
                 <a16:creationId xmlns:a16="http://schemas.microsoft.com/office/drawing/2014/main" id="{2DB2879C-F0B1-4195-A323-E97B6065A78E}"/>
               </a:ext>
               <a:ext uri="{C183D7F6-B498-43B3-948B-1728B52AA6E4}">
-                <adec:decorative xmlns:adec="http://schemas.microsoft.com/office/drawing/2017/decorative" xmlns="" val="1"/>
+                <adec:decorative xmlns="" xmlns:adec="http://schemas.microsoft.com/office/drawing/2017/decorative" val="1"/>
               </a:ext>
             </a:extLst>
           </p:cNvPr>
@@ -25056,7 +25116,7 @@
                 <a16:creationId xmlns:a16="http://schemas.microsoft.com/office/drawing/2014/main" id="{C9134821-5D8B-4373-BA74-CFE9AB35A55A}"/>
               </a:ext>
               <a:ext uri="{C183D7F6-B498-43B3-948B-1728B52AA6E4}">
-                <adec:decorative xmlns:adec="http://schemas.microsoft.com/office/drawing/2017/decorative" xmlns="" val="1"/>
+                <adec:decorative xmlns="" xmlns:adec="http://schemas.microsoft.com/office/drawing/2017/decorative" val="1"/>
               </a:ext>
             </a:extLst>
           </p:cNvPr>
@@ -25100,7 +25160,7 @@
                 <a16:creationId xmlns:a16="http://schemas.microsoft.com/office/drawing/2014/main" id="{5965195F-79F5-4911-907D-13CB3F534351}"/>
               </a:ext>
               <a:ext uri="{C183D7F6-B498-43B3-948B-1728B52AA6E4}">
-                <adec:decorative xmlns:adec="http://schemas.microsoft.com/office/drawing/2017/decorative" xmlns="" val="1"/>
+                <adec:decorative xmlns="" xmlns:adec="http://schemas.microsoft.com/office/drawing/2017/decorative" val="1"/>
               </a:ext>
             </a:extLst>
           </p:cNvPr>
@@ -25144,7 +25204,7 @@
                 <a16:creationId xmlns:a16="http://schemas.microsoft.com/office/drawing/2014/main" id="{8A610DC7-FE1B-47B9-8452-CFC389786C2D}"/>
               </a:ext>
               <a:ext uri="{C183D7F6-B498-43B3-948B-1728B52AA6E4}">
-                <adec:decorative xmlns:adec="http://schemas.microsoft.com/office/drawing/2017/decorative" xmlns="" val="1"/>
+                <adec:decorative xmlns="" xmlns:adec="http://schemas.microsoft.com/office/drawing/2017/decorative" val="1"/>
               </a:ext>
             </a:extLst>
           </p:cNvPr>
@@ -25218,7 +25278,7 @@
                 <a16:creationId xmlns:a16="http://schemas.microsoft.com/office/drawing/2014/main" id="{2742ADC1-2286-40B7-A3C6-D6C3362FA04B}"/>
               </a:ext>
               <a:ext uri="{C183D7F6-B498-43B3-948B-1728B52AA6E4}">
-                <adec:decorative xmlns:adec="http://schemas.microsoft.com/office/drawing/2017/decorative" xmlns="" val="1"/>
+                <adec:decorative xmlns="" xmlns:adec="http://schemas.microsoft.com/office/drawing/2017/decorative" val="1"/>
               </a:ext>
             </a:extLst>
           </p:cNvPr>
@@ -25262,7 +25322,7 @@
                 <a16:creationId xmlns:a16="http://schemas.microsoft.com/office/drawing/2014/main" id="{C878FBDC-78F2-4D49-8DB3-1A48CA9F7FC0}"/>
               </a:ext>
               <a:ext uri="{C183D7F6-B498-43B3-948B-1728B52AA6E4}">
-                <adec:decorative xmlns:adec="http://schemas.microsoft.com/office/drawing/2017/decorative" xmlns="" val="1"/>
+                <adec:decorative xmlns="" xmlns:adec="http://schemas.microsoft.com/office/drawing/2017/decorative" val="1"/>
               </a:ext>
             </a:extLst>
           </p:cNvPr>
@@ -25306,7 +25366,7 @@
                 <a16:creationId xmlns:a16="http://schemas.microsoft.com/office/drawing/2014/main" id="{DC9A0934-0C2C-4565-9290-A345B19BD94C}"/>
               </a:ext>
               <a:ext uri="{C183D7F6-B498-43B3-948B-1728B52AA6E4}">
-                <adec:decorative xmlns:adec="http://schemas.microsoft.com/office/drawing/2017/decorative" xmlns="" val="1"/>
+                <adec:decorative xmlns="" xmlns:adec="http://schemas.microsoft.com/office/drawing/2017/decorative" val="1"/>
               </a:ext>
             </a:extLst>
           </p:cNvPr>
@@ -25359,7 +25419,7 @@
                 <a16:creationId xmlns:a16="http://schemas.microsoft.com/office/drawing/2014/main" id="{0D4359AF-7256-4C60-9759-E796CFF40077}"/>
               </a:ext>
               <a:ext uri="{C183D7F6-B498-43B3-948B-1728B52AA6E4}">
-                <adec:decorative xmlns:adec="http://schemas.microsoft.com/office/drawing/2017/decorative" xmlns="" val="1"/>
+                <adec:decorative xmlns="" xmlns:adec="http://schemas.microsoft.com/office/drawing/2017/decorative" val="1"/>
               </a:ext>
             </a:extLst>
           </p:cNvPr>
@@ -25422,7 +25482,7 @@
                 <a16:creationId xmlns:a16="http://schemas.microsoft.com/office/drawing/2014/main" id="{340782AB-F63E-4996-ACC3-9F141BEAD44A}"/>
               </a:ext>
               <a:ext uri="{C183D7F6-B498-43B3-948B-1728B52AA6E4}">
-                <adec:decorative xmlns:adec="http://schemas.microsoft.com/office/drawing/2017/decorative" xmlns="" val="1"/>
+                <adec:decorative xmlns="" xmlns:adec="http://schemas.microsoft.com/office/drawing/2017/decorative" val="1"/>
               </a:ext>
             </a:extLst>
           </p:cNvPr>
@@ -25475,7 +25535,7 @@
                 <a16:creationId xmlns:a16="http://schemas.microsoft.com/office/drawing/2014/main" id="{EFF73443-A1E0-4E5D-8332-FD14F242237B}"/>
               </a:ext>
               <a:ext uri="{C183D7F6-B498-43B3-948B-1728B52AA6E4}">
-                <adec:decorative xmlns:adec="http://schemas.microsoft.com/office/drawing/2017/decorative" xmlns="" val="1"/>
+                <adec:decorative xmlns="" xmlns:adec="http://schemas.microsoft.com/office/drawing/2017/decorative" val="1"/>
               </a:ext>
             </a:extLst>
           </p:cNvPr>
@@ -25839,7 +25899,7 @@
                 <a16:creationId xmlns:a16="http://schemas.microsoft.com/office/drawing/2014/main" id="{8F9D937A-C73E-4D45-976D-91588160770F}"/>
               </a:ext>
               <a:ext uri="{C183D7F6-B498-43B3-948B-1728B52AA6E4}">
-                <adec:decorative xmlns:adec="http://schemas.microsoft.com/office/drawing/2017/decorative" xmlns="" val="1"/>
+                <adec:decorative xmlns="" xmlns:adec="http://schemas.microsoft.com/office/drawing/2017/decorative" val="1"/>
               </a:ext>
             </a:extLst>
           </p:cNvPr>
@@ -25899,7 +25959,7 @@
                 <a16:creationId xmlns:a16="http://schemas.microsoft.com/office/drawing/2014/main" id="{90681C35-61CA-4FDB-8327-1EFEC0462DC2}"/>
               </a:ext>
               <a:ext uri="{C183D7F6-B498-43B3-948B-1728B52AA6E4}">
-                <adec:decorative xmlns:adec="http://schemas.microsoft.com/office/drawing/2017/decorative" xmlns="" val="1"/>
+                <adec:decorative xmlns="" xmlns:adec="http://schemas.microsoft.com/office/drawing/2017/decorative" val="1"/>
               </a:ext>
             </a:extLst>
           </p:cNvPr>

--- a/Tacos KFT.pptx
+++ b/Tacos KFT.pptx
@@ -9705,7 +9705,7 @@
         </p:blipFill>
         <p:spPr>
           <a:xfrm>
-            <a:off x="124743" y="2591781"/>
+            <a:off x="2817" y="2591781"/>
             <a:ext cx="5369942" cy="2049926"/>
           </a:xfrm>
         </p:spPr>
@@ -9738,7 +9738,7 @@
         </p:blipFill>
         <p:spPr>
           <a:xfrm>
-            <a:off x="6574561" y="2642581"/>
+            <a:off x="6670359" y="2642581"/>
             <a:ext cx="5749248" cy="1938166"/>
           </a:xfrm>
           <a:prstGeom prst="rect">
@@ -9760,7 +9760,7 @@
         </p:nvSpPr>
         <p:spPr>
           <a:xfrm>
-            <a:off x="1128795" y="1842390"/>
+            <a:off x="963329" y="1842390"/>
             <a:ext cx="3358836" cy="584775"/>
           </a:xfrm>
           <a:prstGeom prst="rect">
@@ -9795,7 +9795,7 @@
         </p:nvSpPr>
         <p:spPr>
           <a:xfrm>
-            <a:off x="7259751" y="2139207"/>
+            <a:off x="7451345" y="1851824"/>
             <a:ext cx="2933323" cy="584775"/>
           </a:xfrm>
           <a:prstGeom prst="rect">
@@ -10210,7 +10210,7 @@
                 <a16:creationId xmlns:a16="http://schemas.microsoft.com/office/drawing/2014/main" id="{43D1E811-F82C-4FC0-8611-6CFC73FD9613}"/>
               </a:ext>
               <a:ext uri="{C183D7F6-B498-43B3-948B-1728B52AA6E4}">
-                <adec:decorative xmlns="" xmlns:adec="http://schemas.microsoft.com/office/drawing/2017/decorative" val="1"/>
+                <adec:decorative xmlns:adec="http://schemas.microsoft.com/office/drawing/2017/decorative" xmlns="" val="1"/>
               </a:ext>
             </a:extLst>
           </p:cNvPr>
@@ -10254,7 +10254,7 @@
                 <a16:creationId xmlns:a16="http://schemas.microsoft.com/office/drawing/2014/main" id="{AAC6183A-13DD-465B-9338-4D7F5D52394F}"/>
               </a:ext>
               <a:ext uri="{C183D7F6-B498-43B3-948B-1728B52AA6E4}">
-                <adec:decorative xmlns="" xmlns:adec="http://schemas.microsoft.com/office/drawing/2017/decorative" val="1"/>
+                <adec:decorative xmlns:adec="http://schemas.microsoft.com/office/drawing/2017/decorative" xmlns="" val="1"/>
               </a:ext>
             </a:extLst>
           </p:cNvPr>
@@ -10298,7 +10298,7 @@
                 <a16:creationId xmlns:a16="http://schemas.microsoft.com/office/drawing/2014/main" id="{15BF20A1-7C3A-4BEC-BE35-8AA3E9F011CA}"/>
               </a:ext>
               <a:ext uri="{C183D7F6-B498-43B3-948B-1728B52AA6E4}">
-                <adec:decorative xmlns="" xmlns:adec="http://schemas.microsoft.com/office/drawing/2017/decorative" val="1"/>
+                <adec:decorative xmlns:adec="http://schemas.microsoft.com/office/drawing/2017/decorative" xmlns="" val="1"/>
               </a:ext>
             </a:extLst>
           </p:cNvPr>
@@ -10372,7 +10372,7 @@
                 <a16:creationId xmlns:a16="http://schemas.microsoft.com/office/drawing/2014/main" id="{46D3BD4A-EBCB-4B8A-BA9C-A6927EB621A0}"/>
               </a:ext>
               <a:ext uri="{C183D7F6-B498-43B3-948B-1728B52AA6E4}">
-                <adec:decorative xmlns="" xmlns:adec="http://schemas.microsoft.com/office/drawing/2017/decorative" val="1"/>
+                <adec:decorative xmlns:adec="http://schemas.microsoft.com/office/drawing/2017/decorative" xmlns="" val="1"/>
               </a:ext>
             </a:extLst>
           </p:cNvPr>
@@ -10416,7 +10416,7 @@
                 <a16:creationId xmlns:a16="http://schemas.microsoft.com/office/drawing/2014/main" id="{F483E078-4237-4FFA-8437-F7E6C799F7BE}"/>
               </a:ext>
               <a:ext uri="{C183D7F6-B498-43B3-948B-1728B52AA6E4}">
-                <adec:decorative xmlns="" xmlns:adec="http://schemas.microsoft.com/office/drawing/2017/decorative" val="1"/>
+                <adec:decorative xmlns:adec="http://schemas.microsoft.com/office/drawing/2017/decorative" xmlns="" val="1"/>
               </a:ext>
             </a:extLst>
           </p:cNvPr>
@@ -10460,7 +10460,7 @@
                 <a16:creationId xmlns:a16="http://schemas.microsoft.com/office/drawing/2014/main" id="{7FDEDC12-69DE-40B2-9801-E7FFEC7C1727}"/>
               </a:ext>
               <a:ext uri="{C183D7F6-B498-43B3-948B-1728B52AA6E4}">
-                <adec:decorative xmlns="" xmlns:adec="http://schemas.microsoft.com/office/drawing/2017/decorative" val="1"/>
+                <adec:decorative xmlns:adec="http://schemas.microsoft.com/office/drawing/2017/decorative" xmlns="" val="1"/>
               </a:ext>
             </a:extLst>
           </p:cNvPr>
@@ -10790,7 +10790,7 @@
         </p:blipFill>
         <p:spPr>
           <a:xfrm>
-            <a:off x="6480402" y="3086100"/>
+            <a:off x="6297513" y="3086100"/>
             <a:ext cx="4695825" cy="3429000"/>
           </a:xfrm>
           <a:prstGeom prst="rect">
@@ -10890,7 +10890,7 @@
         </p:blipFill>
         <p:spPr>
           <a:xfrm>
-            <a:off x="291795" y="1849419"/>
+            <a:off x="387594" y="1849419"/>
             <a:ext cx="4676775" cy="2590800"/>
           </a:xfrm>
         </p:spPr>
@@ -10959,7 +10959,7 @@
         </p:blipFill>
         <p:spPr>
           <a:xfrm>
-            <a:off x="6585177" y="1891393"/>
+            <a:off x="6968357" y="1891393"/>
             <a:ext cx="4791075" cy="2552700"/>
           </a:xfrm>
           <a:prstGeom prst="rect">
@@ -10981,7 +10981,7 @@
         </p:nvSpPr>
         <p:spPr>
           <a:xfrm>
-            <a:off x="7611835" y="4683578"/>
+            <a:off x="8012431" y="4683578"/>
             <a:ext cx="2743200" cy="365760"/>
           </a:xfrm>
           <a:prstGeom prst="rect">
@@ -11028,7 +11028,7 @@
         </p:blipFill>
         <p:spPr>
           <a:xfrm>
-            <a:off x="5102935" y="1371600"/>
+            <a:off x="5277112" y="1371600"/>
             <a:ext cx="1485387" cy="4114800"/>
           </a:xfrm>
           <a:prstGeom prst="rect">
@@ -11324,42 +11324,12 @@
           <a:p>
             <a:r>
               <a:rPr lang="hu-HU" dirty="0" smtClean="0"/>
-              <a:t>Különböző weboldalak által adott hasznos információk.</a:t>
+              <a:t>Különböző weboldalak által adott hasznos információk</a:t>
             </a:r>
             <a:endParaRPr lang="hu-HU" dirty="0"/>
           </a:p>
         </p:txBody>
       </p:sp>
-      <p:pic>
-        <p:nvPicPr>
-          <p:cNvPr id="4" name="Kép 3"/>
-          <p:cNvPicPr>
-            <a:picLocks noChangeAspect="1"/>
-          </p:cNvPicPr>
-          <p:nvPr/>
-        </p:nvPicPr>
-        <p:blipFill>
-          <a:blip r:embed="rId2">
-            <a:extLst>
-              <a:ext uri="{28A0092B-C50C-407E-A947-70E740481C1C}">
-                <a14:useLocalDpi xmlns:a14="http://schemas.microsoft.com/office/drawing/2010/main" val="0"/>
-              </a:ext>
-            </a:extLst>
-          </a:blip>
-          <a:stretch>
-            <a:fillRect/>
-          </a:stretch>
-        </p:blipFill>
-        <p:spPr>
-          <a:xfrm>
-            <a:off x="7081158" y="3450772"/>
-            <a:ext cx="5110842" cy="3407228"/>
-          </a:xfrm>
-          <a:prstGeom prst="rect">
-            <a:avLst/>
-          </a:prstGeom>
-        </p:spPr>
-      </p:pic>
     </p:spTree>
     <p:extLst>
       <p:ext uri="{BB962C8B-B14F-4D97-AF65-F5344CB8AC3E}">
@@ -11370,6 +11340,13 @@
   <p:clrMapOvr>
     <a:masterClrMapping/>
   </p:clrMapOvr>
+  <p:timing>
+    <p:tnLst>
+      <p:par>
+        <p:cTn id="1" dur="indefinite" restart="never" nodeType="tmRoot"/>
+      </p:par>
+    </p:tnLst>
+  </p:timing>
 </p:sld>
 </file>
 
@@ -11444,36 +11421,6 @@
           </a:p>
         </p:txBody>
       </p:sp>
-      <p:pic>
-        <p:nvPicPr>
-          <p:cNvPr id="5" name="Kép 4"/>
-          <p:cNvPicPr>
-            <a:picLocks noChangeAspect="1"/>
-          </p:cNvPicPr>
-          <p:nvPr/>
-        </p:nvPicPr>
-        <p:blipFill>
-          <a:blip r:embed="rId2">
-            <a:extLst>
-              <a:ext uri="{28A0092B-C50C-407E-A947-70E740481C1C}">
-                <a14:useLocalDpi xmlns:a14="http://schemas.microsoft.com/office/drawing/2010/main" val="0"/>
-              </a:ext>
-            </a:extLst>
-          </a:blip>
-          <a:stretch>
-            <a:fillRect/>
-          </a:stretch>
-        </p:blipFill>
-        <p:spPr>
-          <a:xfrm>
-            <a:off x="8342811" y="2810692"/>
-            <a:ext cx="4047308" cy="4047308"/>
-          </a:xfrm>
-          <a:prstGeom prst="rect">
-            <a:avLst/>
-          </a:prstGeom>
-        </p:spPr>
-      </p:pic>
     </p:spTree>
     <p:extLst>
       <p:ext uri="{BB962C8B-B14F-4D97-AF65-F5344CB8AC3E}">
@@ -11484,6 +11431,13 @@
   <p:clrMapOvr>
     <a:masterClrMapping/>
   </p:clrMapOvr>
+  <p:timing>
+    <p:tnLst>
+      <p:par>
+        <p:cTn id="1" dur="indefinite" restart="never" nodeType="tmRoot"/>
+      </p:par>
+    </p:tnLst>
+  </p:timing>
 </p:sld>
 </file>
 
@@ -11513,7 +11467,7 @@
           <p:nvPr>
             <p:extLst>
               <p:ext uri="{D42A27DB-BD31-4B8C-83A1-F6EECF244321}">
-                <p14:modId xmlns:p14="http://schemas.microsoft.com/office/powerpoint/2010/main" val="2565164888"/>
+                <p14:modId xmlns:p14="http://schemas.microsoft.com/office/powerpoint/2010/main" val="4064364530"/>
               </p:ext>
             </p:extLst>
           </p:nvPr>
@@ -11679,11 +11633,7 @@
                       </a:r>
                       <a:r>
                         <a:rPr lang="hu-HU" baseline="0" dirty="0" smtClean="0"/>
-                        <a:t> </a:t>
-                      </a:r>
-                      <a:r>
-                        <a:rPr lang="hu-HU" baseline="0" dirty="0" err="1" smtClean="0"/>
-                        <a:t>Sándors</a:t>
+                        <a:t> Sándor</a:t>
                       </a:r>
                       <a:endParaRPr lang="hu-HU" dirty="0"/>
                     </a:p>
@@ -12085,11 +12035,7 @@
                     <a:p>
                       <a:r>
                         <a:rPr lang="hu-HU" dirty="0" smtClean="0"/>
-                        <a:t>VLAN-ok és </a:t>
-                      </a:r>
-                      <a:r>
-                        <a:rPr lang="hu-HU" dirty="0" err="1" smtClean="0"/>
-                        <a:t>forgalomírányítás</a:t>
+                        <a:t>VLAN-ok és forgalomirányítás</a:t>
                       </a:r>
                       <a:endParaRPr lang="hu-HU" dirty="0"/>
                     </a:p>
@@ -13240,17 +13186,14 @@
           <a:lstStyle/>
           <a:p>
             <a:r>
-              <a:rPr lang="hu-HU" dirty="0" err="1"/>
-              <a:t>Beslő</a:t>
-            </a:r>
-            <a:r>
-              <a:rPr lang="hu-HU" dirty="0"/>
-              <a:t> </a:t>
+              <a:rPr lang="hu-HU" dirty="0" smtClean="0"/>
+              <a:t>Belső </a:t>
             </a:r>
             <a:r>
               <a:rPr lang="hu-HU" dirty="0" err="1"/>
               <a:t>ping</a:t>
             </a:r>
+            <a:endParaRPr lang="hu-HU" dirty="0"/>
           </a:p>
         </p:txBody>
       </p:sp>
@@ -13276,7 +13219,7 @@
         </p:blipFill>
         <p:spPr>
           <a:xfrm>
-            <a:off x="2041" y="1849211"/>
+            <a:off x="-41504" y="1849211"/>
             <a:ext cx="5591175" cy="2114550"/>
           </a:xfrm>
           <a:prstGeom prst="rect">
@@ -13348,7 +13291,7 @@
         </p:blipFill>
         <p:spPr>
           <a:xfrm>
-            <a:off x="7106331" y="4189639"/>
+            <a:off x="7271801" y="4189639"/>
             <a:ext cx="4924425" cy="2114550"/>
           </a:xfrm>
           <a:prstGeom prst="rect">
@@ -13575,7 +13518,7 @@
                 <a16:creationId xmlns:a16="http://schemas.microsoft.com/office/drawing/2014/main" id="{603C1FDD-3EB9-4E32-AAFF-F0872E904A7D}"/>
               </a:ext>
               <a:ext uri="{C183D7F6-B498-43B3-948B-1728B52AA6E4}">
-                <adec:decorative xmlns="" xmlns:adec="http://schemas.microsoft.com/office/drawing/2017/decorative" val="1"/>
+                <adec:decorative xmlns:adec="http://schemas.microsoft.com/office/drawing/2017/decorative" xmlns="" val="1"/>
               </a:ext>
             </a:extLst>
           </p:cNvPr>
@@ -13619,7 +13562,7 @@
                 <a16:creationId xmlns:a16="http://schemas.microsoft.com/office/drawing/2014/main" id="{B0C4B3D9-75AB-4AAB-B53A-4232B752D2F5}"/>
               </a:ext>
               <a:ext uri="{C183D7F6-B498-43B3-948B-1728B52AA6E4}">
-                <adec:decorative xmlns="" xmlns:adec="http://schemas.microsoft.com/office/drawing/2017/decorative" val="1"/>
+                <adec:decorative xmlns:adec="http://schemas.microsoft.com/office/drawing/2017/decorative" xmlns="" val="1"/>
               </a:ext>
             </a:extLst>
           </p:cNvPr>
@@ -13663,7 +13606,7 @@
                 <a16:creationId xmlns:a16="http://schemas.microsoft.com/office/drawing/2014/main" id="{1D73A963-D417-4FD9-851E-5E323F67D1BF}"/>
               </a:ext>
               <a:ext uri="{C183D7F6-B498-43B3-948B-1728B52AA6E4}">
-                <adec:decorative xmlns="" xmlns:adec="http://schemas.microsoft.com/office/drawing/2017/decorative" val="1"/>
+                <adec:decorative xmlns:adec="http://schemas.microsoft.com/office/drawing/2017/decorative" xmlns="" val="1"/>
               </a:ext>
             </a:extLst>
           </p:cNvPr>
@@ -13737,7 +13680,7 @@
                 <a16:creationId xmlns:a16="http://schemas.microsoft.com/office/drawing/2014/main" id="{72E40AAF-9C56-4002-B55E-6A255814861C}"/>
               </a:ext>
               <a:ext uri="{C183D7F6-B498-43B3-948B-1728B52AA6E4}">
-                <adec:decorative xmlns="" xmlns:adec="http://schemas.microsoft.com/office/drawing/2017/decorative" val="1"/>
+                <adec:decorative xmlns:adec="http://schemas.microsoft.com/office/drawing/2017/decorative" xmlns="" val="1"/>
               </a:ext>
             </a:extLst>
           </p:cNvPr>
@@ -13781,7 +13724,7 @@
                 <a16:creationId xmlns:a16="http://schemas.microsoft.com/office/drawing/2014/main" id="{CF4F217F-0736-44C0-9047-DD52FCA2F2A4}"/>
               </a:ext>
               <a:ext uri="{C183D7F6-B498-43B3-948B-1728B52AA6E4}">
-                <adec:decorative xmlns="" xmlns:adec="http://schemas.microsoft.com/office/drawing/2017/decorative" val="1"/>
+                <adec:decorative xmlns:adec="http://schemas.microsoft.com/office/drawing/2017/decorative" xmlns="" val="1"/>
               </a:ext>
             </a:extLst>
           </p:cNvPr>
@@ -13825,7 +13768,7 @@
                 <a16:creationId xmlns:a16="http://schemas.microsoft.com/office/drawing/2014/main" id="{2DCB6E42-3037-40F7-A351-6B952A870339}"/>
               </a:ext>
               <a:ext uri="{C183D7F6-B498-43B3-948B-1728B52AA6E4}">
-                <adec:decorative xmlns="" xmlns:adec="http://schemas.microsoft.com/office/drawing/2017/decorative" val="1"/>
+                <adec:decorative xmlns:adec="http://schemas.microsoft.com/office/drawing/2017/decorative" xmlns="" val="1"/>
               </a:ext>
             </a:extLst>
           </p:cNvPr>
@@ -13913,7 +13856,7 @@
                 <a16:creationId xmlns:a16="http://schemas.microsoft.com/office/drawing/2014/main" id="{5D4C4D9B-8464-4F80-A369-88E6980D4BA0}"/>
               </a:ext>
               <a:ext uri="{C183D7F6-B498-43B3-948B-1728B52AA6E4}">
-                <adec:decorative xmlns="" xmlns:adec="http://schemas.microsoft.com/office/drawing/2017/decorative" val="1"/>
+                <adec:decorative xmlns:adec="http://schemas.microsoft.com/office/drawing/2017/decorative" xmlns="" val="1"/>
               </a:ext>
             </a:extLst>
           </p:cNvPr>
@@ -13976,7 +13919,7 @@
                 <a16:creationId xmlns:a16="http://schemas.microsoft.com/office/drawing/2014/main" id="{D5BA1A12-370B-43EB-B7BC-87A24667ABA2}"/>
               </a:ext>
               <a:ext uri="{C183D7F6-B498-43B3-948B-1728B52AA6E4}">
-                <adec:decorative xmlns="" xmlns:adec="http://schemas.microsoft.com/office/drawing/2017/decorative" val="1"/>
+                <adec:decorative xmlns:adec="http://schemas.microsoft.com/office/drawing/2017/decorative" xmlns="" val="1"/>
               </a:ext>
             </a:extLst>
           </p:cNvPr>
@@ -14328,7 +14271,7 @@
                 <a16:creationId xmlns:a16="http://schemas.microsoft.com/office/drawing/2014/main" id="{95DBBBEB-F8DF-4794-86A8-BD884F7E6794}"/>
               </a:ext>
               <a:ext uri="{C183D7F6-B498-43B3-948B-1728B52AA6E4}">
-                <adec:decorative xmlns="" xmlns:adec="http://schemas.microsoft.com/office/drawing/2017/decorative" val="1"/>
+                <adec:decorative xmlns:adec="http://schemas.microsoft.com/office/drawing/2017/decorative" xmlns="" val="1"/>
               </a:ext>
             </a:extLst>
           </p:cNvPr>
@@ -14728,7 +14671,7 @@
                 <a16:creationId xmlns:a16="http://schemas.microsoft.com/office/drawing/2014/main" id="{C9134821-5D8B-4373-BA74-CFE9AB35A55A}"/>
               </a:ext>
               <a:ext uri="{C183D7F6-B498-43B3-948B-1728B52AA6E4}">
-                <adec:decorative xmlns="" xmlns:adec="http://schemas.microsoft.com/office/drawing/2017/decorative" val="1"/>
+                <adec:decorative xmlns:adec="http://schemas.microsoft.com/office/drawing/2017/decorative" xmlns="" val="1"/>
               </a:ext>
             </a:extLst>
           </p:cNvPr>
@@ -14772,7 +14715,7 @@
                 <a16:creationId xmlns:a16="http://schemas.microsoft.com/office/drawing/2014/main" id="{5965195F-79F5-4911-907D-13CB3F534351}"/>
               </a:ext>
               <a:ext uri="{C183D7F6-B498-43B3-948B-1728B52AA6E4}">
-                <adec:decorative xmlns="" xmlns:adec="http://schemas.microsoft.com/office/drawing/2017/decorative" val="1"/>
+                <adec:decorative xmlns:adec="http://schemas.microsoft.com/office/drawing/2017/decorative" xmlns="" val="1"/>
               </a:ext>
             </a:extLst>
           </p:cNvPr>
@@ -14816,7 +14759,7 @@
                 <a16:creationId xmlns:a16="http://schemas.microsoft.com/office/drawing/2014/main" id="{8A610DC7-FE1B-47B9-8452-CFC389786C2D}"/>
               </a:ext>
               <a:ext uri="{C183D7F6-B498-43B3-948B-1728B52AA6E4}">
-                <adec:decorative xmlns="" xmlns:adec="http://schemas.microsoft.com/office/drawing/2017/decorative" val="1"/>
+                <adec:decorative xmlns:adec="http://schemas.microsoft.com/office/drawing/2017/decorative" xmlns="" val="1"/>
               </a:ext>
             </a:extLst>
           </p:cNvPr>
@@ -14890,7 +14833,7 @@
                 <a16:creationId xmlns:a16="http://schemas.microsoft.com/office/drawing/2014/main" id="{2742ADC1-2286-40B7-A3C6-D6C3362FA04B}"/>
               </a:ext>
               <a:ext uri="{C183D7F6-B498-43B3-948B-1728B52AA6E4}">
-                <adec:decorative xmlns="" xmlns:adec="http://schemas.microsoft.com/office/drawing/2017/decorative" val="1"/>
+                <adec:decorative xmlns:adec="http://schemas.microsoft.com/office/drawing/2017/decorative" xmlns="" val="1"/>
               </a:ext>
             </a:extLst>
           </p:cNvPr>
@@ -14934,7 +14877,7 @@
                 <a16:creationId xmlns:a16="http://schemas.microsoft.com/office/drawing/2014/main" id="{C878FBDC-78F2-4D49-8DB3-1A48CA9F7FC0}"/>
               </a:ext>
               <a:ext uri="{C183D7F6-B498-43B3-948B-1728B52AA6E4}">
-                <adec:decorative xmlns="" xmlns:adec="http://schemas.microsoft.com/office/drawing/2017/decorative" val="1"/>
+                <adec:decorative xmlns:adec="http://schemas.microsoft.com/office/drawing/2017/decorative" xmlns="" val="1"/>
               </a:ext>
             </a:extLst>
           </p:cNvPr>
@@ -14978,7 +14921,7 @@
                 <a16:creationId xmlns:a16="http://schemas.microsoft.com/office/drawing/2014/main" id="{DC9A0934-0C2C-4565-9290-A345B19BD94C}"/>
               </a:ext>
               <a:ext uri="{C183D7F6-B498-43B3-948B-1728B52AA6E4}">
-                <adec:decorative xmlns="" xmlns:adec="http://schemas.microsoft.com/office/drawing/2017/decorative" val="1"/>
+                <adec:decorative xmlns:adec="http://schemas.microsoft.com/office/drawing/2017/decorative" xmlns="" val="1"/>
               </a:ext>
             </a:extLst>
           </p:cNvPr>
@@ -15031,7 +14974,7 @@
                 <a16:creationId xmlns:a16="http://schemas.microsoft.com/office/drawing/2014/main" id="{6B42653A-00F8-40F8-9BAA-AFDE65366F65}"/>
               </a:ext>
               <a:ext uri="{C183D7F6-B498-43B3-948B-1728B52AA6E4}">
-                <adec:decorative xmlns="" xmlns:adec="http://schemas.microsoft.com/office/drawing/2017/decorative" val="1"/>
+                <adec:decorative xmlns:adec="http://schemas.microsoft.com/office/drawing/2017/decorative" xmlns="" val="1"/>
               </a:ext>
             </a:extLst>
           </p:cNvPr>
@@ -15094,7 +15037,7 @@
                 <a16:creationId xmlns:a16="http://schemas.microsoft.com/office/drawing/2014/main" id="{5D85582E-5C24-4E50-94D0-EBDFCAF82A75}"/>
               </a:ext>
               <a:ext uri="{C183D7F6-B498-43B3-948B-1728B52AA6E4}">
-                <adec:decorative xmlns="" xmlns:adec="http://schemas.microsoft.com/office/drawing/2017/decorative" val="1"/>
+                <adec:decorative xmlns:adec="http://schemas.microsoft.com/office/drawing/2017/decorative" xmlns="" val="1"/>
               </a:ext>
             </a:extLst>
           </p:cNvPr>
@@ -15147,7 +15090,7 @@
                 <a16:creationId xmlns:a16="http://schemas.microsoft.com/office/drawing/2014/main" id="{D2CF7175-D926-4ED8-BF71-C9046B886DB7}"/>
               </a:ext>
               <a:ext uri="{C183D7F6-B498-43B3-948B-1728B52AA6E4}">
-                <adec:decorative xmlns="" xmlns:adec="http://schemas.microsoft.com/office/drawing/2017/decorative" val="1"/>
+                <adec:decorative xmlns:adec="http://schemas.microsoft.com/office/drawing/2017/decorative" xmlns="" val="1"/>
               </a:ext>
             </a:extLst>
           </p:cNvPr>
@@ -15511,7 +15454,7 @@
                 <a16:creationId xmlns:a16="http://schemas.microsoft.com/office/drawing/2014/main" id="{CE21D3E3-E417-4B15-9ACE-327E9B12B423}"/>
               </a:ext>
               <a:ext uri="{C183D7F6-B498-43B3-948B-1728B52AA6E4}">
-                <adec:decorative xmlns="" xmlns:adec="http://schemas.microsoft.com/office/drawing/2017/decorative" val="1"/>
+                <adec:decorative xmlns:adec="http://schemas.microsoft.com/office/drawing/2017/decorative" xmlns="" val="1"/>
               </a:ext>
             </a:extLst>
           </p:cNvPr>
@@ -15825,7 +15768,7 @@
                 <a16:creationId xmlns:a16="http://schemas.microsoft.com/office/drawing/2014/main" id="{81E3F4E1-B084-4FFF-9627-13782BE0BE4A}"/>
               </a:ext>
               <a:ext uri="{C183D7F6-B498-43B3-948B-1728B52AA6E4}">
-                <adec:decorative xmlns="" xmlns:adec="http://schemas.microsoft.com/office/drawing/2017/decorative" val="1"/>
+                <adec:decorative xmlns:adec="http://schemas.microsoft.com/office/drawing/2017/decorative" xmlns="" val="1"/>
               </a:ext>
             </a:extLst>
           </p:cNvPr>
@@ -15941,7 +15884,7 @@
                 <a16:creationId xmlns:a16="http://schemas.microsoft.com/office/drawing/2014/main" id="{1F8051AB-C2F8-461F-812A-3E58862141B3}"/>
               </a:ext>
               <a:ext uri="{C183D7F6-B498-43B3-948B-1728B52AA6E4}">
-                <adec:decorative xmlns="" xmlns:adec="http://schemas.microsoft.com/office/drawing/2017/decorative" val="1"/>
+                <adec:decorative xmlns:adec="http://schemas.microsoft.com/office/drawing/2017/decorative" xmlns="" val="1"/>
               </a:ext>
             </a:extLst>
           </p:cNvPr>
@@ -16433,7 +16376,7 @@
                 <a16:creationId xmlns:a16="http://schemas.microsoft.com/office/drawing/2014/main" id="{481E0C28-CB2F-425F-98C5-AF23B9B704DF}"/>
               </a:ext>
               <a:ext uri="{C183D7F6-B498-43B3-948B-1728B52AA6E4}">
-                <adec:decorative xmlns="" xmlns:adec="http://schemas.microsoft.com/office/drawing/2017/decorative" val="1"/>
+                <adec:decorative xmlns:adec="http://schemas.microsoft.com/office/drawing/2017/decorative" xmlns="" val="1"/>
               </a:ext>
             </a:extLst>
           </p:cNvPr>
@@ -16785,7 +16728,7 @@
                 <a16:creationId xmlns:a16="http://schemas.microsoft.com/office/drawing/2014/main" id="{2DB2879C-F0B1-4195-A323-E97B6065A78E}"/>
               </a:ext>
               <a:ext uri="{C183D7F6-B498-43B3-948B-1728B52AA6E4}">
-                <adec:decorative xmlns="" xmlns:adec="http://schemas.microsoft.com/office/drawing/2017/decorative" val="1"/>
+                <adec:decorative xmlns:adec="http://schemas.microsoft.com/office/drawing/2017/decorative" xmlns="" val="1"/>
               </a:ext>
             </a:extLst>
           </p:cNvPr>
@@ -24347,7 +24290,7 @@
         </p:nvGraphicFramePr>
         <p:xfrm>
           <a:off x="2005330" y="2465132"/>
-          <a:ext cx="8045504" cy="1991742"/>
+          <a:ext cx="8045504" cy="1927735"/>
         </p:xfrm>
         <a:graphic>
           <a:graphicData uri="http://schemas.openxmlformats.org/drawingml/2006/table">
@@ -25116,7 +25059,7 @@
                 <a16:creationId xmlns:a16="http://schemas.microsoft.com/office/drawing/2014/main" id="{C9134821-5D8B-4373-BA74-CFE9AB35A55A}"/>
               </a:ext>
               <a:ext uri="{C183D7F6-B498-43B3-948B-1728B52AA6E4}">
-                <adec:decorative xmlns="" xmlns:adec="http://schemas.microsoft.com/office/drawing/2017/decorative" val="1"/>
+                <adec:decorative xmlns:adec="http://schemas.microsoft.com/office/drawing/2017/decorative" xmlns="" val="1"/>
               </a:ext>
             </a:extLst>
           </p:cNvPr>
@@ -25160,7 +25103,7 @@
                 <a16:creationId xmlns:a16="http://schemas.microsoft.com/office/drawing/2014/main" id="{5965195F-79F5-4911-907D-13CB3F534351}"/>
               </a:ext>
               <a:ext uri="{C183D7F6-B498-43B3-948B-1728B52AA6E4}">
-                <adec:decorative xmlns="" xmlns:adec="http://schemas.microsoft.com/office/drawing/2017/decorative" val="1"/>
+                <adec:decorative xmlns:adec="http://schemas.microsoft.com/office/drawing/2017/decorative" xmlns="" val="1"/>
               </a:ext>
             </a:extLst>
           </p:cNvPr>
@@ -25204,7 +25147,7 @@
                 <a16:creationId xmlns:a16="http://schemas.microsoft.com/office/drawing/2014/main" id="{8A610DC7-FE1B-47B9-8452-CFC389786C2D}"/>
               </a:ext>
               <a:ext uri="{C183D7F6-B498-43B3-948B-1728B52AA6E4}">
-                <adec:decorative xmlns="" xmlns:adec="http://schemas.microsoft.com/office/drawing/2017/decorative" val="1"/>
+                <adec:decorative xmlns:adec="http://schemas.microsoft.com/office/drawing/2017/decorative" xmlns="" val="1"/>
               </a:ext>
             </a:extLst>
           </p:cNvPr>
@@ -25278,7 +25221,7 @@
                 <a16:creationId xmlns:a16="http://schemas.microsoft.com/office/drawing/2014/main" id="{2742ADC1-2286-40B7-A3C6-D6C3362FA04B}"/>
               </a:ext>
               <a:ext uri="{C183D7F6-B498-43B3-948B-1728B52AA6E4}">
-                <adec:decorative xmlns="" xmlns:adec="http://schemas.microsoft.com/office/drawing/2017/decorative" val="1"/>
+                <adec:decorative xmlns:adec="http://schemas.microsoft.com/office/drawing/2017/decorative" xmlns="" val="1"/>
               </a:ext>
             </a:extLst>
           </p:cNvPr>
@@ -25322,7 +25265,7 @@
                 <a16:creationId xmlns:a16="http://schemas.microsoft.com/office/drawing/2014/main" id="{C878FBDC-78F2-4D49-8DB3-1A48CA9F7FC0}"/>
               </a:ext>
               <a:ext uri="{C183D7F6-B498-43B3-948B-1728B52AA6E4}">
-                <adec:decorative xmlns="" xmlns:adec="http://schemas.microsoft.com/office/drawing/2017/decorative" val="1"/>
+                <adec:decorative xmlns:adec="http://schemas.microsoft.com/office/drawing/2017/decorative" xmlns="" val="1"/>
               </a:ext>
             </a:extLst>
           </p:cNvPr>
@@ -25366,7 +25309,7 @@
                 <a16:creationId xmlns:a16="http://schemas.microsoft.com/office/drawing/2014/main" id="{DC9A0934-0C2C-4565-9290-A345B19BD94C}"/>
               </a:ext>
               <a:ext uri="{C183D7F6-B498-43B3-948B-1728B52AA6E4}">
-                <adec:decorative xmlns="" xmlns:adec="http://schemas.microsoft.com/office/drawing/2017/decorative" val="1"/>
+                <adec:decorative xmlns:adec="http://schemas.microsoft.com/office/drawing/2017/decorative" xmlns="" val="1"/>
               </a:ext>
             </a:extLst>
           </p:cNvPr>
@@ -25419,7 +25362,7 @@
                 <a16:creationId xmlns:a16="http://schemas.microsoft.com/office/drawing/2014/main" id="{0D4359AF-7256-4C60-9759-E796CFF40077}"/>
               </a:ext>
               <a:ext uri="{C183D7F6-B498-43B3-948B-1728B52AA6E4}">
-                <adec:decorative xmlns="" xmlns:adec="http://schemas.microsoft.com/office/drawing/2017/decorative" val="1"/>
+                <adec:decorative xmlns:adec="http://schemas.microsoft.com/office/drawing/2017/decorative" xmlns="" val="1"/>
               </a:ext>
             </a:extLst>
           </p:cNvPr>
@@ -25482,7 +25425,7 @@
                 <a16:creationId xmlns:a16="http://schemas.microsoft.com/office/drawing/2014/main" id="{340782AB-F63E-4996-ACC3-9F141BEAD44A}"/>
               </a:ext>
               <a:ext uri="{C183D7F6-B498-43B3-948B-1728B52AA6E4}">
-                <adec:decorative xmlns="" xmlns:adec="http://schemas.microsoft.com/office/drawing/2017/decorative" val="1"/>
+                <adec:decorative xmlns:adec="http://schemas.microsoft.com/office/drawing/2017/decorative" xmlns="" val="1"/>
               </a:ext>
             </a:extLst>
           </p:cNvPr>
@@ -25535,7 +25478,7 @@
                 <a16:creationId xmlns:a16="http://schemas.microsoft.com/office/drawing/2014/main" id="{EFF73443-A1E0-4E5D-8332-FD14F242237B}"/>
               </a:ext>
               <a:ext uri="{C183D7F6-B498-43B3-948B-1728B52AA6E4}">
-                <adec:decorative xmlns="" xmlns:adec="http://schemas.microsoft.com/office/drawing/2017/decorative" val="1"/>
+                <adec:decorative xmlns:adec="http://schemas.microsoft.com/office/drawing/2017/decorative" xmlns="" val="1"/>
               </a:ext>
             </a:extLst>
           </p:cNvPr>
@@ -25899,7 +25842,7 @@
                 <a16:creationId xmlns:a16="http://schemas.microsoft.com/office/drawing/2014/main" id="{8F9D937A-C73E-4D45-976D-91588160770F}"/>
               </a:ext>
               <a:ext uri="{C183D7F6-B498-43B3-948B-1728B52AA6E4}">
-                <adec:decorative xmlns="" xmlns:adec="http://schemas.microsoft.com/office/drawing/2017/decorative" val="1"/>
+                <adec:decorative xmlns:adec="http://schemas.microsoft.com/office/drawing/2017/decorative" xmlns="" val="1"/>
               </a:ext>
             </a:extLst>
           </p:cNvPr>
@@ -25959,7 +25902,7 @@
                 <a16:creationId xmlns:a16="http://schemas.microsoft.com/office/drawing/2014/main" id="{90681C35-61CA-4FDB-8327-1EFEC0462DC2}"/>
               </a:ext>
               <a:ext uri="{C183D7F6-B498-43B3-948B-1728B52AA6E4}">
-                <adec:decorative xmlns="" xmlns:adec="http://schemas.microsoft.com/office/drawing/2017/decorative" val="1"/>
+                <adec:decorative xmlns:adec="http://schemas.microsoft.com/office/drawing/2017/decorative" xmlns="" val="1"/>
               </a:ext>
             </a:extLst>
           </p:cNvPr>

--- a/Tacos KFT.pptx
+++ b/Tacos KFT.pptx
@@ -29,7 +29,8 @@
     <p:sldId id="272" r:id="rId23"/>
     <p:sldId id="276" r:id="rId24"/>
     <p:sldId id="277" r:id="rId25"/>
-    <p:sldId id="273" r:id="rId26"/>
+    <p:sldId id="283" r:id="rId26"/>
+    <p:sldId id="273" r:id="rId27"/>
   </p:sldIdLst>
   <p:sldSz cx="12192000" cy="6858000"/>
   <p:notesSz cx="6858000" cy="9144000"/>
@@ -139,3302 +140,9 @@
 <file path=ppt/revisionInfo.xml><?xml version="1.0" encoding="utf-8"?>
 <p1510:revInfo xmlns:a="http://schemas.openxmlformats.org/drawingml/2006/main" xmlns:r="http://schemas.openxmlformats.org/officeDocument/2006/relationships" xmlns:p1510="http://schemas.microsoft.com/office/powerpoint/2015/10/main">
   <p1510:revLst>
-    <p1510:client id="{073B8870-9D9D-4839-9E38-2DF8EF05A441}" v="848" dt="2024-12-09T17:52:35.420"/>
-    <p1510:client id="{4E50BE8F-85D8-4310-B6A2-2AE5379EC6C4}" v="278" dt="2024-12-08T16:51:04.769"/>
+    <p1510:client id="{F2FB5F31-B048-5312-9F06-6FE1C1122A3B}" v="13" dt="2025-01-13T06:06:55.021"/>
   </p1510:revLst>
 </p1510:revInfo>
-</file>
-
-<file path=ppt/changesInfos/changesInfo1.xml><?xml version="1.0" encoding="utf-8"?>
-<pc:chgInfo xmlns:a="http://schemas.openxmlformats.org/drawingml/2006/main" xmlns:r="http://schemas.openxmlformats.org/officeDocument/2006/relationships" xmlns:ac="http://schemas.microsoft.com/office/drawing/2013/main/command" xmlns:pc="http://schemas.microsoft.com/office/powerpoint/2013/main/command">
-  <pc:docChgLst>
-    <pc:chgData name="Lajka Kristóf" userId="5e6963896e59b084" providerId="Windows Live" clId="Web-{4E50BE8F-85D8-4310-B6A2-2AE5379EC6C4}"/>
-    <pc:docChg chg="addSld delSld modSld">
-      <pc:chgData name="Lajka Kristóf" userId="5e6963896e59b084" providerId="Windows Live" clId="Web-{4E50BE8F-85D8-4310-B6A2-2AE5379EC6C4}" dt="2024-12-08T16:51:01.737" v="215" actId="20577"/>
-      <pc:docMkLst>
-        <pc:docMk/>
-      </pc:docMkLst>
-      <pc:sldChg chg="modSp modTransition">
-        <pc:chgData name="Lajka Kristóf" userId="5e6963896e59b084" providerId="Windows Live" clId="Web-{4E50BE8F-85D8-4310-B6A2-2AE5379EC6C4}" dt="2024-12-08T16:51:01.737" v="215" actId="20577"/>
-        <pc:sldMkLst>
-          <pc:docMk/>
-          <pc:sldMk cId="2767495509" sldId="256"/>
-        </pc:sldMkLst>
-        <pc:spChg chg="mod">
-          <ac:chgData name="Lajka Kristóf" userId="5e6963896e59b084" providerId="Windows Live" clId="Web-{4E50BE8F-85D8-4310-B6A2-2AE5379EC6C4}" dt="2024-12-08T16:51:01.737" v="215" actId="20577"/>
-          <ac:spMkLst>
-            <pc:docMk/>
-            <pc:sldMk cId="2767495509" sldId="256"/>
-            <ac:spMk id="3" creationId="{54D4C20F-123D-D2B9-9177-1765761C4662}"/>
-          </ac:spMkLst>
-        </pc:spChg>
-      </pc:sldChg>
-      <pc:sldChg chg="addSp delSp modSp modTransition">
-        <pc:chgData name="Lajka Kristóf" userId="5e6963896e59b084" providerId="Windows Live" clId="Web-{4E50BE8F-85D8-4310-B6A2-2AE5379EC6C4}" dt="2024-12-08T16:49:39.204" v="137"/>
-        <pc:sldMkLst>
-          <pc:docMk/>
-          <pc:sldMk cId="3563977590" sldId="257"/>
-        </pc:sldMkLst>
-        <pc:spChg chg="add del mod">
-          <ac:chgData name="Lajka Kristóf" userId="5e6963896e59b084" providerId="Windows Live" clId="Web-{4E50BE8F-85D8-4310-B6A2-2AE5379EC6C4}" dt="2024-12-08T16:48:42.343" v="132"/>
-          <ac:spMkLst>
-            <pc:docMk/>
-            <pc:sldMk cId="3563977590" sldId="257"/>
-            <ac:spMk id="5" creationId="{4189A19E-FB70-A161-CBCA-501633CA0172}"/>
-          </ac:spMkLst>
-        </pc:spChg>
-        <pc:picChg chg="del">
-          <ac:chgData name="Lajka Kristóf" userId="5e6963896e59b084" providerId="Windows Live" clId="Web-{4E50BE8F-85D8-4310-B6A2-2AE5379EC6C4}" dt="2024-12-08T16:48:36.687" v="131"/>
-          <ac:picMkLst>
-            <pc:docMk/>
-            <pc:sldMk cId="3563977590" sldId="257"/>
-            <ac:picMk id="4" creationId="{00000000-0000-0000-0000-000000000000}"/>
-          </ac:picMkLst>
-        </pc:picChg>
-        <pc:picChg chg="add mod ord">
-          <ac:chgData name="Lajka Kristóf" userId="5e6963896e59b084" providerId="Windows Live" clId="Web-{4E50BE8F-85D8-4310-B6A2-2AE5379EC6C4}" dt="2024-12-08T16:48:46.203" v="135" actId="1076"/>
-          <ac:picMkLst>
-            <pc:docMk/>
-            <pc:sldMk cId="3563977590" sldId="257"/>
-            <ac:picMk id="6" creationId="{A2AD99EF-3E5A-B136-974C-CDD6DBB0B262}"/>
-          </ac:picMkLst>
-        </pc:picChg>
-      </pc:sldChg>
-      <pc:sldChg chg="modSp modTransition">
-        <pc:chgData name="Lajka Kristóf" userId="5e6963896e59b084" providerId="Windows Live" clId="Web-{4E50BE8F-85D8-4310-B6A2-2AE5379EC6C4}" dt="2024-12-08T16:49:39.204" v="138"/>
-        <pc:sldMkLst>
-          <pc:docMk/>
-          <pc:sldMk cId="937931457" sldId="258"/>
-        </pc:sldMkLst>
-        <pc:spChg chg="mod">
-          <ac:chgData name="Lajka Kristóf" userId="5e6963896e59b084" providerId="Windows Live" clId="Web-{4E50BE8F-85D8-4310-B6A2-2AE5379EC6C4}" dt="2024-12-08T16:42:51.945" v="0" actId="20577"/>
-          <ac:spMkLst>
-            <pc:docMk/>
-            <pc:sldMk cId="937931457" sldId="258"/>
-            <ac:spMk id="2" creationId="{246AD40C-266C-4A97-150C-152951D17D07}"/>
-          </ac:spMkLst>
-        </pc:spChg>
-        <pc:graphicFrameChg chg="mod">
-          <ac:chgData name="Lajka Kristóf" userId="5e6963896e59b084" providerId="Windows Live" clId="Web-{4E50BE8F-85D8-4310-B6A2-2AE5379EC6C4}" dt="2024-12-08T16:43:04.726" v="1" actId="1076"/>
-          <ac:graphicFrameMkLst>
-            <pc:docMk/>
-            <pc:sldMk cId="937931457" sldId="258"/>
-            <ac:graphicFrameMk id="4" creationId="{79F6BA40-39FD-AD63-6F9A-3365B3EC0624}"/>
-          </ac:graphicFrameMkLst>
-        </pc:graphicFrameChg>
-      </pc:sldChg>
-      <pc:sldChg chg="modTransition">
-        <pc:chgData name="Lajka Kristóf" userId="5e6963896e59b084" providerId="Windows Live" clId="Web-{4E50BE8F-85D8-4310-B6A2-2AE5379EC6C4}" dt="2024-12-08T16:49:39.204" v="139"/>
-        <pc:sldMkLst>
-          <pc:docMk/>
-          <pc:sldMk cId="280766078" sldId="259"/>
-        </pc:sldMkLst>
-      </pc:sldChg>
-      <pc:sldChg chg="modSp modTransition">
-        <pc:chgData name="Lajka Kristóf" userId="5e6963896e59b084" providerId="Windows Live" clId="Web-{4E50BE8F-85D8-4310-B6A2-2AE5379EC6C4}" dt="2024-12-08T16:49:39.220" v="146"/>
-        <pc:sldMkLst>
-          <pc:docMk/>
-          <pc:sldMk cId="3549832733" sldId="260"/>
-        </pc:sldMkLst>
-        <pc:spChg chg="mod">
-          <ac:chgData name="Lajka Kristóf" userId="5e6963896e59b084" providerId="Windows Live" clId="Web-{4E50BE8F-85D8-4310-B6A2-2AE5379EC6C4}" dt="2024-12-08T16:43:45.993" v="29" actId="20577"/>
-          <ac:spMkLst>
-            <pc:docMk/>
-            <pc:sldMk cId="3549832733" sldId="260"/>
-            <ac:spMk id="2" creationId="{B81CF1FE-76C1-59B3-DBAD-798DE6AA0ACE}"/>
-          </ac:spMkLst>
-        </pc:spChg>
-      </pc:sldChg>
-      <pc:sldChg chg="modSp modTransition">
-        <pc:chgData name="Lajka Kristóf" userId="5e6963896e59b084" providerId="Windows Live" clId="Web-{4E50BE8F-85D8-4310-B6A2-2AE5379EC6C4}" dt="2024-12-08T16:49:39.204" v="140"/>
-        <pc:sldMkLst>
-          <pc:docMk/>
-          <pc:sldMk cId="2443191679" sldId="261"/>
-        </pc:sldMkLst>
-        <pc:graphicFrameChg chg="mod modGraphic">
-          <ac:chgData name="Lajka Kristóf" userId="5e6963896e59b084" providerId="Windows Live" clId="Web-{4E50BE8F-85D8-4310-B6A2-2AE5379EC6C4}" dt="2024-12-08T16:43:19.570" v="27"/>
-          <ac:graphicFrameMkLst>
-            <pc:docMk/>
-            <pc:sldMk cId="2443191679" sldId="261"/>
-            <ac:graphicFrameMk id="4" creationId="{9BD286FC-C965-9CB9-D4A6-DA0B276CE2E1}"/>
-          </ac:graphicFrameMkLst>
-        </pc:graphicFrameChg>
-      </pc:sldChg>
-      <pc:sldChg chg="modTransition">
-        <pc:chgData name="Lajka Kristóf" userId="5e6963896e59b084" providerId="Windows Live" clId="Web-{4E50BE8F-85D8-4310-B6A2-2AE5379EC6C4}" dt="2024-12-08T16:49:39.220" v="142"/>
-        <pc:sldMkLst>
-          <pc:docMk/>
-          <pc:sldMk cId="590870679" sldId="262"/>
-        </pc:sldMkLst>
-      </pc:sldChg>
-      <pc:sldChg chg="modTransition">
-        <pc:chgData name="Lajka Kristóf" userId="5e6963896e59b084" providerId="Windows Live" clId="Web-{4E50BE8F-85D8-4310-B6A2-2AE5379EC6C4}" dt="2024-12-08T16:49:39.220" v="144"/>
-        <pc:sldMkLst>
-          <pc:docMk/>
-          <pc:sldMk cId="410447792" sldId="263"/>
-        </pc:sldMkLst>
-      </pc:sldChg>
-      <pc:sldChg chg="modTransition">
-        <pc:chgData name="Lajka Kristóf" userId="5e6963896e59b084" providerId="Windows Live" clId="Web-{4E50BE8F-85D8-4310-B6A2-2AE5379EC6C4}" dt="2024-12-08T16:49:39.204" v="141"/>
-        <pc:sldMkLst>
-          <pc:docMk/>
-          <pc:sldMk cId="1164550516" sldId="264"/>
-        </pc:sldMkLst>
-      </pc:sldChg>
-      <pc:sldChg chg="modTransition">
-        <pc:chgData name="Lajka Kristóf" userId="5e6963896e59b084" providerId="Windows Live" clId="Web-{4E50BE8F-85D8-4310-B6A2-2AE5379EC6C4}" dt="2024-12-08T16:49:39.220" v="145"/>
-        <pc:sldMkLst>
-          <pc:docMk/>
-          <pc:sldMk cId="2015113315" sldId="265"/>
-        </pc:sldMkLst>
-      </pc:sldChg>
-      <pc:sldChg chg="del">
-        <pc:chgData name="Lajka Kristóf" userId="5e6963896e59b084" providerId="Windows Live" clId="Web-{4E50BE8F-85D8-4310-B6A2-2AE5379EC6C4}" dt="2024-12-08T16:48:04.843" v="130"/>
-        <pc:sldMkLst>
-          <pc:docMk/>
-          <pc:sldMk cId="3738045926" sldId="266"/>
-        </pc:sldMkLst>
-      </pc:sldChg>
-      <pc:sldChg chg="modTransition">
-        <pc:chgData name="Lajka Kristóf" userId="5e6963896e59b084" providerId="Windows Live" clId="Web-{4E50BE8F-85D8-4310-B6A2-2AE5379EC6C4}" dt="2024-12-08T16:49:39.220" v="147"/>
-        <pc:sldMkLst>
-          <pc:docMk/>
-          <pc:sldMk cId="3658396111" sldId="267"/>
-        </pc:sldMkLst>
-      </pc:sldChg>
-      <pc:sldChg chg="modTransition">
-        <pc:chgData name="Lajka Kristóf" userId="5e6963896e59b084" providerId="Windows Live" clId="Web-{4E50BE8F-85D8-4310-B6A2-2AE5379EC6C4}" dt="2024-12-08T16:49:39.220" v="148"/>
-        <pc:sldMkLst>
-          <pc:docMk/>
-          <pc:sldMk cId="3887096853" sldId="268"/>
-        </pc:sldMkLst>
-      </pc:sldChg>
-      <pc:sldChg chg="modTransition">
-        <pc:chgData name="Lajka Kristóf" userId="5e6963896e59b084" providerId="Windows Live" clId="Web-{4E50BE8F-85D8-4310-B6A2-2AE5379EC6C4}" dt="2024-12-08T16:49:39.220" v="143"/>
-        <pc:sldMkLst>
-          <pc:docMk/>
-          <pc:sldMk cId="841456012" sldId="269"/>
-        </pc:sldMkLst>
-      </pc:sldChg>
-      <pc:sldChg chg="modSp new mod modTransition modClrScheme chgLayout">
-        <pc:chgData name="Lajka Kristóf" userId="5e6963896e59b084" providerId="Windows Live" clId="Web-{4E50BE8F-85D8-4310-B6A2-2AE5379EC6C4}" dt="2024-12-08T16:49:39.220" v="150"/>
-        <pc:sldMkLst>
-          <pc:docMk/>
-          <pc:sldMk cId="1237153563" sldId="270"/>
-        </pc:sldMkLst>
-        <pc:spChg chg="mod ord">
-          <ac:chgData name="Lajka Kristóf" userId="5e6963896e59b084" providerId="Windows Live" clId="Web-{4E50BE8F-85D8-4310-B6A2-2AE5379EC6C4}" dt="2024-12-08T16:44:20.822" v="39" actId="20577"/>
-          <ac:spMkLst>
-            <pc:docMk/>
-            <pc:sldMk cId="1237153563" sldId="270"/>
-            <ac:spMk id="2" creationId="{9804002F-AA49-383E-62E5-209DA41913F3}"/>
-          </ac:spMkLst>
-        </pc:spChg>
-        <pc:spChg chg="mod ord">
-          <ac:chgData name="Lajka Kristóf" userId="5e6963896e59b084" providerId="Windows Live" clId="Web-{4E50BE8F-85D8-4310-B6A2-2AE5379EC6C4}" dt="2024-12-08T16:44:16.275" v="31"/>
-          <ac:spMkLst>
-            <pc:docMk/>
-            <pc:sldMk cId="1237153563" sldId="270"/>
-            <ac:spMk id="3" creationId="{CB47C6EC-371E-FBEB-5ABF-0010B3C7FFC7}"/>
-          </ac:spMkLst>
-        </pc:spChg>
-      </pc:sldChg>
-      <pc:sldChg chg="addSp delSp modSp new mod modTransition setBg setClrOvrMap">
-        <pc:chgData name="Lajka Kristóf" userId="5e6963896e59b084" providerId="Windows Live" clId="Web-{4E50BE8F-85D8-4310-B6A2-2AE5379EC6C4}" dt="2024-12-08T16:49:39.220" v="151"/>
-        <pc:sldMkLst>
-          <pc:docMk/>
-          <pc:sldMk cId="1348046584" sldId="271"/>
-        </pc:sldMkLst>
-        <pc:spChg chg="mod ord">
-          <ac:chgData name="Lajka Kristóf" userId="5e6963896e59b084" providerId="Windows Live" clId="Web-{4E50BE8F-85D8-4310-B6A2-2AE5379EC6C4}" dt="2024-12-08T16:44:54.526" v="51"/>
-          <ac:spMkLst>
-            <pc:docMk/>
-            <pc:sldMk cId="1348046584" sldId="271"/>
-            <ac:spMk id="2" creationId="{8ED38882-1869-61D0-EE85-ED4502E0B577}"/>
-          </ac:spMkLst>
-        </pc:spChg>
-        <pc:spChg chg="del">
-          <ac:chgData name="Lajka Kristóf" userId="5e6963896e59b084" providerId="Windows Live" clId="Web-{4E50BE8F-85D8-4310-B6A2-2AE5379EC6C4}" dt="2024-12-08T16:44:30.353" v="41"/>
-          <ac:spMkLst>
-            <pc:docMk/>
-            <pc:sldMk cId="1348046584" sldId="271"/>
-            <ac:spMk id="3" creationId="{601553F4-BADB-0BD8-C0E6-35017310CE5D}"/>
-          </ac:spMkLst>
-        </pc:spChg>
-        <pc:spChg chg="add del">
-          <ac:chgData name="Lajka Kristóf" userId="5e6963896e59b084" providerId="Windows Live" clId="Web-{4E50BE8F-85D8-4310-B6A2-2AE5379EC6C4}" dt="2024-12-08T16:44:49.354" v="48"/>
-          <ac:spMkLst>
-            <pc:docMk/>
-            <pc:sldMk cId="1348046584" sldId="271"/>
-            <ac:spMk id="13" creationId="{989BE678-777B-482A-A616-FEDC47B162E5}"/>
-          </ac:spMkLst>
-        </pc:spChg>
-        <pc:spChg chg="add del">
-          <ac:chgData name="Lajka Kristóf" userId="5e6963896e59b084" providerId="Windows Live" clId="Web-{4E50BE8F-85D8-4310-B6A2-2AE5379EC6C4}" dt="2024-12-08T16:44:49.354" v="48"/>
-          <ac:spMkLst>
-            <pc:docMk/>
-            <pc:sldMk cId="1348046584" sldId="271"/>
-            <ac:spMk id="19" creationId="{D28BE0C3-2102-4820-B88B-A448B1840D14}"/>
-          </ac:spMkLst>
-        </pc:spChg>
-        <pc:spChg chg="add del">
-          <ac:chgData name="Lajka Kristóf" userId="5e6963896e59b084" providerId="Windows Live" clId="Web-{4E50BE8F-85D8-4310-B6A2-2AE5379EC6C4}" dt="2024-12-08T16:44:49.354" v="48"/>
-          <ac:spMkLst>
-            <pc:docMk/>
-            <pc:sldMk cId="1348046584" sldId="271"/>
-            <ac:spMk id="21" creationId="{E4F17063-EDA4-417B-946F-BA357F3B390D}"/>
-          </ac:spMkLst>
-        </pc:spChg>
-        <pc:spChg chg="add del">
-          <ac:chgData name="Lajka Kristóf" userId="5e6963896e59b084" providerId="Windows Live" clId="Web-{4E50BE8F-85D8-4310-B6A2-2AE5379EC6C4}" dt="2024-12-08T16:44:49.354" v="48"/>
-          <ac:spMkLst>
-            <pc:docMk/>
-            <pc:sldMk cId="1348046584" sldId="271"/>
-            <ac:spMk id="23" creationId="{D36F3EEA-55D4-4677-80E7-92D00B8F343B}"/>
-          </ac:spMkLst>
-        </pc:spChg>
-        <pc:spChg chg="add del">
-          <ac:chgData name="Lajka Kristóf" userId="5e6963896e59b084" providerId="Windows Live" clId="Web-{4E50BE8F-85D8-4310-B6A2-2AE5379EC6C4}" dt="2024-12-08T16:44:54.448" v="50"/>
-          <ac:spMkLst>
-            <pc:docMk/>
-            <pc:sldMk cId="1348046584" sldId="271"/>
-            <ac:spMk id="25" creationId="{608F427C-1EC9-4280-9367-F2B3AA063E82}"/>
-          </ac:spMkLst>
-        </pc:spChg>
-        <pc:spChg chg="add del">
-          <ac:chgData name="Lajka Kristóf" userId="5e6963896e59b084" providerId="Windows Live" clId="Web-{4E50BE8F-85D8-4310-B6A2-2AE5379EC6C4}" dt="2024-12-08T16:44:54.448" v="50"/>
-          <ac:spMkLst>
-            <pc:docMk/>
-            <pc:sldMk cId="1348046584" sldId="271"/>
-            <ac:spMk id="27" creationId="{F98810A7-E114-447A-A7D6-69B27CFB5650}"/>
-          </ac:spMkLst>
-        </pc:spChg>
-        <pc:spChg chg="add del">
-          <ac:chgData name="Lajka Kristóf" userId="5e6963896e59b084" providerId="Windows Live" clId="Web-{4E50BE8F-85D8-4310-B6A2-2AE5379EC6C4}" dt="2024-12-08T16:44:54.448" v="50"/>
-          <ac:spMkLst>
-            <pc:docMk/>
-            <pc:sldMk cId="1348046584" sldId="271"/>
-            <ac:spMk id="29" creationId="{4AC0CD9D-7610-4620-93B4-798CCD9AB581}"/>
-          </ac:spMkLst>
-        </pc:spChg>
-        <pc:spChg chg="add del">
-          <ac:chgData name="Lajka Kristóf" userId="5e6963896e59b084" providerId="Windows Live" clId="Web-{4E50BE8F-85D8-4310-B6A2-2AE5379EC6C4}" dt="2024-12-08T16:44:54.448" v="50"/>
-          <ac:spMkLst>
-            <pc:docMk/>
-            <pc:sldMk cId="1348046584" sldId="271"/>
-            <ac:spMk id="32" creationId="{DE4D62F9-188E-4530-84C2-24BDEE4BEB82}"/>
-          </ac:spMkLst>
-        </pc:spChg>
-        <pc:spChg chg="add del">
-          <ac:chgData name="Lajka Kristóf" userId="5e6963896e59b084" providerId="Windows Live" clId="Web-{4E50BE8F-85D8-4310-B6A2-2AE5379EC6C4}" dt="2024-12-08T16:44:54.448" v="50"/>
-          <ac:spMkLst>
-            <pc:docMk/>
-            <pc:sldMk cId="1348046584" sldId="271"/>
-            <ac:spMk id="33" creationId="{757B325C-3E35-45CF-9D07-3BCB281F3B9C}"/>
-          </ac:spMkLst>
-        </pc:spChg>
-        <pc:spChg chg="add del">
-          <ac:chgData name="Lajka Kristóf" userId="5e6963896e59b084" providerId="Windows Live" clId="Web-{4E50BE8F-85D8-4310-B6A2-2AE5379EC6C4}" dt="2024-12-08T16:44:54.448" v="50"/>
-          <ac:spMkLst>
-            <pc:docMk/>
-            <pc:sldMk cId="1348046584" sldId="271"/>
-            <ac:spMk id="34" creationId="{C24BEC42-AFF3-40D1-93A2-A27A42E1E23C}"/>
-          </ac:spMkLst>
-        </pc:spChg>
-        <pc:spChg chg="add">
-          <ac:chgData name="Lajka Kristóf" userId="5e6963896e59b084" providerId="Windows Live" clId="Web-{4E50BE8F-85D8-4310-B6A2-2AE5379EC6C4}" dt="2024-12-08T16:44:54.526" v="51"/>
-          <ac:spMkLst>
-            <pc:docMk/>
-            <pc:sldMk cId="1348046584" sldId="271"/>
-            <ac:spMk id="38" creationId="{989BE678-777B-482A-A616-FEDC47B162E5}"/>
-          </ac:spMkLst>
-        </pc:spChg>
-        <pc:spChg chg="add">
-          <ac:chgData name="Lajka Kristóf" userId="5e6963896e59b084" providerId="Windows Live" clId="Web-{4E50BE8F-85D8-4310-B6A2-2AE5379EC6C4}" dt="2024-12-08T16:44:54.526" v="51"/>
-          <ac:spMkLst>
-            <pc:docMk/>
-            <pc:sldMk cId="1348046584" sldId="271"/>
-            <ac:spMk id="41" creationId="{D28BE0C3-2102-4820-B88B-A448B1840D14}"/>
-          </ac:spMkLst>
-        </pc:spChg>
-        <pc:spChg chg="add">
-          <ac:chgData name="Lajka Kristóf" userId="5e6963896e59b084" providerId="Windows Live" clId="Web-{4E50BE8F-85D8-4310-B6A2-2AE5379EC6C4}" dt="2024-12-08T16:44:54.526" v="51"/>
-          <ac:spMkLst>
-            <pc:docMk/>
-            <pc:sldMk cId="1348046584" sldId="271"/>
-            <ac:spMk id="42" creationId="{E4F17063-EDA4-417B-946F-BA357F3B390D}"/>
-          </ac:spMkLst>
-        </pc:spChg>
-        <pc:spChg chg="add">
-          <ac:chgData name="Lajka Kristóf" userId="5e6963896e59b084" providerId="Windows Live" clId="Web-{4E50BE8F-85D8-4310-B6A2-2AE5379EC6C4}" dt="2024-12-08T16:44:54.526" v="51"/>
-          <ac:spMkLst>
-            <pc:docMk/>
-            <pc:sldMk cId="1348046584" sldId="271"/>
-            <ac:spMk id="43" creationId="{D36F3EEA-55D4-4677-80E7-92D00B8F343B}"/>
-          </ac:spMkLst>
-        </pc:spChg>
-        <pc:picChg chg="add mod ord">
-          <ac:chgData name="Lajka Kristóf" userId="5e6963896e59b084" providerId="Windows Live" clId="Web-{4E50BE8F-85D8-4310-B6A2-2AE5379EC6C4}" dt="2024-12-08T16:44:54.526" v="51"/>
-          <ac:picMkLst>
-            <pc:docMk/>
-            <pc:sldMk cId="1348046584" sldId="271"/>
-            <ac:picMk id="4" creationId="{971D3274-5A59-4619-88F2-F7F9F4D6F05A}"/>
-          </ac:picMkLst>
-        </pc:picChg>
-        <pc:picChg chg="add del">
-          <ac:chgData name="Lajka Kristóf" userId="5e6963896e59b084" providerId="Windows Live" clId="Web-{4E50BE8F-85D8-4310-B6A2-2AE5379EC6C4}" dt="2024-12-08T16:44:49.354" v="48"/>
-          <ac:picMkLst>
-            <pc:docMk/>
-            <pc:sldMk cId="1348046584" sldId="271"/>
-            <ac:picMk id="9" creationId="{DF19BAF3-7E20-4B9D-B544-BABAEEA1FA75}"/>
-          </ac:picMkLst>
-        </pc:picChg>
-        <pc:picChg chg="add del">
-          <ac:chgData name="Lajka Kristóf" userId="5e6963896e59b084" providerId="Windows Live" clId="Web-{4E50BE8F-85D8-4310-B6A2-2AE5379EC6C4}" dt="2024-12-08T16:44:49.354" v="48"/>
-          <ac:picMkLst>
-            <pc:docMk/>
-            <pc:sldMk cId="1348046584" sldId="271"/>
-            <ac:picMk id="11" creationId="{950648F4-ABCD-4DF0-8641-76CFB2354721}"/>
-          </ac:picMkLst>
-        </pc:picChg>
-        <pc:picChg chg="add del">
-          <ac:chgData name="Lajka Kristóf" userId="5e6963896e59b084" providerId="Windows Live" clId="Web-{4E50BE8F-85D8-4310-B6A2-2AE5379EC6C4}" dt="2024-12-08T16:44:49.354" v="48"/>
-          <ac:picMkLst>
-            <pc:docMk/>
-            <pc:sldMk cId="1348046584" sldId="271"/>
-            <ac:picMk id="15" creationId="{CF1EB4BD-9C7E-4AA3-9681-C7EB0DA6250B}"/>
-          </ac:picMkLst>
-        </pc:picChg>
-        <pc:picChg chg="add del">
-          <ac:chgData name="Lajka Kristóf" userId="5e6963896e59b084" providerId="Windows Live" clId="Web-{4E50BE8F-85D8-4310-B6A2-2AE5379EC6C4}" dt="2024-12-08T16:44:49.354" v="48"/>
-          <ac:picMkLst>
-            <pc:docMk/>
-            <pc:sldMk cId="1348046584" sldId="271"/>
-            <ac:picMk id="17" creationId="{94AAE3AA-3759-4D28-B0EF-575F25A5146C}"/>
-          </ac:picMkLst>
-        </pc:picChg>
-        <pc:picChg chg="add del">
-          <ac:chgData name="Lajka Kristóf" userId="5e6963896e59b084" providerId="Windows Live" clId="Web-{4E50BE8F-85D8-4310-B6A2-2AE5379EC6C4}" dt="2024-12-08T16:44:54.448" v="50"/>
-          <ac:picMkLst>
-            <pc:docMk/>
-            <pc:sldMk cId="1348046584" sldId="271"/>
-            <ac:picMk id="26" creationId="{41B68C77-138E-4BF7-A276-BD0C78A4219F}"/>
-          </ac:picMkLst>
-        </pc:picChg>
-        <pc:picChg chg="add">
-          <ac:chgData name="Lajka Kristóf" userId="5e6963896e59b084" providerId="Windows Live" clId="Web-{4E50BE8F-85D8-4310-B6A2-2AE5379EC6C4}" dt="2024-12-08T16:44:49.385" v="49"/>
-          <ac:picMkLst>
-            <pc:docMk/>
-            <pc:sldMk cId="1348046584" sldId="271"/>
-            <ac:picMk id="28" creationId="{7C268552-D473-46ED-B1B8-422042C4DEF1}"/>
-          </ac:picMkLst>
-        </pc:picChg>
-        <pc:picChg chg="del">
-          <ac:chgData name="Lajka Kristóf" userId="5e6963896e59b084" providerId="Windows Live" clId="Web-{4E50BE8F-85D8-4310-B6A2-2AE5379EC6C4}" dt="2024-12-08T16:44:54.448" v="50"/>
-          <ac:picMkLst>
-            <pc:docMk/>
-            <pc:sldMk cId="1348046584" sldId="271"/>
-            <ac:picMk id="30" creationId="{B9238B3E-24AA-439A-B527-6C5DF6D72145}"/>
-          </ac:picMkLst>
-        </pc:picChg>
-        <pc:picChg chg="add">
-          <ac:chgData name="Lajka Kristóf" userId="5e6963896e59b084" providerId="Windows Live" clId="Web-{4E50BE8F-85D8-4310-B6A2-2AE5379EC6C4}" dt="2024-12-08T16:44:54.526" v="51"/>
-          <ac:picMkLst>
-            <pc:docMk/>
-            <pc:sldMk cId="1348046584" sldId="271"/>
-            <ac:picMk id="36" creationId="{DF19BAF3-7E20-4B9D-B544-BABAEEA1FA75}"/>
-          </ac:picMkLst>
-        </pc:picChg>
-        <pc:picChg chg="add">
-          <ac:chgData name="Lajka Kristóf" userId="5e6963896e59b084" providerId="Windows Live" clId="Web-{4E50BE8F-85D8-4310-B6A2-2AE5379EC6C4}" dt="2024-12-08T16:44:54.526" v="51"/>
-          <ac:picMkLst>
-            <pc:docMk/>
-            <pc:sldMk cId="1348046584" sldId="271"/>
-            <ac:picMk id="37" creationId="{950648F4-ABCD-4DF0-8641-76CFB2354721}"/>
-          </ac:picMkLst>
-        </pc:picChg>
-        <pc:picChg chg="add">
-          <ac:chgData name="Lajka Kristóf" userId="5e6963896e59b084" providerId="Windows Live" clId="Web-{4E50BE8F-85D8-4310-B6A2-2AE5379EC6C4}" dt="2024-12-08T16:44:54.526" v="51"/>
-          <ac:picMkLst>
-            <pc:docMk/>
-            <pc:sldMk cId="1348046584" sldId="271"/>
-            <ac:picMk id="39" creationId="{CF1EB4BD-9C7E-4AA3-9681-C7EB0DA6250B}"/>
-          </ac:picMkLst>
-        </pc:picChg>
-        <pc:picChg chg="add">
-          <ac:chgData name="Lajka Kristóf" userId="5e6963896e59b084" providerId="Windows Live" clId="Web-{4E50BE8F-85D8-4310-B6A2-2AE5379EC6C4}" dt="2024-12-08T16:44:54.526" v="51"/>
-          <ac:picMkLst>
-            <pc:docMk/>
-            <pc:sldMk cId="1348046584" sldId="271"/>
-            <ac:picMk id="40" creationId="{94AAE3AA-3759-4D28-B0EF-575F25A5146C}"/>
-          </ac:picMkLst>
-        </pc:picChg>
-      </pc:sldChg>
-      <pc:sldChg chg="addSp delSp modSp new modTransition">
-        <pc:chgData name="Lajka Kristóf" userId="5e6963896e59b084" providerId="Windows Live" clId="Web-{4E50BE8F-85D8-4310-B6A2-2AE5379EC6C4}" dt="2024-12-08T16:49:39.220" v="152"/>
-        <pc:sldMkLst>
-          <pc:docMk/>
-          <pc:sldMk cId="3092647374" sldId="272"/>
-        </pc:sldMkLst>
-        <pc:spChg chg="mod">
-          <ac:chgData name="Lajka Kristóf" userId="5e6963896e59b084" providerId="Windows Live" clId="Web-{4E50BE8F-85D8-4310-B6A2-2AE5379EC6C4}" dt="2024-12-08T16:45:12.573" v="59" actId="20577"/>
-          <ac:spMkLst>
-            <pc:docMk/>
-            <pc:sldMk cId="3092647374" sldId="272"/>
-            <ac:spMk id="2" creationId="{3DDA17D0-AE6D-499C-599E-38D6F6383644}"/>
-          </ac:spMkLst>
-        </pc:spChg>
-        <pc:spChg chg="del">
-          <ac:chgData name="Lajka Kristóf" userId="5e6963896e59b084" providerId="Windows Live" clId="Web-{4E50BE8F-85D8-4310-B6A2-2AE5379EC6C4}" dt="2024-12-08T16:45:09.573" v="53"/>
-          <ac:spMkLst>
-            <pc:docMk/>
-            <pc:sldMk cId="3092647374" sldId="272"/>
-            <ac:spMk id="3" creationId="{7C8DC54F-5568-0AFF-0AA0-1F01D69503D8}"/>
-          </ac:spMkLst>
-        </pc:spChg>
-        <pc:spChg chg="add mod">
-          <ac:chgData name="Lajka Kristóf" userId="5e6963896e59b084" providerId="Windows Live" clId="Web-{4E50BE8F-85D8-4310-B6A2-2AE5379EC6C4}" dt="2024-12-08T16:46:18.996" v="78" actId="1076"/>
-          <ac:spMkLst>
-            <pc:docMk/>
-            <pc:sldMk cId="3092647374" sldId="272"/>
-            <ac:spMk id="5" creationId="{A5552F42-51B1-EB6C-EFB5-C91C770312BE}"/>
-          </ac:spMkLst>
-        </pc:spChg>
-        <pc:spChg chg="add mod">
-          <ac:chgData name="Lajka Kristóf" userId="5e6963896e59b084" providerId="Windows Live" clId="Web-{4E50BE8F-85D8-4310-B6A2-2AE5379EC6C4}" dt="2024-12-08T16:46:23.965" v="80" actId="1076"/>
-          <ac:spMkLst>
-            <pc:docMk/>
-            <pc:sldMk cId="3092647374" sldId="272"/>
-            <ac:spMk id="7" creationId="{D9C922F4-7BCB-B0E1-B623-7AD1C3EC51F1}"/>
-          </ac:spMkLst>
-        </pc:spChg>
-        <pc:spChg chg="add mod">
-          <ac:chgData name="Lajka Kristóf" userId="5e6963896e59b084" providerId="Windows Live" clId="Web-{4E50BE8F-85D8-4310-B6A2-2AE5379EC6C4}" dt="2024-12-08T16:46:38.762" v="94" actId="1076"/>
-          <ac:spMkLst>
-            <pc:docMk/>
-            <pc:sldMk cId="3092647374" sldId="272"/>
-            <ac:spMk id="9" creationId="{F85E2508-6E72-60A8-E687-155C9A0D1C24}"/>
-          </ac:spMkLst>
-        </pc:spChg>
-        <pc:spChg chg="add mod">
-          <ac:chgData name="Lajka Kristóf" userId="5e6963896e59b084" providerId="Windows Live" clId="Web-{4E50BE8F-85D8-4310-B6A2-2AE5379EC6C4}" dt="2024-12-08T16:46:58.357" v="99" actId="1076"/>
-          <ac:spMkLst>
-            <pc:docMk/>
-            <pc:sldMk cId="3092647374" sldId="272"/>
-            <ac:spMk id="11" creationId="{150026F0-8469-FAE7-A25D-4F08B9BA53F8}"/>
-          </ac:spMkLst>
-        </pc:spChg>
-        <pc:picChg chg="add mod ord">
-          <ac:chgData name="Lajka Kristóf" userId="5e6963896e59b084" providerId="Windows Live" clId="Web-{4E50BE8F-85D8-4310-B6A2-2AE5379EC6C4}" dt="2024-12-08T16:46:16.356" v="77" actId="1076"/>
-          <ac:picMkLst>
-            <pc:docMk/>
-            <pc:sldMk cId="3092647374" sldId="272"/>
-            <ac:picMk id="4" creationId="{C7024BAB-7B2A-F7F6-79DF-F1EFEB3683B5}"/>
-          </ac:picMkLst>
-        </pc:picChg>
-        <pc:picChg chg="add mod">
-          <ac:chgData name="Lajka Kristóf" userId="5e6963896e59b084" providerId="Windows Live" clId="Web-{4E50BE8F-85D8-4310-B6A2-2AE5379EC6C4}" dt="2024-12-08T16:46:21.403" v="79" actId="1076"/>
-          <ac:picMkLst>
-            <pc:docMk/>
-            <pc:sldMk cId="3092647374" sldId="272"/>
-            <ac:picMk id="6" creationId="{67E1474F-EFF8-0806-A0C0-2B0A9F074332}"/>
-          </ac:picMkLst>
-        </pc:picChg>
-        <pc:picChg chg="add mod">
-          <ac:chgData name="Lajka Kristóf" userId="5e6963896e59b084" providerId="Windows Live" clId="Web-{4E50BE8F-85D8-4310-B6A2-2AE5379EC6C4}" dt="2024-12-08T16:46:13.090" v="76" actId="1076"/>
-          <ac:picMkLst>
-            <pc:docMk/>
-            <pc:sldMk cId="3092647374" sldId="272"/>
-            <ac:picMk id="8" creationId="{047AAA7C-B3CF-3A1C-3D4C-98D2E83A772F}"/>
-          </ac:picMkLst>
-        </pc:picChg>
-        <pc:picChg chg="add mod">
-          <ac:chgData name="Lajka Kristóf" userId="5e6963896e59b084" providerId="Windows Live" clId="Web-{4E50BE8F-85D8-4310-B6A2-2AE5379EC6C4}" dt="2024-12-08T16:46:49.419" v="96" actId="1076"/>
-          <ac:picMkLst>
-            <pc:docMk/>
-            <pc:sldMk cId="3092647374" sldId="272"/>
-            <ac:picMk id="10" creationId="{23415379-F582-8014-CBB1-DF0223451D9D}"/>
-          </ac:picMkLst>
-        </pc:picChg>
-      </pc:sldChg>
-      <pc:sldChg chg="delSp modSp new mod modClrScheme chgLayout">
-        <pc:chgData name="Lajka Kristóf" userId="5e6963896e59b084" providerId="Windows Live" clId="Web-{4E50BE8F-85D8-4310-B6A2-2AE5379EC6C4}" dt="2024-12-08T16:50:20.189" v="173" actId="1076"/>
-        <pc:sldMkLst>
-          <pc:docMk/>
-          <pc:sldMk cId="1046954273" sldId="273"/>
-        </pc:sldMkLst>
-        <pc:spChg chg="mod ord">
-          <ac:chgData name="Lajka Kristóf" userId="5e6963896e59b084" providerId="Windows Live" clId="Web-{4E50BE8F-85D8-4310-B6A2-2AE5379EC6C4}" dt="2024-12-08T16:50:20.189" v="173" actId="1076"/>
-          <ac:spMkLst>
-            <pc:docMk/>
-            <pc:sldMk cId="1046954273" sldId="273"/>
-            <ac:spMk id="2" creationId="{7C83DE72-A24C-6766-2A0D-3AE12DD58D47}"/>
-          </ac:spMkLst>
-        </pc:spChg>
-        <pc:spChg chg="del mod ord">
-          <ac:chgData name="Lajka Kristóf" userId="5e6963896e59b084" providerId="Windows Live" clId="Web-{4E50BE8F-85D8-4310-B6A2-2AE5379EC6C4}" dt="2024-12-08T16:50:12.502" v="170"/>
-          <ac:spMkLst>
-            <pc:docMk/>
-            <pc:sldMk cId="1046954273" sldId="273"/>
-            <ac:spMk id="3" creationId="{B75831C6-0A84-5D55-3175-E4C807265172}"/>
-          </ac:spMkLst>
-        </pc:spChg>
-      </pc:sldChg>
-      <pc:sldChg chg="addSp delSp modSp new modTransition">
-        <pc:chgData name="Lajka Kristóf" userId="5e6963896e59b084" providerId="Windows Live" clId="Web-{4E50BE8F-85D8-4310-B6A2-2AE5379EC6C4}" dt="2024-12-08T16:49:39.220" v="149"/>
-        <pc:sldMkLst>
-          <pc:docMk/>
-          <pc:sldMk cId="263871110" sldId="274"/>
-        </pc:sldMkLst>
-        <pc:spChg chg="mod">
-          <ac:chgData name="Lajka Kristóf" userId="5e6963896e59b084" providerId="Windows Live" clId="Web-{4E50BE8F-85D8-4310-B6A2-2AE5379EC6C4}" dt="2024-12-08T16:47:19.279" v="110" actId="20577"/>
-          <ac:spMkLst>
-            <pc:docMk/>
-            <pc:sldMk cId="263871110" sldId="274"/>
-            <ac:spMk id="2" creationId="{A516CBBC-1215-839B-C529-40AFF1DBA5FA}"/>
-          </ac:spMkLst>
-        </pc:spChg>
-        <pc:spChg chg="del">
-          <ac:chgData name="Lajka Kristóf" userId="5e6963896e59b084" providerId="Windows Live" clId="Web-{4E50BE8F-85D8-4310-B6A2-2AE5379EC6C4}" dt="2024-12-08T16:47:24.014" v="111"/>
-          <ac:spMkLst>
-            <pc:docMk/>
-            <pc:sldMk cId="263871110" sldId="274"/>
-            <ac:spMk id="3" creationId="{4FED0EAA-BF5E-8425-4962-70F27F4200A2}"/>
-          </ac:spMkLst>
-        </pc:spChg>
-        <pc:spChg chg="add mod">
-          <ac:chgData name="Lajka Kristóf" userId="5e6963896e59b084" providerId="Windows Live" clId="Web-{4E50BE8F-85D8-4310-B6A2-2AE5379EC6C4}" dt="2024-12-08T16:47:36.295" v="120" actId="1076"/>
-          <ac:spMkLst>
-            <pc:docMk/>
-            <pc:sldMk cId="263871110" sldId="274"/>
-            <ac:spMk id="5" creationId="{061CDD4A-897E-440E-CB45-70C89985EE10}"/>
-          </ac:spMkLst>
-        </pc:spChg>
-        <pc:spChg chg="add mod">
-          <ac:chgData name="Lajka Kristóf" userId="5e6963896e59b084" providerId="Windows Live" clId="Web-{4E50BE8F-85D8-4310-B6A2-2AE5379EC6C4}" dt="2024-12-08T16:47:55.249" v="129" actId="1076"/>
-          <ac:spMkLst>
-            <pc:docMk/>
-            <pc:sldMk cId="263871110" sldId="274"/>
-            <ac:spMk id="7" creationId="{76F60A54-300A-ACA9-6AC4-80133601EA2C}"/>
-          </ac:spMkLst>
-        </pc:spChg>
-        <pc:picChg chg="add mod ord">
-          <ac:chgData name="Lajka Kristóf" userId="5e6963896e59b084" providerId="Windows Live" clId="Web-{4E50BE8F-85D8-4310-B6A2-2AE5379EC6C4}" dt="2024-12-08T16:47:25.904" v="112" actId="1076"/>
-          <ac:picMkLst>
-            <pc:docMk/>
-            <pc:sldMk cId="263871110" sldId="274"/>
-            <ac:picMk id="4" creationId="{8F51012D-93CF-6638-A16C-EC585B8CA647}"/>
-          </ac:picMkLst>
-        </pc:picChg>
-        <pc:picChg chg="add mod">
-          <ac:chgData name="Lajka Kristóf" userId="5e6963896e59b084" providerId="Windows Live" clId="Web-{4E50BE8F-85D8-4310-B6A2-2AE5379EC6C4}" dt="2024-12-08T16:47:44.295" v="122" actId="1076"/>
-          <ac:picMkLst>
-            <pc:docMk/>
-            <pc:sldMk cId="263871110" sldId="274"/>
-            <ac:picMk id="6" creationId="{F554DD30-6FD6-D479-FB9F-AA02FDB2159A}"/>
-          </ac:picMkLst>
-        </pc:picChg>
-      </pc:sldChg>
-    </pc:docChg>
-  </pc:docChgLst>
-  <pc:docChgLst>
-    <pc:chgData name="Adam Varadi" userId="dbc01b4e7024b25f" providerId="LiveId" clId="{4B492C43-68EB-434E-B722-B261FC6B55E6}"/>
-    <pc:docChg chg="undo custSel addSld delSld modSld sldOrd">
-      <pc:chgData name="Adam Varadi" userId="dbc01b4e7024b25f" providerId="LiveId" clId="{4B492C43-68EB-434E-B722-B261FC6B55E6}" dt="2024-10-28T15:20:11.674" v="173" actId="1076"/>
-      <pc:docMkLst>
-        <pc:docMk/>
-      </pc:docMkLst>
-      <pc:sldChg chg="addSp delSp modSp mod">
-        <pc:chgData name="Adam Varadi" userId="dbc01b4e7024b25f" providerId="LiveId" clId="{4B492C43-68EB-434E-B722-B261FC6B55E6}" dt="2024-10-28T14:12:09.199" v="8" actId="1076"/>
-        <pc:sldMkLst>
-          <pc:docMk/>
-          <pc:sldMk cId="280766078" sldId="259"/>
-        </pc:sldMkLst>
-        <pc:spChg chg="mod">
-          <ac:chgData name="Adam Varadi" userId="dbc01b4e7024b25f" providerId="LiveId" clId="{4B492C43-68EB-434E-B722-B261FC6B55E6}" dt="2024-10-28T14:11:58.768" v="3" actId="1076"/>
-          <ac:spMkLst>
-            <pc:docMk/>
-            <pc:sldMk cId="280766078" sldId="259"/>
-            <ac:spMk id="2" creationId="{949C163E-5A6C-C99F-38D2-6AF608301887}"/>
-          </ac:spMkLst>
-        </pc:spChg>
-        <pc:spChg chg="add del mod">
-          <ac:chgData name="Adam Varadi" userId="dbc01b4e7024b25f" providerId="LiveId" clId="{4B492C43-68EB-434E-B722-B261FC6B55E6}" dt="2024-10-28T14:12:07.258" v="7"/>
-          <ac:spMkLst>
-            <pc:docMk/>
-            <pc:sldMk cId="280766078" sldId="259"/>
-            <ac:spMk id="7" creationId="{92641440-C7E6-7ECE-B05F-C4D6FE4D4E33}"/>
-          </ac:spMkLst>
-        </pc:spChg>
-        <pc:graphicFrameChg chg="del mod modGraphic">
-          <ac:chgData name="Adam Varadi" userId="dbc01b4e7024b25f" providerId="LiveId" clId="{4B492C43-68EB-434E-B722-B261FC6B55E6}" dt="2024-10-28T14:12:05.460" v="6" actId="478"/>
-          <ac:graphicFrameMkLst>
-            <pc:docMk/>
-            <pc:sldMk cId="280766078" sldId="259"/>
-            <ac:graphicFrameMk id="4" creationId="{C83A7C75-0BBF-9FF5-0F6A-D26E0AA3CD69}"/>
-          </ac:graphicFrameMkLst>
-        </pc:graphicFrameChg>
-        <pc:graphicFrameChg chg="add mod">
-          <ac:chgData name="Adam Varadi" userId="dbc01b4e7024b25f" providerId="LiveId" clId="{4B492C43-68EB-434E-B722-B261FC6B55E6}" dt="2024-10-28T14:12:09.199" v="8" actId="1076"/>
-          <ac:graphicFrameMkLst>
-            <pc:docMk/>
-            <pc:sldMk cId="280766078" sldId="259"/>
-            <ac:graphicFrameMk id="8" creationId="{57BD3877-1494-77FD-5DCF-838AA688127B}"/>
-          </ac:graphicFrameMkLst>
-        </pc:graphicFrameChg>
-      </pc:sldChg>
-      <pc:sldChg chg="ord">
-        <pc:chgData name="Adam Varadi" userId="dbc01b4e7024b25f" providerId="LiveId" clId="{4B492C43-68EB-434E-B722-B261FC6B55E6}" dt="2024-10-28T14:26:54.495" v="62"/>
-        <pc:sldMkLst>
-          <pc:docMk/>
-          <pc:sldMk cId="3549832733" sldId="260"/>
-        </pc:sldMkLst>
-      </pc:sldChg>
-      <pc:sldChg chg="ord">
-        <pc:chgData name="Adam Varadi" userId="dbc01b4e7024b25f" providerId="LiveId" clId="{4B492C43-68EB-434E-B722-B261FC6B55E6}" dt="2024-10-28T14:25:23.299" v="32"/>
-        <pc:sldMkLst>
-          <pc:docMk/>
-          <pc:sldMk cId="590870679" sldId="262"/>
-        </pc:sldMkLst>
-      </pc:sldChg>
-      <pc:sldChg chg="addSp delSp modSp new mod ord">
-        <pc:chgData name="Adam Varadi" userId="dbc01b4e7024b25f" providerId="LiveId" clId="{4B492C43-68EB-434E-B722-B261FC6B55E6}" dt="2024-10-28T15:17:12.098" v="130" actId="1076"/>
-        <pc:sldMkLst>
-          <pc:docMk/>
-          <pc:sldMk cId="410447792" sldId="263"/>
-        </pc:sldMkLst>
-        <pc:spChg chg="mod">
-          <ac:chgData name="Adam Varadi" userId="dbc01b4e7024b25f" providerId="LiveId" clId="{4B492C43-68EB-434E-B722-B261FC6B55E6}" dt="2024-10-28T14:20:19.341" v="13" actId="20577"/>
-          <ac:spMkLst>
-            <pc:docMk/>
-            <pc:sldMk cId="410447792" sldId="263"/>
-            <ac:spMk id="2" creationId="{C5212948-0142-3E06-0AD6-9CD0827A0754}"/>
-          </ac:spMkLst>
-        </pc:spChg>
-        <pc:spChg chg="del">
-          <ac:chgData name="Adam Varadi" userId="dbc01b4e7024b25f" providerId="LiveId" clId="{4B492C43-68EB-434E-B722-B261FC6B55E6}" dt="2024-10-28T15:17:06.543" v="128" actId="22"/>
-          <ac:spMkLst>
-            <pc:docMk/>
-            <pc:sldMk cId="410447792" sldId="263"/>
-            <ac:spMk id="3" creationId="{75A82443-63AC-3840-477C-43776D23D707}"/>
-          </ac:spMkLst>
-        </pc:spChg>
-        <pc:picChg chg="add mod ord">
-          <ac:chgData name="Adam Varadi" userId="dbc01b4e7024b25f" providerId="LiveId" clId="{4B492C43-68EB-434E-B722-B261FC6B55E6}" dt="2024-10-28T15:17:12.098" v="130" actId="1076"/>
-          <ac:picMkLst>
-            <pc:docMk/>
-            <pc:sldMk cId="410447792" sldId="263"/>
-            <ac:picMk id="5" creationId="{5BD9FAB6-3A4B-0C58-48A1-8105C3A1FD8C}"/>
-          </ac:picMkLst>
-        </pc:picChg>
-      </pc:sldChg>
-      <pc:sldChg chg="addSp delSp modSp new mod ord">
-        <pc:chgData name="Adam Varadi" userId="dbc01b4e7024b25f" providerId="LiveId" clId="{4B492C43-68EB-434E-B722-B261FC6B55E6}" dt="2024-10-28T15:05:25.380" v="91" actId="1076"/>
-        <pc:sldMkLst>
-          <pc:docMk/>
-          <pc:sldMk cId="1164550516" sldId="264"/>
-        </pc:sldMkLst>
-        <pc:spChg chg="mod">
-          <ac:chgData name="Adam Varadi" userId="dbc01b4e7024b25f" providerId="LiveId" clId="{4B492C43-68EB-434E-B722-B261FC6B55E6}" dt="2024-10-28T14:25:16.147" v="29" actId="20577"/>
-          <ac:spMkLst>
-            <pc:docMk/>
-            <pc:sldMk cId="1164550516" sldId="264"/>
-            <ac:spMk id="2" creationId="{6508B4F6-0164-4591-912F-1669F9412096}"/>
-          </ac:spMkLst>
-        </pc:spChg>
-        <pc:spChg chg="del">
-          <ac:chgData name="Adam Varadi" userId="dbc01b4e7024b25f" providerId="LiveId" clId="{4B492C43-68EB-434E-B722-B261FC6B55E6}" dt="2024-10-28T15:05:13.015" v="86" actId="22"/>
-          <ac:spMkLst>
-            <pc:docMk/>
-            <pc:sldMk cId="1164550516" sldId="264"/>
-            <ac:spMk id="3" creationId="{FA4440DB-22F3-2D0D-BAD9-480EC732D354}"/>
-          </ac:spMkLst>
-        </pc:spChg>
-        <pc:picChg chg="add mod ord">
-          <ac:chgData name="Adam Varadi" userId="dbc01b4e7024b25f" providerId="LiveId" clId="{4B492C43-68EB-434E-B722-B261FC6B55E6}" dt="2024-10-28T15:05:25.380" v="91" actId="1076"/>
-          <ac:picMkLst>
-            <pc:docMk/>
-            <pc:sldMk cId="1164550516" sldId="264"/>
-            <ac:picMk id="5" creationId="{637B6366-D600-A5CB-78E2-A9FBF69A7D6C}"/>
-          </ac:picMkLst>
-        </pc:picChg>
-      </pc:sldChg>
-      <pc:sldChg chg="addSp delSp modSp new mod ord setBg setClrOvrMap">
-        <pc:chgData name="Adam Varadi" userId="dbc01b4e7024b25f" providerId="LiveId" clId="{4B492C43-68EB-434E-B722-B261FC6B55E6}" dt="2024-10-28T15:17:31.138" v="132"/>
-        <pc:sldMkLst>
-          <pc:docMk/>
-          <pc:sldMk cId="2015113315" sldId="265"/>
-        </pc:sldMkLst>
-        <pc:spChg chg="mod ord">
-          <ac:chgData name="Adam Varadi" userId="dbc01b4e7024b25f" providerId="LiveId" clId="{4B492C43-68EB-434E-B722-B261FC6B55E6}" dt="2024-10-28T15:02:45.487" v="85" actId="26606"/>
-          <ac:spMkLst>
-            <pc:docMk/>
-            <pc:sldMk cId="2015113315" sldId="265"/>
-            <ac:spMk id="2" creationId="{6B02B882-08BF-D1D2-91B2-742A3C6D665F}"/>
-          </ac:spMkLst>
-        </pc:spChg>
-        <pc:spChg chg="del">
-          <ac:chgData name="Adam Varadi" userId="dbc01b4e7024b25f" providerId="LiveId" clId="{4B492C43-68EB-434E-B722-B261FC6B55E6}" dt="2024-10-28T15:02:01.981" v="80" actId="22"/>
-          <ac:spMkLst>
-            <pc:docMk/>
-            <pc:sldMk cId="2015113315" sldId="265"/>
-            <ac:spMk id="3" creationId="{B3185399-7ED8-05BF-4087-4A647E8B5990}"/>
-          </ac:spMkLst>
-        </pc:spChg>
-        <pc:spChg chg="add del">
-          <ac:chgData name="Adam Varadi" userId="dbc01b4e7024b25f" providerId="LiveId" clId="{4B492C43-68EB-434E-B722-B261FC6B55E6}" dt="2024-10-28T15:02:45.439" v="84" actId="26606"/>
-          <ac:spMkLst>
-            <pc:docMk/>
-            <pc:sldMk cId="2015113315" sldId="265"/>
-            <ac:spMk id="9" creationId="{5054524D-D5F1-B44B-0A37-0FE3F5227A3A}"/>
-          </ac:spMkLst>
-        </pc:spChg>
-        <pc:spChg chg="add del">
-          <ac:chgData name="Adam Varadi" userId="dbc01b4e7024b25f" providerId="LiveId" clId="{4B492C43-68EB-434E-B722-B261FC6B55E6}" dt="2024-10-28T15:02:16.403" v="82" actId="26606"/>
-          <ac:spMkLst>
-            <pc:docMk/>
-            <pc:sldMk cId="2015113315" sldId="265"/>
-            <ac:spMk id="14" creationId="{4AC0CD9D-7610-4620-93B4-798CCD9AB581}"/>
-          </ac:spMkLst>
-        </pc:spChg>
-        <pc:spChg chg="add del">
-          <ac:chgData name="Adam Varadi" userId="dbc01b4e7024b25f" providerId="LiveId" clId="{4B492C43-68EB-434E-B722-B261FC6B55E6}" dt="2024-10-28T15:02:16.403" v="82" actId="26606"/>
-          <ac:spMkLst>
-            <pc:docMk/>
-            <pc:sldMk cId="2015113315" sldId="265"/>
-            <ac:spMk id="20" creationId="{DE4D62F9-188E-4530-84C2-24BDEE4BEB82}"/>
-          </ac:spMkLst>
-        </pc:spChg>
-        <pc:spChg chg="add del">
-          <ac:chgData name="Adam Varadi" userId="dbc01b4e7024b25f" providerId="LiveId" clId="{4B492C43-68EB-434E-B722-B261FC6B55E6}" dt="2024-10-28T15:02:16.403" v="82" actId="26606"/>
-          <ac:spMkLst>
-            <pc:docMk/>
-            <pc:sldMk cId="2015113315" sldId="265"/>
-            <ac:spMk id="22" creationId="{757B325C-3E35-45CF-9D07-3BCB281F3B9C}"/>
-          </ac:spMkLst>
-        </pc:spChg>
-        <pc:spChg chg="add del">
-          <ac:chgData name="Adam Varadi" userId="dbc01b4e7024b25f" providerId="LiveId" clId="{4B492C43-68EB-434E-B722-B261FC6B55E6}" dt="2024-10-28T15:02:16.403" v="82" actId="26606"/>
-          <ac:spMkLst>
-            <pc:docMk/>
-            <pc:sldMk cId="2015113315" sldId="265"/>
-            <ac:spMk id="24" creationId="{C24BEC42-AFF3-40D1-93A2-A27A42E1E23C}"/>
-          </ac:spMkLst>
-        </pc:spChg>
-        <pc:spChg chg="add del">
-          <ac:chgData name="Adam Varadi" userId="dbc01b4e7024b25f" providerId="LiveId" clId="{4B492C43-68EB-434E-B722-B261FC6B55E6}" dt="2024-10-28T15:02:16.403" v="82" actId="26606"/>
-          <ac:spMkLst>
-            <pc:docMk/>
-            <pc:sldMk cId="2015113315" sldId="265"/>
-            <ac:spMk id="26" creationId="{608F427C-1EC9-4280-9367-F2B3AA063E82}"/>
-          </ac:spMkLst>
-        </pc:spChg>
-        <pc:spChg chg="add del">
-          <ac:chgData name="Adam Varadi" userId="dbc01b4e7024b25f" providerId="LiveId" clId="{4B492C43-68EB-434E-B722-B261FC6B55E6}" dt="2024-10-28T15:02:16.403" v="82" actId="26606"/>
-          <ac:spMkLst>
-            <pc:docMk/>
-            <pc:sldMk cId="2015113315" sldId="265"/>
-            <ac:spMk id="28" creationId="{F98810A7-E114-447A-A7D6-69B27CFB5650}"/>
-          </ac:spMkLst>
-        </pc:spChg>
-        <pc:spChg chg="add del">
-          <ac:chgData name="Adam Varadi" userId="dbc01b4e7024b25f" providerId="LiveId" clId="{4B492C43-68EB-434E-B722-B261FC6B55E6}" dt="2024-10-28T15:02:45.439" v="84" actId="26606"/>
-          <ac:spMkLst>
-            <pc:docMk/>
-            <pc:sldMk cId="2015113315" sldId="265"/>
-            <ac:spMk id="30" creationId="{8D489E29-742E-4D34-AB08-CE3217805B81}"/>
-          </ac:spMkLst>
-        </pc:spChg>
-        <pc:spChg chg="add">
-          <ac:chgData name="Adam Varadi" userId="dbc01b4e7024b25f" providerId="LiveId" clId="{4B492C43-68EB-434E-B722-B261FC6B55E6}" dt="2024-10-28T15:02:45.487" v="85" actId="26606"/>
-          <ac:spMkLst>
-            <pc:docMk/>
-            <pc:sldMk cId="2015113315" sldId="265"/>
-            <ac:spMk id="34" creationId="{989BE678-777B-482A-A616-FEDC47B162E5}"/>
-          </ac:spMkLst>
-        </pc:spChg>
-        <pc:spChg chg="add">
-          <ac:chgData name="Adam Varadi" userId="dbc01b4e7024b25f" providerId="LiveId" clId="{4B492C43-68EB-434E-B722-B261FC6B55E6}" dt="2024-10-28T15:02:45.487" v="85" actId="26606"/>
-          <ac:spMkLst>
-            <pc:docMk/>
-            <pc:sldMk cId="2015113315" sldId="265"/>
-            <ac:spMk id="37" creationId="{D28BE0C3-2102-4820-B88B-A448B1840D14}"/>
-          </ac:spMkLst>
-        </pc:spChg>
-        <pc:spChg chg="add">
-          <ac:chgData name="Adam Varadi" userId="dbc01b4e7024b25f" providerId="LiveId" clId="{4B492C43-68EB-434E-B722-B261FC6B55E6}" dt="2024-10-28T15:02:45.487" v="85" actId="26606"/>
-          <ac:spMkLst>
-            <pc:docMk/>
-            <pc:sldMk cId="2015113315" sldId="265"/>
-            <ac:spMk id="38" creationId="{E4F17063-EDA4-417B-946F-BA357F3B390D}"/>
-          </ac:spMkLst>
-        </pc:spChg>
-        <pc:spChg chg="add">
-          <ac:chgData name="Adam Varadi" userId="dbc01b4e7024b25f" providerId="LiveId" clId="{4B492C43-68EB-434E-B722-B261FC6B55E6}" dt="2024-10-28T15:02:45.487" v="85" actId="26606"/>
-          <ac:spMkLst>
-            <pc:docMk/>
-            <pc:sldMk cId="2015113315" sldId="265"/>
-            <ac:spMk id="39" creationId="{D36F3EEA-55D4-4677-80E7-92D00B8F343B}"/>
-          </ac:spMkLst>
-        </pc:spChg>
-        <pc:picChg chg="add mod ord">
-          <ac:chgData name="Adam Varadi" userId="dbc01b4e7024b25f" providerId="LiveId" clId="{4B492C43-68EB-434E-B722-B261FC6B55E6}" dt="2024-10-28T15:02:45.487" v="85" actId="26606"/>
-          <ac:picMkLst>
-            <pc:docMk/>
-            <pc:sldMk cId="2015113315" sldId="265"/>
-            <ac:picMk id="5" creationId="{777E1E84-5CD2-F4EA-B613-369956660E14}"/>
-          </ac:picMkLst>
-        </pc:picChg>
-        <pc:picChg chg="add del">
-          <ac:chgData name="Adam Varadi" userId="dbc01b4e7024b25f" providerId="LiveId" clId="{4B492C43-68EB-434E-B722-B261FC6B55E6}" dt="2024-10-28T15:02:16.403" v="82" actId="26606"/>
-          <ac:picMkLst>
-            <pc:docMk/>
-            <pc:sldMk cId="2015113315" sldId="265"/>
-            <ac:picMk id="10" creationId="{41B68C77-138E-4BF7-A276-BD0C78A4219F}"/>
-          </ac:picMkLst>
-        </pc:picChg>
-        <pc:picChg chg="add del">
-          <ac:chgData name="Adam Varadi" userId="dbc01b4e7024b25f" providerId="LiveId" clId="{4B492C43-68EB-434E-B722-B261FC6B55E6}" dt="2024-10-28T15:02:16.403" v="82" actId="26606"/>
-          <ac:picMkLst>
-            <pc:docMk/>
-            <pc:sldMk cId="2015113315" sldId="265"/>
-            <ac:picMk id="12" creationId="{7C268552-D473-46ED-B1B8-422042C4DEF1}"/>
-          </ac:picMkLst>
-        </pc:picChg>
-        <pc:picChg chg="add del">
-          <ac:chgData name="Adam Varadi" userId="dbc01b4e7024b25f" providerId="LiveId" clId="{4B492C43-68EB-434E-B722-B261FC6B55E6}" dt="2024-10-28T15:02:16.403" v="82" actId="26606"/>
-          <ac:picMkLst>
-            <pc:docMk/>
-            <pc:sldMk cId="2015113315" sldId="265"/>
-            <ac:picMk id="16" creationId="{B9238B3E-24AA-439A-B527-6C5DF6D72145}"/>
-          </ac:picMkLst>
-        </pc:picChg>
-        <pc:picChg chg="add del">
-          <ac:chgData name="Adam Varadi" userId="dbc01b4e7024b25f" providerId="LiveId" clId="{4B492C43-68EB-434E-B722-B261FC6B55E6}" dt="2024-10-28T15:02:16.403" v="82" actId="26606"/>
-          <ac:picMkLst>
-            <pc:docMk/>
-            <pc:sldMk cId="2015113315" sldId="265"/>
-            <ac:picMk id="18" creationId="{69F01145-BEA3-4CBF-AA21-10077B948CA8}"/>
-          </ac:picMkLst>
-        </pc:picChg>
-        <pc:picChg chg="add">
-          <ac:chgData name="Adam Varadi" userId="dbc01b4e7024b25f" providerId="LiveId" clId="{4B492C43-68EB-434E-B722-B261FC6B55E6}" dt="2024-10-28T15:02:45.487" v="85" actId="26606"/>
-          <ac:picMkLst>
-            <pc:docMk/>
-            <pc:sldMk cId="2015113315" sldId="265"/>
-            <ac:picMk id="32" creationId="{DF19BAF3-7E20-4B9D-B544-BABAEEA1FA75}"/>
-          </ac:picMkLst>
-        </pc:picChg>
-        <pc:picChg chg="add">
-          <ac:chgData name="Adam Varadi" userId="dbc01b4e7024b25f" providerId="LiveId" clId="{4B492C43-68EB-434E-B722-B261FC6B55E6}" dt="2024-10-28T15:02:45.487" v="85" actId="26606"/>
-          <ac:picMkLst>
-            <pc:docMk/>
-            <pc:sldMk cId="2015113315" sldId="265"/>
-            <ac:picMk id="33" creationId="{950648F4-ABCD-4DF0-8641-76CFB2354721}"/>
-          </ac:picMkLst>
-        </pc:picChg>
-        <pc:picChg chg="add">
-          <ac:chgData name="Adam Varadi" userId="dbc01b4e7024b25f" providerId="LiveId" clId="{4B492C43-68EB-434E-B722-B261FC6B55E6}" dt="2024-10-28T15:02:45.487" v="85" actId="26606"/>
-          <ac:picMkLst>
-            <pc:docMk/>
-            <pc:sldMk cId="2015113315" sldId="265"/>
-            <ac:picMk id="35" creationId="{CF1EB4BD-9C7E-4AA3-9681-C7EB0DA6250B}"/>
-          </ac:picMkLst>
-        </pc:picChg>
-        <pc:picChg chg="add">
-          <ac:chgData name="Adam Varadi" userId="dbc01b4e7024b25f" providerId="LiveId" clId="{4B492C43-68EB-434E-B722-B261FC6B55E6}" dt="2024-10-28T15:02:45.487" v="85" actId="26606"/>
-          <ac:picMkLst>
-            <pc:docMk/>
-            <pc:sldMk cId="2015113315" sldId="265"/>
-            <ac:picMk id="36" creationId="{94AAE3AA-3759-4D28-B0EF-575F25A5146C}"/>
-          </ac:picMkLst>
-        </pc:picChg>
-      </pc:sldChg>
-      <pc:sldChg chg="addSp delSp modSp new mod ord setBg setClrOvrMap">
-        <pc:chgData name="Adam Varadi" userId="dbc01b4e7024b25f" providerId="LiveId" clId="{4B492C43-68EB-434E-B722-B261FC6B55E6}" dt="2024-10-28T15:07:01.476" v="126" actId="20577"/>
-        <pc:sldMkLst>
-          <pc:docMk/>
-          <pc:sldMk cId="3738045926" sldId="266"/>
-        </pc:sldMkLst>
-        <pc:spChg chg="mod ord">
-          <ac:chgData name="Adam Varadi" userId="dbc01b4e7024b25f" providerId="LiveId" clId="{4B492C43-68EB-434E-B722-B261FC6B55E6}" dt="2024-10-28T15:07:01.476" v="126" actId="20577"/>
-          <ac:spMkLst>
-            <pc:docMk/>
-            <pc:sldMk cId="3738045926" sldId="266"/>
-            <ac:spMk id="2" creationId="{7B3BF063-5B6B-15C0-3651-17D0BD1B7986}"/>
-          </ac:spMkLst>
-        </pc:spChg>
-        <pc:spChg chg="del">
-          <ac:chgData name="Adam Varadi" userId="dbc01b4e7024b25f" providerId="LiveId" clId="{4B492C43-68EB-434E-B722-B261FC6B55E6}" dt="2024-10-28T15:06:40.357" v="114" actId="22"/>
-          <ac:spMkLst>
-            <pc:docMk/>
-            <pc:sldMk cId="3738045926" sldId="266"/>
-            <ac:spMk id="3" creationId="{3E2AEC7E-8376-6138-1608-A1EB7FACAC61}"/>
-          </ac:spMkLst>
-        </pc:spChg>
-        <pc:spChg chg="add del">
-          <ac:chgData name="Adam Varadi" userId="dbc01b4e7024b25f" providerId="LiveId" clId="{4B492C43-68EB-434E-B722-B261FC6B55E6}" dt="2024-10-28T15:06:48.628" v="118" actId="26606"/>
-          <ac:spMkLst>
-            <pc:docMk/>
-            <pc:sldMk cId="3738045926" sldId="266"/>
-            <ac:spMk id="9" creationId="{0A350B10-7E41-35A9-2314-7D0D6845A004}"/>
-          </ac:spMkLst>
-        </pc:spChg>
-        <pc:spChg chg="add del">
-          <ac:chgData name="Adam Varadi" userId="dbc01b4e7024b25f" providerId="LiveId" clId="{4B492C43-68EB-434E-B722-B261FC6B55E6}" dt="2024-10-28T15:06:47.517" v="116" actId="26606"/>
-          <ac:spMkLst>
-            <pc:docMk/>
-            <pc:sldMk cId="3738045926" sldId="266"/>
-            <ac:spMk id="14" creationId="{4AC0CD9D-7610-4620-93B4-798CCD9AB581}"/>
-          </ac:spMkLst>
-        </pc:spChg>
-        <pc:spChg chg="add del">
-          <ac:chgData name="Adam Varadi" userId="dbc01b4e7024b25f" providerId="LiveId" clId="{4B492C43-68EB-434E-B722-B261FC6B55E6}" dt="2024-10-28T15:06:47.517" v="116" actId="26606"/>
-          <ac:spMkLst>
-            <pc:docMk/>
-            <pc:sldMk cId="3738045926" sldId="266"/>
-            <ac:spMk id="20" creationId="{DE4D62F9-188E-4530-84C2-24BDEE4BEB82}"/>
-          </ac:spMkLst>
-        </pc:spChg>
-        <pc:spChg chg="add del">
-          <ac:chgData name="Adam Varadi" userId="dbc01b4e7024b25f" providerId="LiveId" clId="{4B492C43-68EB-434E-B722-B261FC6B55E6}" dt="2024-10-28T15:06:47.517" v="116" actId="26606"/>
-          <ac:spMkLst>
-            <pc:docMk/>
-            <pc:sldMk cId="3738045926" sldId="266"/>
-            <ac:spMk id="22" creationId="{D67CA421-FA2B-47ED-A101-F8BBEBB2976B}"/>
-          </ac:spMkLst>
-        </pc:spChg>
-        <pc:spChg chg="add del">
-          <ac:chgData name="Adam Varadi" userId="dbc01b4e7024b25f" providerId="LiveId" clId="{4B492C43-68EB-434E-B722-B261FC6B55E6}" dt="2024-10-28T15:06:47.517" v="116" actId="26606"/>
-          <ac:spMkLst>
-            <pc:docMk/>
-            <pc:sldMk cId="3738045926" sldId="266"/>
-            <ac:spMk id="24" creationId="{12425D82-CD5E-45A4-9542-70951E59F2D1}"/>
-          </ac:spMkLst>
-        </pc:spChg>
-        <pc:spChg chg="add del">
-          <ac:chgData name="Adam Varadi" userId="dbc01b4e7024b25f" providerId="LiveId" clId="{4B492C43-68EB-434E-B722-B261FC6B55E6}" dt="2024-10-28T15:06:47.517" v="116" actId="26606"/>
-          <ac:spMkLst>
-            <pc:docMk/>
-            <pc:sldMk cId="3738045926" sldId="266"/>
-            <ac:spMk id="26" creationId="{221DB897-A621-4D5F-AC81-91199AC4370E}"/>
-          </ac:spMkLst>
-        </pc:spChg>
-        <pc:spChg chg="add del">
-          <ac:chgData name="Adam Varadi" userId="dbc01b4e7024b25f" providerId="LiveId" clId="{4B492C43-68EB-434E-B722-B261FC6B55E6}" dt="2024-10-28T15:06:48.628" v="118" actId="26606"/>
-          <ac:spMkLst>
-            <pc:docMk/>
-            <pc:sldMk cId="3738045926" sldId="266"/>
-            <ac:spMk id="28" creationId="{8D489E29-742E-4D34-AB08-CE3217805B81}"/>
-          </ac:spMkLst>
-        </pc:spChg>
-        <pc:spChg chg="add del">
-          <ac:chgData name="Adam Varadi" userId="dbc01b4e7024b25f" providerId="LiveId" clId="{4B492C43-68EB-434E-B722-B261FC6B55E6}" dt="2024-10-28T15:06:49.251" v="120" actId="26606"/>
-          <ac:spMkLst>
-            <pc:docMk/>
-            <pc:sldMk cId="3738045926" sldId="266"/>
-            <ac:spMk id="32" creationId="{4AC0CD9D-7610-4620-93B4-798CCD9AB581}"/>
-          </ac:spMkLst>
-        </pc:spChg>
-        <pc:spChg chg="add del">
-          <ac:chgData name="Adam Varadi" userId="dbc01b4e7024b25f" providerId="LiveId" clId="{4B492C43-68EB-434E-B722-B261FC6B55E6}" dt="2024-10-28T15:06:49.251" v="120" actId="26606"/>
-          <ac:spMkLst>
-            <pc:docMk/>
-            <pc:sldMk cId="3738045926" sldId="266"/>
-            <ac:spMk id="35" creationId="{DE4D62F9-188E-4530-84C2-24BDEE4BEB82}"/>
-          </ac:spMkLst>
-        </pc:spChg>
-        <pc:spChg chg="add del">
-          <ac:chgData name="Adam Varadi" userId="dbc01b4e7024b25f" providerId="LiveId" clId="{4B492C43-68EB-434E-B722-B261FC6B55E6}" dt="2024-10-28T15:06:49.251" v="120" actId="26606"/>
-          <ac:spMkLst>
-            <pc:docMk/>
-            <pc:sldMk cId="3738045926" sldId="266"/>
-            <ac:spMk id="36" creationId="{757B325C-3E35-45CF-9D07-3BCB281F3B9C}"/>
-          </ac:spMkLst>
-        </pc:spChg>
-        <pc:spChg chg="add del">
-          <ac:chgData name="Adam Varadi" userId="dbc01b4e7024b25f" providerId="LiveId" clId="{4B492C43-68EB-434E-B722-B261FC6B55E6}" dt="2024-10-28T15:06:49.251" v="120" actId="26606"/>
-          <ac:spMkLst>
-            <pc:docMk/>
-            <pc:sldMk cId="3738045926" sldId="266"/>
-            <ac:spMk id="37" creationId="{C24BEC42-AFF3-40D1-93A2-A27A42E1E23C}"/>
-          </ac:spMkLst>
-        </pc:spChg>
-        <pc:spChg chg="add del">
-          <ac:chgData name="Adam Varadi" userId="dbc01b4e7024b25f" providerId="LiveId" clId="{4B492C43-68EB-434E-B722-B261FC6B55E6}" dt="2024-10-28T15:06:49.251" v="120" actId="26606"/>
-          <ac:spMkLst>
-            <pc:docMk/>
-            <pc:sldMk cId="3738045926" sldId="266"/>
-            <ac:spMk id="38" creationId="{608F427C-1EC9-4280-9367-F2B3AA063E82}"/>
-          </ac:spMkLst>
-        </pc:spChg>
-        <pc:spChg chg="add del">
-          <ac:chgData name="Adam Varadi" userId="dbc01b4e7024b25f" providerId="LiveId" clId="{4B492C43-68EB-434E-B722-B261FC6B55E6}" dt="2024-10-28T15:06:49.251" v="120" actId="26606"/>
-          <ac:spMkLst>
-            <pc:docMk/>
-            <pc:sldMk cId="3738045926" sldId="266"/>
-            <ac:spMk id="39" creationId="{F98810A7-E114-447A-A7D6-69B27CFB5650}"/>
-          </ac:spMkLst>
-        </pc:spChg>
-        <pc:spChg chg="add">
-          <ac:chgData name="Adam Varadi" userId="dbc01b4e7024b25f" providerId="LiveId" clId="{4B492C43-68EB-434E-B722-B261FC6B55E6}" dt="2024-10-28T15:06:49.283" v="121" actId="26606"/>
-          <ac:spMkLst>
-            <pc:docMk/>
-            <pc:sldMk cId="3738045926" sldId="266"/>
-            <ac:spMk id="41" creationId="{A93A089E-0A16-452C-B341-0F769780D262}"/>
-          </ac:spMkLst>
-        </pc:spChg>
-        <pc:spChg chg="add">
-          <ac:chgData name="Adam Varadi" userId="dbc01b4e7024b25f" providerId="LiveId" clId="{4B492C43-68EB-434E-B722-B261FC6B55E6}" dt="2024-10-28T15:06:49.283" v="121" actId="26606"/>
-          <ac:spMkLst>
-            <pc:docMk/>
-            <pc:sldMk cId="3738045926" sldId="266"/>
-            <ac:spMk id="42" creationId="{8687DA98-E0F0-7017-C932-6EF9C5277995}"/>
-          </ac:spMkLst>
-        </pc:spChg>
-        <pc:picChg chg="add mod ord">
-          <ac:chgData name="Adam Varadi" userId="dbc01b4e7024b25f" providerId="LiveId" clId="{4B492C43-68EB-434E-B722-B261FC6B55E6}" dt="2024-10-28T15:06:49.283" v="121" actId="26606"/>
-          <ac:picMkLst>
-            <pc:docMk/>
-            <pc:sldMk cId="3738045926" sldId="266"/>
-            <ac:picMk id="5" creationId="{91C4855D-B0FD-6585-C530-E7FECD10B8C1}"/>
-          </ac:picMkLst>
-        </pc:picChg>
-        <pc:picChg chg="add del">
-          <ac:chgData name="Adam Varadi" userId="dbc01b4e7024b25f" providerId="LiveId" clId="{4B492C43-68EB-434E-B722-B261FC6B55E6}" dt="2024-10-28T15:06:47.517" v="116" actId="26606"/>
-          <ac:picMkLst>
-            <pc:docMk/>
-            <pc:sldMk cId="3738045926" sldId="266"/>
-            <ac:picMk id="10" creationId="{41B68C77-138E-4BF7-A276-BD0C78A4219F}"/>
-          </ac:picMkLst>
-        </pc:picChg>
-        <pc:picChg chg="add del">
-          <ac:chgData name="Adam Varadi" userId="dbc01b4e7024b25f" providerId="LiveId" clId="{4B492C43-68EB-434E-B722-B261FC6B55E6}" dt="2024-10-28T15:06:47.517" v="116" actId="26606"/>
-          <ac:picMkLst>
-            <pc:docMk/>
-            <pc:sldMk cId="3738045926" sldId="266"/>
-            <ac:picMk id="12" creationId="{7C268552-D473-46ED-B1B8-422042C4DEF1}"/>
-          </ac:picMkLst>
-        </pc:picChg>
-        <pc:picChg chg="add del">
-          <ac:chgData name="Adam Varadi" userId="dbc01b4e7024b25f" providerId="LiveId" clId="{4B492C43-68EB-434E-B722-B261FC6B55E6}" dt="2024-10-28T15:06:47.517" v="116" actId="26606"/>
-          <ac:picMkLst>
-            <pc:docMk/>
-            <pc:sldMk cId="3738045926" sldId="266"/>
-            <ac:picMk id="16" creationId="{B9238B3E-24AA-439A-B527-6C5DF6D72145}"/>
-          </ac:picMkLst>
-        </pc:picChg>
-        <pc:picChg chg="add del">
-          <ac:chgData name="Adam Varadi" userId="dbc01b4e7024b25f" providerId="LiveId" clId="{4B492C43-68EB-434E-B722-B261FC6B55E6}" dt="2024-10-28T15:06:47.517" v="116" actId="26606"/>
-          <ac:picMkLst>
-            <pc:docMk/>
-            <pc:sldMk cId="3738045926" sldId="266"/>
-            <ac:picMk id="18" creationId="{69F01145-BEA3-4CBF-AA21-10077B948CA8}"/>
-          </ac:picMkLst>
-        </pc:picChg>
-        <pc:picChg chg="add del">
-          <ac:chgData name="Adam Varadi" userId="dbc01b4e7024b25f" providerId="LiveId" clId="{4B492C43-68EB-434E-B722-B261FC6B55E6}" dt="2024-10-28T15:06:49.251" v="120" actId="26606"/>
-          <ac:picMkLst>
-            <pc:docMk/>
-            <pc:sldMk cId="3738045926" sldId="266"/>
-            <ac:picMk id="30" creationId="{41B68C77-138E-4BF7-A276-BD0C78A4219F}"/>
-          </ac:picMkLst>
-        </pc:picChg>
-        <pc:picChg chg="add del">
-          <ac:chgData name="Adam Varadi" userId="dbc01b4e7024b25f" providerId="LiveId" clId="{4B492C43-68EB-434E-B722-B261FC6B55E6}" dt="2024-10-28T15:06:49.251" v="120" actId="26606"/>
-          <ac:picMkLst>
-            <pc:docMk/>
-            <pc:sldMk cId="3738045926" sldId="266"/>
-            <ac:picMk id="31" creationId="{7C268552-D473-46ED-B1B8-422042C4DEF1}"/>
-          </ac:picMkLst>
-        </pc:picChg>
-        <pc:picChg chg="add del">
-          <ac:chgData name="Adam Varadi" userId="dbc01b4e7024b25f" providerId="LiveId" clId="{4B492C43-68EB-434E-B722-B261FC6B55E6}" dt="2024-10-28T15:06:49.251" v="120" actId="26606"/>
-          <ac:picMkLst>
-            <pc:docMk/>
-            <pc:sldMk cId="3738045926" sldId="266"/>
-            <ac:picMk id="33" creationId="{B9238B3E-24AA-439A-B527-6C5DF6D72145}"/>
-          </ac:picMkLst>
-        </pc:picChg>
-        <pc:picChg chg="add del">
-          <ac:chgData name="Adam Varadi" userId="dbc01b4e7024b25f" providerId="LiveId" clId="{4B492C43-68EB-434E-B722-B261FC6B55E6}" dt="2024-10-28T15:06:49.251" v="120" actId="26606"/>
-          <ac:picMkLst>
-            <pc:docMk/>
-            <pc:sldMk cId="3738045926" sldId="266"/>
-            <ac:picMk id="34" creationId="{69F01145-BEA3-4CBF-AA21-10077B948CA8}"/>
-          </ac:picMkLst>
-        </pc:picChg>
-      </pc:sldChg>
-      <pc:sldChg chg="modSp new del mod ord">
-        <pc:chgData name="Adam Varadi" userId="dbc01b4e7024b25f" providerId="LiveId" clId="{4B492C43-68EB-434E-B722-B261FC6B55E6}" dt="2024-10-28T15:14:18.031" v="127" actId="2696"/>
-        <pc:sldMkLst>
-          <pc:docMk/>
-          <pc:sldMk cId="67748242" sldId="267"/>
-        </pc:sldMkLst>
-        <pc:spChg chg="mod">
-          <ac:chgData name="Adam Varadi" userId="dbc01b4e7024b25f" providerId="LiveId" clId="{4B492C43-68EB-434E-B722-B261FC6B55E6}" dt="2024-10-28T14:27:09.649" v="79" actId="20577"/>
-          <ac:spMkLst>
-            <pc:docMk/>
-            <pc:sldMk cId="67748242" sldId="267"/>
-            <ac:spMk id="2" creationId="{AECCABB9-394D-F473-52E1-67FE9A8460B7}"/>
-          </ac:spMkLst>
-        </pc:spChg>
-      </pc:sldChg>
-      <pc:sldChg chg="addSp delSp modSp new mod setBg setClrOvrMap">
-        <pc:chgData name="Adam Varadi" userId="dbc01b4e7024b25f" providerId="LiveId" clId="{4B492C43-68EB-434E-B722-B261FC6B55E6}" dt="2024-10-28T15:19:06.464" v="146" actId="26606"/>
-        <pc:sldMkLst>
-          <pc:docMk/>
-          <pc:sldMk cId="3658396111" sldId="267"/>
-        </pc:sldMkLst>
-        <pc:spChg chg="mod">
-          <ac:chgData name="Adam Varadi" userId="dbc01b4e7024b25f" providerId="LiveId" clId="{4B492C43-68EB-434E-B722-B261FC6B55E6}" dt="2024-10-28T15:19:06.464" v="146" actId="26606"/>
-          <ac:spMkLst>
-            <pc:docMk/>
-            <pc:sldMk cId="3658396111" sldId="267"/>
-            <ac:spMk id="2" creationId="{EDA63DA1-BE40-126F-1A78-CA6ECA805D3E}"/>
-          </ac:spMkLst>
-        </pc:spChg>
-        <pc:spChg chg="del">
-          <ac:chgData name="Adam Varadi" userId="dbc01b4e7024b25f" providerId="LiveId" clId="{4B492C43-68EB-434E-B722-B261FC6B55E6}" dt="2024-10-28T15:18:23.938" v="138" actId="22"/>
-          <ac:spMkLst>
-            <pc:docMk/>
-            <pc:sldMk cId="3658396111" sldId="267"/>
-            <ac:spMk id="3" creationId="{FC9F4E2A-CC87-1249-C726-5034DD30E16A}"/>
-          </ac:spMkLst>
-        </pc:spChg>
-        <pc:spChg chg="add del">
-          <ac:chgData name="Adam Varadi" userId="dbc01b4e7024b25f" providerId="LiveId" clId="{4B492C43-68EB-434E-B722-B261FC6B55E6}" dt="2024-10-28T15:19:06.455" v="145" actId="26606"/>
-          <ac:spMkLst>
-            <pc:docMk/>
-            <pc:sldMk cId="3658396111" sldId="267"/>
-            <ac:spMk id="9" creationId="{3973580F-E456-C7F6-D2DA-748A13D401F3}"/>
-          </ac:spMkLst>
-        </pc:spChg>
-        <pc:spChg chg="add">
-          <ac:chgData name="Adam Varadi" userId="dbc01b4e7024b25f" providerId="LiveId" clId="{4B492C43-68EB-434E-B722-B261FC6B55E6}" dt="2024-10-28T15:19:06.464" v="146" actId="26606"/>
-          <ac:spMkLst>
-            <pc:docMk/>
-            <pc:sldMk cId="3658396111" sldId="267"/>
-            <ac:spMk id="11" creationId="{2987BC07-BEDF-99BC-4CA3-0A7CCDD3694D}"/>
-          </ac:spMkLst>
-        </pc:spChg>
-        <pc:spChg chg="add">
-          <ac:chgData name="Adam Varadi" userId="dbc01b4e7024b25f" providerId="LiveId" clId="{4B492C43-68EB-434E-B722-B261FC6B55E6}" dt="2024-10-28T15:19:06.464" v="146" actId="26606"/>
-          <ac:spMkLst>
-            <pc:docMk/>
-            <pc:sldMk cId="3658396111" sldId="267"/>
-            <ac:spMk id="12" creationId="{B4AAD3FD-83A5-4B89-9F8F-01B8870865BE}"/>
-          </ac:spMkLst>
-        </pc:spChg>
-        <pc:spChg chg="add">
-          <ac:chgData name="Adam Varadi" userId="dbc01b4e7024b25f" providerId="LiveId" clId="{4B492C43-68EB-434E-B722-B261FC6B55E6}" dt="2024-10-28T15:19:06.464" v="146" actId="26606"/>
-          <ac:spMkLst>
-            <pc:docMk/>
-            <pc:sldMk cId="3658396111" sldId="267"/>
-            <ac:spMk id="14" creationId="{61752F1D-FC0F-4103-9584-630E643CCDA6}"/>
-          </ac:spMkLst>
-        </pc:spChg>
-        <pc:spChg chg="add">
-          <ac:chgData name="Adam Varadi" userId="dbc01b4e7024b25f" providerId="LiveId" clId="{4B492C43-68EB-434E-B722-B261FC6B55E6}" dt="2024-10-28T15:19:06.464" v="146" actId="26606"/>
-          <ac:spMkLst>
-            <pc:docMk/>
-            <pc:sldMk cId="3658396111" sldId="267"/>
-            <ac:spMk id="16" creationId="{70151CB7-E7DE-4917-B831-01DF9CE01306}"/>
-          </ac:spMkLst>
-        </pc:spChg>
-        <pc:spChg chg="add">
-          <ac:chgData name="Adam Varadi" userId="dbc01b4e7024b25f" providerId="LiveId" clId="{4B492C43-68EB-434E-B722-B261FC6B55E6}" dt="2024-10-28T15:19:06.464" v="146" actId="26606"/>
-          <ac:spMkLst>
-            <pc:docMk/>
-            <pc:sldMk cId="3658396111" sldId="267"/>
-            <ac:spMk id="18" creationId="{A92A1116-1C84-41DF-B803-1F7B0883EC82}"/>
-          </ac:spMkLst>
-        </pc:spChg>
-        <pc:picChg chg="add mod ord">
-          <ac:chgData name="Adam Varadi" userId="dbc01b4e7024b25f" providerId="LiveId" clId="{4B492C43-68EB-434E-B722-B261FC6B55E6}" dt="2024-10-28T15:19:06.464" v="146" actId="26606"/>
-          <ac:picMkLst>
-            <pc:docMk/>
-            <pc:sldMk cId="3658396111" sldId="267"/>
-            <ac:picMk id="5" creationId="{C743D181-D9C4-120F-9C58-E2ABE5F43CE7}"/>
-          </ac:picMkLst>
-        </pc:picChg>
-      </pc:sldChg>
-      <pc:sldChg chg="addSp delSp modSp new mod ord setBg">
-        <pc:chgData name="Adam Varadi" userId="dbc01b4e7024b25f" providerId="LiveId" clId="{4B492C43-68EB-434E-B722-B261FC6B55E6}" dt="2024-10-28T15:20:11.674" v="173" actId="1076"/>
-        <pc:sldMkLst>
-          <pc:docMk/>
-          <pc:sldMk cId="3887096853" sldId="268"/>
-        </pc:sldMkLst>
-        <pc:spChg chg="mod">
-          <ac:chgData name="Adam Varadi" userId="dbc01b4e7024b25f" providerId="LiveId" clId="{4B492C43-68EB-434E-B722-B261FC6B55E6}" dt="2024-10-28T15:19:59.458" v="170" actId="26606"/>
-          <ac:spMkLst>
-            <pc:docMk/>
-            <pc:sldMk cId="3887096853" sldId="268"/>
-            <ac:spMk id="2" creationId="{A6C9FED7-7549-BBFB-049A-392EEF9F23E6}"/>
-          </ac:spMkLst>
-        </pc:spChg>
-        <pc:spChg chg="del">
-          <ac:chgData name="Adam Varadi" userId="dbc01b4e7024b25f" providerId="LiveId" clId="{4B492C43-68EB-434E-B722-B261FC6B55E6}" dt="2024-10-28T15:19:29.171" v="163" actId="22"/>
-          <ac:spMkLst>
-            <pc:docMk/>
-            <pc:sldMk cId="3887096853" sldId="268"/>
-            <ac:spMk id="3" creationId="{37BB2B26-8D61-7549-EEEB-7E077ED3EABE}"/>
-          </ac:spMkLst>
-        </pc:spChg>
-        <pc:spChg chg="add">
-          <ac:chgData name="Adam Varadi" userId="dbc01b4e7024b25f" providerId="LiveId" clId="{4B492C43-68EB-434E-B722-B261FC6B55E6}" dt="2024-10-28T15:19:59.458" v="170" actId="26606"/>
-          <ac:spMkLst>
-            <pc:docMk/>
-            <pc:sldMk cId="3887096853" sldId="268"/>
-            <ac:spMk id="11" creationId="{5B096F5D-F0BC-06A9-1A98-997B10934B05}"/>
-          </ac:spMkLst>
-        </pc:spChg>
-        <pc:spChg chg="add del">
-          <ac:chgData name="Adam Varadi" userId="dbc01b4e7024b25f" providerId="LiveId" clId="{4B492C43-68EB-434E-B722-B261FC6B55E6}" dt="2024-10-28T15:19:59.424" v="169" actId="26606"/>
-          <ac:spMkLst>
-            <pc:docMk/>
-            <pc:sldMk cId="3887096853" sldId="268"/>
-            <ac:spMk id="16" creationId="{D42CF425-7213-4F89-B0FF-4C2BDDD9C680}"/>
-          </ac:spMkLst>
-        </pc:spChg>
-        <pc:spChg chg="add del">
-          <ac:chgData name="Adam Varadi" userId="dbc01b4e7024b25f" providerId="LiveId" clId="{4B492C43-68EB-434E-B722-B261FC6B55E6}" dt="2024-10-28T15:19:59.424" v="169" actId="26606"/>
-          <ac:spMkLst>
-            <pc:docMk/>
-            <pc:sldMk cId="3887096853" sldId="268"/>
-            <ac:spMk id="22" creationId="{202A25CB-1ED1-4C87-AB49-8D3BC684D1CE}"/>
-          </ac:spMkLst>
-        </pc:spChg>
-        <pc:spChg chg="add del">
-          <ac:chgData name="Adam Varadi" userId="dbc01b4e7024b25f" providerId="LiveId" clId="{4B492C43-68EB-434E-B722-B261FC6B55E6}" dt="2024-10-28T15:19:59.424" v="169" actId="26606"/>
-          <ac:spMkLst>
-            <pc:docMk/>
-            <pc:sldMk cId="3887096853" sldId="268"/>
-            <ac:spMk id="24" creationId="{3484F10F-334C-431A-8E30-B66B496C56E8}"/>
-          </ac:spMkLst>
-        </pc:spChg>
-        <pc:spChg chg="add del">
-          <ac:chgData name="Adam Varadi" userId="dbc01b4e7024b25f" providerId="LiveId" clId="{4B492C43-68EB-434E-B722-B261FC6B55E6}" dt="2024-10-28T15:19:59.424" v="169" actId="26606"/>
-          <ac:spMkLst>
-            <pc:docMk/>
-            <pc:sldMk cId="3887096853" sldId="268"/>
-            <ac:spMk id="26" creationId="{AEA0BB24-2B23-4B19-996F-58DA607EE280}"/>
-          </ac:spMkLst>
-        </pc:spChg>
-        <pc:spChg chg="add">
-          <ac:chgData name="Adam Varadi" userId="dbc01b4e7024b25f" providerId="LiveId" clId="{4B492C43-68EB-434E-B722-B261FC6B55E6}" dt="2024-10-28T15:19:59.458" v="170" actId="26606"/>
-          <ac:spMkLst>
-            <pc:docMk/>
-            <pc:sldMk cId="3887096853" sldId="268"/>
-            <ac:spMk id="28" creationId="{7D9681AB-65CF-47E9-9FA3-7B05D6349977}"/>
-          </ac:spMkLst>
-        </pc:spChg>
-        <pc:spChg chg="add">
-          <ac:chgData name="Adam Varadi" userId="dbc01b4e7024b25f" providerId="LiveId" clId="{4B492C43-68EB-434E-B722-B261FC6B55E6}" dt="2024-10-28T15:19:59.458" v="170" actId="26606"/>
-          <ac:spMkLst>
-            <pc:docMk/>
-            <pc:sldMk cId="3887096853" sldId="268"/>
-            <ac:spMk id="29" creationId="{8FCA736E-BDE3-4D4D-8D87-E9AE79250CFF}"/>
-          </ac:spMkLst>
-        </pc:spChg>
-        <pc:spChg chg="add">
-          <ac:chgData name="Adam Varadi" userId="dbc01b4e7024b25f" providerId="LiveId" clId="{4B492C43-68EB-434E-B722-B261FC6B55E6}" dt="2024-10-28T15:19:59.458" v="170" actId="26606"/>
-          <ac:spMkLst>
-            <pc:docMk/>
-            <pc:sldMk cId="3887096853" sldId="268"/>
-            <ac:spMk id="30" creationId="{129AA25D-1E7A-4074-BF68-D55A83B81BB0}"/>
-          </ac:spMkLst>
-        </pc:spChg>
-        <pc:picChg chg="add mod ord">
-          <ac:chgData name="Adam Varadi" userId="dbc01b4e7024b25f" providerId="LiveId" clId="{4B492C43-68EB-434E-B722-B261FC6B55E6}" dt="2024-10-28T15:20:10.004" v="172" actId="1076"/>
-          <ac:picMkLst>
-            <pc:docMk/>
-            <pc:sldMk cId="3887096853" sldId="268"/>
-            <ac:picMk id="5" creationId="{288D77B6-AE9E-A457-6F68-CDACA5FC895D}"/>
-          </ac:picMkLst>
-        </pc:picChg>
-        <pc:picChg chg="add mod">
-          <ac:chgData name="Adam Varadi" userId="dbc01b4e7024b25f" providerId="LiveId" clId="{4B492C43-68EB-434E-B722-B261FC6B55E6}" dt="2024-10-28T15:20:11.674" v="173" actId="1076"/>
-          <ac:picMkLst>
-            <pc:docMk/>
-            <pc:sldMk cId="3887096853" sldId="268"/>
-            <ac:picMk id="7" creationId="{C08D6A60-A25E-EB94-20D5-FD9416AA77FE}"/>
-          </ac:picMkLst>
-        </pc:picChg>
-        <pc:picChg chg="add del">
-          <ac:chgData name="Adam Varadi" userId="dbc01b4e7024b25f" providerId="LiveId" clId="{4B492C43-68EB-434E-B722-B261FC6B55E6}" dt="2024-10-28T15:19:59.424" v="169" actId="26606"/>
-          <ac:picMkLst>
-            <pc:docMk/>
-            <pc:sldMk cId="3887096853" sldId="268"/>
-            <ac:picMk id="12" creationId="{412E3267-7ABE-412B-8580-47EC0D1F61FE}"/>
-          </ac:picMkLst>
-        </pc:picChg>
-        <pc:picChg chg="add del">
-          <ac:chgData name="Adam Varadi" userId="dbc01b4e7024b25f" providerId="LiveId" clId="{4B492C43-68EB-434E-B722-B261FC6B55E6}" dt="2024-10-28T15:19:59.424" v="169" actId="26606"/>
-          <ac:picMkLst>
-            <pc:docMk/>
-            <pc:sldMk cId="3887096853" sldId="268"/>
-            <ac:picMk id="14" creationId="{20B62C5A-2250-4380-AB23-DB87446CCED0}"/>
-          </ac:picMkLst>
-        </pc:picChg>
-        <pc:picChg chg="add del">
-          <ac:chgData name="Adam Varadi" userId="dbc01b4e7024b25f" providerId="LiveId" clId="{4B492C43-68EB-434E-B722-B261FC6B55E6}" dt="2024-10-28T15:19:59.424" v="169" actId="26606"/>
-          <ac:picMkLst>
-            <pc:docMk/>
-            <pc:sldMk cId="3887096853" sldId="268"/>
-            <ac:picMk id="18" creationId="{D35DA97D-88F8-4249-B650-4FC9FD50A382}"/>
-          </ac:picMkLst>
-        </pc:picChg>
-        <pc:picChg chg="add del">
-          <ac:chgData name="Adam Varadi" userId="dbc01b4e7024b25f" providerId="LiveId" clId="{4B492C43-68EB-434E-B722-B261FC6B55E6}" dt="2024-10-28T15:19:59.424" v="169" actId="26606"/>
-          <ac:picMkLst>
-            <pc:docMk/>
-            <pc:sldMk cId="3887096853" sldId="268"/>
-            <ac:picMk id="20" creationId="{43F38673-6E30-4BAE-AC67-0B283EBF4291}"/>
-          </ac:picMkLst>
-        </pc:picChg>
-      </pc:sldChg>
-    </pc:docChg>
-  </pc:docChgLst>
-  <pc:docChgLst>
-    <pc:chgData name="Lajka Kristóf" userId="5e6963896e59b084" providerId="Windows Live" clId="Web-{073B8870-9D9D-4839-9E38-2DF8EF05A441}"/>
-    <pc:docChg chg="addSld delSld modSld addMainMaster delMainMaster">
-      <pc:chgData name="Lajka Kristóf" userId="5e6963896e59b084" providerId="Windows Live" clId="Web-{073B8870-9D9D-4839-9E38-2DF8EF05A441}" dt="2024-12-09T17:52:34.764" v="675" actId="1076"/>
-      <pc:docMkLst>
-        <pc:docMk/>
-      </pc:docMkLst>
-      <pc:sldChg chg="addSp delSp modSp mod setBg modClrScheme delDesignElem chgLayout">
-        <pc:chgData name="Lajka Kristóf" userId="5e6963896e59b084" providerId="Windows Live" clId="Web-{073B8870-9D9D-4839-9E38-2DF8EF05A441}" dt="2024-12-09T17:40:41.173" v="145"/>
-        <pc:sldMkLst>
-          <pc:docMk/>
-          <pc:sldMk cId="2767495509" sldId="256"/>
-        </pc:sldMkLst>
-        <pc:spChg chg="mod ord">
-          <ac:chgData name="Lajka Kristóf" userId="5e6963896e59b084" providerId="Windows Live" clId="Web-{073B8870-9D9D-4839-9E38-2DF8EF05A441}" dt="2024-12-09T17:40:41.173" v="145"/>
-          <ac:spMkLst>
-            <pc:docMk/>
-            <pc:sldMk cId="2767495509" sldId="256"/>
-            <ac:spMk id="2" creationId="{DF67AF77-30B3-248C-B6AF-3DA7752912CC}"/>
-          </ac:spMkLst>
-        </pc:spChg>
-        <pc:spChg chg="mod ord">
-          <ac:chgData name="Lajka Kristóf" userId="5e6963896e59b084" providerId="Windows Live" clId="Web-{073B8870-9D9D-4839-9E38-2DF8EF05A441}" dt="2024-12-09T17:40:41.173" v="145"/>
-          <ac:spMkLst>
-            <pc:docMk/>
-            <pc:sldMk cId="2767495509" sldId="256"/>
-            <ac:spMk id="3" creationId="{54D4C20F-123D-D2B9-9177-1765761C4662}"/>
-          </ac:spMkLst>
-        </pc:spChg>
-        <pc:spChg chg="add del">
-          <ac:chgData name="Lajka Kristóf" userId="5e6963896e59b084" providerId="Windows Live" clId="Web-{073B8870-9D9D-4839-9E38-2DF8EF05A441}" dt="2024-12-09T17:39:57.767" v="141"/>
-          <ac:spMkLst>
-            <pc:docMk/>
-            <pc:sldMk cId="2767495509" sldId="256"/>
-            <ac:spMk id="9" creationId="{C885E190-58DD-42DD-A4A8-401E15C92A52}"/>
-          </ac:spMkLst>
-        </pc:spChg>
-        <pc:spChg chg="add del">
-          <ac:chgData name="Lajka Kristóf" userId="5e6963896e59b084" providerId="Windows Live" clId="Web-{073B8870-9D9D-4839-9E38-2DF8EF05A441}" dt="2024-12-09T17:40:41.173" v="145"/>
-          <ac:spMkLst>
-            <pc:docMk/>
-            <pc:sldMk cId="2767495509" sldId="256"/>
-            <ac:spMk id="11" creationId="{A4322390-8B58-46BE-88EB-D9FD30C08743}"/>
-          </ac:spMkLst>
-        </pc:spChg>
-        <pc:picChg chg="add mod ord">
-          <ac:chgData name="Lajka Kristóf" userId="5e6963896e59b084" providerId="Windows Live" clId="Web-{073B8870-9D9D-4839-9E38-2DF8EF05A441}" dt="2024-12-09T17:39:57.767" v="142"/>
-          <ac:picMkLst>
-            <pc:docMk/>
-            <pc:sldMk cId="2767495509" sldId="256"/>
-            <ac:picMk id="4" creationId="{4CCC6A47-3366-97F1-E5A9-1D7E52010C2F}"/>
-          </ac:picMkLst>
-        </pc:picChg>
-      </pc:sldChg>
-      <pc:sldChg chg="addSp delSp modSp mod setBg modClrScheme setClrOvrMap delDesignElem chgLayout">
-        <pc:chgData name="Lajka Kristóf" userId="5e6963896e59b084" providerId="Windows Live" clId="Web-{073B8870-9D9D-4839-9E38-2DF8EF05A441}" dt="2024-12-09T17:40:46.579" v="146"/>
-        <pc:sldMkLst>
-          <pc:docMk/>
-          <pc:sldMk cId="3563977590" sldId="257"/>
-        </pc:sldMkLst>
-        <pc:spChg chg="mod ord">
-          <ac:chgData name="Lajka Kristóf" userId="5e6963896e59b084" providerId="Windows Live" clId="Web-{073B8870-9D9D-4839-9E38-2DF8EF05A441}" dt="2024-12-09T17:40:46.579" v="146"/>
-          <ac:spMkLst>
-            <pc:docMk/>
-            <pc:sldMk cId="3563977590" sldId="257"/>
-            <ac:spMk id="2" creationId="{14C6FE33-0449-62A0-5900-09C992BB98BF}"/>
-          </ac:spMkLst>
-        </pc:spChg>
-        <pc:spChg chg="del">
-          <ac:chgData name="Lajka Kristóf" userId="5e6963896e59b084" providerId="Windows Live" clId="Web-{073B8870-9D9D-4839-9E38-2DF8EF05A441}" dt="2024-12-09T17:40:41.173" v="145"/>
-          <ac:spMkLst>
-            <pc:docMk/>
-            <pc:sldMk cId="3563977590" sldId="257"/>
-            <ac:spMk id="14" creationId="{4AC0CD9D-7610-4620-93B4-798CCD9AB581}"/>
-          </ac:spMkLst>
-        </pc:spChg>
-        <pc:spChg chg="add">
-          <ac:chgData name="Lajka Kristóf" userId="5e6963896e59b084" providerId="Windows Live" clId="Web-{073B8870-9D9D-4839-9E38-2DF8EF05A441}" dt="2024-12-09T17:40:46.579" v="146"/>
-          <ac:spMkLst>
-            <pc:docMk/>
-            <pc:sldMk cId="3563977590" sldId="257"/>
-            <ac:spMk id="15" creationId="{8A610DC7-FE1B-47B9-8452-CFC389786C2D}"/>
-          </ac:spMkLst>
-        </pc:spChg>
-        <pc:spChg chg="del">
-          <ac:chgData name="Lajka Kristóf" userId="5e6963896e59b084" providerId="Windows Live" clId="Web-{073B8870-9D9D-4839-9E38-2DF8EF05A441}" dt="2024-12-09T17:40:41.173" v="145"/>
-          <ac:spMkLst>
-            <pc:docMk/>
-            <pc:sldMk cId="3563977590" sldId="257"/>
-            <ac:spMk id="20" creationId="{DE4D62F9-188E-4530-84C2-24BDEE4BEB82}"/>
-          </ac:spMkLst>
-        </pc:spChg>
-        <pc:spChg chg="add">
-          <ac:chgData name="Lajka Kristóf" userId="5e6963896e59b084" providerId="Windows Live" clId="Web-{073B8870-9D9D-4839-9E38-2DF8EF05A441}" dt="2024-12-09T17:40:46.579" v="146"/>
-          <ac:spMkLst>
-            <pc:docMk/>
-            <pc:sldMk cId="3563977590" sldId="257"/>
-            <ac:spMk id="21" creationId="{DC9A0934-0C2C-4565-9290-A345B19BD94C}"/>
-          </ac:spMkLst>
-        </pc:spChg>
-        <pc:spChg chg="del">
-          <ac:chgData name="Lajka Kristóf" userId="5e6963896e59b084" providerId="Windows Live" clId="Web-{073B8870-9D9D-4839-9E38-2DF8EF05A441}" dt="2024-12-09T17:40:41.173" v="145"/>
-          <ac:spMkLst>
-            <pc:docMk/>
-            <pc:sldMk cId="3563977590" sldId="257"/>
-            <ac:spMk id="22" creationId="{D27CF008-4B18-436D-B2D5-C1346C12438E}"/>
-          </ac:spMkLst>
-        </pc:spChg>
-        <pc:spChg chg="add">
-          <ac:chgData name="Lajka Kristóf" userId="5e6963896e59b084" providerId="Windows Live" clId="Web-{073B8870-9D9D-4839-9E38-2DF8EF05A441}" dt="2024-12-09T17:40:46.579" v="146"/>
-          <ac:spMkLst>
-            <pc:docMk/>
-            <pc:sldMk cId="3563977590" sldId="257"/>
-            <ac:spMk id="23" creationId="{6B42653A-00F8-40F8-9BAA-AFDE65366F65}"/>
-          </ac:spMkLst>
-        </pc:spChg>
-        <pc:spChg chg="del">
-          <ac:chgData name="Lajka Kristóf" userId="5e6963896e59b084" providerId="Windows Live" clId="Web-{073B8870-9D9D-4839-9E38-2DF8EF05A441}" dt="2024-12-09T17:40:41.173" v="145"/>
-          <ac:spMkLst>
-            <pc:docMk/>
-            <pc:sldMk cId="3563977590" sldId="257"/>
-            <ac:spMk id="24" creationId="{CE22DAD8-5F67-4B73-ADA9-06EF381F7AD6}"/>
-          </ac:spMkLst>
-        </pc:spChg>
-        <pc:spChg chg="add">
-          <ac:chgData name="Lajka Kristóf" userId="5e6963896e59b084" providerId="Windows Live" clId="Web-{073B8870-9D9D-4839-9E38-2DF8EF05A441}" dt="2024-12-09T17:40:46.579" v="146"/>
-          <ac:spMkLst>
-            <pc:docMk/>
-            <pc:sldMk cId="3563977590" sldId="257"/>
-            <ac:spMk id="25" creationId="{5D85582E-5C24-4E50-94D0-EBDFCAF82A75}"/>
-          </ac:spMkLst>
-        </pc:spChg>
-        <pc:spChg chg="del">
-          <ac:chgData name="Lajka Kristóf" userId="5e6963896e59b084" providerId="Windows Live" clId="Web-{073B8870-9D9D-4839-9E38-2DF8EF05A441}" dt="2024-12-09T17:40:41.173" v="145"/>
-          <ac:spMkLst>
-            <pc:docMk/>
-            <pc:sldMk cId="3563977590" sldId="257"/>
-            <ac:spMk id="26" creationId="{E4F17063-EDA4-417B-946F-BA357F3B390D}"/>
-          </ac:spMkLst>
-        </pc:spChg>
-        <pc:spChg chg="add">
-          <ac:chgData name="Lajka Kristóf" userId="5e6963896e59b084" providerId="Windows Live" clId="Web-{073B8870-9D9D-4839-9E38-2DF8EF05A441}" dt="2024-12-09T17:40:46.579" v="146"/>
-          <ac:spMkLst>
-            <pc:docMk/>
-            <pc:sldMk cId="3563977590" sldId="257"/>
-            <ac:spMk id="27" creationId="{D2CF7175-D926-4ED8-BF71-C9046B886DB7}"/>
-          </ac:spMkLst>
-        </pc:spChg>
-        <pc:spChg chg="del">
-          <ac:chgData name="Lajka Kristóf" userId="5e6963896e59b084" providerId="Windows Live" clId="Web-{073B8870-9D9D-4839-9E38-2DF8EF05A441}" dt="2024-12-09T17:40:41.173" v="145"/>
-          <ac:spMkLst>
-            <pc:docMk/>
-            <pc:sldMk cId="3563977590" sldId="257"/>
-            <ac:spMk id="28" creationId="{D36F3EEA-55D4-4677-80E7-92D00B8F343B}"/>
-          </ac:spMkLst>
-        </pc:spChg>
-        <pc:spChg chg="add">
-          <ac:chgData name="Lajka Kristóf" userId="5e6963896e59b084" providerId="Windows Live" clId="Web-{073B8870-9D9D-4839-9E38-2DF8EF05A441}" dt="2024-12-09T17:40:46.579" v="146"/>
-          <ac:spMkLst>
-            <pc:docMk/>
-            <pc:sldMk cId="3563977590" sldId="257"/>
-            <ac:spMk id="29" creationId="{CE21D3E3-E417-4B15-9ACE-327E9B12B423}"/>
-          </ac:spMkLst>
-        </pc:spChg>
-        <pc:picChg chg="mod">
-          <ac:chgData name="Lajka Kristóf" userId="5e6963896e59b084" providerId="Windows Live" clId="Web-{073B8870-9D9D-4839-9E38-2DF8EF05A441}" dt="2024-12-09T17:40:18.455" v="144" actId="1076"/>
-          <ac:picMkLst>
-            <pc:docMk/>
-            <pc:sldMk cId="3563977590" sldId="257"/>
-            <ac:picMk id="6" creationId="{A2AD99EF-3E5A-B136-974C-CDD6DBB0B262}"/>
-          </ac:picMkLst>
-        </pc:picChg>
-        <pc:picChg chg="del">
-          <ac:chgData name="Lajka Kristóf" userId="5e6963896e59b084" providerId="Windows Live" clId="Web-{073B8870-9D9D-4839-9E38-2DF8EF05A441}" dt="2024-12-09T17:40:41.173" v="145"/>
-          <ac:picMkLst>
-            <pc:docMk/>
-            <pc:sldMk cId="3563977590" sldId="257"/>
-            <ac:picMk id="10" creationId="{41B68C77-138E-4BF7-A276-BD0C78A4219F}"/>
-          </ac:picMkLst>
-        </pc:picChg>
-        <pc:picChg chg="add">
-          <ac:chgData name="Lajka Kristóf" userId="5e6963896e59b084" providerId="Windows Live" clId="Web-{073B8870-9D9D-4839-9E38-2DF8EF05A441}" dt="2024-12-09T17:40:46.579" v="146"/>
-          <ac:picMkLst>
-            <pc:docMk/>
-            <pc:sldMk cId="3563977590" sldId="257"/>
-            <ac:picMk id="11" creationId="{C9134821-5D8B-4373-BA74-CFE9AB35A55A}"/>
-          </ac:picMkLst>
-        </pc:picChg>
-        <pc:picChg chg="add">
-          <ac:chgData name="Lajka Kristóf" userId="5e6963896e59b084" providerId="Windows Live" clId="Web-{073B8870-9D9D-4839-9E38-2DF8EF05A441}" dt="2024-12-09T17:40:46.579" v="146"/>
-          <ac:picMkLst>
-            <pc:docMk/>
-            <pc:sldMk cId="3563977590" sldId="257"/>
-            <ac:picMk id="13" creationId="{5965195F-79F5-4911-907D-13CB3F534351}"/>
-          </ac:picMkLst>
-        </pc:picChg>
-        <pc:picChg chg="del">
-          <ac:chgData name="Lajka Kristóf" userId="5e6963896e59b084" providerId="Windows Live" clId="Web-{073B8870-9D9D-4839-9E38-2DF8EF05A441}" dt="2024-12-09T17:40:41.173" v="145"/>
-          <ac:picMkLst>
-            <pc:docMk/>
-            <pc:sldMk cId="3563977590" sldId="257"/>
-            <ac:picMk id="16" creationId="{B9238B3E-24AA-439A-B527-6C5DF6D72145}"/>
-          </ac:picMkLst>
-        </pc:picChg>
-        <pc:picChg chg="add">
-          <ac:chgData name="Lajka Kristóf" userId="5e6963896e59b084" providerId="Windows Live" clId="Web-{073B8870-9D9D-4839-9E38-2DF8EF05A441}" dt="2024-12-09T17:40:46.579" v="146"/>
-          <ac:picMkLst>
-            <pc:docMk/>
-            <pc:sldMk cId="3563977590" sldId="257"/>
-            <ac:picMk id="17" creationId="{2742ADC1-2286-40B7-A3C6-D6C3362FA04B}"/>
-          </ac:picMkLst>
-        </pc:picChg>
-        <pc:picChg chg="del">
-          <ac:chgData name="Lajka Kristóf" userId="5e6963896e59b084" providerId="Windows Live" clId="Web-{073B8870-9D9D-4839-9E38-2DF8EF05A441}" dt="2024-12-09T17:40:41.173" v="145"/>
-          <ac:picMkLst>
-            <pc:docMk/>
-            <pc:sldMk cId="3563977590" sldId="257"/>
-            <ac:picMk id="18" creationId="{69F01145-BEA3-4CBF-AA21-10077B948CA8}"/>
-          </ac:picMkLst>
-        </pc:picChg>
-      </pc:sldChg>
-      <pc:sldChg chg="addSp delSp modSp mod modClrScheme delDesignElem chgLayout">
-        <pc:chgData name="Lajka Kristóf" userId="5e6963896e59b084" providerId="Windows Live" clId="Web-{073B8870-9D9D-4839-9E38-2DF8EF05A441}" dt="2024-12-09T17:41:38.642" v="563" actId="1076"/>
-        <pc:sldMkLst>
-          <pc:docMk/>
-          <pc:sldMk cId="937931457" sldId="258"/>
-        </pc:sldMkLst>
-        <pc:spChg chg="mod ord">
-          <ac:chgData name="Lajka Kristóf" userId="5e6963896e59b084" providerId="Windows Live" clId="Web-{073B8870-9D9D-4839-9E38-2DF8EF05A441}" dt="2024-12-09T17:40:55.798" v="147"/>
-          <ac:spMkLst>
-            <pc:docMk/>
-            <pc:sldMk cId="937931457" sldId="258"/>
-            <ac:spMk id="2" creationId="{246AD40C-266C-4A97-150C-152951D17D07}"/>
-          </ac:spMkLst>
-        </pc:spChg>
-        <pc:spChg chg="add">
-          <ac:chgData name="Lajka Kristóf" userId="5e6963896e59b084" providerId="Windows Live" clId="Web-{073B8870-9D9D-4839-9E38-2DF8EF05A441}" dt="2024-12-09T17:40:55.798" v="147"/>
-          <ac:spMkLst>
-            <pc:docMk/>
-            <pc:sldMk cId="937931457" sldId="258"/>
-            <ac:spMk id="9" creationId="{81E3F4E1-B084-4FFF-9627-13782BE0BE4A}"/>
-          </ac:spMkLst>
-        </pc:spChg>
-        <pc:spChg chg="add">
-          <ac:chgData name="Lajka Kristóf" userId="5e6963896e59b084" providerId="Windows Live" clId="Web-{073B8870-9D9D-4839-9E38-2DF8EF05A441}" dt="2024-12-09T17:40:55.798" v="147"/>
-          <ac:spMkLst>
-            <pc:docMk/>
-            <pc:sldMk cId="937931457" sldId="258"/>
-            <ac:spMk id="11" creationId="{1F8051AB-C2F8-461F-812A-3E58862141B3}"/>
-          </ac:spMkLst>
-        </pc:spChg>
-        <pc:spChg chg="add">
-          <ac:chgData name="Lajka Kristóf" userId="5e6963896e59b084" providerId="Windows Live" clId="Web-{073B8870-9D9D-4839-9E38-2DF8EF05A441}" dt="2024-12-09T17:40:55.798" v="147"/>
-          <ac:spMkLst>
-            <pc:docMk/>
-            <pc:sldMk cId="937931457" sldId="258"/>
-            <ac:spMk id="13" creationId="{481E0C28-CB2F-425F-98C5-AF23B9B704DF}"/>
-          </ac:spMkLst>
-        </pc:spChg>
-        <pc:spChg chg="add">
-          <ac:chgData name="Lajka Kristóf" userId="5e6963896e59b084" providerId="Windows Live" clId="Web-{073B8870-9D9D-4839-9E38-2DF8EF05A441}" dt="2024-12-09T17:40:55.798" v="147"/>
-          <ac:spMkLst>
-            <pc:docMk/>
-            <pc:sldMk cId="937931457" sldId="258"/>
-            <ac:spMk id="15" creationId="{2DB2879C-F0B1-4195-A323-E97B6065A78E}"/>
-          </ac:spMkLst>
-        </pc:spChg>
-        <pc:spChg chg="del">
-          <ac:chgData name="Lajka Kristóf" userId="5e6963896e59b084" providerId="Windows Live" clId="Web-{073B8870-9D9D-4839-9E38-2DF8EF05A441}" dt="2024-12-09T17:40:41.173" v="145"/>
-          <ac:spMkLst>
-            <pc:docMk/>
-            <pc:sldMk cId="937931457" sldId="258"/>
-            <ac:spMk id="59" creationId="{4AC0CD9D-7610-4620-93B4-798CCD9AB581}"/>
-          </ac:spMkLst>
-        </pc:spChg>
-        <pc:spChg chg="del">
-          <ac:chgData name="Lajka Kristóf" userId="5e6963896e59b084" providerId="Windows Live" clId="Web-{073B8870-9D9D-4839-9E38-2DF8EF05A441}" dt="2024-12-09T17:40:41.173" v="145"/>
-          <ac:spMkLst>
-            <pc:docMk/>
-            <pc:sldMk cId="937931457" sldId="258"/>
-            <ac:spMk id="65" creationId="{DE4D62F9-188E-4530-84C2-24BDEE4BEB82}"/>
-          </ac:spMkLst>
-        </pc:spChg>
-        <pc:spChg chg="del">
-          <ac:chgData name="Lajka Kristóf" userId="5e6963896e59b084" providerId="Windows Live" clId="Web-{073B8870-9D9D-4839-9E38-2DF8EF05A441}" dt="2024-12-09T17:40:41.173" v="145"/>
-          <ac:spMkLst>
-            <pc:docMk/>
-            <pc:sldMk cId="937931457" sldId="258"/>
-            <ac:spMk id="67" creationId="{757B325C-3E35-45CF-9D07-3BCB281F3B9C}"/>
-          </ac:spMkLst>
-        </pc:spChg>
-        <pc:spChg chg="del">
-          <ac:chgData name="Lajka Kristóf" userId="5e6963896e59b084" providerId="Windows Live" clId="Web-{073B8870-9D9D-4839-9E38-2DF8EF05A441}" dt="2024-12-09T17:40:41.173" v="145"/>
-          <ac:spMkLst>
-            <pc:docMk/>
-            <pc:sldMk cId="937931457" sldId="258"/>
-            <ac:spMk id="69" creationId="{C24BEC42-AFF3-40D1-93A2-A27A42E1E23C}"/>
-          </ac:spMkLst>
-        </pc:spChg>
-        <pc:spChg chg="del">
-          <ac:chgData name="Lajka Kristóf" userId="5e6963896e59b084" providerId="Windows Live" clId="Web-{073B8870-9D9D-4839-9E38-2DF8EF05A441}" dt="2024-12-09T17:40:41.173" v="145"/>
-          <ac:spMkLst>
-            <pc:docMk/>
-            <pc:sldMk cId="937931457" sldId="258"/>
-            <ac:spMk id="71" creationId="{608F427C-1EC9-4280-9367-F2B3AA063E82}"/>
-          </ac:spMkLst>
-        </pc:spChg>
-        <pc:spChg chg="del">
-          <ac:chgData name="Lajka Kristóf" userId="5e6963896e59b084" providerId="Windows Live" clId="Web-{073B8870-9D9D-4839-9E38-2DF8EF05A441}" dt="2024-12-09T17:40:41.173" v="145"/>
-          <ac:spMkLst>
-            <pc:docMk/>
-            <pc:sldMk cId="937931457" sldId="258"/>
-            <ac:spMk id="73" creationId="{F98810A7-E114-447A-A7D6-69B27CFB5650}"/>
-          </ac:spMkLst>
-        </pc:spChg>
-        <pc:graphicFrameChg chg="mod modGraphic">
-          <ac:chgData name="Lajka Kristóf" userId="5e6963896e59b084" providerId="Windows Live" clId="Web-{073B8870-9D9D-4839-9E38-2DF8EF05A441}" dt="2024-12-09T17:41:38.642" v="563" actId="1076"/>
-          <ac:graphicFrameMkLst>
-            <pc:docMk/>
-            <pc:sldMk cId="937931457" sldId="258"/>
-            <ac:graphicFrameMk id="4" creationId="{79F6BA40-39FD-AD63-6F9A-3365B3EC0624}"/>
-          </ac:graphicFrameMkLst>
-        </pc:graphicFrameChg>
-        <pc:picChg chg="del">
-          <ac:chgData name="Lajka Kristóf" userId="5e6963896e59b084" providerId="Windows Live" clId="Web-{073B8870-9D9D-4839-9E38-2DF8EF05A441}" dt="2024-12-09T17:40:41.173" v="145"/>
-          <ac:picMkLst>
-            <pc:docMk/>
-            <pc:sldMk cId="937931457" sldId="258"/>
-            <ac:picMk id="55" creationId="{41B68C77-138E-4BF7-A276-BD0C78A4219F}"/>
-          </ac:picMkLst>
-        </pc:picChg>
-        <pc:picChg chg="del">
-          <ac:chgData name="Lajka Kristóf" userId="5e6963896e59b084" providerId="Windows Live" clId="Web-{073B8870-9D9D-4839-9E38-2DF8EF05A441}" dt="2024-12-09T17:40:41.173" v="145"/>
-          <ac:picMkLst>
-            <pc:docMk/>
-            <pc:sldMk cId="937931457" sldId="258"/>
-            <ac:picMk id="57" creationId="{7C268552-D473-46ED-B1B8-422042C4DEF1}"/>
-          </ac:picMkLst>
-        </pc:picChg>
-        <pc:picChg chg="del">
-          <ac:chgData name="Lajka Kristóf" userId="5e6963896e59b084" providerId="Windows Live" clId="Web-{073B8870-9D9D-4839-9E38-2DF8EF05A441}" dt="2024-12-09T17:40:41.173" v="145"/>
-          <ac:picMkLst>
-            <pc:docMk/>
-            <pc:sldMk cId="937931457" sldId="258"/>
-            <ac:picMk id="61" creationId="{B9238B3E-24AA-439A-B527-6C5DF6D72145}"/>
-          </ac:picMkLst>
-        </pc:picChg>
-      </pc:sldChg>
-      <pc:sldChg chg="modSp mod modClrScheme chgLayout">
-        <pc:chgData name="Lajka Kristóf" userId="5e6963896e59b084" providerId="Windows Live" clId="Web-{073B8870-9D9D-4839-9E38-2DF8EF05A441}" dt="2024-12-09T17:49:56.436" v="660"/>
-        <pc:sldMkLst>
-          <pc:docMk/>
-          <pc:sldMk cId="280766078" sldId="259"/>
-        </pc:sldMkLst>
-        <pc:spChg chg="mod ord">
-          <ac:chgData name="Lajka Kristóf" userId="5e6963896e59b084" providerId="Windows Live" clId="Web-{073B8870-9D9D-4839-9E38-2DF8EF05A441}" dt="2024-12-09T17:40:41.173" v="145"/>
-          <ac:spMkLst>
-            <pc:docMk/>
-            <pc:sldMk cId="280766078" sldId="259"/>
-            <ac:spMk id="2" creationId="{949C163E-5A6C-C99F-38D2-6AF608301887}"/>
-          </ac:spMkLst>
-        </pc:spChg>
-        <pc:graphicFrameChg chg="mod ord modGraphic">
-          <ac:chgData name="Lajka Kristóf" userId="5e6963896e59b084" providerId="Windows Live" clId="Web-{073B8870-9D9D-4839-9E38-2DF8EF05A441}" dt="2024-12-09T17:49:56.436" v="660"/>
-          <ac:graphicFrameMkLst>
-            <pc:docMk/>
-            <pc:sldMk cId="280766078" sldId="259"/>
-            <ac:graphicFrameMk id="8" creationId="{57BD3877-1494-77FD-5DCF-838AA688127B}"/>
-          </ac:graphicFrameMkLst>
-        </pc:graphicFrameChg>
-      </pc:sldChg>
-      <pc:sldChg chg="addSp delSp modSp del mod setBg modClrScheme delDesignElem chgLayout">
-        <pc:chgData name="Lajka Kristóf" userId="5e6963896e59b084" providerId="Windows Live" clId="Web-{073B8870-9D9D-4839-9E38-2DF8EF05A441}" dt="2024-12-09T17:45:28.625" v="583"/>
-        <pc:sldMkLst>
-          <pc:docMk/>
-          <pc:sldMk cId="3549832733" sldId="260"/>
-        </pc:sldMkLst>
-        <pc:spChg chg="mod ord">
-          <ac:chgData name="Lajka Kristóf" userId="5e6963896e59b084" providerId="Windows Live" clId="Web-{073B8870-9D9D-4839-9E38-2DF8EF05A441}" dt="2024-12-09T17:44:10.407" v="578" actId="20577"/>
-          <ac:spMkLst>
-            <pc:docMk/>
-            <pc:sldMk cId="3549832733" sldId="260"/>
-            <ac:spMk id="2" creationId="{B81CF1FE-76C1-59B3-DBAD-798DE6AA0ACE}"/>
-          </ac:spMkLst>
-        </pc:spChg>
-        <pc:spChg chg="add del mod">
-          <ac:chgData name="Lajka Kristóf" userId="5e6963896e59b084" providerId="Windows Live" clId="Web-{073B8870-9D9D-4839-9E38-2DF8EF05A441}" dt="2024-12-09T17:43:39.532" v="573"/>
-          <ac:spMkLst>
-            <pc:docMk/>
-            <pc:sldMk cId="3549832733" sldId="260"/>
-            <ac:spMk id="5" creationId="{7BE029F4-2C78-8A84-26C5-7CDA7EA5617D}"/>
-          </ac:spMkLst>
-        </pc:spChg>
-        <pc:spChg chg="add mod">
-          <ac:chgData name="Lajka Kristóf" userId="5e6963896e59b084" providerId="Windows Live" clId="Web-{073B8870-9D9D-4839-9E38-2DF8EF05A441}" dt="2024-12-09T17:45:26" v="582"/>
-          <ac:spMkLst>
-            <pc:docMk/>
-            <pc:sldMk cId="3549832733" sldId="260"/>
-            <ac:spMk id="8" creationId="{01CF63EC-C33F-4082-33C4-7C4056732098}"/>
-          </ac:spMkLst>
-        </pc:spChg>
-        <pc:spChg chg="del">
-          <ac:chgData name="Lajka Kristóf" userId="5e6963896e59b084" providerId="Windows Live" clId="Web-{073B8870-9D9D-4839-9E38-2DF8EF05A441}" dt="2024-12-09T17:40:41.173" v="145"/>
-          <ac:spMkLst>
-            <pc:docMk/>
-            <pc:sldMk cId="3549832733" sldId="260"/>
-            <ac:spMk id="28" creationId="{74CD14DB-BB81-479F-A1FC-1C75640E9F84}"/>
-          </ac:spMkLst>
-        </pc:spChg>
-        <pc:spChg chg="del">
-          <ac:chgData name="Lajka Kristóf" userId="5e6963896e59b084" providerId="Windows Live" clId="Web-{073B8870-9D9D-4839-9E38-2DF8EF05A441}" dt="2024-12-09T17:40:41.173" v="145"/>
-          <ac:spMkLst>
-            <pc:docMk/>
-            <pc:sldMk cId="3549832733" sldId="260"/>
-            <ac:spMk id="29" creationId="{C943A91B-7CA7-4592-A975-73B1BF8C4C74}"/>
-          </ac:spMkLst>
-        </pc:spChg>
-        <pc:spChg chg="del">
-          <ac:chgData name="Lajka Kristóf" userId="5e6963896e59b084" providerId="Windows Live" clId="Web-{073B8870-9D9D-4839-9E38-2DF8EF05A441}" dt="2024-12-09T17:40:41.173" v="145"/>
-          <ac:spMkLst>
-            <pc:docMk/>
-            <pc:sldMk cId="3549832733" sldId="260"/>
-            <ac:spMk id="30" creationId="{EC471314-E46A-414B-8D91-74880E84F187}"/>
-          </ac:spMkLst>
-        </pc:spChg>
-        <pc:spChg chg="del">
-          <ac:chgData name="Lajka Kristóf" userId="5e6963896e59b084" providerId="Windows Live" clId="Web-{073B8870-9D9D-4839-9E38-2DF8EF05A441}" dt="2024-12-09T17:40:41.173" v="145"/>
-          <ac:spMkLst>
-            <pc:docMk/>
-            <pc:sldMk cId="3549832733" sldId="260"/>
-            <ac:spMk id="31" creationId="{6A681326-1C9D-44A3-A627-3871BDAE4127}"/>
-          </ac:spMkLst>
-        </pc:spChg>
-        <pc:picChg chg="del mod ord">
-          <ac:chgData name="Lajka Kristóf" userId="5e6963896e59b084" providerId="Windows Live" clId="Web-{073B8870-9D9D-4839-9E38-2DF8EF05A441}" dt="2024-12-09T17:43:35.719" v="572"/>
-          <ac:picMkLst>
-            <pc:docMk/>
-            <pc:sldMk cId="3549832733" sldId="260"/>
-            <ac:picMk id="4" creationId="{4D44B5CC-2712-F98B-7779-3BC04DDA31C4}"/>
-          </ac:picMkLst>
-        </pc:picChg>
-        <pc:picChg chg="add del mod ord">
-          <ac:chgData name="Lajka Kristóf" userId="5e6963896e59b084" providerId="Windows Live" clId="Web-{073B8870-9D9D-4839-9E38-2DF8EF05A441}" dt="2024-12-09T17:45:26" v="582"/>
-          <ac:picMkLst>
-            <pc:docMk/>
-            <pc:sldMk cId="3549832733" sldId="260"/>
-            <ac:picMk id="6" creationId="{EFF71B50-AABE-6431-E256-61FE84E02688}"/>
-          </ac:picMkLst>
-        </pc:picChg>
-      </pc:sldChg>
-      <pc:sldChg chg="modSp mod modClrScheme chgLayout">
-        <pc:chgData name="Lajka Kristóf" userId="5e6963896e59b084" providerId="Windows Live" clId="Web-{073B8870-9D9D-4839-9E38-2DF8EF05A441}" dt="2024-12-09T17:40:41.173" v="145"/>
-        <pc:sldMkLst>
-          <pc:docMk/>
-          <pc:sldMk cId="2443191679" sldId="261"/>
-        </pc:sldMkLst>
-        <pc:spChg chg="mod ord">
-          <ac:chgData name="Lajka Kristóf" userId="5e6963896e59b084" providerId="Windows Live" clId="Web-{073B8870-9D9D-4839-9E38-2DF8EF05A441}" dt="2024-12-09T17:40:41.173" v="145"/>
-          <ac:spMkLst>
-            <pc:docMk/>
-            <pc:sldMk cId="2443191679" sldId="261"/>
-            <ac:spMk id="2" creationId="{8E2618EB-3032-0D46-4020-753157BBE65B}"/>
-          </ac:spMkLst>
-        </pc:spChg>
-        <pc:graphicFrameChg chg="mod ord">
-          <ac:chgData name="Lajka Kristóf" userId="5e6963896e59b084" providerId="Windows Live" clId="Web-{073B8870-9D9D-4839-9E38-2DF8EF05A441}" dt="2024-12-09T17:40:41.173" v="145"/>
-          <ac:graphicFrameMkLst>
-            <pc:docMk/>
-            <pc:sldMk cId="2443191679" sldId="261"/>
-            <ac:graphicFrameMk id="4" creationId="{9BD286FC-C965-9CB9-D4A6-DA0B276CE2E1}"/>
-          </ac:graphicFrameMkLst>
-        </pc:graphicFrameChg>
-      </pc:sldChg>
-      <pc:sldChg chg="modSp mod modClrScheme chgLayout">
-        <pc:chgData name="Lajka Kristóf" userId="5e6963896e59b084" providerId="Windows Live" clId="Web-{073B8870-9D9D-4839-9E38-2DF8EF05A441}" dt="2024-12-09T17:40:41.173" v="145"/>
-        <pc:sldMkLst>
-          <pc:docMk/>
-          <pc:sldMk cId="590870679" sldId="262"/>
-        </pc:sldMkLst>
-        <pc:spChg chg="mod ord">
-          <ac:chgData name="Lajka Kristóf" userId="5e6963896e59b084" providerId="Windows Live" clId="Web-{073B8870-9D9D-4839-9E38-2DF8EF05A441}" dt="2024-12-09T17:40:41.173" v="145"/>
-          <ac:spMkLst>
-            <pc:docMk/>
-            <pc:sldMk cId="590870679" sldId="262"/>
-            <ac:spMk id="2" creationId="{683EA4FD-5DD8-81BF-4671-6448B2020671}"/>
-          </ac:spMkLst>
-        </pc:spChg>
-        <pc:picChg chg="mod ord">
-          <ac:chgData name="Lajka Kristóf" userId="5e6963896e59b084" providerId="Windows Live" clId="Web-{073B8870-9D9D-4839-9E38-2DF8EF05A441}" dt="2024-12-09T17:40:41.173" v="145"/>
-          <ac:picMkLst>
-            <pc:docMk/>
-            <pc:sldMk cId="590870679" sldId="262"/>
-            <ac:picMk id="7" creationId="{DE11E26C-0119-3B48-2E6B-A299B93DA9EF}"/>
-          </ac:picMkLst>
-        </pc:picChg>
-      </pc:sldChg>
-      <pc:sldChg chg="addSp modSp mod modClrScheme chgLayout">
-        <pc:chgData name="Lajka Kristóf" userId="5e6963896e59b084" providerId="Windows Live" clId="Web-{073B8870-9D9D-4839-9E38-2DF8EF05A441}" dt="2024-12-09T17:40:41.173" v="145"/>
-        <pc:sldMkLst>
-          <pc:docMk/>
-          <pc:sldMk cId="410447792" sldId="263"/>
-        </pc:sldMkLst>
-        <pc:spChg chg="mod ord">
-          <ac:chgData name="Lajka Kristóf" userId="5e6963896e59b084" providerId="Windows Live" clId="Web-{073B8870-9D9D-4839-9E38-2DF8EF05A441}" dt="2024-12-09T17:40:41.173" v="145"/>
-          <ac:spMkLst>
-            <pc:docMk/>
-            <pc:sldMk cId="410447792" sldId="263"/>
-            <ac:spMk id="2" creationId="{C5212948-0142-3E06-0AD6-9CD0827A0754}"/>
-          </ac:spMkLst>
-        </pc:spChg>
-        <pc:spChg chg="mod">
-          <ac:chgData name="Lajka Kristóf" userId="5e6963896e59b084" providerId="Windows Live" clId="Web-{073B8870-9D9D-4839-9E38-2DF8EF05A441}" dt="2024-12-09T17:27:23.224" v="35" actId="1076"/>
-          <ac:spMkLst>
-            <pc:docMk/>
-            <pc:sldMk cId="410447792" sldId="263"/>
-            <ac:spMk id="10" creationId="{F987FC22-7588-E1A3-5358-3DA087A4E833}"/>
-          </ac:spMkLst>
-        </pc:spChg>
-        <pc:spChg chg="mod">
-          <ac:chgData name="Lajka Kristóf" userId="5e6963896e59b084" providerId="Windows Live" clId="Web-{073B8870-9D9D-4839-9E38-2DF8EF05A441}" dt="2024-12-09T17:27:36.630" v="41" actId="14100"/>
-          <ac:spMkLst>
-            <pc:docMk/>
-            <pc:sldMk cId="410447792" sldId="263"/>
-            <ac:spMk id="11" creationId="{08E189C2-0C59-B446-197E-FE15E0A7973F}"/>
-          </ac:spMkLst>
-        </pc:spChg>
-        <pc:picChg chg="add mod">
-          <ac:chgData name="Lajka Kristóf" userId="5e6963896e59b084" providerId="Windows Live" clId="Web-{073B8870-9D9D-4839-9E38-2DF8EF05A441}" dt="2024-12-09T17:28:49.895" v="51" actId="1076"/>
-          <ac:picMkLst>
-            <pc:docMk/>
-            <pc:sldMk cId="410447792" sldId="263"/>
-            <ac:picMk id="3" creationId="{C37D69C8-EAE0-51B6-E141-4B21A936A03E}"/>
-          </ac:picMkLst>
-        </pc:picChg>
-        <pc:picChg chg="mod ord">
-          <ac:chgData name="Lajka Kristóf" userId="5e6963896e59b084" providerId="Windows Live" clId="Web-{073B8870-9D9D-4839-9E38-2DF8EF05A441}" dt="2024-12-09T17:40:41.173" v="145"/>
-          <ac:picMkLst>
-            <pc:docMk/>
-            <pc:sldMk cId="410447792" sldId="263"/>
-            <ac:picMk id="7" creationId="{E3E8D5D8-96BA-2322-E5EC-0CF36C95F856}"/>
-          </ac:picMkLst>
-        </pc:picChg>
-        <pc:picChg chg="mod">
-          <ac:chgData name="Lajka Kristóf" userId="5e6963896e59b084" providerId="Windows Live" clId="Web-{073B8870-9D9D-4839-9E38-2DF8EF05A441}" dt="2024-12-09T17:28:23.333" v="50" actId="1076"/>
-          <ac:picMkLst>
-            <pc:docMk/>
-            <pc:sldMk cId="410447792" sldId="263"/>
-            <ac:picMk id="9" creationId="{26932762-2226-04CE-8F1E-733E04BAF7F0}"/>
-          </ac:picMkLst>
-        </pc:picChg>
-      </pc:sldChg>
-      <pc:sldChg chg="delSp modSp mod modClrScheme delDesignElem chgLayout">
-        <pc:chgData name="Lajka Kristóf" userId="5e6963896e59b084" providerId="Windows Live" clId="Web-{073B8870-9D9D-4839-9E38-2DF8EF05A441}" dt="2024-12-09T17:40:41.173" v="145"/>
-        <pc:sldMkLst>
-          <pc:docMk/>
-          <pc:sldMk cId="1164550516" sldId="264"/>
-        </pc:sldMkLst>
-        <pc:spChg chg="mod ord">
-          <ac:chgData name="Lajka Kristóf" userId="5e6963896e59b084" providerId="Windows Live" clId="Web-{073B8870-9D9D-4839-9E38-2DF8EF05A441}" dt="2024-12-09T17:40:41.173" v="145"/>
-          <ac:spMkLst>
-            <pc:docMk/>
-            <pc:sldMk cId="1164550516" sldId="264"/>
-            <ac:spMk id="2" creationId="{6508B4F6-0164-4591-912F-1669F9412096}"/>
-          </ac:spMkLst>
-        </pc:spChg>
-        <pc:spChg chg="del">
-          <ac:chgData name="Lajka Kristóf" userId="5e6963896e59b084" providerId="Windows Live" clId="Web-{073B8870-9D9D-4839-9E38-2DF8EF05A441}" dt="2024-12-09T17:40:41.173" v="145"/>
-          <ac:spMkLst>
-            <pc:docMk/>
-            <pc:sldMk cId="1164550516" sldId="264"/>
-            <ac:spMk id="32" creationId="{989BE678-777B-482A-A616-FEDC47B162E5}"/>
-          </ac:spMkLst>
-        </pc:spChg>
-        <pc:spChg chg="del">
-          <ac:chgData name="Lajka Kristóf" userId="5e6963896e59b084" providerId="Windows Live" clId="Web-{073B8870-9D9D-4839-9E38-2DF8EF05A441}" dt="2024-12-09T17:40:41.173" v="145"/>
-          <ac:spMkLst>
-            <pc:docMk/>
-            <pc:sldMk cId="1164550516" sldId="264"/>
-            <ac:spMk id="35" creationId="{D28BE0C3-2102-4820-B88B-A448B1840D14}"/>
-          </ac:spMkLst>
-        </pc:spChg>
-        <pc:picChg chg="mod ord">
-          <ac:chgData name="Lajka Kristóf" userId="5e6963896e59b084" providerId="Windows Live" clId="Web-{073B8870-9D9D-4839-9E38-2DF8EF05A441}" dt="2024-12-09T17:40:41.173" v="145"/>
-          <ac:picMkLst>
-            <pc:docMk/>
-            <pc:sldMk cId="1164550516" sldId="264"/>
-            <ac:picMk id="5" creationId="{637B6366-D600-A5CB-78E2-A9FBF69A7D6C}"/>
-          </ac:picMkLst>
-        </pc:picChg>
-        <pc:picChg chg="del">
-          <ac:chgData name="Lajka Kristóf" userId="5e6963896e59b084" providerId="Windows Live" clId="Web-{073B8870-9D9D-4839-9E38-2DF8EF05A441}" dt="2024-12-09T17:40:41.173" v="145"/>
-          <ac:picMkLst>
-            <pc:docMk/>
-            <pc:sldMk cId="1164550516" sldId="264"/>
-            <ac:picMk id="30" creationId="{DF19BAF3-7E20-4B9D-B544-BABAEEA1FA75}"/>
-          </ac:picMkLst>
-        </pc:picChg>
-        <pc:picChg chg="del">
-          <ac:chgData name="Lajka Kristóf" userId="5e6963896e59b084" providerId="Windows Live" clId="Web-{073B8870-9D9D-4839-9E38-2DF8EF05A441}" dt="2024-12-09T17:40:41.173" v="145"/>
-          <ac:picMkLst>
-            <pc:docMk/>
-            <pc:sldMk cId="1164550516" sldId="264"/>
-            <ac:picMk id="31" creationId="{950648F4-ABCD-4DF0-8641-76CFB2354721}"/>
-          </ac:picMkLst>
-        </pc:picChg>
-        <pc:picChg chg="del">
-          <ac:chgData name="Lajka Kristóf" userId="5e6963896e59b084" providerId="Windows Live" clId="Web-{073B8870-9D9D-4839-9E38-2DF8EF05A441}" dt="2024-12-09T17:40:41.173" v="145"/>
-          <ac:picMkLst>
-            <pc:docMk/>
-            <pc:sldMk cId="1164550516" sldId="264"/>
-            <ac:picMk id="33" creationId="{CF1EB4BD-9C7E-4AA3-9681-C7EB0DA6250B}"/>
-          </ac:picMkLst>
-        </pc:picChg>
-        <pc:picChg chg="del">
-          <ac:chgData name="Lajka Kristóf" userId="5e6963896e59b084" providerId="Windows Live" clId="Web-{073B8870-9D9D-4839-9E38-2DF8EF05A441}" dt="2024-12-09T17:40:41.173" v="145"/>
-          <ac:picMkLst>
-            <pc:docMk/>
-            <pc:sldMk cId="1164550516" sldId="264"/>
-            <ac:picMk id="34" creationId="{94AAE3AA-3759-4D28-B0EF-575F25A5146C}"/>
-          </ac:picMkLst>
-        </pc:picChg>
-      </pc:sldChg>
-      <pc:sldChg chg="delSp modSp mod modClrScheme delDesignElem chgLayout">
-        <pc:chgData name="Lajka Kristóf" userId="5e6963896e59b084" providerId="Windows Live" clId="Web-{073B8870-9D9D-4839-9E38-2DF8EF05A441}" dt="2024-12-09T17:40:41.173" v="145"/>
-        <pc:sldMkLst>
-          <pc:docMk/>
-          <pc:sldMk cId="2015113315" sldId="265"/>
-        </pc:sldMkLst>
-        <pc:spChg chg="mod ord">
-          <ac:chgData name="Lajka Kristóf" userId="5e6963896e59b084" providerId="Windows Live" clId="Web-{073B8870-9D9D-4839-9E38-2DF8EF05A441}" dt="2024-12-09T17:40:41.173" v="145"/>
-          <ac:spMkLst>
-            <pc:docMk/>
-            <pc:sldMk cId="2015113315" sldId="265"/>
-            <ac:spMk id="2" creationId="{6B02B882-08BF-D1D2-91B2-742A3C6D665F}"/>
-          </ac:spMkLst>
-        </pc:spChg>
-        <pc:spChg chg="del">
-          <ac:chgData name="Lajka Kristóf" userId="5e6963896e59b084" providerId="Windows Live" clId="Web-{073B8870-9D9D-4839-9E38-2DF8EF05A441}" dt="2024-12-09T17:40:41.173" v="145"/>
-          <ac:spMkLst>
-            <pc:docMk/>
-            <pc:sldMk cId="2015113315" sldId="265"/>
-            <ac:spMk id="34" creationId="{989BE678-777B-482A-A616-FEDC47B162E5}"/>
-          </ac:spMkLst>
-        </pc:spChg>
-        <pc:spChg chg="del">
-          <ac:chgData name="Lajka Kristóf" userId="5e6963896e59b084" providerId="Windows Live" clId="Web-{073B8870-9D9D-4839-9E38-2DF8EF05A441}" dt="2024-12-09T17:40:41.173" v="145"/>
-          <ac:spMkLst>
-            <pc:docMk/>
-            <pc:sldMk cId="2015113315" sldId="265"/>
-            <ac:spMk id="37" creationId="{D28BE0C3-2102-4820-B88B-A448B1840D14}"/>
-          </ac:spMkLst>
-        </pc:spChg>
-        <pc:spChg chg="del">
-          <ac:chgData name="Lajka Kristóf" userId="5e6963896e59b084" providerId="Windows Live" clId="Web-{073B8870-9D9D-4839-9E38-2DF8EF05A441}" dt="2024-12-09T17:40:41.173" v="145"/>
-          <ac:spMkLst>
-            <pc:docMk/>
-            <pc:sldMk cId="2015113315" sldId="265"/>
-            <ac:spMk id="38" creationId="{E4F17063-EDA4-417B-946F-BA357F3B390D}"/>
-          </ac:spMkLst>
-        </pc:spChg>
-        <pc:spChg chg="del">
-          <ac:chgData name="Lajka Kristóf" userId="5e6963896e59b084" providerId="Windows Live" clId="Web-{073B8870-9D9D-4839-9E38-2DF8EF05A441}" dt="2024-12-09T17:40:41.173" v="145"/>
-          <ac:spMkLst>
-            <pc:docMk/>
-            <pc:sldMk cId="2015113315" sldId="265"/>
-            <ac:spMk id="39" creationId="{D36F3EEA-55D4-4677-80E7-92D00B8F343B}"/>
-          </ac:spMkLst>
-        </pc:spChg>
-        <pc:picChg chg="mod ord">
-          <ac:chgData name="Lajka Kristóf" userId="5e6963896e59b084" providerId="Windows Live" clId="Web-{073B8870-9D9D-4839-9E38-2DF8EF05A441}" dt="2024-12-09T17:40:41.173" v="145"/>
-          <ac:picMkLst>
-            <pc:docMk/>
-            <pc:sldMk cId="2015113315" sldId="265"/>
-            <ac:picMk id="5" creationId="{777E1E84-5CD2-F4EA-B613-369956660E14}"/>
-          </ac:picMkLst>
-        </pc:picChg>
-        <pc:picChg chg="del">
-          <ac:chgData name="Lajka Kristóf" userId="5e6963896e59b084" providerId="Windows Live" clId="Web-{073B8870-9D9D-4839-9E38-2DF8EF05A441}" dt="2024-12-09T17:40:41.173" v="145"/>
-          <ac:picMkLst>
-            <pc:docMk/>
-            <pc:sldMk cId="2015113315" sldId="265"/>
-            <ac:picMk id="32" creationId="{DF19BAF3-7E20-4B9D-B544-BABAEEA1FA75}"/>
-          </ac:picMkLst>
-        </pc:picChg>
-        <pc:picChg chg="del">
-          <ac:chgData name="Lajka Kristóf" userId="5e6963896e59b084" providerId="Windows Live" clId="Web-{073B8870-9D9D-4839-9E38-2DF8EF05A441}" dt="2024-12-09T17:40:41.173" v="145"/>
-          <ac:picMkLst>
-            <pc:docMk/>
-            <pc:sldMk cId="2015113315" sldId="265"/>
-            <ac:picMk id="33" creationId="{950648F4-ABCD-4DF0-8641-76CFB2354721}"/>
-          </ac:picMkLst>
-        </pc:picChg>
-        <pc:picChg chg="del">
-          <ac:chgData name="Lajka Kristóf" userId="5e6963896e59b084" providerId="Windows Live" clId="Web-{073B8870-9D9D-4839-9E38-2DF8EF05A441}" dt="2024-12-09T17:40:41.173" v="145"/>
-          <ac:picMkLst>
-            <pc:docMk/>
-            <pc:sldMk cId="2015113315" sldId="265"/>
-            <ac:picMk id="35" creationId="{CF1EB4BD-9C7E-4AA3-9681-C7EB0DA6250B}"/>
-          </ac:picMkLst>
-        </pc:picChg>
-        <pc:picChg chg="del">
-          <ac:chgData name="Lajka Kristóf" userId="5e6963896e59b084" providerId="Windows Live" clId="Web-{073B8870-9D9D-4839-9E38-2DF8EF05A441}" dt="2024-12-09T17:40:41.173" v="145"/>
-          <ac:picMkLst>
-            <pc:docMk/>
-            <pc:sldMk cId="2015113315" sldId="265"/>
-            <ac:picMk id="36" creationId="{94AAE3AA-3759-4D28-B0EF-575F25A5146C}"/>
-          </ac:picMkLst>
-        </pc:picChg>
-      </pc:sldChg>
-      <pc:sldChg chg="addSp delSp modSp mod setBg modClrScheme setClrOvrMap delDesignElem chgLayout">
-        <pc:chgData name="Lajka Kristóf" userId="5e6963896e59b084" providerId="Windows Live" clId="Web-{073B8870-9D9D-4839-9E38-2DF8EF05A441}" dt="2024-12-09T17:51:56.217" v="673" actId="1076"/>
-        <pc:sldMkLst>
-          <pc:docMk/>
-          <pc:sldMk cId="3658396111" sldId="267"/>
-        </pc:sldMkLst>
-        <pc:spChg chg="mod ord">
-          <ac:chgData name="Lajka Kristóf" userId="5e6963896e59b084" providerId="Windows Live" clId="Web-{073B8870-9D9D-4839-9E38-2DF8EF05A441}" dt="2024-12-09T17:51:21.061" v="667"/>
-          <ac:spMkLst>
-            <pc:docMk/>
-            <pc:sldMk cId="3658396111" sldId="267"/>
-            <ac:spMk id="2" creationId="{EDA63DA1-BE40-126F-1A78-CA6ECA805D3E}"/>
-          </ac:spMkLst>
-        </pc:spChg>
-        <pc:spChg chg="add del">
-          <ac:chgData name="Lajka Kristóf" userId="5e6963896e59b084" providerId="Windows Live" clId="Web-{073B8870-9D9D-4839-9E38-2DF8EF05A441}" dt="2024-12-09T17:51:21.061" v="667"/>
-          <ac:spMkLst>
-            <pc:docMk/>
-            <pc:sldMk cId="3658396111" sldId="267"/>
-            <ac:spMk id="8" creationId="{8A610DC7-FE1B-47B9-8452-CFC389786C2D}"/>
-          </ac:spMkLst>
-        </pc:spChg>
-        <pc:spChg chg="del">
-          <ac:chgData name="Lajka Kristóf" userId="5e6963896e59b084" providerId="Windows Live" clId="Web-{073B8870-9D9D-4839-9E38-2DF8EF05A441}" dt="2024-12-09T17:40:41.173" v="145"/>
-          <ac:spMkLst>
-            <pc:docMk/>
-            <pc:sldMk cId="3658396111" sldId="267"/>
-            <ac:spMk id="12" creationId="{B4AAD3FD-83A5-4B89-9F8F-01B8870865BE}"/>
-          </ac:spMkLst>
-        </pc:spChg>
-        <pc:spChg chg="del">
-          <ac:chgData name="Lajka Kristóf" userId="5e6963896e59b084" providerId="Windows Live" clId="Web-{073B8870-9D9D-4839-9E38-2DF8EF05A441}" dt="2024-12-09T17:40:41.173" v="145"/>
-          <ac:spMkLst>
-            <pc:docMk/>
-            <pc:sldMk cId="3658396111" sldId="267"/>
-            <ac:spMk id="14" creationId="{61752F1D-FC0F-4103-9584-630E643CCDA6}"/>
-          </ac:spMkLst>
-        </pc:spChg>
-        <pc:spChg chg="del">
-          <ac:chgData name="Lajka Kristóf" userId="5e6963896e59b084" providerId="Windows Live" clId="Web-{073B8870-9D9D-4839-9E38-2DF8EF05A441}" dt="2024-12-09T17:40:41.173" v="145"/>
-          <ac:spMkLst>
-            <pc:docMk/>
-            <pc:sldMk cId="3658396111" sldId="267"/>
-            <ac:spMk id="16" creationId="{70151CB7-E7DE-4917-B831-01DF9CE01306}"/>
-          </ac:spMkLst>
-        </pc:spChg>
-        <pc:spChg chg="del">
-          <ac:chgData name="Lajka Kristóf" userId="5e6963896e59b084" providerId="Windows Live" clId="Web-{073B8870-9D9D-4839-9E38-2DF8EF05A441}" dt="2024-12-09T17:40:41.173" v="145"/>
-          <ac:spMkLst>
-            <pc:docMk/>
-            <pc:sldMk cId="3658396111" sldId="267"/>
-            <ac:spMk id="18" creationId="{A92A1116-1C84-41DF-B803-1F7B0883EC82}"/>
-          </ac:spMkLst>
-        </pc:spChg>
-        <pc:spChg chg="add del">
-          <ac:chgData name="Lajka Kristóf" userId="5e6963896e59b084" providerId="Windows Live" clId="Web-{073B8870-9D9D-4839-9E38-2DF8EF05A441}" dt="2024-12-09T17:51:21.061" v="667"/>
-          <ac:spMkLst>
-            <pc:docMk/>
-            <pc:sldMk cId="3658396111" sldId="267"/>
-            <ac:spMk id="20" creationId="{DC9A0934-0C2C-4565-9290-A345B19BD94C}"/>
-          </ac:spMkLst>
-        </pc:spChg>
-        <pc:spChg chg="add del">
-          <ac:chgData name="Lajka Kristóf" userId="5e6963896e59b084" providerId="Windows Live" clId="Web-{073B8870-9D9D-4839-9E38-2DF8EF05A441}" dt="2024-12-09T17:51:21.061" v="667"/>
-          <ac:spMkLst>
-            <pc:docMk/>
-            <pc:sldMk cId="3658396111" sldId="267"/>
-            <ac:spMk id="22" creationId="{87BE56A7-2B14-4ABE-8DF3-40C07E64B19D}"/>
-          </ac:spMkLst>
-        </pc:spChg>
-        <pc:spChg chg="add del">
-          <ac:chgData name="Lajka Kristóf" userId="5e6963896e59b084" providerId="Windows Live" clId="Web-{073B8870-9D9D-4839-9E38-2DF8EF05A441}" dt="2024-12-09T17:51:21.061" v="667"/>
-          <ac:spMkLst>
-            <pc:docMk/>
-            <pc:sldMk cId="3658396111" sldId="267"/>
-            <ac:spMk id="24" creationId="{140D5101-D8FB-4102-A338-49651E97150A}"/>
-          </ac:spMkLst>
-        </pc:spChg>
-        <pc:spChg chg="add del">
-          <ac:chgData name="Lajka Kristóf" userId="5e6963896e59b084" providerId="Windows Live" clId="Web-{073B8870-9D9D-4839-9E38-2DF8EF05A441}" dt="2024-12-09T17:51:21.061" v="667"/>
-          <ac:spMkLst>
-            <pc:docMk/>
-            <pc:sldMk cId="3658396111" sldId="267"/>
-            <ac:spMk id="26" creationId="{73E26159-C029-4449-8912-A9B418CC328B}"/>
-          </ac:spMkLst>
-        </pc:spChg>
-        <pc:spChg chg="add del">
-          <ac:chgData name="Lajka Kristóf" userId="5e6963896e59b084" providerId="Windows Live" clId="Web-{073B8870-9D9D-4839-9E38-2DF8EF05A441}" dt="2024-12-09T17:51:17.264" v="664"/>
-          <ac:spMkLst>
-            <pc:docMk/>
-            <pc:sldMk cId="3658396111" sldId="267"/>
-            <ac:spMk id="35" creationId="{15BF20A1-7C3A-4BEC-BE35-8AA3E9F011CA}"/>
-          </ac:spMkLst>
-        </pc:spChg>
-        <pc:spChg chg="add del">
-          <ac:chgData name="Lajka Kristóf" userId="5e6963896e59b084" providerId="Windows Live" clId="Web-{073B8870-9D9D-4839-9E38-2DF8EF05A441}" dt="2024-12-09T17:51:17.264" v="664"/>
-          <ac:spMkLst>
-            <pc:docMk/>
-            <pc:sldMk cId="3658396111" sldId="267"/>
-            <ac:spMk id="41" creationId="{7FDEDC12-69DE-40B2-9801-E7FFEC7C1727}"/>
-          </ac:spMkLst>
-        </pc:spChg>
-        <pc:spChg chg="add del">
-          <ac:chgData name="Lajka Kristóf" userId="5e6963896e59b084" providerId="Windows Live" clId="Web-{073B8870-9D9D-4839-9E38-2DF8EF05A441}" dt="2024-12-09T17:51:21.045" v="666"/>
-          <ac:spMkLst>
-            <pc:docMk/>
-            <pc:sldMk cId="3658396111" sldId="267"/>
-            <ac:spMk id="43" creationId="{882D5FE2-6806-4596-A6D5-F3B6C0B861E9}"/>
-          </ac:spMkLst>
-        </pc:spChg>
-        <pc:spChg chg="add del">
-          <ac:chgData name="Lajka Kristóf" userId="5e6963896e59b084" providerId="Windows Live" clId="Web-{073B8870-9D9D-4839-9E38-2DF8EF05A441}" dt="2024-12-09T17:51:21.045" v="666"/>
-          <ac:spMkLst>
-            <pc:docMk/>
-            <pc:sldMk cId="3658396111" sldId="267"/>
-            <ac:spMk id="47" creationId="{E00EC9B8-02C2-44C2-9D39-D8B477049331}"/>
-          </ac:spMkLst>
-        </pc:spChg>
-        <pc:spChg chg="add del">
-          <ac:chgData name="Lajka Kristóf" userId="5e6963896e59b084" providerId="Windows Live" clId="Web-{073B8870-9D9D-4839-9E38-2DF8EF05A441}" dt="2024-12-09T17:51:21.045" v="666"/>
-          <ac:spMkLst>
-            <pc:docMk/>
-            <pc:sldMk cId="3658396111" sldId="267"/>
-            <ac:spMk id="48" creationId="{1D73A963-D417-4FD9-851E-5E323F67D1BF}"/>
-          </ac:spMkLst>
-        </pc:spChg>
-        <pc:spChg chg="add del">
-          <ac:chgData name="Lajka Kristóf" userId="5e6963896e59b084" providerId="Windows Live" clId="Web-{073B8870-9D9D-4839-9E38-2DF8EF05A441}" dt="2024-12-09T17:51:21.045" v="666"/>
-          <ac:spMkLst>
-            <pc:docMk/>
-            <pc:sldMk cId="3658396111" sldId="267"/>
-            <ac:spMk id="49" creationId="{45592722-FB34-4E6D-AAAD-C8B7175345DD}"/>
-          </ac:spMkLst>
-        </pc:spChg>
-        <pc:spChg chg="add">
-          <ac:chgData name="Lajka Kristóf" userId="5e6963896e59b084" providerId="Windows Live" clId="Web-{073B8870-9D9D-4839-9E38-2DF8EF05A441}" dt="2024-12-09T17:51:21.061" v="667"/>
-          <ac:spMkLst>
-            <pc:docMk/>
-            <pc:sldMk cId="3658396111" sldId="267"/>
-            <ac:spMk id="56" creationId="{15BF20A1-7C3A-4BEC-BE35-8AA3E9F011CA}"/>
-          </ac:spMkLst>
-        </pc:spChg>
-        <pc:spChg chg="add">
-          <ac:chgData name="Lajka Kristóf" userId="5e6963896e59b084" providerId="Windows Live" clId="Web-{073B8870-9D9D-4839-9E38-2DF8EF05A441}" dt="2024-12-09T17:51:21.061" v="667"/>
-          <ac:spMkLst>
-            <pc:docMk/>
-            <pc:sldMk cId="3658396111" sldId="267"/>
-            <ac:spMk id="59" creationId="{7FDEDC12-69DE-40B2-9801-E7FFEC7C1727}"/>
-          </ac:spMkLst>
-        </pc:spChg>
-        <pc:picChg chg="add del mod">
-          <ac:chgData name="Lajka Kristóf" userId="5e6963896e59b084" providerId="Windows Live" clId="Web-{073B8870-9D9D-4839-9E38-2DF8EF05A441}" dt="2024-12-09T17:51:49.811" v="671"/>
-          <ac:picMkLst>
-            <pc:docMk/>
-            <pc:sldMk cId="3658396111" sldId="267"/>
-            <ac:picMk id="3" creationId="{9D4C408D-6351-79A4-936C-FF294D7DC0C8}"/>
-          </ac:picMkLst>
-        </pc:picChg>
-        <pc:picChg chg="add mod">
-          <ac:chgData name="Lajka Kristóf" userId="5e6963896e59b084" providerId="Windows Live" clId="Web-{073B8870-9D9D-4839-9E38-2DF8EF05A441}" dt="2024-12-09T17:51:56.217" v="673" actId="1076"/>
-          <ac:picMkLst>
-            <pc:docMk/>
-            <pc:sldMk cId="3658396111" sldId="267"/>
-            <ac:picMk id="4" creationId="{47E229D1-A975-7C67-59C7-A4A82D811DFC}"/>
-          </ac:picMkLst>
-        </pc:picChg>
-        <pc:picChg chg="mod">
-          <ac:chgData name="Lajka Kristóf" userId="5e6963896e59b084" providerId="Windows Live" clId="Web-{073B8870-9D9D-4839-9E38-2DF8EF05A441}" dt="2024-12-09T17:51:25.826" v="668" actId="14100"/>
-          <ac:picMkLst>
-            <pc:docMk/>
-            <pc:sldMk cId="3658396111" sldId="267"/>
-            <ac:picMk id="5" creationId="{C743D181-D9C4-120F-9C58-E2ABE5F43CE7}"/>
-          </ac:picMkLst>
-        </pc:picChg>
-        <pc:picChg chg="add">
-          <ac:chgData name="Lajka Kristóf" userId="5e6963896e59b084" providerId="Windows Live" clId="Web-{073B8870-9D9D-4839-9E38-2DF8EF05A441}" dt="2024-12-09T17:43:07.469" v="571"/>
-          <ac:picMkLst>
-            <pc:docMk/>
-            <pc:sldMk cId="3658396111" sldId="267"/>
-            <ac:picMk id="10" creationId="{C9134821-5D8B-4373-BA74-CFE9AB35A55A}"/>
-          </ac:picMkLst>
-        </pc:picChg>
-        <pc:picChg chg="add">
-          <ac:chgData name="Lajka Kristóf" userId="5e6963896e59b084" providerId="Windows Live" clId="Web-{073B8870-9D9D-4839-9E38-2DF8EF05A441}" dt="2024-12-09T17:43:07.469" v="571"/>
-          <ac:picMkLst>
-            <pc:docMk/>
-            <pc:sldMk cId="3658396111" sldId="267"/>
-            <ac:picMk id="13" creationId="{2742ADC1-2286-40B7-A3C6-D6C3362FA04B}"/>
-          </ac:picMkLst>
-        </pc:picChg>
-        <pc:picChg chg="add del">
-          <ac:chgData name="Lajka Kristóf" userId="5e6963896e59b084" providerId="Windows Live" clId="Web-{073B8870-9D9D-4839-9E38-2DF8EF05A441}" dt="2024-12-09T17:51:21.061" v="667"/>
-          <ac:picMkLst>
-            <pc:docMk/>
-            <pc:sldMk cId="3658396111" sldId="267"/>
-            <ac:picMk id="15" creationId="{C878FBDC-78F2-4D49-8DB3-1A48CA9F7FC0}"/>
-          </ac:picMkLst>
-        </pc:picChg>
-        <pc:picChg chg="add del">
-          <ac:chgData name="Lajka Kristóf" userId="5e6963896e59b084" providerId="Windows Live" clId="Web-{073B8870-9D9D-4839-9E38-2DF8EF05A441}" dt="2024-12-09T17:51:17.264" v="664"/>
-          <ac:picMkLst>
-            <pc:docMk/>
-            <pc:sldMk cId="3658396111" sldId="267"/>
-            <ac:picMk id="37" creationId="{46D3BD4A-EBCB-4B8A-BA9C-A6927EB621A0}"/>
-          </ac:picMkLst>
-        </pc:picChg>
-        <pc:picChg chg="add">
-          <ac:chgData name="Lajka Kristóf" userId="5e6963896e59b084" providerId="Windows Live" clId="Web-{073B8870-9D9D-4839-9E38-2DF8EF05A441}" dt="2024-12-09T17:51:21.061" v="667"/>
-          <ac:picMkLst>
-            <pc:docMk/>
-            <pc:sldMk cId="3658396111" sldId="267"/>
-            <ac:picMk id="57" creationId="{46D3BD4A-EBCB-4B8A-BA9C-A6927EB621A0}"/>
-          </ac:picMkLst>
-        </pc:picChg>
-      </pc:sldChg>
-      <pc:sldChg chg="addSp delSp modSp mod modClrScheme delDesignElem chgLayout">
-        <pc:chgData name="Lajka Kristóf" userId="5e6963896e59b084" providerId="Windows Live" clId="Web-{073B8870-9D9D-4839-9E38-2DF8EF05A441}" dt="2024-12-09T17:51:42.373" v="670" actId="1076"/>
-        <pc:sldMkLst>
-          <pc:docMk/>
-          <pc:sldMk cId="3887096853" sldId="268"/>
-        </pc:sldMkLst>
-        <pc:spChg chg="mod ord">
-          <ac:chgData name="Lajka Kristóf" userId="5e6963896e59b084" providerId="Windows Live" clId="Web-{073B8870-9D9D-4839-9E38-2DF8EF05A441}" dt="2024-12-09T17:40:41.173" v="145"/>
-          <ac:spMkLst>
-            <pc:docMk/>
-            <pc:sldMk cId="3887096853" sldId="268"/>
-            <ac:spMk id="2" creationId="{A6C9FED7-7549-BBFB-049A-392EEF9F23E6}"/>
-          </ac:spMkLst>
-        </pc:spChg>
-        <pc:spChg chg="del">
-          <ac:chgData name="Lajka Kristóf" userId="5e6963896e59b084" providerId="Windows Live" clId="Web-{073B8870-9D9D-4839-9E38-2DF8EF05A441}" dt="2024-12-09T17:40:41.173" v="145"/>
-          <ac:spMkLst>
-            <pc:docMk/>
-            <pc:sldMk cId="3887096853" sldId="268"/>
-            <ac:spMk id="28" creationId="{7D9681AB-65CF-47E9-9FA3-7B05D6349977}"/>
-          </ac:spMkLst>
-        </pc:spChg>
-        <pc:spChg chg="del">
-          <ac:chgData name="Lajka Kristóf" userId="5e6963896e59b084" providerId="Windows Live" clId="Web-{073B8870-9D9D-4839-9E38-2DF8EF05A441}" dt="2024-12-09T17:40:41.173" v="145"/>
-          <ac:spMkLst>
-            <pc:docMk/>
-            <pc:sldMk cId="3887096853" sldId="268"/>
-            <ac:spMk id="29" creationId="{8FCA736E-BDE3-4D4D-8D87-E9AE79250CFF}"/>
-          </ac:spMkLst>
-        </pc:spChg>
-        <pc:spChg chg="del">
-          <ac:chgData name="Lajka Kristóf" userId="5e6963896e59b084" providerId="Windows Live" clId="Web-{073B8870-9D9D-4839-9E38-2DF8EF05A441}" dt="2024-12-09T17:40:41.173" v="145"/>
-          <ac:spMkLst>
-            <pc:docMk/>
-            <pc:sldMk cId="3887096853" sldId="268"/>
-            <ac:spMk id="30" creationId="{129AA25D-1E7A-4074-BF68-D55A83B81BB0}"/>
-          </ac:spMkLst>
-        </pc:spChg>
-        <pc:picChg chg="add mod">
-          <ac:chgData name="Lajka Kristóf" userId="5e6963896e59b084" providerId="Windows Live" clId="Web-{073B8870-9D9D-4839-9E38-2DF8EF05A441}" dt="2024-12-09T17:51:42.373" v="670" actId="1076"/>
-          <ac:picMkLst>
-            <pc:docMk/>
-            <pc:sldMk cId="3887096853" sldId="268"/>
-            <ac:picMk id="3" creationId="{3BEA20A7-2022-2159-5F84-6E63B40AACF5}"/>
-          </ac:picMkLst>
-        </pc:picChg>
-        <pc:picChg chg="mod">
-          <ac:chgData name="Lajka Kristóf" userId="5e6963896e59b084" providerId="Windows Live" clId="Web-{073B8870-9D9D-4839-9E38-2DF8EF05A441}" dt="2024-12-09T17:44:19.266" v="580" actId="1076"/>
-          <ac:picMkLst>
-            <pc:docMk/>
-            <pc:sldMk cId="3887096853" sldId="268"/>
-            <ac:picMk id="5" creationId="{288D77B6-AE9E-A457-6F68-CDACA5FC895D}"/>
-          </ac:picMkLst>
-        </pc:picChg>
-        <pc:picChg chg="mod">
-          <ac:chgData name="Lajka Kristóf" userId="5e6963896e59b084" providerId="Windows Live" clId="Web-{073B8870-9D9D-4839-9E38-2DF8EF05A441}" dt="2024-12-09T17:44:21.453" v="581" actId="1076"/>
-          <ac:picMkLst>
-            <pc:docMk/>
-            <pc:sldMk cId="3887096853" sldId="268"/>
-            <ac:picMk id="7" creationId="{C08D6A60-A25E-EB94-20D5-FD9416AA77FE}"/>
-          </ac:picMkLst>
-        </pc:picChg>
-      </pc:sldChg>
-      <pc:sldChg chg="addSp delSp modSp mod setBg modClrScheme setClrOvrMap delDesignElem chgLayout">
-        <pc:chgData name="Lajka Kristóf" userId="5e6963896e59b084" providerId="Windows Live" clId="Web-{073B8870-9D9D-4839-9E38-2DF8EF05A441}" dt="2024-12-09T17:42:23.173" v="566" actId="1076"/>
-        <pc:sldMkLst>
-          <pc:docMk/>
-          <pc:sldMk cId="841456012" sldId="269"/>
-        </pc:sldMkLst>
-        <pc:spChg chg="mod ord">
-          <ac:chgData name="Lajka Kristóf" userId="5e6963896e59b084" providerId="Windows Live" clId="Web-{073B8870-9D9D-4839-9E38-2DF8EF05A441}" dt="2024-12-09T17:42:17.407" v="564"/>
-          <ac:spMkLst>
-            <pc:docMk/>
-            <pc:sldMk cId="841456012" sldId="269"/>
-            <ac:spMk id="2" creationId="{79AE3319-779E-1797-710E-591CD64E2F4E}"/>
-          </ac:spMkLst>
-        </pc:spChg>
-        <pc:spChg chg="add">
-          <ac:chgData name="Lajka Kristóf" userId="5e6963896e59b084" providerId="Windows Live" clId="Web-{073B8870-9D9D-4839-9E38-2DF8EF05A441}" dt="2024-12-09T17:42:17.407" v="564"/>
-          <ac:spMkLst>
-            <pc:docMk/>
-            <pc:sldMk cId="841456012" sldId="269"/>
-            <ac:spMk id="9" creationId="{8A610DC7-FE1B-47B9-8452-CFC389786C2D}"/>
-          </ac:spMkLst>
-        </pc:spChg>
-        <pc:spChg chg="del">
-          <ac:chgData name="Lajka Kristóf" userId="5e6963896e59b084" providerId="Windows Live" clId="Web-{073B8870-9D9D-4839-9E38-2DF8EF05A441}" dt="2024-12-09T17:40:41.173" v="145"/>
-          <ac:spMkLst>
-            <pc:docMk/>
-            <pc:sldMk cId="841456012" sldId="269"/>
-            <ac:spMk id="14" creationId="{4AC0CD9D-7610-4620-93B4-798CCD9AB581}"/>
-          </ac:spMkLst>
-        </pc:spChg>
-        <pc:spChg chg="add">
-          <ac:chgData name="Lajka Kristóf" userId="5e6963896e59b084" providerId="Windows Live" clId="Web-{073B8870-9D9D-4839-9E38-2DF8EF05A441}" dt="2024-12-09T17:42:17.407" v="564"/>
-          <ac:spMkLst>
-            <pc:docMk/>
-            <pc:sldMk cId="841456012" sldId="269"/>
-            <ac:spMk id="15" creationId="{DC9A0934-0C2C-4565-9290-A345B19BD94C}"/>
-          </ac:spMkLst>
-        </pc:spChg>
-        <pc:spChg chg="add">
-          <ac:chgData name="Lajka Kristóf" userId="5e6963896e59b084" providerId="Windows Live" clId="Web-{073B8870-9D9D-4839-9E38-2DF8EF05A441}" dt="2024-12-09T17:42:17.407" v="564"/>
-          <ac:spMkLst>
-            <pc:docMk/>
-            <pc:sldMk cId="841456012" sldId="269"/>
-            <ac:spMk id="17" creationId="{0D4359AF-7256-4C60-9759-E796CFF40077}"/>
-          </ac:spMkLst>
-        </pc:spChg>
-        <pc:spChg chg="add">
-          <ac:chgData name="Lajka Kristóf" userId="5e6963896e59b084" providerId="Windows Live" clId="Web-{073B8870-9D9D-4839-9E38-2DF8EF05A441}" dt="2024-12-09T17:42:17.407" v="564"/>
-          <ac:spMkLst>
-            <pc:docMk/>
-            <pc:sldMk cId="841456012" sldId="269"/>
-            <ac:spMk id="19" creationId="{340782AB-F63E-4996-ACC3-9F141BEAD44A}"/>
-          </ac:spMkLst>
-        </pc:spChg>
-        <pc:spChg chg="del">
-          <ac:chgData name="Lajka Kristóf" userId="5e6963896e59b084" providerId="Windows Live" clId="Web-{073B8870-9D9D-4839-9E38-2DF8EF05A441}" dt="2024-12-09T17:40:41.173" v="145"/>
-          <ac:spMkLst>
-            <pc:docMk/>
-            <pc:sldMk cId="841456012" sldId="269"/>
-            <ac:spMk id="20" creationId="{DE4D62F9-188E-4530-84C2-24BDEE4BEB82}"/>
-          </ac:spMkLst>
-        </pc:spChg>
-        <pc:spChg chg="add">
-          <ac:chgData name="Lajka Kristóf" userId="5e6963896e59b084" providerId="Windows Live" clId="Web-{073B8870-9D9D-4839-9E38-2DF8EF05A441}" dt="2024-12-09T17:42:17.407" v="564"/>
-          <ac:spMkLst>
-            <pc:docMk/>
-            <pc:sldMk cId="841456012" sldId="269"/>
-            <ac:spMk id="21" creationId="{EFF73443-A1E0-4E5D-8332-FD14F242237B}"/>
-          </ac:spMkLst>
-        </pc:spChg>
-        <pc:spChg chg="del">
-          <ac:chgData name="Lajka Kristóf" userId="5e6963896e59b084" providerId="Windows Live" clId="Web-{073B8870-9D9D-4839-9E38-2DF8EF05A441}" dt="2024-12-09T17:40:41.173" v="145"/>
-          <ac:spMkLst>
-            <pc:docMk/>
-            <pc:sldMk cId="841456012" sldId="269"/>
-            <ac:spMk id="22" creationId="{757B325C-3E35-45CF-9D07-3BCB281F3B9C}"/>
-          </ac:spMkLst>
-        </pc:spChg>
-        <pc:spChg chg="add">
-          <ac:chgData name="Lajka Kristóf" userId="5e6963896e59b084" providerId="Windows Live" clId="Web-{073B8870-9D9D-4839-9E38-2DF8EF05A441}" dt="2024-12-09T17:42:17.407" v="564"/>
-          <ac:spMkLst>
-            <pc:docMk/>
-            <pc:sldMk cId="841456012" sldId="269"/>
-            <ac:spMk id="23" creationId="{8F9D937A-C73E-4D45-976D-91588160770F}"/>
-          </ac:spMkLst>
-        </pc:spChg>
-        <pc:spChg chg="del">
-          <ac:chgData name="Lajka Kristóf" userId="5e6963896e59b084" providerId="Windows Live" clId="Web-{073B8870-9D9D-4839-9E38-2DF8EF05A441}" dt="2024-12-09T17:40:41.173" v="145"/>
-          <ac:spMkLst>
-            <pc:docMk/>
-            <pc:sldMk cId="841456012" sldId="269"/>
-            <ac:spMk id="24" creationId="{C24BEC42-AFF3-40D1-93A2-A27A42E1E23C}"/>
-          </ac:spMkLst>
-        </pc:spChg>
-        <pc:spChg chg="del">
-          <ac:chgData name="Lajka Kristóf" userId="5e6963896e59b084" providerId="Windows Live" clId="Web-{073B8870-9D9D-4839-9E38-2DF8EF05A441}" dt="2024-12-09T17:40:41.173" v="145"/>
-          <ac:spMkLst>
-            <pc:docMk/>
-            <pc:sldMk cId="841456012" sldId="269"/>
-            <ac:spMk id="26" creationId="{608F427C-1EC9-4280-9367-F2B3AA063E82}"/>
-          </ac:spMkLst>
-        </pc:spChg>
-        <pc:spChg chg="del">
-          <ac:chgData name="Lajka Kristóf" userId="5e6963896e59b084" providerId="Windows Live" clId="Web-{073B8870-9D9D-4839-9E38-2DF8EF05A441}" dt="2024-12-09T17:40:41.173" v="145"/>
-          <ac:spMkLst>
-            <pc:docMk/>
-            <pc:sldMk cId="841456012" sldId="269"/>
-            <ac:spMk id="28" creationId="{F98810A7-E114-447A-A7D6-69B27CFB5650}"/>
-          </ac:spMkLst>
-        </pc:spChg>
-        <pc:spChg chg="add">
-          <ac:chgData name="Lajka Kristóf" userId="5e6963896e59b084" providerId="Windows Live" clId="Web-{073B8870-9D9D-4839-9E38-2DF8EF05A441}" dt="2024-12-09T17:42:17.407" v="564"/>
-          <ac:spMkLst>
-            <pc:docMk/>
-            <pc:sldMk cId="841456012" sldId="269"/>
-            <ac:spMk id="30" creationId="{90681C35-61CA-4FDB-8327-1EFEC0462DC2}"/>
-          </ac:spMkLst>
-        </pc:spChg>
-        <pc:picChg chg="mod ord">
-          <ac:chgData name="Lajka Kristóf" userId="5e6963896e59b084" providerId="Windows Live" clId="Web-{073B8870-9D9D-4839-9E38-2DF8EF05A441}" dt="2024-12-09T17:42:23.173" v="566" actId="1076"/>
-          <ac:picMkLst>
-            <pc:docMk/>
-            <pc:sldMk cId="841456012" sldId="269"/>
-            <ac:picMk id="5" creationId="{E6B022EE-AE66-950D-A34B-CF1D7D1E3527}"/>
-          </ac:picMkLst>
-        </pc:picChg>
-        <pc:picChg chg="add">
-          <ac:chgData name="Lajka Kristóf" userId="5e6963896e59b084" providerId="Windows Live" clId="Web-{073B8870-9D9D-4839-9E38-2DF8EF05A441}" dt="2024-12-09T17:42:17.407" v="564"/>
-          <ac:picMkLst>
-            <pc:docMk/>
-            <pc:sldMk cId="841456012" sldId="269"/>
-            <ac:picMk id="8" creationId="{5965195F-79F5-4911-907D-13CB3F534351}"/>
-          </ac:picMkLst>
-        </pc:picChg>
-        <pc:picChg chg="del">
-          <ac:chgData name="Lajka Kristóf" userId="5e6963896e59b084" providerId="Windows Live" clId="Web-{073B8870-9D9D-4839-9E38-2DF8EF05A441}" dt="2024-12-09T17:40:41.173" v="145"/>
-          <ac:picMkLst>
-            <pc:docMk/>
-            <pc:sldMk cId="841456012" sldId="269"/>
-            <ac:picMk id="12" creationId="{7C268552-D473-46ED-B1B8-422042C4DEF1}"/>
-          </ac:picMkLst>
-        </pc:picChg>
-        <pc:picChg chg="del">
-          <ac:chgData name="Lajka Kristóf" userId="5e6963896e59b084" providerId="Windows Live" clId="Web-{073B8870-9D9D-4839-9E38-2DF8EF05A441}" dt="2024-12-09T17:40:41.173" v="145"/>
-          <ac:picMkLst>
-            <pc:docMk/>
-            <pc:sldMk cId="841456012" sldId="269"/>
-            <ac:picMk id="18" creationId="{69F01145-BEA3-4CBF-AA21-10077B948CA8}"/>
-          </ac:picMkLst>
-        </pc:picChg>
-      </pc:sldChg>
-      <pc:sldChg chg="modSp mod modClrScheme chgLayout">
-        <pc:chgData name="Lajka Kristóf" userId="5e6963896e59b084" providerId="Windows Live" clId="Web-{073B8870-9D9D-4839-9E38-2DF8EF05A441}" dt="2024-12-09T17:40:41.173" v="145"/>
-        <pc:sldMkLst>
-          <pc:docMk/>
-          <pc:sldMk cId="1237153563" sldId="270"/>
-        </pc:sldMkLst>
-        <pc:spChg chg="mod ord">
-          <ac:chgData name="Lajka Kristóf" userId="5e6963896e59b084" providerId="Windows Live" clId="Web-{073B8870-9D9D-4839-9E38-2DF8EF05A441}" dt="2024-12-09T17:40:41.173" v="145"/>
-          <ac:spMkLst>
-            <pc:docMk/>
-            <pc:sldMk cId="1237153563" sldId="270"/>
-            <ac:spMk id="2" creationId="{9804002F-AA49-383E-62E5-209DA41913F3}"/>
-          </ac:spMkLst>
-        </pc:spChg>
-        <pc:spChg chg="mod ord">
-          <ac:chgData name="Lajka Kristóf" userId="5e6963896e59b084" providerId="Windows Live" clId="Web-{073B8870-9D9D-4839-9E38-2DF8EF05A441}" dt="2024-12-09T17:40:41.173" v="145"/>
-          <ac:spMkLst>
-            <pc:docMk/>
-            <pc:sldMk cId="1237153563" sldId="270"/>
-            <ac:spMk id="3" creationId="{CB47C6EC-371E-FBEB-5ABF-0010B3C7FFC7}"/>
-          </ac:spMkLst>
-        </pc:spChg>
-      </pc:sldChg>
-      <pc:sldChg chg="addSp delSp modSp mod modClrScheme delDesignElem chgLayout">
-        <pc:chgData name="Lajka Kristóf" userId="5e6963896e59b084" providerId="Windows Live" clId="Web-{073B8870-9D9D-4839-9E38-2DF8EF05A441}" dt="2024-12-09T17:40:41.173" v="145"/>
-        <pc:sldMkLst>
-          <pc:docMk/>
-          <pc:sldMk cId="1348046584" sldId="271"/>
-        </pc:sldMkLst>
-        <pc:spChg chg="mod ord">
-          <ac:chgData name="Lajka Kristóf" userId="5e6963896e59b084" providerId="Windows Live" clId="Web-{073B8870-9D9D-4839-9E38-2DF8EF05A441}" dt="2024-12-09T17:40:41.173" v="145"/>
-          <ac:spMkLst>
-            <pc:docMk/>
-            <pc:sldMk cId="1348046584" sldId="271"/>
-            <ac:spMk id="2" creationId="{8ED38882-1869-61D0-EE85-ED4502E0B577}"/>
-          </ac:spMkLst>
-        </pc:spChg>
-        <pc:spChg chg="add del mod">
-          <ac:chgData name="Lajka Kristóf" userId="5e6963896e59b084" providerId="Windows Live" clId="Web-{073B8870-9D9D-4839-9E38-2DF8EF05A441}" dt="2024-12-09T17:31:23.488" v="61"/>
-          <ac:spMkLst>
-            <pc:docMk/>
-            <pc:sldMk cId="1348046584" sldId="271"/>
-            <ac:spMk id="5" creationId="{61E4DE18-FDA7-56B2-E9CB-F6FAAAAEAF56}"/>
-          </ac:spMkLst>
-        </pc:spChg>
-        <pc:spChg chg="add mod">
-          <ac:chgData name="Lajka Kristóf" userId="5e6963896e59b084" providerId="Windows Live" clId="Web-{073B8870-9D9D-4839-9E38-2DF8EF05A441}" dt="2024-12-09T17:32:40.676" v="92" actId="20577"/>
-          <ac:spMkLst>
-            <pc:docMk/>
-            <pc:sldMk cId="1348046584" sldId="271"/>
-            <ac:spMk id="10" creationId="{B19B9E74-A0A8-D254-97E1-2B662B0A10CE}"/>
-          </ac:spMkLst>
-        </pc:spChg>
-        <pc:spChg chg="add mod">
-          <ac:chgData name="Lajka Kristóf" userId="5e6963896e59b084" providerId="Windows Live" clId="Web-{073B8870-9D9D-4839-9E38-2DF8EF05A441}" dt="2024-12-09T17:32:53.925" v="97" actId="1076"/>
-          <ac:spMkLst>
-            <pc:docMk/>
-            <pc:sldMk cId="1348046584" sldId="271"/>
-            <ac:spMk id="11" creationId="{D9C616B7-823F-D0DB-AD4C-ABB881117D32}"/>
-          </ac:spMkLst>
-        </pc:spChg>
-        <pc:spChg chg="add mod">
-          <ac:chgData name="Lajka Kristóf" userId="5e6963896e59b084" providerId="Windows Live" clId="Web-{073B8870-9D9D-4839-9E38-2DF8EF05A441}" dt="2024-12-09T17:33:11.769" v="107" actId="1076"/>
-          <ac:spMkLst>
-            <pc:docMk/>
-            <pc:sldMk cId="1348046584" sldId="271"/>
-            <ac:spMk id="12" creationId="{5164443B-8AE6-626F-5D9A-0BCC4B694EA9}"/>
-          </ac:spMkLst>
-        </pc:spChg>
-        <pc:spChg chg="add mod">
-          <ac:chgData name="Lajka Kristóf" userId="5e6963896e59b084" providerId="Windows Live" clId="Web-{073B8870-9D9D-4839-9E38-2DF8EF05A441}" dt="2024-12-09T17:33:18.066" v="114" actId="20577"/>
-          <ac:spMkLst>
-            <pc:docMk/>
-            <pc:sldMk cId="1348046584" sldId="271"/>
-            <ac:spMk id="13" creationId="{29C38240-1003-C6BF-6C01-F2454510A908}"/>
-          </ac:spMkLst>
-        </pc:spChg>
-        <pc:spChg chg="del">
-          <ac:chgData name="Lajka Kristóf" userId="5e6963896e59b084" providerId="Windows Live" clId="Web-{073B8870-9D9D-4839-9E38-2DF8EF05A441}" dt="2024-12-09T17:40:41.173" v="145"/>
-          <ac:spMkLst>
-            <pc:docMk/>
-            <pc:sldMk cId="1348046584" sldId="271"/>
-            <ac:spMk id="38" creationId="{989BE678-777B-482A-A616-FEDC47B162E5}"/>
-          </ac:spMkLst>
-        </pc:spChg>
-        <pc:spChg chg="del">
-          <ac:chgData name="Lajka Kristóf" userId="5e6963896e59b084" providerId="Windows Live" clId="Web-{073B8870-9D9D-4839-9E38-2DF8EF05A441}" dt="2024-12-09T17:40:41.173" v="145"/>
-          <ac:spMkLst>
-            <pc:docMk/>
-            <pc:sldMk cId="1348046584" sldId="271"/>
-            <ac:spMk id="41" creationId="{D28BE0C3-2102-4820-B88B-A448B1840D14}"/>
-          </ac:spMkLst>
-        </pc:spChg>
-        <pc:spChg chg="del">
-          <ac:chgData name="Lajka Kristóf" userId="5e6963896e59b084" providerId="Windows Live" clId="Web-{073B8870-9D9D-4839-9E38-2DF8EF05A441}" dt="2024-12-09T17:40:41.173" v="145"/>
-          <ac:spMkLst>
-            <pc:docMk/>
-            <pc:sldMk cId="1348046584" sldId="271"/>
-            <ac:spMk id="42" creationId="{E4F17063-EDA4-417B-946F-BA357F3B390D}"/>
-          </ac:spMkLst>
-        </pc:spChg>
-        <pc:spChg chg="del">
-          <ac:chgData name="Lajka Kristóf" userId="5e6963896e59b084" providerId="Windows Live" clId="Web-{073B8870-9D9D-4839-9E38-2DF8EF05A441}" dt="2024-12-09T17:40:41.173" v="145"/>
-          <ac:spMkLst>
-            <pc:docMk/>
-            <pc:sldMk cId="1348046584" sldId="271"/>
-            <ac:spMk id="43" creationId="{D36F3EEA-55D4-4677-80E7-92D00B8F343B}"/>
-          </ac:spMkLst>
-        </pc:spChg>
-        <pc:picChg chg="del">
-          <ac:chgData name="Lajka Kristóf" userId="5e6963896e59b084" providerId="Windows Live" clId="Web-{073B8870-9D9D-4839-9E38-2DF8EF05A441}" dt="2024-12-09T17:29:24.067" v="60"/>
-          <ac:picMkLst>
-            <pc:docMk/>
-            <pc:sldMk cId="1348046584" sldId="271"/>
-            <ac:picMk id="4" creationId="{971D3274-5A59-4619-88F2-F7F9F4D6F05A}"/>
-          </ac:picMkLst>
-        </pc:picChg>
-        <pc:picChg chg="add mod ord">
-          <ac:chgData name="Lajka Kristóf" userId="5e6963896e59b084" providerId="Windows Live" clId="Web-{073B8870-9D9D-4839-9E38-2DF8EF05A441}" dt="2024-12-09T17:40:41.173" v="145"/>
-          <ac:picMkLst>
-            <pc:docMk/>
-            <pc:sldMk cId="1348046584" sldId="271"/>
-            <ac:picMk id="6" creationId="{38940B46-06A4-6EC9-4ED3-FF44C92B2438}"/>
-          </ac:picMkLst>
-        </pc:picChg>
-        <pc:picChg chg="add mod">
-          <ac:chgData name="Lajka Kristóf" userId="5e6963896e59b084" providerId="Windows Live" clId="Web-{073B8870-9D9D-4839-9E38-2DF8EF05A441}" dt="2024-12-09T17:32:16.316" v="77" actId="14100"/>
-          <ac:picMkLst>
-            <pc:docMk/>
-            <pc:sldMk cId="1348046584" sldId="271"/>
-            <ac:picMk id="7" creationId="{94F552DB-9DC0-0910-666C-77BC0E693B01}"/>
-          </ac:picMkLst>
-        </pc:picChg>
-        <pc:picChg chg="add mod">
-          <ac:chgData name="Lajka Kristóf" userId="5e6963896e59b084" providerId="Windows Live" clId="Web-{073B8870-9D9D-4839-9E38-2DF8EF05A441}" dt="2024-12-09T17:32:24.394" v="81" actId="1076"/>
-          <ac:picMkLst>
-            <pc:docMk/>
-            <pc:sldMk cId="1348046584" sldId="271"/>
-            <ac:picMk id="8" creationId="{BE06EF38-B4BE-847B-F04C-86736F1263A9}"/>
-          </ac:picMkLst>
-        </pc:picChg>
-        <pc:picChg chg="add mod">
-          <ac:chgData name="Lajka Kristóf" userId="5e6963896e59b084" providerId="Windows Live" clId="Web-{073B8870-9D9D-4839-9E38-2DF8EF05A441}" dt="2024-12-09T17:32:13.676" v="76" actId="1076"/>
-          <ac:picMkLst>
-            <pc:docMk/>
-            <pc:sldMk cId="1348046584" sldId="271"/>
-            <ac:picMk id="9" creationId="{BC4B287C-5DAC-DD05-F62D-E8D65DAC30D6}"/>
-          </ac:picMkLst>
-        </pc:picChg>
-        <pc:picChg chg="del">
-          <ac:chgData name="Lajka Kristóf" userId="5e6963896e59b084" providerId="Windows Live" clId="Web-{073B8870-9D9D-4839-9E38-2DF8EF05A441}" dt="2024-12-09T17:40:41.173" v="145"/>
-          <ac:picMkLst>
-            <pc:docMk/>
-            <pc:sldMk cId="1348046584" sldId="271"/>
-            <ac:picMk id="36" creationId="{DF19BAF3-7E20-4B9D-B544-BABAEEA1FA75}"/>
-          </ac:picMkLst>
-        </pc:picChg>
-        <pc:picChg chg="del">
-          <ac:chgData name="Lajka Kristóf" userId="5e6963896e59b084" providerId="Windows Live" clId="Web-{073B8870-9D9D-4839-9E38-2DF8EF05A441}" dt="2024-12-09T17:40:41.173" v="145"/>
-          <ac:picMkLst>
-            <pc:docMk/>
-            <pc:sldMk cId="1348046584" sldId="271"/>
-            <ac:picMk id="37" creationId="{950648F4-ABCD-4DF0-8641-76CFB2354721}"/>
-          </ac:picMkLst>
-        </pc:picChg>
-        <pc:picChg chg="del">
-          <ac:chgData name="Lajka Kristóf" userId="5e6963896e59b084" providerId="Windows Live" clId="Web-{073B8870-9D9D-4839-9E38-2DF8EF05A441}" dt="2024-12-09T17:40:41.173" v="145"/>
-          <ac:picMkLst>
-            <pc:docMk/>
-            <pc:sldMk cId="1348046584" sldId="271"/>
-            <ac:picMk id="39" creationId="{CF1EB4BD-9C7E-4AA3-9681-C7EB0DA6250B}"/>
-          </ac:picMkLst>
-        </pc:picChg>
-        <pc:picChg chg="del">
-          <ac:chgData name="Lajka Kristóf" userId="5e6963896e59b084" providerId="Windows Live" clId="Web-{073B8870-9D9D-4839-9E38-2DF8EF05A441}" dt="2024-12-09T17:40:41.173" v="145"/>
-          <ac:picMkLst>
-            <pc:docMk/>
-            <pc:sldMk cId="1348046584" sldId="271"/>
-            <ac:picMk id="40" creationId="{94AAE3AA-3759-4D28-B0EF-575F25A5146C}"/>
-          </ac:picMkLst>
-        </pc:picChg>
-      </pc:sldChg>
-      <pc:sldChg chg="delSp modSp mod modClrScheme chgLayout">
-        <pc:chgData name="Lajka Kristóf" userId="5e6963896e59b084" providerId="Windows Live" clId="Web-{073B8870-9D9D-4839-9E38-2DF8EF05A441}" dt="2024-12-09T17:40:41.173" v="145"/>
-        <pc:sldMkLst>
-          <pc:docMk/>
-          <pc:sldMk cId="3092647374" sldId="272"/>
-        </pc:sldMkLst>
-        <pc:spChg chg="mod ord">
-          <ac:chgData name="Lajka Kristóf" userId="5e6963896e59b084" providerId="Windows Live" clId="Web-{073B8870-9D9D-4839-9E38-2DF8EF05A441}" dt="2024-12-09T17:40:41.173" v="145"/>
-          <ac:spMkLst>
-            <pc:docMk/>
-            <pc:sldMk cId="3092647374" sldId="272"/>
-            <ac:spMk id="2" creationId="{3DDA17D0-AE6D-499C-599E-38D6F6383644}"/>
-          </ac:spMkLst>
-        </pc:spChg>
-        <pc:spChg chg="del">
-          <ac:chgData name="Lajka Kristóf" userId="5e6963896e59b084" providerId="Windows Live" clId="Web-{073B8870-9D9D-4839-9E38-2DF8EF05A441}" dt="2024-12-09T17:33:56.738" v="126"/>
-          <ac:spMkLst>
-            <pc:docMk/>
-            <pc:sldMk cId="3092647374" sldId="272"/>
-            <ac:spMk id="11" creationId="{150026F0-8469-FAE7-A25D-4F08B9BA53F8}"/>
-          </ac:spMkLst>
-        </pc:spChg>
-        <pc:picChg chg="mod ord">
-          <ac:chgData name="Lajka Kristóf" userId="5e6963896e59b084" providerId="Windows Live" clId="Web-{073B8870-9D9D-4839-9E38-2DF8EF05A441}" dt="2024-12-09T17:40:41.173" v="145"/>
-          <ac:picMkLst>
-            <pc:docMk/>
-            <pc:sldMk cId="3092647374" sldId="272"/>
-            <ac:picMk id="4" creationId="{C7024BAB-7B2A-F7F6-79DF-F1EFEB3683B5}"/>
-          </ac:picMkLst>
-        </pc:picChg>
-        <pc:picChg chg="del">
-          <ac:chgData name="Lajka Kristóf" userId="5e6963896e59b084" providerId="Windows Live" clId="Web-{073B8870-9D9D-4839-9E38-2DF8EF05A441}" dt="2024-12-09T17:33:49.894" v="125"/>
-          <ac:picMkLst>
-            <pc:docMk/>
-            <pc:sldMk cId="3092647374" sldId="272"/>
-            <ac:picMk id="10" creationId="{23415379-F582-8014-CBB1-DF0223451D9D}"/>
-          </ac:picMkLst>
-        </pc:picChg>
-      </pc:sldChg>
-      <pc:sldChg chg="modSp mod modClrScheme chgLayout">
-        <pc:chgData name="Lajka Kristóf" userId="5e6963896e59b084" providerId="Windows Live" clId="Web-{073B8870-9D9D-4839-9E38-2DF8EF05A441}" dt="2024-12-09T17:40:41.173" v="145"/>
-        <pc:sldMkLst>
-          <pc:docMk/>
-          <pc:sldMk cId="1046954273" sldId="273"/>
-        </pc:sldMkLst>
-        <pc:spChg chg="mod ord">
-          <ac:chgData name="Lajka Kristóf" userId="5e6963896e59b084" providerId="Windows Live" clId="Web-{073B8870-9D9D-4839-9E38-2DF8EF05A441}" dt="2024-12-09T17:40:41.173" v="145"/>
-          <ac:spMkLst>
-            <pc:docMk/>
-            <pc:sldMk cId="1046954273" sldId="273"/>
-            <ac:spMk id="2" creationId="{7C83DE72-A24C-6766-2A0D-3AE12DD58D47}"/>
-          </ac:spMkLst>
-        </pc:spChg>
-      </pc:sldChg>
-      <pc:sldChg chg="addSp modSp mod modClrScheme chgLayout">
-        <pc:chgData name="Lajka Kristóf" userId="5e6963896e59b084" providerId="Windows Live" clId="Web-{073B8870-9D9D-4839-9E38-2DF8EF05A441}" dt="2024-12-09T17:52:34.764" v="675" actId="1076"/>
-        <pc:sldMkLst>
-          <pc:docMk/>
-          <pc:sldMk cId="263871110" sldId="274"/>
-        </pc:sldMkLst>
-        <pc:spChg chg="mod ord">
-          <ac:chgData name="Lajka Kristóf" userId="5e6963896e59b084" providerId="Windows Live" clId="Web-{073B8870-9D9D-4839-9E38-2DF8EF05A441}" dt="2024-12-09T17:40:41.173" v="145"/>
-          <ac:spMkLst>
-            <pc:docMk/>
-            <pc:sldMk cId="263871110" sldId="274"/>
-            <ac:spMk id="2" creationId="{A516CBBC-1215-839B-C529-40AFF1DBA5FA}"/>
-          </ac:spMkLst>
-        </pc:spChg>
-        <pc:picChg chg="add mod">
-          <ac:chgData name="Lajka Kristóf" userId="5e6963896e59b084" providerId="Windows Live" clId="Web-{073B8870-9D9D-4839-9E38-2DF8EF05A441}" dt="2024-12-09T17:52:34.764" v="675" actId="1076"/>
-          <ac:picMkLst>
-            <pc:docMk/>
-            <pc:sldMk cId="263871110" sldId="274"/>
-            <ac:picMk id="3" creationId="{769B80BB-E0EE-4FA4-6557-A59E5830C8E6}"/>
-          </ac:picMkLst>
-        </pc:picChg>
-        <pc:picChg chg="mod ord">
-          <ac:chgData name="Lajka Kristóf" userId="5e6963896e59b084" providerId="Windows Live" clId="Web-{073B8870-9D9D-4839-9E38-2DF8EF05A441}" dt="2024-12-09T17:40:41.173" v="145"/>
-          <ac:picMkLst>
-            <pc:docMk/>
-            <pc:sldMk cId="263871110" sldId="274"/>
-            <ac:picMk id="4" creationId="{8F51012D-93CF-6638-A16C-EC585B8CA647}"/>
-          </ac:picMkLst>
-        </pc:picChg>
-      </pc:sldChg>
-      <pc:sldChg chg="addSp delSp modSp new mod setBg modClrScheme delDesignElem chgLayout">
-        <pc:chgData name="Lajka Kristóf" userId="5e6963896e59b084" providerId="Windows Live" clId="Web-{073B8870-9D9D-4839-9E38-2DF8EF05A441}" dt="2024-12-09T17:42:29.298" v="568" actId="1076"/>
-        <pc:sldMkLst>
-          <pc:docMk/>
-          <pc:sldMk cId="4254097667" sldId="275"/>
-        </pc:sldMkLst>
-        <pc:spChg chg="mod ord">
-          <ac:chgData name="Lajka Kristóf" userId="5e6963896e59b084" providerId="Windows Live" clId="Web-{073B8870-9D9D-4839-9E38-2DF8EF05A441}" dt="2024-12-09T17:40:41.173" v="145"/>
-          <ac:spMkLst>
-            <pc:docMk/>
-            <pc:sldMk cId="4254097667" sldId="275"/>
-            <ac:spMk id="2" creationId="{41C89C22-643B-7BB0-41D0-90D359CFCBC2}"/>
-          </ac:spMkLst>
-        </pc:spChg>
-        <pc:spChg chg="del">
-          <ac:chgData name="Lajka Kristóf" userId="5e6963896e59b084" providerId="Windows Live" clId="Web-{073B8870-9D9D-4839-9E38-2DF8EF05A441}" dt="2024-12-09T17:25:44.584" v="24"/>
-          <ac:spMkLst>
-            <pc:docMk/>
-            <pc:sldMk cId="4254097667" sldId="275"/>
-            <ac:spMk id="3" creationId="{443F64ED-DFEB-0F76-6548-15CD8EA7281B}"/>
-          </ac:spMkLst>
-        </pc:spChg>
-        <pc:spChg chg="add del">
-          <ac:chgData name="Lajka Kristóf" userId="5e6963896e59b084" providerId="Windows Live" clId="Web-{073B8870-9D9D-4839-9E38-2DF8EF05A441}" dt="2024-12-09T17:27:10.349" v="32"/>
-          <ac:spMkLst>
-            <pc:docMk/>
-            <pc:sldMk cId="4254097667" sldId="275"/>
-            <ac:spMk id="9" creationId="{9C2C6412-C940-5FFF-AC1D-7376A7854E91}"/>
-          </ac:spMkLst>
-        </pc:spChg>
-        <pc:spChg chg="add del">
-          <ac:chgData name="Lajka Kristóf" userId="5e6963896e59b084" providerId="Windows Live" clId="Web-{073B8870-9D9D-4839-9E38-2DF8EF05A441}" dt="2024-12-09T17:40:41.173" v="145"/>
-          <ac:spMkLst>
-            <pc:docMk/>
-            <pc:sldMk cId="4254097667" sldId="275"/>
-            <ac:spMk id="12" creationId="{7D9681AB-65CF-47E9-9FA3-7B05D6349977}"/>
-          </ac:spMkLst>
-        </pc:spChg>
-        <pc:spChg chg="add del">
-          <ac:chgData name="Lajka Kristóf" userId="5e6963896e59b084" providerId="Windows Live" clId="Web-{073B8870-9D9D-4839-9E38-2DF8EF05A441}" dt="2024-12-09T17:40:41.173" v="145"/>
-          <ac:spMkLst>
-            <pc:docMk/>
-            <pc:sldMk cId="4254097667" sldId="275"/>
-            <ac:spMk id="14" creationId="{8FCA736E-BDE3-4D4D-8D87-E9AE79250CFF}"/>
-          </ac:spMkLst>
-        </pc:spChg>
-        <pc:spChg chg="add del">
-          <ac:chgData name="Lajka Kristóf" userId="5e6963896e59b084" providerId="Windows Live" clId="Web-{073B8870-9D9D-4839-9E38-2DF8EF05A441}" dt="2024-12-09T17:40:41.173" v="145"/>
-          <ac:spMkLst>
-            <pc:docMk/>
-            <pc:sldMk cId="4254097667" sldId="275"/>
-            <ac:spMk id="16" creationId="{129AA25D-1E7A-4074-BF68-D55A83B81BB0}"/>
-          </ac:spMkLst>
-        </pc:spChg>
-        <pc:picChg chg="add mod ord">
-          <ac:chgData name="Lajka Kristóf" userId="5e6963896e59b084" providerId="Windows Live" clId="Web-{073B8870-9D9D-4839-9E38-2DF8EF05A441}" dt="2024-12-09T17:42:28.266" v="567" actId="1076"/>
-          <ac:picMkLst>
-            <pc:docMk/>
-            <pc:sldMk cId="4254097667" sldId="275"/>
-            <ac:picMk id="4" creationId="{32ABE023-0A3A-0691-7948-21C8B62BBF26}"/>
-          </ac:picMkLst>
-        </pc:picChg>
-        <pc:picChg chg="add mod">
-          <ac:chgData name="Lajka Kristóf" userId="5e6963896e59b084" providerId="Windows Live" clId="Web-{073B8870-9D9D-4839-9E38-2DF8EF05A441}" dt="2024-12-09T17:42:29.298" v="568" actId="1076"/>
-          <ac:picMkLst>
-            <pc:docMk/>
-            <pc:sldMk cId="4254097667" sldId="275"/>
-            <ac:picMk id="5" creationId="{F01AC7D0-DE81-52AA-0978-02F26BECBB1A}"/>
-          </ac:picMkLst>
-        </pc:picChg>
-      </pc:sldChg>
-      <pc:sldChg chg="addSp delSp modSp new mod modClrScheme chgLayout">
-        <pc:chgData name="Lajka Kristóf" userId="5e6963896e59b084" providerId="Windows Live" clId="Web-{073B8870-9D9D-4839-9E38-2DF8EF05A441}" dt="2024-12-09T17:40:41.173" v="145"/>
-        <pc:sldMkLst>
-          <pc:docMk/>
-          <pc:sldMk cId="1736369087" sldId="276"/>
-        </pc:sldMkLst>
-        <pc:spChg chg="mod ord">
-          <ac:chgData name="Lajka Kristóf" userId="5e6963896e59b084" providerId="Windows Live" clId="Web-{073B8870-9D9D-4839-9E38-2DF8EF05A441}" dt="2024-12-09T17:40:41.173" v="145"/>
-          <ac:spMkLst>
-            <pc:docMk/>
-            <pc:sldMk cId="1736369087" sldId="276"/>
-            <ac:spMk id="2" creationId="{7A46FD74-C76F-1565-48AF-914D398BAD34}"/>
-          </ac:spMkLst>
-        </pc:spChg>
-        <pc:spChg chg="del">
-          <ac:chgData name="Lajka Kristóf" userId="5e6963896e59b084" providerId="Windows Live" clId="Web-{073B8870-9D9D-4839-9E38-2DF8EF05A441}" dt="2024-12-09T17:33:40.472" v="118"/>
-          <ac:spMkLst>
-            <pc:docMk/>
-            <pc:sldMk cId="1736369087" sldId="276"/>
-            <ac:spMk id="3" creationId="{9891E676-2B9E-DD7B-0519-349C516AAE36}"/>
-          </ac:spMkLst>
-        </pc:spChg>
-        <pc:picChg chg="add mod">
-          <ac:chgData name="Lajka Kristóf" userId="5e6963896e59b084" providerId="Windows Live" clId="Web-{073B8870-9D9D-4839-9E38-2DF8EF05A441}" dt="2024-12-09T17:34:02.175" v="127" actId="1076"/>
-          <ac:picMkLst>
-            <pc:docMk/>
-            <pc:sldMk cId="1736369087" sldId="276"/>
-            <ac:picMk id="5" creationId="{809FD592-5568-4799-4DB9-16E85A7FD5A3}"/>
-          </ac:picMkLst>
-        </pc:picChg>
-      </pc:sldChg>
-      <pc:sldChg chg="addSp delSp modSp new mod setBg modClrScheme chgLayout">
-        <pc:chgData name="Lajka Kristóf" userId="5e6963896e59b084" providerId="Windows Live" clId="Web-{073B8870-9D9D-4839-9E38-2DF8EF05A441}" dt="2024-12-09T17:47:06.171" v="602" actId="1076"/>
-        <pc:sldMkLst>
-          <pc:docMk/>
-          <pc:sldMk cId="3340070489" sldId="277"/>
-        </pc:sldMkLst>
-        <pc:spChg chg="mod ord">
-          <ac:chgData name="Lajka Kristóf" userId="5e6963896e59b084" providerId="Windows Live" clId="Web-{073B8870-9D9D-4839-9E38-2DF8EF05A441}" dt="2024-12-09T17:46:59.046" v="598"/>
-          <ac:spMkLst>
-            <pc:docMk/>
-            <pc:sldMk cId="3340070489" sldId="277"/>
-            <ac:spMk id="2" creationId="{8F70B007-F15D-4D66-48A6-F81BF60D20C2}"/>
-          </ac:spMkLst>
-        </pc:spChg>
-        <pc:spChg chg="del mod ord">
-          <ac:chgData name="Lajka Kristóf" userId="5e6963896e59b084" providerId="Windows Live" clId="Web-{073B8870-9D9D-4839-9E38-2DF8EF05A441}" dt="2024-12-09T17:46:04.297" v="591"/>
-          <ac:spMkLst>
-            <pc:docMk/>
-            <pc:sldMk cId="3340070489" sldId="277"/>
-            <ac:spMk id="3" creationId="{AEA1EDC4-9D07-C280-0BDE-F7231A0FBFFE}"/>
-          </ac:spMkLst>
-        </pc:spChg>
-        <pc:spChg chg="add del">
-          <ac:chgData name="Lajka Kristóf" userId="5e6963896e59b084" providerId="Windows Live" clId="Web-{073B8870-9D9D-4839-9E38-2DF8EF05A441}" dt="2024-12-09T17:46:43.015" v="595"/>
-          <ac:spMkLst>
-            <pc:docMk/>
-            <pc:sldMk cId="3340070489" sldId="277"/>
-            <ac:spMk id="5" creationId="{0A06862A-2F0B-CBF7-EA57-F00EC9FD265C}"/>
-          </ac:spMkLst>
-        </pc:spChg>
-        <pc:spChg chg="add del">
-          <ac:chgData name="Lajka Kristóf" userId="5e6963896e59b084" providerId="Windows Live" clId="Web-{073B8870-9D9D-4839-9E38-2DF8EF05A441}" dt="2024-12-09T17:46:59.046" v="598"/>
-          <ac:spMkLst>
-            <pc:docMk/>
-            <pc:sldMk cId="3340070489" sldId="277"/>
-            <ac:spMk id="13" creationId="{FE5ECD52-6A23-4FF4-8C32-7B5DE9973ADA}"/>
-          </ac:spMkLst>
-        </pc:spChg>
-        <pc:spChg chg="add del">
-          <ac:chgData name="Lajka Kristóf" userId="5e6963896e59b084" providerId="Windows Live" clId="Web-{073B8870-9D9D-4839-9E38-2DF8EF05A441}" dt="2024-12-09T17:46:59.046" v="598"/>
-          <ac:spMkLst>
-            <pc:docMk/>
-            <pc:sldMk cId="3340070489" sldId="277"/>
-            <ac:spMk id="19" creationId="{45624C63-3CCA-4EA6-B822-6E710A82062B}"/>
-          </ac:spMkLst>
-        </pc:spChg>
-        <pc:spChg chg="add">
-          <ac:chgData name="Lajka Kristóf" userId="5e6963896e59b084" providerId="Windows Live" clId="Web-{073B8870-9D9D-4839-9E38-2DF8EF05A441}" dt="2024-12-09T17:46:59.046" v="598"/>
-          <ac:spMkLst>
-            <pc:docMk/>
-            <pc:sldMk cId="3340070489" sldId="277"/>
-            <ac:spMk id="28" creationId="{1D73A963-D417-4FD9-851E-5E323F67D1BF}"/>
-          </ac:spMkLst>
-        </pc:spChg>
-        <pc:spChg chg="add">
-          <ac:chgData name="Lajka Kristóf" userId="5e6963896e59b084" providerId="Windows Live" clId="Web-{073B8870-9D9D-4839-9E38-2DF8EF05A441}" dt="2024-12-09T17:46:59.046" v="598"/>
-          <ac:spMkLst>
-            <pc:docMk/>
-            <pc:sldMk cId="3340070489" sldId="277"/>
-            <ac:spMk id="34" creationId="{2DCB6E42-3037-40F7-A351-6B952A870339}"/>
-          </ac:spMkLst>
-        </pc:spChg>
-        <pc:spChg chg="add">
-          <ac:chgData name="Lajka Kristóf" userId="5e6963896e59b084" providerId="Windows Live" clId="Web-{073B8870-9D9D-4839-9E38-2DF8EF05A441}" dt="2024-12-09T17:46:59.046" v="598"/>
-          <ac:spMkLst>
-            <pc:docMk/>
-            <pc:sldMk cId="3340070489" sldId="277"/>
-            <ac:spMk id="36" creationId="{5D4C4D9B-8464-4F80-A369-88E6980D4BA0}"/>
-          </ac:spMkLst>
-        </pc:spChg>
-        <pc:spChg chg="add">
-          <ac:chgData name="Lajka Kristóf" userId="5e6963896e59b084" providerId="Windows Live" clId="Web-{073B8870-9D9D-4839-9E38-2DF8EF05A441}" dt="2024-12-09T17:46:59.046" v="598"/>
-          <ac:spMkLst>
-            <pc:docMk/>
-            <pc:sldMk cId="3340070489" sldId="277"/>
-            <ac:spMk id="38" creationId="{D5BA1A12-370B-43EB-B7BC-87A24667ABA2}"/>
-          </ac:spMkLst>
-        </pc:spChg>
-        <pc:spChg chg="add">
-          <ac:chgData name="Lajka Kristóf" userId="5e6963896e59b084" providerId="Windows Live" clId="Web-{073B8870-9D9D-4839-9E38-2DF8EF05A441}" dt="2024-12-09T17:46:59.046" v="598"/>
-          <ac:spMkLst>
-            <pc:docMk/>
-            <pc:sldMk cId="3340070489" sldId="277"/>
-            <ac:spMk id="40" creationId="{95DBBBEB-F8DF-4794-86A8-BD884F7E6794}"/>
-          </ac:spMkLst>
-        </pc:spChg>
-        <pc:picChg chg="add mod ord">
-          <ac:chgData name="Lajka Kristóf" userId="5e6963896e59b084" providerId="Windows Live" clId="Web-{073B8870-9D9D-4839-9E38-2DF8EF05A441}" dt="2024-12-09T17:47:03.359" v="600" actId="1076"/>
-          <ac:picMkLst>
-            <pc:docMk/>
-            <pc:sldMk cId="3340070489" sldId="277"/>
-            <ac:picMk id="4" creationId="{45EDB47D-DE5C-F772-6B54-9211FA049BCE}"/>
-          </ac:picMkLst>
-        </pc:picChg>
-        <pc:picChg chg="add mod">
-          <ac:chgData name="Lajka Kristóf" userId="5e6963896e59b084" providerId="Windows Live" clId="Web-{073B8870-9D9D-4839-9E38-2DF8EF05A441}" dt="2024-12-09T17:47:06.171" v="602" actId="1076"/>
-          <ac:picMkLst>
-            <pc:docMk/>
-            <pc:sldMk cId="3340070489" sldId="277"/>
-            <ac:picMk id="6" creationId="{35546E5A-CE69-F7E2-FE7D-1250F6318AC0}"/>
-          </ac:picMkLst>
-        </pc:picChg>
-        <pc:picChg chg="add del">
-          <ac:chgData name="Lajka Kristóf" userId="5e6963896e59b084" providerId="Windows Live" clId="Web-{073B8870-9D9D-4839-9E38-2DF8EF05A441}" dt="2024-12-09T17:46:59.046" v="598"/>
-          <ac:picMkLst>
-            <pc:docMk/>
-            <pc:sldMk cId="3340070489" sldId="277"/>
-            <ac:picMk id="9" creationId="{26E32CE1-D113-412E-9933-113646E21F53}"/>
-          </ac:picMkLst>
-        </pc:picChg>
-        <pc:picChg chg="add">
-          <ac:chgData name="Lajka Kristóf" userId="5e6963896e59b084" providerId="Windows Live" clId="Web-{073B8870-9D9D-4839-9E38-2DF8EF05A441}" dt="2024-12-09T17:46:13.656" v="593"/>
-          <ac:picMkLst>
-            <pc:docMk/>
-            <pc:sldMk cId="3340070489" sldId="277"/>
-            <ac:picMk id="11" creationId="{117B7C8B-175B-4009-808B-9F66FD108AB3}"/>
-          </ac:picMkLst>
-        </pc:picChg>
-        <pc:picChg chg="add">
-          <ac:chgData name="Lajka Kristóf" userId="5e6963896e59b084" providerId="Windows Live" clId="Web-{073B8870-9D9D-4839-9E38-2DF8EF05A441}" dt="2024-12-09T17:46:13.656" v="593"/>
-          <ac:picMkLst>
-            <pc:docMk/>
-            <pc:sldMk cId="3340070489" sldId="277"/>
-            <ac:picMk id="15" creationId="{5C3F2B96-5F34-41C9-8E37-A9CD279A4270}"/>
-          </ac:picMkLst>
-        </pc:picChg>
-        <pc:picChg chg="add">
-          <ac:chgData name="Lajka Kristóf" userId="5e6963896e59b084" providerId="Windows Live" clId="Web-{073B8870-9D9D-4839-9E38-2DF8EF05A441}" dt="2024-12-09T17:46:13.656" v="593"/>
-          <ac:picMkLst>
-            <pc:docMk/>
-            <pc:sldMk cId="3340070489" sldId="277"/>
-            <ac:picMk id="17" creationId="{9A4E02BF-4F0E-44E2-A489-075900B7866C}"/>
-          </ac:picMkLst>
-        </pc:picChg>
-        <pc:picChg chg="add">
-          <ac:chgData name="Lajka Kristóf" userId="5e6963896e59b084" providerId="Windows Live" clId="Web-{073B8870-9D9D-4839-9E38-2DF8EF05A441}" dt="2024-12-09T17:46:59.046" v="598"/>
-          <ac:picMkLst>
-            <pc:docMk/>
-            <pc:sldMk cId="3340070489" sldId="277"/>
-            <ac:picMk id="26" creationId="{B0C4B3D9-75AB-4AAB-B53A-4232B752D2F5}"/>
-          </ac:picMkLst>
-        </pc:picChg>
-      </pc:sldChg>
-      <pc:sldMasterChg chg="del delSldLayout">
-        <pc:chgData name="Lajka Kristóf" userId="5e6963896e59b084" providerId="Windows Live" clId="Web-{073B8870-9D9D-4839-9E38-2DF8EF05A441}" dt="2024-12-09T17:40:41.173" v="145"/>
-        <pc:sldMasterMkLst>
-          <pc:docMk/>
-          <pc:sldMasterMk cId="4149688324" sldId="2147483660"/>
-        </pc:sldMasterMkLst>
-        <pc:sldLayoutChg chg="del">
-          <pc:chgData name="Lajka Kristóf" userId="5e6963896e59b084" providerId="Windows Live" clId="Web-{073B8870-9D9D-4839-9E38-2DF8EF05A441}" dt="2024-12-09T17:40:41.173" v="145"/>
-          <pc:sldLayoutMkLst>
-            <pc:docMk/>
-            <pc:sldMasterMk cId="4149688324" sldId="2147483660"/>
-            <pc:sldLayoutMk cId="1656780469" sldId="2147483661"/>
-          </pc:sldLayoutMkLst>
-        </pc:sldLayoutChg>
-        <pc:sldLayoutChg chg="del">
-          <pc:chgData name="Lajka Kristóf" userId="5e6963896e59b084" providerId="Windows Live" clId="Web-{073B8870-9D9D-4839-9E38-2DF8EF05A441}" dt="2024-12-09T17:40:41.173" v="145"/>
-          <pc:sldLayoutMkLst>
-            <pc:docMk/>
-            <pc:sldMasterMk cId="4149688324" sldId="2147483660"/>
-            <pc:sldLayoutMk cId="312846718" sldId="2147483662"/>
-          </pc:sldLayoutMkLst>
-        </pc:sldLayoutChg>
-        <pc:sldLayoutChg chg="del">
-          <pc:chgData name="Lajka Kristóf" userId="5e6963896e59b084" providerId="Windows Live" clId="Web-{073B8870-9D9D-4839-9E38-2DF8EF05A441}" dt="2024-12-09T17:40:41.173" v="145"/>
-          <pc:sldLayoutMkLst>
-            <pc:docMk/>
-            <pc:sldMasterMk cId="4149688324" sldId="2147483660"/>
-            <pc:sldLayoutMk cId="263820188" sldId="2147483663"/>
-          </pc:sldLayoutMkLst>
-        </pc:sldLayoutChg>
-        <pc:sldLayoutChg chg="del">
-          <pc:chgData name="Lajka Kristóf" userId="5e6963896e59b084" providerId="Windows Live" clId="Web-{073B8870-9D9D-4839-9E38-2DF8EF05A441}" dt="2024-12-09T17:40:41.173" v="145"/>
-          <pc:sldLayoutMkLst>
-            <pc:docMk/>
-            <pc:sldMasterMk cId="4149688324" sldId="2147483660"/>
-            <pc:sldLayoutMk cId="714032190" sldId="2147483664"/>
-          </pc:sldLayoutMkLst>
-        </pc:sldLayoutChg>
-        <pc:sldLayoutChg chg="del">
-          <pc:chgData name="Lajka Kristóf" userId="5e6963896e59b084" providerId="Windows Live" clId="Web-{073B8870-9D9D-4839-9E38-2DF8EF05A441}" dt="2024-12-09T17:40:41.173" v="145"/>
-          <pc:sldLayoutMkLst>
-            <pc:docMk/>
-            <pc:sldMasterMk cId="4149688324" sldId="2147483660"/>
-            <pc:sldLayoutMk cId="90408401" sldId="2147483665"/>
-          </pc:sldLayoutMkLst>
-        </pc:sldLayoutChg>
-        <pc:sldLayoutChg chg="del">
-          <pc:chgData name="Lajka Kristóf" userId="5e6963896e59b084" providerId="Windows Live" clId="Web-{073B8870-9D9D-4839-9E38-2DF8EF05A441}" dt="2024-12-09T17:40:41.173" v="145"/>
-          <pc:sldLayoutMkLst>
-            <pc:docMk/>
-            <pc:sldMasterMk cId="4149688324" sldId="2147483660"/>
-            <pc:sldLayoutMk cId="1760595662" sldId="2147483666"/>
-          </pc:sldLayoutMkLst>
-        </pc:sldLayoutChg>
-        <pc:sldLayoutChg chg="del">
-          <pc:chgData name="Lajka Kristóf" userId="5e6963896e59b084" providerId="Windows Live" clId="Web-{073B8870-9D9D-4839-9E38-2DF8EF05A441}" dt="2024-12-09T17:40:41.173" v="145"/>
-          <pc:sldLayoutMkLst>
-            <pc:docMk/>
-            <pc:sldMasterMk cId="4149688324" sldId="2147483660"/>
-            <pc:sldLayoutMk cId="4185685752" sldId="2147483667"/>
-          </pc:sldLayoutMkLst>
-        </pc:sldLayoutChg>
-        <pc:sldLayoutChg chg="del">
-          <pc:chgData name="Lajka Kristóf" userId="5e6963896e59b084" providerId="Windows Live" clId="Web-{073B8870-9D9D-4839-9E38-2DF8EF05A441}" dt="2024-12-09T17:40:41.173" v="145"/>
-          <pc:sldLayoutMkLst>
-            <pc:docMk/>
-            <pc:sldMasterMk cId="4149688324" sldId="2147483660"/>
-            <pc:sldLayoutMk cId="922573899" sldId="2147483668"/>
-          </pc:sldLayoutMkLst>
-        </pc:sldLayoutChg>
-        <pc:sldLayoutChg chg="del">
-          <pc:chgData name="Lajka Kristóf" userId="5e6963896e59b084" providerId="Windows Live" clId="Web-{073B8870-9D9D-4839-9E38-2DF8EF05A441}" dt="2024-12-09T17:40:41.173" v="145"/>
-          <pc:sldLayoutMkLst>
-            <pc:docMk/>
-            <pc:sldMasterMk cId="4149688324" sldId="2147483660"/>
-            <pc:sldLayoutMk cId="3488917035" sldId="2147483669"/>
-          </pc:sldLayoutMkLst>
-        </pc:sldLayoutChg>
-        <pc:sldLayoutChg chg="del">
-          <pc:chgData name="Lajka Kristóf" userId="5e6963896e59b084" providerId="Windows Live" clId="Web-{073B8870-9D9D-4839-9E38-2DF8EF05A441}" dt="2024-12-09T17:40:41.173" v="145"/>
-          <pc:sldLayoutMkLst>
-            <pc:docMk/>
-            <pc:sldMasterMk cId="4149688324" sldId="2147483660"/>
-            <pc:sldLayoutMk cId="3061106951" sldId="2147483670"/>
-          </pc:sldLayoutMkLst>
-        </pc:sldLayoutChg>
-        <pc:sldLayoutChg chg="del">
-          <pc:chgData name="Lajka Kristóf" userId="5e6963896e59b084" providerId="Windows Live" clId="Web-{073B8870-9D9D-4839-9E38-2DF8EF05A441}" dt="2024-12-09T17:40:41.173" v="145"/>
-          <pc:sldLayoutMkLst>
-            <pc:docMk/>
-            <pc:sldMasterMk cId="4149688324" sldId="2147483660"/>
-            <pc:sldLayoutMk cId="4069248987" sldId="2147483671"/>
-          </pc:sldLayoutMkLst>
-        </pc:sldLayoutChg>
-        <pc:sldLayoutChg chg="del">
-          <pc:chgData name="Lajka Kristóf" userId="5e6963896e59b084" providerId="Windows Live" clId="Web-{073B8870-9D9D-4839-9E38-2DF8EF05A441}" dt="2024-12-09T17:40:41.173" v="145"/>
-          <pc:sldLayoutMkLst>
-            <pc:docMk/>
-            <pc:sldMasterMk cId="4149688324" sldId="2147483660"/>
-            <pc:sldLayoutMk cId="1769033468" sldId="2147483672"/>
-          </pc:sldLayoutMkLst>
-        </pc:sldLayoutChg>
-        <pc:sldLayoutChg chg="del">
-          <pc:chgData name="Lajka Kristóf" userId="5e6963896e59b084" providerId="Windows Live" clId="Web-{073B8870-9D9D-4839-9E38-2DF8EF05A441}" dt="2024-12-09T17:40:41.173" v="145"/>
-          <pc:sldLayoutMkLst>
-            <pc:docMk/>
-            <pc:sldMasterMk cId="4149688324" sldId="2147483660"/>
-            <pc:sldLayoutMk cId="4042153692" sldId="2147483673"/>
-          </pc:sldLayoutMkLst>
-        </pc:sldLayoutChg>
-        <pc:sldLayoutChg chg="del">
-          <pc:chgData name="Lajka Kristóf" userId="5e6963896e59b084" providerId="Windows Live" clId="Web-{073B8870-9D9D-4839-9E38-2DF8EF05A441}" dt="2024-12-09T17:40:41.173" v="145"/>
-          <pc:sldLayoutMkLst>
-            <pc:docMk/>
-            <pc:sldMasterMk cId="4149688324" sldId="2147483660"/>
-            <pc:sldLayoutMk cId="3349502616" sldId="2147483674"/>
-          </pc:sldLayoutMkLst>
-        </pc:sldLayoutChg>
-        <pc:sldLayoutChg chg="del">
-          <pc:chgData name="Lajka Kristóf" userId="5e6963896e59b084" providerId="Windows Live" clId="Web-{073B8870-9D9D-4839-9E38-2DF8EF05A441}" dt="2024-12-09T17:40:41.173" v="145"/>
-          <pc:sldLayoutMkLst>
-            <pc:docMk/>
-            <pc:sldMasterMk cId="4149688324" sldId="2147483660"/>
-            <pc:sldLayoutMk cId="608990736" sldId="2147483675"/>
-          </pc:sldLayoutMkLst>
-        </pc:sldLayoutChg>
-        <pc:sldLayoutChg chg="del">
-          <pc:chgData name="Lajka Kristóf" userId="5e6963896e59b084" providerId="Windows Live" clId="Web-{073B8870-9D9D-4839-9E38-2DF8EF05A441}" dt="2024-12-09T17:40:41.173" v="145"/>
-          <pc:sldLayoutMkLst>
-            <pc:docMk/>
-            <pc:sldMasterMk cId="4149688324" sldId="2147483660"/>
-            <pc:sldLayoutMk cId="3062386078" sldId="2147483676"/>
-          </pc:sldLayoutMkLst>
-        </pc:sldLayoutChg>
-        <pc:sldLayoutChg chg="del">
-          <pc:chgData name="Lajka Kristóf" userId="5e6963896e59b084" providerId="Windows Live" clId="Web-{073B8870-9D9D-4839-9E38-2DF8EF05A441}" dt="2024-12-09T17:40:41.173" v="145"/>
-          <pc:sldLayoutMkLst>
-            <pc:docMk/>
-            <pc:sldMasterMk cId="4149688324" sldId="2147483660"/>
-            <pc:sldLayoutMk cId="716441468" sldId="2147483677"/>
-          </pc:sldLayoutMkLst>
-        </pc:sldLayoutChg>
-      </pc:sldMasterChg>
-      <pc:sldMasterChg chg="add addSldLayout modSldLayout">
-        <pc:chgData name="Lajka Kristóf" userId="5e6963896e59b084" providerId="Windows Live" clId="Web-{073B8870-9D9D-4839-9E38-2DF8EF05A441}" dt="2024-12-09T17:40:41.173" v="145"/>
-        <pc:sldMasterMkLst>
-          <pc:docMk/>
-          <pc:sldMasterMk cId="3284418395" sldId="2147483678"/>
-        </pc:sldMasterMkLst>
-        <pc:sldLayoutChg chg="add mod replId">
-          <pc:chgData name="Lajka Kristóf" userId="5e6963896e59b084" providerId="Windows Live" clId="Web-{073B8870-9D9D-4839-9E38-2DF8EF05A441}" dt="2024-12-09T17:40:41.173" v="145"/>
-          <pc:sldLayoutMkLst>
-            <pc:docMk/>
-            <pc:sldMasterMk cId="3284418395" sldId="2147483678"/>
-            <pc:sldLayoutMk cId="2373475999" sldId="2147483679"/>
-          </pc:sldLayoutMkLst>
-        </pc:sldLayoutChg>
-        <pc:sldLayoutChg chg="add mod replId">
-          <pc:chgData name="Lajka Kristóf" userId="5e6963896e59b084" providerId="Windows Live" clId="Web-{073B8870-9D9D-4839-9E38-2DF8EF05A441}" dt="2024-12-09T17:40:41.173" v="145"/>
-          <pc:sldLayoutMkLst>
-            <pc:docMk/>
-            <pc:sldMasterMk cId="3284418395" sldId="2147483678"/>
-            <pc:sldLayoutMk cId="4089931405" sldId="2147483680"/>
-          </pc:sldLayoutMkLst>
-        </pc:sldLayoutChg>
-        <pc:sldLayoutChg chg="add mod replId">
-          <pc:chgData name="Lajka Kristóf" userId="5e6963896e59b084" providerId="Windows Live" clId="Web-{073B8870-9D9D-4839-9E38-2DF8EF05A441}" dt="2024-12-09T17:40:41.173" v="145"/>
-          <pc:sldLayoutMkLst>
-            <pc:docMk/>
-            <pc:sldMasterMk cId="3284418395" sldId="2147483678"/>
-            <pc:sldLayoutMk cId="3028057607" sldId="2147483681"/>
-          </pc:sldLayoutMkLst>
-        </pc:sldLayoutChg>
-        <pc:sldLayoutChg chg="add mod replId">
-          <pc:chgData name="Lajka Kristóf" userId="5e6963896e59b084" providerId="Windows Live" clId="Web-{073B8870-9D9D-4839-9E38-2DF8EF05A441}" dt="2024-12-09T17:40:41.173" v="145"/>
-          <pc:sldLayoutMkLst>
-            <pc:docMk/>
-            <pc:sldMasterMk cId="3284418395" sldId="2147483678"/>
-            <pc:sldLayoutMk cId="2742996233" sldId="2147483682"/>
-          </pc:sldLayoutMkLst>
-        </pc:sldLayoutChg>
-        <pc:sldLayoutChg chg="add mod replId">
-          <pc:chgData name="Lajka Kristóf" userId="5e6963896e59b084" providerId="Windows Live" clId="Web-{073B8870-9D9D-4839-9E38-2DF8EF05A441}" dt="2024-12-09T17:40:41.173" v="145"/>
-          <pc:sldLayoutMkLst>
-            <pc:docMk/>
-            <pc:sldMasterMk cId="3284418395" sldId="2147483678"/>
-            <pc:sldLayoutMk cId="8845819" sldId="2147483683"/>
-          </pc:sldLayoutMkLst>
-        </pc:sldLayoutChg>
-        <pc:sldLayoutChg chg="add mod replId">
-          <pc:chgData name="Lajka Kristóf" userId="5e6963896e59b084" providerId="Windows Live" clId="Web-{073B8870-9D9D-4839-9E38-2DF8EF05A441}" dt="2024-12-09T17:40:41.173" v="145"/>
-          <pc:sldLayoutMkLst>
-            <pc:docMk/>
-            <pc:sldMasterMk cId="3284418395" sldId="2147483678"/>
-            <pc:sldLayoutMk cId="1700606299" sldId="2147483684"/>
-          </pc:sldLayoutMkLst>
-        </pc:sldLayoutChg>
-        <pc:sldLayoutChg chg="add mod replId">
-          <pc:chgData name="Lajka Kristóf" userId="5e6963896e59b084" providerId="Windows Live" clId="Web-{073B8870-9D9D-4839-9E38-2DF8EF05A441}" dt="2024-12-09T17:40:41.173" v="145"/>
-          <pc:sldLayoutMkLst>
-            <pc:docMk/>
-            <pc:sldMasterMk cId="3284418395" sldId="2147483678"/>
-            <pc:sldLayoutMk cId="3769907808" sldId="2147483685"/>
-          </pc:sldLayoutMkLst>
-        </pc:sldLayoutChg>
-        <pc:sldLayoutChg chg="add mod replId">
-          <pc:chgData name="Lajka Kristóf" userId="5e6963896e59b084" providerId="Windows Live" clId="Web-{073B8870-9D9D-4839-9E38-2DF8EF05A441}" dt="2024-12-09T17:40:41.173" v="145"/>
-          <pc:sldLayoutMkLst>
-            <pc:docMk/>
-            <pc:sldMasterMk cId="3284418395" sldId="2147483678"/>
-            <pc:sldLayoutMk cId="4121718559" sldId="2147483686"/>
-          </pc:sldLayoutMkLst>
-        </pc:sldLayoutChg>
-        <pc:sldLayoutChg chg="add mod replId">
-          <pc:chgData name="Lajka Kristóf" userId="5e6963896e59b084" providerId="Windows Live" clId="Web-{073B8870-9D9D-4839-9E38-2DF8EF05A441}" dt="2024-12-09T17:40:41.173" v="145"/>
-          <pc:sldLayoutMkLst>
-            <pc:docMk/>
-            <pc:sldMasterMk cId="3284418395" sldId="2147483678"/>
-            <pc:sldLayoutMk cId="3236756347" sldId="2147483687"/>
-          </pc:sldLayoutMkLst>
-        </pc:sldLayoutChg>
-        <pc:sldLayoutChg chg="add mod replId">
-          <pc:chgData name="Lajka Kristóf" userId="5e6963896e59b084" providerId="Windows Live" clId="Web-{073B8870-9D9D-4839-9E38-2DF8EF05A441}" dt="2024-12-09T17:40:41.173" v="145"/>
-          <pc:sldLayoutMkLst>
-            <pc:docMk/>
-            <pc:sldMasterMk cId="3284418395" sldId="2147483678"/>
-            <pc:sldLayoutMk cId="2667825064" sldId="2147483688"/>
-          </pc:sldLayoutMkLst>
-        </pc:sldLayoutChg>
-        <pc:sldLayoutChg chg="add mod replId">
-          <pc:chgData name="Lajka Kristóf" userId="5e6963896e59b084" providerId="Windows Live" clId="Web-{073B8870-9D9D-4839-9E38-2DF8EF05A441}" dt="2024-12-09T17:40:41.173" v="145"/>
-          <pc:sldLayoutMkLst>
-            <pc:docMk/>
-            <pc:sldMasterMk cId="3284418395" sldId="2147483678"/>
-            <pc:sldLayoutMk cId="3136195918" sldId="2147483689"/>
-          </pc:sldLayoutMkLst>
-        </pc:sldLayoutChg>
-        <pc:sldLayoutChg chg="add mod replId">
-          <pc:chgData name="Lajka Kristóf" userId="5e6963896e59b084" providerId="Windows Live" clId="Web-{073B8870-9D9D-4839-9E38-2DF8EF05A441}" dt="2024-12-09T17:40:41.173" v="145"/>
-          <pc:sldLayoutMkLst>
-            <pc:docMk/>
-            <pc:sldMasterMk cId="3284418395" sldId="2147483678"/>
-            <pc:sldLayoutMk cId="2719880332" sldId="2147483690"/>
-          </pc:sldLayoutMkLst>
-        </pc:sldLayoutChg>
-        <pc:sldLayoutChg chg="add mod replId">
-          <pc:chgData name="Lajka Kristóf" userId="5e6963896e59b084" providerId="Windows Live" clId="Web-{073B8870-9D9D-4839-9E38-2DF8EF05A441}" dt="2024-12-09T17:40:41.173" v="145"/>
-          <pc:sldLayoutMkLst>
-            <pc:docMk/>
-            <pc:sldMasterMk cId="3284418395" sldId="2147483678"/>
-            <pc:sldLayoutMk cId="3483213659" sldId="2147483691"/>
-          </pc:sldLayoutMkLst>
-        </pc:sldLayoutChg>
-        <pc:sldLayoutChg chg="add mod replId">
-          <pc:chgData name="Lajka Kristóf" userId="5e6963896e59b084" providerId="Windows Live" clId="Web-{073B8870-9D9D-4839-9E38-2DF8EF05A441}" dt="2024-12-09T17:40:41.173" v="145"/>
-          <pc:sldLayoutMkLst>
-            <pc:docMk/>
-            <pc:sldMasterMk cId="3284418395" sldId="2147483678"/>
-            <pc:sldLayoutMk cId="3150404280" sldId="2147483692"/>
-          </pc:sldLayoutMkLst>
-        </pc:sldLayoutChg>
-        <pc:sldLayoutChg chg="add mod replId">
-          <pc:chgData name="Lajka Kristóf" userId="5e6963896e59b084" providerId="Windows Live" clId="Web-{073B8870-9D9D-4839-9E38-2DF8EF05A441}" dt="2024-12-09T17:40:41.173" v="145"/>
-          <pc:sldLayoutMkLst>
-            <pc:docMk/>
-            <pc:sldMasterMk cId="3284418395" sldId="2147483678"/>
-            <pc:sldLayoutMk cId="2156788411" sldId="2147483693"/>
-          </pc:sldLayoutMkLst>
-        </pc:sldLayoutChg>
-        <pc:sldLayoutChg chg="add mod replId">
-          <pc:chgData name="Lajka Kristóf" userId="5e6963896e59b084" providerId="Windows Live" clId="Web-{073B8870-9D9D-4839-9E38-2DF8EF05A441}" dt="2024-12-09T17:40:41.173" v="145"/>
-          <pc:sldLayoutMkLst>
-            <pc:docMk/>
-            <pc:sldMasterMk cId="3284418395" sldId="2147483678"/>
-            <pc:sldLayoutMk cId="909797944" sldId="2147483694"/>
-          </pc:sldLayoutMkLst>
-        </pc:sldLayoutChg>
-        <pc:sldLayoutChg chg="add mod replId">
-          <pc:chgData name="Lajka Kristóf" userId="5e6963896e59b084" providerId="Windows Live" clId="Web-{073B8870-9D9D-4839-9E38-2DF8EF05A441}" dt="2024-12-09T17:40:41.173" v="145"/>
-          <pc:sldLayoutMkLst>
-            <pc:docMk/>
-            <pc:sldMasterMk cId="3284418395" sldId="2147483678"/>
-            <pc:sldLayoutMk cId="1419102764" sldId="2147483695"/>
-          </pc:sldLayoutMkLst>
-        </pc:sldLayoutChg>
-      </pc:sldMasterChg>
-    </pc:docChg>
-  </pc:docChgLst>
-</pc:chgInfo>
 </file>
 
 <file path=ppt/slideLayouts/slideLayout1.xml><?xml version="1.0" encoding="utf-8"?>
@@ -3621,7 +329,7 @@
           <a:p>
             <a:fld id="{4AAD347D-5ACD-4C99-B74B-A9C85AD731AF}" type="datetimeFigureOut">
               <a:rPr lang="en-US" dirty="0"/>
-              <a:t>12/13/2024</a:t>
+              <a:t>1/12/2025</a:t>
             </a:fld>
             <a:endParaRPr lang="en-US" dirty="0"/>
           </a:p>
@@ -3891,7 +599,7 @@
           <a:p>
             <a:fld id="{4509A250-FF31-4206-8172-F9D3106AACB1}" type="datetimeFigureOut">
               <a:rPr lang="en-US" dirty="0"/>
-              <a:t>12/13/2024</a:t>
+              <a:t>1/12/2025</a:t>
             </a:fld>
             <a:endParaRPr lang="en-US" dirty="0"/>
           </a:p>
@@ -4084,7 +792,7 @@
           <a:p>
             <a:fld id="{4509A250-FF31-4206-8172-F9D3106AACB1}" type="datetimeFigureOut">
               <a:rPr lang="en-US" dirty="0"/>
-              <a:t>12/13/2024</a:t>
+              <a:t>1/12/2025</a:t>
             </a:fld>
             <a:endParaRPr lang="en-US" dirty="0"/>
           </a:p>
@@ -4354,7 +1062,7 @@
           <a:p>
             <a:fld id="{4509A250-FF31-4206-8172-F9D3106AACB1}" type="datetimeFigureOut">
               <a:rPr lang="en-US" dirty="0"/>
-              <a:t>12/13/2024</a:t>
+              <a:t>1/12/2025</a:t>
             </a:fld>
             <a:endParaRPr lang="en-US" dirty="0"/>
           </a:p>
@@ -4680,7 +1388,7 @@
           <a:p>
             <a:fld id="{4509A250-FF31-4206-8172-F9D3106AACB1}" type="datetimeFigureOut">
               <a:rPr lang="en-US" dirty="0"/>
-              <a:t>12/13/2024</a:t>
+              <a:t>1/12/2025</a:t>
             </a:fld>
             <a:endParaRPr lang="en-US" dirty="0"/>
           </a:p>
@@ -5298,7 +2006,7 @@
           <a:p>
             <a:fld id="{4509A250-FF31-4206-8172-F9D3106AACB1}" type="datetimeFigureOut">
               <a:rPr lang="en-US" dirty="0"/>
-              <a:t>12/13/2024</a:t>
+              <a:t>1/12/2025</a:t>
             </a:fld>
             <a:endParaRPr lang="en-US" dirty="0"/>
           </a:p>
@@ -6132,7 +2840,7 @@
           <a:p>
             <a:fld id="{4509A250-FF31-4206-8172-F9D3106AACB1}" type="datetimeFigureOut">
               <a:rPr lang="en-US" dirty="0"/>
-              <a:t>12/13/2024</a:t>
+              <a:t>1/12/2025</a:t>
             </a:fld>
             <a:endParaRPr lang="en-US" dirty="0"/>
           </a:p>
@@ -6300,7 +3008,7 @@
           <a:p>
             <a:fld id="{4509A250-FF31-4206-8172-F9D3106AACB1}" type="datetimeFigureOut">
               <a:rPr lang="en-US" dirty="0"/>
-              <a:t>12/13/2024</a:t>
+              <a:t>1/12/2025</a:t>
             </a:fld>
             <a:endParaRPr lang="en-US" dirty="0"/>
           </a:p>
@@ -6478,7 +3186,7 @@
           <a:p>
             <a:fld id="{4509A250-FF31-4206-8172-F9D3106AACB1}" type="datetimeFigureOut">
               <a:rPr lang="en-US" dirty="0"/>
-              <a:t>12/13/2024</a:t>
+              <a:t>1/12/2025</a:t>
             </a:fld>
             <a:endParaRPr lang="en-US" dirty="0"/>
           </a:p>
@@ -6646,7 +3354,7 @@
           <a:p>
             <a:fld id="{9796027F-7875-4030-9381-8BD8C4F21935}" type="datetimeFigureOut">
               <a:rPr lang="en-US" dirty="0"/>
-              <a:t>12/13/2024</a:t>
+              <a:t>1/12/2025</a:t>
             </a:fld>
             <a:endParaRPr lang="en-US" dirty="0"/>
           </a:p>
@@ -6892,7 +3600,7 @@
           <a:p>
             <a:fld id="{9796027F-7875-4030-9381-8BD8C4F21935}" type="datetimeFigureOut">
               <a:rPr lang="en-US" dirty="0"/>
-              <a:t>12/13/2024</a:t>
+              <a:t>1/12/2025</a:t>
             </a:fld>
             <a:endParaRPr lang="en-US" dirty="0"/>
           </a:p>
@@ -7181,7 +3889,7 @@
           <a:p>
             <a:fld id="{9796027F-7875-4030-9381-8BD8C4F21935}" type="datetimeFigureOut">
               <a:rPr lang="en-US" dirty="0"/>
-              <a:t>12/13/2024</a:t>
+              <a:t>1/12/2025</a:t>
             </a:fld>
             <a:endParaRPr lang="en-US" dirty="0"/>
           </a:p>
@@ -7622,7 +4330,7 @@
           <a:p>
             <a:fld id="{9796027F-7875-4030-9381-8BD8C4F21935}" type="datetimeFigureOut">
               <a:rPr lang="en-US" dirty="0"/>
-              <a:t>12/13/2024</a:t>
+              <a:t>1/12/2025</a:t>
             </a:fld>
             <a:endParaRPr lang="en-US" dirty="0"/>
           </a:p>
@@ -7739,7 +4447,7 @@
           <a:p>
             <a:fld id="{4509A250-FF31-4206-8172-F9D3106AACB1}" type="datetimeFigureOut">
               <a:rPr lang="en-US" dirty="0"/>
-              <a:t>12/13/2024</a:t>
+              <a:t>1/12/2025</a:t>
             </a:fld>
             <a:endParaRPr lang="en-US" dirty="0"/>
           </a:p>
@@ -7834,7 +4542,7 @@
           <a:p>
             <a:fld id="{4509A250-FF31-4206-8172-F9D3106AACB1}" type="datetimeFigureOut">
               <a:rPr lang="en-US" dirty="0"/>
-              <a:t>12/13/2024</a:t>
+              <a:t>1/12/2025</a:t>
             </a:fld>
             <a:endParaRPr lang="en-US" dirty="0"/>
           </a:p>
@@ -8111,7 +4819,7 @@
           <a:p>
             <a:fld id="{4509A250-FF31-4206-8172-F9D3106AACB1}" type="datetimeFigureOut">
               <a:rPr lang="en-US" dirty="0"/>
-              <a:t>12/13/2024</a:t>
+              <a:t>1/12/2025</a:t>
             </a:fld>
             <a:endParaRPr lang="en-US" dirty="0"/>
           </a:p>
@@ -8381,7 +5089,7 @@
           <a:p>
             <a:fld id="{4509A250-FF31-4206-8172-F9D3106AACB1}" type="datetimeFigureOut">
               <a:rPr lang="en-US" dirty="0"/>
-              <a:t>12/13/2024</a:t>
+              <a:t>1/12/2025</a:t>
             </a:fld>
             <a:endParaRPr lang="en-US" dirty="0"/>
           </a:p>
@@ -8802,7 +5510,7 @@
           <a:p>
             <a:fld id="{4AAD347D-5ACD-4C99-B74B-A9C85AD731AF}" type="datetimeFigureOut">
               <a:rPr lang="en-US" dirty="0"/>
-              <a:t>12/13/2024</a:t>
+              <a:t>1/12/2025</a:t>
             </a:fld>
             <a:endParaRPr lang="en-US" dirty="0"/>
           </a:p>
@@ -9451,13 +6159,6 @@
   <p:transition spd="slow">
     <p:push dir="u"/>
   </p:transition>
-  <p:timing>
-    <p:tnLst>
-      <p:par>
-        <p:cTn id="1" dur="indefinite" restart="never" nodeType="tmRoot"/>
-      </p:par>
-    </p:tnLst>
-  </p:timing>
 </p:sld>
 </file>
 
@@ -9620,13 +6321,6 @@
   <p:transition spd="slow">
     <p:push dir="u"/>
   </p:transition>
-  <p:timing>
-    <p:tnLst>
-      <p:par>
-        <p:cTn id="1" dur="indefinite" restart="never" nodeType="tmRoot"/>
-      </p:par>
-    </p:tnLst>
-  </p:timing>
 </p:sld>
 </file>
 
@@ -9859,13 +6553,6 @@
   <p:transition spd="slow">
     <p:push dir="u"/>
   </p:transition>
-  <p:timing>
-    <p:tnLst>
-      <p:par>
-        <p:cTn id="1" dur="indefinite" restart="never" nodeType="tmRoot"/>
-      </p:par>
-    </p:tnLst>
-  </p:timing>
 </p:sld>
 </file>
 
@@ -10152,13 +6839,6 @@
   <p:transition spd="slow">
     <p:push dir="u"/>
   </p:transition>
-  <p:timing>
-    <p:tnLst>
-      <p:par>
-        <p:cTn id="1" dur="indefinite" restart="never" nodeType="tmRoot"/>
-      </p:par>
-    </p:tnLst>
-  </p:timing>
 </p:sld>
 </file>
 
@@ -10210,7 +6890,7 @@
                 <a16:creationId xmlns:a16="http://schemas.microsoft.com/office/drawing/2014/main" id="{43D1E811-F82C-4FC0-8611-6CFC73FD9613}"/>
               </a:ext>
               <a:ext uri="{C183D7F6-B498-43B3-948B-1728B52AA6E4}">
-                <adec:decorative xmlns:adec="http://schemas.microsoft.com/office/drawing/2017/decorative" xmlns="" val="1"/>
+                <adec:decorative xmlns:adec="http://schemas.microsoft.com/office/drawing/2017/decorative" val="1"/>
               </a:ext>
             </a:extLst>
           </p:cNvPr>
@@ -10254,7 +6934,7 @@
                 <a16:creationId xmlns:a16="http://schemas.microsoft.com/office/drawing/2014/main" id="{AAC6183A-13DD-465B-9338-4D7F5D52394F}"/>
               </a:ext>
               <a:ext uri="{C183D7F6-B498-43B3-948B-1728B52AA6E4}">
-                <adec:decorative xmlns:adec="http://schemas.microsoft.com/office/drawing/2017/decorative" xmlns="" val="1"/>
+                <adec:decorative xmlns:adec="http://schemas.microsoft.com/office/drawing/2017/decorative" val="1"/>
               </a:ext>
             </a:extLst>
           </p:cNvPr>
@@ -10298,7 +6978,7 @@
                 <a16:creationId xmlns:a16="http://schemas.microsoft.com/office/drawing/2014/main" id="{15BF20A1-7C3A-4BEC-BE35-8AA3E9F011CA}"/>
               </a:ext>
               <a:ext uri="{C183D7F6-B498-43B3-948B-1728B52AA6E4}">
-                <adec:decorative xmlns:adec="http://schemas.microsoft.com/office/drawing/2017/decorative" xmlns="" val="1"/>
+                <adec:decorative xmlns:adec="http://schemas.microsoft.com/office/drawing/2017/decorative" val="1"/>
               </a:ext>
             </a:extLst>
           </p:cNvPr>
@@ -10372,7 +7052,7 @@
                 <a16:creationId xmlns:a16="http://schemas.microsoft.com/office/drawing/2014/main" id="{46D3BD4A-EBCB-4B8A-BA9C-A6927EB621A0}"/>
               </a:ext>
               <a:ext uri="{C183D7F6-B498-43B3-948B-1728B52AA6E4}">
-                <adec:decorative xmlns:adec="http://schemas.microsoft.com/office/drawing/2017/decorative" xmlns="" val="1"/>
+                <adec:decorative xmlns:adec="http://schemas.microsoft.com/office/drawing/2017/decorative" val="1"/>
               </a:ext>
             </a:extLst>
           </p:cNvPr>
@@ -10416,7 +7096,7 @@
                 <a16:creationId xmlns:a16="http://schemas.microsoft.com/office/drawing/2014/main" id="{F483E078-4237-4FFA-8437-F7E6C799F7BE}"/>
               </a:ext>
               <a:ext uri="{C183D7F6-B498-43B3-948B-1728B52AA6E4}">
-                <adec:decorative xmlns:adec="http://schemas.microsoft.com/office/drawing/2017/decorative" xmlns="" val="1"/>
+                <adec:decorative xmlns:adec="http://schemas.microsoft.com/office/drawing/2017/decorative" val="1"/>
               </a:ext>
             </a:extLst>
           </p:cNvPr>
@@ -10460,7 +7140,7 @@
                 <a16:creationId xmlns:a16="http://schemas.microsoft.com/office/drawing/2014/main" id="{7FDEDC12-69DE-40B2-9801-E7FFEC7C1727}"/>
               </a:ext>
               <a:ext uri="{C183D7F6-B498-43B3-948B-1728B52AA6E4}">
-                <adec:decorative xmlns:adec="http://schemas.microsoft.com/office/drawing/2017/decorative" xmlns="" val="1"/>
+                <adec:decorative xmlns:adec="http://schemas.microsoft.com/office/drawing/2017/decorative" val="1"/>
               </a:ext>
             </a:extLst>
           </p:cNvPr>
@@ -10619,13 +7299,6 @@
   <p:transition spd="slow">
     <p:push dir="u"/>
   </p:transition>
-  <p:timing>
-    <p:tnLst>
-      <p:par>
-        <p:cTn id="1" dur="indefinite" restart="never" nodeType="tmRoot"/>
-      </p:par>
-    </p:tnLst>
-  </p:timing>
 </p:sld>
 </file>
 
@@ -10811,13 +7484,6 @@
   <p:transition spd="slow">
     <p:push dir="u"/>
   </p:transition>
-  <p:timing>
-    <p:tnLst>
-      <p:par>
-        <p:cTn id="1" dur="indefinite" restart="never" nodeType="tmRoot"/>
-      </p:par>
-    </p:tnLst>
-  </p:timing>
 </p:sld>
 </file>
 
@@ -11049,13 +7715,6 @@
   <p:transition spd="slow">
     <p:push dir="u"/>
   </p:transition>
-  <p:timing>
-    <p:tnLst>
-      <p:par>
-        <p:cTn id="1" dur="indefinite" restart="never" nodeType="tmRoot"/>
-      </p:par>
-    </p:tnLst>
-  </p:timing>
 </p:sld>
 </file>
 
@@ -11092,14 +7751,13 @@
           <a:lstStyle/>
           <a:p>
             <a:r>
-              <a:rPr lang="hu-HU" dirty="0" err="1" smtClean="0"/>
+              <a:rPr lang="hu-HU" dirty="0" err="1"/>
               <a:t>Trello</a:t>
             </a:r>
             <a:r>
-              <a:rPr lang="hu-HU" dirty="0" smtClean="0"/>
+              <a:rPr lang="hu-HU" dirty="0"/>
               <a:t> használata</a:t>
             </a:r>
-            <a:endParaRPr lang="hu-HU" dirty="0"/>
           </a:p>
         </p:txBody>
       </p:sp>
@@ -11145,13 +7803,6 @@
   <p:transition spd="slow">
     <p:push dir="u"/>
   </p:transition>
-  <p:timing>
-    <p:tnLst>
-      <p:par>
-        <p:cTn id="1" dur="indefinite" restart="never" nodeType="tmRoot"/>
-      </p:par>
-    </p:tnLst>
-  </p:timing>
 </p:sld>
 </file>
 
@@ -11188,14 +7839,13 @@
           <a:lstStyle/>
           <a:p>
             <a:r>
-              <a:rPr lang="hu-HU" dirty="0" err="1" smtClean="0"/>
+              <a:rPr lang="hu-HU" dirty="0" err="1"/>
               <a:t>Github</a:t>
             </a:r>
             <a:r>
-              <a:rPr lang="hu-HU" dirty="0" smtClean="0"/>
+              <a:rPr lang="hu-HU" dirty="0"/>
               <a:t> használata</a:t>
             </a:r>
-            <a:endParaRPr lang="hu-HU" dirty="0"/>
           </a:p>
         </p:txBody>
       </p:sp>
@@ -11241,13 +7891,6 @@
   <p:transition spd="slow">
     <p:push dir="u"/>
   </p:transition>
-  <p:timing>
-    <p:tnLst>
-      <p:par>
-        <p:cTn id="1" dur="indefinite" restart="never" nodeType="tmRoot"/>
-      </p:par>
-    </p:tnLst>
-  </p:timing>
 </p:sld>
 </file>
 
@@ -11284,10 +7927,9 @@
           <a:lstStyle/>
           <a:p>
             <a:r>
-              <a:rPr lang="hu-HU" dirty="0" smtClean="0"/>
+              <a:rPr lang="hu-HU" dirty="0"/>
               <a:t>Segítségkérés</a:t>
             </a:r>
-            <a:endParaRPr lang="hu-HU" dirty="0"/>
           </a:p>
         </p:txBody>
       </p:sp>
@@ -11307,26 +7949,25 @@
           <a:lstStyle/>
           <a:p>
             <a:r>
-              <a:rPr lang="hu-HU" dirty="0" err="1" smtClean="0"/>
+              <a:rPr lang="hu-HU" dirty="0" err="1"/>
               <a:t>ChatGPT</a:t>
             </a:r>
             <a:r>
-              <a:rPr lang="hu-HU" dirty="0" smtClean="0"/>
+              <a:rPr lang="hu-HU" dirty="0"/>
               <a:t> Open AI</a:t>
             </a:r>
           </a:p>
           <a:p>
             <a:r>
-              <a:rPr lang="hu-HU" dirty="0" smtClean="0"/>
+              <a:rPr lang="hu-HU" dirty="0"/>
               <a:t>Tanárúr segítsége</a:t>
             </a:r>
           </a:p>
           <a:p>
             <a:r>
-              <a:rPr lang="hu-HU" dirty="0" smtClean="0"/>
+              <a:rPr lang="hu-HU" dirty="0"/>
               <a:t>Különböző weboldalak által adott hasznos információk</a:t>
             </a:r>
-            <a:endParaRPr lang="hu-HU" dirty="0"/>
           </a:p>
         </p:txBody>
       </p:sp>
@@ -11340,13 +7981,6 @@
   <p:clrMapOvr>
     <a:masterClrMapping/>
   </p:clrMapOvr>
-  <p:timing>
-    <p:tnLst>
-      <p:par>
-        <p:cTn id="1" dur="indefinite" restart="never" nodeType="tmRoot"/>
-      </p:par>
-    </p:tnLst>
-  </p:timing>
 </p:sld>
 </file>
 
@@ -11383,10 +8017,9 @@
           <a:lstStyle/>
           <a:p>
             <a:r>
-              <a:rPr lang="hu-HU" dirty="0" smtClean="0"/>
+              <a:rPr lang="hu-HU" dirty="0"/>
               <a:t>Nehézségek</a:t>
             </a:r>
-            <a:endParaRPr lang="hu-HU" dirty="0"/>
           </a:p>
         </p:txBody>
       </p:sp>
@@ -11406,18 +8039,18 @@
           <a:lstStyle/>
           <a:p>
             <a:r>
-              <a:rPr lang="hu-HU" dirty="0" smtClean="0"/>
+              <a:rPr lang="hu-HU" dirty="0"/>
               <a:t>HSRP beállítása</a:t>
             </a:r>
           </a:p>
           <a:p>
             <a:r>
-              <a:rPr lang="hu-HU" dirty="0" smtClean="0"/>
+              <a:rPr lang="hu-HU" dirty="0"/>
               <a:t>IPv6 beállítása</a:t>
             </a:r>
           </a:p>
           <a:p>
-            <a:endParaRPr lang="hu-HU" dirty="0" smtClean="0"/>
+            <a:endParaRPr lang="hu-HU" dirty="0"/>
           </a:p>
         </p:txBody>
       </p:sp>
@@ -11431,13 +8064,6 @@
   <p:clrMapOvr>
     <a:masterClrMapping/>
   </p:clrMapOvr>
-  <p:timing>
-    <p:tnLst>
-      <p:par>
-        <p:cTn id="1" dur="indefinite" restart="never" nodeType="tmRoot"/>
-      </p:par>
-    </p:tnLst>
-  </p:timing>
 </p:sld>
 </file>
 
@@ -11512,10 +8138,9 @@
                     <a:lstStyle/>
                     <a:p>
                       <a:r>
-                        <a:rPr lang="hu-HU" dirty="0" smtClean="0"/>
+                        <a:rPr lang="hu-HU" dirty="0"/>
                         <a:t>Lajka Kristóf</a:t>
                       </a:r>
-                      <a:endParaRPr lang="hu-HU" dirty="0"/>
                     </a:p>
                   </a:txBody>
                   <a:tcPr>
@@ -11566,10 +8191,9 @@
                     <a:lstStyle/>
                     <a:p>
                       <a:r>
-                        <a:rPr lang="hu-HU" dirty="0" smtClean="0"/>
+                        <a:rPr lang="hu-HU" dirty="0"/>
                         <a:t>Váradi Ádám</a:t>
                       </a:r>
-                      <a:endParaRPr lang="hu-HU" dirty="0"/>
                     </a:p>
                   </a:txBody>
                   <a:tcPr>
@@ -11628,11 +8252,11 @@
                     <a:lstStyle/>
                     <a:p>
                       <a:r>
-                        <a:rPr lang="hu-HU" dirty="0" smtClean="0"/>
+                        <a:rPr lang="hu-HU" dirty="0"/>
                         <a:t>Enyedi</a:t>
                       </a:r>
                       <a:r>
-                        <a:rPr lang="hu-HU" baseline="0" dirty="0" smtClean="0"/>
+                        <a:rPr lang="hu-HU" baseline="0" dirty="0"/>
                         <a:t> Sándor</a:t>
                       </a:r>
                       <a:endParaRPr lang="hu-HU" dirty="0"/>
@@ -11672,10 +8296,9 @@
                     <a:lstStyle/>
                     <a:p>
                       <a:r>
-                        <a:rPr lang="hu-HU" dirty="0" smtClean="0"/>
+                        <a:rPr lang="hu-HU" dirty="0"/>
                         <a:t>A topológia kialakítása</a:t>
                       </a:r>
-                      <a:endParaRPr lang="hu-HU" dirty="0"/>
                     </a:p>
                   </a:txBody>
                   <a:tcPr>
@@ -11726,10 +8349,9 @@
                     <a:lstStyle/>
                     <a:p>
                       <a:r>
-                        <a:rPr lang="hu-HU" dirty="0" smtClean="0"/>
+                        <a:rPr lang="hu-HU" dirty="0"/>
                         <a:t>A topológia kialakítás</a:t>
                       </a:r>
-                      <a:endParaRPr lang="hu-HU" dirty="0"/>
                     </a:p>
                   </a:txBody>
                   <a:tcPr>
@@ -11790,10 +8412,9 @@
                     <a:lstStyle/>
                     <a:p>
                       <a:r>
-                        <a:rPr lang="hu-HU" dirty="0" smtClean="0"/>
+                        <a:rPr lang="hu-HU" dirty="0"/>
                         <a:t>OSPF konfigurálás</a:t>
                       </a:r>
-                      <a:endParaRPr lang="hu-HU" dirty="0"/>
                     </a:p>
                   </a:txBody>
                   <a:tcPr>
@@ -11851,11 +8472,11 @@
                     <a:lstStyle/>
                     <a:p>
                       <a:r>
-                        <a:rPr lang="hu-HU" dirty="0" smtClean="0"/>
+                        <a:rPr lang="hu-HU" dirty="0"/>
                         <a:t>IPv4/IPv6</a:t>
                       </a:r>
                       <a:r>
-                        <a:rPr lang="hu-HU" baseline="0" dirty="0" smtClean="0"/>
+                        <a:rPr lang="hu-HU" baseline="0" dirty="0"/>
                         <a:t> címzés</a:t>
                       </a:r>
                       <a:endParaRPr lang="hu-HU" dirty="0"/>
@@ -11909,10 +8530,9 @@
                     <a:lstStyle/>
                     <a:p>
                       <a:r>
-                        <a:rPr lang="hu-HU" dirty="0" smtClean="0"/>
+                        <a:rPr lang="hu-HU" dirty="0"/>
                         <a:t>VLAN-ok és forgalomirányítás</a:t>
                       </a:r>
-                      <a:endParaRPr lang="hu-HU" dirty="0"/>
                     </a:p>
                   </a:txBody>
                   <a:tcPr>
@@ -11973,10 +8593,9 @@
                     <a:lstStyle/>
                     <a:p>
                       <a:r>
-                        <a:rPr lang="hu-HU" dirty="0" smtClean="0"/>
+                        <a:rPr lang="hu-HU" dirty="0"/>
                         <a:t>Prezentáció</a:t>
                       </a:r>
-                      <a:endParaRPr lang="hu-HU" dirty="0"/>
                     </a:p>
                   </a:txBody>
                   <a:tcPr>
@@ -12034,10 +8653,9 @@
                     <a:lstStyle/>
                     <a:p>
                       <a:r>
-                        <a:rPr lang="hu-HU" dirty="0" smtClean="0"/>
+                        <a:rPr lang="hu-HU" dirty="0"/>
                         <a:t>VLAN-ok és forgalomirányítás</a:t>
                       </a:r>
-                      <a:endParaRPr lang="hu-HU" dirty="0"/>
                     </a:p>
                   </a:txBody>
                   <a:tcPr>
@@ -12088,10 +8706,9 @@
                     <a:lstStyle/>
                     <a:p>
                       <a:r>
-                        <a:rPr lang="hu-HU" dirty="0" smtClean="0"/>
+                        <a:rPr lang="hu-HU" dirty="0"/>
                         <a:t>NAT konfigurálás</a:t>
                       </a:r>
-                      <a:endParaRPr lang="hu-HU" dirty="0"/>
                     </a:p>
                   </a:txBody>
                   <a:tcPr>
@@ -12152,10 +8769,9 @@
                     <a:lstStyle/>
                     <a:p>
                       <a:r>
-                        <a:rPr lang="hu-HU" dirty="0" smtClean="0"/>
+                        <a:rPr lang="hu-HU" dirty="0"/>
                         <a:t>Dokumentálás</a:t>
                       </a:r>
-                      <a:endParaRPr lang="hu-HU" dirty="0"/>
                     </a:p>
                   </a:txBody>
                   <a:tcPr>
@@ -12213,10 +8829,9 @@
                     <a:lstStyle/>
                     <a:p>
                       <a:r>
-                        <a:rPr lang="hu-HU" dirty="0" smtClean="0"/>
+                        <a:rPr lang="hu-HU" dirty="0"/>
                         <a:t>ACL beállítás</a:t>
                       </a:r>
-                      <a:endParaRPr lang="hu-HU" dirty="0"/>
                     </a:p>
                   </a:txBody>
                   <a:tcPr>
@@ -12267,10 +8882,9 @@
                     <a:lstStyle/>
                     <a:p>
                       <a:r>
-                        <a:rPr lang="hu-HU" dirty="0" smtClean="0"/>
+                        <a:rPr lang="hu-HU" dirty="0"/>
                         <a:t>SSH konfigurálás</a:t>
                       </a:r>
-                      <a:endParaRPr lang="hu-HU" dirty="0"/>
                     </a:p>
                   </a:txBody>
                   <a:tcPr>
@@ -12388,10 +9002,9 @@
                     <a:lstStyle/>
                     <a:p>
                       <a:r>
-                        <a:rPr lang="hu-HU" dirty="0" smtClean="0"/>
+                        <a:rPr lang="hu-HU" dirty="0"/>
                         <a:t>HSRP beállítás</a:t>
                       </a:r>
-                      <a:endParaRPr lang="hu-HU" dirty="0"/>
                     </a:p>
                   </a:txBody>
                   <a:tcPr>
@@ -12442,10 +9055,9 @@
                     <a:lstStyle/>
                     <a:p>
                       <a:r>
-                        <a:rPr lang="hu-HU" dirty="0" smtClean="0"/>
+                        <a:rPr lang="hu-HU" dirty="0"/>
                         <a:t>IPv4/IPv6 címzés</a:t>
                       </a:r>
-                      <a:endParaRPr lang="hu-HU" dirty="0"/>
                     </a:p>
                   </a:txBody>
                   <a:tcPr>
@@ -12583,10 +9195,9 @@
           <a:lstStyle/>
           <a:p>
             <a:r>
-              <a:rPr lang="hu-HU" sz="4000" dirty="0" smtClean="0"/>
+              <a:rPr lang="hu-HU" sz="4000" dirty="0"/>
               <a:t>Feladat elosztások:</a:t>
             </a:r>
-            <a:endParaRPr lang="hu-HU" sz="4000" dirty="0"/>
           </a:p>
         </p:txBody>
       </p:sp>
@@ -12603,13 +9214,6 @@
   <p:transition spd="slow">
     <p:push dir="u"/>
   </p:transition>
-  <p:timing>
-    <p:tnLst>
-      <p:par>
-        <p:cTn id="1" dur="indefinite" restart="never" nodeType="tmRoot"/>
-      </p:par>
-    </p:tnLst>
-  </p:timing>
 </p:sld>
 </file>
 
@@ -12696,13 +9300,6 @@
   <p:transition spd="slow">
     <p:push dir="u"/>
   </p:transition>
-  <p:timing>
-    <p:tnLst>
-      <p:par>
-        <p:cTn id="1" dur="indefinite" restart="never" nodeType="tmRoot"/>
-      </p:par>
-    </p:tnLst>
-  </p:timing>
 </p:sld>
 </file>
 
@@ -13070,13 +9667,6 @@
   <p:transition spd="slow">
     <p:push dir="u"/>
   </p:transition>
-  <p:timing>
-    <p:tnLst>
-      <p:par>
-        <p:cTn id="1" dur="indefinite" restart="never" nodeType="tmRoot"/>
-      </p:par>
-    </p:tnLst>
-  </p:timing>
 </p:sld>
 </file>
 
@@ -13186,7 +9776,7 @@
           <a:lstStyle/>
           <a:p>
             <a:r>
-              <a:rPr lang="hu-HU" dirty="0" smtClean="0"/>
+              <a:rPr lang="hu-HU" dirty="0"/>
               <a:t>Belső </a:t>
             </a:r>
             <a:r>
@@ -13354,13 +9944,6 @@
   <p:transition spd="slow">
     <p:push dir="u"/>
   </p:transition>
-  <p:timing>
-    <p:tnLst>
-      <p:par>
-        <p:cTn id="1" dur="indefinite" restart="never" nodeType="tmRoot"/>
-      </p:par>
-    </p:tnLst>
-  </p:timing>
 </p:sld>
 </file>
 
@@ -13460,13 +10043,6 @@
   <p:transition spd="slow">
     <p:push dir="u"/>
   </p:transition>
-  <p:timing>
-    <p:tnLst>
-      <p:par>
-        <p:cTn id="1" dur="indefinite" restart="never" nodeType="tmRoot"/>
-      </p:par>
-    </p:tnLst>
-  </p:timing>
 </p:sld>
 </file>
 
@@ -13518,7 +10094,7 @@
                 <a16:creationId xmlns:a16="http://schemas.microsoft.com/office/drawing/2014/main" id="{603C1FDD-3EB9-4E32-AAFF-F0872E904A7D}"/>
               </a:ext>
               <a:ext uri="{C183D7F6-B498-43B3-948B-1728B52AA6E4}">
-                <adec:decorative xmlns:adec="http://schemas.microsoft.com/office/drawing/2017/decorative" xmlns="" val="1"/>
+                <adec:decorative xmlns:adec="http://schemas.microsoft.com/office/drawing/2017/decorative" val="1"/>
               </a:ext>
             </a:extLst>
           </p:cNvPr>
@@ -13562,7 +10138,7 @@
                 <a16:creationId xmlns:a16="http://schemas.microsoft.com/office/drawing/2014/main" id="{B0C4B3D9-75AB-4AAB-B53A-4232B752D2F5}"/>
               </a:ext>
               <a:ext uri="{C183D7F6-B498-43B3-948B-1728B52AA6E4}">
-                <adec:decorative xmlns:adec="http://schemas.microsoft.com/office/drawing/2017/decorative" xmlns="" val="1"/>
+                <adec:decorative xmlns:adec="http://schemas.microsoft.com/office/drawing/2017/decorative" val="1"/>
               </a:ext>
             </a:extLst>
           </p:cNvPr>
@@ -13606,7 +10182,7 @@
                 <a16:creationId xmlns:a16="http://schemas.microsoft.com/office/drawing/2014/main" id="{1D73A963-D417-4FD9-851E-5E323F67D1BF}"/>
               </a:ext>
               <a:ext uri="{C183D7F6-B498-43B3-948B-1728B52AA6E4}">
-                <adec:decorative xmlns:adec="http://schemas.microsoft.com/office/drawing/2017/decorative" xmlns="" val="1"/>
+                <adec:decorative xmlns:adec="http://schemas.microsoft.com/office/drawing/2017/decorative" val="1"/>
               </a:ext>
             </a:extLst>
           </p:cNvPr>
@@ -13680,7 +10256,7 @@
                 <a16:creationId xmlns:a16="http://schemas.microsoft.com/office/drawing/2014/main" id="{72E40AAF-9C56-4002-B55E-6A255814861C}"/>
               </a:ext>
               <a:ext uri="{C183D7F6-B498-43B3-948B-1728B52AA6E4}">
-                <adec:decorative xmlns:adec="http://schemas.microsoft.com/office/drawing/2017/decorative" xmlns="" val="1"/>
+                <adec:decorative xmlns:adec="http://schemas.microsoft.com/office/drawing/2017/decorative" val="1"/>
               </a:ext>
             </a:extLst>
           </p:cNvPr>
@@ -13724,7 +10300,7 @@
                 <a16:creationId xmlns:a16="http://schemas.microsoft.com/office/drawing/2014/main" id="{CF4F217F-0736-44C0-9047-DD52FCA2F2A4}"/>
               </a:ext>
               <a:ext uri="{C183D7F6-B498-43B3-948B-1728B52AA6E4}">
-                <adec:decorative xmlns:adec="http://schemas.microsoft.com/office/drawing/2017/decorative" xmlns="" val="1"/>
+                <adec:decorative xmlns:adec="http://schemas.microsoft.com/office/drawing/2017/decorative" val="1"/>
               </a:ext>
             </a:extLst>
           </p:cNvPr>
@@ -13768,7 +10344,7 @@
                 <a16:creationId xmlns:a16="http://schemas.microsoft.com/office/drawing/2014/main" id="{2DCB6E42-3037-40F7-A351-6B952A870339}"/>
               </a:ext>
               <a:ext uri="{C183D7F6-B498-43B3-948B-1728B52AA6E4}">
-                <adec:decorative xmlns:adec="http://schemas.microsoft.com/office/drawing/2017/decorative" xmlns="" val="1"/>
+                <adec:decorative xmlns:adec="http://schemas.microsoft.com/office/drawing/2017/decorative" val="1"/>
               </a:ext>
             </a:extLst>
           </p:cNvPr>
@@ -13856,7 +10432,7 @@
                 <a16:creationId xmlns:a16="http://schemas.microsoft.com/office/drawing/2014/main" id="{5D4C4D9B-8464-4F80-A369-88E6980D4BA0}"/>
               </a:ext>
               <a:ext uri="{C183D7F6-B498-43B3-948B-1728B52AA6E4}">
-                <adec:decorative xmlns:adec="http://schemas.microsoft.com/office/drawing/2017/decorative" xmlns="" val="1"/>
+                <adec:decorative xmlns:adec="http://schemas.microsoft.com/office/drawing/2017/decorative" val="1"/>
               </a:ext>
             </a:extLst>
           </p:cNvPr>
@@ -13919,7 +10495,7 @@
                 <a16:creationId xmlns:a16="http://schemas.microsoft.com/office/drawing/2014/main" id="{D5BA1A12-370B-43EB-B7BC-87A24667ABA2}"/>
               </a:ext>
               <a:ext uri="{C183D7F6-B498-43B3-948B-1728B52AA6E4}">
-                <adec:decorative xmlns:adec="http://schemas.microsoft.com/office/drawing/2017/decorative" xmlns="" val="1"/>
+                <adec:decorative xmlns:adec="http://schemas.microsoft.com/office/drawing/2017/decorative" val="1"/>
               </a:ext>
             </a:extLst>
           </p:cNvPr>
@@ -14271,7 +10847,7 @@
                 <a16:creationId xmlns:a16="http://schemas.microsoft.com/office/drawing/2014/main" id="{95DBBBEB-F8DF-4794-86A8-BD884F7E6794}"/>
               </a:ext>
               <a:ext uri="{C183D7F6-B498-43B3-948B-1728B52AA6E4}">
-                <adec:decorative xmlns:adec="http://schemas.microsoft.com/office/drawing/2017/decorative" xmlns="" val="1"/>
+                <adec:decorative xmlns:adec="http://schemas.microsoft.com/office/drawing/2017/decorative" val="1"/>
               </a:ext>
             </a:extLst>
           </p:cNvPr>
@@ -14540,17 +11116,127 @@
   <p:transition spd="slow">
     <p:push dir="u"/>
   </p:transition>
-  <p:timing>
-    <p:tnLst>
-      <p:par>
-        <p:cTn id="1" dur="indefinite" restart="never" nodeType="tmRoot"/>
-      </p:par>
-    </p:tnLst>
-  </p:timing>
 </p:sld>
 </file>
 
 <file path=ppt/slides/slide25.xml><?xml version="1.0" encoding="utf-8"?>
+<p:sld xmlns:a="http://schemas.openxmlformats.org/drawingml/2006/main" xmlns:r="http://schemas.openxmlformats.org/officeDocument/2006/relationships" xmlns:p="http://schemas.openxmlformats.org/presentationml/2006/main">
+  <p:cSld>
+    <p:spTree>
+      <p:nvGrpSpPr>
+        <p:cNvPr id="1" name=""/>
+        <p:cNvGrpSpPr/>
+        <p:nvPr/>
+      </p:nvGrpSpPr>
+      <p:grpSpPr>
+        <a:xfrm>
+          <a:off x="0" y="0"/>
+          <a:ext cx="0" cy="0"/>
+          <a:chOff x="0" y="0"/>
+          <a:chExt cx="0" cy="0"/>
+        </a:xfrm>
+      </p:grpSpPr>
+      <p:sp>
+        <p:nvSpPr>
+          <p:cNvPr id="2" name="Cím 1">
+            <a:extLst>
+              <a:ext uri="{FF2B5EF4-FFF2-40B4-BE49-F238E27FC236}">
+                <a16:creationId xmlns:a16="http://schemas.microsoft.com/office/drawing/2014/main" id="{D118F82C-61FD-7F62-5768-EDB93F506EF9}"/>
+              </a:ext>
+            </a:extLst>
+          </p:cNvPr>
+          <p:cNvSpPr>
+            <a:spLocks noGrp="1"/>
+          </p:cNvSpPr>
+          <p:nvPr>
+            <p:ph type="title"/>
+          </p:nvPr>
+        </p:nvSpPr>
+        <p:spPr/>
+        <p:txBody>
+          <a:bodyPr/>
+          <a:lstStyle/>
+          <a:p>
+            <a:r>
+              <a:rPr lang="hu-HU" dirty="0"/>
+              <a:t>PPP</a:t>
+            </a:r>
+          </a:p>
+        </p:txBody>
+      </p:sp>
+      <p:pic>
+        <p:nvPicPr>
+          <p:cNvPr id="4" name="Tartalom helye 3" descr="A képen szöveg, képernyőkép, Betűtípus látható&#10;&#10;Automatikusan generált leírás">
+            <a:extLst>
+              <a:ext uri="{FF2B5EF4-FFF2-40B4-BE49-F238E27FC236}">
+                <a16:creationId xmlns:a16="http://schemas.microsoft.com/office/drawing/2014/main" id="{8A7BBBC8-C573-DF2C-D39B-1A001C062689}"/>
+              </a:ext>
+            </a:extLst>
+          </p:cNvPr>
+          <p:cNvPicPr>
+            <a:picLocks noGrp="1" noChangeAspect="1"/>
+          </p:cNvPicPr>
+          <p:nvPr>
+            <p:ph idx="1"/>
+          </p:nvPr>
+        </p:nvPicPr>
+        <p:blipFill>
+          <a:blip r:embed="rId2"/>
+          <a:stretch>
+            <a:fillRect/>
+          </a:stretch>
+        </p:blipFill>
+        <p:spPr>
+          <a:xfrm>
+            <a:off x="6176657" y="2207559"/>
+            <a:ext cx="5019675" cy="2438400"/>
+          </a:xfrm>
+        </p:spPr>
+      </p:pic>
+      <p:pic>
+        <p:nvPicPr>
+          <p:cNvPr id="5" name="Kép 4" descr="A képen szöveg, diagram, képernyőkép, sor látható&#10;&#10;Automatikusan generált leírás">
+            <a:extLst>
+              <a:ext uri="{FF2B5EF4-FFF2-40B4-BE49-F238E27FC236}">
+                <a16:creationId xmlns:a16="http://schemas.microsoft.com/office/drawing/2014/main" id="{1B8E04BC-4DA6-8A22-5651-1163827EE02E}"/>
+              </a:ext>
+            </a:extLst>
+          </p:cNvPr>
+          <p:cNvPicPr>
+            <a:picLocks noChangeAspect="1"/>
+          </p:cNvPicPr>
+          <p:nvPr/>
+        </p:nvPicPr>
+        <p:blipFill>
+          <a:blip r:embed="rId3"/>
+          <a:stretch>
+            <a:fillRect/>
+          </a:stretch>
+        </p:blipFill>
+        <p:spPr>
+          <a:xfrm>
+            <a:off x="76200" y="1513118"/>
+            <a:ext cx="6096000" cy="4003214"/>
+          </a:xfrm>
+          <a:prstGeom prst="rect">
+            <a:avLst/>
+          </a:prstGeom>
+        </p:spPr>
+      </p:pic>
+    </p:spTree>
+    <p:extLst>
+      <p:ext uri="{BB962C8B-B14F-4D97-AF65-F5344CB8AC3E}">
+        <p14:creationId xmlns:p14="http://schemas.microsoft.com/office/powerpoint/2010/main" val="3618638592"/>
+      </p:ext>
+    </p:extLst>
+  </p:cSld>
+  <p:clrMapOvr>
+    <a:masterClrMapping/>
+  </p:clrMapOvr>
+</p:sld>
+</file>
+
+<file path=ppt/slides/slide26.xml><?xml version="1.0" encoding="utf-8"?>
 <p:sld xmlns:a="http://schemas.openxmlformats.org/drawingml/2006/main" xmlns:r="http://schemas.openxmlformats.org/officeDocument/2006/relationships" xmlns:p="http://schemas.openxmlformats.org/presentationml/2006/main">
   <p:cSld>
     <p:spTree>
@@ -14613,13 +11299,6 @@
   <p:transition spd="slow">
     <p:push dir="u"/>
   </p:transition>
-  <p:timing>
-    <p:tnLst>
-      <p:par>
-        <p:cTn id="1" dur="indefinite" restart="never" nodeType="tmRoot"/>
-      </p:par>
-    </p:tnLst>
-  </p:timing>
 </p:sld>
 </file>
 
@@ -14671,7 +11350,7 @@
                 <a16:creationId xmlns:a16="http://schemas.microsoft.com/office/drawing/2014/main" id="{C9134821-5D8B-4373-BA74-CFE9AB35A55A}"/>
               </a:ext>
               <a:ext uri="{C183D7F6-B498-43B3-948B-1728B52AA6E4}">
-                <adec:decorative xmlns:adec="http://schemas.microsoft.com/office/drawing/2017/decorative" xmlns="" val="1"/>
+                <adec:decorative xmlns:adec="http://schemas.microsoft.com/office/drawing/2017/decorative" val="1"/>
               </a:ext>
             </a:extLst>
           </p:cNvPr>
@@ -14715,7 +11394,7 @@
                 <a16:creationId xmlns:a16="http://schemas.microsoft.com/office/drawing/2014/main" id="{5965195F-79F5-4911-907D-13CB3F534351}"/>
               </a:ext>
               <a:ext uri="{C183D7F6-B498-43B3-948B-1728B52AA6E4}">
-                <adec:decorative xmlns:adec="http://schemas.microsoft.com/office/drawing/2017/decorative" xmlns="" val="1"/>
+                <adec:decorative xmlns:adec="http://schemas.microsoft.com/office/drawing/2017/decorative" val="1"/>
               </a:ext>
             </a:extLst>
           </p:cNvPr>
@@ -14759,7 +11438,7 @@
                 <a16:creationId xmlns:a16="http://schemas.microsoft.com/office/drawing/2014/main" id="{8A610DC7-FE1B-47B9-8452-CFC389786C2D}"/>
               </a:ext>
               <a:ext uri="{C183D7F6-B498-43B3-948B-1728B52AA6E4}">
-                <adec:decorative xmlns:adec="http://schemas.microsoft.com/office/drawing/2017/decorative" xmlns="" val="1"/>
+                <adec:decorative xmlns:adec="http://schemas.microsoft.com/office/drawing/2017/decorative" val="1"/>
               </a:ext>
             </a:extLst>
           </p:cNvPr>
@@ -14833,7 +11512,7 @@
                 <a16:creationId xmlns:a16="http://schemas.microsoft.com/office/drawing/2014/main" id="{2742ADC1-2286-40B7-A3C6-D6C3362FA04B}"/>
               </a:ext>
               <a:ext uri="{C183D7F6-B498-43B3-948B-1728B52AA6E4}">
-                <adec:decorative xmlns:adec="http://schemas.microsoft.com/office/drawing/2017/decorative" xmlns="" val="1"/>
+                <adec:decorative xmlns:adec="http://schemas.microsoft.com/office/drawing/2017/decorative" val="1"/>
               </a:ext>
             </a:extLst>
           </p:cNvPr>
@@ -14877,7 +11556,7 @@
                 <a16:creationId xmlns:a16="http://schemas.microsoft.com/office/drawing/2014/main" id="{C878FBDC-78F2-4D49-8DB3-1A48CA9F7FC0}"/>
               </a:ext>
               <a:ext uri="{C183D7F6-B498-43B3-948B-1728B52AA6E4}">
-                <adec:decorative xmlns:adec="http://schemas.microsoft.com/office/drawing/2017/decorative" xmlns="" val="1"/>
+                <adec:decorative xmlns:adec="http://schemas.microsoft.com/office/drawing/2017/decorative" val="1"/>
               </a:ext>
             </a:extLst>
           </p:cNvPr>
@@ -14921,7 +11600,7 @@
                 <a16:creationId xmlns:a16="http://schemas.microsoft.com/office/drawing/2014/main" id="{DC9A0934-0C2C-4565-9290-A345B19BD94C}"/>
               </a:ext>
               <a:ext uri="{C183D7F6-B498-43B3-948B-1728B52AA6E4}">
-                <adec:decorative xmlns:adec="http://schemas.microsoft.com/office/drawing/2017/decorative" xmlns="" val="1"/>
+                <adec:decorative xmlns:adec="http://schemas.microsoft.com/office/drawing/2017/decorative" val="1"/>
               </a:ext>
             </a:extLst>
           </p:cNvPr>
@@ -14974,7 +11653,7 @@
                 <a16:creationId xmlns:a16="http://schemas.microsoft.com/office/drawing/2014/main" id="{6B42653A-00F8-40F8-9BAA-AFDE65366F65}"/>
               </a:ext>
               <a:ext uri="{C183D7F6-B498-43B3-948B-1728B52AA6E4}">
-                <adec:decorative xmlns:adec="http://schemas.microsoft.com/office/drawing/2017/decorative" xmlns="" val="1"/>
+                <adec:decorative xmlns:adec="http://schemas.microsoft.com/office/drawing/2017/decorative" val="1"/>
               </a:ext>
             </a:extLst>
           </p:cNvPr>
@@ -15037,7 +11716,7 @@
                 <a16:creationId xmlns:a16="http://schemas.microsoft.com/office/drawing/2014/main" id="{5D85582E-5C24-4E50-94D0-EBDFCAF82A75}"/>
               </a:ext>
               <a:ext uri="{C183D7F6-B498-43B3-948B-1728B52AA6E4}">
-                <adec:decorative xmlns:adec="http://schemas.microsoft.com/office/drawing/2017/decorative" xmlns="" val="1"/>
+                <adec:decorative xmlns:adec="http://schemas.microsoft.com/office/drawing/2017/decorative" val="1"/>
               </a:ext>
             </a:extLst>
           </p:cNvPr>
@@ -15090,7 +11769,7 @@
                 <a16:creationId xmlns:a16="http://schemas.microsoft.com/office/drawing/2014/main" id="{D2CF7175-D926-4ED8-BF71-C9046B886DB7}"/>
               </a:ext>
               <a:ext uri="{C183D7F6-B498-43B3-948B-1728B52AA6E4}">
-                <adec:decorative xmlns:adec="http://schemas.microsoft.com/office/drawing/2017/decorative" xmlns="" val="1"/>
+                <adec:decorative xmlns:adec="http://schemas.microsoft.com/office/drawing/2017/decorative" val="1"/>
               </a:ext>
             </a:extLst>
           </p:cNvPr>
@@ -15454,7 +12133,7 @@
                 <a16:creationId xmlns:a16="http://schemas.microsoft.com/office/drawing/2014/main" id="{CE21D3E3-E417-4B15-9ACE-327E9B12B423}"/>
               </a:ext>
               <a:ext uri="{C183D7F6-B498-43B3-948B-1728B52AA6E4}">
-                <adec:decorative xmlns:adec="http://schemas.microsoft.com/office/drawing/2017/decorative" xmlns="" val="1"/>
+                <adec:decorative xmlns:adec="http://schemas.microsoft.com/office/drawing/2017/decorative" val="1"/>
               </a:ext>
             </a:extLst>
           </p:cNvPr>
@@ -15725,13 +12404,6 @@
   <p:transition spd="slow">
     <p:push dir="u"/>
   </p:transition>
-  <p:timing>
-    <p:tnLst>
-      <p:par>
-        <p:cTn id="1" dur="indefinite" restart="never" nodeType="tmRoot"/>
-      </p:par>
-    </p:tnLst>
-  </p:timing>
 </p:sld>
 </file>
 
@@ -15768,7 +12440,7 @@
                 <a16:creationId xmlns:a16="http://schemas.microsoft.com/office/drawing/2014/main" id="{81E3F4E1-B084-4FFF-9627-13782BE0BE4A}"/>
               </a:ext>
               <a:ext uri="{C183D7F6-B498-43B3-948B-1728B52AA6E4}">
-                <adec:decorative xmlns:adec="http://schemas.microsoft.com/office/drawing/2017/decorative" xmlns="" val="1"/>
+                <adec:decorative xmlns:adec="http://schemas.microsoft.com/office/drawing/2017/decorative" val="1"/>
               </a:ext>
             </a:extLst>
           </p:cNvPr>
@@ -15884,7 +12556,7 @@
                 <a16:creationId xmlns:a16="http://schemas.microsoft.com/office/drawing/2014/main" id="{1F8051AB-C2F8-461F-812A-3E58862141B3}"/>
               </a:ext>
               <a:ext uri="{C183D7F6-B498-43B3-948B-1728B52AA6E4}">
-                <adec:decorative xmlns:adec="http://schemas.microsoft.com/office/drawing/2017/decorative" xmlns="" val="1"/>
+                <adec:decorative xmlns:adec="http://schemas.microsoft.com/office/drawing/2017/decorative" val="1"/>
               </a:ext>
             </a:extLst>
           </p:cNvPr>
@@ -16376,7 +13048,7 @@
                 <a16:creationId xmlns:a16="http://schemas.microsoft.com/office/drawing/2014/main" id="{481E0C28-CB2F-425F-98C5-AF23B9B704DF}"/>
               </a:ext>
               <a:ext uri="{C183D7F6-B498-43B3-948B-1728B52AA6E4}">
-                <adec:decorative xmlns:adec="http://schemas.microsoft.com/office/drawing/2017/decorative" xmlns="" val="1"/>
+                <adec:decorative xmlns:adec="http://schemas.microsoft.com/office/drawing/2017/decorative" val="1"/>
               </a:ext>
             </a:extLst>
           </p:cNvPr>
@@ -16728,7 +13400,7 @@
                 <a16:creationId xmlns:a16="http://schemas.microsoft.com/office/drawing/2014/main" id="{2DB2879C-F0B1-4195-A323-E97B6065A78E}"/>
               </a:ext>
               <a:ext uri="{C183D7F6-B498-43B3-948B-1728B52AA6E4}">
-                <adec:decorative xmlns:adec="http://schemas.microsoft.com/office/drawing/2017/decorative" xmlns="" val="1"/>
+                <adec:decorative xmlns:adec="http://schemas.microsoft.com/office/drawing/2017/decorative" val="1"/>
               </a:ext>
             </a:extLst>
           </p:cNvPr>
@@ -16796,7 +13468,7 @@
         </p:nvGraphicFramePr>
         <p:xfrm>
           <a:off x="3418113" y="21771"/>
-          <a:ext cx="8256907" cy="6792078"/>
+          <a:ext cx="8256907" cy="6769472"/>
         </p:xfrm>
         <a:graphic>
           <a:graphicData uri="http://schemas.openxmlformats.org/drawingml/2006/table">
@@ -23240,13 +19912,6 @@
   <p:transition spd="slow">
     <p:push dir="u"/>
   </p:transition>
-  <p:timing>
-    <p:tnLst>
-      <p:par>
-        <p:cTn id="1" dur="indefinite" restart="never" nodeType="tmRoot"/>
-      </p:par>
-    </p:tnLst>
-  </p:timing>
 </p:sld>
 </file>
 
@@ -23323,7 +19988,7 @@
         </p:nvGraphicFramePr>
         <p:xfrm>
           <a:off x="990600" y="2611845"/>
-          <a:ext cx="9808110" cy="2946273"/>
+          <a:ext cx="9808110" cy="2870772"/>
         </p:xfrm>
         <a:graphic>
           <a:graphicData uri="http://schemas.openxmlformats.org/drawingml/2006/table">
@@ -24212,13 +20877,6 @@
   <p:transition spd="slow">
     <p:push dir="u"/>
   </p:transition>
-  <p:timing>
-    <p:tnLst>
-      <p:par>
-        <p:cTn id="1" dur="indefinite" restart="never" nodeType="tmRoot"/>
-      </p:par>
-    </p:tnLst>
-  </p:timing>
 </p:sld>
 </file>
 
@@ -24583,13 +21241,6 @@
   <p:transition spd="slow">
     <p:push dir="u"/>
   </p:transition>
-  <p:timing>
-    <p:tnLst>
-      <p:par>
-        <p:cTn id="1" dur="indefinite" restart="never" nodeType="tmRoot"/>
-      </p:par>
-    </p:tnLst>
-  </p:timing>
 </p:sld>
 </file>
 
@@ -24720,13 +21371,6 @@
   <p:transition spd="slow">
     <p:push dir="u"/>
   </p:transition>
-  <p:timing>
-    <p:tnLst>
-      <p:par>
-        <p:cTn id="1" dur="indefinite" restart="never" nodeType="tmRoot"/>
-      </p:par>
-    </p:tnLst>
-  </p:timing>
 </p:sld>
 </file>
 
@@ -25001,13 +21645,6 @@
   <p:transition spd="slow">
     <p:push dir="u"/>
   </p:transition>
-  <p:timing>
-    <p:tnLst>
-      <p:par>
-        <p:cTn id="1" dur="indefinite" restart="never" nodeType="tmRoot"/>
-      </p:par>
-    </p:tnLst>
-  </p:timing>
 </p:sld>
 </file>
 
@@ -25059,7 +21696,7 @@
                 <a16:creationId xmlns:a16="http://schemas.microsoft.com/office/drawing/2014/main" id="{C9134821-5D8B-4373-BA74-CFE9AB35A55A}"/>
               </a:ext>
               <a:ext uri="{C183D7F6-B498-43B3-948B-1728B52AA6E4}">
-                <adec:decorative xmlns:adec="http://schemas.microsoft.com/office/drawing/2017/decorative" xmlns="" val="1"/>
+                <adec:decorative xmlns:adec="http://schemas.microsoft.com/office/drawing/2017/decorative" val="1"/>
               </a:ext>
             </a:extLst>
           </p:cNvPr>
@@ -25103,7 +21740,7 @@
                 <a16:creationId xmlns:a16="http://schemas.microsoft.com/office/drawing/2014/main" id="{5965195F-79F5-4911-907D-13CB3F534351}"/>
               </a:ext>
               <a:ext uri="{C183D7F6-B498-43B3-948B-1728B52AA6E4}">
-                <adec:decorative xmlns:adec="http://schemas.microsoft.com/office/drawing/2017/decorative" xmlns="" val="1"/>
+                <adec:decorative xmlns:adec="http://schemas.microsoft.com/office/drawing/2017/decorative" val="1"/>
               </a:ext>
             </a:extLst>
           </p:cNvPr>
@@ -25147,7 +21784,7 @@
                 <a16:creationId xmlns:a16="http://schemas.microsoft.com/office/drawing/2014/main" id="{8A610DC7-FE1B-47B9-8452-CFC389786C2D}"/>
               </a:ext>
               <a:ext uri="{C183D7F6-B498-43B3-948B-1728B52AA6E4}">
-                <adec:decorative xmlns:adec="http://schemas.microsoft.com/office/drawing/2017/decorative" xmlns="" val="1"/>
+                <adec:decorative xmlns:adec="http://schemas.microsoft.com/office/drawing/2017/decorative" val="1"/>
               </a:ext>
             </a:extLst>
           </p:cNvPr>
@@ -25221,7 +21858,7 @@
                 <a16:creationId xmlns:a16="http://schemas.microsoft.com/office/drawing/2014/main" id="{2742ADC1-2286-40B7-A3C6-D6C3362FA04B}"/>
               </a:ext>
               <a:ext uri="{C183D7F6-B498-43B3-948B-1728B52AA6E4}">
-                <adec:decorative xmlns:adec="http://schemas.microsoft.com/office/drawing/2017/decorative" xmlns="" val="1"/>
+                <adec:decorative xmlns:adec="http://schemas.microsoft.com/office/drawing/2017/decorative" val="1"/>
               </a:ext>
             </a:extLst>
           </p:cNvPr>
@@ -25265,7 +21902,7 @@
                 <a16:creationId xmlns:a16="http://schemas.microsoft.com/office/drawing/2014/main" id="{C878FBDC-78F2-4D49-8DB3-1A48CA9F7FC0}"/>
               </a:ext>
               <a:ext uri="{C183D7F6-B498-43B3-948B-1728B52AA6E4}">
-                <adec:decorative xmlns:adec="http://schemas.microsoft.com/office/drawing/2017/decorative" xmlns="" val="1"/>
+                <adec:decorative xmlns:adec="http://schemas.microsoft.com/office/drawing/2017/decorative" val="1"/>
               </a:ext>
             </a:extLst>
           </p:cNvPr>
@@ -25309,7 +21946,7 @@
                 <a16:creationId xmlns:a16="http://schemas.microsoft.com/office/drawing/2014/main" id="{DC9A0934-0C2C-4565-9290-A345B19BD94C}"/>
               </a:ext>
               <a:ext uri="{C183D7F6-B498-43B3-948B-1728B52AA6E4}">
-                <adec:decorative xmlns:adec="http://schemas.microsoft.com/office/drawing/2017/decorative" xmlns="" val="1"/>
+                <adec:decorative xmlns:adec="http://schemas.microsoft.com/office/drawing/2017/decorative" val="1"/>
               </a:ext>
             </a:extLst>
           </p:cNvPr>
@@ -25362,7 +21999,7 @@
                 <a16:creationId xmlns:a16="http://schemas.microsoft.com/office/drawing/2014/main" id="{0D4359AF-7256-4C60-9759-E796CFF40077}"/>
               </a:ext>
               <a:ext uri="{C183D7F6-B498-43B3-948B-1728B52AA6E4}">
-                <adec:decorative xmlns:adec="http://schemas.microsoft.com/office/drawing/2017/decorative" xmlns="" val="1"/>
+                <adec:decorative xmlns:adec="http://schemas.microsoft.com/office/drawing/2017/decorative" val="1"/>
               </a:ext>
             </a:extLst>
           </p:cNvPr>
@@ -25425,7 +22062,7 @@
                 <a16:creationId xmlns:a16="http://schemas.microsoft.com/office/drawing/2014/main" id="{340782AB-F63E-4996-ACC3-9F141BEAD44A}"/>
               </a:ext>
               <a:ext uri="{C183D7F6-B498-43B3-948B-1728B52AA6E4}">
-                <adec:decorative xmlns:adec="http://schemas.microsoft.com/office/drawing/2017/decorative" xmlns="" val="1"/>
+                <adec:decorative xmlns:adec="http://schemas.microsoft.com/office/drawing/2017/decorative" val="1"/>
               </a:ext>
             </a:extLst>
           </p:cNvPr>
@@ -25478,7 +22115,7 @@
                 <a16:creationId xmlns:a16="http://schemas.microsoft.com/office/drawing/2014/main" id="{EFF73443-A1E0-4E5D-8332-FD14F242237B}"/>
               </a:ext>
               <a:ext uri="{C183D7F6-B498-43B3-948B-1728B52AA6E4}">
-                <adec:decorative xmlns:adec="http://schemas.microsoft.com/office/drawing/2017/decorative" xmlns="" val="1"/>
+                <adec:decorative xmlns:adec="http://schemas.microsoft.com/office/drawing/2017/decorative" val="1"/>
               </a:ext>
             </a:extLst>
           </p:cNvPr>
@@ -25842,7 +22479,7 @@
                 <a16:creationId xmlns:a16="http://schemas.microsoft.com/office/drawing/2014/main" id="{8F9D937A-C73E-4D45-976D-91588160770F}"/>
               </a:ext>
               <a:ext uri="{C183D7F6-B498-43B3-948B-1728B52AA6E4}">
-                <adec:decorative xmlns:adec="http://schemas.microsoft.com/office/drawing/2017/decorative" xmlns="" val="1"/>
+                <adec:decorative xmlns:adec="http://schemas.microsoft.com/office/drawing/2017/decorative" val="1"/>
               </a:ext>
             </a:extLst>
           </p:cNvPr>
@@ -25902,7 +22539,7 @@
                 <a16:creationId xmlns:a16="http://schemas.microsoft.com/office/drawing/2014/main" id="{90681C35-61CA-4FDB-8327-1EFEC0462DC2}"/>
               </a:ext>
               <a:ext uri="{C183D7F6-B498-43B3-948B-1728B52AA6E4}">
-                <adec:decorative xmlns:adec="http://schemas.microsoft.com/office/drawing/2017/decorative" xmlns="" val="1"/>
+                <adec:decorative xmlns:adec="http://schemas.microsoft.com/office/drawing/2017/decorative" val="1"/>
               </a:ext>
             </a:extLst>
           </p:cNvPr>
@@ -26184,13 +22821,6 @@
   <p:transition spd="slow">
     <p:push dir="u"/>
   </p:transition>
-  <p:timing>
-    <p:tnLst>
-      <p:par>
-        <p:cTn id="1" dur="indefinite" restart="never" nodeType="tmRoot"/>
-      </p:par>
-    </p:tnLst>
-  </p:timing>
 </p:sld>
 </file>
 

--- a/Tacos KFT.pptx
+++ b/Tacos KFT.pptx
@@ -329,7 +329,7 @@
           <a:p>
             <a:fld id="{4AAD347D-5ACD-4C99-B74B-A9C85AD731AF}" type="datetimeFigureOut">
               <a:rPr lang="en-US" dirty="0"/>
-              <a:t>1/12/2025</a:t>
+              <a:t>2/7/2025</a:t>
             </a:fld>
             <a:endParaRPr lang="en-US" dirty="0"/>
           </a:p>
@@ -599,7 +599,7 @@
           <a:p>
             <a:fld id="{4509A250-FF31-4206-8172-F9D3106AACB1}" type="datetimeFigureOut">
               <a:rPr lang="en-US" dirty="0"/>
-              <a:t>1/12/2025</a:t>
+              <a:t>2/7/2025</a:t>
             </a:fld>
             <a:endParaRPr lang="en-US" dirty="0"/>
           </a:p>
@@ -792,7 +792,7 @@
           <a:p>
             <a:fld id="{4509A250-FF31-4206-8172-F9D3106AACB1}" type="datetimeFigureOut">
               <a:rPr lang="en-US" dirty="0"/>
-              <a:t>1/12/2025</a:t>
+              <a:t>2/7/2025</a:t>
             </a:fld>
             <a:endParaRPr lang="en-US" dirty="0"/>
           </a:p>
@@ -1062,7 +1062,7 @@
           <a:p>
             <a:fld id="{4509A250-FF31-4206-8172-F9D3106AACB1}" type="datetimeFigureOut">
               <a:rPr lang="en-US" dirty="0"/>
-              <a:t>1/12/2025</a:t>
+              <a:t>2/7/2025</a:t>
             </a:fld>
             <a:endParaRPr lang="en-US" dirty="0"/>
           </a:p>
@@ -1388,7 +1388,7 @@
           <a:p>
             <a:fld id="{4509A250-FF31-4206-8172-F9D3106AACB1}" type="datetimeFigureOut">
               <a:rPr lang="en-US" dirty="0"/>
-              <a:t>1/12/2025</a:t>
+              <a:t>2/7/2025</a:t>
             </a:fld>
             <a:endParaRPr lang="en-US" dirty="0"/>
           </a:p>
@@ -2006,7 +2006,7 @@
           <a:p>
             <a:fld id="{4509A250-FF31-4206-8172-F9D3106AACB1}" type="datetimeFigureOut">
               <a:rPr lang="en-US" dirty="0"/>
-              <a:t>1/12/2025</a:t>
+              <a:t>2/7/2025</a:t>
             </a:fld>
             <a:endParaRPr lang="en-US" dirty="0"/>
           </a:p>
@@ -2840,7 +2840,7 @@
           <a:p>
             <a:fld id="{4509A250-FF31-4206-8172-F9D3106AACB1}" type="datetimeFigureOut">
               <a:rPr lang="en-US" dirty="0"/>
-              <a:t>1/12/2025</a:t>
+              <a:t>2/7/2025</a:t>
             </a:fld>
             <a:endParaRPr lang="en-US" dirty="0"/>
           </a:p>
@@ -3008,7 +3008,7 @@
           <a:p>
             <a:fld id="{4509A250-FF31-4206-8172-F9D3106AACB1}" type="datetimeFigureOut">
               <a:rPr lang="en-US" dirty="0"/>
-              <a:t>1/12/2025</a:t>
+              <a:t>2/7/2025</a:t>
             </a:fld>
             <a:endParaRPr lang="en-US" dirty="0"/>
           </a:p>
@@ -3186,7 +3186,7 @@
           <a:p>
             <a:fld id="{4509A250-FF31-4206-8172-F9D3106AACB1}" type="datetimeFigureOut">
               <a:rPr lang="en-US" dirty="0"/>
-              <a:t>1/12/2025</a:t>
+              <a:t>2/7/2025</a:t>
             </a:fld>
             <a:endParaRPr lang="en-US" dirty="0"/>
           </a:p>
@@ -3354,7 +3354,7 @@
           <a:p>
             <a:fld id="{9796027F-7875-4030-9381-8BD8C4F21935}" type="datetimeFigureOut">
               <a:rPr lang="en-US" dirty="0"/>
-              <a:t>1/12/2025</a:t>
+              <a:t>2/7/2025</a:t>
             </a:fld>
             <a:endParaRPr lang="en-US" dirty="0"/>
           </a:p>
@@ -3600,7 +3600,7 @@
           <a:p>
             <a:fld id="{9796027F-7875-4030-9381-8BD8C4F21935}" type="datetimeFigureOut">
               <a:rPr lang="en-US" dirty="0"/>
-              <a:t>1/12/2025</a:t>
+              <a:t>2/7/2025</a:t>
             </a:fld>
             <a:endParaRPr lang="en-US" dirty="0"/>
           </a:p>
@@ -3889,7 +3889,7 @@
           <a:p>
             <a:fld id="{9796027F-7875-4030-9381-8BD8C4F21935}" type="datetimeFigureOut">
               <a:rPr lang="en-US" dirty="0"/>
-              <a:t>1/12/2025</a:t>
+              <a:t>2/7/2025</a:t>
             </a:fld>
             <a:endParaRPr lang="en-US" dirty="0"/>
           </a:p>
@@ -4330,7 +4330,7 @@
           <a:p>
             <a:fld id="{9796027F-7875-4030-9381-8BD8C4F21935}" type="datetimeFigureOut">
               <a:rPr lang="en-US" dirty="0"/>
-              <a:t>1/12/2025</a:t>
+              <a:t>2/7/2025</a:t>
             </a:fld>
             <a:endParaRPr lang="en-US" dirty="0"/>
           </a:p>
@@ -4447,7 +4447,7 @@
           <a:p>
             <a:fld id="{4509A250-FF31-4206-8172-F9D3106AACB1}" type="datetimeFigureOut">
               <a:rPr lang="en-US" dirty="0"/>
-              <a:t>1/12/2025</a:t>
+              <a:t>2/7/2025</a:t>
             </a:fld>
             <a:endParaRPr lang="en-US" dirty="0"/>
           </a:p>
@@ -4542,7 +4542,7 @@
           <a:p>
             <a:fld id="{4509A250-FF31-4206-8172-F9D3106AACB1}" type="datetimeFigureOut">
               <a:rPr lang="en-US" dirty="0"/>
-              <a:t>1/12/2025</a:t>
+              <a:t>2/7/2025</a:t>
             </a:fld>
             <a:endParaRPr lang="en-US" dirty="0"/>
           </a:p>
@@ -4819,7 +4819,7 @@
           <a:p>
             <a:fld id="{4509A250-FF31-4206-8172-F9D3106AACB1}" type="datetimeFigureOut">
               <a:rPr lang="en-US" dirty="0"/>
-              <a:t>1/12/2025</a:t>
+              <a:t>2/7/2025</a:t>
             </a:fld>
             <a:endParaRPr lang="en-US" dirty="0"/>
           </a:p>
@@ -5089,7 +5089,7 @@
           <a:p>
             <a:fld id="{4509A250-FF31-4206-8172-F9D3106AACB1}" type="datetimeFigureOut">
               <a:rPr lang="en-US" dirty="0"/>
-              <a:t>1/12/2025</a:t>
+              <a:t>2/7/2025</a:t>
             </a:fld>
             <a:endParaRPr lang="en-US" dirty="0"/>
           </a:p>
@@ -5510,7 +5510,7 @@
           <a:p>
             <a:fld id="{4AAD347D-5ACD-4C99-B74B-A9C85AD731AF}" type="datetimeFigureOut">
               <a:rPr lang="en-US" dirty="0"/>
-              <a:t>1/12/2025</a:t>
+              <a:t>2/7/2025</a:t>
             </a:fld>
             <a:endParaRPr lang="en-US" dirty="0"/>
           </a:p>
@@ -6369,77 +6369,6 @@
           </a:p>
         </p:txBody>
       </p:sp>
-      <p:pic>
-        <p:nvPicPr>
-          <p:cNvPr id="7" name="Content Placeholder 6" descr="A screenshot of a computer program">
-            <a:extLst>
-              <a:ext uri="{FF2B5EF4-FFF2-40B4-BE49-F238E27FC236}">
-                <a16:creationId xmlns:a16="http://schemas.microsoft.com/office/drawing/2014/main" id="{E3E8D5D8-96BA-2322-E5EC-0CF36C95F856}"/>
-              </a:ext>
-            </a:extLst>
-          </p:cNvPr>
-          <p:cNvPicPr>
-            <a:picLocks noGrp="1" noChangeAspect="1"/>
-          </p:cNvPicPr>
-          <p:nvPr>
-            <p:ph idx="1"/>
-          </p:nvPr>
-        </p:nvPicPr>
-        <p:blipFill>
-          <a:blip r:embed="rId2">
-            <a:extLst>
-              <a:ext uri="{28A0092B-C50C-407E-A947-70E740481C1C}">
-                <a14:useLocalDpi xmlns:a14="http://schemas.microsoft.com/office/drawing/2010/main" val="0"/>
-              </a:ext>
-            </a:extLst>
-          </a:blip>
-          <a:stretch>
-            <a:fillRect/>
-          </a:stretch>
-        </p:blipFill>
-        <p:spPr>
-          <a:xfrm>
-            <a:off x="2817" y="2591781"/>
-            <a:ext cx="5369942" cy="2049926"/>
-          </a:xfrm>
-        </p:spPr>
-      </p:pic>
-      <p:pic>
-        <p:nvPicPr>
-          <p:cNvPr id="9" name="Picture 8" descr="A computer screen shot of a number">
-            <a:extLst>
-              <a:ext uri="{FF2B5EF4-FFF2-40B4-BE49-F238E27FC236}">
-                <a16:creationId xmlns:a16="http://schemas.microsoft.com/office/drawing/2014/main" id="{26932762-2226-04CE-8F1E-733E04BAF7F0}"/>
-              </a:ext>
-            </a:extLst>
-          </p:cNvPr>
-          <p:cNvPicPr>
-            <a:picLocks noChangeAspect="1"/>
-          </p:cNvPicPr>
-          <p:nvPr/>
-        </p:nvPicPr>
-        <p:blipFill>
-          <a:blip r:embed="rId3">
-            <a:extLst>
-              <a:ext uri="{28A0092B-C50C-407E-A947-70E740481C1C}">
-                <a14:useLocalDpi xmlns:a14="http://schemas.microsoft.com/office/drawing/2010/main" val="0"/>
-              </a:ext>
-            </a:extLst>
-          </a:blip>
-          <a:stretch>
-            <a:fillRect/>
-          </a:stretch>
-        </p:blipFill>
-        <p:spPr>
-          <a:xfrm>
-            <a:off x="6670359" y="2642581"/>
-            <a:ext cx="5749248" cy="1938166"/>
-          </a:xfrm>
-          <a:prstGeom prst="rect">
-            <a:avLst/>
-          </a:prstGeom>
-        </p:spPr>
-      </p:pic>
       <p:sp>
         <p:nvSpPr>
           <p:cNvPr id="10" name="TextBox 9">
@@ -6454,7 +6383,7 @@
         </p:nvSpPr>
         <p:spPr>
           <a:xfrm>
-            <a:off x="963329" y="1842390"/>
+            <a:off x="1773227" y="1842390"/>
             <a:ext cx="3358836" cy="584775"/>
           </a:xfrm>
           <a:prstGeom prst="rect">
@@ -6489,7 +6418,7 @@
         </p:nvSpPr>
         <p:spPr>
           <a:xfrm>
-            <a:off x="7451345" y="1851824"/>
+            <a:off x="7808397" y="1842390"/>
             <a:ext cx="2933323" cy="584775"/>
           </a:xfrm>
           <a:prstGeom prst="rect">
@@ -6512,28 +6441,57 @@
       </p:sp>
       <p:pic>
         <p:nvPicPr>
-          <p:cNvPr id="3" name="Kép 2" descr="A képen szöveg, képernyőkép, Betűtípus, embléma látható&#10;&#10;Automatikusan generált leírás">
+          <p:cNvPr id="5" name="Tartalom helye 4"/>
+          <p:cNvPicPr>
+            <a:picLocks noGrp="1" noChangeAspect="1"/>
+          </p:cNvPicPr>
+          <p:nvPr>
+            <p:ph idx="1"/>
+          </p:nvPr>
+        </p:nvPicPr>
+        <p:blipFill>
+          <a:blip r:embed="rId2">
             <a:extLst>
-              <a:ext uri="{FF2B5EF4-FFF2-40B4-BE49-F238E27FC236}">
-                <a16:creationId xmlns:a16="http://schemas.microsoft.com/office/drawing/2014/main" id="{C37D69C8-EAE0-51B6-E141-4B21A936A03E}"/>
+              <a:ext uri="{28A0092B-C50C-407E-A947-70E740481C1C}">
+                <a14:useLocalDpi xmlns:a14="http://schemas.microsoft.com/office/drawing/2010/main" val="0"/>
               </a:ext>
             </a:extLst>
-          </p:cNvPr>
+          </a:blip>
+          <a:stretch>
+            <a:fillRect/>
+          </a:stretch>
+        </p:blipFill>
+        <p:spPr>
+          <a:xfrm>
+            <a:off x="747690" y="2546786"/>
+            <a:ext cx="4264503" cy="4036047"/>
+          </a:xfrm>
+        </p:spPr>
+      </p:pic>
+      <p:pic>
+        <p:nvPicPr>
+          <p:cNvPr id="6" name="Kép 5"/>
           <p:cNvPicPr>
             <a:picLocks noChangeAspect="1"/>
           </p:cNvPicPr>
           <p:nvPr/>
         </p:nvPicPr>
         <p:blipFill>
-          <a:blip r:embed="rId4"/>
+          <a:blip r:embed="rId3">
+            <a:extLst>
+              <a:ext uri="{28A0092B-C50C-407E-A947-70E740481C1C}">
+                <a14:useLocalDpi xmlns:a14="http://schemas.microsoft.com/office/drawing/2010/main" val="0"/>
+              </a:ext>
+            </a:extLst>
+          </a:blip>
           <a:stretch>
             <a:fillRect/>
           </a:stretch>
         </p:blipFill>
         <p:spPr>
           <a:xfrm>
-            <a:off x="4973955" y="1719580"/>
-            <a:ext cx="1695450" cy="3886200"/>
+            <a:off x="6765217" y="2546786"/>
+            <a:ext cx="4305577" cy="4036047"/>
           </a:xfrm>
           <a:prstGeom prst="rect">
             <a:avLst/>
@@ -6638,13 +6596,37 @@
       </p:sp>
       <p:pic>
         <p:nvPicPr>
-          <p:cNvPr id="5" name="Content Placeholder 4">
+          <p:cNvPr id="6" name="Kép 5"/>
+          <p:cNvPicPr>
+            <a:picLocks noChangeAspect="1"/>
+          </p:cNvPicPr>
+          <p:nvPr/>
+        </p:nvPicPr>
+        <p:blipFill>
+          <a:blip r:embed="rId3">
             <a:extLst>
-              <a:ext uri="{FF2B5EF4-FFF2-40B4-BE49-F238E27FC236}">
-                <a16:creationId xmlns:a16="http://schemas.microsoft.com/office/drawing/2014/main" id="{777E1E84-5CD2-F4EA-B613-369956660E14}"/>
+              <a:ext uri="{28A0092B-C50C-407E-A947-70E740481C1C}">
+                <a14:useLocalDpi xmlns:a14="http://schemas.microsoft.com/office/drawing/2010/main" val="0"/>
               </a:ext>
             </a:extLst>
-          </p:cNvPr>
+          </a:blip>
+          <a:stretch>
+            <a:fillRect/>
+          </a:stretch>
+        </p:blipFill>
+        <p:spPr>
+          <a:xfrm>
+            <a:off x="726520" y="765182"/>
+            <a:ext cx="3636474" cy="2866530"/>
+          </a:xfrm>
+          <a:prstGeom prst="rect">
+            <a:avLst/>
+          </a:prstGeom>
+        </p:spPr>
+      </p:pic>
+      <p:pic>
+        <p:nvPicPr>
+          <p:cNvPr id="11" name="Tartalom helye 10"/>
           <p:cNvPicPr>
             <a:picLocks noGrp="1" noChangeAspect="1"/>
           </p:cNvPicPr>
@@ -6653,177 +6635,112 @@
           </p:nvPr>
         </p:nvPicPr>
         <p:blipFill>
-          <a:blip r:embed="rId3"/>
-          <a:srcRect t="13217" r="-1" b="12253"/>
-          <a:stretch/>
+          <a:blip r:embed="rId4">
+            <a:extLst>
+              <a:ext uri="{28A0092B-C50C-407E-A947-70E740481C1C}">
+                <a14:useLocalDpi xmlns:a14="http://schemas.microsoft.com/office/drawing/2010/main" val="0"/>
+              </a:ext>
+            </a:extLst>
+          </a:blip>
+          <a:stretch>
+            <a:fillRect/>
+          </a:stretch>
         </p:blipFill>
         <p:spPr>
           <a:xfrm>
-            <a:off x="1" y="-5"/>
-            <a:ext cx="12191695" cy="5020241"/>
+            <a:off x="5156499" y="965314"/>
+            <a:ext cx="4671465" cy="1158340"/>
           </a:xfrm>
-          <a:custGeom>
+        </p:spPr>
+      </p:pic>
+      <p:pic>
+        <p:nvPicPr>
+          <p:cNvPr id="12" name="Kép 11"/>
+          <p:cNvPicPr>
+            <a:picLocks noChangeAspect="1"/>
+          </p:cNvPicPr>
+          <p:nvPr/>
+        </p:nvPicPr>
+        <p:blipFill>
+          <a:blip r:embed="rId5">
+            <a:extLst>
+              <a:ext uri="{28A0092B-C50C-407E-A947-70E740481C1C}">
+                <a14:useLocalDpi xmlns:a14="http://schemas.microsoft.com/office/drawing/2010/main" val="0"/>
+              </a:ext>
+            </a:extLst>
+          </a:blip>
+          <a:stretch>
+            <a:fillRect/>
+          </a:stretch>
+        </p:blipFill>
+        <p:spPr>
+          <a:xfrm>
+            <a:off x="2335751" y="4569048"/>
+            <a:ext cx="4633362" cy="1455546"/>
+          </a:xfrm>
+          <a:prstGeom prst="rect">
             <a:avLst/>
-            <a:gdLst/>
-            <a:ahLst/>
-            <a:cxnLst/>
-            <a:rect l="l" t="t" r="r" b="b"/>
-            <a:pathLst>
-              <a:path w="12191695" h="5020241">
-                <a:moveTo>
-                  <a:pt x="0" y="0"/>
-                </a:moveTo>
-                <a:lnTo>
-                  <a:pt x="12191695" y="0"/>
-                </a:lnTo>
-                <a:lnTo>
-                  <a:pt x="12191695" y="4057991"/>
-                </a:lnTo>
-                <a:lnTo>
-                  <a:pt x="11914945" y="4110187"/>
-                </a:lnTo>
-                <a:lnTo>
-                  <a:pt x="11639412" y="4159931"/>
-                </a:lnTo>
-                <a:lnTo>
-                  <a:pt x="11362661" y="4208624"/>
-                </a:lnTo>
-                <a:lnTo>
-                  <a:pt x="11084690" y="4250310"/>
-                </a:lnTo>
-                <a:lnTo>
-                  <a:pt x="10807939" y="4292347"/>
-                </a:lnTo>
-                <a:lnTo>
-                  <a:pt x="10529968" y="4331582"/>
-                </a:lnTo>
-                <a:lnTo>
-                  <a:pt x="10255655" y="4365211"/>
-                </a:lnTo>
-                <a:lnTo>
-                  <a:pt x="9977684" y="4397089"/>
-                </a:lnTo>
-                <a:lnTo>
-                  <a:pt x="9700933" y="4426165"/>
-                </a:lnTo>
-                <a:lnTo>
-                  <a:pt x="9429058" y="4451387"/>
-                </a:lnTo>
-                <a:lnTo>
-                  <a:pt x="9153526" y="4476609"/>
-                </a:lnTo>
-                <a:lnTo>
-                  <a:pt x="8881651" y="4497628"/>
-                </a:lnTo>
-                <a:lnTo>
-                  <a:pt x="8609776" y="4514092"/>
-                </a:lnTo>
-                <a:lnTo>
-                  <a:pt x="8339121" y="4531258"/>
-                </a:lnTo>
-                <a:lnTo>
-                  <a:pt x="8070903" y="4545620"/>
-                </a:lnTo>
-                <a:lnTo>
-                  <a:pt x="7805124" y="4555779"/>
-                </a:lnTo>
-                <a:lnTo>
-                  <a:pt x="7539345" y="4564537"/>
-                </a:lnTo>
-                <a:lnTo>
-                  <a:pt x="7276005" y="4572944"/>
-                </a:lnTo>
-                <a:lnTo>
-                  <a:pt x="7016322" y="4576798"/>
-                </a:lnTo>
-                <a:lnTo>
-                  <a:pt x="6756639" y="4581001"/>
-                </a:lnTo>
-                <a:lnTo>
-                  <a:pt x="6500613" y="4583103"/>
-                </a:lnTo>
-                <a:lnTo>
-                  <a:pt x="6247026" y="4581001"/>
-                </a:lnTo>
-                <a:lnTo>
-                  <a:pt x="5995877" y="4581001"/>
-                </a:lnTo>
-                <a:lnTo>
-                  <a:pt x="5747167" y="4576798"/>
-                </a:lnTo>
-                <a:lnTo>
-                  <a:pt x="5503333" y="4570492"/>
-                </a:lnTo>
-                <a:lnTo>
-                  <a:pt x="5261938" y="4564537"/>
-                </a:lnTo>
-                <a:lnTo>
-                  <a:pt x="5025418" y="4557881"/>
-                </a:lnTo>
-                <a:lnTo>
-                  <a:pt x="4790118" y="4547722"/>
-                </a:lnTo>
-                <a:lnTo>
-                  <a:pt x="4558477" y="4536862"/>
-                </a:lnTo>
-                <a:lnTo>
-                  <a:pt x="4331710" y="4527054"/>
-                </a:lnTo>
-                <a:lnTo>
-                  <a:pt x="3889152" y="4499379"/>
-                </a:lnTo>
-                <a:lnTo>
-                  <a:pt x="3464881" y="4469954"/>
-                </a:lnTo>
-                <a:lnTo>
-                  <a:pt x="3057678" y="4439126"/>
-                </a:lnTo>
-                <a:lnTo>
-                  <a:pt x="2672421" y="4405147"/>
-                </a:lnTo>
-                <a:lnTo>
-                  <a:pt x="2304232" y="4369765"/>
-                </a:lnTo>
-                <a:lnTo>
-                  <a:pt x="1962864" y="4331582"/>
-                </a:lnTo>
-                <a:lnTo>
-                  <a:pt x="1642223" y="4294099"/>
-                </a:lnTo>
-                <a:lnTo>
-                  <a:pt x="1347183" y="4256616"/>
-                </a:lnTo>
-                <a:lnTo>
-                  <a:pt x="1076528" y="4221235"/>
-                </a:lnTo>
-                <a:lnTo>
-                  <a:pt x="836351" y="4187605"/>
-                </a:lnTo>
-                <a:lnTo>
-                  <a:pt x="619339" y="4155727"/>
-                </a:lnTo>
-                <a:lnTo>
-                  <a:pt x="436464" y="4129104"/>
-                </a:lnTo>
-                <a:lnTo>
-                  <a:pt x="282848" y="4103881"/>
-                </a:lnTo>
-                <a:lnTo>
-                  <a:pt x="71932" y="4067800"/>
-                </a:lnTo>
-                <a:lnTo>
-                  <a:pt x="1" y="4055539"/>
-                </a:lnTo>
-                <a:lnTo>
-                  <a:pt x="1" y="5020241"/>
-                </a:lnTo>
-                <a:lnTo>
-                  <a:pt x="0" y="5020241"/>
-                </a:lnTo>
-                <a:close/>
-              </a:path>
-            </a:pathLst>
-          </a:custGeom>
+          </a:prstGeom>
+        </p:spPr>
+      </p:pic>
+      <p:pic>
+        <p:nvPicPr>
+          <p:cNvPr id="13" name="Kép 12"/>
+          <p:cNvPicPr>
+            <a:picLocks noChangeAspect="1"/>
+          </p:cNvPicPr>
+          <p:nvPr/>
+        </p:nvPicPr>
+        <p:blipFill>
+          <a:blip r:embed="rId6">
+            <a:extLst>
+              <a:ext uri="{28A0092B-C50C-407E-A947-70E740481C1C}">
+                <a14:useLocalDpi xmlns:a14="http://schemas.microsoft.com/office/drawing/2010/main" val="0"/>
+              </a:ext>
+            </a:extLst>
+          </a:blip>
+          <a:stretch>
+            <a:fillRect/>
+          </a:stretch>
+        </p:blipFill>
+        <p:spPr>
+          <a:xfrm>
+            <a:off x="7253482" y="4569048"/>
+            <a:ext cx="4571323" cy="1455546"/>
+          </a:xfrm>
+          <a:prstGeom prst="rect">
+            <a:avLst/>
+          </a:prstGeom>
+        </p:spPr>
+      </p:pic>
+      <p:pic>
+        <p:nvPicPr>
+          <p:cNvPr id="14" name="Kép 13"/>
+          <p:cNvPicPr>
+            <a:picLocks noChangeAspect="1"/>
+          </p:cNvPicPr>
+          <p:nvPr/>
+        </p:nvPicPr>
+        <p:blipFill>
+          <a:blip r:embed="rId7">
+            <a:extLst>
+              <a:ext uri="{28A0092B-C50C-407E-A947-70E740481C1C}">
+                <a14:useLocalDpi xmlns:a14="http://schemas.microsoft.com/office/drawing/2010/main" val="0"/>
+              </a:ext>
+            </a:extLst>
+          </a:blip>
+          <a:stretch>
+            <a:fillRect/>
+          </a:stretch>
+        </p:blipFill>
+        <p:spPr>
+          <a:xfrm>
+            <a:off x="5156498" y="2622043"/>
+            <a:ext cx="4671465" cy="1181469"/>
+          </a:xfrm>
+          <a:prstGeom prst="rect">
+            <a:avLst/>
+          </a:prstGeom>
         </p:spPr>
       </p:pic>
     </p:spTree>
@@ -6890,7 +6807,7 @@
                 <a16:creationId xmlns:a16="http://schemas.microsoft.com/office/drawing/2014/main" id="{43D1E811-F82C-4FC0-8611-6CFC73FD9613}"/>
               </a:ext>
               <a:ext uri="{C183D7F6-B498-43B3-948B-1728B52AA6E4}">
-                <adec:decorative xmlns:adec="http://schemas.microsoft.com/office/drawing/2017/decorative" val="1"/>
+                <adec:decorative xmlns:adec="http://schemas.microsoft.com/office/drawing/2017/decorative" xmlns="" val="1"/>
               </a:ext>
             </a:extLst>
           </p:cNvPr>
@@ -6934,7 +6851,7 @@
                 <a16:creationId xmlns:a16="http://schemas.microsoft.com/office/drawing/2014/main" id="{AAC6183A-13DD-465B-9338-4D7F5D52394F}"/>
               </a:ext>
               <a:ext uri="{C183D7F6-B498-43B3-948B-1728B52AA6E4}">
-                <adec:decorative xmlns:adec="http://schemas.microsoft.com/office/drawing/2017/decorative" val="1"/>
+                <adec:decorative xmlns:adec="http://schemas.microsoft.com/office/drawing/2017/decorative" xmlns="" val="1"/>
               </a:ext>
             </a:extLst>
           </p:cNvPr>
@@ -6978,7 +6895,7 @@
                 <a16:creationId xmlns:a16="http://schemas.microsoft.com/office/drawing/2014/main" id="{15BF20A1-7C3A-4BEC-BE35-8AA3E9F011CA}"/>
               </a:ext>
               <a:ext uri="{C183D7F6-B498-43B3-948B-1728B52AA6E4}">
-                <adec:decorative xmlns:adec="http://schemas.microsoft.com/office/drawing/2017/decorative" val="1"/>
+                <adec:decorative xmlns:adec="http://schemas.microsoft.com/office/drawing/2017/decorative" xmlns="" val="1"/>
               </a:ext>
             </a:extLst>
           </p:cNvPr>
@@ -7052,7 +6969,7 @@
                 <a16:creationId xmlns:a16="http://schemas.microsoft.com/office/drawing/2014/main" id="{46D3BD4A-EBCB-4B8A-BA9C-A6927EB621A0}"/>
               </a:ext>
               <a:ext uri="{C183D7F6-B498-43B3-948B-1728B52AA6E4}">
-                <adec:decorative xmlns:adec="http://schemas.microsoft.com/office/drawing/2017/decorative" val="1"/>
+                <adec:decorative xmlns:adec="http://schemas.microsoft.com/office/drawing/2017/decorative" xmlns="" val="1"/>
               </a:ext>
             </a:extLst>
           </p:cNvPr>
@@ -7096,7 +7013,7 @@
                 <a16:creationId xmlns:a16="http://schemas.microsoft.com/office/drawing/2014/main" id="{F483E078-4237-4FFA-8437-F7E6C799F7BE}"/>
               </a:ext>
               <a:ext uri="{C183D7F6-B498-43B3-948B-1728B52AA6E4}">
-                <adec:decorative xmlns:adec="http://schemas.microsoft.com/office/drawing/2017/decorative" val="1"/>
+                <adec:decorative xmlns:adec="http://schemas.microsoft.com/office/drawing/2017/decorative" xmlns="" val="1"/>
               </a:ext>
             </a:extLst>
           </p:cNvPr>
@@ -7140,7 +7057,7 @@
                 <a16:creationId xmlns:a16="http://schemas.microsoft.com/office/drawing/2014/main" id="{7FDEDC12-69DE-40B2-9801-E7FFEC7C1727}"/>
               </a:ext>
               <a:ext uri="{C183D7F6-B498-43B3-948B-1728B52AA6E4}">
-                <adec:decorative xmlns:adec="http://schemas.microsoft.com/office/drawing/2017/decorative" val="1"/>
+                <adec:decorative xmlns:adec="http://schemas.microsoft.com/office/drawing/2017/decorative" xmlns="" val="1"/>
               </a:ext>
             </a:extLst>
           </p:cNvPr>
@@ -10094,7 +10011,7 @@
                 <a16:creationId xmlns:a16="http://schemas.microsoft.com/office/drawing/2014/main" id="{603C1FDD-3EB9-4E32-AAFF-F0872E904A7D}"/>
               </a:ext>
               <a:ext uri="{C183D7F6-B498-43B3-948B-1728B52AA6E4}">
-                <adec:decorative xmlns:adec="http://schemas.microsoft.com/office/drawing/2017/decorative" val="1"/>
+                <adec:decorative xmlns:adec="http://schemas.microsoft.com/office/drawing/2017/decorative" xmlns="" val="1"/>
               </a:ext>
             </a:extLst>
           </p:cNvPr>
@@ -10138,7 +10055,7 @@
                 <a16:creationId xmlns:a16="http://schemas.microsoft.com/office/drawing/2014/main" id="{B0C4B3D9-75AB-4AAB-B53A-4232B752D2F5}"/>
               </a:ext>
               <a:ext uri="{C183D7F6-B498-43B3-948B-1728B52AA6E4}">
-                <adec:decorative xmlns:adec="http://schemas.microsoft.com/office/drawing/2017/decorative" val="1"/>
+                <adec:decorative xmlns:adec="http://schemas.microsoft.com/office/drawing/2017/decorative" xmlns="" val="1"/>
               </a:ext>
             </a:extLst>
           </p:cNvPr>
@@ -10182,7 +10099,7 @@
                 <a16:creationId xmlns:a16="http://schemas.microsoft.com/office/drawing/2014/main" id="{1D73A963-D417-4FD9-851E-5E323F67D1BF}"/>
               </a:ext>
               <a:ext uri="{C183D7F6-B498-43B3-948B-1728B52AA6E4}">
-                <adec:decorative xmlns:adec="http://schemas.microsoft.com/office/drawing/2017/decorative" val="1"/>
+                <adec:decorative xmlns:adec="http://schemas.microsoft.com/office/drawing/2017/decorative" xmlns="" val="1"/>
               </a:ext>
             </a:extLst>
           </p:cNvPr>
@@ -10256,7 +10173,7 @@
                 <a16:creationId xmlns:a16="http://schemas.microsoft.com/office/drawing/2014/main" id="{72E40AAF-9C56-4002-B55E-6A255814861C}"/>
               </a:ext>
               <a:ext uri="{C183D7F6-B498-43B3-948B-1728B52AA6E4}">
-                <adec:decorative xmlns:adec="http://schemas.microsoft.com/office/drawing/2017/decorative" val="1"/>
+                <adec:decorative xmlns:adec="http://schemas.microsoft.com/office/drawing/2017/decorative" xmlns="" val="1"/>
               </a:ext>
             </a:extLst>
           </p:cNvPr>
@@ -10300,7 +10217,7 @@
                 <a16:creationId xmlns:a16="http://schemas.microsoft.com/office/drawing/2014/main" id="{CF4F217F-0736-44C0-9047-DD52FCA2F2A4}"/>
               </a:ext>
               <a:ext uri="{C183D7F6-B498-43B3-948B-1728B52AA6E4}">
-                <adec:decorative xmlns:adec="http://schemas.microsoft.com/office/drawing/2017/decorative" val="1"/>
+                <adec:decorative xmlns:adec="http://schemas.microsoft.com/office/drawing/2017/decorative" xmlns="" val="1"/>
               </a:ext>
             </a:extLst>
           </p:cNvPr>
@@ -10344,7 +10261,7 @@
                 <a16:creationId xmlns:a16="http://schemas.microsoft.com/office/drawing/2014/main" id="{2DCB6E42-3037-40F7-A351-6B952A870339}"/>
               </a:ext>
               <a:ext uri="{C183D7F6-B498-43B3-948B-1728B52AA6E4}">
-                <adec:decorative xmlns:adec="http://schemas.microsoft.com/office/drawing/2017/decorative" val="1"/>
+                <adec:decorative xmlns:adec="http://schemas.microsoft.com/office/drawing/2017/decorative" xmlns="" val="1"/>
               </a:ext>
             </a:extLst>
           </p:cNvPr>
@@ -10432,7 +10349,7 @@
                 <a16:creationId xmlns:a16="http://schemas.microsoft.com/office/drawing/2014/main" id="{5D4C4D9B-8464-4F80-A369-88E6980D4BA0}"/>
               </a:ext>
               <a:ext uri="{C183D7F6-B498-43B3-948B-1728B52AA6E4}">
-                <adec:decorative xmlns:adec="http://schemas.microsoft.com/office/drawing/2017/decorative" val="1"/>
+                <adec:decorative xmlns:adec="http://schemas.microsoft.com/office/drawing/2017/decorative" xmlns="" val="1"/>
               </a:ext>
             </a:extLst>
           </p:cNvPr>
@@ -10495,7 +10412,7 @@
                 <a16:creationId xmlns:a16="http://schemas.microsoft.com/office/drawing/2014/main" id="{D5BA1A12-370B-43EB-B7BC-87A24667ABA2}"/>
               </a:ext>
               <a:ext uri="{C183D7F6-B498-43B3-948B-1728B52AA6E4}">
-                <adec:decorative xmlns:adec="http://schemas.microsoft.com/office/drawing/2017/decorative" val="1"/>
+                <adec:decorative xmlns:adec="http://schemas.microsoft.com/office/drawing/2017/decorative" xmlns="" val="1"/>
               </a:ext>
             </a:extLst>
           </p:cNvPr>
@@ -10847,7 +10764,7 @@
                 <a16:creationId xmlns:a16="http://schemas.microsoft.com/office/drawing/2014/main" id="{95DBBBEB-F8DF-4794-86A8-BD884F7E6794}"/>
               </a:ext>
               <a:ext uri="{C183D7F6-B498-43B3-948B-1728B52AA6E4}">
-                <adec:decorative xmlns:adec="http://schemas.microsoft.com/office/drawing/2017/decorative" val="1"/>
+                <adec:decorative xmlns:adec="http://schemas.microsoft.com/office/drawing/2017/decorative" xmlns="" val="1"/>
               </a:ext>
             </a:extLst>
           </p:cNvPr>
@@ -11350,7 +11267,7 @@
                 <a16:creationId xmlns:a16="http://schemas.microsoft.com/office/drawing/2014/main" id="{C9134821-5D8B-4373-BA74-CFE9AB35A55A}"/>
               </a:ext>
               <a:ext uri="{C183D7F6-B498-43B3-948B-1728B52AA6E4}">
-                <adec:decorative xmlns:adec="http://schemas.microsoft.com/office/drawing/2017/decorative" val="1"/>
+                <adec:decorative xmlns:adec="http://schemas.microsoft.com/office/drawing/2017/decorative" xmlns="" val="1"/>
               </a:ext>
             </a:extLst>
           </p:cNvPr>
@@ -11394,7 +11311,7 @@
                 <a16:creationId xmlns:a16="http://schemas.microsoft.com/office/drawing/2014/main" id="{5965195F-79F5-4911-907D-13CB3F534351}"/>
               </a:ext>
               <a:ext uri="{C183D7F6-B498-43B3-948B-1728B52AA6E4}">
-                <adec:decorative xmlns:adec="http://schemas.microsoft.com/office/drawing/2017/decorative" val="1"/>
+                <adec:decorative xmlns:adec="http://schemas.microsoft.com/office/drawing/2017/decorative" xmlns="" val="1"/>
               </a:ext>
             </a:extLst>
           </p:cNvPr>
@@ -11438,7 +11355,7 @@
                 <a16:creationId xmlns:a16="http://schemas.microsoft.com/office/drawing/2014/main" id="{8A610DC7-FE1B-47B9-8452-CFC389786C2D}"/>
               </a:ext>
               <a:ext uri="{C183D7F6-B498-43B3-948B-1728B52AA6E4}">
-                <adec:decorative xmlns:adec="http://schemas.microsoft.com/office/drawing/2017/decorative" val="1"/>
+                <adec:decorative xmlns:adec="http://schemas.microsoft.com/office/drawing/2017/decorative" xmlns="" val="1"/>
               </a:ext>
             </a:extLst>
           </p:cNvPr>
@@ -11512,7 +11429,7 @@
                 <a16:creationId xmlns:a16="http://schemas.microsoft.com/office/drawing/2014/main" id="{2742ADC1-2286-40B7-A3C6-D6C3362FA04B}"/>
               </a:ext>
               <a:ext uri="{C183D7F6-B498-43B3-948B-1728B52AA6E4}">
-                <adec:decorative xmlns:adec="http://schemas.microsoft.com/office/drawing/2017/decorative" val="1"/>
+                <adec:decorative xmlns:adec="http://schemas.microsoft.com/office/drawing/2017/decorative" xmlns="" val="1"/>
               </a:ext>
             </a:extLst>
           </p:cNvPr>
@@ -11556,7 +11473,7 @@
                 <a16:creationId xmlns:a16="http://schemas.microsoft.com/office/drawing/2014/main" id="{C878FBDC-78F2-4D49-8DB3-1A48CA9F7FC0}"/>
               </a:ext>
               <a:ext uri="{C183D7F6-B498-43B3-948B-1728B52AA6E4}">
-                <adec:decorative xmlns:adec="http://schemas.microsoft.com/office/drawing/2017/decorative" val="1"/>
+                <adec:decorative xmlns:adec="http://schemas.microsoft.com/office/drawing/2017/decorative" xmlns="" val="1"/>
               </a:ext>
             </a:extLst>
           </p:cNvPr>
@@ -11600,7 +11517,7 @@
                 <a16:creationId xmlns:a16="http://schemas.microsoft.com/office/drawing/2014/main" id="{DC9A0934-0C2C-4565-9290-A345B19BD94C}"/>
               </a:ext>
               <a:ext uri="{C183D7F6-B498-43B3-948B-1728B52AA6E4}">
-                <adec:decorative xmlns:adec="http://schemas.microsoft.com/office/drawing/2017/decorative" val="1"/>
+                <adec:decorative xmlns:adec="http://schemas.microsoft.com/office/drawing/2017/decorative" xmlns="" val="1"/>
               </a:ext>
             </a:extLst>
           </p:cNvPr>
@@ -11653,7 +11570,7 @@
                 <a16:creationId xmlns:a16="http://schemas.microsoft.com/office/drawing/2014/main" id="{6B42653A-00F8-40F8-9BAA-AFDE65366F65}"/>
               </a:ext>
               <a:ext uri="{C183D7F6-B498-43B3-948B-1728B52AA6E4}">
-                <adec:decorative xmlns:adec="http://schemas.microsoft.com/office/drawing/2017/decorative" val="1"/>
+                <adec:decorative xmlns:adec="http://schemas.microsoft.com/office/drawing/2017/decorative" xmlns="" val="1"/>
               </a:ext>
             </a:extLst>
           </p:cNvPr>
@@ -11716,7 +11633,7 @@
                 <a16:creationId xmlns:a16="http://schemas.microsoft.com/office/drawing/2014/main" id="{5D85582E-5C24-4E50-94D0-EBDFCAF82A75}"/>
               </a:ext>
               <a:ext uri="{C183D7F6-B498-43B3-948B-1728B52AA6E4}">
-                <adec:decorative xmlns:adec="http://schemas.microsoft.com/office/drawing/2017/decorative" val="1"/>
+                <adec:decorative xmlns:adec="http://schemas.microsoft.com/office/drawing/2017/decorative" xmlns="" val="1"/>
               </a:ext>
             </a:extLst>
           </p:cNvPr>
@@ -11769,7 +11686,7 @@
                 <a16:creationId xmlns:a16="http://schemas.microsoft.com/office/drawing/2014/main" id="{D2CF7175-D926-4ED8-BF71-C9046B886DB7}"/>
               </a:ext>
               <a:ext uri="{C183D7F6-B498-43B3-948B-1728B52AA6E4}">
-                <adec:decorative xmlns:adec="http://schemas.microsoft.com/office/drawing/2017/decorative" val="1"/>
+                <adec:decorative xmlns:adec="http://schemas.microsoft.com/office/drawing/2017/decorative" xmlns="" val="1"/>
               </a:ext>
             </a:extLst>
           </p:cNvPr>
@@ -12133,7 +12050,7 @@
                 <a16:creationId xmlns:a16="http://schemas.microsoft.com/office/drawing/2014/main" id="{CE21D3E3-E417-4B15-9ACE-327E9B12B423}"/>
               </a:ext>
               <a:ext uri="{C183D7F6-B498-43B3-948B-1728B52AA6E4}">
-                <adec:decorative xmlns:adec="http://schemas.microsoft.com/office/drawing/2017/decorative" val="1"/>
+                <adec:decorative xmlns:adec="http://schemas.microsoft.com/office/drawing/2017/decorative" xmlns="" val="1"/>
               </a:ext>
             </a:extLst>
           </p:cNvPr>
@@ -12440,7 +12357,7 @@
                 <a16:creationId xmlns:a16="http://schemas.microsoft.com/office/drawing/2014/main" id="{81E3F4E1-B084-4FFF-9627-13782BE0BE4A}"/>
               </a:ext>
               <a:ext uri="{C183D7F6-B498-43B3-948B-1728B52AA6E4}">
-                <adec:decorative xmlns:adec="http://schemas.microsoft.com/office/drawing/2017/decorative" val="1"/>
+                <adec:decorative xmlns:adec="http://schemas.microsoft.com/office/drawing/2017/decorative" xmlns="" val="1"/>
               </a:ext>
             </a:extLst>
           </p:cNvPr>
@@ -12556,7 +12473,7 @@
                 <a16:creationId xmlns:a16="http://schemas.microsoft.com/office/drawing/2014/main" id="{1F8051AB-C2F8-461F-812A-3E58862141B3}"/>
               </a:ext>
               <a:ext uri="{C183D7F6-B498-43B3-948B-1728B52AA6E4}">
-                <adec:decorative xmlns:adec="http://schemas.microsoft.com/office/drawing/2017/decorative" val="1"/>
+                <adec:decorative xmlns:adec="http://schemas.microsoft.com/office/drawing/2017/decorative" xmlns="" val="1"/>
               </a:ext>
             </a:extLst>
           </p:cNvPr>
@@ -13048,7 +12965,7 @@
                 <a16:creationId xmlns:a16="http://schemas.microsoft.com/office/drawing/2014/main" id="{481E0C28-CB2F-425F-98C5-AF23B9B704DF}"/>
               </a:ext>
               <a:ext uri="{C183D7F6-B498-43B3-948B-1728B52AA6E4}">
-                <adec:decorative xmlns:adec="http://schemas.microsoft.com/office/drawing/2017/decorative" val="1"/>
+                <adec:decorative xmlns:adec="http://schemas.microsoft.com/office/drawing/2017/decorative" xmlns="" val="1"/>
               </a:ext>
             </a:extLst>
           </p:cNvPr>
@@ -13400,7 +13317,7 @@
                 <a16:creationId xmlns:a16="http://schemas.microsoft.com/office/drawing/2014/main" id="{2DB2879C-F0B1-4195-A323-E97B6065A78E}"/>
               </a:ext>
               <a:ext uri="{C183D7F6-B498-43B3-948B-1728B52AA6E4}">
-                <adec:decorative xmlns:adec="http://schemas.microsoft.com/office/drawing/2017/decorative" val="1"/>
+                <adec:decorative xmlns:adec="http://schemas.microsoft.com/office/drawing/2017/decorative" xmlns="" val="1"/>
               </a:ext>
             </a:extLst>
           </p:cNvPr>
@@ -13461,14 +13378,14 @@
             <p:ph idx="1"/>
             <p:extLst>
               <p:ext uri="{D42A27DB-BD31-4B8C-83A1-F6EECF244321}">
-                <p14:modId xmlns:p14="http://schemas.microsoft.com/office/powerpoint/2010/main" val="3419664768"/>
+                <p14:modId xmlns:p14="http://schemas.microsoft.com/office/powerpoint/2010/main" val="777407803"/>
               </p:ext>
             </p:extLst>
           </p:nvPr>
         </p:nvGraphicFramePr>
         <p:xfrm>
           <a:off x="3418113" y="21771"/>
-          <a:ext cx="8256907" cy="6769472"/>
+          <a:ext cx="8256907" cy="6792078"/>
         </p:xfrm>
         <a:graphic>
           <a:graphicData uri="http://schemas.openxmlformats.org/drawingml/2006/table">
@@ -13483,28 +13400,28 @@
                 <a:tableStyleId>{5C22544A-7EE6-4342-B048-85BDC9FD1C3A}</a:tableStyleId>
               </a:tblPr>
               <a:tblGrid>
-                <a:gridCol w="706758">
+                <a:gridCol w="735876">
                   <a:extLst>
                     <a:ext uri="{9D8B030D-6E8A-4147-A177-3AD203B41FA5}">
                       <a16:colId xmlns:a16="http://schemas.microsoft.com/office/drawing/2014/main" val="87497768"/>
                     </a:ext>
                   </a:extLst>
                 </a:gridCol>
-                <a:gridCol w="604277">
+                <a:gridCol w="705394">
                   <a:extLst>
                     <a:ext uri="{9D8B030D-6E8A-4147-A177-3AD203B41FA5}">
                       <a16:colId xmlns:a16="http://schemas.microsoft.com/office/drawing/2014/main" val="2728523815"/>
                     </a:ext>
                   </a:extLst>
                 </a:gridCol>
-                <a:gridCol w="809237">
+                <a:gridCol w="748937">
                   <a:extLst>
                     <a:ext uri="{9D8B030D-6E8A-4147-A177-3AD203B41FA5}">
                       <a16:colId xmlns:a16="http://schemas.microsoft.com/office/drawing/2014/main" val="1487094914"/>
                     </a:ext>
                   </a:extLst>
                 </a:gridCol>
-                <a:gridCol w="2840315">
+                <a:gridCol w="2770380">
                   <a:extLst>
                     <a:ext uri="{9D8B030D-6E8A-4147-A177-3AD203B41FA5}">
                       <a16:colId xmlns:a16="http://schemas.microsoft.com/office/drawing/2014/main" val="366735448"/>
@@ -13958,7 +13875,7 @@
                         </a:spcAft>
                       </a:pPr>
                       <a:r>
-                        <a:rPr lang="hu-HU" sz="900" cap="none" spc="0" err="1">
+                        <a:rPr lang="hu-HU" sz="900" cap="none" spc="0" dirty="0" err="1" smtClean="0">
                           <a:solidFill>
                             <a:schemeClr val="bg1"/>
                           </a:solidFill>
@@ -13967,14 +13884,20 @@
                         <a:t>Gig</a:t>
                       </a:r>
                       <a:r>
-                        <a:rPr lang="hu-HU" sz="900" cap="none" spc="0" dirty="0">
+                        <a:rPr lang="hu-HU" sz="900" cap="none" spc="0" dirty="0" smtClean="0">
                           <a:solidFill>
                             <a:schemeClr val="bg1"/>
                           </a:solidFill>
                           <a:effectLst/>
                         </a:rPr>
-                        <a:t>/0/0</a:t>
+                        <a:t>/0/0/0</a:t>
                       </a:r>
+                      <a:endParaRPr lang="hu-HU" sz="900" cap="none" spc="0" dirty="0">
+                        <a:solidFill>
+                          <a:schemeClr val="bg1"/>
+                        </a:solidFill>
+                        <a:effectLst/>
+                      </a:endParaRPr>
                     </a:p>
                     <a:p>
                       <a:pPr algn="just">
@@ -14444,14 +14367,20 @@
                         </a:spcAft>
                       </a:pPr>
                       <a:r>
-                        <a:rPr lang="hu-HU" sz="900" cap="none" spc="0" dirty="0">
+                        <a:rPr lang="hu-HU" sz="900" cap="none" spc="0" dirty="0" smtClean="0">
                           <a:solidFill>
                             <a:schemeClr val="bg1"/>
                           </a:solidFill>
                           <a:effectLst/>
                         </a:rPr>
-                        <a:t>Gig0/0.40</a:t>
+                        <a:t>Gig0/0/0.40</a:t>
                       </a:r>
+                      <a:endParaRPr lang="hu-HU" sz="900" cap="none" spc="0" dirty="0">
+                        <a:solidFill>
+                          <a:schemeClr val="bg1"/>
+                        </a:solidFill>
+                        <a:effectLst/>
+                      </a:endParaRPr>
                     </a:p>
                     <a:p>
                       <a:pPr algn="just">
@@ -14881,14 +14810,20 @@
                         </a:spcAft>
                       </a:pPr>
                       <a:r>
-                        <a:rPr lang="hu-HU" sz="900" cap="none" spc="0" dirty="0">
+                        <a:rPr lang="hu-HU" sz="900" cap="none" spc="0" dirty="0" smtClean="0">
                           <a:solidFill>
                             <a:schemeClr val="bg1"/>
                           </a:solidFill>
                           <a:effectLst/>
                         </a:rPr>
-                        <a:t>Gig0/0.50</a:t>
+                        <a:t>Gig0/0/0.50</a:t>
                       </a:r>
+                      <a:endParaRPr lang="hu-HU" sz="900" cap="none" spc="0" dirty="0">
+                        <a:solidFill>
+                          <a:schemeClr val="bg1"/>
+                        </a:solidFill>
+                        <a:effectLst/>
+                      </a:endParaRPr>
                     </a:p>
                     <a:p>
                       <a:pPr algn="just">
@@ -15311,14 +15246,20 @@
                         </a:spcAft>
                       </a:pPr>
                       <a:r>
-                        <a:rPr lang="hu-HU" sz="900" cap="none" spc="0" dirty="0">
+                        <a:rPr lang="hu-HU" sz="900" cap="none" spc="0" dirty="0" smtClean="0">
                           <a:solidFill>
                             <a:schemeClr val="bg1"/>
                           </a:solidFill>
                           <a:effectLst/>
                         </a:rPr>
-                        <a:t>Gig0/0</a:t>
+                        <a:t>Gig0/0/0</a:t>
                       </a:r>
+                      <a:endParaRPr lang="hu-HU" sz="900" cap="none" spc="0" dirty="0">
+                        <a:solidFill>
+                          <a:schemeClr val="bg1"/>
+                        </a:solidFill>
+                        <a:effectLst/>
+                      </a:endParaRPr>
                     </a:p>
                     <a:p>
                       <a:pPr algn="just">
@@ -15330,13 +15271,13 @@
                         </a:spcAft>
                       </a:pPr>
                       <a:r>
-                        <a:rPr lang="hu-HU" sz="900" cap="none" spc="0" dirty="0">
+                        <a:rPr lang="hu-HU" sz="900" cap="none" spc="0" dirty="0" smtClean="0">
                           <a:solidFill>
                             <a:schemeClr val="bg1"/>
                           </a:solidFill>
                           <a:effectLst/>
                         </a:rPr>
-                        <a:t>Gig0/1.60</a:t>
+                        <a:t>Gig0/0/1.60</a:t>
                       </a:r>
                       <a:endParaRPr lang="hu-HU" sz="900" cap="none" spc="0" dirty="0">
                         <a:solidFill>
@@ -19981,14 +19922,14 @@
             <p:ph idx="1"/>
             <p:extLst>
               <p:ext uri="{D42A27DB-BD31-4B8C-83A1-F6EECF244321}">
-                <p14:modId xmlns:p14="http://schemas.microsoft.com/office/powerpoint/2010/main" val="1394500287"/>
+                <p14:modId xmlns:p14="http://schemas.microsoft.com/office/powerpoint/2010/main" val="2314795680"/>
               </p:ext>
             </p:extLst>
           </p:nvPr>
         </p:nvGraphicFramePr>
         <p:xfrm>
           <a:off x="990600" y="2611845"/>
-          <a:ext cx="9808110" cy="2870772"/>
+          <a:ext cx="9808110" cy="2946273"/>
         </p:xfrm>
         <a:graphic>
           <a:graphicData uri="http://schemas.openxmlformats.org/drawingml/2006/table">
@@ -20018,14 +19959,14 @@
                     </a:ext>
                   </a:extLst>
                 </a:gridCol>
-                <a:gridCol w="2595275">
+                <a:gridCol w="2823029">
                   <a:extLst>
                     <a:ext uri="{9D8B030D-6E8A-4147-A177-3AD203B41FA5}">
                       <a16:colId xmlns:a16="http://schemas.microsoft.com/office/drawing/2014/main" val="1746030361"/>
                     </a:ext>
                   </a:extLst>
                 </a:gridCol>
-                <a:gridCol w="2169847">
+                <a:gridCol w="1942093">
                   <a:extLst>
                     <a:ext uri="{9D8B030D-6E8A-4147-A177-3AD203B41FA5}">
                       <a16:colId xmlns:a16="http://schemas.microsoft.com/office/drawing/2014/main" val="1195320395"/>
@@ -20185,7 +20126,7 @@
                   </a:ext>
                 </a:extLst>
               </a:tr>
-              <a:tr h="0">
+              <a:tr h="856761">
                 <a:tc>
                   <a:txBody>
                     <a:bodyPr/>
@@ -20325,11 +20266,14 @@
                         </a:spcAft>
                       </a:pPr>
                       <a:r>
-                        <a:rPr lang="hu-HU" sz="1800" dirty="0">
+                        <a:rPr lang="hu-HU" sz="1800" dirty="0" smtClean="0">
                           <a:effectLst/>
                         </a:rPr>
-                        <a:t>Fa0/5,Fa0/10,Fa0/3</a:t>
+                        <a:t>G1/0/5,G1/0/10</a:t>
                       </a:r>
+                      <a:endParaRPr lang="hu-HU" sz="1800" dirty="0">
+                        <a:effectLst/>
+                      </a:endParaRPr>
                     </a:p>
                     <a:p>
                       <a:pPr lvl="0" algn="just">
@@ -20342,12 +20286,16 @@
                         <a:buNone/>
                       </a:pPr>
                       <a:r>
-                        <a:rPr lang="hu-HU" sz="1800" b="0" i="0" u="none" strike="noStrike" noProof="0" dirty="0">
+                        <a:rPr lang="hu-HU" sz="1800" b="0" i="0" u="none" strike="noStrike" noProof="0" dirty="0" smtClean="0">
                           <a:effectLst/>
-                          <a:latin typeface="Century Gothic"/>
+                          <a:latin typeface="+mn-lt"/>
                         </a:rPr>
-                        <a:t>Fa0/6-9,fa0/11-24,Gig0/2</a:t>
+                        <a:t>G1/0/3-4,G1/0/6-9, G1/0/11-23,G1/0/25-28</a:t>
                       </a:r>
+                      <a:endParaRPr lang="hu-HU" sz="1800" b="0" i="0" u="none" strike="noStrike" noProof="0" dirty="0">
+                        <a:effectLst/>
+                        <a:latin typeface="+mn-lt"/>
+                      </a:endParaRPr>
                     </a:p>
                   </a:txBody>
                   <a:tcPr marL="68580" marR="68580" marT="0" marB="0"/>
@@ -20387,7 +20335,7 @@
                   </a:ext>
                 </a:extLst>
               </a:tr>
-              <a:tr h="0">
+              <a:tr h="939710">
                 <a:tc>
                   <a:txBody>
                     <a:bodyPr/>
@@ -20527,11 +20475,14 @@
                         </a:spcAft>
                       </a:pPr>
                       <a:r>
-                        <a:rPr lang="hu-HU" sz="1800" dirty="0">
+                        <a:rPr lang="hu-HU" sz="1800" dirty="0" smtClean="0">
                           <a:effectLst/>
                         </a:rPr>
-                        <a:t>Fa0/5,Fa0/10</a:t>
+                        <a:t>G1/0/5,G1/0/10</a:t>
                       </a:r>
+                      <a:endParaRPr lang="hu-HU" sz="1800" dirty="0">
+                        <a:effectLst/>
+                      </a:endParaRPr>
                     </a:p>
                     <a:p>
                       <a:pPr lvl="0" algn="just">
@@ -20544,12 +20495,16 @@
                         <a:buNone/>
                       </a:pPr>
                       <a:r>
-                        <a:rPr lang="hu-HU" sz="1800" b="0" i="0" u="none" strike="noStrike" noProof="0" dirty="0">
+                        <a:rPr lang="hu-HU" sz="1800" b="0" i="0" u="none" strike="noStrike" noProof="0" dirty="0" smtClean="0">
                           <a:effectLst/>
-                          <a:latin typeface="Century Gothic"/>
+                          <a:latin typeface="+mn-lt"/>
                         </a:rPr>
-                        <a:t>Fa0/3-4,Fa0/6-9,Fa0/11-24,Gig0/2</a:t>
+                        <a:t>G1/0/3-4,G1/0/6-9, G1/0/11-23,G1/0/25-28</a:t>
                       </a:r>
+                      <a:endParaRPr lang="hu-HU" sz="1800" b="0" i="0" u="none" strike="noStrike" noProof="0" dirty="0">
+                        <a:effectLst/>
+                        <a:latin typeface="+mn-lt"/>
+                      </a:endParaRPr>
                     </a:p>
                   </a:txBody>
                   <a:tcPr marL="68580" marR="68580" marT="0" marB="0"/>
@@ -20729,11 +20684,26 @@
                         </a:spcAft>
                       </a:pPr>
                       <a:r>
+                        <a:rPr lang="hu-HU" sz="1800" dirty="0" smtClean="0">
+                          <a:effectLst/>
+                        </a:rPr>
+                        <a:t>G1/0/1</a:t>
+                      </a:r>
+                      <a:r>
                         <a:rPr lang="hu-HU" sz="1800" dirty="0">
                           <a:effectLst/>
                         </a:rPr>
-                        <a:t>Fa0/1, Fa0/2</a:t>
+                        <a:t>, </a:t>
                       </a:r>
+                      <a:r>
+                        <a:rPr lang="hu-HU" sz="1800" dirty="0" smtClean="0">
+                          <a:effectLst/>
+                        </a:rPr>
+                        <a:t>G1/0/2</a:t>
+                      </a:r>
+                      <a:endParaRPr lang="hu-HU" sz="1800" dirty="0">
+                        <a:effectLst/>
+                      </a:endParaRPr>
                     </a:p>
                     <a:p>
                       <a:pPr lvl="0" algn="just">
@@ -20746,12 +20716,16 @@
                         <a:buNone/>
                       </a:pPr>
                       <a:r>
-                        <a:rPr lang="hu-HU" sz="1800" b="0" i="0" u="none" strike="noStrike" noProof="0" dirty="0">
+                        <a:rPr lang="hu-HU" sz="1800" b="0" i="0" u="none" strike="noStrike" noProof="0" dirty="0" smtClean="0">
                           <a:effectLst/>
                           <a:latin typeface="Century Gothic"/>
                         </a:rPr>
-                        <a:t>Fa0/3-24,Gig0/2</a:t>
+                        <a:t>G1/0/4-24,Gig0/2</a:t>
                       </a:r>
+                      <a:endParaRPr lang="hu-HU" sz="1800" b="0" i="0" u="none" strike="noStrike" noProof="0" dirty="0">
+                        <a:effectLst/>
+                        <a:latin typeface="Century Gothic"/>
+                      </a:endParaRPr>
                     </a:p>
                   </a:txBody>
                   <a:tcPr marL="68580" marR="68580" marT="0" marB="0"/>
@@ -20941,7 +20915,7 @@
             <p:ph idx="1"/>
             <p:extLst>
               <p:ext uri="{D42A27DB-BD31-4B8C-83A1-F6EECF244321}">
-                <p14:modId xmlns:p14="http://schemas.microsoft.com/office/powerpoint/2010/main" val="2686346610"/>
+                <p14:modId xmlns:p14="http://schemas.microsoft.com/office/powerpoint/2010/main" val="947403971"/>
               </p:ext>
             </p:extLst>
           </p:nvPr>
@@ -21075,10 +21049,22 @@
                         </a:spcAft>
                       </a:pPr>
                       <a:r>
+                        <a:rPr lang="hu-HU" sz="3800" dirty="0" smtClean="0">
+                          <a:effectLst/>
+                        </a:rPr>
+                        <a:t>G1/0/1</a:t>
+                      </a:r>
+                      <a:r>
                         <a:rPr lang="hu-HU" sz="3800" dirty="0">
                           <a:effectLst/>
                         </a:rPr>
-                        <a:t>Fa0/1, Fa0/2</a:t>
+                        <a:t>, </a:t>
+                      </a:r>
+                      <a:r>
+                        <a:rPr lang="hu-HU" sz="3800" dirty="0" smtClean="0">
+                          <a:effectLst/>
+                        </a:rPr>
+                        <a:t>G1/0/2</a:t>
                       </a:r>
                       <a:endParaRPr lang="hu-HU" sz="2300" dirty="0">
                         <a:effectLst/>
@@ -21134,10 +21120,22 @@
                         </a:spcAft>
                       </a:pPr>
                       <a:r>
+                        <a:rPr lang="hu-HU" sz="3800" dirty="0" smtClean="0">
+                          <a:effectLst/>
+                        </a:rPr>
+                        <a:t>G1/0/1</a:t>
+                      </a:r>
+                      <a:r>
                         <a:rPr lang="hu-HU" sz="3800" dirty="0">
                           <a:effectLst/>
                         </a:rPr>
-                        <a:t>Fa0/1, Fa0/2</a:t>
+                        <a:t>, </a:t>
+                      </a:r>
+                      <a:r>
+                        <a:rPr lang="hu-HU" sz="3800" dirty="0" smtClean="0">
+                          <a:effectLst/>
+                        </a:rPr>
+                        <a:t>G1/0/2</a:t>
                       </a:r>
                       <a:endParaRPr lang="hu-HU" sz="2300" dirty="0">
                         <a:effectLst/>
@@ -21419,77 +21417,6 @@
           </a:p>
         </p:txBody>
       </p:sp>
-      <p:pic>
-        <p:nvPicPr>
-          <p:cNvPr id="7" name="Content Placeholder 6" descr="A screenshot of a computer program">
-            <a:extLst>
-              <a:ext uri="{FF2B5EF4-FFF2-40B4-BE49-F238E27FC236}">
-                <a16:creationId xmlns:a16="http://schemas.microsoft.com/office/drawing/2014/main" id="{DE11E26C-0119-3B48-2E6B-A299B93DA9EF}"/>
-              </a:ext>
-            </a:extLst>
-          </p:cNvPr>
-          <p:cNvPicPr>
-            <a:picLocks noGrp="1" noChangeAspect="1"/>
-          </p:cNvPicPr>
-          <p:nvPr>
-            <p:ph idx="1"/>
-          </p:nvPr>
-        </p:nvPicPr>
-        <p:blipFill>
-          <a:blip r:embed="rId2">
-            <a:extLst>
-              <a:ext uri="{28A0092B-C50C-407E-A947-70E740481C1C}">
-                <a14:useLocalDpi xmlns:a14="http://schemas.microsoft.com/office/drawing/2010/main" val="0"/>
-              </a:ext>
-            </a:extLst>
-          </a:blip>
-          <a:stretch>
-            <a:fillRect/>
-          </a:stretch>
-        </p:blipFill>
-        <p:spPr>
-          <a:xfrm>
-            <a:off x="739294" y="4424600"/>
-            <a:ext cx="4828361" cy="1318479"/>
-          </a:xfrm>
-        </p:spPr>
-      </p:pic>
-      <p:pic>
-        <p:nvPicPr>
-          <p:cNvPr id="9" name="Picture 8" descr="A computer screen shot of a computer code">
-            <a:extLst>
-              <a:ext uri="{FF2B5EF4-FFF2-40B4-BE49-F238E27FC236}">
-                <a16:creationId xmlns:a16="http://schemas.microsoft.com/office/drawing/2014/main" id="{E3A7490F-C779-B021-FDD3-23A2D62E5A82}"/>
-              </a:ext>
-            </a:extLst>
-          </p:cNvPr>
-          <p:cNvPicPr>
-            <a:picLocks noChangeAspect="1"/>
-          </p:cNvPicPr>
-          <p:nvPr/>
-        </p:nvPicPr>
-        <p:blipFill>
-          <a:blip r:embed="rId3">
-            <a:extLst>
-              <a:ext uri="{28A0092B-C50C-407E-A947-70E740481C1C}">
-                <a14:useLocalDpi xmlns:a14="http://schemas.microsoft.com/office/drawing/2010/main" val="0"/>
-              </a:ext>
-            </a:extLst>
-          </a:blip>
-          <a:stretch>
-            <a:fillRect/>
-          </a:stretch>
-        </p:blipFill>
-        <p:spPr>
-          <a:xfrm>
-            <a:off x="739294" y="2858631"/>
-            <a:ext cx="4843603" cy="1294645"/>
-          </a:xfrm>
-          <a:prstGeom prst="rect">
-            <a:avLst/>
-          </a:prstGeom>
-        </p:spPr>
-      </p:pic>
       <p:sp>
         <p:nvSpPr>
           <p:cNvPr id="10" name="TextBox 9">
@@ -21562,17 +21489,73 @@
       </p:sp>
       <p:pic>
         <p:nvPicPr>
-          <p:cNvPr id="13" name="Picture 12" descr="A screenshot of a computer program">
-            <a:extLst>
-              <a:ext uri="{FF2B5EF4-FFF2-40B4-BE49-F238E27FC236}">
-                <a16:creationId xmlns:a16="http://schemas.microsoft.com/office/drawing/2014/main" id="{DEFB4633-C0DF-7061-8B72-726163DF44C5}"/>
-              </a:ext>
-            </a:extLst>
-          </p:cNvPr>
+          <p:cNvPr id="4" name="Kép 3"/>
           <p:cNvPicPr>
             <a:picLocks noChangeAspect="1"/>
           </p:cNvPicPr>
           <p:nvPr/>
+        </p:nvPicPr>
+        <p:blipFill>
+          <a:blip r:embed="rId2">
+            <a:extLst>
+              <a:ext uri="{28A0092B-C50C-407E-A947-70E740481C1C}">
+                <a14:useLocalDpi xmlns:a14="http://schemas.microsoft.com/office/drawing/2010/main" val="0"/>
+              </a:ext>
+            </a:extLst>
+          </a:blip>
+          <a:stretch>
+            <a:fillRect/>
+          </a:stretch>
+        </p:blipFill>
+        <p:spPr>
+          <a:xfrm>
+            <a:off x="739294" y="2690336"/>
+            <a:ext cx="4828361" cy="1494302"/>
+          </a:xfrm>
+          <a:prstGeom prst="rect">
+            <a:avLst/>
+          </a:prstGeom>
+        </p:spPr>
+      </p:pic>
+      <p:pic>
+        <p:nvPicPr>
+          <p:cNvPr id="5" name="Kép 4"/>
+          <p:cNvPicPr>
+            <a:picLocks noChangeAspect="1"/>
+          </p:cNvPicPr>
+          <p:nvPr/>
+        </p:nvPicPr>
+        <p:blipFill>
+          <a:blip r:embed="rId3">
+            <a:extLst>
+              <a:ext uri="{28A0092B-C50C-407E-A947-70E740481C1C}">
+                <a14:useLocalDpi xmlns:a14="http://schemas.microsoft.com/office/drawing/2010/main" val="0"/>
+              </a:ext>
+            </a:extLst>
+          </a:blip>
+          <a:stretch>
+            <a:fillRect/>
+          </a:stretch>
+        </p:blipFill>
+        <p:spPr>
+          <a:xfrm>
+            <a:off x="1367749" y="4420211"/>
+            <a:ext cx="3571449" cy="1323630"/>
+          </a:xfrm>
+          <a:prstGeom prst="rect">
+            <a:avLst/>
+          </a:prstGeom>
+        </p:spPr>
+      </p:pic>
+      <p:pic>
+        <p:nvPicPr>
+          <p:cNvPr id="8" name="Tartalom helye 7"/>
+          <p:cNvPicPr>
+            <a:picLocks noGrp="1" noChangeAspect="1"/>
+          </p:cNvPicPr>
+          <p:nvPr>
+            <p:ph idx="1"/>
+          </p:nvPr>
         </p:nvPicPr>
         <p:blipFill>
           <a:blip r:embed="rId4">
@@ -21588,23 +21571,14 @@
         </p:blipFill>
         <p:spPr>
           <a:xfrm>
-            <a:off x="6423082" y="4422787"/>
-            <a:ext cx="4729930" cy="1318479"/>
+            <a:off x="6423082" y="2717334"/>
+            <a:ext cx="4729930" cy="1440305"/>
           </a:xfrm>
-          <a:prstGeom prst="rect">
-            <a:avLst/>
-          </a:prstGeom>
         </p:spPr>
       </p:pic>
       <p:pic>
         <p:nvPicPr>
-          <p:cNvPr id="15" name="Picture 14" descr="A computer code with black text">
-            <a:extLst>
-              <a:ext uri="{FF2B5EF4-FFF2-40B4-BE49-F238E27FC236}">
-                <a16:creationId xmlns:a16="http://schemas.microsoft.com/office/drawing/2014/main" id="{27723B2C-6922-567E-4B15-70A68B728773}"/>
-              </a:ext>
-            </a:extLst>
-          </p:cNvPr>
+          <p:cNvPr id="12" name="Kép 11"/>
           <p:cNvPicPr>
             <a:picLocks noChangeAspect="1"/>
           </p:cNvPicPr>
@@ -21624,8 +21598,8 @@
         </p:blipFill>
         <p:spPr>
           <a:xfrm>
-            <a:off x="6366246" y="2899529"/>
-            <a:ext cx="4843603" cy="1200407"/>
+            <a:off x="7058157" y="4445701"/>
+            <a:ext cx="3459780" cy="1272650"/>
           </a:xfrm>
           <a:prstGeom prst="rect">
             <a:avLst/>
@@ -21696,7 +21670,7 @@
                 <a16:creationId xmlns:a16="http://schemas.microsoft.com/office/drawing/2014/main" id="{C9134821-5D8B-4373-BA74-CFE9AB35A55A}"/>
               </a:ext>
               <a:ext uri="{C183D7F6-B498-43B3-948B-1728B52AA6E4}">
-                <adec:decorative xmlns:adec="http://schemas.microsoft.com/office/drawing/2017/decorative" val="1"/>
+                <adec:decorative xmlns:adec="http://schemas.microsoft.com/office/drawing/2017/decorative" xmlns="" val="1"/>
               </a:ext>
             </a:extLst>
           </p:cNvPr>
@@ -21740,7 +21714,7 @@
                 <a16:creationId xmlns:a16="http://schemas.microsoft.com/office/drawing/2014/main" id="{5965195F-79F5-4911-907D-13CB3F534351}"/>
               </a:ext>
               <a:ext uri="{C183D7F6-B498-43B3-948B-1728B52AA6E4}">
-                <adec:decorative xmlns:adec="http://schemas.microsoft.com/office/drawing/2017/decorative" val="1"/>
+                <adec:decorative xmlns:adec="http://schemas.microsoft.com/office/drawing/2017/decorative" xmlns="" val="1"/>
               </a:ext>
             </a:extLst>
           </p:cNvPr>
@@ -21784,7 +21758,7 @@
                 <a16:creationId xmlns:a16="http://schemas.microsoft.com/office/drawing/2014/main" id="{8A610DC7-FE1B-47B9-8452-CFC389786C2D}"/>
               </a:ext>
               <a:ext uri="{C183D7F6-B498-43B3-948B-1728B52AA6E4}">
-                <adec:decorative xmlns:adec="http://schemas.microsoft.com/office/drawing/2017/decorative" val="1"/>
+                <adec:decorative xmlns:adec="http://schemas.microsoft.com/office/drawing/2017/decorative" xmlns="" val="1"/>
               </a:ext>
             </a:extLst>
           </p:cNvPr>
@@ -21858,7 +21832,7 @@
                 <a16:creationId xmlns:a16="http://schemas.microsoft.com/office/drawing/2014/main" id="{2742ADC1-2286-40B7-A3C6-D6C3362FA04B}"/>
               </a:ext>
               <a:ext uri="{C183D7F6-B498-43B3-948B-1728B52AA6E4}">
-                <adec:decorative xmlns:adec="http://schemas.microsoft.com/office/drawing/2017/decorative" val="1"/>
+                <adec:decorative xmlns:adec="http://schemas.microsoft.com/office/drawing/2017/decorative" xmlns="" val="1"/>
               </a:ext>
             </a:extLst>
           </p:cNvPr>
@@ -21902,7 +21876,7 @@
                 <a16:creationId xmlns:a16="http://schemas.microsoft.com/office/drawing/2014/main" id="{C878FBDC-78F2-4D49-8DB3-1A48CA9F7FC0}"/>
               </a:ext>
               <a:ext uri="{C183D7F6-B498-43B3-948B-1728B52AA6E4}">
-                <adec:decorative xmlns:adec="http://schemas.microsoft.com/office/drawing/2017/decorative" val="1"/>
+                <adec:decorative xmlns:adec="http://schemas.microsoft.com/office/drawing/2017/decorative" xmlns="" val="1"/>
               </a:ext>
             </a:extLst>
           </p:cNvPr>
@@ -21946,7 +21920,7 @@
                 <a16:creationId xmlns:a16="http://schemas.microsoft.com/office/drawing/2014/main" id="{DC9A0934-0C2C-4565-9290-A345B19BD94C}"/>
               </a:ext>
               <a:ext uri="{C183D7F6-B498-43B3-948B-1728B52AA6E4}">
-                <adec:decorative xmlns:adec="http://schemas.microsoft.com/office/drawing/2017/decorative" val="1"/>
+                <adec:decorative xmlns:adec="http://schemas.microsoft.com/office/drawing/2017/decorative" xmlns="" val="1"/>
               </a:ext>
             </a:extLst>
           </p:cNvPr>
@@ -21999,7 +21973,7 @@
                 <a16:creationId xmlns:a16="http://schemas.microsoft.com/office/drawing/2014/main" id="{0D4359AF-7256-4C60-9759-E796CFF40077}"/>
               </a:ext>
               <a:ext uri="{C183D7F6-B498-43B3-948B-1728B52AA6E4}">
-                <adec:decorative xmlns:adec="http://schemas.microsoft.com/office/drawing/2017/decorative" val="1"/>
+                <adec:decorative xmlns:adec="http://schemas.microsoft.com/office/drawing/2017/decorative" xmlns="" val="1"/>
               </a:ext>
             </a:extLst>
           </p:cNvPr>
@@ -22062,7 +22036,7 @@
                 <a16:creationId xmlns:a16="http://schemas.microsoft.com/office/drawing/2014/main" id="{340782AB-F63E-4996-ACC3-9F141BEAD44A}"/>
               </a:ext>
               <a:ext uri="{C183D7F6-B498-43B3-948B-1728B52AA6E4}">
-                <adec:decorative xmlns:adec="http://schemas.microsoft.com/office/drawing/2017/decorative" val="1"/>
+                <adec:decorative xmlns:adec="http://schemas.microsoft.com/office/drawing/2017/decorative" xmlns="" val="1"/>
               </a:ext>
             </a:extLst>
           </p:cNvPr>
@@ -22115,7 +22089,7 @@
                 <a16:creationId xmlns:a16="http://schemas.microsoft.com/office/drawing/2014/main" id="{EFF73443-A1E0-4E5D-8332-FD14F242237B}"/>
               </a:ext>
               <a:ext uri="{C183D7F6-B498-43B3-948B-1728B52AA6E4}">
-                <adec:decorative xmlns:adec="http://schemas.microsoft.com/office/drawing/2017/decorative" val="1"/>
+                <adec:decorative xmlns:adec="http://schemas.microsoft.com/office/drawing/2017/decorative" xmlns="" val="1"/>
               </a:ext>
             </a:extLst>
           </p:cNvPr>
@@ -22479,7 +22453,7 @@
                 <a16:creationId xmlns:a16="http://schemas.microsoft.com/office/drawing/2014/main" id="{8F9D937A-C73E-4D45-976D-91588160770F}"/>
               </a:ext>
               <a:ext uri="{C183D7F6-B498-43B3-948B-1728B52AA6E4}">
-                <adec:decorative xmlns:adec="http://schemas.microsoft.com/office/drawing/2017/decorative" val="1"/>
+                <adec:decorative xmlns:adec="http://schemas.microsoft.com/office/drawing/2017/decorative" xmlns="" val="1"/>
               </a:ext>
             </a:extLst>
           </p:cNvPr>
@@ -22539,7 +22513,7 @@
                 <a16:creationId xmlns:a16="http://schemas.microsoft.com/office/drawing/2014/main" id="{90681C35-61CA-4FDB-8327-1EFEC0462DC2}"/>
               </a:ext>
               <a:ext uri="{C183D7F6-B498-43B3-948B-1728B52AA6E4}">
-                <adec:decorative xmlns:adec="http://schemas.microsoft.com/office/drawing/2017/decorative" val="1"/>
+                <adec:decorative xmlns:adec="http://schemas.microsoft.com/office/drawing/2017/decorative" xmlns="" val="1"/>
               </a:ext>
             </a:extLst>
           </p:cNvPr>
